--- a/Presentasi-Statistika-kelompok-3.pptx
+++ b/Presentasi-Statistika-kelompok-3.pptx
@@ -7,7 +7,7 @@
     <p:sldMasterId id="2147483653" r:id="rId3"/>
   </p:sldMasterIdLst>
   <p:notesMasterIdLst>
-    <p:notesMasterId r:id="rId13"/>
+    <p:notesMasterId r:id="rId17"/>
   </p:notesMasterIdLst>
   <p:sldIdLst>
     <p:sldId id="256" r:id="rId4"/>
@@ -19,6 +19,10 @@
     <p:sldId id="298" r:id="rId10"/>
     <p:sldId id="299" r:id="rId11"/>
     <p:sldId id="300" r:id="rId12"/>
+    <p:sldId id="301" r:id="rId13"/>
+    <p:sldId id="302" r:id="rId14"/>
+    <p:sldId id="303" r:id="rId15"/>
+    <p:sldId id="304" r:id="rId16"/>
   </p:sldIdLst>
   <p:sldSz cx="9144000" cy="5143500" type="screen16x9"/>
   <p:notesSz cx="6858000" cy="9144000"/>
@@ -5212,6 +5216,1221 @@
     <p:extLst>
       <p:ext uri="{BB962C8B-B14F-4D97-AF65-F5344CB8AC3E}">
         <p14:creationId xmlns:p14="http://schemas.microsoft.com/office/powerpoint/2010/main" val="2971841378"/>
+      </p:ext>
+    </p:extLst>
+  </p:cSld>
+  <p:clrMapOvr>
+    <a:masterClrMapping/>
+  </p:clrMapOvr>
+</p:sld>
+</file>
+
+<file path=ppt/slides/slide10.xml><?xml version="1.0" encoding="utf-8"?>
+<p:sld xmlns:a="http://schemas.openxmlformats.org/drawingml/2006/main" xmlns:r="http://schemas.openxmlformats.org/officeDocument/2006/relationships" xmlns:p="http://schemas.openxmlformats.org/presentationml/2006/main">
+  <p:cSld>
+    <p:spTree>
+      <p:nvGrpSpPr>
+        <p:cNvPr id="1" name=""/>
+        <p:cNvGrpSpPr/>
+        <p:nvPr/>
+      </p:nvGrpSpPr>
+      <p:grpSpPr>
+        <a:xfrm>
+          <a:off x="0" y="0"/>
+          <a:ext cx="0" cy="0"/>
+          <a:chOff x="0" y="0"/>
+          <a:chExt cx="0" cy="0"/>
+        </a:xfrm>
+      </p:grpSpPr>
+      <p:sp>
+        <p:nvSpPr>
+          <p:cNvPr id="2" name="Text Placeholder 1"/>
+          <p:cNvSpPr>
+            <a:spLocks noGrp="1"/>
+          </p:cNvSpPr>
+          <p:nvPr>
+            <p:ph type="body" sz="quarter" idx="10"/>
+          </p:nvPr>
+        </p:nvSpPr>
+        <p:spPr/>
+        <p:txBody>
+          <a:bodyPr/>
+          <a:lstStyle/>
+          <a:p>
+            <a:r>
+              <a:rPr lang="en-US" altLang="ko-KR" dirty="0" err="1"/>
+              <a:t>Definisi</a:t>
+            </a:r>
+            <a:endParaRPr lang="ko-KR" altLang="en-US" dirty="0"/>
+          </a:p>
+        </p:txBody>
+      </p:sp>
+      <p:sp>
+        <p:nvSpPr>
+          <p:cNvPr id="3" name="Text Placeholder 2"/>
+          <p:cNvSpPr>
+            <a:spLocks noGrp="1"/>
+          </p:cNvSpPr>
+          <p:nvPr>
+            <p:ph type="body" sz="quarter" idx="11"/>
+          </p:nvPr>
+        </p:nvSpPr>
+        <p:spPr/>
+        <p:txBody>
+          <a:bodyPr/>
+          <a:lstStyle/>
+          <a:p>
+            <a:pPr lvl="0"/>
+            <a:r>
+              <a:rPr lang="en-US" altLang="ko-KR" b="1" dirty="0" err="1"/>
+              <a:t>Simpangan</a:t>
+            </a:r>
+            <a:r>
+              <a:rPr lang="en-US" altLang="ko-KR" b="1" dirty="0"/>
+              <a:t> Baku</a:t>
+            </a:r>
+          </a:p>
+        </p:txBody>
+      </p:sp>
+      <mc:AlternateContent xmlns:mc="http://schemas.openxmlformats.org/markup-compatibility/2006">
+        <mc:Choice xmlns:a14="http://schemas.microsoft.com/office/drawing/2010/main" Requires="a14">
+          <p:sp>
+            <p:nvSpPr>
+              <p:cNvPr id="5" name="TextBox 4"/>
+              <p:cNvSpPr txBox="1"/>
+              <p:nvPr/>
+            </p:nvSpPr>
+            <p:spPr>
+              <a:xfrm>
+                <a:off x="4572000" y="2260547"/>
+                <a:ext cx="4176464" cy="622414"/>
+              </a:xfrm>
+              <a:prstGeom prst="rect">
+                <a:avLst/>
+              </a:prstGeom>
+              <a:noFill/>
+            </p:spPr>
+            <p:txBody>
+              <a:bodyPr wrap="square" rtlCol="0" anchor="ctr">
+                <a:spAutoFit/>
+              </a:bodyPr>
+              <a:lstStyle/>
+              <a:p>
+                <a:r>
+                  <a:rPr lang="en-US" altLang="ko-KR" sz="1600" dirty="0">
+                    <a:cs typeface="Arial" pitchFamily="34" charset="0"/>
+                  </a:rPr>
+                  <a:t>Akar </a:t>
+                </a:r>
+                <a:r>
+                  <a:rPr lang="en-US" altLang="ko-KR" sz="1600" dirty="0" err="1">
+                    <a:cs typeface="Arial" pitchFamily="34" charset="0"/>
+                  </a:rPr>
+                  <a:t>pangkat</a:t>
+                </a:r>
+                <a:r>
+                  <a:rPr lang="en-US" altLang="ko-KR" sz="1600" dirty="0">
+                    <a:cs typeface="Arial" pitchFamily="34" charset="0"/>
+                  </a:rPr>
+                  <a:t> </a:t>
+                </a:r>
+                <a:r>
+                  <a:rPr lang="en-US" altLang="ko-KR" sz="1600" dirty="0" err="1">
+                    <a:cs typeface="Arial" pitchFamily="34" charset="0"/>
+                  </a:rPr>
+                  <a:t>dua</a:t>
+                </a:r>
+                <a:r>
+                  <a:rPr lang="en-US" altLang="ko-KR" sz="1600" dirty="0">
+                    <a:cs typeface="Arial" pitchFamily="34" charset="0"/>
+                  </a:rPr>
+                  <a:t> </a:t>
+                </a:r>
+                <a:r>
+                  <a:rPr lang="en-US" altLang="ko-KR" sz="1600" dirty="0" err="1">
+                    <a:cs typeface="Arial" pitchFamily="34" charset="0"/>
+                  </a:rPr>
+                  <a:t>dari</a:t>
+                </a:r>
+                <a:r>
+                  <a:rPr lang="en-US" altLang="ko-KR" sz="1600" dirty="0">
+                    <a:cs typeface="Arial" pitchFamily="34" charset="0"/>
+                  </a:rPr>
+                  <a:t> </a:t>
+                </a:r>
+                <a:r>
+                  <a:rPr lang="en-US" altLang="ko-KR" sz="1600" dirty="0" err="1">
+                    <a:cs typeface="Arial" pitchFamily="34" charset="0"/>
+                  </a:rPr>
+                  <a:t>variasi</a:t>
+                </a:r>
+                <a:r>
+                  <a:rPr lang="en-US" altLang="ko-KR" sz="1600" dirty="0">
+                    <a:cs typeface="Arial" pitchFamily="34" charset="0"/>
+                  </a:rPr>
+                  <a:t> </a:t>
+                </a:r>
+                <a:r>
+                  <a:rPr lang="en-US" altLang="ko-KR" sz="1600" dirty="0" err="1">
+                    <a:cs typeface="Arial" pitchFamily="34" charset="0"/>
+                  </a:rPr>
+                  <a:t>simpangan</a:t>
+                </a:r>
+                <a:endParaRPr lang="en-US" altLang="ko-KR" sz="1600" dirty="0">
+                  <a:cs typeface="Arial" pitchFamily="34" charset="0"/>
+                </a:endParaRPr>
+              </a:p>
+              <a:p>
+                <a:r>
+                  <a:rPr lang="en-US" altLang="ko-KR" sz="1600" dirty="0">
+                    <a:cs typeface="Arial" pitchFamily="34" charset="0"/>
+                  </a:rPr>
+                  <a:t>Baku (S) = </a:t>
+                </a:r>
+                <a14:m>
+                  <m:oMath xmlns:m="http://schemas.openxmlformats.org/officeDocument/2006/math">
+                    <m:r>
+                      <a:rPr lang="en-US" altLang="ko-KR" sz="1600" i="1" smtClean="0">
+                        <a:latin typeface="Cambria Math" panose="02040503050406030204" pitchFamily="18" charset="0"/>
+                        <a:ea typeface="Cambria Math" panose="02040503050406030204" pitchFamily="18" charset="0"/>
+                        <a:cs typeface="Arial" pitchFamily="34" charset="0"/>
+                      </a:rPr>
+                      <m:t>√</m:t>
+                    </m:r>
+                  </m:oMath>
+                </a14:m>
+                <a:r>
+                  <a:rPr lang="en-US" altLang="ko-KR" sz="1600" dirty="0">
+                    <a:cs typeface="Arial" pitchFamily="34" charset="0"/>
+                  </a:rPr>
+                  <a:t> </a:t>
+                </a:r>
+                <a14:m>
+                  <m:oMath xmlns:m="http://schemas.openxmlformats.org/officeDocument/2006/math">
+                    <m:sSup>
+                      <m:sSupPr>
+                        <m:ctrlPr>
+                          <a:rPr lang="en-US" altLang="ko-KR" sz="1600" i="1" dirty="0" smtClean="0">
+                            <a:latin typeface="Cambria Math" panose="02040503050406030204" pitchFamily="18" charset="0"/>
+                            <a:cs typeface="Arial" pitchFamily="34" charset="0"/>
+                          </a:rPr>
+                        </m:ctrlPr>
+                      </m:sSupPr>
+                      <m:e>
+                        <m:r>
+                          <a:rPr lang="en-US" altLang="ko-KR" sz="1600" b="0" i="1" dirty="0" smtClean="0">
+                            <a:latin typeface="Cambria Math" panose="02040503050406030204" pitchFamily="18" charset="0"/>
+                            <a:cs typeface="Arial" pitchFamily="34" charset="0"/>
+                          </a:rPr>
+                          <m:t>𝑠</m:t>
+                        </m:r>
+                      </m:e>
+                      <m:sup>
+                        <m:r>
+                          <a:rPr lang="en-US" altLang="ko-KR" sz="1600" i="1" dirty="0" smtClean="0">
+                            <a:latin typeface="Cambria Math" panose="02040503050406030204" pitchFamily="18" charset="0"/>
+                            <a:cs typeface="Arial" pitchFamily="34" charset="0"/>
+                          </a:rPr>
+                          <m:t>2</m:t>
+                        </m:r>
+                      </m:sup>
+                    </m:sSup>
+                  </m:oMath>
+                </a14:m>
+                <a:endParaRPr lang="en-US" altLang="ko-KR" sz="1600" dirty="0">
+                  <a:cs typeface="Arial" pitchFamily="34" charset="0"/>
+                </a:endParaRPr>
+              </a:p>
+            </p:txBody>
+          </p:sp>
+        </mc:Choice>
+        <mc:Fallback>
+          <p:sp>
+            <p:nvSpPr>
+              <p:cNvPr id="5" name="TextBox 4"/>
+              <p:cNvSpPr txBox="1">
+                <a:spLocks noRot="1" noChangeAspect="1" noMove="1" noResize="1" noEditPoints="1" noAdjustHandles="1" noChangeArrowheads="1" noChangeShapeType="1" noTextEdit="1"/>
+              </p:cNvSpPr>
+              <p:nvPr/>
+            </p:nvSpPr>
+            <p:spPr>
+              <a:xfrm>
+                <a:off x="4572000" y="2260547"/>
+                <a:ext cx="4176464" cy="622414"/>
+              </a:xfrm>
+              <a:prstGeom prst="rect">
+                <a:avLst/>
+              </a:prstGeom>
+              <a:blipFill>
+                <a:blip r:embed="rId2"/>
+                <a:stretch>
+                  <a:fillRect l="-730" t="-980" b="-10784"/>
+                </a:stretch>
+              </a:blipFill>
+            </p:spPr>
+            <p:txBody>
+              <a:bodyPr/>
+              <a:lstStyle/>
+              <a:p>
+                <a:r>
+                  <a:rPr lang="en-US">
+                    <a:noFill/>
+                  </a:rPr>
+                  <a:t> </a:t>
+                </a:r>
+              </a:p>
+            </p:txBody>
+          </p:sp>
+        </mc:Fallback>
+      </mc:AlternateContent>
+      <p:pic>
+        <p:nvPicPr>
+          <p:cNvPr id="6" name="Picture 5">
+            <a:extLst>
+              <a:ext uri="{FF2B5EF4-FFF2-40B4-BE49-F238E27FC236}">
+                <a16:creationId xmlns:a16="http://schemas.microsoft.com/office/drawing/2014/main" id="{57529BAC-E5D8-4DA6-AC40-291E9DDF15BB}"/>
+              </a:ext>
+            </a:extLst>
+          </p:cNvPr>
+          <p:cNvPicPr>
+            <a:picLocks noChangeAspect="1"/>
+          </p:cNvPicPr>
+          <p:nvPr/>
+        </p:nvPicPr>
+        <p:blipFill>
+          <a:blip r:embed="rId3">
+            <a:extLst>
+              <a:ext uri="{28A0092B-C50C-407E-A947-70E740481C1C}">
+                <a14:useLocalDpi xmlns:a14="http://schemas.microsoft.com/office/drawing/2010/main" val="0"/>
+              </a:ext>
+            </a:extLst>
+          </a:blip>
+          <a:stretch>
+            <a:fillRect/>
+          </a:stretch>
+        </p:blipFill>
+        <p:spPr>
+          <a:xfrm>
+            <a:off x="827584" y="1851670"/>
+            <a:ext cx="3302207" cy="1656184"/>
+          </a:xfrm>
+          <a:prstGeom prst="rect">
+            <a:avLst/>
+          </a:prstGeom>
+        </p:spPr>
+      </p:pic>
+    </p:spTree>
+    <p:extLst>
+      <p:ext uri="{BB962C8B-B14F-4D97-AF65-F5344CB8AC3E}">
+        <p14:creationId xmlns:p14="http://schemas.microsoft.com/office/powerpoint/2010/main" val="1778429510"/>
+      </p:ext>
+    </p:extLst>
+  </p:cSld>
+  <p:clrMapOvr>
+    <a:masterClrMapping/>
+  </p:clrMapOvr>
+</p:sld>
+</file>
+
+<file path=ppt/slides/slide11.xml><?xml version="1.0" encoding="utf-8"?>
+<p:sld xmlns:a="http://schemas.openxmlformats.org/drawingml/2006/main" xmlns:r="http://schemas.openxmlformats.org/officeDocument/2006/relationships" xmlns:p="http://schemas.openxmlformats.org/presentationml/2006/main">
+  <p:cSld>
+    <p:spTree>
+      <p:nvGrpSpPr>
+        <p:cNvPr id="1" name=""/>
+        <p:cNvGrpSpPr/>
+        <p:nvPr/>
+      </p:nvGrpSpPr>
+      <p:grpSpPr>
+        <a:xfrm>
+          <a:off x="0" y="0"/>
+          <a:ext cx="0" cy="0"/>
+          <a:chOff x="0" y="0"/>
+          <a:chExt cx="0" cy="0"/>
+        </a:xfrm>
+      </p:grpSpPr>
+      <p:sp>
+        <p:nvSpPr>
+          <p:cNvPr id="2" name="Text Placeholder 1"/>
+          <p:cNvSpPr>
+            <a:spLocks noGrp="1"/>
+          </p:cNvSpPr>
+          <p:nvPr>
+            <p:ph type="body" sz="quarter" idx="10"/>
+          </p:nvPr>
+        </p:nvSpPr>
+        <p:spPr/>
+        <p:txBody>
+          <a:bodyPr/>
+          <a:lstStyle/>
+          <a:p>
+            <a:r>
+              <a:rPr lang="en-US" altLang="ko-KR" dirty="0" err="1"/>
+              <a:t>Definisi</a:t>
+            </a:r>
+            <a:endParaRPr lang="ko-KR" altLang="en-US" dirty="0"/>
+          </a:p>
+        </p:txBody>
+      </p:sp>
+      <p:sp>
+        <p:nvSpPr>
+          <p:cNvPr id="3" name="Text Placeholder 2"/>
+          <p:cNvSpPr>
+            <a:spLocks noGrp="1"/>
+          </p:cNvSpPr>
+          <p:nvPr>
+            <p:ph type="body" sz="quarter" idx="11"/>
+          </p:nvPr>
+        </p:nvSpPr>
+        <p:spPr/>
+        <p:txBody>
+          <a:bodyPr/>
+          <a:lstStyle/>
+          <a:p>
+            <a:pPr lvl="0"/>
+            <a:r>
+              <a:rPr lang="en-US" altLang="ko-KR" b="1" dirty="0" err="1"/>
+              <a:t>Jangkauan</a:t>
+            </a:r>
+            <a:r>
+              <a:rPr lang="en-US" altLang="ko-KR" b="1" dirty="0"/>
+              <a:t> </a:t>
+            </a:r>
+            <a:r>
+              <a:rPr lang="en-US" altLang="ko-KR" b="1" dirty="0" err="1"/>
+              <a:t>Kuartil</a:t>
+            </a:r>
+            <a:endParaRPr lang="en-US" altLang="ko-KR" b="1" dirty="0"/>
+          </a:p>
+        </p:txBody>
+      </p:sp>
+      <p:sp>
+        <p:nvSpPr>
+          <p:cNvPr id="5" name="TextBox 4"/>
+          <p:cNvSpPr txBox="1"/>
+          <p:nvPr/>
+        </p:nvSpPr>
+        <p:spPr>
+          <a:xfrm>
+            <a:off x="4572000" y="1563638"/>
+            <a:ext cx="4176464" cy="584775"/>
+          </a:xfrm>
+          <a:prstGeom prst="rect">
+            <a:avLst/>
+          </a:prstGeom>
+          <a:noFill/>
+        </p:spPr>
+        <p:txBody>
+          <a:bodyPr wrap="square" rtlCol="0" anchor="ctr">
+            <a:spAutoFit/>
+          </a:bodyPr>
+          <a:lstStyle/>
+          <a:p>
+            <a:r>
+              <a:rPr lang="en-US" altLang="ko-KR" sz="1600" dirty="0" err="1">
+                <a:cs typeface="Arial" pitchFamily="34" charset="0"/>
+              </a:rPr>
+              <a:t>Disebut</a:t>
+            </a:r>
+            <a:r>
+              <a:rPr lang="en-US" altLang="ko-KR" sz="1600" dirty="0">
+                <a:cs typeface="Arial" pitchFamily="34" charset="0"/>
+              </a:rPr>
+              <a:t> juga </a:t>
+            </a:r>
+            <a:r>
+              <a:rPr lang="en-US" altLang="ko-KR" sz="1600" dirty="0" err="1">
+                <a:cs typeface="Arial" pitchFamily="34" charset="0"/>
+              </a:rPr>
+              <a:t>simpangan</a:t>
+            </a:r>
+            <a:r>
+              <a:rPr lang="en-US" altLang="ko-KR" sz="1600" dirty="0">
+                <a:cs typeface="Arial" pitchFamily="34" charset="0"/>
+              </a:rPr>
+              <a:t> </a:t>
+            </a:r>
+            <a:r>
+              <a:rPr lang="en-US" altLang="ko-KR" sz="1600" dirty="0" err="1">
+                <a:cs typeface="Arial" pitchFamily="34" charset="0"/>
+              </a:rPr>
+              <a:t>kuartil</a:t>
+            </a:r>
+            <a:r>
+              <a:rPr lang="en-US" altLang="ko-KR" sz="1600" dirty="0">
+                <a:cs typeface="Arial" pitchFamily="34" charset="0"/>
+              </a:rPr>
+              <a:t> </a:t>
+            </a:r>
+            <a:r>
+              <a:rPr lang="en-US" altLang="ko-KR" sz="1600" dirty="0" err="1">
+                <a:cs typeface="Arial" pitchFamily="34" charset="0"/>
+              </a:rPr>
+              <a:t>atau</a:t>
+            </a:r>
+            <a:r>
+              <a:rPr lang="en-US" altLang="ko-KR" sz="1600" dirty="0">
+                <a:cs typeface="Arial" pitchFamily="34" charset="0"/>
+              </a:rPr>
+              <a:t> </a:t>
+            </a:r>
+            <a:r>
+              <a:rPr lang="en-US" altLang="ko-KR" sz="1600" dirty="0" err="1">
+                <a:cs typeface="Arial" pitchFamily="34" charset="0"/>
+              </a:rPr>
+              <a:t>rentang</a:t>
+            </a:r>
+            <a:endParaRPr lang="en-US" altLang="ko-KR" sz="1600" dirty="0">
+              <a:cs typeface="Arial" pitchFamily="34" charset="0"/>
+            </a:endParaRPr>
+          </a:p>
+          <a:p>
+            <a:r>
+              <a:rPr lang="en-US" altLang="ko-KR" sz="1600" dirty="0">
+                <a:cs typeface="Arial" pitchFamily="34" charset="0"/>
+              </a:rPr>
+              <a:t>semi </a:t>
+            </a:r>
+            <a:r>
+              <a:rPr lang="en-US" altLang="ko-KR" sz="1600" dirty="0" err="1">
+                <a:cs typeface="Arial" pitchFamily="34" charset="0"/>
+              </a:rPr>
+              <a:t>antar</a:t>
+            </a:r>
+            <a:r>
+              <a:rPr lang="en-US" altLang="ko-KR" sz="1600" dirty="0">
+                <a:cs typeface="Arial" pitchFamily="34" charset="0"/>
+              </a:rPr>
+              <a:t> </a:t>
+            </a:r>
+            <a:r>
+              <a:rPr lang="en-US" altLang="ko-KR" sz="1600" dirty="0" err="1">
+                <a:cs typeface="Arial" pitchFamily="34" charset="0"/>
+              </a:rPr>
+              <a:t>kuartil</a:t>
+            </a:r>
+            <a:r>
+              <a:rPr lang="en-US" altLang="ko-KR" sz="1600" dirty="0">
+                <a:cs typeface="Arial" pitchFamily="34" charset="0"/>
+              </a:rPr>
+              <a:t> </a:t>
+            </a:r>
+            <a:r>
+              <a:rPr lang="en-US" altLang="ko-KR" sz="1600" dirty="0" err="1">
+                <a:cs typeface="Arial" pitchFamily="34" charset="0"/>
+              </a:rPr>
+              <a:t>atau</a:t>
+            </a:r>
+            <a:r>
+              <a:rPr lang="en-US" altLang="ko-KR" sz="1600" dirty="0">
+                <a:cs typeface="Arial" pitchFamily="34" charset="0"/>
+              </a:rPr>
+              <a:t> </a:t>
+            </a:r>
+            <a:r>
+              <a:rPr lang="en-US" altLang="ko-KR" sz="1600" dirty="0" err="1">
+                <a:cs typeface="Arial" pitchFamily="34" charset="0"/>
+              </a:rPr>
+              <a:t>deviasi</a:t>
+            </a:r>
+            <a:r>
+              <a:rPr lang="en-US" altLang="ko-KR" sz="1600" dirty="0">
+                <a:cs typeface="Arial" pitchFamily="34" charset="0"/>
+              </a:rPr>
+              <a:t> </a:t>
+            </a:r>
+            <a:r>
+              <a:rPr lang="en-US" altLang="ko-KR" sz="1600" dirty="0" err="1">
+                <a:cs typeface="Arial" pitchFamily="34" charset="0"/>
+              </a:rPr>
+              <a:t>kuartil</a:t>
+            </a:r>
+            <a:endParaRPr lang="en-US" altLang="ko-KR" sz="1600" dirty="0">
+              <a:cs typeface="Arial" pitchFamily="34" charset="0"/>
+            </a:endParaRPr>
+          </a:p>
+        </p:txBody>
+      </p:sp>
+      <p:pic>
+        <p:nvPicPr>
+          <p:cNvPr id="4" name="Picture 3">
+            <a:extLst>
+              <a:ext uri="{FF2B5EF4-FFF2-40B4-BE49-F238E27FC236}">
+                <a16:creationId xmlns:a16="http://schemas.microsoft.com/office/drawing/2014/main" id="{C27B93EB-9127-4B37-890D-4B37860BA564}"/>
+              </a:ext>
+            </a:extLst>
+          </p:cNvPr>
+          <p:cNvPicPr>
+            <a:picLocks noChangeAspect="1"/>
+          </p:cNvPicPr>
+          <p:nvPr/>
+        </p:nvPicPr>
+        <p:blipFill>
+          <a:blip r:embed="rId2">
+            <a:clrChange>
+              <a:clrFrom>
+                <a:srgbClr val="FFFFFF"/>
+              </a:clrFrom>
+              <a:clrTo>
+                <a:srgbClr val="FFFFFF">
+                  <a:alpha val="0"/>
+                </a:srgbClr>
+              </a:clrTo>
+            </a:clrChange>
+            <a:extLst>
+              <a:ext uri="{BEBA8EAE-BF5A-486C-A8C5-ECC9F3942E4B}">
+                <a14:imgProps xmlns:a14="http://schemas.microsoft.com/office/drawing/2010/main">
+                  <a14:imgLayer r:embed="rId3">
+                    <a14:imgEffect>
+                      <a14:saturation sat="200000"/>
+                    </a14:imgEffect>
+                  </a14:imgLayer>
+                </a14:imgProps>
+              </a:ext>
+            </a:extLst>
+          </a:blip>
+          <a:stretch>
+            <a:fillRect/>
+          </a:stretch>
+        </p:blipFill>
+        <p:spPr>
+          <a:xfrm>
+            <a:off x="4644008" y="2300982"/>
+            <a:ext cx="3194868" cy="1198782"/>
+          </a:xfrm>
+          <a:prstGeom prst="rect">
+            <a:avLst/>
+          </a:prstGeom>
+        </p:spPr>
+      </p:pic>
+      <p:sp>
+        <p:nvSpPr>
+          <p:cNvPr id="8" name="TextBox 7">
+            <a:extLst>
+              <a:ext uri="{FF2B5EF4-FFF2-40B4-BE49-F238E27FC236}">
+                <a16:creationId xmlns:a16="http://schemas.microsoft.com/office/drawing/2014/main" id="{19611154-22EA-4008-B195-364F27E6F1C5}"/>
+              </a:ext>
+            </a:extLst>
+          </p:cNvPr>
+          <p:cNvSpPr txBox="1"/>
+          <p:nvPr/>
+        </p:nvSpPr>
+        <p:spPr>
+          <a:xfrm>
+            <a:off x="971600" y="1040417"/>
+            <a:ext cx="2520280" cy="2215991"/>
+          </a:xfrm>
+          <a:prstGeom prst="rect">
+            <a:avLst/>
+          </a:prstGeom>
+          <a:noFill/>
+        </p:spPr>
+        <p:txBody>
+          <a:bodyPr wrap="square" rtlCol="0" anchor="ctr">
+            <a:spAutoFit/>
+          </a:bodyPr>
+          <a:lstStyle/>
+          <a:p>
+            <a:pPr algn="ctr"/>
+            <a:r>
+              <a:rPr lang="en-US" sz="13800" dirty="0">
+                <a:solidFill>
+                  <a:schemeClr val="accent6">
+                    <a:lumMod val="75000"/>
+                  </a:schemeClr>
+                </a:solidFill>
+              </a:rPr>
+              <a:t>q</a:t>
+            </a:r>
+          </a:p>
+        </p:txBody>
+      </p:sp>
+    </p:spTree>
+    <p:extLst>
+      <p:ext uri="{BB962C8B-B14F-4D97-AF65-F5344CB8AC3E}">
+        <p14:creationId xmlns:p14="http://schemas.microsoft.com/office/powerpoint/2010/main" val="327592767"/>
+      </p:ext>
+    </p:extLst>
+  </p:cSld>
+  <p:clrMapOvr>
+    <a:masterClrMapping/>
+  </p:clrMapOvr>
+</p:sld>
+</file>
+
+<file path=ppt/slides/slide12.xml><?xml version="1.0" encoding="utf-8"?>
+<p:sld xmlns:a="http://schemas.openxmlformats.org/drawingml/2006/main" xmlns:r="http://schemas.openxmlformats.org/officeDocument/2006/relationships" xmlns:p="http://schemas.openxmlformats.org/presentationml/2006/main">
+  <p:cSld>
+    <p:spTree>
+      <p:nvGrpSpPr>
+        <p:cNvPr id="1" name=""/>
+        <p:cNvGrpSpPr/>
+        <p:nvPr/>
+      </p:nvGrpSpPr>
+      <p:grpSpPr>
+        <a:xfrm>
+          <a:off x="0" y="0"/>
+          <a:ext cx="0" cy="0"/>
+          <a:chOff x="0" y="0"/>
+          <a:chExt cx="0" cy="0"/>
+        </a:xfrm>
+      </p:grpSpPr>
+      <p:sp>
+        <p:nvSpPr>
+          <p:cNvPr id="2" name="Text Placeholder 1"/>
+          <p:cNvSpPr>
+            <a:spLocks noGrp="1"/>
+          </p:cNvSpPr>
+          <p:nvPr>
+            <p:ph type="body" sz="quarter" idx="10"/>
+          </p:nvPr>
+        </p:nvSpPr>
+        <p:spPr/>
+        <p:txBody>
+          <a:bodyPr/>
+          <a:lstStyle/>
+          <a:p>
+            <a:r>
+              <a:rPr lang="en-US" altLang="ko-KR" dirty="0" err="1"/>
+              <a:t>Definisi</a:t>
+            </a:r>
+            <a:endParaRPr lang="ko-KR" altLang="en-US" dirty="0"/>
+          </a:p>
+        </p:txBody>
+      </p:sp>
+      <p:sp>
+        <p:nvSpPr>
+          <p:cNvPr id="3" name="Text Placeholder 2"/>
+          <p:cNvSpPr>
+            <a:spLocks noGrp="1"/>
+          </p:cNvSpPr>
+          <p:nvPr>
+            <p:ph type="body" sz="quarter" idx="11"/>
+          </p:nvPr>
+        </p:nvSpPr>
+        <p:spPr/>
+        <p:txBody>
+          <a:bodyPr/>
+          <a:lstStyle/>
+          <a:p>
+            <a:pPr lvl="0"/>
+            <a:r>
+              <a:rPr lang="en-US" altLang="ko-KR" b="1" dirty="0" err="1"/>
+              <a:t>Jangkauan</a:t>
+            </a:r>
+            <a:r>
+              <a:rPr lang="en-US" altLang="ko-KR" b="1" dirty="0"/>
+              <a:t> </a:t>
+            </a:r>
+            <a:r>
+              <a:rPr lang="en-US" altLang="ko-KR" b="1" dirty="0" err="1"/>
+              <a:t>Persentil</a:t>
+            </a:r>
+            <a:endParaRPr lang="en-US" altLang="ko-KR" b="1" dirty="0"/>
+          </a:p>
+        </p:txBody>
+      </p:sp>
+      <p:sp>
+        <p:nvSpPr>
+          <p:cNvPr id="5" name="TextBox 4"/>
+          <p:cNvSpPr txBox="1"/>
+          <p:nvPr/>
+        </p:nvSpPr>
+        <p:spPr>
+          <a:xfrm>
+            <a:off x="4572000" y="1563638"/>
+            <a:ext cx="4176464" cy="584775"/>
+          </a:xfrm>
+          <a:prstGeom prst="rect">
+            <a:avLst/>
+          </a:prstGeom>
+          <a:noFill/>
+        </p:spPr>
+        <p:txBody>
+          <a:bodyPr wrap="square" rtlCol="0" anchor="ctr">
+            <a:spAutoFit/>
+          </a:bodyPr>
+          <a:lstStyle/>
+          <a:p>
+            <a:r>
+              <a:rPr lang="en-US" altLang="ko-KR" sz="1600" dirty="0" err="1">
+                <a:cs typeface="Arial" pitchFamily="34" charset="0"/>
+              </a:rPr>
+              <a:t>Sekumpulan</a:t>
+            </a:r>
+            <a:r>
+              <a:rPr lang="en-US" altLang="ko-KR" sz="1600" dirty="0">
+                <a:cs typeface="Arial" pitchFamily="34" charset="0"/>
+              </a:rPr>
+              <a:t> data yang </a:t>
+            </a:r>
+            <a:r>
+              <a:rPr lang="en-US" altLang="ko-KR" sz="1600" dirty="0" err="1">
+                <a:cs typeface="Arial" pitchFamily="34" charset="0"/>
+              </a:rPr>
+              <a:t>mempunyai</a:t>
+            </a:r>
+            <a:r>
+              <a:rPr lang="en-US" altLang="ko-KR" sz="1600" dirty="0">
+                <a:cs typeface="Arial" pitchFamily="34" charset="0"/>
+              </a:rPr>
+              <a:t> </a:t>
+            </a:r>
+            <a:r>
+              <a:rPr lang="en-US" altLang="ko-KR" sz="1600" dirty="0" err="1">
+                <a:cs typeface="Arial" pitchFamily="34" charset="0"/>
+              </a:rPr>
+              <a:t>persentil</a:t>
+            </a:r>
+            <a:r>
+              <a:rPr lang="en-US" altLang="ko-KR" sz="1600" dirty="0">
+                <a:cs typeface="Arial" pitchFamily="34" charset="0"/>
+              </a:rPr>
+              <a:t> </a:t>
+            </a:r>
+            <a:r>
+              <a:rPr lang="en-US" altLang="ko-KR" sz="1600" dirty="0" err="1">
+                <a:cs typeface="Arial" pitchFamily="34" charset="0"/>
+              </a:rPr>
+              <a:t>ke</a:t>
+            </a:r>
+            <a:r>
+              <a:rPr lang="en-US" altLang="ko-KR" sz="1600" dirty="0">
+                <a:cs typeface="Arial" pitchFamily="34" charset="0"/>
+              </a:rPr>
+              <a:t> – 10 dan </a:t>
+            </a:r>
+            <a:r>
+              <a:rPr lang="en-US" altLang="ko-KR" sz="1600" dirty="0" err="1">
+                <a:cs typeface="Arial" pitchFamily="34" charset="0"/>
+              </a:rPr>
+              <a:t>persentil</a:t>
+            </a:r>
+            <a:r>
+              <a:rPr lang="en-US" altLang="ko-KR" sz="1600" dirty="0">
+                <a:cs typeface="Arial" pitchFamily="34" charset="0"/>
+              </a:rPr>
+              <a:t> </a:t>
+            </a:r>
+            <a:r>
+              <a:rPr lang="en-US" altLang="ko-KR" sz="1600" dirty="0" err="1">
+                <a:cs typeface="Arial" pitchFamily="34" charset="0"/>
+              </a:rPr>
+              <a:t>ke</a:t>
+            </a:r>
+            <a:r>
+              <a:rPr lang="en-US" altLang="ko-KR" sz="1600" dirty="0">
+                <a:cs typeface="Arial" pitchFamily="34" charset="0"/>
+              </a:rPr>
+              <a:t> 90</a:t>
+            </a:r>
+          </a:p>
+        </p:txBody>
+      </p:sp>
+      <p:sp>
+        <p:nvSpPr>
+          <p:cNvPr id="8" name="TextBox 7">
+            <a:extLst>
+              <a:ext uri="{FF2B5EF4-FFF2-40B4-BE49-F238E27FC236}">
+                <a16:creationId xmlns:a16="http://schemas.microsoft.com/office/drawing/2014/main" id="{19611154-22EA-4008-B195-364F27E6F1C5}"/>
+              </a:ext>
+            </a:extLst>
+          </p:cNvPr>
+          <p:cNvSpPr txBox="1"/>
+          <p:nvPr/>
+        </p:nvSpPr>
+        <p:spPr>
+          <a:xfrm>
+            <a:off x="1043608" y="1221614"/>
+            <a:ext cx="2520280" cy="2215991"/>
+          </a:xfrm>
+          <a:prstGeom prst="rect">
+            <a:avLst/>
+          </a:prstGeom>
+          <a:noFill/>
+        </p:spPr>
+        <p:txBody>
+          <a:bodyPr wrap="square" rtlCol="0" anchor="ctr">
+            <a:spAutoFit/>
+          </a:bodyPr>
+          <a:lstStyle/>
+          <a:p>
+            <a:pPr algn="ctr"/>
+            <a:r>
+              <a:rPr lang="en-US" sz="13800" dirty="0">
+                <a:solidFill>
+                  <a:schemeClr val="accent6">
+                    <a:lumMod val="75000"/>
+                  </a:schemeClr>
+                </a:solidFill>
+              </a:rPr>
+              <a:t>JP</a:t>
+            </a:r>
+          </a:p>
+        </p:txBody>
+      </p:sp>
+      <p:pic>
+        <p:nvPicPr>
+          <p:cNvPr id="6" name="Picture 5">
+            <a:extLst>
+              <a:ext uri="{FF2B5EF4-FFF2-40B4-BE49-F238E27FC236}">
+                <a16:creationId xmlns:a16="http://schemas.microsoft.com/office/drawing/2014/main" id="{7DA1006D-8DCE-4AAE-AA32-363B71BB00B3}"/>
+              </a:ext>
+            </a:extLst>
+          </p:cNvPr>
+          <p:cNvPicPr>
+            <a:picLocks noChangeAspect="1"/>
+          </p:cNvPicPr>
+          <p:nvPr/>
+        </p:nvPicPr>
+        <p:blipFill>
+          <a:blip r:embed="rId2">
+            <a:clrChange>
+              <a:clrFrom>
+                <a:srgbClr val="FFFFFF"/>
+              </a:clrFrom>
+              <a:clrTo>
+                <a:srgbClr val="FFFFFF">
+                  <a:alpha val="0"/>
+                </a:srgbClr>
+              </a:clrTo>
+            </a:clrChange>
+          </a:blip>
+          <a:stretch>
+            <a:fillRect/>
+          </a:stretch>
+        </p:blipFill>
+        <p:spPr>
+          <a:xfrm>
+            <a:off x="4499992" y="2329610"/>
+            <a:ext cx="3292996" cy="800999"/>
+          </a:xfrm>
+          <a:prstGeom prst="rect">
+            <a:avLst/>
+          </a:prstGeom>
+        </p:spPr>
+      </p:pic>
+      <p:sp>
+        <p:nvSpPr>
+          <p:cNvPr id="9" name="TextBox 8">
+            <a:extLst>
+              <a:ext uri="{FF2B5EF4-FFF2-40B4-BE49-F238E27FC236}">
+                <a16:creationId xmlns:a16="http://schemas.microsoft.com/office/drawing/2014/main" id="{E79E9EAC-070F-4BFE-B17F-016E1000A71D}"/>
+              </a:ext>
+            </a:extLst>
+          </p:cNvPr>
+          <p:cNvSpPr txBox="1"/>
+          <p:nvPr/>
+        </p:nvSpPr>
+        <p:spPr>
+          <a:xfrm>
+            <a:off x="4572000" y="3276221"/>
+            <a:ext cx="4113410" cy="338554"/>
+          </a:xfrm>
+          <a:prstGeom prst="rect">
+            <a:avLst/>
+          </a:prstGeom>
+          <a:noFill/>
+        </p:spPr>
+        <p:txBody>
+          <a:bodyPr wrap="square" rtlCol="0" anchor="ctr">
+            <a:spAutoFit/>
+          </a:bodyPr>
+          <a:lstStyle/>
+          <a:p>
+            <a:pPr algn="just"/>
+            <a:r>
+              <a:rPr lang="en-US" sz="1600" dirty="0"/>
+              <a:t>JP = </a:t>
+            </a:r>
+            <a:r>
+              <a:rPr lang="en-US" sz="1600" dirty="0" err="1"/>
+              <a:t>Jangkauan</a:t>
+            </a:r>
+            <a:r>
+              <a:rPr lang="en-US" sz="1600" dirty="0"/>
+              <a:t> </a:t>
+            </a:r>
+            <a:r>
+              <a:rPr lang="en-US" sz="1600" dirty="0" err="1"/>
+              <a:t>Persentil</a:t>
+            </a:r>
+            <a:endParaRPr lang="en-US" altLang="ko-KR" sz="1600" dirty="0">
+              <a:solidFill>
+                <a:schemeClr val="tx1">
+                  <a:lumMod val="75000"/>
+                  <a:lumOff val="25000"/>
+                </a:schemeClr>
+              </a:solidFill>
+              <a:cs typeface="Arial" pitchFamily="34" charset="0"/>
+            </a:endParaRPr>
+          </a:p>
+        </p:txBody>
+      </p:sp>
+      <p:sp>
+        <p:nvSpPr>
+          <p:cNvPr id="12" name="TextBox 11">
+            <a:extLst>
+              <a:ext uri="{FF2B5EF4-FFF2-40B4-BE49-F238E27FC236}">
+                <a16:creationId xmlns:a16="http://schemas.microsoft.com/office/drawing/2014/main" id="{7ACD0EC8-9D3A-4B4F-8492-7AC0C75785A6}"/>
+              </a:ext>
+            </a:extLst>
+          </p:cNvPr>
+          <p:cNvSpPr txBox="1"/>
+          <p:nvPr/>
+        </p:nvSpPr>
+        <p:spPr>
+          <a:xfrm>
+            <a:off x="4572000" y="3735583"/>
+            <a:ext cx="4113410" cy="338554"/>
+          </a:xfrm>
+          <a:prstGeom prst="rect">
+            <a:avLst/>
+          </a:prstGeom>
+          <a:noFill/>
+        </p:spPr>
+        <p:txBody>
+          <a:bodyPr wrap="square" rtlCol="0" anchor="ctr">
+            <a:spAutoFit/>
+          </a:bodyPr>
+          <a:lstStyle/>
+          <a:p>
+            <a:pPr algn="just"/>
+            <a:r>
+              <a:rPr lang="en-US" sz="1600" dirty="0"/>
+              <a:t>P10 = </a:t>
+            </a:r>
+            <a:r>
+              <a:rPr lang="en-US" sz="1600" dirty="0" err="1"/>
+              <a:t>persentil</a:t>
+            </a:r>
+            <a:r>
+              <a:rPr lang="en-US" sz="1600" dirty="0"/>
+              <a:t> </a:t>
+            </a:r>
+            <a:r>
+              <a:rPr lang="en-US" sz="1600" dirty="0" err="1"/>
+              <a:t>ke</a:t>
+            </a:r>
+            <a:r>
+              <a:rPr lang="en-US" sz="1600" dirty="0"/>
+              <a:t> 10</a:t>
+            </a:r>
+            <a:endParaRPr lang="en-US" altLang="ko-KR" sz="1600" dirty="0">
+              <a:solidFill>
+                <a:schemeClr val="tx1">
+                  <a:lumMod val="75000"/>
+                  <a:lumOff val="25000"/>
+                </a:schemeClr>
+              </a:solidFill>
+              <a:cs typeface="Arial" pitchFamily="34" charset="0"/>
+            </a:endParaRPr>
+          </a:p>
+        </p:txBody>
+      </p:sp>
+      <p:sp>
+        <p:nvSpPr>
+          <p:cNvPr id="13" name="TextBox 12">
+            <a:extLst>
+              <a:ext uri="{FF2B5EF4-FFF2-40B4-BE49-F238E27FC236}">
+                <a16:creationId xmlns:a16="http://schemas.microsoft.com/office/drawing/2014/main" id="{BE27B4D7-2B95-4CFD-BC48-57A0341B12E6}"/>
+              </a:ext>
+            </a:extLst>
+          </p:cNvPr>
+          <p:cNvSpPr txBox="1"/>
+          <p:nvPr/>
+        </p:nvSpPr>
+        <p:spPr>
+          <a:xfrm>
+            <a:off x="4572000" y="4194945"/>
+            <a:ext cx="4113410" cy="338554"/>
+          </a:xfrm>
+          <a:prstGeom prst="rect">
+            <a:avLst/>
+          </a:prstGeom>
+          <a:noFill/>
+        </p:spPr>
+        <p:txBody>
+          <a:bodyPr wrap="square" rtlCol="0" anchor="ctr">
+            <a:spAutoFit/>
+          </a:bodyPr>
+          <a:lstStyle/>
+          <a:p>
+            <a:pPr algn="just"/>
+            <a:r>
+              <a:rPr lang="en-US" sz="1600" dirty="0"/>
+              <a:t>P90 = </a:t>
+            </a:r>
+            <a:r>
+              <a:rPr lang="en-US" sz="1600" dirty="0" err="1"/>
+              <a:t>persentil</a:t>
+            </a:r>
+            <a:r>
+              <a:rPr lang="en-US" sz="1600" dirty="0"/>
+              <a:t> </a:t>
+            </a:r>
+            <a:r>
+              <a:rPr lang="en-US" sz="1600" dirty="0" err="1"/>
+              <a:t>ke</a:t>
+            </a:r>
+            <a:r>
+              <a:rPr lang="en-US" sz="1600" dirty="0"/>
+              <a:t> 90</a:t>
+            </a:r>
+            <a:endParaRPr lang="en-US" altLang="ko-KR" sz="1600" dirty="0">
+              <a:solidFill>
+                <a:schemeClr val="tx1">
+                  <a:lumMod val="75000"/>
+                  <a:lumOff val="25000"/>
+                </a:schemeClr>
+              </a:solidFill>
+              <a:cs typeface="Arial" pitchFamily="34" charset="0"/>
+            </a:endParaRPr>
+          </a:p>
+        </p:txBody>
+      </p:sp>
+    </p:spTree>
+    <p:extLst>
+      <p:ext uri="{BB962C8B-B14F-4D97-AF65-F5344CB8AC3E}">
+        <p14:creationId xmlns:p14="http://schemas.microsoft.com/office/powerpoint/2010/main" val="3946867494"/>
+      </p:ext>
+    </p:extLst>
+  </p:cSld>
+  <p:clrMapOvr>
+    <a:masterClrMapping/>
+  </p:clrMapOvr>
+</p:sld>
+</file>
+
+<file path=ppt/slides/slide13.xml><?xml version="1.0" encoding="utf-8"?>
+<p:sld xmlns:a="http://schemas.openxmlformats.org/drawingml/2006/main" xmlns:r="http://schemas.openxmlformats.org/officeDocument/2006/relationships" xmlns:p="http://schemas.openxmlformats.org/presentationml/2006/main">
+  <p:cSld>
+    <p:spTree>
+      <p:nvGrpSpPr>
+        <p:cNvPr id="1" name=""/>
+        <p:cNvGrpSpPr/>
+        <p:nvPr/>
+      </p:nvGrpSpPr>
+      <p:grpSpPr>
+        <a:xfrm>
+          <a:off x="0" y="0"/>
+          <a:ext cx="0" cy="0"/>
+          <a:chOff x="0" y="0"/>
+          <a:chExt cx="0" cy="0"/>
+        </a:xfrm>
+      </p:grpSpPr>
+      <p:sp>
+        <p:nvSpPr>
+          <p:cNvPr id="2" name="Text Placeholder 1"/>
+          <p:cNvSpPr>
+            <a:spLocks noGrp="1"/>
+          </p:cNvSpPr>
+          <p:nvPr>
+            <p:ph type="body" sz="quarter" idx="10"/>
+          </p:nvPr>
+        </p:nvSpPr>
+        <p:spPr/>
+        <p:txBody>
+          <a:bodyPr/>
+          <a:lstStyle/>
+          <a:p>
+            <a:r>
+              <a:rPr lang="en-US" altLang="ko-KR" dirty="0" err="1"/>
+              <a:t>Studi</a:t>
+            </a:r>
+            <a:r>
+              <a:rPr lang="en-US" altLang="ko-KR" dirty="0"/>
+              <a:t> </a:t>
+            </a:r>
+            <a:r>
+              <a:rPr lang="en-US" altLang="ko-KR" dirty="0" err="1"/>
+              <a:t>Kasus</a:t>
+            </a:r>
+            <a:endParaRPr lang="ko-KR" altLang="en-US" dirty="0"/>
+          </a:p>
+        </p:txBody>
+      </p:sp>
+      <p:sp>
+        <p:nvSpPr>
+          <p:cNvPr id="3" name="Text Placeholder 2"/>
+          <p:cNvSpPr>
+            <a:spLocks noGrp="1"/>
+          </p:cNvSpPr>
+          <p:nvPr>
+            <p:ph type="body" sz="quarter" idx="11"/>
+          </p:nvPr>
+        </p:nvSpPr>
+        <p:spPr/>
+        <p:txBody>
+          <a:bodyPr/>
+          <a:lstStyle/>
+          <a:p>
+            <a:pPr lvl="0"/>
+            <a:r>
+              <a:rPr lang="en-US" b="1" dirty="0" err="1"/>
+              <a:t>Tabel</a:t>
+            </a:r>
+            <a:r>
+              <a:rPr lang="en-US" b="1" dirty="0"/>
+              <a:t> data </a:t>
+            </a:r>
+            <a:r>
+              <a:rPr lang="en-US" b="1" dirty="0" err="1"/>
+              <a:t>nilai</a:t>
+            </a:r>
+            <a:r>
+              <a:rPr lang="en-US" b="1" dirty="0"/>
+              <a:t> </a:t>
+            </a:r>
+            <a:r>
+              <a:rPr lang="en-US" b="1" dirty="0" err="1"/>
+              <a:t>ujian</a:t>
+            </a:r>
+            <a:r>
+              <a:rPr lang="en-US" b="1" dirty="0"/>
+              <a:t> Pelajaran Agama Islam 50 </a:t>
+            </a:r>
+            <a:r>
+              <a:rPr lang="en-US" b="1" dirty="0" err="1"/>
+              <a:t>Siswa</a:t>
+            </a:r>
+            <a:endParaRPr lang="en-US" altLang="ko-KR" b="1" dirty="0"/>
+          </a:p>
+        </p:txBody>
+      </p:sp>
+      <p:pic>
+        <p:nvPicPr>
+          <p:cNvPr id="4" name="Picture 3">
+            <a:extLst>
+              <a:ext uri="{FF2B5EF4-FFF2-40B4-BE49-F238E27FC236}">
+                <a16:creationId xmlns:a16="http://schemas.microsoft.com/office/drawing/2014/main" id="{865C2D9A-23C4-4247-A4D4-9D820795B3E2}"/>
+              </a:ext>
+            </a:extLst>
+          </p:cNvPr>
+          <p:cNvPicPr>
+            <a:picLocks noChangeAspect="1"/>
+          </p:cNvPicPr>
+          <p:nvPr/>
+        </p:nvPicPr>
+        <p:blipFill rotWithShape="1">
+          <a:blip r:embed="rId2"/>
+          <a:srcRect t="9999"/>
+          <a:stretch/>
+        </p:blipFill>
+        <p:spPr>
+          <a:xfrm>
+            <a:off x="827584" y="2283718"/>
+            <a:ext cx="7725562" cy="1296343"/>
+          </a:xfrm>
+          <a:prstGeom prst="rect">
+            <a:avLst/>
+          </a:prstGeom>
+        </p:spPr>
+      </p:pic>
+    </p:spTree>
+    <p:extLst>
+      <p:ext uri="{BB962C8B-B14F-4D97-AF65-F5344CB8AC3E}">
+        <p14:creationId xmlns:p14="http://schemas.microsoft.com/office/powerpoint/2010/main" val="3881987988"/>
       </p:ext>
     </p:extLst>
   </p:cSld>
@@ -10830,7 +12049,7 @@
         </p:nvSpPr>
         <p:spPr>
           <a:xfrm>
-            <a:off x="4427984" y="2279362"/>
+            <a:off x="4427984" y="1707654"/>
             <a:ext cx="4320480" cy="584775"/>
           </a:xfrm>
           <a:prstGeom prst="rect">
@@ -11049,7 +12268,7 @@
         </p:nvSpPr>
         <p:spPr>
           <a:xfrm>
-            <a:off x="4427984" y="3198916"/>
+            <a:off x="4444078" y="2632012"/>
             <a:ext cx="4320480" cy="338554"/>
           </a:xfrm>
           <a:prstGeom prst="rect">
@@ -11106,7 +12325,7 @@
         </p:nvSpPr>
         <p:spPr>
           <a:xfrm>
-            <a:off x="4422889" y="3595250"/>
+            <a:off x="4444078" y="3076518"/>
             <a:ext cx="4613607" cy="276999"/>
           </a:xfrm>
           <a:prstGeom prst="rect">
@@ -11147,7 +12366,7 @@
         </p:nvSpPr>
         <p:spPr>
           <a:xfrm>
-            <a:off x="4422888" y="3930029"/>
+            <a:off x="4444078" y="3493335"/>
             <a:ext cx="4613607" cy="276999"/>
           </a:xfrm>
           <a:prstGeom prst="rect">
@@ -12371,6 +13590,253 @@
               <a:t>/</a:t>
             </a:r>
             <a:endParaRPr lang="en-US" sz="2000" dirty="0"/>
+          </a:p>
+        </p:txBody>
+      </p:sp>
+      <p:sp>
+        <p:nvSpPr>
+          <p:cNvPr id="4" name="Arrow: Up 3">
+            <a:extLst>
+              <a:ext uri="{FF2B5EF4-FFF2-40B4-BE49-F238E27FC236}">
+                <a16:creationId xmlns:a16="http://schemas.microsoft.com/office/drawing/2014/main" id="{7C51D6B2-15B9-41CE-8556-88993D93ECF3}"/>
+              </a:ext>
+            </a:extLst>
+          </p:cNvPr>
+          <p:cNvSpPr/>
+          <p:nvPr/>
+        </p:nvSpPr>
+        <p:spPr>
+          <a:xfrm>
+            <a:off x="1130125" y="1707654"/>
+            <a:ext cx="288032" cy="288032"/>
+          </a:xfrm>
+          <a:prstGeom prst="upArrow">
+            <a:avLst/>
+          </a:prstGeom>
+        </p:spPr>
+        <p:style>
+          <a:lnRef idx="2">
+            <a:schemeClr val="accent1">
+              <a:shade val="50000"/>
+            </a:schemeClr>
+          </a:lnRef>
+          <a:fillRef idx="1">
+            <a:schemeClr val="accent1"/>
+          </a:fillRef>
+          <a:effectRef idx="0">
+            <a:schemeClr val="accent1"/>
+          </a:effectRef>
+          <a:fontRef idx="minor">
+            <a:schemeClr val="lt1"/>
+          </a:fontRef>
+        </p:style>
+        <p:txBody>
+          <a:bodyPr rtlCol="0" anchor="ctr"/>
+          <a:lstStyle/>
+          <a:p>
+            <a:pPr algn="ctr"/>
+            <a:endParaRPr lang="en-US"/>
+          </a:p>
+        </p:txBody>
+      </p:sp>
+      <p:sp>
+        <p:nvSpPr>
+          <p:cNvPr id="6" name="TextBox 5">
+            <a:extLst>
+              <a:ext uri="{FF2B5EF4-FFF2-40B4-BE49-F238E27FC236}">
+                <a16:creationId xmlns:a16="http://schemas.microsoft.com/office/drawing/2014/main" id="{6DF2F536-5734-46CC-85E8-FDF1D9D9D4FD}"/>
+              </a:ext>
+            </a:extLst>
+          </p:cNvPr>
+          <p:cNvSpPr txBox="1"/>
+          <p:nvPr/>
+        </p:nvSpPr>
+        <p:spPr>
+          <a:xfrm>
+            <a:off x="307746" y="1281080"/>
+            <a:ext cx="2074350" cy="307777"/>
+          </a:xfrm>
+          <a:prstGeom prst="rect">
+            <a:avLst/>
+          </a:prstGeom>
+          <a:noFill/>
+        </p:spPr>
+        <p:txBody>
+          <a:bodyPr wrap="none" rtlCol="0">
+            <a:spAutoFit/>
+          </a:bodyPr>
+          <a:lstStyle/>
+          <a:p>
+            <a:r>
+              <a:rPr lang="en-US" sz="1400" b="1" dirty="0" err="1">
+                <a:solidFill>
+                  <a:srgbClr val="85D8DE"/>
+                </a:solidFill>
+              </a:rPr>
+              <a:t>Variansi</a:t>
+            </a:r>
+            <a:r>
+              <a:rPr lang="en-US" sz="1400" b="1" dirty="0">
+                <a:solidFill>
+                  <a:srgbClr val="85D8DE"/>
+                </a:solidFill>
+              </a:rPr>
+              <a:t> </a:t>
+            </a:r>
+            <a:r>
+              <a:rPr lang="en-US" sz="1400" b="1" dirty="0" err="1">
+                <a:solidFill>
+                  <a:srgbClr val="85D8DE"/>
+                </a:solidFill>
+              </a:rPr>
+              <a:t>untuk</a:t>
+            </a:r>
+            <a:r>
+              <a:rPr lang="en-US" sz="1400" b="1" dirty="0">
+                <a:solidFill>
+                  <a:srgbClr val="85D8DE"/>
+                </a:solidFill>
+              </a:rPr>
+              <a:t> </a:t>
+            </a:r>
+            <a:r>
+              <a:rPr lang="en-US" sz="1400" b="1" dirty="0" err="1">
+                <a:solidFill>
+                  <a:srgbClr val="85D8DE"/>
+                </a:solidFill>
+              </a:rPr>
+              <a:t>sampel</a:t>
+            </a:r>
+            <a:endParaRPr lang="en-US" sz="1400" b="1" dirty="0">
+              <a:solidFill>
+                <a:srgbClr val="85D8DE"/>
+              </a:solidFill>
+            </a:endParaRPr>
+          </a:p>
+        </p:txBody>
+      </p:sp>
+      <p:sp>
+        <p:nvSpPr>
+          <p:cNvPr id="10" name="Arrow: Down 9">
+            <a:extLst>
+              <a:ext uri="{FF2B5EF4-FFF2-40B4-BE49-F238E27FC236}">
+                <a16:creationId xmlns:a16="http://schemas.microsoft.com/office/drawing/2014/main" id="{A5332424-1A5B-4CDD-B02C-0F439C593F27}"/>
+              </a:ext>
+            </a:extLst>
+          </p:cNvPr>
+          <p:cNvSpPr/>
+          <p:nvPr/>
+        </p:nvSpPr>
+        <p:spPr>
+          <a:xfrm>
+            <a:off x="3549422" y="3473407"/>
+            <a:ext cx="288032" cy="288032"/>
+          </a:xfrm>
+          <a:prstGeom prst="downArrow">
+            <a:avLst/>
+          </a:prstGeom>
+          <a:solidFill>
+            <a:srgbClr val="9CE084"/>
+          </a:solidFill>
+        </p:spPr>
+        <p:style>
+          <a:lnRef idx="2">
+            <a:schemeClr val="accent1">
+              <a:shade val="50000"/>
+            </a:schemeClr>
+          </a:lnRef>
+          <a:fillRef idx="1">
+            <a:schemeClr val="accent1"/>
+          </a:fillRef>
+          <a:effectRef idx="0">
+            <a:schemeClr val="accent1"/>
+          </a:effectRef>
+          <a:fontRef idx="minor">
+            <a:schemeClr val="lt1"/>
+          </a:fontRef>
+        </p:style>
+        <p:txBody>
+          <a:bodyPr rtlCol="0" anchor="ctr"/>
+          <a:lstStyle/>
+          <a:p>
+            <a:pPr algn="ctr"/>
+            <a:endParaRPr lang="en-US"/>
+          </a:p>
+        </p:txBody>
+      </p:sp>
+      <p:sp>
+        <p:nvSpPr>
+          <p:cNvPr id="11" name="TextBox 10">
+            <a:extLst>
+              <a:ext uri="{FF2B5EF4-FFF2-40B4-BE49-F238E27FC236}">
+                <a16:creationId xmlns:a16="http://schemas.microsoft.com/office/drawing/2014/main" id="{9E3E67BF-7559-457A-A7F4-69FBC695EA21}"/>
+              </a:ext>
+            </a:extLst>
+          </p:cNvPr>
+          <p:cNvSpPr txBox="1"/>
+          <p:nvPr/>
+        </p:nvSpPr>
+        <p:spPr>
+          <a:xfrm>
+            <a:off x="2656263" y="3794624"/>
+            <a:ext cx="2074350" cy="307777"/>
+          </a:xfrm>
+          <a:prstGeom prst="rect">
+            <a:avLst/>
+          </a:prstGeom>
+          <a:noFill/>
+        </p:spPr>
+        <p:txBody>
+          <a:bodyPr wrap="none" rtlCol="0">
+            <a:spAutoFit/>
+          </a:bodyPr>
+          <a:lstStyle/>
+          <a:p>
+            <a:r>
+              <a:rPr lang="en-US" sz="1400" b="1" dirty="0" err="1">
+                <a:solidFill>
+                  <a:srgbClr val="9CE084"/>
+                </a:solidFill>
+              </a:rPr>
+              <a:t>Variansi</a:t>
+            </a:r>
+            <a:r>
+              <a:rPr lang="en-US" sz="1400" b="1" dirty="0">
+                <a:solidFill>
+                  <a:srgbClr val="9CE084"/>
+                </a:solidFill>
+              </a:rPr>
+              <a:t> </a:t>
+            </a:r>
+            <a:r>
+              <a:rPr lang="en-US" sz="1400" b="1" dirty="0" err="1">
+                <a:solidFill>
+                  <a:srgbClr val="9CE084"/>
+                </a:solidFill>
+              </a:rPr>
+              <a:t>untuk</a:t>
+            </a:r>
+            <a:r>
+              <a:rPr lang="en-US" sz="1400" b="1" dirty="0">
+                <a:solidFill>
+                  <a:srgbClr val="9CE084"/>
+                </a:solidFill>
+              </a:rPr>
+              <a:t> </a:t>
+            </a:r>
+            <a:r>
+              <a:rPr lang="en-US" sz="1400" b="1" dirty="0" err="1">
+                <a:solidFill>
+                  <a:srgbClr val="9CE084"/>
+                </a:solidFill>
+              </a:rPr>
+              <a:t>sampel</a:t>
+            </a:r>
+            <a:endParaRPr lang="en-US" sz="1400" b="1" dirty="0">
+              <a:solidFill>
+                <a:srgbClr val="9CE084"/>
+              </a:solidFill>
+            </a:endParaRPr>
           </a:p>
         </p:txBody>
       </p:sp>

--- a/Presentasi-Statistika-kelompok-3.pptx
+++ b/Presentasi-Statistika-kelompok-3.pptx
@@ -7,7 +7,7 @@
     <p:sldMasterId id="2147483653" r:id="rId3"/>
   </p:sldMasterIdLst>
   <p:notesMasterIdLst>
-    <p:notesMasterId r:id="rId17"/>
+    <p:notesMasterId r:id="rId21"/>
   </p:notesMasterIdLst>
   <p:sldIdLst>
     <p:sldId id="256" r:id="rId4"/>
@@ -23,6 +23,10 @@
     <p:sldId id="302" r:id="rId14"/>
     <p:sldId id="303" r:id="rId15"/>
     <p:sldId id="304" r:id="rId16"/>
+    <p:sldId id="305" r:id="rId17"/>
+    <p:sldId id="306" r:id="rId18"/>
+    <p:sldId id="307" r:id="rId19"/>
+    <p:sldId id="308" r:id="rId20"/>
   </p:sldIdLst>
   <p:sldSz cx="9144000" cy="5143500" type="screen16x9"/>
   <p:notesSz cx="6858000" cy="9144000"/>
@@ -5612,7 +5616,7 @@
         </p:nvSpPr>
         <p:spPr>
           <a:xfrm>
-            <a:off x="4572000" y="1563638"/>
+            <a:off x="3995936" y="1563638"/>
             <a:ext cx="4176464" cy="584775"/>
           </a:xfrm>
           <a:prstGeom prst="rect">
@@ -5795,8 +5799,8 @@
         </p:blipFill>
         <p:spPr>
           <a:xfrm>
-            <a:off x="4644008" y="2300982"/>
-            <a:ext cx="3194868" cy="1198782"/>
+            <a:off x="4054687" y="2395696"/>
+            <a:ext cx="4115453" cy="1544205"/>
           </a:xfrm>
           <a:prstGeom prst="rect">
             <a:avLst/>
@@ -6427,10 +6431,2990 @@
           </a:prstGeom>
         </p:spPr>
       </p:pic>
+      <p:sp>
+        <p:nvSpPr>
+          <p:cNvPr id="11" name="TextBox 10">
+            <a:extLst>
+              <a:ext uri="{FF2B5EF4-FFF2-40B4-BE49-F238E27FC236}">
+                <a16:creationId xmlns:a16="http://schemas.microsoft.com/office/drawing/2014/main" id="{E07A1541-4CD8-4EC6-8EE5-D91E55D9BF1D}"/>
+              </a:ext>
+            </a:extLst>
+          </p:cNvPr>
+          <p:cNvSpPr txBox="1"/>
+          <p:nvPr/>
+        </p:nvSpPr>
+        <p:spPr>
+          <a:xfrm>
+            <a:off x="827584" y="1563638"/>
+            <a:ext cx="4113410" cy="338554"/>
+          </a:xfrm>
+          <a:prstGeom prst="rect">
+            <a:avLst/>
+          </a:prstGeom>
+          <a:noFill/>
+        </p:spPr>
+        <p:txBody>
+          <a:bodyPr wrap="square" rtlCol="0" anchor="ctr">
+            <a:spAutoFit/>
+          </a:bodyPr>
+          <a:lstStyle/>
+          <a:p>
+            <a:pPr algn="just"/>
+            <a:r>
+              <a:rPr lang="en-US" sz="1600" dirty="0">
+                <a:sym typeface="Wingdings" panose="05000000000000000000" pitchFamily="2" charset="2"/>
+              </a:rPr>
+              <a:t> </a:t>
+            </a:r>
+            <a:r>
+              <a:rPr lang="en-US" sz="1600" dirty="0"/>
+              <a:t>Data </a:t>
+            </a:r>
+            <a:r>
+              <a:rPr lang="en-US" sz="1600" dirty="0" err="1"/>
+              <a:t>acak</a:t>
+            </a:r>
+            <a:endParaRPr lang="en-US" altLang="ko-KR" sz="1600" dirty="0">
+              <a:solidFill>
+                <a:schemeClr val="tx1">
+                  <a:lumMod val="75000"/>
+                  <a:lumOff val="25000"/>
+                </a:schemeClr>
+              </a:solidFill>
+              <a:cs typeface="Arial" pitchFamily="34" charset="0"/>
+            </a:endParaRPr>
+          </a:p>
+        </p:txBody>
+      </p:sp>
     </p:spTree>
     <p:extLst>
       <p:ext uri="{BB962C8B-B14F-4D97-AF65-F5344CB8AC3E}">
         <p14:creationId xmlns:p14="http://schemas.microsoft.com/office/powerpoint/2010/main" val="3881987988"/>
+      </p:ext>
+    </p:extLst>
+  </p:cSld>
+  <p:clrMapOvr>
+    <a:masterClrMapping/>
+  </p:clrMapOvr>
+</p:sld>
+</file>
+
+<file path=ppt/slides/slide14.xml><?xml version="1.0" encoding="utf-8"?>
+<p:sld xmlns:a="http://schemas.openxmlformats.org/drawingml/2006/main" xmlns:r="http://schemas.openxmlformats.org/officeDocument/2006/relationships" xmlns:p="http://schemas.openxmlformats.org/presentationml/2006/main">
+  <p:cSld>
+    <p:spTree>
+      <p:nvGrpSpPr>
+        <p:cNvPr id="1" name=""/>
+        <p:cNvGrpSpPr/>
+        <p:nvPr/>
+      </p:nvGrpSpPr>
+      <p:grpSpPr>
+        <a:xfrm>
+          <a:off x="0" y="0"/>
+          <a:ext cx="0" cy="0"/>
+          <a:chOff x="0" y="0"/>
+          <a:chExt cx="0" cy="0"/>
+        </a:xfrm>
+      </p:grpSpPr>
+      <p:sp>
+        <p:nvSpPr>
+          <p:cNvPr id="2" name="Text Placeholder 1"/>
+          <p:cNvSpPr>
+            <a:spLocks noGrp="1"/>
+          </p:cNvSpPr>
+          <p:nvPr>
+            <p:ph type="body" sz="quarter" idx="10"/>
+          </p:nvPr>
+        </p:nvSpPr>
+        <p:spPr/>
+        <p:txBody>
+          <a:bodyPr/>
+          <a:lstStyle/>
+          <a:p>
+            <a:r>
+              <a:rPr lang="en-US" altLang="ko-KR" dirty="0" err="1"/>
+              <a:t>Studi</a:t>
+            </a:r>
+            <a:r>
+              <a:rPr lang="en-US" altLang="ko-KR" dirty="0"/>
+              <a:t> </a:t>
+            </a:r>
+            <a:r>
+              <a:rPr lang="en-US" altLang="ko-KR" dirty="0" err="1"/>
+              <a:t>Kasus</a:t>
+            </a:r>
+            <a:endParaRPr lang="ko-KR" altLang="en-US" dirty="0"/>
+          </a:p>
+        </p:txBody>
+      </p:sp>
+      <p:sp>
+        <p:nvSpPr>
+          <p:cNvPr id="3" name="Text Placeholder 2"/>
+          <p:cNvSpPr>
+            <a:spLocks noGrp="1"/>
+          </p:cNvSpPr>
+          <p:nvPr>
+            <p:ph type="body" sz="quarter" idx="11"/>
+          </p:nvPr>
+        </p:nvSpPr>
+        <p:spPr/>
+        <p:txBody>
+          <a:bodyPr/>
+          <a:lstStyle/>
+          <a:p>
+            <a:pPr lvl="0"/>
+            <a:r>
+              <a:rPr lang="en-US" b="1" dirty="0" err="1"/>
+              <a:t>Tabel</a:t>
+            </a:r>
+            <a:r>
+              <a:rPr lang="en-US" b="1" dirty="0"/>
+              <a:t> data </a:t>
+            </a:r>
+            <a:r>
+              <a:rPr lang="en-US" b="1" dirty="0" err="1"/>
+              <a:t>nilai</a:t>
+            </a:r>
+            <a:r>
+              <a:rPr lang="en-US" b="1" dirty="0"/>
+              <a:t> </a:t>
+            </a:r>
+            <a:r>
+              <a:rPr lang="en-US" b="1" dirty="0" err="1"/>
+              <a:t>ujian</a:t>
+            </a:r>
+            <a:r>
+              <a:rPr lang="en-US" b="1" dirty="0"/>
+              <a:t> Pelajaran Agama Islam 50 </a:t>
+            </a:r>
+            <a:r>
+              <a:rPr lang="en-US" b="1" dirty="0" err="1"/>
+              <a:t>Siswa</a:t>
+            </a:r>
+            <a:endParaRPr lang="en-US" altLang="ko-KR" b="1" dirty="0"/>
+          </a:p>
+        </p:txBody>
+      </p:sp>
+      <p:sp>
+        <p:nvSpPr>
+          <p:cNvPr id="11" name="TextBox 10">
+            <a:extLst>
+              <a:ext uri="{FF2B5EF4-FFF2-40B4-BE49-F238E27FC236}">
+                <a16:creationId xmlns:a16="http://schemas.microsoft.com/office/drawing/2014/main" id="{E07A1541-4CD8-4EC6-8EE5-D91E55D9BF1D}"/>
+              </a:ext>
+            </a:extLst>
+          </p:cNvPr>
+          <p:cNvSpPr txBox="1"/>
+          <p:nvPr/>
+        </p:nvSpPr>
+        <p:spPr>
+          <a:xfrm>
+            <a:off x="827584" y="1563638"/>
+            <a:ext cx="4113410" cy="338554"/>
+          </a:xfrm>
+          <a:prstGeom prst="rect">
+            <a:avLst/>
+          </a:prstGeom>
+          <a:noFill/>
+        </p:spPr>
+        <p:txBody>
+          <a:bodyPr wrap="square" rtlCol="0" anchor="ctr">
+            <a:spAutoFit/>
+          </a:bodyPr>
+          <a:lstStyle/>
+          <a:p>
+            <a:pPr algn="just"/>
+            <a:r>
+              <a:rPr lang="en-US" sz="1600" dirty="0">
+                <a:sym typeface="Wingdings" panose="05000000000000000000" pitchFamily="2" charset="2"/>
+              </a:rPr>
+              <a:t> </a:t>
+            </a:r>
+            <a:r>
+              <a:rPr lang="en-US" sz="1600" dirty="0"/>
+              <a:t>Data </a:t>
+            </a:r>
+            <a:r>
+              <a:rPr lang="en-US" sz="1600" dirty="0" err="1"/>
+              <a:t>setelah</a:t>
+            </a:r>
+            <a:r>
+              <a:rPr lang="en-US" sz="1600" dirty="0"/>
+              <a:t> </a:t>
+            </a:r>
+            <a:r>
+              <a:rPr lang="en-US" sz="1600" dirty="0" err="1"/>
+              <a:t>diurut</a:t>
+            </a:r>
+            <a:endParaRPr lang="en-US" altLang="ko-KR" sz="1600" dirty="0">
+              <a:solidFill>
+                <a:schemeClr val="tx1">
+                  <a:lumMod val="75000"/>
+                  <a:lumOff val="25000"/>
+                </a:schemeClr>
+              </a:solidFill>
+              <a:cs typeface="Arial" pitchFamily="34" charset="0"/>
+            </a:endParaRPr>
+          </a:p>
+        </p:txBody>
+      </p:sp>
+      <p:graphicFrame>
+        <p:nvGraphicFramePr>
+          <p:cNvPr id="6" name="Table 5">
+            <a:extLst>
+              <a:ext uri="{FF2B5EF4-FFF2-40B4-BE49-F238E27FC236}">
+                <a16:creationId xmlns:a16="http://schemas.microsoft.com/office/drawing/2014/main" id="{DAB68DA4-648E-4F4A-802C-6C0D96A838DE}"/>
+              </a:ext>
+            </a:extLst>
+          </p:cNvPr>
+          <p:cNvGraphicFramePr>
+            <a:graphicFrameLocks noGrp="1"/>
+          </p:cNvGraphicFramePr>
+          <p:nvPr>
+            <p:extLst>
+              <p:ext uri="{D42A27DB-BD31-4B8C-83A1-F6EECF244321}">
+                <p14:modId xmlns:p14="http://schemas.microsoft.com/office/powerpoint/2010/main" val="3858224864"/>
+              </p:ext>
+            </p:extLst>
+          </p:nvPr>
+        </p:nvGraphicFramePr>
+        <p:xfrm>
+          <a:off x="1524000" y="2095500"/>
+          <a:ext cx="6096000" cy="1844400"/>
+        </p:xfrm>
+        <a:graphic>
+          <a:graphicData uri="http://schemas.openxmlformats.org/drawingml/2006/table">
+            <a:tbl>
+              <a:tblPr>
+                <a:tableStyleId>{793D81CF-94F2-401A-BA57-92F5A7B2D0C5}</a:tableStyleId>
+              </a:tblPr>
+              <a:tblGrid>
+                <a:gridCol w="609600">
+                  <a:extLst>
+                    <a:ext uri="{9D8B030D-6E8A-4147-A177-3AD203B41FA5}">
+                      <a16:colId xmlns:a16="http://schemas.microsoft.com/office/drawing/2014/main" val="798955445"/>
+                    </a:ext>
+                  </a:extLst>
+                </a:gridCol>
+                <a:gridCol w="609600">
+                  <a:extLst>
+                    <a:ext uri="{9D8B030D-6E8A-4147-A177-3AD203B41FA5}">
+                      <a16:colId xmlns:a16="http://schemas.microsoft.com/office/drawing/2014/main" val="2542046601"/>
+                    </a:ext>
+                  </a:extLst>
+                </a:gridCol>
+                <a:gridCol w="609600">
+                  <a:extLst>
+                    <a:ext uri="{9D8B030D-6E8A-4147-A177-3AD203B41FA5}">
+                      <a16:colId xmlns:a16="http://schemas.microsoft.com/office/drawing/2014/main" val="2883744322"/>
+                    </a:ext>
+                  </a:extLst>
+                </a:gridCol>
+                <a:gridCol w="609600">
+                  <a:extLst>
+                    <a:ext uri="{9D8B030D-6E8A-4147-A177-3AD203B41FA5}">
+                      <a16:colId xmlns:a16="http://schemas.microsoft.com/office/drawing/2014/main" val="4171744033"/>
+                    </a:ext>
+                  </a:extLst>
+                </a:gridCol>
+                <a:gridCol w="609600">
+                  <a:extLst>
+                    <a:ext uri="{9D8B030D-6E8A-4147-A177-3AD203B41FA5}">
+                      <a16:colId xmlns:a16="http://schemas.microsoft.com/office/drawing/2014/main" val="3235857736"/>
+                    </a:ext>
+                  </a:extLst>
+                </a:gridCol>
+                <a:gridCol w="609600">
+                  <a:extLst>
+                    <a:ext uri="{9D8B030D-6E8A-4147-A177-3AD203B41FA5}">
+                      <a16:colId xmlns:a16="http://schemas.microsoft.com/office/drawing/2014/main" val="754305361"/>
+                    </a:ext>
+                  </a:extLst>
+                </a:gridCol>
+                <a:gridCol w="609600">
+                  <a:extLst>
+                    <a:ext uri="{9D8B030D-6E8A-4147-A177-3AD203B41FA5}">
+                      <a16:colId xmlns:a16="http://schemas.microsoft.com/office/drawing/2014/main" val="3837103717"/>
+                    </a:ext>
+                  </a:extLst>
+                </a:gridCol>
+                <a:gridCol w="609600">
+                  <a:extLst>
+                    <a:ext uri="{9D8B030D-6E8A-4147-A177-3AD203B41FA5}">
+                      <a16:colId xmlns:a16="http://schemas.microsoft.com/office/drawing/2014/main" val="2449964435"/>
+                    </a:ext>
+                  </a:extLst>
+                </a:gridCol>
+                <a:gridCol w="609600">
+                  <a:extLst>
+                    <a:ext uri="{9D8B030D-6E8A-4147-A177-3AD203B41FA5}">
+                      <a16:colId xmlns:a16="http://schemas.microsoft.com/office/drawing/2014/main" val="2577262122"/>
+                    </a:ext>
+                  </a:extLst>
+                </a:gridCol>
+                <a:gridCol w="609600">
+                  <a:extLst>
+                    <a:ext uri="{9D8B030D-6E8A-4147-A177-3AD203B41FA5}">
+                      <a16:colId xmlns:a16="http://schemas.microsoft.com/office/drawing/2014/main" val="3767781744"/>
+                    </a:ext>
+                  </a:extLst>
+                </a:gridCol>
+              </a:tblGrid>
+              <a:tr h="368880">
+                <a:tc>
+                  <a:txBody>
+                    <a:bodyPr/>
+                    <a:lstStyle/>
+                    <a:p>
+                      <a:pPr algn="ctr" fontAlgn="ctr"/>
+                      <a:r>
+                        <a:rPr lang="en-US" sz="1200" b="1" u="none" strike="noStrike" dirty="0">
+                          <a:effectLst/>
+                        </a:rPr>
+                        <a:t>57</a:t>
+                      </a:r>
+                      <a:endParaRPr lang="en-US" sz="1200" b="1" i="0" u="none" strike="noStrike" dirty="0">
+                        <a:solidFill>
+                          <a:srgbClr val="000000"/>
+                        </a:solidFill>
+                        <a:effectLst/>
+                        <a:latin typeface="Calibri Light" panose="020F0302020204030204" pitchFamily="34" charset="0"/>
+                      </a:endParaRPr>
+                    </a:p>
+                  </a:txBody>
+                  <a:tcPr marL="9525" marR="9525" marT="9525" marB="0" anchor="ctr"/>
+                </a:tc>
+                <a:tc>
+                  <a:txBody>
+                    <a:bodyPr/>
+                    <a:lstStyle/>
+                    <a:p>
+                      <a:pPr algn="ctr" fontAlgn="ctr"/>
+                      <a:r>
+                        <a:rPr lang="en-US" sz="1000" u="none" strike="noStrike" dirty="0">
+                          <a:effectLst/>
+                        </a:rPr>
+                        <a:t>60</a:t>
+                      </a:r>
+                      <a:endParaRPr lang="en-US" sz="1000" b="0" i="0" u="none" strike="noStrike" dirty="0">
+                        <a:solidFill>
+                          <a:srgbClr val="000000"/>
+                        </a:solidFill>
+                        <a:effectLst/>
+                        <a:latin typeface="Arial Narrow" panose="020B0606020202030204" pitchFamily="34" charset="0"/>
+                      </a:endParaRPr>
+                    </a:p>
+                  </a:txBody>
+                  <a:tcPr marL="9525" marR="9525" marT="9525" marB="0" anchor="ctr"/>
+                </a:tc>
+                <a:tc>
+                  <a:txBody>
+                    <a:bodyPr/>
+                    <a:lstStyle/>
+                    <a:p>
+                      <a:pPr algn="ctr" fontAlgn="ctr"/>
+                      <a:r>
+                        <a:rPr lang="en-US" sz="1000" u="none" strike="noStrike">
+                          <a:effectLst/>
+                        </a:rPr>
+                        <a:t>62</a:t>
+                      </a:r>
+                      <a:endParaRPr lang="en-US" sz="1000" b="0" i="0" u="none" strike="noStrike">
+                        <a:solidFill>
+                          <a:srgbClr val="000000"/>
+                        </a:solidFill>
+                        <a:effectLst/>
+                        <a:latin typeface="Arial Narrow" panose="020B0606020202030204" pitchFamily="34" charset="0"/>
+                      </a:endParaRPr>
+                    </a:p>
+                  </a:txBody>
+                  <a:tcPr marL="9525" marR="9525" marT="9525" marB="0" anchor="ctr"/>
+                </a:tc>
+                <a:tc>
+                  <a:txBody>
+                    <a:bodyPr/>
+                    <a:lstStyle/>
+                    <a:p>
+                      <a:pPr algn="ctr" fontAlgn="ctr"/>
+                      <a:r>
+                        <a:rPr lang="en-US" sz="1000" u="none" strike="noStrike">
+                          <a:effectLst/>
+                        </a:rPr>
+                        <a:t>63</a:t>
+                      </a:r>
+                      <a:endParaRPr lang="en-US" sz="1000" b="0" i="0" u="none" strike="noStrike">
+                        <a:solidFill>
+                          <a:srgbClr val="000000"/>
+                        </a:solidFill>
+                        <a:effectLst/>
+                        <a:latin typeface="Arial Narrow" panose="020B0606020202030204" pitchFamily="34" charset="0"/>
+                      </a:endParaRPr>
+                    </a:p>
+                  </a:txBody>
+                  <a:tcPr marL="9525" marR="9525" marT="9525" marB="0" anchor="ctr"/>
+                </a:tc>
+                <a:tc>
+                  <a:txBody>
+                    <a:bodyPr/>
+                    <a:lstStyle/>
+                    <a:p>
+                      <a:pPr algn="ctr" fontAlgn="ctr"/>
+                      <a:r>
+                        <a:rPr lang="en-US" sz="1000" u="none" strike="noStrike">
+                          <a:effectLst/>
+                        </a:rPr>
+                        <a:t>66</a:t>
+                      </a:r>
+                      <a:endParaRPr lang="en-US" sz="1000" b="0" i="0" u="none" strike="noStrike">
+                        <a:solidFill>
+                          <a:srgbClr val="000000"/>
+                        </a:solidFill>
+                        <a:effectLst/>
+                        <a:latin typeface="Calibri Light" panose="020F0302020204030204" pitchFamily="34" charset="0"/>
+                      </a:endParaRPr>
+                    </a:p>
+                  </a:txBody>
+                  <a:tcPr marL="9525" marR="9525" marT="9525" marB="0" anchor="ctr"/>
+                </a:tc>
+                <a:tc>
+                  <a:txBody>
+                    <a:bodyPr/>
+                    <a:lstStyle/>
+                    <a:p>
+                      <a:pPr algn="ctr" fontAlgn="ctr"/>
+                      <a:r>
+                        <a:rPr lang="en-US" sz="1000" u="none" strike="noStrike">
+                          <a:effectLst/>
+                        </a:rPr>
+                        <a:t>70</a:t>
+                      </a:r>
+                      <a:endParaRPr lang="en-US" sz="1000" b="0" i="0" u="none" strike="noStrike">
+                        <a:solidFill>
+                          <a:srgbClr val="000000"/>
+                        </a:solidFill>
+                        <a:effectLst/>
+                        <a:latin typeface="Calibri Light" panose="020F0302020204030204" pitchFamily="34" charset="0"/>
+                      </a:endParaRPr>
+                    </a:p>
+                  </a:txBody>
+                  <a:tcPr marL="9525" marR="9525" marT="9525" marB="0" anchor="ctr"/>
+                </a:tc>
+                <a:tc>
+                  <a:txBody>
+                    <a:bodyPr/>
+                    <a:lstStyle/>
+                    <a:p>
+                      <a:pPr algn="ctr" fontAlgn="ctr"/>
+                      <a:r>
+                        <a:rPr lang="en-US" sz="1000" u="none" strike="noStrike">
+                          <a:effectLst/>
+                        </a:rPr>
+                        <a:t>74</a:t>
+                      </a:r>
+                      <a:endParaRPr lang="en-US" sz="1000" b="0" i="0" u="none" strike="noStrike">
+                        <a:solidFill>
+                          <a:srgbClr val="000000"/>
+                        </a:solidFill>
+                        <a:effectLst/>
+                        <a:latin typeface="Calibri Light" panose="020F0302020204030204" pitchFamily="34" charset="0"/>
+                      </a:endParaRPr>
+                    </a:p>
+                  </a:txBody>
+                  <a:tcPr marL="9525" marR="9525" marT="9525" marB="0" anchor="ctr"/>
+                </a:tc>
+                <a:tc>
+                  <a:txBody>
+                    <a:bodyPr/>
+                    <a:lstStyle/>
+                    <a:p>
+                      <a:pPr algn="ctr" fontAlgn="ctr"/>
+                      <a:r>
+                        <a:rPr lang="en-US" sz="1000" u="none" strike="noStrike">
+                          <a:effectLst/>
+                        </a:rPr>
+                        <a:t>78</a:t>
+                      </a:r>
+                      <a:endParaRPr lang="en-US" sz="1000" b="0" i="0" u="none" strike="noStrike">
+                        <a:solidFill>
+                          <a:srgbClr val="000000"/>
+                        </a:solidFill>
+                        <a:effectLst/>
+                        <a:latin typeface="Calibri Light" panose="020F0302020204030204" pitchFamily="34" charset="0"/>
+                      </a:endParaRPr>
+                    </a:p>
+                  </a:txBody>
+                  <a:tcPr marL="9525" marR="9525" marT="9525" marB="0" anchor="ctr"/>
+                </a:tc>
+                <a:tc>
+                  <a:txBody>
+                    <a:bodyPr/>
+                    <a:lstStyle/>
+                    <a:p>
+                      <a:pPr algn="ctr" fontAlgn="ctr"/>
+                      <a:r>
+                        <a:rPr lang="en-US" sz="1000" u="none" strike="noStrike">
+                          <a:effectLst/>
+                        </a:rPr>
+                        <a:t>79</a:t>
+                      </a:r>
+                      <a:endParaRPr lang="en-US" sz="1000" b="0" i="0" u="none" strike="noStrike">
+                        <a:solidFill>
+                          <a:srgbClr val="000000"/>
+                        </a:solidFill>
+                        <a:effectLst/>
+                        <a:latin typeface="Arial Narrow" panose="020B0606020202030204" pitchFamily="34" charset="0"/>
+                      </a:endParaRPr>
+                    </a:p>
+                  </a:txBody>
+                  <a:tcPr marL="9525" marR="9525" marT="9525" marB="0" anchor="ctr"/>
+                </a:tc>
+                <a:tc>
+                  <a:txBody>
+                    <a:bodyPr/>
+                    <a:lstStyle/>
+                    <a:p>
+                      <a:pPr algn="ctr" fontAlgn="ctr"/>
+                      <a:r>
+                        <a:rPr lang="en-US" sz="1000" u="none" strike="noStrike">
+                          <a:effectLst/>
+                        </a:rPr>
+                        <a:t>80</a:t>
+                      </a:r>
+                      <a:endParaRPr lang="en-US" sz="1000" b="0" i="0" u="none" strike="noStrike">
+                        <a:solidFill>
+                          <a:srgbClr val="000000"/>
+                        </a:solidFill>
+                        <a:effectLst/>
+                        <a:latin typeface="Calibri Light" panose="020F0302020204030204" pitchFamily="34" charset="0"/>
+                      </a:endParaRPr>
+                    </a:p>
+                  </a:txBody>
+                  <a:tcPr marL="9525" marR="9525" marT="9525" marB="0" anchor="ctr"/>
+                </a:tc>
+                <a:extLst>
+                  <a:ext uri="{0D108BD9-81ED-4DB2-BD59-A6C34878D82A}">
+                    <a16:rowId xmlns:a16="http://schemas.microsoft.com/office/drawing/2014/main" val="1721628426"/>
+                  </a:ext>
+                </a:extLst>
+              </a:tr>
+              <a:tr h="368880">
+                <a:tc>
+                  <a:txBody>
+                    <a:bodyPr/>
+                    <a:lstStyle/>
+                    <a:p>
+                      <a:pPr algn="ctr" fontAlgn="ctr"/>
+                      <a:r>
+                        <a:rPr lang="en-US" sz="1000" u="none" strike="noStrike">
+                          <a:effectLst/>
+                        </a:rPr>
+                        <a:t>80</a:t>
+                      </a:r>
+                      <a:endParaRPr lang="en-US" sz="1000" b="0" i="0" u="none" strike="noStrike">
+                        <a:solidFill>
+                          <a:srgbClr val="000000"/>
+                        </a:solidFill>
+                        <a:effectLst/>
+                        <a:latin typeface="Calibri Light" panose="020F0302020204030204" pitchFamily="34" charset="0"/>
+                      </a:endParaRPr>
+                    </a:p>
+                  </a:txBody>
+                  <a:tcPr marL="9525" marR="9525" marT="9525" marB="0" anchor="ctr"/>
+                </a:tc>
+                <a:tc>
+                  <a:txBody>
+                    <a:bodyPr/>
+                    <a:lstStyle/>
+                    <a:p>
+                      <a:pPr algn="ctr" fontAlgn="ctr"/>
+                      <a:r>
+                        <a:rPr lang="en-US" sz="1000" u="none" strike="noStrike">
+                          <a:effectLst/>
+                        </a:rPr>
+                        <a:t>81</a:t>
+                      </a:r>
+                      <a:endParaRPr lang="en-US" sz="1000" b="0" i="0" u="none" strike="noStrike">
+                        <a:solidFill>
+                          <a:srgbClr val="000000"/>
+                        </a:solidFill>
+                        <a:effectLst/>
+                        <a:latin typeface="Calibri Light" panose="020F0302020204030204" pitchFamily="34" charset="0"/>
+                      </a:endParaRPr>
+                    </a:p>
+                  </a:txBody>
+                  <a:tcPr marL="9525" marR="9525" marT="9525" marB="0" anchor="ctr"/>
+                </a:tc>
+                <a:tc>
+                  <a:txBody>
+                    <a:bodyPr/>
+                    <a:lstStyle/>
+                    <a:p>
+                      <a:pPr algn="ctr" fontAlgn="ctr"/>
+                      <a:r>
+                        <a:rPr lang="en-US" sz="1000" u="none" strike="noStrike">
+                          <a:effectLst/>
+                        </a:rPr>
+                        <a:t>84</a:t>
+                      </a:r>
+                      <a:endParaRPr lang="en-US" sz="1000" b="0" i="0" u="none" strike="noStrike">
+                        <a:solidFill>
+                          <a:srgbClr val="000000"/>
+                        </a:solidFill>
+                        <a:effectLst/>
+                        <a:latin typeface="Arial Narrow" panose="020B0606020202030204" pitchFamily="34" charset="0"/>
+                      </a:endParaRPr>
+                    </a:p>
+                  </a:txBody>
+                  <a:tcPr marL="9525" marR="9525" marT="9525" marB="0" anchor="ctr"/>
+                </a:tc>
+                <a:tc>
+                  <a:txBody>
+                    <a:bodyPr/>
+                    <a:lstStyle/>
+                    <a:p>
+                      <a:pPr algn="ctr" fontAlgn="ctr"/>
+                      <a:r>
+                        <a:rPr lang="en-US" sz="1000" u="none" strike="noStrike" dirty="0">
+                          <a:effectLst/>
+                        </a:rPr>
+                        <a:t>84</a:t>
+                      </a:r>
+                      <a:endParaRPr lang="en-US" sz="1000" b="0" i="0" u="none" strike="noStrike" dirty="0">
+                        <a:solidFill>
+                          <a:srgbClr val="000000"/>
+                        </a:solidFill>
+                        <a:effectLst/>
+                        <a:latin typeface="Arial Narrow" panose="020B0606020202030204" pitchFamily="34" charset="0"/>
+                      </a:endParaRPr>
+                    </a:p>
+                  </a:txBody>
+                  <a:tcPr marL="9525" marR="9525" marT="9525" marB="0" anchor="ctr"/>
+                </a:tc>
+                <a:tc>
+                  <a:txBody>
+                    <a:bodyPr/>
+                    <a:lstStyle/>
+                    <a:p>
+                      <a:pPr algn="ctr" fontAlgn="ctr"/>
+                      <a:r>
+                        <a:rPr lang="en-US" sz="1000" u="none" strike="noStrike">
+                          <a:effectLst/>
+                        </a:rPr>
+                        <a:t>85</a:t>
+                      </a:r>
+                      <a:endParaRPr lang="en-US" sz="1000" b="0" i="0" u="none" strike="noStrike">
+                        <a:solidFill>
+                          <a:srgbClr val="000000"/>
+                        </a:solidFill>
+                        <a:effectLst/>
+                        <a:latin typeface="Arial Narrow" panose="020B0606020202030204" pitchFamily="34" charset="0"/>
+                      </a:endParaRPr>
+                    </a:p>
+                  </a:txBody>
+                  <a:tcPr marL="9525" marR="9525" marT="9525" marB="0" anchor="ctr"/>
+                </a:tc>
+                <a:tc>
+                  <a:txBody>
+                    <a:bodyPr/>
+                    <a:lstStyle/>
+                    <a:p>
+                      <a:pPr algn="ctr" fontAlgn="ctr"/>
+                      <a:r>
+                        <a:rPr lang="en-US" sz="1000" u="none" strike="noStrike">
+                          <a:effectLst/>
+                        </a:rPr>
+                        <a:t>85</a:t>
+                      </a:r>
+                      <a:endParaRPr lang="en-US" sz="1000" b="0" i="0" u="none" strike="noStrike">
+                        <a:solidFill>
+                          <a:srgbClr val="000000"/>
+                        </a:solidFill>
+                        <a:effectLst/>
+                        <a:latin typeface="Arial Narrow" panose="020B0606020202030204" pitchFamily="34" charset="0"/>
+                      </a:endParaRPr>
+                    </a:p>
+                  </a:txBody>
+                  <a:tcPr marL="9525" marR="9525" marT="9525" marB="0" anchor="ctr"/>
+                </a:tc>
+                <a:tc>
+                  <a:txBody>
+                    <a:bodyPr/>
+                    <a:lstStyle/>
+                    <a:p>
+                      <a:pPr algn="ctr" fontAlgn="ctr"/>
+                      <a:r>
+                        <a:rPr lang="en-US" sz="1000" u="none" strike="noStrike">
+                          <a:effectLst/>
+                        </a:rPr>
+                        <a:t>86</a:t>
+                      </a:r>
+                      <a:endParaRPr lang="en-US" sz="1000" b="0" i="0" u="none" strike="noStrike">
+                        <a:solidFill>
+                          <a:srgbClr val="000000"/>
+                        </a:solidFill>
+                        <a:effectLst/>
+                        <a:latin typeface="Calibri Light" panose="020F0302020204030204" pitchFamily="34" charset="0"/>
+                      </a:endParaRPr>
+                    </a:p>
+                  </a:txBody>
+                  <a:tcPr marL="9525" marR="9525" marT="9525" marB="0" anchor="ctr"/>
+                </a:tc>
+                <a:tc>
+                  <a:txBody>
+                    <a:bodyPr/>
+                    <a:lstStyle/>
+                    <a:p>
+                      <a:pPr algn="ctr" fontAlgn="ctr"/>
+                      <a:r>
+                        <a:rPr lang="en-US" sz="1000" u="none" strike="noStrike">
+                          <a:effectLst/>
+                        </a:rPr>
+                        <a:t>86</a:t>
+                      </a:r>
+                      <a:endParaRPr lang="en-US" sz="1000" b="0" i="0" u="none" strike="noStrike">
+                        <a:solidFill>
+                          <a:srgbClr val="000000"/>
+                        </a:solidFill>
+                        <a:effectLst/>
+                        <a:latin typeface="Arial Narrow" panose="020B0606020202030204" pitchFamily="34" charset="0"/>
+                      </a:endParaRPr>
+                    </a:p>
+                  </a:txBody>
+                  <a:tcPr marL="9525" marR="9525" marT="9525" marB="0" anchor="ctr"/>
+                </a:tc>
+                <a:tc>
+                  <a:txBody>
+                    <a:bodyPr/>
+                    <a:lstStyle/>
+                    <a:p>
+                      <a:pPr algn="ctr" fontAlgn="ctr"/>
+                      <a:r>
+                        <a:rPr lang="en-US" sz="1000" u="none" strike="noStrike">
+                          <a:effectLst/>
+                        </a:rPr>
+                        <a:t>86</a:t>
+                      </a:r>
+                      <a:endParaRPr lang="en-US" sz="1000" b="0" i="0" u="none" strike="noStrike">
+                        <a:solidFill>
+                          <a:srgbClr val="000000"/>
+                        </a:solidFill>
+                        <a:effectLst/>
+                        <a:latin typeface="Arial Narrow" panose="020B0606020202030204" pitchFamily="34" charset="0"/>
+                      </a:endParaRPr>
+                    </a:p>
+                  </a:txBody>
+                  <a:tcPr marL="9525" marR="9525" marT="9525" marB="0" anchor="ctr"/>
+                </a:tc>
+                <a:tc>
+                  <a:txBody>
+                    <a:bodyPr/>
+                    <a:lstStyle/>
+                    <a:p>
+                      <a:pPr algn="ctr" fontAlgn="ctr"/>
+                      <a:r>
+                        <a:rPr lang="en-US" sz="1000" u="none" strike="noStrike">
+                          <a:effectLst/>
+                        </a:rPr>
+                        <a:t>86</a:t>
+                      </a:r>
+                      <a:endParaRPr lang="en-US" sz="1000" b="0" i="0" u="none" strike="noStrike">
+                        <a:solidFill>
+                          <a:srgbClr val="000000"/>
+                        </a:solidFill>
+                        <a:effectLst/>
+                        <a:latin typeface="Arial Narrow" panose="020B0606020202030204" pitchFamily="34" charset="0"/>
+                      </a:endParaRPr>
+                    </a:p>
+                  </a:txBody>
+                  <a:tcPr marL="9525" marR="9525" marT="9525" marB="0" anchor="ctr"/>
+                </a:tc>
+                <a:extLst>
+                  <a:ext uri="{0D108BD9-81ED-4DB2-BD59-A6C34878D82A}">
+                    <a16:rowId xmlns:a16="http://schemas.microsoft.com/office/drawing/2014/main" val="339083855"/>
+                  </a:ext>
+                </a:extLst>
+              </a:tr>
+              <a:tr h="368880">
+                <a:tc>
+                  <a:txBody>
+                    <a:bodyPr/>
+                    <a:lstStyle/>
+                    <a:p>
+                      <a:pPr algn="ctr" fontAlgn="ctr"/>
+                      <a:r>
+                        <a:rPr lang="en-US" sz="1000" u="none" strike="noStrike">
+                          <a:effectLst/>
+                        </a:rPr>
+                        <a:t>86</a:t>
+                      </a:r>
+                      <a:endParaRPr lang="en-US" sz="1000" b="0" i="0" u="none" strike="noStrike">
+                        <a:solidFill>
+                          <a:srgbClr val="000000"/>
+                        </a:solidFill>
+                        <a:effectLst/>
+                        <a:latin typeface="Arial Narrow" panose="020B0606020202030204" pitchFamily="34" charset="0"/>
+                      </a:endParaRPr>
+                    </a:p>
+                  </a:txBody>
+                  <a:tcPr marL="9525" marR="9525" marT="9525" marB="0" anchor="ctr"/>
+                </a:tc>
+                <a:tc>
+                  <a:txBody>
+                    <a:bodyPr/>
+                    <a:lstStyle/>
+                    <a:p>
+                      <a:pPr algn="ctr" fontAlgn="ctr"/>
+                      <a:r>
+                        <a:rPr lang="en-US" sz="1000" u="none" strike="noStrike">
+                          <a:effectLst/>
+                        </a:rPr>
+                        <a:t>86</a:t>
+                      </a:r>
+                      <a:endParaRPr lang="en-US" sz="1000" b="0" i="0" u="none" strike="noStrike">
+                        <a:solidFill>
+                          <a:srgbClr val="000000"/>
+                        </a:solidFill>
+                        <a:effectLst/>
+                        <a:latin typeface="Calibri Light" panose="020F0302020204030204" pitchFamily="34" charset="0"/>
+                      </a:endParaRPr>
+                    </a:p>
+                  </a:txBody>
+                  <a:tcPr marL="9525" marR="9525" marT="9525" marB="0" anchor="ctr"/>
+                </a:tc>
+                <a:tc>
+                  <a:txBody>
+                    <a:bodyPr/>
+                    <a:lstStyle/>
+                    <a:p>
+                      <a:pPr algn="ctr" fontAlgn="ctr"/>
+                      <a:r>
+                        <a:rPr lang="en-US" sz="1000" u="none" strike="noStrike">
+                          <a:effectLst/>
+                        </a:rPr>
+                        <a:t>87</a:t>
+                      </a:r>
+                      <a:endParaRPr lang="en-US" sz="1000" b="0" i="0" u="none" strike="noStrike">
+                        <a:solidFill>
+                          <a:srgbClr val="000000"/>
+                        </a:solidFill>
+                        <a:effectLst/>
+                        <a:latin typeface="Arial Narrow" panose="020B0606020202030204" pitchFamily="34" charset="0"/>
+                      </a:endParaRPr>
+                    </a:p>
+                  </a:txBody>
+                  <a:tcPr marL="9525" marR="9525" marT="9525" marB="0" anchor="ctr"/>
+                </a:tc>
+                <a:tc>
+                  <a:txBody>
+                    <a:bodyPr/>
+                    <a:lstStyle/>
+                    <a:p>
+                      <a:pPr algn="ctr" fontAlgn="ctr"/>
+                      <a:r>
+                        <a:rPr lang="en-US" sz="1000" u="none" strike="noStrike">
+                          <a:effectLst/>
+                        </a:rPr>
+                        <a:t>87</a:t>
+                      </a:r>
+                      <a:endParaRPr lang="en-US" sz="1000" b="0" i="0" u="none" strike="noStrike">
+                        <a:solidFill>
+                          <a:srgbClr val="000000"/>
+                        </a:solidFill>
+                        <a:effectLst/>
+                        <a:latin typeface="Calibri Light" panose="020F0302020204030204" pitchFamily="34" charset="0"/>
+                      </a:endParaRPr>
+                    </a:p>
+                  </a:txBody>
+                  <a:tcPr marL="9525" marR="9525" marT="9525" marB="0" anchor="ctr"/>
+                </a:tc>
+                <a:tc>
+                  <a:txBody>
+                    <a:bodyPr/>
+                    <a:lstStyle/>
+                    <a:p>
+                      <a:pPr algn="ctr" fontAlgn="ctr"/>
+                      <a:r>
+                        <a:rPr lang="en-US" sz="1000" u="none" strike="noStrike">
+                          <a:effectLst/>
+                        </a:rPr>
+                        <a:t>89</a:t>
+                      </a:r>
+                      <a:endParaRPr lang="en-US" sz="1000" b="0" i="0" u="none" strike="noStrike">
+                        <a:solidFill>
+                          <a:srgbClr val="000000"/>
+                        </a:solidFill>
+                        <a:effectLst/>
+                        <a:latin typeface="Calibri Light" panose="020F0302020204030204" pitchFamily="34" charset="0"/>
+                      </a:endParaRPr>
+                    </a:p>
+                  </a:txBody>
+                  <a:tcPr marL="9525" marR="9525" marT="9525" marB="0" anchor="ctr"/>
+                </a:tc>
+                <a:tc>
+                  <a:txBody>
+                    <a:bodyPr/>
+                    <a:lstStyle/>
+                    <a:p>
+                      <a:pPr algn="ctr" fontAlgn="ctr"/>
+                      <a:r>
+                        <a:rPr lang="en-US" sz="1000" u="none" strike="noStrike">
+                          <a:effectLst/>
+                        </a:rPr>
+                        <a:t>89</a:t>
+                      </a:r>
+                      <a:endParaRPr lang="en-US" sz="1000" b="0" i="0" u="none" strike="noStrike">
+                        <a:solidFill>
+                          <a:srgbClr val="000000"/>
+                        </a:solidFill>
+                        <a:effectLst/>
+                        <a:latin typeface="Arial Narrow" panose="020B0606020202030204" pitchFamily="34" charset="0"/>
+                      </a:endParaRPr>
+                    </a:p>
+                  </a:txBody>
+                  <a:tcPr marL="9525" marR="9525" marT="9525" marB="0" anchor="ctr"/>
+                </a:tc>
+                <a:tc>
+                  <a:txBody>
+                    <a:bodyPr/>
+                    <a:lstStyle/>
+                    <a:p>
+                      <a:pPr algn="ctr" fontAlgn="ctr"/>
+                      <a:r>
+                        <a:rPr lang="en-US" sz="1000" u="none" strike="noStrike">
+                          <a:effectLst/>
+                        </a:rPr>
+                        <a:t>89</a:t>
+                      </a:r>
+                      <a:endParaRPr lang="en-US" sz="1000" b="0" i="0" u="none" strike="noStrike">
+                        <a:solidFill>
+                          <a:srgbClr val="000000"/>
+                        </a:solidFill>
+                        <a:effectLst/>
+                        <a:latin typeface="Arial Narrow" panose="020B0606020202030204" pitchFamily="34" charset="0"/>
+                      </a:endParaRPr>
+                    </a:p>
+                  </a:txBody>
+                  <a:tcPr marL="9525" marR="9525" marT="9525" marB="0" anchor="ctr"/>
+                </a:tc>
+                <a:tc>
+                  <a:txBody>
+                    <a:bodyPr/>
+                    <a:lstStyle/>
+                    <a:p>
+                      <a:pPr algn="ctr" fontAlgn="ctr"/>
+                      <a:r>
+                        <a:rPr lang="en-US" sz="1000" u="none" strike="noStrike" dirty="0">
+                          <a:effectLst/>
+                        </a:rPr>
+                        <a:t>90</a:t>
+                      </a:r>
+                      <a:endParaRPr lang="en-US" sz="1000" b="0" i="0" u="none" strike="noStrike" dirty="0">
+                        <a:solidFill>
+                          <a:srgbClr val="000000"/>
+                        </a:solidFill>
+                        <a:effectLst/>
+                        <a:latin typeface="Arial Narrow" panose="020B0606020202030204" pitchFamily="34" charset="0"/>
+                      </a:endParaRPr>
+                    </a:p>
+                  </a:txBody>
+                  <a:tcPr marL="9525" marR="9525" marT="9525" marB="0" anchor="ctr"/>
+                </a:tc>
+                <a:tc>
+                  <a:txBody>
+                    <a:bodyPr/>
+                    <a:lstStyle/>
+                    <a:p>
+                      <a:pPr algn="ctr" fontAlgn="ctr"/>
+                      <a:r>
+                        <a:rPr lang="en-US" sz="1000" u="none" strike="noStrike">
+                          <a:effectLst/>
+                        </a:rPr>
+                        <a:t>90</a:t>
+                      </a:r>
+                      <a:endParaRPr lang="en-US" sz="1000" b="0" i="0" u="none" strike="noStrike">
+                        <a:solidFill>
+                          <a:srgbClr val="000000"/>
+                        </a:solidFill>
+                        <a:effectLst/>
+                        <a:latin typeface="Arial Narrow" panose="020B0606020202030204" pitchFamily="34" charset="0"/>
+                      </a:endParaRPr>
+                    </a:p>
+                  </a:txBody>
+                  <a:tcPr marL="9525" marR="9525" marT="9525" marB="0" anchor="ctr"/>
+                </a:tc>
+                <a:tc>
+                  <a:txBody>
+                    <a:bodyPr/>
+                    <a:lstStyle/>
+                    <a:p>
+                      <a:pPr algn="ctr" fontAlgn="ctr"/>
+                      <a:r>
+                        <a:rPr lang="en-US" sz="1000" u="none" strike="noStrike">
+                          <a:effectLst/>
+                        </a:rPr>
+                        <a:t>91</a:t>
+                      </a:r>
+                      <a:endParaRPr lang="en-US" sz="1000" b="0" i="0" u="none" strike="noStrike">
+                        <a:solidFill>
+                          <a:srgbClr val="000000"/>
+                        </a:solidFill>
+                        <a:effectLst/>
+                        <a:latin typeface="Arial Narrow" panose="020B0606020202030204" pitchFamily="34" charset="0"/>
+                      </a:endParaRPr>
+                    </a:p>
+                  </a:txBody>
+                  <a:tcPr marL="9525" marR="9525" marT="9525" marB="0" anchor="ctr"/>
+                </a:tc>
+                <a:extLst>
+                  <a:ext uri="{0D108BD9-81ED-4DB2-BD59-A6C34878D82A}">
+                    <a16:rowId xmlns:a16="http://schemas.microsoft.com/office/drawing/2014/main" val="2142153174"/>
+                  </a:ext>
+                </a:extLst>
+              </a:tr>
+              <a:tr h="368880">
+                <a:tc>
+                  <a:txBody>
+                    <a:bodyPr/>
+                    <a:lstStyle/>
+                    <a:p>
+                      <a:pPr algn="ctr" fontAlgn="ctr"/>
+                      <a:r>
+                        <a:rPr lang="en-US" sz="1000" u="none" strike="noStrike">
+                          <a:effectLst/>
+                        </a:rPr>
+                        <a:t>91</a:t>
+                      </a:r>
+                      <a:endParaRPr lang="en-US" sz="1000" b="0" i="0" u="none" strike="noStrike">
+                        <a:solidFill>
+                          <a:srgbClr val="000000"/>
+                        </a:solidFill>
+                        <a:effectLst/>
+                        <a:latin typeface="Arial Narrow" panose="020B0606020202030204" pitchFamily="34" charset="0"/>
+                      </a:endParaRPr>
+                    </a:p>
+                  </a:txBody>
+                  <a:tcPr marL="9525" marR="9525" marT="9525" marB="0" anchor="ctr"/>
+                </a:tc>
+                <a:tc>
+                  <a:txBody>
+                    <a:bodyPr/>
+                    <a:lstStyle/>
+                    <a:p>
+                      <a:pPr algn="ctr" fontAlgn="ctr"/>
+                      <a:r>
+                        <a:rPr lang="en-US" sz="1000" u="none" strike="noStrike">
+                          <a:effectLst/>
+                        </a:rPr>
+                        <a:t>91</a:t>
+                      </a:r>
+                      <a:endParaRPr lang="en-US" sz="1000" b="0" i="0" u="none" strike="noStrike">
+                        <a:solidFill>
+                          <a:srgbClr val="000000"/>
+                        </a:solidFill>
+                        <a:effectLst/>
+                        <a:latin typeface="Arial Narrow" panose="020B0606020202030204" pitchFamily="34" charset="0"/>
+                      </a:endParaRPr>
+                    </a:p>
+                  </a:txBody>
+                  <a:tcPr marL="9525" marR="9525" marT="9525" marB="0" anchor="ctr"/>
+                </a:tc>
+                <a:tc>
+                  <a:txBody>
+                    <a:bodyPr/>
+                    <a:lstStyle/>
+                    <a:p>
+                      <a:pPr algn="ctr" fontAlgn="ctr"/>
+                      <a:r>
+                        <a:rPr lang="en-US" sz="1000" u="none" strike="noStrike">
+                          <a:effectLst/>
+                        </a:rPr>
+                        <a:t>91</a:t>
+                      </a:r>
+                      <a:endParaRPr lang="en-US" sz="1000" b="0" i="0" u="none" strike="noStrike">
+                        <a:solidFill>
+                          <a:srgbClr val="000000"/>
+                        </a:solidFill>
+                        <a:effectLst/>
+                        <a:latin typeface="Arial Narrow" panose="020B0606020202030204" pitchFamily="34" charset="0"/>
+                      </a:endParaRPr>
+                    </a:p>
+                  </a:txBody>
+                  <a:tcPr marL="9525" marR="9525" marT="9525" marB="0" anchor="ctr"/>
+                </a:tc>
+                <a:tc>
+                  <a:txBody>
+                    <a:bodyPr/>
+                    <a:lstStyle/>
+                    <a:p>
+                      <a:pPr algn="ctr" fontAlgn="ctr"/>
+                      <a:r>
+                        <a:rPr lang="en-US" sz="1000" u="none" strike="noStrike">
+                          <a:effectLst/>
+                        </a:rPr>
+                        <a:t>92</a:t>
+                      </a:r>
+                      <a:endParaRPr lang="en-US" sz="1000" b="0" i="0" u="none" strike="noStrike">
+                        <a:solidFill>
+                          <a:srgbClr val="000000"/>
+                        </a:solidFill>
+                        <a:effectLst/>
+                        <a:latin typeface="Arial Narrow" panose="020B0606020202030204" pitchFamily="34" charset="0"/>
+                      </a:endParaRPr>
+                    </a:p>
+                  </a:txBody>
+                  <a:tcPr marL="9525" marR="9525" marT="9525" marB="0" anchor="ctr"/>
+                </a:tc>
+                <a:tc>
+                  <a:txBody>
+                    <a:bodyPr/>
+                    <a:lstStyle/>
+                    <a:p>
+                      <a:pPr algn="ctr" fontAlgn="ctr"/>
+                      <a:r>
+                        <a:rPr lang="en-US" sz="1000" u="none" strike="noStrike">
+                          <a:effectLst/>
+                        </a:rPr>
+                        <a:t>92</a:t>
+                      </a:r>
+                      <a:endParaRPr lang="en-US" sz="1000" b="0" i="0" u="none" strike="noStrike">
+                        <a:solidFill>
+                          <a:srgbClr val="000000"/>
+                        </a:solidFill>
+                        <a:effectLst/>
+                        <a:latin typeface="Arial Narrow" panose="020B0606020202030204" pitchFamily="34" charset="0"/>
+                      </a:endParaRPr>
+                    </a:p>
+                  </a:txBody>
+                  <a:tcPr marL="9525" marR="9525" marT="9525" marB="0" anchor="ctr"/>
+                </a:tc>
+                <a:tc>
+                  <a:txBody>
+                    <a:bodyPr/>
+                    <a:lstStyle/>
+                    <a:p>
+                      <a:pPr algn="ctr" fontAlgn="ctr"/>
+                      <a:r>
+                        <a:rPr lang="en-US" sz="1000" u="none" strike="noStrike" dirty="0">
+                          <a:effectLst/>
+                        </a:rPr>
+                        <a:t>92</a:t>
+                      </a:r>
+                      <a:endParaRPr lang="en-US" sz="1000" b="0" i="0" u="none" strike="noStrike" dirty="0">
+                        <a:solidFill>
+                          <a:srgbClr val="000000"/>
+                        </a:solidFill>
+                        <a:effectLst/>
+                        <a:latin typeface="Arial Narrow" panose="020B0606020202030204" pitchFamily="34" charset="0"/>
+                      </a:endParaRPr>
+                    </a:p>
+                  </a:txBody>
+                  <a:tcPr marL="9525" marR="9525" marT="9525" marB="0" anchor="ctr"/>
+                </a:tc>
+                <a:tc>
+                  <a:txBody>
+                    <a:bodyPr/>
+                    <a:lstStyle/>
+                    <a:p>
+                      <a:pPr algn="ctr" fontAlgn="ctr"/>
+                      <a:r>
+                        <a:rPr lang="en-US" sz="1000" u="none" strike="noStrike">
+                          <a:effectLst/>
+                        </a:rPr>
+                        <a:t>92</a:t>
+                      </a:r>
+                      <a:endParaRPr lang="en-US" sz="1000" b="0" i="0" u="none" strike="noStrike">
+                        <a:solidFill>
+                          <a:srgbClr val="000000"/>
+                        </a:solidFill>
+                        <a:effectLst/>
+                        <a:latin typeface="Arial Narrow" panose="020B0606020202030204" pitchFamily="34" charset="0"/>
+                      </a:endParaRPr>
+                    </a:p>
+                  </a:txBody>
+                  <a:tcPr marL="9525" marR="9525" marT="9525" marB="0" anchor="ctr"/>
+                </a:tc>
+                <a:tc>
+                  <a:txBody>
+                    <a:bodyPr/>
+                    <a:lstStyle/>
+                    <a:p>
+                      <a:pPr algn="ctr" fontAlgn="ctr"/>
+                      <a:r>
+                        <a:rPr lang="en-US" sz="1000" u="none" strike="noStrike">
+                          <a:effectLst/>
+                        </a:rPr>
+                        <a:t>93</a:t>
+                      </a:r>
+                      <a:endParaRPr lang="en-US" sz="1000" b="0" i="0" u="none" strike="noStrike">
+                        <a:solidFill>
+                          <a:srgbClr val="000000"/>
+                        </a:solidFill>
+                        <a:effectLst/>
+                        <a:latin typeface="Arial Narrow" panose="020B0606020202030204" pitchFamily="34" charset="0"/>
+                      </a:endParaRPr>
+                    </a:p>
+                  </a:txBody>
+                  <a:tcPr marL="9525" marR="9525" marT="9525" marB="0" anchor="ctr"/>
+                </a:tc>
+                <a:tc>
+                  <a:txBody>
+                    <a:bodyPr/>
+                    <a:lstStyle/>
+                    <a:p>
+                      <a:pPr algn="ctr" fontAlgn="ctr"/>
+                      <a:r>
+                        <a:rPr lang="en-US" sz="1000" u="none" strike="noStrike">
+                          <a:effectLst/>
+                        </a:rPr>
+                        <a:t>93</a:t>
+                      </a:r>
+                      <a:endParaRPr lang="en-US" sz="1000" b="0" i="0" u="none" strike="noStrike">
+                        <a:solidFill>
+                          <a:srgbClr val="000000"/>
+                        </a:solidFill>
+                        <a:effectLst/>
+                        <a:latin typeface="Arial Narrow" panose="020B0606020202030204" pitchFamily="34" charset="0"/>
+                      </a:endParaRPr>
+                    </a:p>
+                  </a:txBody>
+                  <a:tcPr marL="9525" marR="9525" marT="9525" marB="0" anchor="ctr"/>
+                </a:tc>
+                <a:tc>
+                  <a:txBody>
+                    <a:bodyPr/>
+                    <a:lstStyle/>
+                    <a:p>
+                      <a:pPr algn="ctr" fontAlgn="ctr"/>
+                      <a:r>
+                        <a:rPr lang="en-US" sz="1000" u="none" strike="noStrike">
+                          <a:effectLst/>
+                        </a:rPr>
+                        <a:t>93</a:t>
+                      </a:r>
+                      <a:endParaRPr lang="en-US" sz="1000" b="0" i="0" u="none" strike="noStrike">
+                        <a:solidFill>
+                          <a:srgbClr val="000000"/>
+                        </a:solidFill>
+                        <a:effectLst/>
+                        <a:latin typeface="Arial Narrow" panose="020B0606020202030204" pitchFamily="34" charset="0"/>
+                      </a:endParaRPr>
+                    </a:p>
+                  </a:txBody>
+                  <a:tcPr marL="9525" marR="9525" marT="9525" marB="0" anchor="ctr"/>
+                </a:tc>
+                <a:extLst>
+                  <a:ext uri="{0D108BD9-81ED-4DB2-BD59-A6C34878D82A}">
+                    <a16:rowId xmlns:a16="http://schemas.microsoft.com/office/drawing/2014/main" val="3291880929"/>
+                  </a:ext>
+                </a:extLst>
+              </a:tr>
+              <a:tr h="368880">
+                <a:tc>
+                  <a:txBody>
+                    <a:bodyPr/>
+                    <a:lstStyle/>
+                    <a:p>
+                      <a:pPr algn="ctr" fontAlgn="ctr"/>
+                      <a:r>
+                        <a:rPr lang="en-US" sz="1000" u="none" strike="noStrike">
+                          <a:effectLst/>
+                        </a:rPr>
+                        <a:t>94</a:t>
+                      </a:r>
+                      <a:endParaRPr lang="en-US" sz="1000" b="0" i="0" u="none" strike="noStrike">
+                        <a:solidFill>
+                          <a:srgbClr val="000000"/>
+                        </a:solidFill>
+                        <a:effectLst/>
+                        <a:latin typeface="Arial Narrow" panose="020B0606020202030204" pitchFamily="34" charset="0"/>
+                      </a:endParaRPr>
+                    </a:p>
+                  </a:txBody>
+                  <a:tcPr marL="9525" marR="9525" marT="9525" marB="0" anchor="ctr"/>
+                </a:tc>
+                <a:tc>
+                  <a:txBody>
+                    <a:bodyPr/>
+                    <a:lstStyle/>
+                    <a:p>
+                      <a:pPr algn="ctr" fontAlgn="ctr"/>
+                      <a:r>
+                        <a:rPr lang="en-US" sz="1000" u="none" strike="noStrike">
+                          <a:effectLst/>
+                        </a:rPr>
+                        <a:t>94</a:t>
+                      </a:r>
+                      <a:endParaRPr lang="en-US" sz="1000" b="0" i="0" u="none" strike="noStrike">
+                        <a:solidFill>
+                          <a:srgbClr val="000000"/>
+                        </a:solidFill>
+                        <a:effectLst/>
+                        <a:latin typeface="Arial Narrow" panose="020B0606020202030204" pitchFamily="34" charset="0"/>
+                      </a:endParaRPr>
+                    </a:p>
+                  </a:txBody>
+                  <a:tcPr marL="9525" marR="9525" marT="9525" marB="0" anchor="ctr"/>
+                </a:tc>
+                <a:tc>
+                  <a:txBody>
+                    <a:bodyPr/>
+                    <a:lstStyle/>
+                    <a:p>
+                      <a:pPr algn="ctr" fontAlgn="ctr"/>
+                      <a:r>
+                        <a:rPr lang="en-US" sz="1000" u="none" strike="noStrike">
+                          <a:effectLst/>
+                        </a:rPr>
+                        <a:t>94</a:t>
+                      </a:r>
+                      <a:endParaRPr lang="en-US" sz="1000" b="0" i="0" u="none" strike="noStrike">
+                        <a:solidFill>
+                          <a:srgbClr val="000000"/>
+                        </a:solidFill>
+                        <a:effectLst/>
+                        <a:latin typeface="Arial Narrow" panose="020B0606020202030204" pitchFamily="34" charset="0"/>
+                      </a:endParaRPr>
+                    </a:p>
+                  </a:txBody>
+                  <a:tcPr marL="9525" marR="9525" marT="9525" marB="0" anchor="ctr"/>
+                </a:tc>
+                <a:tc>
+                  <a:txBody>
+                    <a:bodyPr/>
+                    <a:lstStyle/>
+                    <a:p>
+                      <a:pPr algn="ctr" fontAlgn="ctr"/>
+                      <a:r>
+                        <a:rPr lang="en-US" sz="1000" u="none" strike="noStrike">
+                          <a:effectLst/>
+                        </a:rPr>
+                        <a:t>95</a:t>
+                      </a:r>
+                      <a:endParaRPr lang="en-US" sz="1000" b="0" i="0" u="none" strike="noStrike">
+                        <a:solidFill>
+                          <a:srgbClr val="000000"/>
+                        </a:solidFill>
+                        <a:effectLst/>
+                        <a:latin typeface="Arial Narrow" panose="020B0606020202030204" pitchFamily="34" charset="0"/>
+                      </a:endParaRPr>
+                    </a:p>
+                  </a:txBody>
+                  <a:tcPr marL="9525" marR="9525" marT="9525" marB="0" anchor="ctr"/>
+                </a:tc>
+                <a:tc>
+                  <a:txBody>
+                    <a:bodyPr/>
+                    <a:lstStyle/>
+                    <a:p>
+                      <a:pPr algn="ctr" fontAlgn="ctr"/>
+                      <a:r>
+                        <a:rPr lang="en-US" sz="1000" u="none" strike="noStrike">
+                          <a:effectLst/>
+                        </a:rPr>
+                        <a:t>95</a:t>
+                      </a:r>
+                      <a:endParaRPr lang="en-US" sz="1000" b="0" i="0" u="none" strike="noStrike">
+                        <a:solidFill>
+                          <a:srgbClr val="000000"/>
+                        </a:solidFill>
+                        <a:effectLst/>
+                        <a:latin typeface="Arial Narrow" panose="020B0606020202030204" pitchFamily="34" charset="0"/>
+                      </a:endParaRPr>
+                    </a:p>
+                  </a:txBody>
+                  <a:tcPr marL="9525" marR="9525" marT="9525" marB="0" anchor="ctr"/>
+                </a:tc>
+                <a:tc>
+                  <a:txBody>
+                    <a:bodyPr/>
+                    <a:lstStyle/>
+                    <a:p>
+                      <a:pPr algn="ctr" fontAlgn="ctr"/>
+                      <a:r>
+                        <a:rPr lang="en-US" sz="1000" u="none" strike="noStrike">
+                          <a:effectLst/>
+                        </a:rPr>
+                        <a:t>95</a:t>
+                      </a:r>
+                      <a:endParaRPr lang="en-US" sz="1000" b="0" i="0" u="none" strike="noStrike">
+                        <a:solidFill>
+                          <a:srgbClr val="000000"/>
+                        </a:solidFill>
+                        <a:effectLst/>
+                        <a:latin typeface="Arial Narrow" panose="020B0606020202030204" pitchFamily="34" charset="0"/>
+                      </a:endParaRPr>
+                    </a:p>
+                  </a:txBody>
+                  <a:tcPr marL="9525" marR="9525" marT="9525" marB="0" anchor="ctr"/>
+                </a:tc>
+                <a:tc>
+                  <a:txBody>
+                    <a:bodyPr/>
+                    <a:lstStyle/>
+                    <a:p>
+                      <a:pPr algn="ctr" fontAlgn="ctr"/>
+                      <a:r>
+                        <a:rPr lang="en-US" sz="1000" u="none" strike="noStrike">
+                          <a:effectLst/>
+                        </a:rPr>
+                        <a:t>96</a:t>
+                      </a:r>
+                      <a:endParaRPr lang="en-US" sz="1000" b="0" i="0" u="none" strike="noStrike">
+                        <a:solidFill>
+                          <a:srgbClr val="000000"/>
+                        </a:solidFill>
+                        <a:effectLst/>
+                        <a:latin typeface="Calibri Light" panose="020F0302020204030204" pitchFamily="34" charset="0"/>
+                      </a:endParaRPr>
+                    </a:p>
+                  </a:txBody>
+                  <a:tcPr marL="9525" marR="9525" marT="9525" marB="0" anchor="ctr"/>
+                </a:tc>
+                <a:tc>
+                  <a:txBody>
+                    <a:bodyPr/>
+                    <a:lstStyle/>
+                    <a:p>
+                      <a:pPr algn="ctr" fontAlgn="ctr"/>
+                      <a:r>
+                        <a:rPr lang="en-US" sz="1000" u="none" strike="noStrike">
+                          <a:effectLst/>
+                        </a:rPr>
+                        <a:t>96</a:t>
+                      </a:r>
+                      <a:endParaRPr lang="en-US" sz="1000" b="0" i="0" u="none" strike="noStrike">
+                        <a:solidFill>
+                          <a:srgbClr val="000000"/>
+                        </a:solidFill>
+                        <a:effectLst/>
+                        <a:latin typeface="Calibri Light" panose="020F0302020204030204" pitchFamily="34" charset="0"/>
+                      </a:endParaRPr>
+                    </a:p>
+                  </a:txBody>
+                  <a:tcPr marL="9525" marR="9525" marT="9525" marB="0" anchor="ctr"/>
+                </a:tc>
+                <a:tc>
+                  <a:txBody>
+                    <a:bodyPr/>
+                    <a:lstStyle/>
+                    <a:p>
+                      <a:pPr algn="ctr" fontAlgn="ctr"/>
+                      <a:r>
+                        <a:rPr lang="en-US" sz="1000" u="none" strike="noStrike">
+                          <a:effectLst/>
+                        </a:rPr>
+                        <a:t>96</a:t>
+                      </a:r>
+                      <a:endParaRPr lang="en-US" sz="1000" b="0" i="0" u="none" strike="noStrike">
+                        <a:solidFill>
+                          <a:srgbClr val="000000"/>
+                        </a:solidFill>
+                        <a:effectLst/>
+                        <a:latin typeface="Arial Narrow" panose="020B0606020202030204" pitchFamily="34" charset="0"/>
+                      </a:endParaRPr>
+                    </a:p>
+                  </a:txBody>
+                  <a:tcPr marL="9525" marR="9525" marT="9525" marB="0" anchor="ctr"/>
+                </a:tc>
+                <a:tc>
+                  <a:txBody>
+                    <a:bodyPr/>
+                    <a:lstStyle/>
+                    <a:p>
+                      <a:pPr algn="ctr" fontAlgn="ctr"/>
+                      <a:r>
+                        <a:rPr lang="en-US" sz="1200" b="1" u="none" strike="noStrike" dirty="0">
+                          <a:effectLst/>
+                        </a:rPr>
+                        <a:t>97</a:t>
+                      </a:r>
+                      <a:endParaRPr lang="en-US" sz="1200" b="1" i="0" u="none" strike="noStrike" dirty="0">
+                        <a:solidFill>
+                          <a:srgbClr val="000000"/>
+                        </a:solidFill>
+                        <a:effectLst/>
+                        <a:latin typeface="Arial Narrow" panose="020B0606020202030204" pitchFamily="34" charset="0"/>
+                      </a:endParaRPr>
+                    </a:p>
+                  </a:txBody>
+                  <a:tcPr marL="9525" marR="9525" marT="9525" marB="0" anchor="ctr"/>
+                </a:tc>
+                <a:extLst>
+                  <a:ext uri="{0D108BD9-81ED-4DB2-BD59-A6C34878D82A}">
+                    <a16:rowId xmlns:a16="http://schemas.microsoft.com/office/drawing/2014/main" val="1452751189"/>
+                  </a:ext>
+                </a:extLst>
+              </a:tr>
+            </a:tbl>
+          </a:graphicData>
+        </a:graphic>
+      </p:graphicFrame>
+    </p:spTree>
+    <p:extLst>
+      <p:ext uri="{BB962C8B-B14F-4D97-AF65-F5344CB8AC3E}">
+        <p14:creationId xmlns:p14="http://schemas.microsoft.com/office/powerpoint/2010/main" val="1874620965"/>
+      </p:ext>
+    </p:extLst>
+  </p:cSld>
+  <p:clrMapOvr>
+    <a:masterClrMapping/>
+  </p:clrMapOvr>
+</p:sld>
+</file>
+
+<file path=ppt/slides/slide15.xml><?xml version="1.0" encoding="utf-8"?>
+<p:sld xmlns:a="http://schemas.openxmlformats.org/drawingml/2006/main" xmlns:r="http://schemas.openxmlformats.org/officeDocument/2006/relationships" xmlns:p="http://schemas.openxmlformats.org/presentationml/2006/main">
+  <p:cSld>
+    <p:spTree>
+      <p:nvGrpSpPr>
+        <p:cNvPr id="1" name=""/>
+        <p:cNvGrpSpPr/>
+        <p:nvPr/>
+      </p:nvGrpSpPr>
+      <p:grpSpPr>
+        <a:xfrm>
+          <a:off x="0" y="0"/>
+          <a:ext cx="0" cy="0"/>
+          <a:chOff x="0" y="0"/>
+          <a:chExt cx="0" cy="0"/>
+        </a:xfrm>
+      </p:grpSpPr>
+      <p:sp>
+        <p:nvSpPr>
+          <p:cNvPr id="2" name="Text Placeholder 1"/>
+          <p:cNvSpPr>
+            <a:spLocks noGrp="1"/>
+          </p:cNvSpPr>
+          <p:nvPr>
+            <p:ph type="body" sz="quarter" idx="10"/>
+          </p:nvPr>
+        </p:nvSpPr>
+        <p:spPr/>
+        <p:txBody>
+          <a:bodyPr/>
+          <a:lstStyle/>
+          <a:p>
+            <a:r>
+              <a:rPr lang="en-US" altLang="ko-KR" dirty="0" err="1"/>
+              <a:t>Studi</a:t>
+            </a:r>
+            <a:r>
+              <a:rPr lang="en-US" altLang="ko-KR" dirty="0"/>
+              <a:t> </a:t>
+            </a:r>
+            <a:r>
+              <a:rPr lang="en-US" altLang="ko-KR" dirty="0" err="1"/>
+              <a:t>Kasus</a:t>
+            </a:r>
+            <a:endParaRPr lang="ko-KR" altLang="en-US" dirty="0"/>
+          </a:p>
+        </p:txBody>
+      </p:sp>
+      <p:sp>
+        <p:nvSpPr>
+          <p:cNvPr id="3" name="Text Placeholder 2"/>
+          <p:cNvSpPr>
+            <a:spLocks noGrp="1"/>
+          </p:cNvSpPr>
+          <p:nvPr>
+            <p:ph type="body" sz="quarter" idx="11"/>
+          </p:nvPr>
+        </p:nvSpPr>
+        <p:spPr/>
+        <p:txBody>
+          <a:bodyPr/>
+          <a:lstStyle/>
+          <a:p>
+            <a:pPr lvl="0"/>
+            <a:r>
+              <a:rPr lang="en-US" b="1" dirty="0" err="1"/>
+              <a:t>Tabel</a:t>
+            </a:r>
+            <a:r>
+              <a:rPr lang="en-US" b="1" dirty="0"/>
+              <a:t> data </a:t>
+            </a:r>
+            <a:r>
+              <a:rPr lang="en-US" b="1" dirty="0" err="1"/>
+              <a:t>nilai</a:t>
+            </a:r>
+            <a:r>
+              <a:rPr lang="en-US" b="1" dirty="0"/>
+              <a:t> </a:t>
+            </a:r>
+            <a:r>
+              <a:rPr lang="en-US" b="1" dirty="0" err="1"/>
+              <a:t>ujian</a:t>
+            </a:r>
+            <a:r>
+              <a:rPr lang="en-US" b="1" dirty="0"/>
+              <a:t> Pelajaran Agama Islam 50 </a:t>
+            </a:r>
+            <a:r>
+              <a:rPr lang="en-US" b="1" dirty="0" err="1"/>
+              <a:t>Siswa</a:t>
+            </a:r>
+            <a:endParaRPr lang="en-US" altLang="ko-KR" b="1" dirty="0"/>
+          </a:p>
+        </p:txBody>
+      </p:sp>
+      <p:sp>
+        <p:nvSpPr>
+          <p:cNvPr id="11" name="TextBox 10">
+            <a:extLst>
+              <a:ext uri="{FF2B5EF4-FFF2-40B4-BE49-F238E27FC236}">
+                <a16:creationId xmlns:a16="http://schemas.microsoft.com/office/drawing/2014/main" id="{E07A1541-4CD8-4EC6-8EE5-D91E55D9BF1D}"/>
+              </a:ext>
+            </a:extLst>
+          </p:cNvPr>
+          <p:cNvSpPr txBox="1"/>
+          <p:nvPr/>
+        </p:nvSpPr>
+        <p:spPr>
+          <a:xfrm>
+            <a:off x="827584" y="1532860"/>
+            <a:ext cx="4113410" cy="400110"/>
+          </a:xfrm>
+          <a:prstGeom prst="rect">
+            <a:avLst/>
+          </a:prstGeom>
+          <a:noFill/>
+        </p:spPr>
+        <p:txBody>
+          <a:bodyPr wrap="square" rtlCol="0" anchor="ctr">
+            <a:spAutoFit/>
+          </a:bodyPr>
+          <a:lstStyle/>
+          <a:p>
+            <a:pPr algn="just"/>
+            <a:r>
+              <a:rPr lang="en-US" sz="2000" dirty="0">
+                <a:sym typeface="Wingdings" panose="05000000000000000000" pitchFamily="2" charset="2"/>
+              </a:rPr>
+              <a:t> </a:t>
+            </a:r>
+            <a:r>
+              <a:rPr lang="en-US" sz="2000" dirty="0" err="1">
+                <a:sym typeface="Wingdings" panose="05000000000000000000" pitchFamily="2" charset="2"/>
+              </a:rPr>
+              <a:t>Mencari</a:t>
+            </a:r>
+            <a:r>
+              <a:rPr lang="en-US" sz="2000" dirty="0">
+                <a:sym typeface="Wingdings" panose="05000000000000000000" pitchFamily="2" charset="2"/>
+              </a:rPr>
+              <a:t> range</a:t>
+            </a:r>
+            <a:endParaRPr lang="en-US" altLang="ko-KR" sz="2000" dirty="0">
+              <a:solidFill>
+                <a:schemeClr val="tx1">
+                  <a:lumMod val="75000"/>
+                  <a:lumOff val="25000"/>
+                </a:schemeClr>
+              </a:solidFill>
+              <a:cs typeface="Arial" pitchFamily="34" charset="0"/>
+            </a:endParaRPr>
+          </a:p>
+        </p:txBody>
+      </p:sp>
+      <p:sp>
+        <p:nvSpPr>
+          <p:cNvPr id="4" name="Rectangle 3">
+            <a:extLst>
+              <a:ext uri="{FF2B5EF4-FFF2-40B4-BE49-F238E27FC236}">
+                <a16:creationId xmlns:a16="http://schemas.microsoft.com/office/drawing/2014/main" id="{258AB767-4D11-4212-9773-8B01D1959C1A}"/>
+              </a:ext>
+            </a:extLst>
+          </p:cNvPr>
+          <p:cNvSpPr/>
+          <p:nvPr/>
+        </p:nvSpPr>
+        <p:spPr>
+          <a:xfrm>
+            <a:off x="834919" y="2202418"/>
+            <a:ext cx="3344377" cy="307777"/>
+          </a:xfrm>
+          <a:prstGeom prst="rect">
+            <a:avLst/>
+          </a:prstGeom>
+        </p:spPr>
+        <p:txBody>
+          <a:bodyPr wrap="none">
+            <a:spAutoFit/>
+          </a:bodyPr>
+          <a:lstStyle/>
+          <a:p>
+            <a:r>
+              <a:rPr lang="en-US" sz="1400" dirty="0"/>
+              <a:t>Range = Data </a:t>
+            </a:r>
+            <a:r>
+              <a:rPr lang="en-US" sz="1400" dirty="0" err="1"/>
+              <a:t>Tertinggi</a:t>
+            </a:r>
+            <a:r>
+              <a:rPr lang="en-US" sz="1400" dirty="0"/>
+              <a:t> - Data </a:t>
+            </a:r>
+            <a:r>
+              <a:rPr lang="en-US" sz="1400" dirty="0" err="1"/>
+              <a:t>Terendah</a:t>
+            </a:r>
+            <a:endParaRPr lang="en-US" sz="1400" dirty="0"/>
+          </a:p>
+        </p:txBody>
+      </p:sp>
+      <p:sp>
+        <p:nvSpPr>
+          <p:cNvPr id="7" name="Rectangle 6">
+            <a:extLst>
+              <a:ext uri="{FF2B5EF4-FFF2-40B4-BE49-F238E27FC236}">
+                <a16:creationId xmlns:a16="http://schemas.microsoft.com/office/drawing/2014/main" id="{86673452-AD76-4BEF-8CF8-EF929918616C}"/>
+              </a:ext>
+            </a:extLst>
+          </p:cNvPr>
+          <p:cNvSpPr/>
+          <p:nvPr/>
+        </p:nvSpPr>
+        <p:spPr>
+          <a:xfrm>
+            <a:off x="856698" y="2687310"/>
+            <a:ext cx="1471878" cy="307777"/>
+          </a:xfrm>
+          <a:prstGeom prst="rect">
+            <a:avLst/>
+          </a:prstGeom>
+        </p:spPr>
+        <p:txBody>
+          <a:bodyPr wrap="none">
+            <a:spAutoFit/>
+          </a:bodyPr>
+          <a:lstStyle/>
+          <a:p>
+            <a:r>
+              <a:rPr lang="en-US" sz="1400" dirty="0"/>
+              <a:t>Range = 97 - 57</a:t>
+            </a:r>
+          </a:p>
+        </p:txBody>
+      </p:sp>
+      <p:sp>
+        <p:nvSpPr>
+          <p:cNvPr id="8" name="Rectangle 7">
+            <a:extLst>
+              <a:ext uri="{FF2B5EF4-FFF2-40B4-BE49-F238E27FC236}">
+                <a16:creationId xmlns:a16="http://schemas.microsoft.com/office/drawing/2014/main" id="{0D7986F6-BEA3-4B67-A65D-7C9029939501}"/>
+              </a:ext>
+            </a:extLst>
+          </p:cNvPr>
+          <p:cNvSpPr/>
+          <p:nvPr/>
+        </p:nvSpPr>
+        <p:spPr>
+          <a:xfrm>
+            <a:off x="856698" y="3172202"/>
+            <a:ext cx="1114408" cy="307777"/>
+          </a:xfrm>
+          <a:prstGeom prst="rect">
+            <a:avLst/>
+          </a:prstGeom>
+        </p:spPr>
+        <p:txBody>
+          <a:bodyPr wrap="none">
+            <a:spAutoFit/>
+          </a:bodyPr>
+          <a:lstStyle/>
+          <a:p>
+            <a:r>
+              <a:rPr lang="en-US" sz="1400" dirty="0"/>
+              <a:t>Range = 40</a:t>
+            </a:r>
+          </a:p>
+        </p:txBody>
+      </p:sp>
+    </p:spTree>
+    <p:extLst>
+      <p:ext uri="{BB962C8B-B14F-4D97-AF65-F5344CB8AC3E}">
+        <p14:creationId xmlns:p14="http://schemas.microsoft.com/office/powerpoint/2010/main" val="4050056847"/>
+      </p:ext>
+    </p:extLst>
+  </p:cSld>
+  <p:clrMapOvr>
+    <a:masterClrMapping/>
+  </p:clrMapOvr>
+</p:sld>
+</file>
+
+<file path=ppt/slides/slide16.xml><?xml version="1.0" encoding="utf-8"?>
+<p:sld xmlns:a="http://schemas.openxmlformats.org/drawingml/2006/main" xmlns:r="http://schemas.openxmlformats.org/officeDocument/2006/relationships" xmlns:p="http://schemas.openxmlformats.org/presentationml/2006/main">
+  <p:cSld>
+    <p:spTree>
+      <p:nvGrpSpPr>
+        <p:cNvPr id="1" name=""/>
+        <p:cNvGrpSpPr/>
+        <p:nvPr/>
+      </p:nvGrpSpPr>
+      <p:grpSpPr>
+        <a:xfrm>
+          <a:off x="0" y="0"/>
+          <a:ext cx="0" cy="0"/>
+          <a:chOff x="0" y="0"/>
+          <a:chExt cx="0" cy="0"/>
+        </a:xfrm>
+      </p:grpSpPr>
+      <p:sp>
+        <p:nvSpPr>
+          <p:cNvPr id="2" name="Text Placeholder 1"/>
+          <p:cNvSpPr>
+            <a:spLocks noGrp="1"/>
+          </p:cNvSpPr>
+          <p:nvPr>
+            <p:ph type="body" sz="quarter" idx="10"/>
+          </p:nvPr>
+        </p:nvSpPr>
+        <p:spPr/>
+        <p:txBody>
+          <a:bodyPr/>
+          <a:lstStyle/>
+          <a:p>
+            <a:r>
+              <a:rPr lang="en-US" altLang="ko-KR" dirty="0" err="1"/>
+              <a:t>Studi</a:t>
+            </a:r>
+            <a:r>
+              <a:rPr lang="en-US" altLang="ko-KR" dirty="0"/>
+              <a:t> </a:t>
+            </a:r>
+            <a:r>
+              <a:rPr lang="en-US" altLang="ko-KR" dirty="0" err="1"/>
+              <a:t>Kasus</a:t>
+            </a:r>
+            <a:endParaRPr lang="ko-KR" altLang="en-US" dirty="0"/>
+          </a:p>
+        </p:txBody>
+      </p:sp>
+      <p:sp>
+        <p:nvSpPr>
+          <p:cNvPr id="3" name="Text Placeholder 2"/>
+          <p:cNvSpPr>
+            <a:spLocks noGrp="1"/>
+          </p:cNvSpPr>
+          <p:nvPr>
+            <p:ph type="body" sz="quarter" idx="11"/>
+          </p:nvPr>
+        </p:nvSpPr>
+        <p:spPr/>
+        <p:txBody>
+          <a:bodyPr/>
+          <a:lstStyle/>
+          <a:p>
+            <a:pPr lvl="0"/>
+            <a:r>
+              <a:rPr lang="en-US" b="1" dirty="0" err="1"/>
+              <a:t>Tabel</a:t>
+            </a:r>
+            <a:r>
+              <a:rPr lang="en-US" b="1" dirty="0"/>
+              <a:t> data </a:t>
+            </a:r>
+            <a:r>
+              <a:rPr lang="en-US" b="1" dirty="0" err="1"/>
+              <a:t>nilai</a:t>
+            </a:r>
+            <a:r>
+              <a:rPr lang="en-US" b="1" dirty="0"/>
+              <a:t> </a:t>
+            </a:r>
+            <a:r>
+              <a:rPr lang="en-US" b="1" dirty="0" err="1"/>
+              <a:t>ujian</a:t>
+            </a:r>
+            <a:r>
+              <a:rPr lang="en-US" b="1" dirty="0"/>
+              <a:t> Pelajaran Agama Islam 50 </a:t>
+            </a:r>
+            <a:r>
+              <a:rPr lang="en-US" b="1" dirty="0" err="1"/>
+              <a:t>Siswa</a:t>
+            </a:r>
+            <a:endParaRPr lang="en-US" altLang="ko-KR" b="1" dirty="0"/>
+          </a:p>
+        </p:txBody>
+      </p:sp>
+      <p:sp>
+        <p:nvSpPr>
+          <p:cNvPr id="11" name="TextBox 10">
+            <a:extLst>
+              <a:ext uri="{FF2B5EF4-FFF2-40B4-BE49-F238E27FC236}">
+                <a16:creationId xmlns:a16="http://schemas.microsoft.com/office/drawing/2014/main" id="{E07A1541-4CD8-4EC6-8EE5-D91E55D9BF1D}"/>
+              </a:ext>
+            </a:extLst>
+          </p:cNvPr>
+          <p:cNvSpPr txBox="1"/>
+          <p:nvPr/>
+        </p:nvSpPr>
+        <p:spPr>
+          <a:xfrm>
+            <a:off x="827584" y="1532860"/>
+            <a:ext cx="4113410" cy="400110"/>
+          </a:xfrm>
+          <a:prstGeom prst="rect">
+            <a:avLst/>
+          </a:prstGeom>
+          <a:noFill/>
+        </p:spPr>
+        <p:txBody>
+          <a:bodyPr wrap="square" rtlCol="0" anchor="ctr">
+            <a:spAutoFit/>
+          </a:bodyPr>
+          <a:lstStyle/>
+          <a:p>
+            <a:pPr algn="just"/>
+            <a:r>
+              <a:rPr lang="en-US" sz="2000" dirty="0">
+                <a:sym typeface="Wingdings" panose="05000000000000000000" pitchFamily="2" charset="2"/>
+              </a:rPr>
+              <a:t> </a:t>
+            </a:r>
+            <a:r>
+              <a:rPr lang="en-US" sz="2000" dirty="0" err="1">
+                <a:sym typeface="Wingdings" panose="05000000000000000000" pitchFamily="2" charset="2"/>
+              </a:rPr>
+              <a:t>Membuat</a:t>
+            </a:r>
+            <a:r>
+              <a:rPr lang="en-US" sz="2000" dirty="0">
+                <a:sym typeface="Wingdings" panose="05000000000000000000" pitchFamily="2" charset="2"/>
+              </a:rPr>
+              <a:t> </a:t>
+            </a:r>
+            <a:r>
+              <a:rPr lang="en-US" sz="2000" dirty="0" err="1">
+                <a:sym typeface="Wingdings" panose="05000000000000000000" pitchFamily="2" charset="2"/>
+              </a:rPr>
+              <a:t>tabel</a:t>
+            </a:r>
+            <a:r>
+              <a:rPr lang="en-US" sz="2000" dirty="0">
+                <a:sym typeface="Wingdings" panose="05000000000000000000" pitchFamily="2" charset="2"/>
+              </a:rPr>
+              <a:t> </a:t>
+            </a:r>
+            <a:r>
+              <a:rPr lang="en-US" sz="2000" dirty="0" err="1">
+                <a:sym typeface="Wingdings" panose="05000000000000000000" pitchFamily="2" charset="2"/>
+              </a:rPr>
+              <a:t>frekuensi</a:t>
+            </a:r>
+            <a:endParaRPr lang="en-US" altLang="ko-KR" sz="2000" dirty="0">
+              <a:solidFill>
+                <a:schemeClr val="tx1">
+                  <a:lumMod val="75000"/>
+                  <a:lumOff val="25000"/>
+                </a:schemeClr>
+              </a:solidFill>
+              <a:cs typeface="Arial" pitchFamily="34" charset="0"/>
+            </a:endParaRPr>
+          </a:p>
+        </p:txBody>
+      </p:sp>
+      <p:sp>
+        <p:nvSpPr>
+          <p:cNvPr id="6" name="Rectangle 5">
+            <a:extLst>
+              <a:ext uri="{FF2B5EF4-FFF2-40B4-BE49-F238E27FC236}">
+                <a16:creationId xmlns:a16="http://schemas.microsoft.com/office/drawing/2014/main" id="{F237340B-E26D-453F-96B6-19FBA47AB6C9}"/>
+              </a:ext>
+            </a:extLst>
+          </p:cNvPr>
+          <p:cNvSpPr/>
+          <p:nvPr/>
+        </p:nvSpPr>
+        <p:spPr>
+          <a:xfrm>
+            <a:off x="971600" y="2108924"/>
+            <a:ext cx="3223959" cy="369332"/>
+          </a:xfrm>
+          <a:prstGeom prst="rect">
+            <a:avLst/>
+          </a:prstGeom>
+        </p:spPr>
+        <p:txBody>
+          <a:bodyPr wrap="none">
+            <a:spAutoFit/>
+          </a:bodyPr>
+          <a:lstStyle/>
+          <a:p>
+            <a:r>
+              <a:rPr lang="pt-BR" dirty="0"/>
+              <a:t>Jumlah Kelas = 1 + 3.3 Log N</a:t>
+            </a:r>
+          </a:p>
+        </p:txBody>
+      </p:sp>
+      <p:sp>
+        <p:nvSpPr>
+          <p:cNvPr id="9" name="Rectangle 8">
+            <a:extLst>
+              <a:ext uri="{FF2B5EF4-FFF2-40B4-BE49-F238E27FC236}">
+                <a16:creationId xmlns:a16="http://schemas.microsoft.com/office/drawing/2014/main" id="{BA473A3C-ED49-4429-9F30-FA31E879460B}"/>
+              </a:ext>
+            </a:extLst>
+          </p:cNvPr>
+          <p:cNvSpPr/>
+          <p:nvPr/>
+        </p:nvSpPr>
+        <p:spPr>
+          <a:xfrm>
+            <a:off x="2434938" y="2504428"/>
+            <a:ext cx="2146742" cy="369332"/>
+          </a:xfrm>
+          <a:prstGeom prst="rect">
+            <a:avLst/>
+          </a:prstGeom>
+        </p:spPr>
+        <p:txBody>
+          <a:bodyPr wrap="none">
+            <a:spAutoFit/>
+          </a:bodyPr>
+          <a:lstStyle/>
+          <a:p>
+            <a:r>
+              <a:rPr lang="en-US" dirty="0"/>
+              <a:t>= 1+ 3.3 * LOG(50)</a:t>
+            </a:r>
+          </a:p>
+        </p:txBody>
+      </p:sp>
+      <p:sp>
+        <p:nvSpPr>
+          <p:cNvPr id="10" name="Rectangle 9">
+            <a:extLst>
+              <a:ext uri="{FF2B5EF4-FFF2-40B4-BE49-F238E27FC236}">
+                <a16:creationId xmlns:a16="http://schemas.microsoft.com/office/drawing/2014/main" id="{E04428B3-CC93-4A41-86BB-EA95B93907AF}"/>
+              </a:ext>
+            </a:extLst>
+          </p:cNvPr>
+          <p:cNvSpPr/>
+          <p:nvPr/>
+        </p:nvSpPr>
+        <p:spPr>
+          <a:xfrm>
+            <a:off x="2481999" y="2899932"/>
+            <a:ext cx="1729961" cy="369332"/>
+          </a:xfrm>
+          <a:prstGeom prst="rect">
+            <a:avLst/>
+          </a:prstGeom>
+        </p:spPr>
+        <p:txBody>
+          <a:bodyPr wrap="none">
+            <a:spAutoFit/>
+          </a:bodyPr>
+          <a:lstStyle/>
+          <a:p>
+            <a:r>
+              <a:rPr lang="en-US" dirty="0"/>
+              <a:t>= 6.606601014</a:t>
+            </a:r>
+          </a:p>
+        </p:txBody>
+      </p:sp>
+      <p:sp>
+        <p:nvSpPr>
+          <p:cNvPr id="12" name="Rectangle 11">
+            <a:extLst>
+              <a:ext uri="{FF2B5EF4-FFF2-40B4-BE49-F238E27FC236}">
+                <a16:creationId xmlns:a16="http://schemas.microsoft.com/office/drawing/2014/main" id="{8BC96213-C214-4B6D-8EB3-E2A6148FCB14}"/>
+              </a:ext>
+            </a:extLst>
+          </p:cNvPr>
+          <p:cNvSpPr/>
+          <p:nvPr/>
+        </p:nvSpPr>
+        <p:spPr>
+          <a:xfrm>
+            <a:off x="4788024" y="2100798"/>
+            <a:ext cx="3525324" cy="369332"/>
+          </a:xfrm>
+          <a:prstGeom prst="rect">
+            <a:avLst/>
+          </a:prstGeom>
+        </p:spPr>
+        <p:txBody>
+          <a:bodyPr wrap="none">
+            <a:spAutoFit/>
+          </a:bodyPr>
+          <a:lstStyle/>
+          <a:p>
+            <a:r>
+              <a:rPr lang="en-US" dirty="0"/>
+              <a:t>Interval = Range / </a:t>
+            </a:r>
+            <a:r>
+              <a:rPr lang="en-US" dirty="0" err="1"/>
+              <a:t>Jumlah</a:t>
+            </a:r>
+            <a:r>
+              <a:rPr lang="en-US" dirty="0"/>
+              <a:t> Kelas </a:t>
+            </a:r>
+          </a:p>
+        </p:txBody>
+      </p:sp>
+      <p:sp>
+        <p:nvSpPr>
+          <p:cNvPr id="13" name="Rectangle 12">
+            <a:extLst>
+              <a:ext uri="{FF2B5EF4-FFF2-40B4-BE49-F238E27FC236}">
+                <a16:creationId xmlns:a16="http://schemas.microsoft.com/office/drawing/2014/main" id="{84CC05AE-C306-41F5-A186-8A3741B05BF4}"/>
+              </a:ext>
+            </a:extLst>
+          </p:cNvPr>
+          <p:cNvSpPr/>
+          <p:nvPr/>
+        </p:nvSpPr>
+        <p:spPr>
+          <a:xfrm>
+            <a:off x="2511038" y="3260552"/>
+            <a:ext cx="511679" cy="369332"/>
+          </a:xfrm>
+          <a:prstGeom prst="rect">
+            <a:avLst/>
+          </a:prstGeom>
+        </p:spPr>
+        <p:txBody>
+          <a:bodyPr wrap="none">
+            <a:spAutoFit/>
+          </a:bodyPr>
+          <a:lstStyle/>
+          <a:p>
+            <a:r>
+              <a:rPr lang="en-US" dirty="0"/>
+              <a:t>= 7</a:t>
+            </a:r>
+          </a:p>
+        </p:txBody>
+      </p:sp>
+      <p:sp>
+        <p:nvSpPr>
+          <p:cNvPr id="14" name="Rectangle 13">
+            <a:extLst>
+              <a:ext uri="{FF2B5EF4-FFF2-40B4-BE49-F238E27FC236}">
+                <a16:creationId xmlns:a16="http://schemas.microsoft.com/office/drawing/2014/main" id="{7F8DADD7-B16C-496C-85D8-02134F8D95C6}"/>
+              </a:ext>
+            </a:extLst>
+          </p:cNvPr>
+          <p:cNvSpPr/>
+          <p:nvPr/>
+        </p:nvSpPr>
+        <p:spPr>
+          <a:xfrm>
+            <a:off x="5611621" y="2515630"/>
+            <a:ext cx="960519" cy="369332"/>
+          </a:xfrm>
+          <a:prstGeom prst="rect">
+            <a:avLst/>
+          </a:prstGeom>
+        </p:spPr>
+        <p:txBody>
+          <a:bodyPr wrap="none">
+            <a:spAutoFit/>
+          </a:bodyPr>
+          <a:lstStyle/>
+          <a:p>
+            <a:r>
+              <a:rPr lang="en-US" dirty="0"/>
+              <a:t>= 40 / 7</a:t>
+            </a:r>
+          </a:p>
+        </p:txBody>
+      </p:sp>
+      <p:sp>
+        <p:nvSpPr>
+          <p:cNvPr id="15" name="Rectangle 14">
+            <a:extLst>
+              <a:ext uri="{FF2B5EF4-FFF2-40B4-BE49-F238E27FC236}">
+                <a16:creationId xmlns:a16="http://schemas.microsoft.com/office/drawing/2014/main" id="{B5FC5C20-D51E-4C57-B788-01C1AE70DEF6}"/>
+              </a:ext>
+            </a:extLst>
+          </p:cNvPr>
+          <p:cNvSpPr/>
+          <p:nvPr/>
+        </p:nvSpPr>
+        <p:spPr>
+          <a:xfrm>
+            <a:off x="5611621" y="2899932"/>
+            <a:ext cx="1409360" cy="369332"/>
+          </a:xfrm>
+          <a:prstGeom prst="rect">
+            <a:avLst/>
+          </a:prstGeom>
+        </p:spPr>
+        <p:txBody>
+          <a:bodyPr wrap="none">
+            <a:spAutoFit/>
+          </a:bodyPr>
+          <a:lstStyle/>
+          <a:p>
+            <a:r>
+              <a:rPr lang="en-US" dirty="0"/>
+              <a:t>= 6.064641 </a:t>
+            </a:r>
+          </a:p>
+        </p:txBody>
+      </p:sp>
+      <p:sp>
+        <p:nvSpPr>
+          <p:cNvPr id="16" name="Rectangle 15">
+            <a:extLst>
+              <a:ext uri="{FF2B5EF4-FFF2-40B4-BE49-F238E27FC236}">
+                <a16:creationId xmlns:a16="http://schemas.microsoft.com/office/drawing/2014/main" id="{9696E6A1-B03F-45CC-9E02-1C5D3BBC3DE8}"/>
+              </a:ext>
+            </a:extLst>
+          </p:cNvPr>
+          <p:cNvSpPr/>
+          <p:nvPr/>
+        </p:nvSpPr>
+        <p:spPr>
+          <a:xfrm>
+            <a:off x="5611621" y="3284234"/>
+            <a:ext cx="575799" cy="369332"/>
+          </a:xfrm>
+          <a:prstGeom prst="rect">
+            <a:avLst/>
+          </a:prstGeom>
+        </p:spPr>
+        <p:txBody>
+          <a:bodyPr wrap="none">
+            <a:spAutoFit/>
+          </a:bodyPr>
+          <a:lstStyle/>
+          <a:p>
+            <a:r>
+              <a:rPr lang="en-US" dirty="0"/>
+              <a:t>= 6 </a:t>
+            </a:r>
+          </a:p>
+        </p:txBody>
+      </p:sp>
+    </p:spTree>
+    <p:extLst>
+      <p:ext uri="{BB962C8B-B14F-4D97-AF65-F5344CB8AC3E}">
+        <p14:creationId xmlns:p14="http://schemas.microsoft.com/office/powerpoint/2010/main" val="3225904654"/>
+      </p:ext>
+    </p:extLst>
+  </p:cSld>
+  <p:clrMapOvr>
+    <a:masterClrMapping/>
+  </p:clrMapOvr>
+</p:sld>
+</file>
+
+<file path=ppt/slides/slide17.xml><?xml version="1.0" encoding="utf-8"?>
+<p:sld xmlns:a="http://schemas.openxmlformats.org/drawingml/2006/main" xmlns:r="http://schemas.openxmlformats.org/officeDocument/2006/relationships" xmlns:p="http://schemas.openxmlformats.org/presentationml/2006/main">
+  <p:cSld>
+    <p:spTree>
+      <p:nvGrpSpPr>
+        <p:cNvPr id="1" name=""/>
+        <p:cNvGrpSpPr/>
+        <p:nvPr/>
+      </p:nvGrpSpPr>
+      <p:grpSpPr>
+        <a:xfrm>
+          <a:off x="0" y="0"/>
+          <a:ext cx="0" cy="0"/>
+          <a:chOff x="0" y="0"/>
+          <a:chExt cx="0" cy="0"/>
+        </a:xfrm>
+      </p:grpSpPr>
+      <p:sp>
+        <p:nvSpPr>
+          <p:cNvPr id="2" name="Text Placeholder 1"/>
+          <p:cNvSpPr>
+            <a:spLocks noGrp="1"/>
+          </p:cNvSpPr>
+          <p:nvPr>
+            <p:ph type="body" sz="quarter" idx="10"/>
+          </p:nvPr>
+        </p:nvSpPr>
+        <p:spPr/>
+        <p:txBody>
+          <a:bodyPr/>
+          <a:lstStyle/>
+          <a:p>
+            <a:r>
+              <a:rPr lang="en-US" altLang="ko-KR" dirty="0" err="1"/>
+              <a:t>Studi</a:t>
+            </a:r>
+            <a:r>
+              <a:rPr lang="en-US" altLang="ko-KR" dirty="0"/>
+              <a:t> </a:t>
+            </a:r>
+            <a:r>
+              <a:rPr lang="en-US" altLang="ko-KR" dirty="0" err="1"/>
+              <a:t>Kasus</a:t>
+            </a:r>
+            <a:endParaRPr lang="ko-KR" altLang="en-US" dirty="0"/>
+          </a:p>
+        </p:txBody>
+      </p:sp>
+      <p:sp>
+        <p:nvSpPr>
+          <p:cNvPr id="3" name="Text Placeholder 2"/>
+          <p:cNvSpPr>
+            <a:spLocks noGrp="1"/>
+          </p:cNvSpPr>
+          <p:nvPr>
+            <p:ph type="body" sz="quarter" idx="11"/>
+          </p:nvPr>
+        </p:nvSpPr>
+        <p:spPr/>
+        <p:txBody>
+          <a:bodyPr/>
+          <a:lstStyle/>
+          <a:p>
+            <a:pPr lvl="0"/>
+            <a:r>
+              <a:rPr lang="en-US" b="1" dirty="0" err="1"/>
+              <a:t>Tabel</a:t>
+            </a:r>
+            <a:r>
+              <a:rPr lang="en-US" b="1" dirty="0"/>
+              <a:t> data </a:t>
+            </a:r>
+            <a:r>
+              <a:rPr lang="en-US" b="1" dirty="0" err="1"/>
+              <a:t>nilai</a:t>
+            </a:r>
+            <a:r>
+              <a:rPr lang="en-US" b="1" dirty="0"/>
+              <a:t> </a:t>
+            </a:r>
+            <a:r>
+              <a:rPr lang="en-US" b="1" dirty="0" err="1"/>
+              <a:t>ujian</a:t>
+            </a:r>
+            <a:r>
+              <a:rPr lang="en-US" b="1" dirty="0"/>
+              <a:t> Pelajaran Agama Islam 50 </a:t>
+            </a:r>
+            <a:r>
+              <a:rPr lang="en-US" b="1" dirty="0" err="1"/>
+              <a:t>Siswa</a:t>
+            </a:r>
+            <a:endParaRPr lang="en-US" altLang="ko-KR" b="1" dirty="0"/>
+          </a:p>
+        </p:txBody>
+      </p:sp>
+      <p:sp>
+        <p:nvSpPr>
+          <p:cNvPr id="11" name="TextBox 10">
+            <a:extLst>
+              <a:ext uri="{FF2B5EF4-FFF2-40B4-BE49-F238E27FC236}">
+                <a16:creationId xmlns:a16="http://schemas.microsoft.com/office/drawing/2014/main" id="{E07A1541-4CD8-4EC6-8EE5-D91E55D9BF1D}"/>
+              </a:ext>
+            </a:extLst>
+          </p:cNvPr>
+          <p:cNvSpPr txBox="1"/>
+          <p:nvPr/>
+        </p:nvSpPr>
+        <p:spPr>
+          <a:xfrm>
+            <a:off x="827584" y="1532860"/>
+            <a:ext cx="4113410" cy="400110"/>
+          </a:xfrm>
+          <a:prstGeom prst="rect">
+            <a:avLst/>
+          </a:prstGeom>
+          <a:noFill/>
+        </p:spPr>
+        <p:txBody>
+          <a:bodyPr wrap="square" rtlCol="0" anchor="ctr">
+            <a:spAutoFit/>
+          </a:bodyPr>
+          <a:lstStyle/>
+          <a:p>
+            <a:pPr algn="just"/>
+            <a:r>
+              <a:rPr lang="en-US" sz="2000" dirty="0">
+                <a:sym typeface="Wingdings" panose="05000000000000000000" pitchFamily="2" charset="2"/>
+              </a:rPr>
+              <a:t> </a:t>
+            </a:r>
+            <a:r>
+              <a:rPr lang="en-US" sz="2000" dirty="0" err="1">
+                <a:sym typeface="Wingdings" panose="05000000000000000000" pitchFamily="2" charset="2"/>
+              </a:rPr>
+              <a:t>Membuat</a:t>
+            </a:r>
+            <a:r>
+              <a:rPr lang="en-US" sz="2000" dirty="0">
+                <a:sym typeface="Wingdings" panose="05000000000000000000" pitchFamily="2" charset="2"/>
+              </a:rPr>
+              <a:t> </a:t>
+            </a:r>
+            <a:r>
+              <a:rPr lang="en-US" sz="2000" dirty="0" err="1">
+                <a:sym typeface="Wingdings" panose="05000000000000000000" pitchFamily="2" charset="2"/>
+              </a:rPr>
+              <a:t>tabel</a:t>
+            </a:r>
+            <a:r>
+              <a:rPr lang="en-US" sz="2000" dirty="0">
+                <a:sym typeface="Wingdings" panose="05000000000000000000" pitchFamily="2" charset="2"/>
+              </a:rPr>
+              <a:t> </a:t>
+            </a:r>
+            <a:r>
+              <a:rPr lang="en-US" sz="2000" dirty="0" err="1">
+                <a:sym typeface="Wingdings" panose="05000000000000000000" pitchFamily="2" charset="2"/>
+              </a:rPr>
+              <a:t>frekuensi</a:t>
+            </a:r>
+            <a:endParaRPr lang="en-US" altLang="ko-KR" sz="2000" dirty="0">
+              <a:solidFill>
+                <a:schemeClr val="tx1">
+                  <a:lumMod val="75000"/>
+                  <a:lumOff val="25000"/>
+                </a:schemeClr>
+              </a:solidFill>
+              <a:cs typeface="Arial" pitchFamily="34" charset="0"/>
+            </a:endParaRPr>
+          </a:p>
+        </p:txBody>
+      </p:sp>
+      <p:graphicFrame>
+        <p:nvGraphicFramePr>
+          <p:cNvPr id="5" name="Table 4">
+            <a:extLst>
+              <a:ext uri="{FF2B5EF4-FFF2-40B4-BE49-F238E27FC236}">
+                <a16:creationId xmlns:a16="http://schemas.microsoft.com/office/drawing/2014/main" id="{53D6E709-A17A-44FC-9447-B519C65FAFC9}"/>
+              </a:ext>
+            </a:extLst>
+          </p:cNvPr>
+          <p:cNvGraphicFramePr>
+            <a:graphicFrameLocks noGrp="1"/>
+          </p:cNvGraphicFramePr>
+          <p:nvPr>
+            <p:extLst>
+              <p:ext uri="{D42A27DB-BD31-4B8C-83A1-F6EECF244321}">
+                <p14:modId xmlns:p14="http://schemas.microsoft.com/office/powerpoint/2010/main" val="1824770103"/>
+              </p:ext>
+            </p:extLst>
+          </p:nvPr>
+        </p:nvGraphicFramePr>
+        <p:xfrm>
+          <a:off x="1270831" y="2227681"/>
+          <a:ext cx="3226916" cy="1965699"/>
+        </p:xfrm>
+        <a:graphic>
+          <a:graphicData uri="http://schemas.openxmlformats.org/drawingml/2006/table">
+            <a:tbl>
+              <a:tblPr>
+                <a:tableStyleId>{616DA210-FB5B-4158-B5E0-FEB733F419BA}</a:tableStyleId>
+              </a:tblPr>
+              <a:tblGrid>
+                <a:gridCol w="1597483">
+                  <a:extLst>
+                    <a:ext uri="{9D8B030D-6E8A-4147-A177-3AD203B41FA5}">
+                      <a16:colId xmlns:a16="http://schemas.microsoft.com/office/drawing/2014/main" val="2383773264"/>
+                    </a:ext>
+                  </a:extLst>
+                </a:gridCol>
+                <a:gridCol w="1629433">
+                  <a:extLst>
+                    <a:ext uri="{9D8B030D-6E8A-4147-A177-3AD203B41FA5}">
+                      <a16:colId xmlns:a16="http://schemas.microsoft.com/office/drawing/2014/main" val="103448515"/>
+                    </a:ext>
+                  </a:extLst>
+                </a:gridCol>
+              </a:tblGrid>
+              <a:tr h="218411">
+                <a:tc>
+                  <a:txBody>
+                    <a:bodyPr/>
+                    <a:lstStyle/>
+                    <a:p>
+                      <a:pPr algn="ctr" fontAlgn="ctr"/>
+                      <a:r>
+                        <a:rPr lang="en-US" sz="1100" b="1" u="none" strike="noStrike" dirty="0" err="1">
+                          <a:effectLst/>
+                        </a:rPr>
+                        <a:t>Periode</a:t>
+                      </a:r>
+                      <a:endParaRPr lang="en-US" sz="1100" b="1" i="0" u="none" strike="noStrike" dirty="0">
+                        <a:solidFill>
+                          <a:srgbClr val="000000"/>
+                        </a:solidFill>
+                        <a:effectLst/>
+                        <a:latin typeface="Calibri" panose="020F0502020204030204" pitchFamily="34" charset="0"/>
+                      </a:endParaRPr>
+                    </a:p>
+                  </a:txBody>
+                  <a:tcPr marL="9525" marR="9525" marT="9525" marB="0" anchor="ctr"/>
+                </a:tc>
+                <a:tc>
+                  <a:txBody>
+                    <a:bodyPr/>
+                    <a:lstStyle/>
+                    <a:p>
+                      <a:pPr algn="ctr" fontAlgn="ctr"/>
+                      <a:r>
+                        <a:rPr lang="en-US" sz="1100" b="1" u="none" strike="noStrike" dirty="0" err="1">
+                          <a:effectLst/>
+                        </a:rPr>
+                        <a:t>Frekuensi</a:t>
+                      </a:r>
+                      <a:endParaRPr lang="en-US" sz="1100" b="1" i="0" u="none" strike="noStrike" dirty="0">
+                        <a:solidFill>
+                          <a:srgbClr val="000000"/>
+                        </a:solidFill>
+                        <a:effectLst/>
+                        <a:latin typeface="Calibri" panose="020F0502020204030204" pitchFamily="34" charset="0"/>
+                      </a:endParaRPr>
+                    </a:p>
+                  </a:txBody>
+                  <a:tcPr marL="9525" marR="9525" marT="9525" marB="0" anchor="ctr"/>
+                </a:tc>
+                <a:extLst>
+                  <a:ext uri="{0D108BD9-81ED-4DB2-BD59-A6C34878D82A}">
+                    <a16:rowId xmlns:a16="http://schemas.microsoft.com/office/drawing/2014/main" val="1446644676"/>
+                  </a:ext>
+                </a:extLst>
+              </a:tr>
+              <a:tr h="218411">
+                <a:tc>
+                  <a:txBody>
+                    <a:bodyPr/>
+                    <a:lstStyle/>
+                    <a:p>
+                      <a:pPr algn="ctr" fontAlgn="ctr"/>
+                      <a:r>
+                        <a:rPr lang="en-US" sz="1100" u="none" strike="noStrike">
+                          <a:effectLst/>
+                        </a:rPr>
+                        <a:t>57 - 62</a:t>
+                      </a:r>
+                      <a:endParaRPr lang="en-US" sz="1100" b="0" i="0" u="none" strike="noStrike">
+                        <a:solidFill>
+                          <a:srgbClr val="000000"/>
+                        </a:solidFill>
+                        <a:effectLst/>
+                        <a:latin typeface="Calibri" panose="020F0502020204030204" pitchFamily="34" charset="0"/>
+                      </a:endParaRPr>
+                    </a:p>
+                  </a:txBody>
+                  <a:tcPr marL="9525" marR="9525" marT="9525" marB="0" anchor="ctr"/>
+                </a:tc>
+                <a:tc>
+                  <a:txBody>
+                    <a:bodyPr/>
+                    <a:lstStyle/>
+                    <a:p>
+                      <a:pPr algn="ctr" fontAlgn="ctr"/>
+                      <a:r>
+                        <a:rPr lang="en-US" sz="1100" u="none" strike="noStrike">
+                          <a:effectLst/>
+                        </a:rPr>
+                        <a:t>3</a:t>
+                      </a:r>
+                      <a:endParaRPr lang="en-US" sz="1100" b="0" i="0" u="none" strike="noStrike">
+                        <a:solidFill>
+                          <a:srgbClr val="000000"/>
+                        </a:solidFill>
+                        <a:effectLst/>
+                        <a:latin typeface="Calibri" panose="020F0502020204030204" pitchFamily="34" charset="0"/>
+                      </a:endParaRPr>
+                    </a:p>
+                  </a:txBody>
+                  <a:tcPr marL="9525" marR="9525" marT="9525" marB="0" anchor="ctr"/>
+                </a:tc>
+                <a:extLst>
+                  <a:ext uri="{0D108BD9-81ED-4DB2-BD59-A6C34878D82A}">
+                    <a16:rowId xmlns:a16="http://schemas.microsoft.com/office/drawing/2014/main" val="2087756222"/>
+                  </a:ext>
+                </a:extLst>
+              </a:tr>
+              <a:tr h="218411">
+                <a:tc>
+                  <a:txBody>
+                    <a:bodyPr/>
+                    <a:lstStyle/>
+                    <a:p>
+                      <a:pPr algn="ctr" fontAlgn="ctr"/>
+                      <a:r>
+                        <a:rPr lang="en-US" sz="1100" u="none" strike="noStrike">
+                          <a:effectLst/>
+                        </a:rPr>
+                        <a:t>63 - 68</a:t>
+                      </a:r>
+                      <a:endParaRPr lang="en-US" sz="1100" b="0" i="0" u="none" strike="noStrike">
+                        <a:solidFill>
+                          <a:srgbClr val="000000"/>
+                        </a:solidFill>
+                        <a:effectLst/>
+                        <a:latin typeface="Calibri" panose="020F0502020204030204" pitchFamily="34" charset="0"/>
+                      </a:endParaRPr>
+                    </a:p>
+                  </a:txBody>
+                  <a:tcPr marL="9525" marR="9525" marT="9525" marB="0" anchor="ctr"/>
+                </a:tc>
+                <a:tc>
+                  <a:txBody>
+                    <a:bodyPr/>
+                    <a:lstStyle/>
+                    <a:p>
+                      <a:pPr algn="ctr" fontAlgn="ctr"/>
+                      <a:r>
+                        <a:rPr lang="en-US" sz="1100" u="none" strike="noStrike">
+                          <a:effectLst/>
+                        </a:rPr>
+                        <a:t>2</a:t>
+                      </a:r>
+                      <a:endParaRPr lang="en-US" sz="1100" b="0" i="0" u="none" strike="noStrike">
+                        <a:solidFill>
+                          <a:srgbClr val="000000"/>
+                        </a:solidFill>
+                        <a:effectLst/>
+                        <a:latin typeface="Calibri" panose="020F0502020204030204" pitchFamily="34" charset="0"/>
+                      </a:endParaRPr>
+                    </a:p>
+                  </a:txBody>
+                  <a:tcPr marL="9525" marR="9525" marT="9525" marB="0" anchor="ctr"/>
+                </a:tc>
+                <a:extLst>
+                  <a:ext uri="{0D108BD9-81ED-4DB2-BD59-A6C34878D82A}">
+                    <a16:rowId xmlns:a16="http://schemas.microsoft.com/office/drawing/2014/main" val="1455682934"/>
+                  </a:ext>
+                </a:extLst>
+              </a:tr>
+              <a:tr h="218411">
+                <a:tc>
+                  <a:txBody>
+                    <a:bodyPr/>
+                    <a:lstStyle/>
+                    <a:p>
+                      <a:pPr algn="ctr" fontAlgn="ctr"/>
+                      <a:r>
+                        <a:rPr lang="en-US" sz="1100" u="none" strike="noStrike">
+                          <a:effectLst/>
+                        </a:rPr>
+                        <a:t>69 - 74</a:t>
+                      </a:r>
+                      <a:endParaRPr lang="en-US" sz="1100" b="0" i="0" u="none" strike="noStrike">
+                        <a:solidFill>
+                          <a:srgbClr val="000000"/>
+                        </a:solidFill>
+                        <a:effectLst/>
+                        <a:latin typeface="Calibri" panose="020F0502020204030204" pitchFamily="34" charset="0"/>
+                      </a:endParaRPr>
+                    </a:p>
+                  </a:txBody>
+                  <a:tcPr marL="9525" marR="9525" marT="9525" marB="0" anchor="ctr"/>
+                </a:tc>
+                <a:tc>
+                  <a:txBody>
+                    <a:bodyPr/>
+                    <a:lstStyle/>
+                    <a:p>
+                      <a:pPr algn="ctr" fontAlgn="ctr"/>
+                      <a:r>
+                        <a:rPr lang="en-US" sz="1100" u="none" strike="noStrike" dirty="0">
+                          <a:effectLst/>
+                        </a:rPr>
+                        <a:t>2</a:t>
+                      </a:r>
+                      <a:endParaRPr lang="en-US" sz="1100" b="0" i="0" u="none" strike="noStrike" dirty="0">
+                        <a:solidFill>
+                          <a:srgbClr val="000000"/>
+                        </a:solidFill>
+                        <a:effectLst/>
+                        <a:latin typeface="Calibri" panose="020F0502020204030204" pitchFamily="34" charset="0"/>
+                      </a:endParaRPr>
+                    </a:p>
+                  </a:txBody>
+                  <a:tcPr marL="9525" marR="9525" marT="9525" marB="0" anchor="ctr"/>
+                </a:tc>
+                <a:extLst>
+                  <a:ext uri="{0D108BD9-81ED-4DB2-BD59-A6C34878D82A}">
+                    <a16:rowId xmlns:a16="http://schemas.microsoft.com/office/drawing/2014/main" val="3240500873"/>
+                  </a:ext>
+                </a:extLst>
+              </a:tr>
+              <a:tr h="218411">
+                <a:tc>
+                  <a:txBody>
+                    <a:bodyPr/>
+                    <a:lstStyle/>
+                    <a:p>
+                      <a:pPr algn="ctr" fontAlgn="ctr"/>
+                      <a:r>
+                        <a:rPr lang="en-US" sz="1100" u="none" strike="noStrike">
+                          <a:effectLst/>
+                        </a:rPr>
+                        <a:t>75 - 80</a:t>
+                      </a:r>
+                      <a:endParaRPr lang="en-US" sz="1100" b="0" i="0" u="none" strike="noStrike">
+                        <a:solidFill>
+                          <a:srgbClr val="000000"/>
+                        </a:solidFill>
+                        <a:effectLst/>
+                        <a:latin typeface="Calibri" panose="020F0502020204030204" pitchFamily="34" charset="0"/>
+                      </a:endParaRPr>
+                    </a:p>
+                  </a:txBody>
+                  <a:tcPr marL="9525" marR="9525" marT="9525" marB="0" anchor="ctr"/>
+                </a:tc>
+                <a:tc>
+                  <a:txBody>
+                    <a:bodyPr/>
+                    <a:lstStyle/>
+                    <a:p>
+                      <a:pPr algn="ctr" fontAlgn="ctr"/>
+                      <a:r>
+                        <a:rPr lang="en-US" sz="1000" u="none" strike="noStrike">
+                          <a:effectLst/>
+                        </a:rPr>
+                        <a:t>4</a:t>
+                      </a:r>
+                      <a:endParaRPr lang="en-US" sz="1000" b="0" i="0" u="none" strike="noStrike">
+                        <a:solidFill>
+                          <a:srgbClr val="000000"/>
+                        </a:solidFill>
+                        <a:effectLst/>
+                        <a:latin typeface="Arial Narrow" panose="020B0606020202030204" pitchFamily="34" charset="0"/>
+                      </a:endParaRPr>
+                    </a:p>
+                  </a:txBody>
+                  <a:tcPr marL="9525" marR="9525" marT="9525" marB="0" anchor="ctr"/>
+                </a:tc>
+                <a:extLst>
+                  <a:ext uri="{0D108BD9-81ED-4DB2-BD59-A6C34878D82A}">
+                    <a16:rowId xmlns:a16="http://schemas.microsoft.com/office/drawing/2014/main" val="1362496416"/>
+                  </a:ext>
+                </a:extLst>
+              </a:tr>
+              <a:tr h="218411">
+                <a:tc>
+                  <a:txBody>
+                    <a:bodyPr/>
+                    <a:lstStyle/>
+                    <a:p>
+                      <a:pPr algn="ctr" fontAlgn="ctr"/>
+                      <a:r>
+                        <a:rPr lang="en-US" sz="1100" u="none" strike="noStrike">
+                          <a:effectLst/>
+                        </a:rPr>
+                        <a:t>81 - 86</a:t>
+                      </a:r>
+                      <a:endParaRPr lang="en-US" sz="1100" b="0" i="0" u="none" strike="noStrike">
+                        <a:solidFill>
+                          <a:srgbClr val="000000"/>
+                        </a:solidFill>
+                        <a:effectLst/>
+                        <a:latin typeface="Calibri" panose="020F0502020204030204" pitchFamily="34" charset="0"/>
+                      </a:endParaRPr>
+                    </a:p>
+                  </a:txBody>
+                  <a:tcPr marL="9525" marR="9525" marT="9525" marB="0" anchor="ctr"/>
+                </a:tc>
+                <a:tc>
+                  <a:txBody>
+                    <a:bodyPr/>
+                    <a:lstStyle/>
+                    <a:p>
+                      <a:pPr algn="ctr" fontAlgn="ctr"/>
+                      <a:r>
+                        <a:rPr lang="en-US" sz="1100" u="none" strike="noStrike">
+                          <a:effectLst/>
+                        </a:rPr>
+                        <a:t>11</a:t>
+                      </a:r>
+                      <a:endParaRPr lang="en-US" sz="1100" b="0" i="0" u="none" strike="noStrike">
+                        <a:solidFill>
+                          <a:srgbClr val="000000"/>
+                        </a:solidFill>
+                        <a:effectLst/>
+                        <a:latin typeface="Calibri" panose="020F0502020204030204" pitchFamily="34" charset="0"/>
+                      </a:endParaRPr>
+                    </a:p>
+                  </a:txBody>
+                  <a:tcPr marL="9525" marR="9525" marT="9525" marB="0" anchor="ctr"/>
+                </a:tc>
+                <a:extLst>
+                  <a:ext uri="{0D108BD9-81ED-4DB2-BD59-A6C34878D82A}">
+                    <a16:rowId xmlns:a16="http://schemas.microsoft.com/office/drawing/2014/main" val="824718103"/>
+                  </a:ext>
+                </a:extLst>
+              </a:tr>
+              <a:tr h="218411">
+                <a:tc>
+                  <a:txBody>
+                    <a:bodyPr/>
+                    <a:lstStyle/>
+                    <a:p>
+                      <a:pPr algn="ctr" fontAlgn="ctr"/>
+                      <a:r>
+                        <a:rPr lang="en-US" sz="1100" u="none" strike="noStrike">
+                          <a:effectLst/>
+                        </a:rPr>
+                        <a:t>87 - 92</a:t>
+                      </a:r>
+                      <a:endParaRPr lang="en-US" sz="1100" b="0" i="0" u="none" strike="noStrike">
+                        <a:solidFill>
+                          <a:srgbClr val="000000"/>
+                        </a:solidFill>
+                        <a:effectLst/>
+                        <a:latin typeface="Calibri" panose="020F0502020204030204" pitchFamily="34" charset="0"/>
+                      </a:endParaRPr>
+                    </a:p>
+                  </a:txBody>
+                  <a:tcPr marL="9525" marR="9525" marT="9525" marB="0" anchor="ctr"/>
+                </a:tc>
+                <a:tc>
+                  <a:txBody>
+                    <a:bodyPr/>
+                    <a:lstStyle/>
+                    <a:p>
+                      <a:pPr algn="ctr" fontAlgn="ctr"/>
+                      <a:r>
+                        <a:rPr lang="en-US" sz="1100" u="none" strike="noStrike" dirty="0">
+                          <a:effectLst/>
+                        </a:rPr>
+                        <a:t>15</a:t>
+                      </a:r>
+                      <a:endParaRPr lang="en-US" sz="1100" b="0" i="0" u="none" strike="noStrike" dirty="0">
+                        <a:solidFill>
+                          <a:srgbClr val="000000"/>
+                        </a:solidFill>
+                        <a:effectLst/>
+                        <a:latin typeface="Calibri" panose="020F0502020204030204" pitchFamily="34" charset="0"/>
+                      </a:endParaRPr>
+                    </a:p>
+                  </a:txBody>
+                  <a:tcPr marL="9525" marR="9525" marT="9525" marB="0" anchor="ctr"/>
+                </a:tc>
+                <a:extLst>
+                  <a:ext uri="{0D108BD9-81ED-4DB2-BD59-A6C34878D82A}">
+                    <a16:rowId xmlns:a16="http://schemas.microsoft.com/office/drawing/2014/main" val="2660047154"/>
+                  </a:ext>
+                </a:extLst>
+              </a:tr>
+              <a:tr h="218411">
+                <a:tc>
+                  <a:txBody>
+                    <a:bodyPr/>
+                    <a:lstStyle/>
+                    <a:p>
+                      <a:pPr algn="ctr" fontAlgn="ctr"/>
+                      <a:r>
+                        <a:rPr lang="en-US" sz="1100" u="none" strike="noStrike">
+                          <a:effectLst/>
+                        </a:rPr>
+                        <a:t>93 - 98</a:t>
+                      </a:r>
+                      <a:endParaRPr lang="en-US" sz="1100" b="0" i="0" u="none" strike="noStrike">
+                        <a:solidFill>
+                          <a:srgbClr val="000000"/>
+                        </a:solidFill>
+                        <a:effectLst/>
+                        <a:latin typeface="Calibri" panose="020F0502020204030204" pitchFamily="34" charset="0"/>
+                      </a:endParaRPr>
+                    </a:p>
+                  </a:txBody>
+                  <a:tcPr marL="9525" marR="9525" marT="9525" marB="0" anchor="ctr"/>
+                </a:tc>
+                <a:tc>
+                  <a:txBody>
+                    <a:bodyPr/>
+                    <a:lstStyle/>
+                    <a:p>
+                      <a:pPr algn="ctr" fontAlgn="ctr"/>
+                      <a:r>
+                        <a:rPr lang="en-US" sz="1100" u="none" strike="noStrike">
+                          <a:effectLst/>
+                        </a:rPr>
+                        <a:t>13</a:t>
+                      </a:r>
+                      <a:endParaRPr lang="en-US" sz="1100" b="0" i="0" u="none" strike="noStrike">
+                        <a:solidFill>
+                          <a:srgbClr val="000000"/>
+                        </a:solidFill>
+                        <a:effectLst/>
+                        <a:latin typeface="Calibri" panose="020F0502020204030204" pitchFamily="34" charset="0"/>
+                      </a:endParaRPr>
+                    </a:p>
+                  </a:txBody>
+                  <a:tcPr marL="9525" marR="9525" marT="9525" marB="0" anchor="ctr"/>
+                </a:tc>
+                <a:extLst>
+                  <a:ext uri="{0D108BD9-81ED-4DB2-BD59-A6C34878D82A}">
+                    <a16:rowId xmlns:a16="http://schemas.microsoft.com/office/drawing/2014/main" val="3398479585"/>
+                  </a:ext>
+                </a:extLst>
+              </a:tr>
+              <a:tr h="218411">
+                <a:tc>
+                  <a:txBody>
+                    <a:bodyPr/>
+                    <a:lstStyle/>
+                    <a:p>
+                      <a:pPr algn="ctr" fontAlgn="ctr"/>
+                      <a:r>
+                        <a:rPr lang="en-US" sz="1100" u="none" strike="noStrike">
+                          <a:effectLst/>
+                        </a:rPr>
+                        <a:t>Jumlah</a:t>
+                      </a:r>
+                      <a:endParaRPr lang="en-US" sz="1100" b="0" i="0" u="none" strike="noStrike">
+                        <a:solidFill>
+                          <a:srgbClr val="000000"/>
+                        </a:solidFill>
+                        <a:effectLst/>
+                        <a:latin typeface="Calibri" panose="020F0502020204030204" pitchFamily="34" charset="0"/>
+                      </a:endParaRPr>
+                    </a:p>
+                  </a:txBody>
+                  <a:tcPr marL="9525" marR="9525" marT="9525" marB="0" anchor="ctr"/>
+                </a:tc>
+                <a:tc>
+                  <a:txBody>
+                    <a:bodyPr/>
+                    <a:lstStyle/>
+                    <a:p>
+                      <a:pPr algn="ctr" fontAlgn="ctr"/>
+                      <a:r>
+                        <a:rPr lang="en-US" sz="1100" u="none" strike="noStrike" dirty="0">
+                          <a:effectLst/>
+                        </a:rPr>
+                        <a:t>50</a:t>
+                      </a:r>
+                      <a:endParaRPr lang="en-US" sz="1100" b="0" i="0" u="none" strike="noStrike" dirty="0">
+                        <a:solidFill>
+                          <a:srgbClr val="000000"/>
+                        </a:solidFill>
+                        <a:effectLst/>
+                        <a:latin typeface="Calibri" panose="020F0502020204030204" pitchFamily="34" charset="0"/>
+                      </a:endParaRPr>
+                    </a:p>
+                  </a:txBody>
+                  <a:tcPr marL="9525" marR="9525" marT="9525" marB="0" anchor="ctr"/>
+                </a:tc>
+                <a:extLst>
+                  <a:ext uri="{0D108BD9-81ED-4DB2-BD59-A6C34878D82A}">
+                    <a16:rowId xmlns:a16="http://schemas.microsoft.com/office/drawing/2014/main" val="1100737058"/>
+                  </a:ext>
+                </a:extLst>
+              </a:tr>
+            </a:tbl>
+          </a:graphicData>
+        </a:graphic>
+      </p:graphicFrame>
+    </p:spTree>
+    <p:extLst>
+      <p:ext uri="{BB962C8B-B14F-4D97-AF65-F5344CB8AC3E}">
+        <p14:creationId xmlns:p14="http://schemas.microsoft.com/office/powerpoint/2010/main" val="2385483978"/>
       </p:ext>
     </p:extLst>
   </p:cSld>

--- a/Presentasi-Statistika-kelompok-3.pptx
+++ b/Presentasi-Statistika-kelompok-3.pptx
@@ -226,7 +226,7 @@
           <a:p>
             <a:fld id="{97273010-0C30-4B03-852F-88C703C2F448}" type="datetimeFigureOut">
               <a:rPr lang="en-US" smtClean="0"/>
-              <a:t>11/22/2019</a:t>
+              <a:t>11/23/2019</a:t>
             </a:fld>
             <a:endParaRPr lang="en-US"/>
           </a:p>
@@ -5296,8 +5296,8 @@
           </a:p>
         </p:txBody>
       </p:sp>
-      <mc:AlternateContent xmlns:mc="http://schemas.openxmlformats.org/markup-compatibility/2006">
-        <mc:Choice xmlns:a14="http://schemas.microsoft.com/office/drawing/2010/main" Requires="a14">
+      <mc:AlternateContent xmlns:mc="http://schemas.openxmlformats.org/markup-compatibility/2006" xmlns:a14="http://schemas.microsoft.com/office/drawing/2010/main">
+        <mc:Choice Requires="a14">
           <p:sp>
             <p:nvSpPr>
               <p:cNvPr id="5" name="TextBox 4"/>
@@ -5448,7 +5448,7 @@
             </p:txBody>
           </p:sp>
         </mc:Choice>
-        <mc:Fallback>
+        <mc:Fallback xmlns="">
           <p:sp>
             <p:nvSpPr>
               <p:cNvPr id="5" name="TextBox 4"/>
@@ -6402,35 +6402,6 @@
           </a:p>
         </p:txBody>
       </p:sp>
-      <p:pic>
-        <p:nvPicPr>
-          <p:cNvPr id="4" name="Picture 3">
-            <a:extLst>
-              <a:ext uri="{FF2B5EF4-FFF2-40B4-BE49-F238E27FC236}">
-                <a16:creationId xmlns:a16="http://schemas.microsoft.com/office/drawing/2014/main" id="{865C2D9A-23C4-4247-A4D4-9D820795B3E2}"/>
-              </a:ext>
-            </a:extLst>
-          </p:cNvPr>
-          <p:cNvPicPr>
-            <a:picLocks noChangeAspect="1"/>
-          </p:cNvPicPr>
-          <p:nvPr/>
-        </p:nvPicPr>
-        <p:blipFill rotWithShape="1">
-          <a:blip r:embed="rId2"/>
-          <a:srcRect t="9999"/>
-          <a:stretch/>
-        </p:blipFill>
-        <p:spPr>
-          <a:xfrm>
-            <a:off x="827584" y="2283718"/>
-            <a:ext cx="7725562" cy="1296343"/>
-          </a:xfrm>
-          <a:prstGeom prst="rect">
-            <a:avLst/>
-          </a:prstGeom>
-        </p:spPr>
-      </p:pic>
       <p:sp>
         <p:nvSpPr>
           <p:cNvPr id="11" name="TextBox 10">
@@ -6486,6 +6457,1297 @@
           </a:p>
         </p:txBody>
       </p:sp>
+      <p:graphicFrame>
+        <p:nvGraphicFramePr>
+          <p:cNvPr id="5" name="Table 4">
+            <a:extLst>
+              <a:ext uri="{FF2B5EF4-FFF2-40B4-BE49-F238E27FC236}">
+                <a16:creationId xmlns:a16="http://schemas.microsoft.com/office/drawing/2014/main" id="{FE4B3F02-2D75-4D13-90C2-3DF7EDE18191}"/>
+              </a:ext>
+            </a:extLst>
+          </p:cNvPr>
+          <p:cNvGraphicFramePr>
+            <a:graphicFrameLocks noGrp="1"/>
+          </p:cNvGraphicFramePr>
+          <p:nvPr>
+            <p:extLst>
+              <p:ext uri="{D42A27DB-BD31-4B8C-83A1-F6EECF244321}">
+                <p14:modId xmlns:p14="http://schemas.microsoft.com/office/powerpoint/2010/main" val="4027443059"/>
+              </p:ext>
+            </p:extLst>
+          </p:nvPr>
+        </p:nvGraphicFramePr>
+        <p:xfrm>
+          <a:off x="1187624" y="2283718"/>
+          <a:ext cx="6096000" cy="1772395"/>
+        </p:xfrm>
+        <a:graphic>
+          <a:graphicData uri="http://schemas.openxmlformats.org/drawingml/2006/table">
+            <a:tbl>
+              <a:tblPr>
+                <a:tableStyleId>{616DA210-FB5B-4158-B5E0-FEB733F419BA}</a:tableStyleId>
+              </a:tblPr>
+              <a:tblGrid>
+                <a:gridCol w="609600">
+                  <a:extLst>
+                    <a:ext uri="{9D8B030D-6E8A-4147-A177-3AD203B41FA5}">
+                      <a16:colId xmlns:a16="http://schemas.microsoft.com/office/drawing/2014/main" val="762014837"/>
+                    </a:ext>
+                  </a:extLst>
+                </a:gridCol>
+                <a:gridCol w="609600">
+                  <a:extLst>
+                    <a:ext uri="{9D8B030D-6E8A-4147-A177-3AD203B41FA5}">
+                      <a16:colId xmlns:a16="http://schemas.microsoft.com/office/drawing/2014/main" val="931044599"/>
+                    </a:ext>
+                  </a:extLst>
+                </a:gridCol>
+                <a:gridCol w="609600">
+                  <a:extLst>
+                    <a:ext uri="{9D8B030D-6E8A-4147-A177-3AD203B41FA5}">
+                      <a16:colId xmlns:a16="http://schemas.microsoft.com/office/drawing/2014/main" val="2175226396"/>
+                    </a:ext>
+                  </a:extLst>
+                </a:gridCol>
+                <a:gridCol w="609600">
+                  <a:extLst>
+                    <a:ext uri="{9D8B030D-6E8A-4147-A177-3AD203B41FA5}">
+                      <a16:colId xmlns:a16="http://schemas.microsoft.com/office/drawing/2014/main" val="3029902341"/>
+                    </a:ext>
+                  </a:extLst>
+                </a:gridCol>
+                <a:gridCol w="609600">
+                  <a:extLst>
+                    <a:ext uri="{9D8B030D-6E8A-4147-A177-3AD203B41FA5}">
+                      <a16:colId xmlns:a16="http://schemas.microsoft.com/office/drawing/2014/main" val="2768799551"/>
+                    </a:ext>
+                  </a:extLst>
+                </a:gridCol>
+                <a:gridCol w="609600">
+                  <a:extLst>
+                    <a:ext uri="{9D8B030D-6E8A-4147-A177-3AD203B41FA5}">
+                      <a16:colId xmlns:a16="http://schemas.microsoft.com/office/drawing/2014/main" val="1664101266"/>
+                    </a:ext>
+                  </a:extLst>
+                </a:gridCol>
+                <a:gridCol w="609600">
+                  <a:extLst>
+                    <a:ext uri="{9D8B030D-6E8A-4147-A177-3AD203B41FA5}">
+                      <a16:colId xmlns:a16="http://schemas.microsoft.com/office/drawing/2014/main" val="3834437340"/>
+                    </a:ext>
+                  </a:extLst>
+                </a:gridCol>
+                <a:gridCol w="609600">
+                  <a:extLst>
+                    <a:ext uri="{9D8B030D-6E8A-4147-A177-3AD203B41FA5}">
+                      <a16:colId xmlns:a16="http://schemas.microsoft.com/office/drawing/2014/main" val="1519333455"/>
+                    </a:ext>
+                  </a:extLst>
+                </a:gridCol>
+                <a:gridCol w="609600">
+                  <a:extLst>
+                    <a:ext uri="{9D8B030D-6E8A-4147-A177-3AD203B41FA5}">
+                      <a16:colId xmlns:a16="http://schemas.microsoft.com/office/drawing/2014/main" val="4066761032"/>
+                    </a:ext>
+                  </a:extLst>
+                </a:gridCol>
+                <a:gridCol w="609600">
+                  <a:extLst>
+                    <a:ext uri="{9D8B030D-6E8A-4147-A177-3AD203B41FA5}">
+                      <a16:colId xmlns:a16="http://schemas.microsoft.com/office/drawing/2014/main" val="3428297764"/>
+                    </a:ext>
+                  </a:extLst>
+                </a:gridCol>
+              </a:tblGrid>
+              <a:tr h="354479">
+                <a:tc>
+                  <a:txBody>
+                    <a:bodyPr/>
+                    <a:lstStyle/>
+                    <a:p>
+                      <a:pPr algn="ctr" fontAlgn="ctr"/>
+                      <a:r>
+                        <a:rPr lang="en-US" sz="1000" u="none" strike="noStrike" dirty="0">
+                          <a:effectLst/>
+                        </a:rPr>
+                        <a:t>91</a:t>
+                      </a:r>
+                      <a:endParaRPr lang="en-US" sz="1000" b="0" i="0" u="none" strike="noStrike" dirty="0">
+                        <a:solidFill>
+                          <a:srgbClr val="000000"/>
+                        </a:solidFill>
+                        <a:effectLst/>
+                        <a:latin typeface="Arial Narrow" panose="020B0606020202030204" pitchFamily="34" charset="0"/>
+                      </a:endParaRPr>
+                    </a:p>
+                  </a:txBody>
+                  <a:tcPr marL="9525" marR="9525" marT="9525" marB="0" anchor="ctr"/>
+                </a:tc>
+                <a:tc>
+                  <a:txBody>
+                    <a:bodyPr/>
+                    <a:lstStyle/>
+                    <a:p>
+                      <a:pPr algn="ctr" fontAlgn="ctr"/>
+                      <a:r>
+                        <a:rPr lang="en-US" sz="1000" u="none" strike="noStrike">
+                          <a:effectLst/>
+                        </a:rPr>
+                        <a:t>91</a:t>
+                      </a:r>
+                      <a:endParaRPr lang="en-US" sz="1000" b="0" i="0" u="none" strike="noStrike">
+                        <a:solidFill>
+                          <a:srgbClr val="000000"/>
+                        </a:solidFill>
+                        <a:effectLst/>
+                        <a:latin typeface="Arial Narrow" panose="020B0606020202030204" pitchFamily="34" charset="0"/>
+                      </a:endParaRPr>
+                    </a:p>
+                  </a:txBody>
+                  <a:tcPr marL="9525" marR="9525" marT="9525" marB="0" anchor="ctr"/>
+                </a:tc>
+                <a:tc>
+                  <a:txBody>
+                    <a:bodyPr/>
+                    <a:lstStyle/>
+                    <a:p>
+                      <a:pPr algn="ctr" fontAlgn="ctr"/>
+                      <a:r>
+                        <a:rPr lang="en-US" sz="1000" u="none" strike="noStrike">
+                          <a:effectLst/>
+                        </a:rPr>
+                        <a:t>91</a:t>
+                      </a:r>
+                      <a:endParaRPr lang="en-US" sz="1000" b="0" i="0" u="none" strike="noStrike">
+                        <a:solidFill>
+                          <a:srgbClr val="000000"/>
+                        </a:solidFill>
+                        <a:effectLst/>
+                        <a:latin typeface="Arial Narrow" panose="020B0606020202030204" pitchFamily="34" charset="0"/>
+                      </a:endParaRPr>
+                    </a:p>
+                  </a:txBody>
+                  <a:tcPr marL="9525" marR="9525" marT="9525" marB="0" anchor="ctr"/>
+                </a:tc>
+                <a:tc>
+                  <a:txBody>
+                    <a:bodyPr/>
+                    <a:lstStyle/>
+                    <a:p>
+                      <a:pPr algn="ctr" fontAlgn="ctr"/>
+                      <a:r>
+                        <a:rPr lang="en-US" sz="1000" u="none" strike="noStrike">
+                          <a:effectLst/>
+                        </a:rPr>
+                        <a:t>92</a:t>
+                      </a:r>
+                      <a:endParaRPr lang="en-US" sz="1000" b="0" i="0" u="none" strike="noStrike">
+                        <a:solidFill>
+                          <a:srgbClr val="000000"/>
+                        </a:solidFill>
+                        <a:effectLst/>
+                        <a:latin typeface="Arial Narrow" panose="020B0606020202030204" pitchFamily="34" charset="0"/>
+                      </a:endParaRPr>
+                    </a:p>
+                  </a:txBody>
+                  <a:tcPr marL="9525" marR="9525" marT="9525" marB="0" anchor="ctr"/>
+                </a:tc>
+                <a:tc>
+                  <a:txBody>
+                    <a:bodyPr/>
+                    <a:lstStyle/>
+                    <a:p>
+                      <a:pPr algn="ctr" fontAlgn="ctr"/>
+                      <a:r>
+                        <a:rPr lang="en-US" sz="1000" u="none" strike="noStrike">
+                          <a:effectLst/>
+                        </a:rPr>
+                        <a:t>92</a:t>
+                      </a:r>
+                      <a:endParaRPr lang="en-US" sz="1000" b="0" i="0" u="none" strike="noStrike">
+                        <a:solidFill>
+                          <a:srgbClr val="000000"/>
+                        </a:solidFill>
+                        <a:effectLst/>
+                        <a:latin typeface="Arial Narrow" panose="020B0606020202030204" pitchFamily="34" charset="0"/>
+                      </a:endParaRPr>
+                    </a:p>
+                  </a:txBody>
+                  <a:tcPr marL="9525" marR="9525" marT="9525" marB="0" anchor="ctr"/>
+                </a:tc>
+                <a:tc>
+                  <a:txBody>
+                    <a:bodyPr/>
+                    <a:lstStyle/>
+                    <a:p>
+                      <a:pPr algn="ctr" fontAlgn="ctr"/>
+                      <a:r>
+                        <a:rPr lang="en-US" sz="1000" u="none" strike="noStrike">
+                          <a:effectLst/>
+                        </a:rPr>
+                        <a:t>92</a:t>
+                      </a:r>
+                      <a:endParaRPr lang="en-US" sz="1000" b="0" i="0" u="none" strike="noStrike">
+                        <a:solidFill>
+                          <a:srgbClr val="000000"/>
+                        </a:solidFill>
+                        <a:effectLst/>
+                        <a:latin typeface="Arial Narrow" panose="020B0606020202030204" pitchFamily="34" charset="0"/>
+                      </a:endParaRPr>
+                    </a:p>
+                  </a:txBody>
+                  <a:tcPr marL="9525" marR="9525" marT="9525" marB="0" anchor="ctr"/>
+                </a:tc>
+                <a:tc>
+                  <a:txBody>
+                    <a:bodyPr/>
+                    <a:lstStyle/>
+                    <a:p>
+                      <a:pPr algn="ctr" fontAlgn="ctr"/>
+                      <a:r>
+                        <a:rPr lang="en-US" sz="1000" u="none" strike="noStrike">
+                          <a:effectLst/>
+                        </a:rPr>
+                        <a:t>92</a:t>
+                      </a:r>
+                      <a:endParaRPr lang="en-US" sz="1000" b="0" i="0" u="none" strike="noStrike">
+                        <a:solidFill>
+                          <a:srgbClr val="000000"/>
+                        </a:solidFill>
+                        <a:effectLst/>
+                        <a:latin typeface="Arial Narrow" panose="020B0606020202030204" pitchFamily="34" charset="0"/>
+                      </a:endParaRPr>
+                    </a:p>
+                  </a:txBody>
+                  <a:tcPr marL="9525" marR="9525" marT="9525" marB="0" anchor="ctr"/>
+                </a:tc>
+                <a:tc>
+                  <a:txBody>
+                    <a:bodyPr/>
+                    <a:lstStyle/>
+                    <a:p>
+                      <a:pPr algn="ctr" fontAlgn="ctr"/>
+                      <a:r>
+                        <a:rPr lang="en-US" sz="1000" u="none" strike="noStrike">
+                          <a:effectLst/>
+                        </a:rPr>
+                        <a:t>93</a:t>
+                      </a:r>
+                      <a:endParaRPr lang="en-US" sz="1000" b="0" i="0" u="none" strike="noStrike">
+                        <a:solidFill>
+                          <a:srgbClr val="000000"/>
+                        </a:solidFill>
+                        <a:effectLst/>
+                        <a:latin typeface="Arial Narrow" panose="020B0606020202030204" pitchFamily="34" charset="0"/>
+                      </a:endParaRPr>
+                    </a:p>
+                  </a:txBody>
+                  <a:tcPr marL="9525" marR="9525" marT="9525" marB="0" anchor="ctr"/>
+                </a:tc>
+                <a:tc>
+                  <a:txBody>
+                    <a:bodyPr/>
+                    <a:lstStyle/>
+                    <a:p>
+                      <a:pPr algn="ctr" fontAlgn="ctr"/>
+                      <a:r>
+                        <a:rPr lang="en-US" sz="1000" u="none" strike="noStrike">
+                          <a:effectLst/>
+                        </a:rPr>
+                        <a:t>93</a:t>
+                      </a:r>
+                      <a:endParaRPr lang="en-US" sz="1000" b="0" i="0" u="none" strike="noStrike">
+                        <a:solidFill>
+                          <a:srgbClr val="000000"/>
+                        </a:solidFill>
+                        <a:effectLst/>
+                        <a:latin typeface="Arial Narrow" panose="020B0606020202030204" pitchFamily="34" charset="0"/>
+                      </a:endParaRPr>
+                    </a:p>
+                  </a:txBody>
+                  <a:tcPr marL="9525" marR="9525" marT="9525" marB="0" anchor="ctr"/>
+                </a:tc>
+                <a:tc>
+                  <a:txBody>
+                    <a:bodyPr/>
+                    <a:lstStyle/>
+                    <a:p>
+                      <a:pPr algn="ctr" fontAlgn="ctr"/>
+                      <a:r>
+                        <a:rPr lang="en-US" sz="1000" u="none" strike="noStrike">
+                          <a:effectLst/>
+                        </a:rPr>
+                        <a:t>93</a:t>
+                      </a:r>
+                      <a:endParaRPr lang="en-US" sz="1000" b="0" i="0" u="none" strike="noStrike">
+                        <a:solidFill>
+                          <a:srgbClr val="000000"/>
+                        </a:solidFill>
+                        <a:effectLst/>
+                        <a:latin typeface="Arial Narrow" panose="020B0606020202030204" pitchFamily="34" charset="0"/>
+                      </a:endParaRPr>
+                    </a:p>
+                  </a:txBody>
+                  <a:tcPr marL="9525" marR="9525" marT="9525" marB="0" anchor="ctr"/>
+                </a:tc>
+                <a:extLst>
+                  <a:ext uri="{0D108BD9-81ED-4DB2-BD59-A6C34878D82A}">
+                    <a16:rowId xmlns:a16="http://schemas.microsoft.com/office/drawing/2014/main" val="2148364257"/>
+                  </a:ext>
+                </a:extLst>
+              </a:tr>
+              <a:tr h="354479">
+                <a:tc>
+                  <a:txBody>
+                    <a:bodyPr/>
+                    <a:lstStyle/>
+                    <a:p>
+                      <a:pPr algn="ctr" fontAlgn="ctr"/>
+                      <a:r>
+                        <a:rPr lang="en-US" sz="1000" u="none" strike="noStrike">
+                          <a:effectLst/>
+                        </a:rPr>
+                        <a:t>86</a:t>
+                      </a:r>
+                      <a:endParaRPr lang="en-US" sz="1000" b="0" i="0" u="none" strike="noStrike">
+                        <a:solidFill>
+                          <a:srgbClr val="000000"/>
+                        </a:solidFill>
+                        <a:effectLst/>
+                        <a:latin typeface="Arial Narrow" panose="020B0606020202030204" pitchFamily="34" charset="0"/>
+                      </a:endParaRPr>
+                    </a:p>
+                  </a:txBody>
+                  <a:tcPr marL="9525" marR="9525" marT="9525" marB="0" anchor="ctr"/>
+                </a:tc>
+                <a:tc>
+                  <a:txBody>
+                    <a:bodyPr/>
+                    <a:lstStyle/>
+                    <a:p>
+                      <a:pPr algn="ctr" fontAlgn="ctr"/>
+                      <a:r>
+                        <a:rPr lang="en-US" sz="1000" u="none" strike="noStrike">
+                          <a:effectLst/>
+                        </a:rPr>
+                        <a:t>86</a:t>
+                      </a:r>
+                      <a:endParaRPr lang="en-US" sz="1000" b="0" i="0" u="none" strike="noStrike">
+                        <a:solidFill>
+                          <a:srgbClr val="000000"/>
+                        </a:solidFill>
+                        <a:effectLst/>
+                        <a:latin typeface="Calibri Light" panose="020F0302020204030204" pitchFamily="34" charset="0"/>
+                      </a:endParaRPr>
+                    </a:p>
+                  </a:txBody>
+                  <a:tcPr marL="9525" marR="9525" marT="9525" marB="0" anchor="ctr"/>
+                </a:tc>
+                <a:tc>
+                  <a:txBody>
+                    <a:bodyPr/>
+                    <a:lstStyle/>
+                    <a:p>
+                      <a:pPr algn="ctr" fontAlgn="ctr"/>
+                      <a:r>
+                        <a:rPr lang="en-US" sz="1000" u="none" strike="noStrike">
+                          <a:effectLst/>
+                        </a:rPr>
+                        <a:t>87</a:t>
+                      </a:r>
+                      <a:endParaRPr lang="en-US" sz="1000" b="0" i="0" u="none" strike="noStrike">
+                        <a:solidFill>
+                          <a:srgbClr val="000000"/>
+                        </a:solidFill>
+                        <a:effectLst/>
+                        <a:latin typeface="Arial Narrow" panose="020B0606020202030204" pitchFamily="34" charset="0"/>
+                      </a:endParaRPr>
+                    </a:p>
+                  </a:txBody>
+                  <a:tcPr marL="9525" marR="9525" marT="9525" marB="0" anchor="ctr"/>
+                </a:tc>
+                <a:tc>
+                  <a:txBody>
+                    <a:bodyPr/>
+                    <a:lstStyle/>
+                    <a:p>
+                      <a:pPr algn="ctr" fontAlgn="ctr"/>
+                      <a:r>
+                        <a:rPr lang="en-US" sz="1000" u="none" strike="noStrike">
+                          <a:effectLst/>
+                        </a:rPr>
+                        <a:t>87</a:t>
+                      </a:r>
+                      <a:endParaRPr lang="en-US" sz="1000" b="0" i="0" u="none" strike="noStrike">
+                        <a:solidFill>
+                          <a:srgbClr val="000000"/>
+                        </a:solidFill>
+                        <a:effectLst/>
+                        <a:latin typeface="Calibri Light" panose="020F0302020204030204" pitchFamily="34" charset="0"/>
+                      </a:endParaRPr>
+                    </a:p>
+                  </a:txBody>
+                  <a:tcPr marL="9525" marR="9525" marT="9525" marB="0" anchor="ctr"/>
+                </a:tc>
+                <a:tc>
+                  <a:txBody>
+                    <a:bodyPr/>
+                    <a:lstStyle/>
+                    <a:p>
+                      <a:pPr algn="ctr" fontAlgn="ctr"/>
+                      <a:r>
+                        <a:rPr lang="en-US" sz="1000" u="none" strike="noStrike">
+                          <a:effectLst/>
+                        </a:rPr>
+                        <a:t>89</a:t>
+                      </a:r>
+                      <a:endParaRPr lang="en-US" sz="1000" b="0" i="0" u="none" strike="noStrike">
+                        <a:solidFill>
+                          <a:srgbClr val="000000"/>
+                        </a:solidFill>
+                        <a:effectLst/>
+                        <a:latin typeface="Calibri Light" panose="020F0302020204030204" pitchFamily="34" charset="0"/>
+                      </a:endParaRPr>
+                    </a:p>
+                  </a:txBody>
+                  <a:tcPr marL="9525" marR="9525" marT="9525" marB="0" anchor="ctr"/>
+                </a:tc>
+                <a:tc>
+                  <a:txBody>
+                    <a:bodyPr/>
+                    <a:lstStyle/>
+                    <a:p>
+                      <a:pPr algn="ctr" fontAlgn="ctr"/>
+                      <a:r>
+                        <a:rPr lang="en-US" sz="1000" u="none" strike="noStrike" dirty="0">
+                          <a:effectLst/>
+                        </a:rPr>
+                        <a:t>89</a:t>
+                      </a:r>
+                      <a:endParaRPr lang="en-US" sz="1000" b="0" i="0" u="none" strike="noStrike" dirty="0">
+                        <a:solidFill>
+                          <a:srgbClr val="000000"/>
+                        </a:solidFill>
+                        <a:effectLst/>
+                        <a:latin typeface="Arial Narrow" panose="020B0606020202030204" pitchFamily="34" charset="0"/>
+                      </a:endParaRPr>
+                    </a:p>
+                  </a:txBody>
+                  <a:tcPr marL="9525" marR="9525" marT="9525" marB="0" anchor="ctr"/>
+                </a:tc>
+                <a:tc>
+                  <a:txBody>
+                    <a:bodyPr/>
+                    <a:lstStyle/>
+                    <a:p>
+                      <a:pPr algn="ctr" fontAlgn="ctr"/>
+                      <a:r>
+                        <a:rPr lang="en-US" sz="1000" u="none" strike="noStrike">
+                          <a:effectLst/>
+                        </a:rPr>
+                        <a:t>89</a:t>
+                      </a:r>
+                      <a:endParaRPr lang="en-US" sz="1000" b="0" i="0" u="none" strike="noStrike">
+                        <a:solidFill>
+                          <a:srgbClr val="000000"/>
+                        </a:solidFill>
+                        <a:effectLst/>
+                        <a:latin typeface="Arial Narrow" panose="020B0606020202030204" pitchFamily="34" charset="0"/>
+                      </a:endParaRPr>
+                    </a:p>
+                  </a:txBody>
+                  <a:tcPr marL="9525" marR="9525" marT="9525" marB="0" anchor="ctr"/>
+                </a:tc>
+                <a:tc>
+                  <a:txBody>
+                    <a:bodyPr/>
+                    <a:lstStyle/>
+                    <a:p>
+                      <a:pPr algn="ctr" fontAlgn="ctr"/>
+                      <a:r>
+                        <a:rPr lang="en-US" sz="1000" u="none" strike="noStrike">
+                          <a:effectLst/>
+                        </a:rPr>
+                        <a:t>90</a:t>
+                      </a:r>
+                      <a:endParaRPr lang="en-US" sz="1000" b="0" i="0" u="none" strike="noStrike">
+                        <a:solidFill>
+                          <a:srgbClr val="000000"/>
+                        </a:solidFill>
+                        <a:effectLst/>
+                        <a:latin typeface="Arial Narrow" panose="020B0606020202030204" pitchFamily="34" charset="0"/>
+                      </a:endParaRPr>
+                    </a:p>
+                  </a:txBody>
+                  <a:tcPr marL="9525" marR="9525" marT="9525" marB="0" anchor="ctr"/>
+                </a:tc>
+                <a:tc>
+                  <a:txBody>
+                    <a:bodyPr/>
+                    <a:lstStyle/>
+                    <a:p>
+                      <a:pPr algn="ctr" fontAlgn="ctr"/>
+                      <a:r>
+                        <a:rPr lang="en-US" sz="1000" u="none" strike="noStrike">
+                          <a:effectLst/>
+                        </a:rPr>
+                        <a:t>90</a:t>
+                      </a:r>
+                      <a:endParaRPr lang="en-US" sz="1000" b="0" i="0" u="none" strike="noStrike">
+                        <a:solidFill>
+                          <a:srgbClr val="000000"/>
+                        </a:solidFill>
+                        <a:effectLst/>
+                        <a:latin typeface="Arial Narrow" panose="020B0606020202030204" pitchFamily="34" charset="0"/>
+                      </a:endParaRPr>
+                    </a:p>
+                  </a:txBody>
+                  <a:tcPr marL="9525" marR="9525" marT="9525" marB="0" anchor="ctr"/>
+                </a:tc>
+                <a:tc>
+                  <a:txBody>
+                    <a:bodyPr/>
+                    <a:lstStyle/>
+                    <a:p>
+                      <a:pPr algn="ctr" fontAlgn="ctr"/>
+                      <a:r>
+                        <a:rPr lang="en-US" sz="1000" u="none" strike="noStrike">
+                          <a:effectLst/>
+                        </a:rPr>
+                        <a:t>91</a:t>
+                      </a:r>
+                      <a:endParaRPr lang="en-US" sz="1000" b="0" i="0" u="none" strike="noStrike">
+                        <a:solidFill>
+                          <a:srgbClr val="000000"/>
+                        </a:solidFill>
+                        <a:effectLst/>
+                        <a:latin typeface="Arial Narrow" panose="020B0606020202030204" pitchFamily="34" charset="0"/>
+                      </a:endParaRPr>
+                    </a:p>
+                  </a:txBody>
+                  <a:tcPr marL="9525" marR="9525" marT="9525" marB="0" anchor="ctr"/>
+                </a:tc>
+                <a:extLst>
+                  <a:ext uri="{0D108BD9-81ED-4DB2-BD59-A6C34878D82A}">
+                    <a16:rowId xmlns:a16="http://schemas.microsoft.com/office/drawing/2014/main" val="648998457"/>
+                  </a:ext>
+                </a:extLst>
+              </a:tr>
+              <a:tr h="354479">
+                <a:tc>
+                  <a:txBody>
+                    <a:bodyPr/>
+                    <a:lstStyle/>
+                    <a:p>
+                      <a:pPr algn="ctr" fontAlgn="ctr"/>
+                      <a:r>
+                        <a:rPr lang="en-US" sz="1000" u="none" strike="noStrike">
+                          <a:effectLst/>
+                        </a:rPr>
+                        <a:t>80</a:t>
+                      </a:r>
+                      <a:endParaRPr lang="en-US" sz="1000" b="0" i="0" u="none" strike="noStrike">
+                        <a:solidFill>
+                          <a:srgbClr val="000000"/>
+                        </a:solidFill>
+                        <a:effectLst/>
+                        <a:latin typeface="Calibri Light" panose="020F0302020204030204" pitchFamily="34" charset="0"/>
+                      </a:endParaRPr>
+                    </a:p>
+                  </a:txBody>
+                  <a:tcPr marL="9525" marR="9525" marT="9525" marB="0" anchor="ctr"/>
+                </a:tc>
+                <a:tc>
+                  <a:txBody>
+                    <a:bodyPr/>
+                    <a:lstStyle/>
+                    <a:p>
+                      <a:pPr algn="ctr" fontAlgn="ctr"/>
+                      <a:r>
+                        <a:rPr lang="en-US" sz="1000" u="none" strike="noStrike">
+                          <a:effectLst/>
+                        </a:rPr>
+                        <a:t>81</a:t>
+                      </a:r>
+                      <a:endParaRPr lang="en-US" sz="1000" b="0" i="0" u="none" strike="noStrike">
+                        <a:solidFill>
+                          <a:srgbClr val="000000"/>
+                        </a:solidFill>
+                        <a:effectLst/>
+                        <a:latin typeface="Calibri Light" panose="020F0302020204030204" pitchFamily="34" charset="0"/>
+                      </a:endParaRPr>
+                    </a:p>
+                  </a:txBody>
+                  <a:tcPr marL="9525" marR="9525" marT="9525" marB="0" anchor="ctr"/>
+                </a:tc>
+                <a:tc>
+                  <a:txBody>
+                    <a:bodyPr/>
+                    <a:lstStyle/>
+                    <a:p>
+                      <a:pPr algn="ctr" fontAlgn="ctr"/>
+                      <a:r>
+                        <a:rPr lang="en-US" sz="1000" u="none" strike="noStrike">
+                          <a:effectLst/>
+                        </a:rPr>
+                        <a:t>84</a:t>
+                      </a:r>
+                      <a:endParaRPr lang="en-US" sz="1000" b="0" i="0" u="none" strike="noStrike">
+                        <a:solidFill>
+                          <a:srgbClr val="000000"/>
+                        </a:solidFill>
+                        <a:effectLst/>
+                        <a:latin typeface="Arial Narrow" panose="020B0606020202030204" pitchFamily="34" charset="0"/>
+                      </a:endParaRPr>
+                    </a:p>
+                  </a:txBody>
+                  <a:tcPr marL="9525" marR="9525" marT="9525" marB="0" anchor="ctr"/>
+                </a:tc>
+                <a:tc>
+                  <a:txBody>
+                    <a:bodyPr/>
+                    <a:lstStyle/>
+                    <a:p>
+                      <a:pPr algn="ctr" fontAlgn="ctr"/>
+                      <a:r>
+                        <a:rPr lang="en-US" sz="1000" u="none" strike="noStrike">
+                          <a:effectLst/>
+                        </a:rPr>
+                        <a:t>84</a:t>
+                      </a:r>
+                      <a:endParaRPr lang="en-US" sz="1000" b="0" i="0" u="none" strike="noStrike">
+                        <a:solidFill>
+                          <a:srgbClr val="000000"/>
+                        </a:solidFill>
+                        <a:effectLst/>
+                        <a:latin typeface="Arial Narrow" panose="020B0606020202030204" pitchFamily="34" charset="0"/>
+                      </a:endParaRPr>
+                    </a:p>
+                  </a:txBody>
+                  <a:tcPr marL="9525" marR="9525" marT="9525" marB="0" anchor="ctr"/>
+                </a:tc>
+                <a:tc>
+                  <a:txBody>
+                    <a:bodyPr/>
+                    <a:lstStyle/>
+                    <a:p>
+                      <a:pPr algn="ctr" fontAlgn="ctr"/>
+                      <a:r>
+                        <a:rPr lang="en-US" sz="1000" u="none" strike="noStrike" dirty="0">
+                          <a:effectLst/>
+                        </a:rPr>
+                        <a:t>85</a:t>
+                      </a:r>
+                      <a:endParaRPr lang="en-US" sz="1000" b="0" i="0" u="none" strike="noStrike" dirty="0">
+                        <a:solidFill>
+                          <a:srgbClr val="000000"/>
+                        </a:solidFill>
+                        <a:effectLst/>
+                        <a:latin typeface="Arial Narrow" panose="020B0606020202030204" pitchFamily="34" charset="0"/>
+                      </a:endParaRPr>
+                    </a:p>
+                  </a:txBody>
+                  <a:tcPr marL="9525" marR="9525" marT="9525" marB="0" anchor="ctr"/>
+                </a:tc>
+                <a:tc>
+                  <a:txBody>
+                    <a:bodyPr/>
+                    <a:lstStyle/>
+                    <a:p>
+                      <a:pPr algn="ctr" fontAlgn="ctr"/>
+                      <a:r>
+                        <a:rPr lang="en-US" sz="1000" u="none" strike="noStrike">
+                          <a:effectLst/>
+                        </a:rPr>
+                        <a:t>85</a:t>
+                      </a:r>
+                      <a:endParaRPr lang="en-US" sz="1000" b="0" i="0" u="none" strike="noStrike">
+                        <a:solidFill>
+                          <a:srgbClr val="000000"/>
+                        </a:solidFill>
+                        <a:effectLst/>
+                        <a:latin typeface="Arial Narrow" panose="020B0606020202030204" pitchFamily="34" charset="0"/>
+                      </a:endParaRPr>
+                    </a:p>
+                  </a:txBody>
+                  <a:tcPr marL="9525" marR="9525" marT="9525" marB="0" anchor="ctr"/>
+                </a:tc>
+                <a:tc>
+                  <a:txBody>
+                    <a:bodyPr/>
+                    <a:lstStyle/>
+                    <a:p>
+                      <a:pPr algn="ctr" fontAlgn="ctr"/>
+                      <a:r>
+                        <a:rPr lang="en-US" sz="1000" u="none" strike="noStrike">
+                          <a:effectLst/>
+                        </a:rPr>
+                        <a:t>86</a:t>
+                      </a:r>
+                      <a:endParaRPr lang="en-US" sz="1000" b="0" i="0" u="none" strike="noStrike">
+                        <a:solidFill>
+                          <a:srgbClr val="000000"/>
+                        </a:solidFill>
+                        <a:effectLst/>
+                        <a:latin typeface="Calibri Light" panose="020F0302020204030204" pitchFamily="34" charset="0"/>
+                      </a:endParaRPr>
+                    </a:p>
+                  </a:txBody>
+                  <a:tcPr marL="9525" marR="9525" marT="9525" marB="0" anchor="ctr"/>
+                </a:tc>
+                <a:tc>
+                  <a:txBody>
+                    <a:bodyPr/>
+                    <a:lstStyle/>
+                    <a:p>
+                      <a:pPr algn="ctr" fontAlgn="ctr"/>
+                      <a:r>
+                        <a:rPr lang="en-US" sz="1000" u="none" strike="noStrike">
+                          <a:effectLst/>
+                        </a:rPr>
+                        <a:t>86</a:t>
+                      </a:r>
+                      <a:endParaRPr lang="en-US" sz="1000" b="0" i="0" u="none" strike="noStrike">
+                        <a:solidFill>
+                          <a:srgbClr val="000000"/>
+                        </a:solidFill>
+                        <a:effectLst/>
+                        <a:latin typeface="Arial Narrow" panose="020B0606020202030204" pitchFamily="34" charset="0"/>
+                      </a:endParaRPr>
+                    </a:p>
+                  </a:txBody>
+                  <a:tcPr marL="9525" marR="9525" marT="9525" marB="0" anchor="ctr"/>
+                </a:tc>
+                <a:tc>
+                  <a:txBody>
+                    <a:bodyPr/>
+                    <a:lstStyle/>
+                    <a:p>
+                      <a:pPr algn="ctr" fontAlgn="ctr"/>
+                      <a:r>
+                        <a:rPr lang="en-US" sz="1000" u="none" strike="noStrike">
+                          <a:effectLst/>
+                        </a:rPr>
+                        <a:t>86</a:t>
+                      </a:r>
+                      <a:endParaRPr lang="en-US" sz="1000" b="0" i="0" u="none" strike="noStrike">
+                        <a:solidFill>
+                          <a:srgbClr val="000000"/>
+                        </a:solidFill>
+                        <a:effectLst/>
+                        <a:latin typeface="Arial Narrow" panose="020B0606020202030204" pitchFamily="34" charset="0"/>
+                      </a:endParaRPr>
+                    </a:p>
+                  </a:txBody>
+                  <a:tcPr marL="9525" marR="9525" marT="9525" marB="0" anchor="ctr"/>
+                </a:tc>
+                <a:tc>
+                  <a:txBody>
+                    <a:bodyPr/>
+                    <a:lstStyle/>
+                    <a:p>
+                      <a:pPr algn="ctr" fontAlgn="ctr"/>
+                      <a:r>
+                        <a:rPr lang="en-US" sz="1000" u="none" strike="noStrike">
+                          <a:effectLst/>
+                        </a:rPr>
+                        <a:t>86</a:t>
+                      </a:r>
+                      <a:endParaRPr lang="en-US" sz="1000" b="0" i="0" u="none" strike="noStrike">
+                        <a:solidFill>
+                          <a:srgbClr val="000000"/>
+                        </a:solidFill>
+                        <a:effectLst/>
+                        <a:latin typeface="Arial Narrow" panose="020B0606020202030204" pitchFamily="34" charset="0"/>
+                      </a:endParaRPr>
+                    </a:p>
+                  </a:txBody>
+                  <a:tcPr marL="9525" marR="9525" marT="9525" marB="0" anchor="ctr"/>
+                </a:tc>
+                <a:extLst>
+                  <a:ext uri="{0D108BD9-81ED-4DB2-BD59-A6C34878D82A}">
+                    <a16:rowId xmlns:a16="http://schemas.microsoft.com/office/drawing/2014/main" val="3988578052"/>
+                  </a:ext>
+                </a:extLst>
+              </a:tr>
+              <a:tr h="354479">
+                <a:tc>
+                  <a:txBody>
+                    <a:bodyPr/>
+                    <a:lstStyle/>
+                    <a:p>
+                      <a:pPr algn="ctr" fontAlgn="ctr"/>
+                      <a:r>
+                        <a:rPr lang="en-US" sz="1000" u="none" strike="noStrike">
+                          <a:effectLst/>
+                        </a:rPr>
+                        <a:t>94</a:t>
+                      </a:r>
+                      <a:endParaRPr lang="en-US" sz="1000" b="0" i="0" u="none" strike="noStrike">
+                        <a:solidFill>
+                          <a:srgbClr val="000000"/>
+                        </a:solidFill>
+                        <a:effectLst/>
+                        <a:latin typeface="Arial Narrow" panose="020B0606020202030204" pitchFamily="34" charset="0"/>
+                      </a:endParaRPr>
+                    </a:p>
+                  </a:txBody>
+                  <a:tcPr marL="9525" marR="9525" marT="9525" marB="0" anchor="ctr"/>
+                </a:tc>
+                <a:tc>
+                  <a:txBody>
+                    <a:bodyPr/>
+                    <a:lstStyle/>
+                    <a:p>
+                      <a:pPr algn="ctr" fontAlgn="ctr"/>
+                      <a:r>
+                        <a:rPr lang="en-US" sz="1000" u="none" strike="noStrike">
+                          <a:effectLst/>
+                        </a:rPr>
+                        <a:t>94</a:t>
+                      </a:r>
+                      <a:endParaRPr lang="en-US" sz="1000" b="0" i="0" u="none" strike="noStrike">
+                        <a:solidFill>
+                          <a:srgbClr val="000000"/>
+                        </a:solidFill>
+                        <a:effectLst/>
+                        <a:latin typeface="Arial Narrow" panose="020B0606020202030204" pitchFamily="34" charset="0"/>
+                      </a:endParaRPr>
+                    </a:p>
+                  </a:txBody>
+                  <a:tcPr marL="9525" marR="9525" marT="9525" marB="0" anchor="ctr"/>
+                </a:tc>
+                <a:tc>
+                  <a:txBody>
+                    <a:bodyPr/>
+                    <a:lstStyle/>
+                    <a:p>
+                      <a:pPr algn="ctr" fontAlgn="ctr"/>
+                      <a:r>
+                        <a:rPr lang="en-US" sz="1000" u="none" strike="noStrike">
+                          <a:effectLst/>
+                        </a:rPr>
+                        <a:t>94</a:t>
+                      </a:r>
+                      <a:endParaRPr lang="en-US" sz="1000" b="0" i="0" u="none" strike="noStrike">
+                        <a:solidFill>
+                          <a:srgbClr val="000000"/>
+                        </a:solidFill>
+                        <a:effectLst/>
+                        <a:latin typeface="Arial Narrow" panose="020B0606020202030204" pitchFamily="34" charset="0"/>
+                      </a:endParaRPr>
+                    </a:p>
+                  </a:txBody>
+                  <a:tcPr marL="9525" marR="9525" marT="9525" marB="0" anchor="ctr"/>
+                </a:tc>
+                <a:tc>
+                  <a:txBody>
+                    <a:bodyPr/>
+                    <a:lstStyle/>
+                    <a:p>
+                      <a:pPr algn="ctr" fontAlgn="ctr"/>
+                      <a:r>
+                        <a:rPr lang="en-US" sz="1000" u="none" strike="noStrike">
+                          <a:effectLst/>
+                        </a:rPr>
+                        <a:t>95</a:t>
+                      </a:r>
+                      <a:endParaRPr lang="en-US" sz="1000" b="0" i="0" u="none" strike="noStrike">
+                        <a:solidFill>
+                          <a:srgbClr val="000000"/>
+                        </a:solidFill>
+                        <a:effectLst/>
+                        <a:latin typeface="Arial Narrow" panose="020B0606020202030204" pitchFamily="34" charset="0"/>
+                      </a:endParaRPr>
+                    </a:p>
+                  </a:txBody>
+                  <a:tcPr marL="9525" marR="9525" marT="9525" marB="0" anchor="ctr"/>
+                </a:tc>
+                <a:tc>
+                  <a:txBody>
+                    <a:bodyPr/>
+                    <a:lstStyle/>
+                    <a:p>
+                      <a:pPr algn="ctr" fontAlgn="ctr"/>
+                      <a:r>
+                        <a:rPr lang="en-US" sz="1000" u="none" strike="noStrike">
+                          <a:effectLst/>
+                        </a:rPr>
+                        <a:t>95</a:t>
+                      </a:r>
+                      <a:endParaRPr lang="en-US" sz="1000" b="0" i="0" u="none" strike="noStrike">
+                        <a:solidFill>
+                          <a:srgbClr val="000000"/>
+                        </a:solidFill>
+                        <a:effectLst/>
+                        <a:latin typeface="Arial Narrow" panose="020B0606020202030204" pitchFamily="34" charset="0"/>
+                      </a:endParaRPr>
+                    </a:p>
+                  </a:txBody>
+                  <a:tcPr marL="9525" marR="9525" marT="9525" marB="0" anchor="ctr"/>
+                </a:tc>
+                <a:tc>
+                  <a:txBody>
+                    <a:bodyPr/>
+                    <a:lstStyle/>
+                    <a:p>
+                      <a:pPr algn="ctr" fontAlgn="ctr"/>
+                      <a:r>
+                        <a:rPr lang="en-US" sz="1000" u="none" strike="noStrike">
+                          <a:effectLst/>
+                        </a:rPr>
+                        <a:t>95</a:t>
+                      </a:r>
+                      <a:endParaRPr lang="en-US" sz="1000" b="0" i="0" u="none" strike="noStrike">
+                        <a:solidFill>
+                          <a:srgbClr val="000000"/>
+                        </a:solidFill>
+                        <a:effectLst/>
+                        <a:latin typeface="Arial Narrow" panose="020B0606020202030204" pitchFamily="34" charset="0"/>
+                      </a:endParaRPr>
+                    </a:p>
+                  </a:txBody>
+                  <a:tcPr marL="9525" marR="9525" marT="9525" marB="0" anchor="ctr"/>
+                </a:tc>
+                <a:tc>
+                  <a:txBody>
+                    <a:bodyPr/>
+                    <a:lstStyle/>
+                    <a:p>
+                      <a:pPr algn="ctr" fontAlgn="ctr"/>
+                      <a:r>
+                        <a:rPr lang="en-US" sz="1000" u="none" strike="noStrike">
+                          <a:effectLst/>
+                        </a:rPr>
+                        <a:t>96</a:t>
+                      </a:r>
+                      <a:endParaRPr lang="en-US" sz="1000" b="0" i="0" u="none" strike="noStrike">
+                        <a:solidFill>
+                          <a:srgbClr val="000000"/>
+                        </a:solidFill>
+                        <a:effectLst/>
+                        <a:latin typeface="Calibri Light" panose="020F0302020204030204" pitchFamily="34" charset="0"/>
+                      </a:endParaRPr>
+                    </a:p>
+                  </a:txBody>
+                  <a:tcPr marL="9525" marR="9525" marT="9525" marB="0" anchor="ctr"/>
+                </a:tc>
+                <a:tc>
+                  <a:txBody>
+                    <a:bodyPr/>
+                    <a:lstStyle/>
+                    <a:p>
+                      <a:pPr algn="ctr" fontAlgn="ctr"/>
+                      <a:r>
+                        <a:rPr lang="en-US" sz="1000" u="none" strike="noStrike">
+                          <a:effectLst/>
+                        </a:rPr>
+                        <a:t>96</a:t>
+                      </a:r>
+                      <a:endParaRPr lang="en-US" sz="1000" b="0" i="0" u="none" strike="noStrike">
+                        <a:solidFill>
+                          <a:srgbClr val="000000"/>
+                        </a:solidFill>
+                        <a:effectLst/>
+                        <a:latin typeface="Calibri Light" panose="020F0302020204030204" pitchFamily="34" charset="0"/>
+                      </a:endParaRPr>
+                    </a:p>
+                  </a:txBody>
+                  <a:tcPr marL="9525" marR="9525" marT="9525" marB="0" anchor="ctr"/>
+                </a:tc>
+                <a:tc>
+                  <a:txBody>
+                    <a:bodyPr/>
+                    <a:lstStyle/>
+                    <a:p>
+                      <a:pPr algn="ctr" fontAlgn="ctr"/>
+                      <a:r>
+                        <a:rPr lang="en-US" sz="1000" u="none" strike="noStrike">
+                          <a:effectLst/>
+                        </a:rPr>
+                        <a:t>96</a:t>
+                      </a:r>
+                      <a:endParaRPr lang="en-US" sz="1000" b="0" i="0" u="none" strike="noStrike">
+                        <a:solidFill>
+                          <a:srgbClr val="000000"/>
+                        </a:solidFill>
+                        <a:effectLst/>
+                        <a:latin typeface="Arial Narrow" panose="020B0606020202030204" pitchFamily="34" charset="0"/>
+                      </a:endParaRPr>
+                    </a:p>
+                  </a:txBody>
+                  <a:tcPr marL="9525" marR="9525" marT="9525" marB="0" anchor="ctr"/>
+                </a:tc>
+                <a:tc>
+                  <a:txBody>
+                    <a:bodyPr/>
+                    <a:lstStyle/>
+                    <a:p>
+                      <a:pPr algn="ctr" fontAlgn="ctr"/>
+                      <a:r>
+                        <a:rPr lang="en-US" sz="1000" u="none" strike="noStrike">
+                          <a:effectLst/>
+                        </a:rPr>
+                        <a:t>97</a:t>
+                      </a:r>
+                      <a:endParaRPr lang="en-US" sz="1000" b="0" i="0" u="none" strike="noStrike">
+                        <a:solidFill>
+                          <a:srgbClr val="000000"/>
+                        </a:solidFill>
+                        <a:effectLst/>
+                        <a:latin typeface="Arial Narrow" panose="020B0606020202030204" pitchFamily="34" charset="0"/>
+                      </a:endParaRPr>
+                    </a:p>
+                  </a:txBody>
+                  <a:tcPr marL="9525" marR="9525" marT="9525" marB="0" anchor="ctr"/>
+                </a:tc>
+                <a:extLst>
+                  <a:ext uri="{0D108BD9-81ED-4DB2-BD59-A6C34878D82A}">
+                    <a16:rowId xmlns:a16="http://schemas.microsoft.com/office/drawing/2014/main" val="3177012891"/>
+                  </a:ext>
+                </a:extLst>
+              </a:tr>
+              <a:tr h="354479">
+                <a:tc>
+                  <a:txBody>
+                    <a:bodyPr/>
+                    <a:lstStyle/>
+                    <a:p>
+                      <a:pPr algn="ctr" fontAlgn="ctr"/>
+                      <a:r>
+                        <a:rPr lang="en-US" sz="1000" u="none" strike="noStrike">
+                          <a:effectLst/>
+                        </a:rPr>
+                        <a:t>57</a:t>
+                      </a:r>
+                      <a:endParaRPr lang="en-US" sz="1000" b="0" i="0" u="none" strike="noStrike">
+                        <a:solidFill>
+                          <a:srgbClr val="000000"/>
+                        </a:solidFill>
+                        <a:effectLst/>
+                        <a:latin typeface="Calibri Light" panose="020F0302020204030204" pitchFamily="34" charset="0"/>
+                      </a:endParaRPr>
+                    </a:p>
+                  </a:txBody>
+                  <a:tcPr marL="9525" marR="9525" marT="9525" marB="0" anchor="ctr"/>
+                </a:tc>
+                <a:tc>
+                  <a:txBody>
+                    <a:bodyPr/>
+                    <a:lstStyle/>
+                    <a:p>
+                      <a:pPr algn="ctr" fontAlgn="ctr"/>
+                      <a:r>
+                        <a:rPr lang="en-US" sz="1000" u="none" strike="noStrike">
+                          <a:effectLst/>
+                        </a:rPr>
+                        <a:t>60</a:t>
+                      </a:r>
+                      <a:endParaRPr lang="en-US" sz="1000" b="0" i="0" u="none" strike="noStrike">
+                        <a:solidFill>
+                          <a:srgbClr val="000000"/>
+                        </a:solidFill>
+                        <a:effectLst/>
+                        <a:latin typeface="Arial Narrow" panose="020B0606020202030204" pitchFamily="34" charset="0"/>
+                      </a:endParaRPr>
+                    </a:p>
+                  </a:txBody>
+                  <a:tcPr marL="9525" marR="9525" marT="9525" marB="0" anchor="ctr"/>
+                </a:tc>
+                <a:tc>
+                  <a:txBody>
+                    <a:bodyPr/>
+                    <a:lstStyle/>
+                    <a:p>
+                      <a:pPr algn="ctr" fontAlgn="ctr"/>
+                      <a:r>
+                        <a:rPr lang="en-US" sz="1000" u="none" strike="noStrike">
+                          <a:effectLst/>
+                        </a:rPr>
+                        <a:t>62</a:t>
+                      </a:r>
+                      <a:endParaRPr lang="en-US" sz="1000" b="0" i="0" u="none" strike="noStrike">
+                        <a:solidFill>
+                          <a:srgbClr val="000000"/>
+                        </a:solidFill>
+                        <a:effectLst/>
+                        <a:latin typeface="Arial Narrow" panose="020B0606020202030204" pitchFamily="34" charset="0"/>
+                      </a:endParaRPr>
+                    </a:p>
+                  </a:txBody>
+                  <a:tcPr marL="9525" marR="9525" marT="9525" marB="0" anchor="ctr"/>
+                </a:tc>
+                <a:tc>
+                  <a:txBody>
+                    <a:bodyPr/>
+                    <a:lstStyle/>
+                    <a:p>
+                      <a:pPr algn="ctr" fontAlgn="ctr"/>
+                      <a:r>
+                        <a:rPr lang="en-US" sz="1000" u="none" strike="noStrike">
+                          <a:effectLst/>
+                        </a:rPr>
+                        <a:t>63</a:t>
+                      </a:r>
+                      <a:endParaRPr lang="en-US" sz="1000" b="0" i="0" u="none" strike="noStrike">
+                        <a:solidFill>
+                          <a:srgbClr val="000000"/>
+                        </a:solidFill>
+                        <a:effectLst/>
+                        <a:latin typeface="Arial Narrow" panose="020B0606020202030204" pitchFamily="34" charset="0"/>
+                      </a:endParaRPr>
+                    </a:p>
+                  </a:txBody>
+                  <a:tcPr marL="9525" marR="9525" marT="9525" marB="0" anchor="ctr"/>
+                </a:tc>
+                <a:tc>
+                  <a:txBody>
+                    <a:bodyPr/>
+                    <a:lstStyle/>
+                    <a:p>
+                      <a:pPr algn="ctr" fontAlgn="ctr"/>
+                      <a:r>
+                        <a:rPr lang="en-US" sz="1000" u="none" strike="noStrike">
+                          <a:effectLst/>
+                        </a:rPr>
+                        <a:t>66</a:t>
+                      </a:r>
+                      <a:endParaRPr lang="en-US" sz="1000" b="0" i="0" u="none" strike="noStrike">
+                        <a:solidFill>
+                          <a:srgbClr val="000000"/>
+                        </a:solidFill>
+                        <a:effectLst/>
+                        <a:latin typeface="Calibri Light" panose="020F0302020204030204" pitchFamily="34" charset="0"/>
+                      </a:endParaRPr>
+                    </a:p>
+                  </a:txBody>
+                  <a:tcPr marL="9525" marR="9525" marT="9525" marB="0" anchor="ctr"/>
+                </a:tc>
+                <a:tc>
+                  <a:txBody>
+                    <a:bodyPr/>
+                    <a:lstStyle/>
+                    <a:p>
+                      <a:pPr algn="ctr" fontAlgn="ctr"/>
+                      <a:r>
+                        <a:rPr lang="en-US" sz="1000" u="none" strike="noStrike">
+                          <a:effectLst/>
+                        </a:rPr>
+                        <a:t>70</a:t>
+                      </a:r>
+                      <a:endParaRPr lang="en-US" sz="1000" b="0" i="0" u="none" strike="noStrike">
+                        <a:solidFill>
+                          <a:srgbClr val="000000"/>
+                        </a:solidFill>
+                        <a:effectLst/>
+                        <a:latin typeface="Calibri Light" panose="020F0302020204030204" pitchFamily="34" charset="0"/>
+                      </a:endParaRPr>
+                    </a:p>
+                  </a:txBody>
+                  <a:tcPr marL="9525" marR="9525" marT="9525" marB="0" anchor="ctr"/>
+                </a:tc>
+                <a:tc>
+                  <a:txBody>
+                    <a:bodyPr/>
+                    <a:lstStyle/>
+                    <a:p>
+                      <a:pPr algn="ctr" fontAlgn="ctr"/>
+                      <a:r>
+                        <a:rPr lang="en-US" sz="1000" u="none" strike="noStrike">
+                          <a:effectLst/>
+                        </a:rPr>
+                        <a:t>74</a:t>
+                      </a:r>
+                      <a:endParaRPr lang="en-US" sz="1000" b="0" i="0" u="none" strike="noStrike">
+                        <a:solidFill>
+                          <a:srgbClr val="000000"/>
+                        </a:solidFill>
+                        <a:effectLst/>
+                        <a:latin typeface="Calibri Light" panose="020F0302020204030204" pitchFamily="34" charset="0"/>
+                      </a:endParaRPr>
+                    </a:p>
+                  </a:txBody>
+                  <a:tcPr marL="9525" marR="9525" marT="9525" marB="0" anchor="ctr"/>
+                </a:tc>
+                <a:tc>
+                  <a:txBody>
+                    <a:bodyPr/>
+                    <a:lstStyle/>
+                    <a:p>
+                      <a:pPr algn="ctr" fontAlgn="ctr"/>
+                      <a:r>
+                        <a:rPr lang="en-US" sz="1000" u="none" strike="noStrike">
+                          <a:effectLst/>
+                        </a:rPr>
+                        <a:t>78</a:t>
+                      </a:r>
+                      <a:endParaRPr lang="en-US" sz="1000" b="0" i="0" u="none" strike="noStrike">
+                        <a:solidFill>
+                          <a:srgbClr val="000000"/>
+                        </a:solidFill>
+                        <a:effectLst/>
+                        <a:latin typeface="Calibri Light" panose="020F0302020204030204" pitchFamily="34" charset="0"/>
+                      </a:endParaRPr>
+                    </a:p>
+                  </a:txBody>
+                  <a:tcPr marL="9525" marR="9525" marT="9525" marB="0" anchor="ctr"/>
+                </a:tc>
+                <a:tc>
+                  <a:txBody>
+                    <a:bodyPr/>
+                    <a:lstStyle/>
+                    <a:p>
+                      <a:pPr algn="ctr" fontAlgn="ctr"/>
+                      <a:r>
+                        <a:rPr lang="en-US" sz="1000" u="none" strike="noStrike">
+                          <a:effectLst/>
+                        </a:rPr>
+                        <a:t>79</a:t>
+                      </a:r>
+                      <a:endParaRPr lang="en-US" sz="1000" b="0" i="0" u="none" strike="noStrike">
+                        <a:solidFill>
+                          <a:srgbClr val="000000"/>
+                        </a:solidFill>
+                        <a:effectLst/>
+                        <a:latin typeface="Arial Narrow" panose="020B0606020202030204" pitchFamily="34" charset="0"/>
+                      </a:endParaRPr>
+                    </a:p>
+                  </a:txBody>
+                  <a:tcPr marL="9525" marR="9525" marT="9525" marB="0" anchor="ctr"/>
+                </a:tc>
+                <a:tc>
+                  <a:txBody>
+                    <a:bodyPr/>
+                    <a:lstStyle/>
+                    <a:p>
+                      <a:pPr algn="ctr" fontAlgn="ctr"/>
+                      <a:r>
+                        <a:rPr lang="en-US" sz="1000" u="none" strike="noStrike" dirty="0">
+                          <a:effectLst/>
+                        </a:rPr>
+                        <a:t>80</a:t>
+                      </a:r>
+                      <a:endParaRPr lang="en-US" sz="1000" b="0" i="0" u="none" strike="noStrike" dirty="0">
+                        <a:solidFill>
+                          <a:srgbClr val="000000"/>
+                        </a:solidFill>
+                        <a:effectLst/>
+                        <a:latin typeface="Calibri Light" panose="020F0302020204030204" pitchFamily="34" charset="0"/>
+                      </a:endParaRPr>
+                    </a:p>
+                  </a:txBody>
+                  <a:tcPr marL="9525" marR="9525" marT="9525" marB="0" anchor="ctr"/>
+                </a:tc>
+                <a:extLst>
+                  <a:ext uri="{0D108BD9-81ED-4DB2-BD59-A6C34878D82A}">
+                    <a16:rowId xmlns:a16="http://schemas.microsoft.com/office/drawing/2014/main" val="3346879304"/>
+                  </a:ext>
+                </a:extLst>
+              </a:tr>
+            </a:tbl>
+          </a:graphicData>
+        </a:graphic>
+      </p:graphicFrame>
     </p:spTree>
     <p:extLst>
       <p:ext uri="{BB962C8B-B14F-4D97-AF65-F5344CB8AC3E}">
@@ -6673,20 +7935,20 @@
           <p:nvPr>
             <p:extLst>
               <p:ext uri="{D42A27DB-BD31-4B8C-83A1-F6EECF244321}">
-                <p14:modId xmlns:p14="http://schemas.microsoft.com/office/powerpoint/2010/main" val="3858224864"/>
+                <p14:modId xmlns:p14="http://schemas.microsoft.com/office/powerpoint/2010/main" val="2973713887"/>
               </p:ext>
             </p:extLst>
           </p:nvPr>
         </p:nvGraphicFramePr>
         <p:xfrm>
-          <a:off x="1524000" y="2095500"/>
+          <a:off x="1187624" y="2211710"/>
           <a:ext cx="6096000" cy="1844400"/>
         </p:xfrm>
         <a:graphic>
           <a:graphicData uri="http://schemas.openxmlformats.org/drawingml/2006/table">
             <a:tbl>
               <a:tblPr>
-                <a:tableStyleId>{793D81CF-94F2-401A-BA57-92F5A7B2D0C5}</a:tableStyleId>
+                <a:tableStyleId>{616DA210-FB5B-4158-B5E0-FEB733F419BA}</a:tableStyleId>
               </a:tblPr>
               <a:tblGrid>
                 <a:gridCol w="609600">
@@ -6768,12 +8030,12 @@
                     <a:p>
                       <a:pPr algn="ctr" fontAlgn="ctr"/>
                       <a:r>
-                        <a:rPr lang="en-US" sz="1200" b="1" u="none" strike="noStrike" dirty="0">
+                        <a:rPr lang="en-US" sz="1400" b="1" u="none" strike="noStrike" dirty="0">
                           <a:effectLst/>
                         </a:rPr>
                         <a:t>57</a:t>
                       </a:r>
-                      <a:endParaRPr lang="en-US" sz="1200" b="1" i="0" u="none" strike="noStrike" dirty="0">
+                      <a:endParaRPr lang="en-US" sz="1400" b="1" i="0" u="none" strike="noStrike" dirty="0">
                         <a:solidFill>
                           <a:srgbClr val="000000"/>
                         </a:solidFill>
@@ -7548,12 +8810,12 @@
                     <a:p>
                       <a:pPr algn="ctr" fontAlgn="ctr"/>
                       <a:r>
-                        <a:rPr lang="en-US" sz="1000" u="none" strike="noStrike">
+                        <a:rPr lang="en-US" sz="1000" u="none" strike="noStrike" dirty="0">
                           <a:effectLst/>
                         </a:rPr>
                         <a:t>92</a:t>
                       </a:r>
-                      <a:endParaRPr lang="en-US" sz="1000" b="0" i="0" u="none" strike="noStrike">
+                      <a:endParaRPr lang="en-US" sz="1000" b="0" i="0" u="none" strike="noStrike" dirty="0">
                         <a:solidFill>
                           <a:srgbClr val="000000"/>
                         </a:solidFill>
@@ -7923,12 +9185,12 @@
                     <a:p>
                       <a:pPr algn="ctr" fontAlgn="ctr"/>
                       <a:r>
-                        <a:rPr lang="en-US" sz="1200" b="1" u="none" strike="noStrike" dirty="0">
+                        <a:rPr lang="en-US" sz="1400" b="1" u="none" strike="noStrike" dirty="0">
                           <a:effectLst/>
                         </a:rPr>
                         <a:t>97</a:t>
                       </a:r>
-                      <a:endParaRPr lang="en-US" sz="1200" b="1" i="0" u="none" strike="noStrike" dirty="0">
+                      <a:endParaRPr lang="en-US" sz="1400" b="1" i="0" u="none" strike="noStrike" dirty="0">
                         <a:solidFill>
                           <a:srgbClr val="000000"/>
                         </a:solidFill>
@@ -8072,7 +9334,7 @@
         </p:nvSpPr>
         <p:spPr>
           <a:xfrm>
-            <a:off x="827584" y="1532860"/>
+            <a:off x="755576" y="1552025"/>
             <a:ext cx="4113410" cy="400110"/>
           </a:xfrm>
           <a:prstGeom prst="rect">
@@ -8131,7 +9393,7 @@
         </p:nvSpPr>
         <p:spPr>
           <a:xfrm>
-            <a:off x="834919" y="2202418"/>
+            <a:off x="1093837" y="2240747"/>
             <a:ext cx="3344377" cy="307777"/>
           </a:xfrm>
           <a:prstGeom prst="rect">
@@ -8178,7 +9440,7 @@
         </p:nvSpPr>
         <p:spPr>
           <a:xfrm>
-            <a:off x="856698" y="2687310"/>
+            <a:off x="1115616" y="2725639"/>
             <a:ext cx="1471878" cy="307777"/>
           </a:xfrm>
           <a:prstGeom prst="rect">
@@ -8212,7 +9474,7 @@
         </p:nvSpPr>
         <p:spPr>
           <a:xfrm>
-            <a:off x="856698" y="3172202"/>
+            <a:off x="1115616" y="3210531"/>
             <a:ext cx="1114408" cy="307777"/>
           </a:xfrm>
           <a:prstGeom prst="rect">
@@ -8355,7 +9617,7 @@
         </p:nvSpPr>
         <p:spPr>
           <a:xfrm>
-            <a:off x="827584" y="1532860"/>
+            <a:off x="611560" y="1543768"/>
             <a:ext cx="4113410" cy="400110"/>
           </a:xfrm>
           <a:prstGeom prst="rect">
@@ -8380,7 +9642,7 @@
               <a:rPr lang="en-US" sz="2000" dirty="0" err="1">
                 <a:sym typeface="Wingdings" panose="05000000000000000000" pitchFamily="2" charset="2"/>
               </a:rPr>
-              <a:t>Membuat</a:t>
+              <a:t>Jumlah</a:t>
             </a:r>
             <a:r>
               <a:rPr lang="en-US" sz="2000" dirty="0">
@@ -8392,19 +9654,13 @@
               <a:rPr lang="en-US" sz="2000" dirty="0" err="1">
                 <a:sym typeface="Wingdings" panose="05000000000000000000" pitchFamily="2" charset="2"/>
               </a:rPr>
-              <a:t>tabel</a:t>
+              <a:t>kelas</a:t>
             </a:r>
             <a:r>
               <a:rPr lang="en-US" sz="2000" dirty="0">
                 <a:sym typeface="Wingdings" panose="05000000000000000000" pitchFamily="2" charset="2"/>
               </a:rPr>
-              <a:t> </a:t>
-            </a:r>
-            <a:r>
-              <a:rPr lang="en-US" sz="2000" dirty="0" err="1">
-                <a:sym typeface="Wingdings" panose="05000000000000000000" pitchFamily="2" charset="2"/>
-              </a:rPr>
-              <a:t>frekuensi</a:t>
+              <a:t> dan interval</a:t>
             </a:r>
             <a:endParaRPr lang="en-US" altLang="ko-KR" sz="2000" dirty="0">
               <a:solidFill>
@@ -8466,7 +9722,7 @@
         </p:nvSpPr>
         <p:spPr>
           <a:xfrm>
-            <a:off x="2434938" y="2504428"/>
+            <a:off x="2416429" y="2500072"/>
             <a:ext cx="2146742" cy="369332"/>
           </a:xfrm>
           <a:prstGeom prst="rect">
@@ -8500,7 +9756,7 @@
         </p:nvSpPr>
         <p:spPr>
           <a:xfrm>
-            <a:off x="2481999" y="2899932"/>
+            <a:off x="2416429" y="2880312"/>
             <a:ext cx="1729961" cy="369332"/>
           </a:xfrm>
           <a:prstGeom prst="rect">
@@ -8576,7 +9832,7 @@
         </p:nvSpPr>
         <p:spPr>
           <a:xfrm>
-            <a:off x="2511038" y="3260552"/>
+            <a:off x="2416429" y="3244297"/>
             <a:ext cx="511679" cy="369332"/>
           </a:xfrm>
           <a:prstGeom prst="rect">
@@ -8610,7 +9866,7 @@
         </p:nvSpPr>
         <p:spPr>
           <a:xfrm>
-            <a:off x="5611621" y="2515630"/>
+            <a:off x="5611621" y="2485100"/>
             <a:ext cx="960519" cy="369332"/>
           </a:xfrm>
           <a:prstGeom prst="rect">
@@ -8644,7 +9900,7 @@
         </p:nvSpPr>
         <p:spPr>
           <a:xfrm>
-            <a:off x="5611621" y="2899932"/>
+            <a:off x="5611621" y="2848243"/>
             <a:ext cx="1409360" cy="369332"/>
           </a:xfrm>
           <a:prstGeom prst="rect">
@@ -8678,7 +9934,7 @@
         </p:nvSpPr>
         <p:spPr>
           <a:xfrm>
-            <a:off x="5611621" y="3284234"/>
+            <a:off x="5611621" y="3208203"/>
             <a:ext cx="575799" cy="369332"/>
           </a:xfrm>
           <a:prstGeom prst="rect">

--- a/Presentasi-Statistika-kelompok-3.pptx
+++ b/Presentasi-Statistika-kelompok-3.pptx
@@ -7,7 +7,7 @@
     <p:sldMasterId id="2147483653" r:id="rId3"/>
   </p:sldMasterIdLst>
   <p:notesMasterIdLst>
-    <p:notesMasterId r:id="rId21"/>
+    <p:notesMasterId r:id="rId23"/>
   </p:notesMasterIdLst>
   <p:sldIdLst>
     <p:sldId id="256" r:id="rId4"/>
@@ -27,6 +27,8 @@
     <p:sldId id="306" r:id="rId18"/>
     <p:sldId id="307" r:id="rId19"/>
     <p:sldId id="308" r:id="rId20"/>
+    <p:sldId id="309" r:id="rId21"/>
+    <p:sldId id="310" r:id="rId22"/>
   </p:sldIdLst>
   <p:sldSz cx="9144000" cy="5143500" type="screen16x9"/>
   <p:notesSz cx="6858000" cy="9144000"/>
@@ -226,7 +228,7 @@
           <a:p>
             <a:fld id="{97273010-0C30-4B03-852F-88C703C2F448}" type="datetimeFigureOut">
               <a:rPr lang="en-US" smtClean="0"/>
-              <a:t>11/23/2019</a:t>
+              <a:t>11/24/2019</a:t>
             </a:fld>
             <a:endParaRPr lang="en-US"/>
           </a:p>
@@ -10671,6 +10673,5622 @@
     <p:extLst>
       <p:ext uri="{BB962C8B-B14F-4D97-AF65-F5344CB8AC3E}">
         <p14:creationId xmlns:p14="http://schemas.microsoft.com/office/powerpoint/2010/main" val="2385483978"/>
+      </p:ext>
+    </p:extLst>
+  </p:cSld>
+  <p:clrMapOvr>
+    <a:masterClrMapping/>
+  </p:clrMapOvr>
+</p:sld>
+</file>
+
+<file path=ppt/slides/slide18.xml><?xml version="1.0" encoding="utf-8"?>
+<p:sld xmlns:a="http://schemas.openxmlformats.org/drawingml/2006/main" xmlns:r="http://schemas.openxmlformats.org/officeDocument/2006/relationships" xmlns:p="http://schemas.openxmlformats.org/presentationml/2006/main">
+  <p:cSld>
+    <p:spTree>
+      <p:nvGrpSpPr>
+        <p:cNvPr id="1" name=""/>
+        <p:cNvGrpSpPr/>
+        <p:nvPr/>
+      </p:nvGrpSpPr>
+      <p:grpSpPr>
+        <a:xfrm>
+          <a:off x="0" y="0"/>
+          <a:ext cx="0" cy="0"/>
+          <a:chOff x="0" y="0"/>
+          <a:chExt cx="0" cy="0"/>
+        </a:xfrm>
+      </p:grpSpPr>
+      <p:sp>
+        <p:nvSpPr>
+          <p:cNvPr id="2" name="Text Placeholder 1">
+            <a:extLst>
+              <a:ext uri="{FF2B5EF4-FFF2-40B4-BE49-F238E27FC236}">
+                <a16:creationId xmlns:a16="http://schemas.microsoft.com/office/drawing/2014/main" id="{0473AE43-C7F9-4584-A8DD-E832B858E4DA}"/>
+              </a:ext>
+            </a:extLst>
+          </p:cNvPr>
+          <p:cNvSpPr>
+            <a:spLocks noGrp="1"/>
+          </p:cNvSpPr>
+          <p:nvPr>
+            <p:ph type="body" sz="quarter" idx="10"/>
+          </p:nvPr>
+        </p:nvSpPr>
+        <p:spPr/>
+        <p:txBody>
+          <a:bodyPr/>
+          <a:lstStyle/>
+          <a:p>
+            <a:r>
+              <a:rPr lang="en-ID" dirty="0" err="1"/>
+              <a:t>Studi</a:t>
+            </a:r>
+            <a:r>
+              <a:rPr lang="en-ID" dirty="0"/>
+              <a:t> </a:t>
+            </a:r>
+            <a:r>
+              <a:rPr lang="en-ID" dirty="0" err="1"/>
+              <a:t>Kasus</a:t>
+            </a:r>
+            <a:endParaRPr lang="en-ID" dirty="0"/>
+          </a:p>
+        </p:txBody>
+      </p:sp>
+      <p:sp>
+        <p:nvSpPr>
+          <p:cNvPr id="3" name="Text Placeholder 2">
+            <a:extLst>
+              <a:ext uri="{FF2B5EF4-FFF2-40B4-BE49-F238E27FC236}">
+                <a16:creationId xmlns:a16="http://schemas.microsoft.com/office/drawing/2014/main" id="{6D500731-E0BB-4876-9894-2FF0535FA48C}"/>
+              </a:ext>
+            </a:extLst>
+          </p:cNvPr>
+          <p:cNvSpPr>
+            <a:spLocks noGrp="1"/>
+          </p:cNvSpPr>
+          <p:nvPr>
+            <p:ph type="body" sz="quarter" idx="11"/>
+          </p:nvPr>
+        </p:nvSpPr>
+        <p:spPr/>
+        <p:txBody>
+          <a:bodyPr/>
+          <a:lstStyle/>
+          <a:p>
+            <a:r>
+              <a:rPr lang="en-US" b="1" dirty="0" err="1"/>
+              <a:t>Tabel</a:t>
+            </a:r>
+            <a:r>
+              <a:rPr lang="en-US" b="1" dirty="0"/>
+              <a:t> data </a:t>
+            </a:r>
+            <a:r>
+              <a:rPr lang="en-US" b="1" dirty="0" err="1"/>
+              <a:t>nilai</a:t>
+            </a:r>
+            <a:r>
+              <a:rPr lang="en-US" b="1" dirty="0"/>
+              <a:t> </a:t>
+            </a:r>
+            <a:r>
+              <a:rPr lang="en-US" b="1" dirty="0" err="1"/>
+              <a:t>ujian</a:t>
+            </a:r>
+            <a:r>
+              <a:rPr lang="en-US" b="1" dirty="0"/>
+              <a:t> Pelajaran Agama Islam 50 </a:t>
+            </a:r>
+            <a:r>
+              <a:rPr lang="en-US" b="1" dirty="0" err="1"/>
+              <a:t>Siswa</a:t>
+            </a:r>
+            <a:endParaRPr lang="en-US" altLang="ko-KR" b="1" dirty="0"/>
+          </a:p>
+        </p:txBody>
+      </p:sp>
+      <mc:AlternateContent xmlns:mc="http://schemas.openxmlformats.org/markup-compatibility/2006">
+        <mc:Choice xmlns:a14="http://schemas.microsoft.com/office/drawing/2010/main" Requires="a14">
+          <p:graphicFrame>
+            <p:nvGraphicFramePr>
+              <p:cNvPr id="4" name="Table 8">
+                <a:extLst>
+                  <a:ext uri="{FF2B5EF4-FFF2-40B4-BE49-F238E27FC236}">
+                    <a16:creationId xmlns:a16="http://schemas.microsoft.com/office/drawing/2014/main" id="{4311D5D7-8FC9-4121-A0C4-7A6C0254C3B2}"/>
+                  </a:ext>
+                </a:extLst>
+              </p:cNvPr>
+              <p:cNvGraphicFramePr>
+                <a:graphicFrameLocks noGrp="1"/>
+              </p:cNvGraphicFramePr>
+              <p:nvPr>
+                <p:extLst>
+                  <p:ext uri="{D42A27DB-BD31-4B8C-83A1-F6EECF244321}">
+                    <p14:modId xmlns:p14="http://schemas.microsoft.com/office/powerpoint/2010/main" val="2802141656"/>
+                  </p:ext>
+                </p:extLst>
+              </p:nvPr>
+            </p:nvGraphicFramePr>
+            <p:xfrm>
+              <a:off x="251520" y="2427734"/>
+              <a:ext cx="4551879" cy="2464488"/>
+            </p:xfrm>
+            <a:graphic>
+              <a:graphicData uri="http://schemas.openxmlformats.org/drawingml/2006/table">
+                <a:tbl>
+                  <a:tblPr firstRow="1" bandRow="1">
+                    <a:tableStyleId>{5940675A-B579-460E-94D1-54222C63F5DA}</a:tableStyleId>
+                  </a:tblPr>
+                  <a:tblGrid>
+                    <a:gridCol w="792088">
+                      <a:extLst>
+                        <a:ext uri="{9D8B030D-6E8A-4147-A177-3AD203B41FA5}">
+                          <a16:colId xmlns:a16="http://schemas.microsoft.com/office/drawing/2014/main" val="826942558"/>
+                        </a:ext>
+                      </a:extLst>
+                    </a:gridCol>
+                    <a:gridCol w="792088">
+                      <a:extLst>
+                        <a:ext uri="{9D8B030D-6E8A-4147-A177-3AD203B41FA5}">
+                          <a16:colId xmlns:a16="http://schemas.microsoft.com/office/drawing/2014/main" val="2654156341"/>
+                        </a:ext>
+                      </a:extLst>
+                    </a:gridCol>
+                    <a:gridCol w="792088">
+                      <a:extLst>
+                        <a:ext uri="{9D8B030D-6E8A-4147-A177-3AD203B41FA5}">
+                          <a16:colId xmlns:a16="http://schemas.microsoft.com/office/drawing/2014/main" val="1027424304"/>
+                        </a:ext>
+                      </a:extLst>
+                    </a:gridCol>
+                    <a:gridCol w="720080">
+                      <a:extLst>
+                        <a:ext uri="{9D8B030D-6E8A-4147-A177-3AD203B41FA5}">
+                          <a16:colId xmlns:a16="http://schemas.microsoft.com/office/drawing/2014/main" val="2083360625"/>
+                        </a:ext>
+                      </a:extLst>
+                    </a:gridCol>
+                    <a:gridCol w="663447">
+                      <a:extLst>
+                        <a:ext uri="{9D8B030D-6E8A-4147-A177-3AD203B41FA5}">
+                          <a16:colId xmlns:a16="http://schemas.microsoft.com/office/drawing/2014/main" val="1203204787"/>
+                        </a:ext>
+                      </a:extLst>
+                    </a:gridCol>
+                    <a:gridCol w="792088">
+                      <a:extLst>
+                        <a:ext uri="{9D8B030D-6E8A-4147-A177-3AD203B41FA5}">
+                          <a16:colId xmlns:a16="http://schemas.microsoft.com/office/drawing/2014/main" val="1135390738"/>
+                        </a:ext>
+                      </a:extLst>
+                    </a:gridCol>
+                  </a:tblGrid>
+                  <a:tr h="273832">
+                    <a:tc>
+                      <a:txBody>
+                        <a:bodyPr/>
+                        <a:lstStyle/>
+                        <a:p>
+                          <a:pPr algn="ctr" fontAlgn="ctr"/>
+                          <a:r>
+                            <a:rPr lang="en-ID" sz="1100" b="0" i="0" u="none" strike="noStrike" dirty="0" err="1">
+                              <a:solidFill>
+                                <a:srgbClr val="000000"/>
+                              </a:solidFill>
+                              <a:effectLst/>
+                              <a:latin typeface="Calibri" panose="020F0502020204030204" pitchFamily="34" charset="0"/>
+                            </a:rPr>
+                            <a:t>Periode</a:t>
+                          </a:r>
+                          <a:endParaRPr lang="en-ID" sz="1100" b="0" i="0" u="none" strike="noStrike" dirty="0">
+                            <a:solidFill>
+                              <a:srgbClr val="000000"/>
+                            </a:solidFill>
+                            <a:effectLst/>
+                            <a:latin typeface="Calibri" panose="020F0502020204030204" pitchFamily="34" charset="0"/>
+                          </a:endParaRPr>
+                        </a:p>
+                      </a:txBody>
+                      <a:tcPr marL="0" marR="0" marT="0" marB="0" anchor="ctr"/>
+                    </a:tc>
+                    <a:tc>
+                      <a:txBody>
+                        <a:bodyPr/>
+                        <a:lstStyle/>
+                        <a:p>
+                          <a:pPr algn="ctr" fontAlgn="ctr"/>
+                          <a:r>
+                            <a:rPr lang="en-ID" sz="1100" b="0" i="0" u="none" strike="noStrike" dirty="0">
+                              <a:solidFill>
+                                <a:srgbClr val="000000"/>
+                              </a:solidFill>
+                              <a:effectLst/>
+                              <a:latin typeface="Calibri" panose="020F0502020204030204" pitchFamily="34" charset="0"/>
+                            </a:rPr>
+                            <a:t>F</a:t>
+                          </a:r>
+                        </a:p>
+                      </a:txBody>
+                      <a:tcPr marL="0" marR="0" marT="0" marB="0" anchor="ctr"/>
+                    </a:tc>
+                    <a:tc>
+                      <a:txBody>
+                        <a:bodyPr/>
+                        <a:lstStyle/>
+                        <a:p>
+                          <a:pPr algn="ctr" fontAlgn="b"/>
+                          <a:r>
+                            <a:rPr lang="en-US" sz="1100" b="0" i="0" u="none" strike="noStrike" dirty="0">
+                              <a:solidFill>
+                                <a:srgbClr val="000000"/>
+                              </a:solidFill>
+                              <a:effectLst/>
+                              <a:latin typeface="Calibri" panose="020F0502020204030204" pitchFamily="34" charset="0"/>
+                            </a:rPr>
+                            <a:t>x</a:t>
+                          </a:r>
+                          <a:endParaRPr lang="en-ID" sz="1100" b="0" i="0" u="none" strike="noStrike" dirty="0">
+                            <a:solidFill>
+                              <a:srgbClr val="000000"/>
+                            </a:solidFill>
+                            <a:effectLst/>
+                            <a:latin typeface="Calibri" panose="020F0502020204030204" pitchFamily="34" charset="0"/>
+                          </a:endParaRPr>
+                        </a:p>
+                      </a:txBody>
+                      <a:tcPr marL="0" marR="0" marT="0" marB="0" anchor="ctr"/>
+                    </a:tc>
+                    <a:tc>
+                      <a:txBody>
+                        <a:bodyPr/>
+                        <a:lstStyle/>
+                        <a:p>
+                          <a:pPr algn="ctr" fontAlgn="b"/>
+                          <a:r>
+                            <a:rPr lang="en-US" sz="1100" b="0" i="0" u="none" strike="noStrike" dirty="0" err="1">
+                              <a:solidFill>
+                                <a:srgbClr val="000000"/>
+                              </a:solidFill>
+                              <a:effectLst/>
+                              <a:latin typeface="Calibri" panose="020F0502020204030204" pitchFamily="34" charset="0"/>
+                            </a:rPr>
+                            <a:t>F.x</a:t>
+                          </a:r>
+                          <a:endParaRPr lang="en-ID" sz="1100" b="0" i="0" u="none" strike="noStrike" dirty="0">
+                            <a:solidFill>
+                              <a:srgbClr val="000000"/>
+                            </a:solidFill>
+                            <a:effectLst/>
+                            <a:latin typeface="Calibri" panose="020F0502020204030204" pitchFamily="34" charset="0"/>
+                          </a:endParaRPr>
+                        </a:p>
+                      </a:txBody>
+                      <a:tcPr marL="0" marR="0" marT="0" marB="0" anchor="ctr"/>
+                    </a:tc>
+                    <a:tc>
+                      <a:txBody>
+                        <a:bodyPr/>
+                        <a:lstStyle/>
+                        <a:p>
+                          <a:pPr marL="0" marR="0" lvl="0" indent="0" defTabSz="914400" eaLnBrk="1" fontAlgn="auto" latinLnBrk="0" hangingPunct="1">
+                            <a:lnSpc>
+                              <a:spcPct val="100000"/>
+                            </a:lnSpc>
+                            <a:spcBef>
+                              <a:spcPts val="0"/>
+                            </a:spcBef>
+                            <a:spcAft>
+                              <a:spcPts val="0"/>
+                            </a:spcAft>
+                            <a:buClrTx/>
+                            <a:buSzTx/>
+                            <a:buFontTx/>
+                            <a:buNone/>
+                            <a:tabLst/>
+                            <a:defRPr/>
+                          </a:pPr>
+                          <a:r>
+                            <a:rPr kumimoji="0" lang="en-US" sz="1400" b="0" i="0" u="none" strike="noStrike" kern="0" cap="none" spc="0" normalizeH="0" baseline="0" noProof="0" dirty="0">
+                              <a:ln>
+                                <a:noFill/>
+                              </a:ln>
+                              <a:solidFill>
+                                <a:prstClr val="black"/>
+                              </a:solidFill>
+                              <a:effectLst/>
+                              <a:uLnTx/>
+                              <a:uFillTx/>
+                              <a:latin typeface="Calibri" panose="020F0502020204030204"/>
+                              <a:ea typeface="Cambria Math" panose="02040503050406030204" pitchFamily="18" charset="0"/>
+                              <a:cs typeface="+mn-cs"/>
+                            </a:rPr>
+                            <a:t>|</a:t>
+                          </a:r>
+                          <a14:m>
+                            <m:oMath xmlns:m="http://schemas.openxmlformats.org/officeDocument/2006/math">
+                              <m:r>
+                                <a:rPr kumimoji="0" lang="en-US" sz="1400" b="0" i="1" u="none" strike="noStrike" kern="0" cap="none" spc="0" normalizeH="0" baseline="0" noProof="0">
+                                  <a:ln>
+                                    <a:noFill/>
+                                  </a:ln>
+                                  <a:solidFill>
+                                    <a:prstClr val="black"/>
+                                  </a:solidFill>
+                                  <a:effectLst/>
+                                  <a:uLnTx/>
+                                  <a:uFillTx/>
+                                  <a:latin typeface="Cambria Math" panose="02040503050406030204" pitchFamily="18" charset="0"/>
+                                  <a:ea typeface="Cambria Math" panose="02040503050406030204" pitchFamily="18" charset="0"/>
+                                  <a:cs typeface="+mn-cs"/>
+                                </a:rPr>
+                                <m:t>𝑥</m:t>
+                              </m:r>
+                              <m:r>
+                                <a:rPr kumimoji="0" lang="en-US" sz="1400" b="0" i="1" u="none" strike="noStrike" kern="0" cap="none" spc="0" normalizeH="0" baseline="0" noProof="0">
+                                  <a:ln>
+                                    <a:noFill/>
+                                  </a:ln>
+                                  <a:solidFill>
+                                    <a:prstClr val="black"/>
+                                  </a:solidFill>
+                                  <a:effectLst/>
+                                  <a:uLnTx/>
+                                  <a:uFillTx/>
+                                  <a:latin typeface="Cambria Math" panose="02040503050406030204" pitchFamily="18" charset="0"/>
+                                  <a:ea typeface="Cambria Math" panose="02040503050406030204" pitchFamily="18" charset="0"/>
+                                  <a:cs typeface="+mn-cs"/>
+                                </a:rPr>
+                                <m:t>−</m:t>
+                              </m:r>
+                              <m:acc>
+                                <m:accPr>
+                                  <m:chr m:val="̅"/>
+                                  <m:ctrlPr>
+                                    <a:rPr kumimoji="0" lang="en-ID" sz="1400" b="0" i="1" u="none" strike="noStrike" kern="0" cap="none" spc="0" normalizeH="0" baseline="0" noProof="0">
+                                      <a:ln>
+                                        <a:noFill/>
+                                      </a:ln>
+                                      <a:solidFill>
+                                        <a:prstClr val="black"/>
+                                      </a:solidFill>
+                                      <a:effectLst/>
+                                      <a:uLnTx/>
+                                      <a:uFillTx/>
+                                      <a:latin typeface="Cambria Math" panose="02040503050406030204" pitchFamily="18" charset="0"/>
+                                      <a:ea typeface="Cambria Math" panose="02040503050406030204" pitchFamily="18" charset="0"/>
+                                      <a:cs typeface="+mn-cs"/>
+                                    </a:rPr>
+                                  </m:ctrlPr>
+                                </m:accPr>
+                                <m:e>
+                                  <m:r>
+                                    <a:rPr kumimoji="0" lang="en-ID" sz="1400" b="0" i="1" u="none" strike="noStrike" kern="0" cap="none" spc="0" normalizeH="0" baseline="0" noProof="0">
+                                      <a:ln>
+                                        <a:noFill/>
+                                      </a:ln>
+                                      <a:solidFill>
+                                        <a:prstClr val="black"/>
+                                      </a:solidFill>
+                                      <a:effectLst/>
+                                      <a:uLnTx/>
+                                      <a:uFillTx/>
+                                      <a:latin typeface="Cambria Math" panose="02040503050406030204" pitchFamily="18" charset="0"/>
+                                      <a:ea typeface="Cambria Math" panose="02040503050406030204" pitchFamily="18" charset="0"/>
+                                      <a:cs typeface="+mn-cs"/>
+                                    </a:rPr>
+                                    <m:t>𝑥</m:t>
+                                  </m:r>
+                                  <m:r>
+                                    <a:rPr kumimoji="0" lang="en-US" sz="1400" b="0" i="1" u="none" strike="noStrike" kern="0" cap="none" spc="0" normalizeH="0" baseline="0" noProof="0">
+                                      <a:ln>
+                                        <a:noFill/>
+                                      </a:ln>
+                                      <a:solidFill>
+                                        <a:prstClr val="black"/>
+                                      </a:solidFill>
+                                      <a:effectLst/>
+                                      <a:uLnTx/>
+                                      <a:uFillTx/>
+                                      <a:latin typeface="Cambria Math" panose="02040503050406030204" pitchFamily="18" charset="0"/>
+                                      <a:ea typeface="Cambria Math" panose="02040503050406030204" pitchFamily="18" charset="0"/>
+                                      <a:cs typeface="+mn-cs"/>
+                                    </a:rPr>
+                                    <m:t>|</m:t>
+                                  </m:r>
+                                </m:e>
+                              </m:acc>
+                            </m:oMath>
+                          </a14:m>
+                          <a:endParaRPr kumimoji="0" lang="en-ID" sz="1600" b="0" i="0" u="none" strike="noStrike" kern="0" cap="none" spc="0" normalizeH="0" baseline="0" noProof="0" dirty="0">
+                            <a:ln>
+                              <a:noFill/>
+                            </a:ln>
+                            <a:solidFill>
+                              <a:prstClr val="black"/>
+                            </a:solidFill>
+                            <a:effectLst/>
+                            <a:uLnTx/>
+                            <a:uFillTx/>
+                            <a:latin typeface="Calibri" panose="020F0502020204030204"/>
+                            <a:ea typeface="+mn-ea"/>
+                            <a:cs typeface="+mn-cs"/>
+                          </a:endParaRPr>
+                        </a:p>
+                      </a:txBody>
+                      <a:tcPr marL="0" marR="0" marT="0" marB="0" anchor="ctr"/>
+                    </a:tc>
+                    <a:tc>
+                      <a:txBody>
+                        <a:bodyPr/>
+                        <a:lstStyle/>
+                        <a:p>
+                          <a:pPr marL="0" marR="0" lvl="0" indent="0" algn="ctr" defTabSz="914400" rtl="0" eaLnBrk="1" fontAlgn="b" latinLnBrk="1" hangingPunct="1">
+                            <a:lnSpc>
+                              <a:spcPct val="100000"/>
+                            </a:lnSpc>
+                            <a:spcBef>
+                              <a:spcPts val="0"/>
+                            </a:spcBef>
+                            <a:spcAft>
+                              <a:spcPts val="0"/>
+                            </a:spcAft>
+                            <a:buClrTx/>
+                            <a:buSzTx/>
+                            <a:buFontTx/>
+                            <a:buNone/>
+                            <a:tabLst/>
+                            <a:defRPr/>
+                          </a:pPr>
+                          <a14:m>
+                            <m:oMath xmlns:m="http://schemas.openxmlformats.org/officeDocument/2006/math">
+                              <m:r>
+                                <a:rPr lang="en-US" sz="1100" b="0" i="1" smtClean="0">
+                                  <a:latin typeface="Cambria Math" panose="02040503050406030204" pitchFamily="18" charset="0"/>
+                                  <a:ea typeface="Cambria Math" panose="02040503050406030204" pitchFamily="18" charset="0"/>
+                                </a:rPr>
+                                <m:t>𝛴</m:t>
+                              </m:r>
+                              <m:r>
+                                <a:rPr lang="en-US" sz="1100" b="0" i="1" smtClean="0">
+                                  <a:latin typeface="Cambria Math" panose="02040503050406030204" pitchFamily="18" charset="0"/>
+                                  <a:ea typeface="Cambria Math" panose="02040503050406030204" pitchFamily="18" charset="0"/>
+                                </a:rPr>
+                                <m:t>𝐹</m:t>
+                              </m:r>
+                            </m:oMath>
+                          </a14:m>
+                          <a:r>
+                            <a:rPr lang="en-US" sz="1100" b="0" dirty="0">
+                              <a:ea typeface="Cambria Math" panose="02040503050406030204" pitchFamily="18" charset="0"/>
+                            </a:rPr>
+                            <a:t>|</a:t>
+                          </a:r>
+                          <a14:m>
+                            <m:oMath xmlns:m="http://schemas.openxmlformats.org/officeDocument/2006/math">
+                              <m:r>
+                                <a:rPr lang="en-US" sz="1100" b="0" i="1">
+                                  <a:latin typeface="Cambria Math" panose="02040503050406030204" pitchFamily="18" charset="0"/>
+                                  <a:ea typeface="Cambria Math" panose="02040503050406030204" pitchFamily="18" charset="0"/>
+                                </a:rPr>
+                                <m:t>𝑥</m:t>
+                              </m:r>
+                              <m:r>
+                                <a:rPr lang="en-US" sz="1100" b="0" i="1">
+                                  <a:latin typeface="Cambria Math" panose="02040503050406030204" pitchFamily="18" charset="0"/>
+                                  <a:ea typeface="Cambria Math" panose="02040503050406030204" pitchFamily="18" charset="0"/>
+                                </a:rPr>
+                                <m:t>−</m:t>
+                              </m:r>
+                              <m:acc>
+                                <m:accPr>
+                                  <m:chr m:val="̅"/>
+                                  <m:ctrlPr>
+                                    <a:rPr lang="en-ID" sz="1100" i="1">
+                                      <a:latin typeface="Cambria Math" panose="02040503050406030204" pitchFamily="18" charset="0"/>
+                                      <a:ea typeface="Cambria Math" panose="02040503050406030204" pitchFamily="18" charset="0"/>
+                                    </a:rPr>
+                                  </m:ctrlPr>
+                                </m:accPr>
+                                <m:e>
+                                  <m:r>
+                                    <a:rPr lang="en-ID" sz="1100" i="1">
+                                      <a:latin typeface="Cambria Math" panose="02040503050406030204" pitchFamily="18" charset="0"/>
+                                      <a:ea typeface="Cambria Math" panose="02040503050406030204" pitchFamily="18" charset="0"/>
+                                    </a:rPr>
+                                    <m:t>𝑥</m:t>
+                                  </m:r>
+                                  <m:r>
+                                    <a:rPr lang="en-US" sz="1100" b="0" i="1">
+                                      <a:latin typeface="Cambria Math" panose="02040503050406030204" pitchFamily="18" charset="0"/>
+                                      <a:ea typeface="Cambria Math" panose="02040503050406030204" pitchFamily="18" charset="0"/>
+                                    </a:rPr>
+                                    <m:t>|</m:t>
+                                  </m:r>
+                                </m:e>
+                              </m:acc>
+                            </m:oMath>
+                          </a14:m>
+                          <a:r>
+                            <a:rPr lang="en-ID" sz="1100" b="0" i="0" u="none" strike="noStrike" dirty="0">
+                              <a:solidFill>
+                                <a:srgbClr val="000000"/>
+                              </a:solidFill>
+                              <a:effectLst/>
+                              <a:latin typeface="Calibri" panose="020F0502020204030204" pitchFamily="34" charset="0"/>
+                            </a:rPr>
+                            <a:t> </a:t>
+                          </a:r>
+                        </a:p>
+                      </a:txBody>
+                      <a:tcPr marL="0" marR="0" marT="0" marB="0" anchor="ctr"/>
+                    </a:tc>
+                    <a:extLst>
+                      <a:ext uri="{0D108BD9-81ED-4DB2-BD59-A6C34878D82A}">
+                        <a16:rowId xmlns:a16="http://schemas.microsoft.com/office/drawing/2014/main" val="823638460"/>
+                      </a:ext>
+                    </a:extLst>
+                  </a:tr>
+                  <a:tr h="273832">
+                    <a:tc>
+                      <a:txBody>
+                        <a:bodyPr/>
+                        <a:lstStyle/>
+                        <a:p>
+                          <a:pPr algn="ctr" fontAlgn="ctr"/>
+                          <a:r>
+                            <a:rPr lang="en-ID" sz="1100" b="0" i="0" u="none" strike="noStrike" dirty="0">
+                              <a:solidFill>
+                                <a:srgbClr val="000000"/>
+                              </a:solidFill>
+                              <a:effectLst/>
+                              <a:latin typeface="Calibri" panose="020F0502020204030204" pitchFamily="34" charset="0"/>
+                            </a:rPr>
+                            <a:t>57 - 62</a:t>
+                          </a:r>
+                        </a:p>
+                      </a:txBody>
+                      <a:tcPr marL="0" marR="0" marT="0" marB="0" anchor="ctr"/>
+                    </a:tc>
+                    <a:tc>
+                      <a:txBody>
+                        <a:bodyPr/>
+                        <a:lstStyle/>
+                        <a:p>
+                          <a:pPr algn="ctr" fontAlgn="ctr"/>
+                          <a:r>
+                            <a:rPr lang="en-ID" sz="1100" b="0" i="0" u="none" strike="noStrike" dirty="0">
+                              <a:solidFill>
+                                <a:srgbClr val="000000"/>
+                              </a:solidFill>
+                              <a:effectLst/>
+                              <a:latin typeface="Calibri" panose="020F0502020204030204" pitchFamily="34" charset="0"/>
+                            </a:rPr>
+                            <a:t>3</a:t>
+                          </a:r>
+                        </a:p>
+                      </a:txBody>
+                      <a:tcPr marL="0" marR="0" marT="0" marB="0" anchor="ctr"/>
+                    </a:tc>
+                    <a:tc>
+                      <a:txBody>
+                        <a:bodyPr/>
+                        <a:lstStyle/>
+                        <a:p>
+                          <a:pPr algn="ctr" fontAlgn="b"/>
+                          <a:r>
+                            <a:rPr lang="en-ID" sz="1100" b="0" i="0" u="none" strike="noStrike">
+                              <a:solidFill>
+                                <a:srgbClr val="000000"/>
+                              </a:solidFill>
+                              <a:effectLst/>
+                              <a:latin typeface="Calibri" panose="020F0502020204030204" pitchFamily="34" charset="0"/>
+                            </a:rPr>
+                            <a:t>59,5</a:t>
+                          </a:r>
+                        </a:p>
+                      </a:txBody>
+                      <a:tcPr marL="0" marR="0" marT="0" marB="0" anchor="ctr"/>
+                    </a:tc>
+                    <a:tc>
+                      <a:txBody>
+                        <a:bodyPr/>
+                        <a:lstStyle/>
+                        <a:p>
+                          <a:pPr algn="ctr" fontAlgn="b"/>
+                          <a:r>
+                            <a:rPr lang="en-ID" sz="1100" b="0" i="0" u="none" strike="noStrike">
+                              <a:solidFill>
+                                <a:srgbClr val="000000"/>
+                              </a:solidFill>
+                              <a:effectLst/>
+                              <a:latin typeface="Calibri" panose="020F0502020204030204" pitchFamily="34" charset="0"/>
+                            </a:rPr>
+                            <a:t>178,5</a:t>
+                          </a:r>
+                        </a:p>
+                      </a:txBody>
+                      <a:tcPr marL="0" marR="0" marT="0" marB="0" anchor="ctr"/>
+                    </a:tc>
+                    <a:tc>
+                      <a:txBody>
+                        <a:bodyPr/>
+                        <a:lstStyle/>
+                        <a:p>
+                          <a:pPr algn="ctr" fontAlgn="b"/>
+                          <a:r>
+                            <a:rPr lang="en-ID" sz="1100" b="0" i="0" u="none" strike="noStrike" dirty="0">
+                              <a:solidFill>
+                                <a:srgbClr val="000000"/>
+                              </a:solidFill>
+                              <a:effectLst/>
+                              <a:latin typeface="Calibri" panose="020F0502020204030204" pitchFamily="34" charset="0"/>
+                            </a:rPr>
+                            <a:t>25,8</a:t>
+                          </a:r>
+                        </a:p>
+                      </a:txBody>
+                      <a:tcPr marL="0" marR="0" marT="0" marB="0" anchor="ctr"/>
+                    </a:tc>
+                    <a:tc>
+                      <a:txBody>
+                        <a:bodyPr/>
+                        <a:lstStyle/>
+                        <a:p>
+                          <a:pPr algn="ctr" fontAlgn="b"/>
+                          <a:r>
+                            <a:rPr lang="en-ID" sz="1100" b="0" i="0" u="none" strike="noStrike">
+                              <a:solidFill>
+                                <a:srgbClr val="000000"/>
+                              </a:solidFill>
+                              <a:effectLst/>
+                              <a:latin typeface="Calibri" panose="020F0502020204030204" pitchFamily="34" charset="0"/>
+                            </a:rPr>
+                            <a:t>77,4</a:t>
+                          </a:r>
+                        </a:p>
+                      </a:txBody>
+                      <a:tcPr marL="0" marR="0" marT="0" marB="0" anchor="ctr"/>
+                    </a:tc>
+                    <a:extLst>
+                      <a:ext uri="{0D108BD9-81ED-4DB2-BD59-A6C34878D82A}">
+                        <a16:rowId xmlns:a16="http://schemas.microsoft.com/office/drawing/2014/main" val="119601662"/>
+                      </a:ext>
+                    </a:extLst>
+                  </a:tr>
+                  <a:tr h="273832">
+                    <a:tc>
+                      <a:txBody>
+                        <a:bodyPr/>
+                        <a:lstStyle/>
+                        <a:p>
+                          <a:pPr algn="ctr" fontAlgn="ctr"/>
+                          <a:r>
+                            <a:rPr lang="en-ID" sz="1100" b="0" i="0" u="none" strike="noStrike">
+                              <a:solidFill>
+                                <a:srgbClr val="000000"/>
+                              </a:solidFill>
+                              <a:effectLst/>
+                              <a:latin typeface="Calibri" panose="020F0502020204030204" pitchFamily="34" charset="0"/>
+                            </a:rPr>
+                            <a:t>63 - 68</a:t>
+                          </a:r>
+                        </a:p>
+                      </a:txBody>
+                      <a:tcPr marL="0" marR="0" marT="0" marB="0" anchor="ctr"/>
+                    </a:tc>
+                    <a:tc>
+                      <a:txBody>
+                        <a:bodyPr/>
+                        <a:lstStyle/>
+                        <a:p>
+                          <a:pPr algn="ctr" fontAlgn="ctr"/>
+                          <a:r>
+                            <a:rPr lang="en-ID" sz="1100" b="0" i="0" u="none" strike="noStrike" dirty="0">
+                              <a:solidFill>
+                                <a:srgbClr val="000000"/>
+                              </a:solidFill>
+                              <a:effectLst/>
+                              <a:latin typeface="Calibri" panose="020F0502020204030204" pitchFamily="34" charset="0"/>
+                            </a:rPr>
+                            <a:t>2</a:t>
+                          </a:r>
+                        </a:p>
+                      </a:txBody>
+                      <a:tcPr marL="0" marR="0" marT="0" marB="0" anchor="ctr"/>
+                    </a:tc>
+                    <a:tc>
+                      <a:txBody>
+                        <a:bodyPr/>
+                        <a:lstStyle/>
+                        <a:p>
+                          <a:pPr algn="ctr" fontAlgn="b"/>
+                          <a:r>
+                            <a:rPr lang="en-ID" sz="1100" b="0" i="0" u="none" strike="noStrike" dirty="0">
+                              <a:solidFill>
+                                <a:srgbClr val="000000"/>
+                              </a:solidFill>
+                              <a:effectLst/>
+                              <a:latin typeface="Calibri" panose="020F0502020204030204" pitchFamily="34" charset="0"/>
+                            </a:rPr>
+                            <a:t>65,5</a:t>
+                          </a:r>
+                        </a:p>
+                      </a:txBody>
+                      <a:tcPr marL="0" marR="0" marT="0" marB="0" anchor="ctr"/>
+                    </a:tc>
+                    <a:tc>
+                      <a:txBody>
+                        <a:bodyPr/>
+                        <a:lstStyle/>
+                        <a:p>
+                          <a:pPr algn="ctr" fontAlgn="b"/>
+                          <a:r>
+                            <a:rPr lang="en-ID" sz="1100" b="0" i="0" u="none" strike="noStrike">
+                              <a:solidFill>
+                                <a:srgbClr val="000000"/>
+                              </a:solidFill>
+                              <a:effectLst/>
+                              <a:latin typeface="Calibri" panose="020F0502020204030204" pitchFamily="34" charset="0"/>
+                            </a:rPr>
+                            <a:t>131</a:t>
+                          </a:r>
+                        </a:p>
+                      </a:txBody>
+                      <a:tcPr marL="0" marR="0" marT="0" marB="0" anchor="ctr"/>
+                    </a:tc>
+                    <a:tc>
+                      <a:txBody>
+                        <a:bodyPr/>
+                        <a:lstStyle/>
+                        <a:p>
+                          <a:pPr algn="ctr" fontAlgn="b"/>
+                          <a:r>
+                            <a:rPr lang="en-ID" sz="1100" b="0" i="0" u="none" strike="noStrike" dirty="0">
+                              <a:solidFill>
+                                <a:srgbClr val="000000"/>
+                              </a:solidFill>
+                              <a:effectLst/>
+                              <a:latin typeface="Calibri" panose="020F0502020204030204" pitchFamily="34" charset="0"/>
+                            </a:rPr>
+                            <a:t>19,8</a:t>
+                          </a:r>
+                        </a:p>
+                      </a:txBody>
+                      <a:tcPr marL="0" marR="0" marT="0" marB="0" anchor="ctr"/>
+                    </a:tc>
+                    <a:tc>
+                      <a:txBody>
+                        <a:bodyPr/>
+                        <a:lstStyle/>
+                        <a:p>
+                          <a:pPr algn="ctr" fontAlgn="b"/>
+                          <a:r>
+                            <a:rPr lang="en-ID" sz="1100" b="0" i="0" u="none" strike="noStrike" dirty="0">
+                              <a:solidFill>
+                                <a:srgbClr val="000000"/>
+                              </a:solidFill>
+                              <a:effectLst/>
+                              <a:latin typeface="Calibri" panose="020F0502020204030204" pitchFamily="34" charset="0"/>
+                            </a:rPr>
+                            <a:t>39,6</a:t>
+                          </a:r>
+                        </a:p>
+                      </a:txBody>
+                      <a:tcPr marL="0" marR="0" marT="0" marB="0" anchor="ctr"/>
+                    </a:tc>
+                    <a:extLst>
+                      <a:ext uri="{0D108BD9-81ED-4DB2-BD59-A6C34878D82A}">
+                        <a16:rowId xmlns:a16="http://schemas.microsoft.com/office/drawing/2014/main" val="1952798275"/>
+                      </a:ext>
+                    </a:extLst>
+                  </a:tr>
+                  <a:tr h="273832">
+                    <a:tc>
+                      <a:txBody>
+                        <a:bodyPr/>
+                        <a:lstStyle/>
+                        <a:p>
+                          <a:pPr algn="ctr" fontAlgn="ctr"/>
+                          <a:r>
+                            <a:rPr lang="en-ID" sz="1100" b="0" i="0" u="none" strike="noStrike">
+                              <a:solidFill>
+                                <a:srgbClr val="000000"/>
+                              </a:solidFill>
+                              <a:effectLst/>
+                              <a:latin typeface="Calibri" panose="020F0502020204030204" pitchFamily="34" charset="0"/>
+                            </a:rPr>
+                            <a:t>69 - 74</a:t>
+                          </a:r>
+                        </a:p>
+                      </a:txBody>
+                      <a:tcPr marL="0" marR="0" marT="0" marB="0" anchor="ctr"/>
+                    </a:tc>
+                    <a:tc>
+                      <a:txBody>
+                        <a:bodyPr/>
+                        <a:lstStyle/>
+                        <a:p>
+                          <a:pPr algn="ctr" fontAlgn="ctr"/>
+                          <a:r>
+                            <a:rPr lang="en-ID" sz="1100" b="0" i="0" u="none" strike="noStrike">
+                              <a:solidFill>
+                                <a:srgbClr val="000000"/>
+                              </a:solidFill>
+                              <a:effectLst/>
+                              <a:latin typeface="Calibri" panose="020F0502020204030204" pitchFamily="34" charset="0"/>
+                            </a:rPr>
+                            <a:t>2</a:t>
+                          </a:r>
+                        </a:p>
+                      </a:txBody>
+                      <a:tcPr marL="0" marR="0" marT="0" marB="0" anchor="ctr"/>
+                    </a:tc>
+                    <a:tc>
+                      <a:txBody>
+                        <a:bodyPr/>
+                        <a:lstStyle/>
+                        <a:p>
+                          <a:pPr algn="ctr" fontAlgn="b"/>
+                          <a:r>
+                            <a:rPr lang="en-ID" sz="1100" b="0" i="0" u="none" strike="noStrike" dirty="0">
+                              <a:solidFill>
+                                <a:srgbClr val="000000"/>
+                              </a:solidFill>
+                              <a:effectLst/>
+                              <a:latin typeface="Calibri" panose="020F0502020204030204" pitchFamily="34" charset="0"/>
+                            </a:rPr>
+                            <a:t>71,5</a:t>
+                          </a:r>
+                        </a:p>
+                      </a:txBody>
+                      <a:tcPr marL="0" marR="0" marT="0" marB="0" anchor="ctr"/>
+                    </a:tc>
+                    <a:tc>
+                      <a:txBody>
+                        <a:bodyPr/>
+                        <a:lstStyle/>
+                        <a:p>
+                          <a:pPr algn="ctr" fontAlgn="b"/>
+                          <a:r>
+                            <a:rPr lang="en-ID" sz="1100" b="0" i="0" u="none" strike="noStrike">
+                              <a:solidFill>
+                                <a:srgbClr val="000000"/>
+                              </a:solidFill>
+                              <a:effectLst/>
+                              <a:latin typeface="Calibri" panose="020F0502020204030204" pitchFamily="34" charset="0"/>
+                            </a:rPr>
+                            <a:t>143</a:t>
+                          </a:r>
+                        </a:p>
+                      </a:txBody>
+                      <a:tcPr marL="0" marR="0" marT="0" marB="0" anchor="ctr"/>
+                    </a:tc>
+                    <a:tc>
+                      <a:txBody>
+                        <a:bodyPr/>
+                        <a:lstStyle/>
+                        <a:p>
+                          <a:pPr algn="ctr" fontAlgn="b"/>
+                          <a:r>
+                            <a:rPr lang="en-ID" sz="1100" b="0" i="0" u="none" strike="noStrike">
+                              <a:solidFill>
+                                <a:srgbClr val="000000"/>
+                              </a:solidFill>
+                              <a:effectLst/>
+                              <a:latin typeface="Calibri" panose="020F0502020204030204" pitchFamily="34" charset="0"/>
+                            </a:rPr>
+                            <a:t>13,8</a:t>
+                          </a:r>
+                        </a:p>
+                      </a:txBody>
+                      <a:tcPr marL="0" marR="0" marT="0" marB="0" anchor="ctr"/>
+                    </a:tc>
+                    <a:tc>
+                      <a:txBody>
+                        <a:bodyPr/>
+                        <a:lstStyle/>
+                        <a:p>
+                          <a:pPr algn="ctr" fontAlgn="b"/>
+                          <a:r>
+                            <a:rPr lang="en-ID" sz="1100" b="0" i="0" u="none" strike="noStrike">
+                              <a:solidFill>
+                                <a:srgbClr val="000000"/>
+                              </a:solidFill>
+                              <a:effectLst/>
+                              <a:latin typeface="Calibri" panose="020F0502020204030204" pitchFamily="34" charset="0"/>
+                            </a:rPr>
+                            <a:t>27,6</a:t>
+                          </a:r>
+                        </a:p>
+                      </a:txBody>
+                      <a:tcPr marL="0" marR="0" marT="0" marB="0" anchor="ctr"/>
+                    </a:tc>
+                    <a:extLst>
+                      <a:ext uri="{0D108BD9-81ED-4DB2-BD59-A6C34878D82A}">
+                        <a16:rowId xmlns:a16="http://schemas.microsoft.com/office/drawing/2014/main" val="335199485"/>
+                      </a:ext>
+                    </a:extLst>
+                  </a:tr>
+                  <a:tr h="273832">
+                    <a:tc>
+                      <a:txBody>
+                        <a:bodyPr/>
+                        <a:lstStyle/>
+                        <a:p>
+                          <a:pPr algn="ctr" fontAlgn="ctr"/>
+                          <a:r>
+                            <a:rPr lang="en-ID" sz="1100" b="0" i="0" u="none" strike="noStrike">
+                              <a:solidFill>
+                                <a:srgbClr val="000000"/>
+                              </a:solidFill>
+                              <a:effectLst/>
+                              <a:latin typeface="Calibri" panose="020F0502020204030204" pitchFamily="34" charset="0"/>
+                            </a:rPr>
+                            <a:t>75 - 80</a:t>
+                          </a:r>
+                        </a:p>
+                      </a:txBody>
+                      <a:tcPr marL="0" marR="0" marT="0" marB="0" anchor="ctr"/>
+                    </a:tc>
+                    <a:tc>
+                      <a:txBody>
+                        <a:bodyPr/>
+                        <a:lstStyle/>
+                        <a:p>
+                          <a:pPr algn="ctr" fontAlgn="ctr"/>
+                          <a:r>
+                            <a:rPr lang="en-ID" sz="1000" b="0" i="0" u="none" strike="noStrike">
+                              <a:solidFill>
+                                <a:srgbClr val="000000"/>
+                              </a:solidFill>
+                              <a:effectLst/>
+                              <a:latin typeface="Arial Narrow" panose="020B0606020202030204" pitchFamily="34" charset="0"/>
+                            </a:rPr>
+                            <a:t>4</a:t>
+                          </a:r>
+                        </a:p>
+                      </a:txBody>
+                      <a:tcPr marL="0" marR="0" marT="0" marB="0" anchor="ctr"/>
+                    </a:tc>
+                    <a:tc>
+                      <a:txBody>
+                        <a:bodyPr/>
+                        <a:lstStyle/>
+                        <a:p>
+                          <a:pPr algn="ctr" fontAlgn="b"/>
+                          <a:r>
+                            <a:rPr lang="en-ID" sz="1100" b="0" i="0" u="none" strike="noStrike" dirty="0">
+                              <a:solidFill>
+                                <a:srgbClr val="000000"/>
+                              </a:solidFill>
+                              <a:effectLst/>
+                              <a:latin typeface="Calibri" panose="020F0502020204030204" pitchFamily="34" charset="0"/>
+                            </a:rPr>
+                            <a:t>77,5</a:t>
+                          </a:r>
+                        </a:p>
+                      </a:txBody>
+                      <a:tcPr marL="0" marR="0" marT="0" marB="0" anchor="ctr"/>
+                    </a:tc>
+                    <a:tc>
+                      <a:txBody>
+                        <a:bodyPr/>
+                        <a:lstStyle/>
+                        <a:p>
+                          <a:pPr algn="ctr" fontAlgn="b"/>
+                          <a:r>
+                            <a:rPr lang="en-ID" sz="1100" b="0" i="0" u="none" strike="noStrike" dirty="0">
+                              <a:solidFill>
+                                <a:srgbClr val="000000"/>
+                              </a:solidFill>
+                              <a:effectLst/>
+                              <a:latin typeface="Calibri" panose="020F0502020204030204" pitchFamily="34" charset="0"/>
+                            </a:rPr>
+                            <a:t>310</a:t>
+                          </a:r>
+                        </a:p>
+                      </a:txBody>
+                      <a:tcPr marL="0" marR="0" marT="0" marB="0" anchor="ctr"/>
+                    </a:tc>
+                    <a:tc>
+                      <a:txBody>
+                        <a:bodyPr/>
+                        <a:lstStyle/>
+                        <a:p>
+                          <a:pPr algn="ctr" fontAlgn="b"/>
+                          <a:r>
+                            <a:rPr lang="en-ID" sz="1100" b="0" i="0" u="none" strike="noStrike">
+                              <a:solidFill>
+                                <a:srgbClr val="000000"/>
+                              </a:solidFill>
+                              <a:effectLst/>
+                              <a:latin typeface="Calibri" panose="020F0502020204030204" pitchFamily="34" charset="0"/>
+                            </a:rPr>
+                            <a:t>7,8</a:t>
+                          </a:r>
+                        </a:p>
+                      </a:txBody>
+                      <a:tcPr marL="0" marR="0" marT="0" marB="0" anchor="ctr"/>
+                    </a:tc>
+                    <a:tc>
+                      <a:txBody>
+                        <a:bodyPr/>
+                        <a:lstStyle/>
+                        <a:p>
+                          <a:pPr algn="ctr" fontAlgn="b"/>
+                          <a:r>
+                            <a:rPr lang="en-ID" sz="1100" b="0" i="0" u="none" strike="noStrike">
+                              <a:solidFill>
+                                <a:srgbClr val="000000"/>
+                              </a:solidFill>
+                              <a:effectLst/>
+                              <a:latin typeface="Calibri" panose="020F0502020204030204" pitchFamily="34" charset="0"/>
+                            </a:rPr>
+                            <a:t>31,2</a:t>
+                          </a:r>
+                        </a:p>
+                      </a:txBody>
+                      <a:tcPr marL="0" marR="0" marT="0" marB="0" anchor="ctr"/>
+                    </a:tc>
+                    <a:extLst>
+                      <a:ext uri="{0D108BD9-81ED-4DB2-BD59-A6C34878D82A}">
+                        <a16:rowId xmlns:a16="http://schemas.microsoft.com/office/drawing/2014/main" val="205161349"/>
+                      </a:ext>
+                    </a:extLst>
+                  </a:tr>
+                  <a:tr h="273832">
+                    <a:tc>
+                      <a:txBody>
+                        <a:bodyPr/>
+                        <a:lstStyle/>
+                        <a:p>
+                          <a:pPr algn="ctr" fontAlgn="ctr"/>
+                          <a:r>
+                            <a:rPr lang="en-ID" sz="1100" b="0" i="0" u="none" strike="noStrike">
+                              <a:solidFill>
+                                <a:srgbClr val="000000"/>
+                              </a:solidFill>
+                              <a:effectLst/>
+                              <a:latin typeface="Calibri" panose="020F0502020204030204" pitchFamily="34" charset="0"/>
+                            </a:rPr>
+                            <a:t>81 - 86</a:t>
+                          </a:r>
+                        </a:p>
+                      </a:txBody>
+                      <a:tcPr marL="0" marR="0" marT="0" marB="0" anchor="ctr"/>
+                    </a:tc>
+                    <a:tc>
+                      <a:txBody>
+                        <a:bodyPr/>
+                        <a:lstStyle/>
+                        <a:p>
+                          <a:pPr algn="ctr" fontAlgn="ctr"/>
+                          <a:r>
+                            <a:rPr lang="en-ID" sz="1100" b="0" i="0" u="none" strike="noStrike">
+                              <a:solidFill>
+                                <a:srgbClr val="000000"/>
+                              </a:solidFill>
+                              <a:effectLst/>
+                              <a:latin typeface="Calibri" panose="020F0502020204030204" pitchFamily="34" charset="0"/>
+                            </a:rPr>
+                            <a:t>11</a:t>
+                          </a:r>
+                        </a:p>
+                      </a:txBody>
+                      <a:tcPr marL="0" marR="0" marT="0" marB="0" anchor="ctr"/>
+                    </a:tc>
+                    <a:tc>
+                      <a:txBody>
+                        <a:bodyPr/>
+                        <a:lstStyle/>
+                        <a:p>
+                          <a:pPr algn="ctr" fontAlgn="b"/>
+                          <a:r>
+                            <a:rPr lang="en-ID" sz="1100" b="0" i="0" u="none" strike="noStrike">
+                              <a:solidFill>
+                                <a:srgbClr val="000000"/>
+                              </a:solidFill>
+                              <a:effectLst/>
+                              <a:latin typeface="Calibri" panose="020F0502020204030204" pitchFamily="34" charset="0"/>
+                            </a:rPr>
+                            <a:t>83,5</a:t>
+                          </a:r>
+                        </a:p>
+                      </a:txBody>
+                      <a:tcPr marL="0" marR="0" marT="0" marB="0" anchor="ctr"/>
+                    </a:tc>
+                    <a:tc>
+                      <a:txBody>
+                        <a:bodyPr/>
+                        <a:lstStyle/>
+                        <a:p>
+                          <a:pPr algn="ctr" fontAlgn="b"/>
+                          <a:r>
+                            <a:rPr lang="en-ID" sz="1100" b="0" i="0" u="none" strike="noStrike" dirty="0">
+                              <a:solidFill>
+                                <a:srgbClr val="000000"/>
+                              </a:solidFill>
+                              <a:effectLst/>
+                              <a:latin typeface="Calibri" panose="020F0502020204030204" pitchFamily="34" charset="0"/>
+                            </a:rPr>
+                            <a:t>918,5</a:t>
+                          </a:r>
+                        </a:p>
+                      </a:txBody>
+                      <a:tcPr marL="0" marR="0" marT="0" marB="0" anchor="ctr"/>
+                    </a:tc>
+                    <a:tc>
+                      <a:txBody>
+                        <a:bodyPr/>
+                        <a:lstStyle/>
+                        <a:p>
+                          <a:pPr algn="ctr" fontAlgn="b"/>
+                          <a:r>
+                            <a:rPr lang="en-ID" sz="1100" b="0" i="0" u="none" strike="noStrike" dirty="0">
+                              <a:solidFill>
+                                <a:srgbClr val="000000"/>
+                              </a:solidFill>
+                              <a:effectLst/>
+                              <a:latin typeface="Calibri" panose="020F0502020204030204" pitchFamily="34" charset="0"/>
+                            </a:rPr>
+                            <a:t>1,8</a:t>
+                          </a:r>
+                        </a:p>
+                      </a:txBody>
+                      <a:tcPr marL="0" marR="0" marT="0" marB="0" anchor="ctr"/>
+                    </a:tc>
+                    <a:tc>
+                      <a:txBody>
+                        <a:bodyPr/>
+                        <a:lstStyle/>
+                        <a:p>
+                          <a:pPr algn="ctr" fontAlgn="b"/>
+                          <a:r>
+                            <a:rPr lang="en-ID" sz="1100" b="0" i="0" u="none" strike="noStrike">
+                              <a:solidFill>
+                                <a:srgbClr val="000000"/>
+                              </a:solidFill>
+                              <a:effectLst/>
+                              <a:latin typeface="Calibri" panose="020F0502020204030204" pitchFamily="34" charset="0"/>
+                            </a:rPr>
+                            <a:t>19,8</a:t>
+                          </a:r>
+                        </a:p>
+                      </a:txBody>
+                      <a:tcPr marL="0" marR="0" marT="0" marB="0" anchor="ctr"/>
+                    </a:tc>
+                    <a:extLst>
+                      <a:ext uri="{0D108BD9-81ED-4DB2-BD59-A6C34878D82A}">
+                        <a16:rowId xmlns:a16="http://schemas.microsoft.com/office/drawing/2014/main" val="3639739047"/>
+                      </a:ext>
+                    </a:extLst>
+                  </a:tr>
+                  <a:tr h="273832">
+                    <a:tc>
+                      <a:txBody>
+                        <a:bodyPr/>
+                        <a:lstStyle/>
+                        <a:p>
+                          <a:pPr algn="ctr" fontAlgn="ctr"/>
+                          <a:r>
+                            <a:rPr lang="en-ID" sz="1100" b="0" i="0" u="none" strike="noStrike">
+                              <a:solidFill>
+                                <a:srgbClr val="000000"/>
+                              </a:solidFill>
+                              <a:effectLst/>
+                              <a:latin typeface="Calibri" panose="020F0502020204030204" pitchFamily="34" charset="0"/>
+                            </a:rPr>
+                            <a:t>87 - 92</a:t>
+                          </a:r>
+                        </a:p>
+                      </a:txBody>
+                      <a:tcPr marL="0" marR="0" marT="0" marB="0" anchor="ctr"/>
+                    </a:tc>
+                    <a:tc>
+                      <a:txBody>
+                        <a:bodyPr/>
+                        <a:lstStyle/>
+                        <a:p>
+                          <a:pPr algn="ctr" fontAlgn="ctr"/>
+                          <a:r>
+                            <a:rPr lang="en-ID" sz="1100" b="0" i="0" u="none" strike="noStrike">
+                              <a:solidFill>
+                                <a:srgbClr val="000000"/>
+                              </a:solidFill>
+                              <a:effectLst/>
+                              <a:latin typeface="Calibri" panose="020F0502020204030204" pitchFamily="34" charset="0"/>
+                            </a:rPr>
+                            <a:t>15</a:t>
+                          </a:r>
+                        </a:p>
+                      </a:txBody>
+                      <a:tcPr marL="0" marR="0" marT="0" marB="0" anchor="ctr"/>
+                    </a:tc>
+                    <a:tc>
+                      <a:txBody>
+                        <a:bodyPr/>
+                        <a:lstStyle/>
+                        <a:p>
+                          <a:pPr algn="ctr" fontAlgn="b"/>
+                          <a:r>
+                            <a:rPr lang="en-ID" sz="1100" b="0" i="0" u="none" strike="noStrike">
+                              <a:solidFill>
+                                <a:srgbClr val="000000"/>
+                              </a:solidFill>
+                              <a:effectLst/>
+                              <a:latin typeface="Calibri" panose="020F0502020204030204" pitchFamily="34" charset="0"/>
+                            </a:rPr>
+                            <a:t>89,5</a:t>
+                          </a:r>
+                        </a:p>
+                      </a:txBody>
+                      <a:tcPr marL="0" marR="0" marT="0" marB="0" anchor="ctr"/>
+                    </a:tc>
+                    <a:tc>
+                      <a:txBody>
+                        <a:bodyPr/>
+                        <a:lstStyle/>
+                        <a:p>
+                          <a:pPr algn="ctr" fontAlgn="b"/>
+                          <a:r>
+                            <a:rPr lang="en-ID" sz="1100" b="0" i="0" u="none" strike="noStrike" dirty="0">
+                              <a:solidFill>
+                                <a:srgbClr val="000000"/>
+                              </a:solidFill>
+                              <a:effectLst/>
+                              <a:latin typeface="Calibri" panose="020F0502020204030204" pitchFamily="34" charset="0"/>
+                            </a:rPr>
+                            <a:t>1342,5</a:t>
+                          </a:r>
+                        </a:p>
+                      </a:txBody>
+                      <a:tcPr marL="0" marR="0" marT="0" marB="0" anchor="ctr"/>
+                    </a:tc>
+                    <a:tc>
+                      <a:txBody>
+                        <a:bodyPr/>
+                        <a:lstStyle/>
+                        <a:p>
+                          <a:pPr algn="ctr" fontAlgn="b"/>
+                          <a:r>
+                            <a:rPr lang="en-ID" sz="1100" b="0" i="0" u="none" strike="noStrike" dirty="0">
+                              <a:solidFill>
+                                <a:srgbClr val="000000"/>
+                              </a:solidFill>
+                              <a:effectLst/>
+                              <a:latin typeface="Calibri" panose="020F0502020204030204" pitchFamily="34" charset="0"/>
+                            </a:rPr>
+                            <a:t>4,2</a:t>
+                          </a:r>
+                        </a:p>
+                      </a:txBody>
+                      <a:tcPr marL="0" marR="0" marT="0" marB="0" anchor="ctr"/>
+                    </a:tc>
+                    <a:tc>
+                      <a:txBody>
+                        <a:bodyPr/>
+                        <a:lstStyle/>
+                        <a:p>
+                          <a:pPr algn="ctr" fontAlgn="b"/>
+                          <a:r>
+                            <a:rPr lang="en-ID" sz="1100" b="0" i="0" u="none" strike="noStrike" dirty="0">
+                              <a:solidFill>
+                                <a:srgbClr val="000000"/>
+                              </a:solidFill>
+                              <a:effectLst/>
+                              <a:latin typeface="Calibri" panose="020F0502020204030204" pitchFamily="34" charset="0"/>
+                            </a:rPr>
+                            <a:t>63</a:t>
+                          </a:r>
+                        </a:p>
+                      </a:txBody>
+                      <a:tcPr marL="0" marR="0" marT="0" marB="0" anchor="ctr"/>
+                    </a:tc>
+                    <a:extLst>
+                      <a:ext uri="{0D108BD9-81ED-4DB2-BD59-A6C34878D82A}">
+                        <a16:rowId xmlns:a16="http://schemas.microsoft.com/office/drawing/2014/main" val="3248774865"/>
+                      </a:ext>
+                    </a:extLst>
+                  </a:tr>
+                  <a:tr h="273832">
+                    <a:tc>
+                      <a:txBody>
+                        <a:bodyPr/>
+                        <a:lstStyle/>
+                        <a:p>
+                          <a:pPr algn="ctr" fontAlgn="ctr"/>
+                          <a:r>
+                            <a:rPr lang="en-ID" sz="1100" b="0" i="0" u="none" strike="noStrike">
+                              <a:solidFill>
+                                <a:srgbClr val="000000"/>
+                              </a:solidFill>
+                              <a:effectLst/>
+                              <a:latin typeface="Calibri" panose="020F0502020204030204" pitchFamily="34" charset="0"/>
+                            </a:rPr>
+                            <a:t>93 - 98</a:t>
+                          </a:r>
+                        </a:p>
+                      </a:txBody>
+                      <a:tcPr marL="0" marR="0" marT="0" marB="0" anchor="ctr"/>
+                    </a:tc>
+                    <a:tc>
+                      <a:txBody>
+                        <a:bodyPr/>
+                        <a:lstStyle/>
+                        <a:p>
+                          <a:pPr algn="ctr" fontAlgn="ctr"/>
+                          <a:r>
+                            <a:rPr lang="en-ID" sz="1100" b="0" i="0" u="none" strike="noStrike">
+                              <a:solidFill>
+                                <a:srgbClr val="000000"/>
+                              </a:solidFill>
+                              <a:effectLst/>
+                              <a:latin typeface="Calibri" panose="020F0502020204030204" pitchFamily="34" charset="0"/>
+                            </a:rPr>
+                            <a:t>13</a:t>
+                          </a:r>
+                        </a:p>
+                      </a:txBody>
+                      <a:tcPr marL="0" marR="0" marT="0" marB="0" anchor="ctr"/>
+                    </a:tc>
+                    <a:tc>
+                      <a:txBody>
+                        <a:bodyPr/>
+                        <a:lstStyle/>
+                        <a:p>
+                          <a:pPr algn="ctr" fontAlgn="b"/>
+                          <a:r>
+                            <a:rPr lang="en-ID" sz="1100" b="0" i="0" u="none" strike="noStrike">
+                              <a:solidFill>
+                                <a:srgbClr val="000000"/>
+                              </a:solidFill>
+                              <a:effectLst/>
+                              <a:latin typeface="Calibri" panose="020F0502020204030204" pitchFamily="34" charset="0"/>
+                            </a:rPr>
+                            <a:t>95,5</a:t>
+                          </a:r>
+                        </a:p>
+                      </a:txBody>
+                      <a:tcPr marL="0" marR="0" marT="0" marB="0" anchor="ctr"/>
+                    </a:tc>
+                    <a:tc>
+                      <a:txBody>
+                        <a:bodyPr/>
+                        <a:lstStyle/>
+                        <a:p>
+                          <a:pPr algn="ctr" fontAlgn="b"/>
+                          <a:r>
+                            <a:rPr lang="en-ID" sz="1100" b="0" i="0" u="none" strike="noStrike">
+                              <a:solidFill>
+                                <a:srgbClr val="000000"/>
+                              </a:solidFill>
+                              <a:effectLst/>
+                              <a:latin typeface="Calibri" panose="020F0502020204030204" pitchFamily="34" charset="0"/>
+                            </a:rPr>
+                            <a:t>1241,5</a:t>
+                          </a:r>
+                        </a:p>
+                      </a:txBody>
+                      <a:tcPr marL="0" marR="0" marT="0" marB="0" anchor="ctr"/>
+                    </a:tc>
+                    <a:tc>
+                      <a:txBody>
+                        <a:bodyPr/>
+                        <a:lstStyle/>
+                        <a:p>
+                          <a:pPr algn="ctr" fontAlgn="b"/>
+                          <a:r>
+                            <a:rPr lang="en-ID" sz="1100" b="0" i="0" u="none" strike="noStrike" dirty="0">
+                              <a:solidFill>
+                                <a:srgbClr val="000000"/>
+                              </a:solidFill>
+                              <a:effectLst/>
+                              <a:latin typeface="Calibri" panose="020F0502020204030204" pitchFamily="34" charset="0"/>
+                            </a:rPr>
+                            <a:t>10,2</a:t>
+                          </a:r>
+                        </a:p>
+                      </a:txBody>
+                      <a:tcPr marL="0" marR="0" marT="0" marB="0" anchor="ctr"/>
+                    </a:tc>
+                    <a:tc>
+                      <a:txBody>
+                        <a:bodyPr/>
+                        <a:lstStyle/>
+                        <a:p>
+                          <a:pPr algn="ctr" fontAlgn="b"/>
+                          <a:r>
+                            <a:rPr lang="en-ID" sz="1100" b="0" i="0" u="none" strike="noStrike" dirty="0">
+                              <a:solidFill>
+                                <a:srgbClr val="000000"/>
+                              </a:solidFill>
+                              <a:effectLst/>
+                              <a:latin typeface="Calibri" panose="020F0502020204030204" pitchFamily="34" charset="0"/>
+                            </a:rPr>
+                            <a:t>132,6</a:t>
+                          </a:r>
+                        </a:p>
+                      </a:txBody>
+                      <a:tcPr marL="0" marR="0" marT="0" marB="0" anchor="ctr"/>
+                    </a:tc>
+                    <a:extLst>
+                      <a:ext uri="{0D108BD9-81ED-4DB2-BD59-A6C34878D82A}">
+                        <a16:rowId xmlns:a16="http://schemas.microsoft.com/office/drawing/2014/main" val="247365302"/>
+                      </a:ext>
+                    </a:extLst>
+                  </a:tr>
+                  <a:tr h="273832">
+                    <a:tc>
+                      <a:txBody>
+                        <a:bodyPr/>
+                        <a:lstStyle/>
+                        <a:p>
+                          <a:pPr algn="ctr" fontAlgn="ctr"/>
+                          <a:r>
+                            <a:rPr lang="en-ID" sz="1100" b="0" i="0" u="none" strike="noStrike">
+                              <a:solidFill>
+                                <a:srgbClr val="000000"/>
+                              </a:solidFill>
+                              <a:effectLst/>
+                              <a:latin typeface="Calibri" panose="020F0502020204030204" pitchFamily="34" charset="0"/>
+                            </a:rPr>
+                            <a:t>Jumlah</a:t>
+                          </a:r>
+                        </a:p>
+                      </a:txBody>
+                      <a:tcPr marL="0" marR="0" marT="0" marB="0" anchor="ctr"/>
+                    </a:tc>
+                    <a:tc>
+                      <a:txBody>
+                        <a:bodyPr/>
+                        <a:lstStyle/>
+                        <a:p>
+                          <a:pPr algn="ctr" fontAlgn="ctr"/>
+                          <a:r>
+                            <a:rPr lang="en-ID" sz="1100" b="0" i="0" u="none" strike="noStrike" dirty="0">
+                              <a:solidFill>
+                                <a:srgbClr val="000000"/>
+                              </a:solidFill>
+                              <a:effectLst/>
+                              <a:latin typeface="Calibri" panose="020F0502020204030204" pitchFamily="34" charset="0"/>
+                            </a:rPr>
+                            <a:t>50</a:t>
+                          </a:r>
+                        </a:p>
+                      </a:txBody>
+                      <a:tcPr marL="0" marR="0" marT="0" marB="0" anchor="ctr"/>
+                    </a:tc>
+                    <a:tc>
+                      <a:txBody>
+                        <a:bodyPr/>
+                        <a:lstStyle/>
+                        <a:p>
+                          <a:pPr algn="ctr" fontAlgn="b"/>
+                          <a:r>
+                            <a:rPr lang="en-ID" sz="1100" b="0" i="0" u="none" strike="noStrike">
+                              <a:solidFill>
+                                <a:srgbClr val="000000"/>
+                              </a:solidFill>
+                              <a:effectLst/>
+                              <a:latin typeface="Calibri" panose="020F0502020204030204" pitchFamily="34" charset="0"/>
+                            </a:rPr>
+                            <a:t> </a:t>
+                          </a:r>
+                        </a:p>
+                      </a:txBody>
+                      <a:tcPr marL="0" marR="0" marT="0" marB="0" anchor="ctr"/>
+                    </a:tc>
+                    <a:tc>
+                      <a:txBody>
+                        <a:bodyPr/>
+                        <a:lstStyle/>
+                        <a:p>
+                          <a:pPr algn="ctr" fontAlgn="b"/>
+                          <a:r>
+                            <a:rPr lang="en-ID" sz="1100" b="0" i="0" u="none" strike="noStrike">
+                              <a:solidFill>
+                                <a:srgbClr val="000000"/>
+                              </a:solidFill>
+                              <a:effectLst/>
+                              <a:latin typeface="Calibri" panose="020F0502020204030204" pitchFamily="34" charset="0"/>
+                            </a:rPr>
+                            <a:t>4265</a:t>
+                          </a:r>
+                        </a:p>
+                      </a:txBody>
+                      <a:tcPr marL="0" marR="0" marT="0" marB="0" anchor="ctr"/>
+                    </a:tc>
+                    <a:tc>
+                      <a:txBody>
+                        <a:bodyPr/>
+                        <a:lstStyle/>
+                        <a:p>
+                          <a:pPr algn="ctr" fontAlgn="b"/>
+                          <a:r>
+                            <a:rPr lang="en-ID" sz="1100" b="0" i="0" u="none" strike="noStrike">
+                              <a:solidFill>
+                                <a:srgbClr val="000000"/>
+                              </a:solidFill>
+                              <a:effectLst/>
+                              <a:latin typeface="Calibri" panose="020F0502020204030204" pitchFamily="34" charset="0"/>
+                            </a:rPr>
+                            <a:t> </a:t>
+                          </a:r>
+                        </a:p>
+                      </a:txBody>
+                      <a:tcPr marL="0" marR="0" marT="0" marB="0" anchor="ctr"/>
+                    </a:tc>
+                    <a:tc>
+                      <a:txBody>
+                        <a:bodyPr/>
+                        <a:lstStyle/>
+                        <a:p>
+                          <a:pPr algn="ctr" fontAlgn="b"/>
+                          <a:r>
+                            <a:rPr lang="en-ID" sz="1100" b="0" i="0" u="none" strike="noStrike" dirty="0">
+                              <a:solidFill>
+                                <a:srgbClr val="000000"/>
+                              </a:solidFill>
+                              <a:effectLst/>
+                              <a:latin typeface="Calibri" panose="020F0502020204030204" pitchFamily="34" charset="0"/>
+                            </a:rPr>
+                            <a:t>391,2</a:t>
+                          </a:r>
+                        </a:p>
+                      </a:txBody>
+                      <a:tcPr marL="0" marR="0" marT="0" marB="0" anchor="ctr"/>
+                    </a:tc>
+                    <a:extLst>
+                      <a:ext uri="{0D108BD9-81ED-4DB2-BD59-A6C34878D82A}">
+                        <a16:rowId xmlns:a16="http://schemas.microsoft.com/office/drawing/2014/main" val="489176614"/>
+                      </a:ext>
+                    </a:extLst>
+                  </a:tr>
+                </a:tbl>
+              </a:graphicData>
+            </a:graphic>
+          </p:graphicFrame>
+        </mc:Choice>
+        <mc:Fallback>
+          <p:graphicFrame>
+            <p:nvGraphicFramePr>
+              <p:cNvPr id="4" name="Table 8">
+                <a:extLst>
+                  <a:ext uri="{FF2B5EF4-FFF2-40B4-BE49-F238E27FC236}">
+                    <a16:creationId xmlns:a16="http://schemas.microsoft.com/office/drawing/2014/main" id="{4311D5D7-8FC9-4121-A0C4-7A6C0254C3B2}"/>
+                  </a:ext>
+                </a:extLst>
+              </p:cNvPr>
+              <p:cNvGraphicFramePr>
+                <a:graphicFrameLocks noGrp="1"/>
+              </p:cNvGraphicFramePr>
+              <p:nvPr>
+                <p:extLst>
+                  <p:ext uri="{D42A27DB-BD31-4B8C-83A1-F6EECF244321}">
+                    <p14:modId xmlns:p14="http://schemas.microsoft.com/office/powerpoint/2010/main" val="2802141656"/>
+                  </p:ext>
+                </p:extLst>
+              </p:nvPr>
+            </p:nvGraphicFramePr>
+            <p:xfrm>
+              <a:off x="251520" y="2427734"/>
+              <a:ext cx="4551879" cy="2464488"/>
+            </p:xfrm>
+            <a:graphic>
+              <a:graphicData uri="http://schemas.openxmlformats.org/drawingml/2006/table">
+                <a:tbl>
+                  <a:tblPr firstRow="1" bandRow="1">
+                    <a:tableStyleId>{5940675A-B579-460E-94D1-54222C63F5DA}</a:tableStyleId>
+                  </a:tblPr>
+                  <a:tblGrid>
+                    <a:gridCol w="792088">
+                      <a:extLst>
+                        <a:ext uri="{9D8B030D-6E8A-4147-A177-3AD203B41FA5}">
+                          <a16:colId xmlns:a16="http://schemas.microsoft.com/office/drawing/2014/main" val="826942558"/>
+                        </a:ext>
+                      </a:extLst>
+                    </a:gridCol>
+                    <a:gridCol w="792088">
+                      <a:extLst>
+                        <a:ext uri="{9D8B030D-6E8A-4147-A177-3AD203B41FA5}">
+                          <a16:colId xmlns:a16="http://schemas.microsoft.com/office/drawing/2014/main" val="2654156341"/>
+                        </a:ext>
+                      </a:extLst>
+                    </a:gridCol>
+                    <a:gridCol w="792088">
+                      <a:extLst>
+                        <a:ext uri="{9D8B030D-6E8A-4147-A177-3AD203B41FA5}">
+                          <a16:colId xmlns:a16="http://schemas.microsoft.com/office/drawing/2014/main" val="1027424304"/>
+                        </a:ext>
+                      </a:extLst>
+                    </a:gridCol>
+                    <a:gridCol w="720080">
+                      <a:extLst>
+                        <a:ext uri="{9D8B030D-6E8A-4147-A177-3AD203B41FA5}">
+                          <a16:colId xmlns:a16="http://schemas.microsoft.com/office/drawing/2014/main" val="2083360625"/>
+                        </a:ext>
+                      </a:extLst>
+                    </a:gridCol>
+                    <a:gridCol w="663447">
+                      <a:extLst>
+                        <a:ext uri="{9D8B030D-6E8A-4147-A177-3AD203B41FA5}">
+                          <a16:colId xmlns:a16="http://schemas.microsoft.com/office/drawing/2014/main" val="1203204787"/>
+                        </a:ext>
+                      </a:extLst>
+                    </a:gridCol>
+                    <a:gridCol w="792088">
+                      <a:extLst>
+                        <a:ext uri="{9D8B030D-6E8A-4147-A177-3AD203B41FA5}">
+                          <a16:colId xmlns:a16="http://schemas.microsoft.com/office/drawing/2014/main" val="1135390738"/>
+                        </a:ext>
+                      </a:extLst>
+                    </a:gridCol>
+                  </a:tblGrid>
+                  <a:tr h="273832">
+                    <a:tc>
+                      <a:txBody>
+                        <a:bodyPr/>
+                        <a:lstStyle/>
+                        <a:p>
+                          <a:pPr algn="ctr" fontAlgn="ctr"/>
+                          <a:r>
+                            <a:rPr lang="en-ID" sz="1100" b="0" i="0" u="none" strike="noStrike" dirty="0" err="1">
+                              <a:solidFill>
+                                <a:srgbClr val="000000"/>
+                              </a:solidFill>
+                              <a:effectLst/>
+                              <a:latin typeface="Calibri" panose="020F0502020204030204" pitchFamily="34" charset="0"/>
+                            </a:rPr>
+                            <a:t>Periode</a:t>
+                          </a:r>
+                          <a:endParaRPr lang="en-ID" sz="1100" b="0" i="0" u="none" strike="noStrike" dirty="0">
+                            <a:solidFill>
+                              <a:srgbClr val="000000"/>
+                            </a:solidFill>
+                            <a:effectLst/>
+                            <a:latin typeface="Calibri" panose="020F0502020204030204" pitchFamily="34" charset="0"/>
+                          </a:endParaRPr>
+                        </a:p>
+                      </a:txBody>
+                      <a:tcPr marL="0" marR="0" marT="0" marB="0" anchor="ctr"/>
+                    </a:tc>
+                    <a:tc>
+                      <a:txBody>
+                        <a:bodyPr/>
+                        <a:lstStyle/>
+                        <a:p>
+                          <a:pPr algn="ctr" fontAlgn="ctr"/>
+                          <a:r>
+                            <a:rPr lang="en-ID" sz="1100" b="0" i="0" u="none" strike="noStrike" dirty="0">
+                              <a:solidFill>
+                                <a:srgbClr val="000000"/>
+                              </a:solidFill>
+                              <a:effectLst/>
+                              <a:latin typeface="Calibri" panose="020F0502020204030204" pitchFamily="34" charset="0"/>
+                            </a:rPr>
+                            <a:t>F</a:t>
+                          </a:r>
+                        </a:p>
+                      </a:txBody>
+                      <a:tcPr marL="0" marR="0" marT="0" marB="0" anchor="ctr"/>
+                    </a:tc>
+                    <a:tc>
+                      <a:txBody>
+                        <a:bodyPr/>
+                        <a:lstStyle/>
+                        <a:p>
+                          <a:pPr algn="ctr" fontAlgn="b"/>
+                          <a:r>
+                            <a:rPr lang="en-US" sz="1100" b="0" i="0" u="none" strike="noStrike" dirty="0">
+                              <a:solidFill>
+                                <a:srgbClr val="000000"/>
+                              </a:solidFill>
+                              <a:effectLst/>
+                              <a:latin typeface="Calibri" panose="020F0502020204030204" pitchFamily="34" charset="0"/>
+                            </a:rPr>
+                            <a:t>x</a:t>
+                          </a:r>
+                          <a:endParaRPr lang="en-ID" sz="1100" b="0" i="0" u="none" strike="noStrike" dirty="0">
+                            <a:solidFill>
+                              <a:srgbClr val="000000"/>
+                            </a:solidFill>
+                            <a:effectLst/>
+                            <a:latin typeface="Calibri" panose="020F0502020204030204" pitchFamily="34" charset="0"/>
+                          </a:endParaRPr>
+                        </a:p>
+                      </a:txBody>
+                      <a:tcPr marL="0" marR="0" marT="0" marB="0" anchor="ctr"/>
+                    </a:tc>
+                    <a:tc>
+                      <a:txBody>
+                        <a:bodyPr/>
+                        <a:lstStyle/>
+                        <a:p>
+                          <a:pPr algn="ctr" fontAlgn="b"/>
+                          <a:r>
+                            <a:rPr lang="en-US" sz="1100" b="0" i="0" u="none" strike="noStrike" dirty="0" err="1">
+                              <a:solidFill>
+                                <a:srgbClr val="000000"/>
+                              </a:solidFill>
+                              <a:effectLst/>
+                              <a:latin typeface="Calibri" panose="020F0502020204030204" pitchFamily="34" charset="0"/>
+                            </a:rPr>
+                            <a:t>F.x</a:t>
+                          </a:r>
+                          <a:endParaRPr lang="en-ID" sz="1100" b="0" i="0" u="none" strike="noStrike" dirty="0">
+                            <a:solidFill>
+                              <a:srgbClr val="000000"/>
+                            </a:solidFill>
+                            <a:effectLst/>
+                            <a:latin typeface="Calibri" panose="020F0502020204030204" pitchFamily="34" charset="0"/>
+                          </a:endParaRPr>
+                        </a:p>
+                      </a:txBody>
+                      <a:tcPr marL="0" marR="0" marT="0" marB="0" anchor="ctr"/>
+                    </a:tc>
+                    <a:tc>
+                      <a:txBody>
+                        <a:bodyPr/>
+                        <a:lstStyle/>
+                        <a:p>
+                          <a:endParaRPr lang="en-US"/>
+                        </a:p>
+                      </a:txBody>
+                      <a:tcPr marL="0" marR="0" marT="0" marB="0" anchor="ctr">
+                        <a:blipFill>
+                          <a:blip r:embed="rId2"/>
+                          <a:stretch>
+                            <a:fillRect l="-466972" t="-6667" r="-122018" b="-813333"/>
+                          </a:stretch>
+                        </a:blipFill>
+                      </a:tcPr>
+                    </a:tc>
+                    <a:tc>
+                      <a:txBody>
+                        <a:bodyPr/>
+                        <a:lstStyle/>
+                        <a:p>
+                          <a:endParaRPr lang="en-US"/>
+                        </a:p>
+                      </a:txBody>
+                      <a:tcPr marL="0" marR="0" marT="0" marB="0" anchor="ctr">
+                        <a:blipFill>
+                          <a:blip r:embed="rId2"/>
+                          <a:stretch>
+                            <a:fillRect l="-475385" t="-6667" r="-2308" b="-813333"/>
+                          </a:stretch>
+                        </a:blipFill>
+                      </a:tcPr>
+                    </a:tc>
+                    <a:extLst>
+                      <a:ext uri="{0D108BD9-81ED-4DB2-BD59-A6C34878D82A}">
+                        <a16:rowId xmlns:a16="http://schemas.microsoft.com/office/drawing/2014/main" val="823638460"/>
+                      </a:ext>
+                    </a:extLst>
+                  </a:tr>
+                  <a:tr h="273832">
+                    <a:tc>
+                      <a:txBody>
+                        <a:bodyPr/>
+                        <a:lstStyle/>
+                        <a:p>
+                          <a:pPr algn="ctr" fontAlgn="ctr"/>
+                          <a:r>
+                            <a:rPr lang="en-ID" sz="1100" b="0" i="0" u="none" strike="noStrike" dirty="0">
+                              <a:solidFill>
+                                <a:srgbClr val="000000"/>
+                              </a:solidFill>
+                              <a:effectLst/>
+                              <a:latin typeface="Calibri" panose="020F0502020204030204" pitchFamily="34" charset="0"/>
+                            </a:rPr>
+                            <a:t>57 - 62</a:t>
+                          </a:r>
+                        </a:p>
+                      </a:txBody>
+                      <a:tcPr marL="0" marR="0" marT="0" marB="0" anchor="ctr"/>
+                    </a:tc>
+                    <a:tc>
+                      <a:txBody>
+                        <a:bodyPr/>
+                        <a:lstStyle/>
+                        <a:p>
+                          <a:pPr algn="ctr" fontAlgn="ctr"/>
+                          <a:r>
+                            <a:rPr lang="en-ID" sz="1100" b="0" i="0" u="none" strike="noStrike" dirty="0">
+                              <a:solidFill>
+                                <a:srgbClr val="000000"/>
+                              </a:solidFill>
+                              <a:effectLst/>
+                              <a:latin typeface="Calibri" panose="020F0502020204030204" pitchFamily="34" charset="0"/>
+                            </a:rPr>
+                            <a:t>3</a:t>
+                          </a:r>
+                        </a:p>
+                      </a:txBody>
+                      <a:tcPr marL="0" marR="0" marT="0" marB="0" anchor="ctr"/>
+                    </a:tc>
+                    <a:tc>
+                      <a:txBody>
+                        <a:bodyPr/>
+                        <a:lstStyle/>
+                        <a:p>
+                          <a:pPr algn="ctr" fontAlgn="b"/>
+                          <a:r>
+                            <a:rPr lang="en-ID" sz="1100" b="0" i="0" u="none" strike="noStrike">
+                              <a:solidFill>
+                                <a:srgbClr val="000000"/>
+                              </a:solidFill>
+                              <a:effectLst/>
+                              <a:latin typeface="Calibri" panose="020F0502020204030204" pitchFamily="34" charset="0"/>
+                            </a:rPr>
+                            <a:t>59,5</a:t>
+                          </a:r>
+                        </a:p>
+                      </a:txBody>
+                      <a:tcPr marL="0" marR="0" marT="0" marB="0" anchor="ctr"/>
+                    </a:tc>
+                    <a:tc>
+                      <a:txBody>
+                        <a:bodyPr/>
+                        <a:lstStyle/>
+                        <a:p>
+                          <a:pPr algn="ctr" fontAlgn="b"/>
+                          <a:r>
+                            <a:rPr lang="en-ID" sz="1100" b="0" i="0" u="none" strike="noStrike">
+                              <a:solidFill>
+                                <a:srgbClr val="000000"/>
+                              </a:solidFill>
+                              <a:effectLst/>
+                              <a:latin typeface="Calibri" panose="020F0502020204030204" pitchFamily="34" charset="0"/>
+                            </a:rPr>
+                            <a:t>178,5</a:t>
+                          </a:r>
+                        </a:p>
+                      </a:txBody>
+                      <a:tcPr marL="0" marR="0" marT="0" marB="0" anchor="ctr"/>
+                    </a:tc>
+                    <a:tc>
+                      <a:txBody>
+                        <a:bodyPr/>
+                        <a:lstStyle/>
+                        <a:p>
+                          <a:pPr algn="ctr" fontAlgn="b"/>
+                          <a:r>
+                            <a:rPr lang="en-ID" sz="1100" b="0" i="0" u="none" strike="noStrike" dirty="0">
+                              <a:solidFill>
+                                <a:srgbClr val="000000"/>
+                              </a:solidFill>
+                              <a:effectLst/>
+                              <a:latin typeface="Calibri" panose="020F0502020204030204" pitchFamily="34" charset="0"/>
+                            </a:rPr>
+                            <a:t>25,8</a:t>
+                          </a:r>
+                        </a:p>
+                      </a:txBody>
+                      <a:tcPr marL="0" marR="0" marT="0" marB="0" anchor="ctr"/>
+                    </a:tc>
+                    <a:tc>
+                      <a:txBody>
+                        <a:bodyPr/>
+                        <a:lstStyle/>
+                        <a:p>
+                          <a:pPr algn="ctr" fontAlgn="b"/>
+                          <a:r>
+                            <a:rPr lang="en-ID" sz="1100" b="0" i="0" u="none" strike="noStrike">
+                              <a:solidFill>
+                                <a:srgbClr val="000000"/>
+                              </a:solidFill>
+                              <a:effectLst/>
+                              <a:latin typeface="Calibri" panose="020F0502020204030204" pitchFamily="34" charset="0"/>
+                            </a:rPr>
+                            <a:t>77,4</a:t>
+                          </a:r>
+                        </a:p>
+                      </a:txBody>
+                      <a:tcPr marL="0" marR="0" marT="0" marB="0" anchor="ctr"/>
+                    </a:tc>
+                    <a:extLst>
+                      <a:ext uri="{0D108BD9-81ED-4DB2-BD59-A6C34878D82A}">
+                        <a16:rowId xmlns:a16="http://schemas.microsoft.com/office/drawing/2014/main" val="119601662"/>
+                      </a:ext>
+                    </a:extLst>
+                  </a:tr>
+                  <a:tr h="273832">
+                    <a:tc>
+                      <a:txBody>
+                        <a:bodyPr/>
+                        <a:lstStyle/>
+                        <a:p>
+                          <a:pPr algn="ctr" fontAlgn="ctr"/>
+                          <a:r>
+                            <a:rPr lang="en-ID" sz="1100" b="0" i="0" u="none" strike="noStrike">
+                              <a:solidFill>
+                                <a:srgbClr val="000000"/>
+                              </a:solidFill>
+                              <a:effectLst/>
+                              <a:latin typeface="Calibri" panose="020F0502020204030204" pitchFamily="34" charset="0"/>
+                            </a:rPr>
+                            <a:t>63 - 68</a:t>
+                          </a:r>
+                        </a:p>
+                      </a:txBody>
+                      <a:tcPr marL="0" marR="0" marT="0" marB="0" anchor="ctr"/>
+                    </a:tc>
+                    <a:tc>
+                      <a:txBody>
+                        <a:bodyPr/>
+                        <a:lstStyle/>
+                        <a:p>
+                          <a:pPr algn="ctr" fontAlgn="ctr"/>
+                          <a:r>
+                            <a:rPr lang="en-ID" sz="1100" b="0" i="0" u="none" strike="noStrike" dirty="0">
+                              <a:solidFill>
+                                <a:srgbClr val="000000"/>
+                              </a:solidFill>
+                              <a:effectLst/>
+                              <a:latin typeface="Calibri" panose="020F0502020204030204" pitchFamily="34" charset="0"/>
+                            </a:rPr>
+                            <a:t>2</a:t>
+                          </a:r>
+                        </a:p>
+                      </a:txBody>
+                      <a:tcPr marL="0" marR="0" marT="0" marB="0" anchor="ctr"/>
+                    </a:tc>
+                    <a:tc>
+                      <a:txBody>
+                        <a:bodyPr/>
+                        <a:lstStyle/>
+                        <a:p>
+                          <a:pPr algn="ctr" fontAlgn="b"/>
+                          <a:r>
+                            <a:rPr lang="en-ID" sz="1100" b="0" i="0" u="none" strike="noStrike" dirty="0">
+                              <a:solidFill>
+                                <a:srgbClr val="000000"/>
+                              </a:solidFill>
+                              <a:effectLst/>
+                              <a:latin typeface="Calibri" panose="020F0502020204030204" pitchFamily="34" charset="0"/>
+                            </a:rPr>
+                            <a:t>65,5</a:t>
+                          </a:r>
+                        </a:p>
+                      </a:txBody>
+                      <a:tcPr marL="0" marR="0" marT="0" marB="0" anchor="ctr"/>
+                    </a:tc>
+                    <a:tc>
+                      <a:txBody>
+                        <a:bodyPr/>
+                        <a:lstStyle/>
+                        <a:p>
+                          <a:pPr algn="ctr" fontAlgn="b"/>
+                          <a:r>
+                            <a:rPr lang="en-ID" sz="1100" b="0" i="0" u="none" strike="noStrike">
+                              <a:solidFill>
+                                <a:srgbClr val="000000"/>
+                              </a:solidFill>
+                              <a:effectLst/>
+                              <a:latin typeface="Calibri" panose="020F0502020204030204" pitchFamily="34" charset="0"/>
+                            </a:rPr>
+                            <a:t>131</a:t>
+                          </a:r>
+                        </a:p>
+                      </a:txBody>
+                      <a:tcPr marL="0" marR="0" marT="0" marB="0" anchor="ctr"/>
+                    </a:tc>
+                    <a:tc>
+                      <a:txBody>
+                        <a:bodyPr/>
+                        <a:lstStyle/>
+                        <a:p>
+                          <a:pPr algn="ctr" fontAlgn="b"/>
+                          <a:r>
+                            <a:rPr lang="en-ID" sz="1100" b="0" i="0" u="none" strike="noStrike" dirty="0">
+                              <a:solidFill>
+                                <a:srgbClr val="000000"/>
+                              </a:solidFill>
+                              <a:effectLst/>
+                              <a:latin typeface="Calibri" panose="020F0502020204030204" pitchFamily="34" charset="0"/>
+                            </a:rPr>
+                            <a:t>19,8</a:t>
+                          </a:r>
+                        </a:p>
+                      </a:txBody>
+                      <a:tcPr marL="0" marR="0" marT="0" marB="0" anchor="ctr"/>
+                    </a:tc>
+                    <a:tc>
+                      <a:txBody>
+                        <a:bodyPr/>
+                        <a:lstStyle/>
+                        <a:p>
+                          <a:pPr algn="ctr" fontAlgn="b"/>
+                          <a:r>
+                            <a:rPr lang="en-ID" sz="1100" b="0" i="0" u="none" strike="noStrike" dirty="0">
+                              <a:solidFill>
+                                <a:srgbClr val="000000"/>
+                              </a:solidFill>
+                              <a:effectLst/>
+                              <a:latin typeface="Calibri" panose="020F0502020204030204" pitchFamily="34" charset="0"/>
+                            </a:rPr>
+                            <a:t>39,6</a:t>
+                          </a:r>
+                        </a:p>
+                      </a:txBody>
+                      <a:tcPr marL="0" marR="0" marT="0" marB="0" anchor="ctr"/>
+                    </a:tc>
+                    <a:extLst>
+                      <a:ext uri="{0D108BD9-81ED-4DB2-BD59-A6C34878D82A}">
+                        <a16:rowId xmlns:a16="http://schemas.microsoft.com/office/drawing/2014/main" val="1952798275"/>
+                      </a:ext>
+                    </a:extLst>
+                  </a:tr>
+                  <a:tr h="273832">
+                    <a:tc>
+                      <a:txBody>
+                        <a:bodyPr/>
+                        <a:lstStyle/>
+                        <a:p>
+                          <a:pPr algn="ctr" fontAlgn="ctr"/>
+                          <a:r>
+                            <a:rPr lang="en-ID" sz="1100" b="0" i="0" u="none" strike="noStrike">
+                              <a:solidFill>
+                                <a:srgbClr val="000000"/>
+                              </a:solidFill>
+                              <a:effectLst/>
+                              <a:latin typeface="Calibri" panose="020F0502020204030204" pitchFamily="34" charset="0"/>
+                            </a:rPr>
+                            <a:t>69 - 74</a:t>
+                          </a:r>
+                        </a:p>
+                      </a:txBody>
+                      <a:tcPr marL="0" marR="0" marT="0" marB="0" anchor="ctr"/>
+                    </a:tc>
+                    <a:tc>
+                      <a:txBody>
+                        <a:bodyPr/>
+                        <a:lstStyle/>
+                        <a:p>
+                          <a:pPr algn="ctr" fontAlgn="ctr"/>
+                          <a:r>
+                            <a:rPr lang="en-ID" sz="1100" b="0" i="0" u="none" strike="noStrike">
+                              <a:solidFill>
+                                <a:srgbClr val="000000"/>
+                              </a:solidFill>
+                              <a:effectLst/>
+                              <a:latin typeface="Calibri" panose="020F0502020204030204" pitchFamily="34" charset="0"/>
+                            </a:rPr>
+                            <a:t>2</a:t>
+                          </a:r>
+                        </a:p>
+                      </a:txBody>
+                      <a:tcPr marL="0" marR="0" marT="0" marB="0" anchor="ctr"/>
+                    </a:tc>
+                    <a:tc>
+                      <a:txBody>
+                        <a:bodyPr/>
+                        <a:lstStyle/>
+                        <a:p>
+                          <a:pPr algn="ctr" fontAlgn="b"/>
+                          <a:r>
+                            <a:rPr lang="en-ID" sz="1100" b="0" i="0" u="none" strike="noStrike" dirty="0">
+                              <a:solidFill>
+                                <a:srgbClr val="000000"/>
+                              </a:solidFill>
+                              <a:effectLst/>
+                              <a:latin typeface="Calibri" panose="020F0502020204030204" pitchFamily="34" charset="0"/>
+                            </a:rPr>
+                            <a:t>71,5</a:t>
+                          </a:r>
+                        </a:p>
+                      </a:txBody>
+                      <a:tcPr marL="0" marR="0" marT="0" marB="0" anchor="ctr"/>
+                    </a:tc>
+                    <a:tc>
+                      <a:txBody>
+                        <a:bodyPr/>
+                        <a:lstStyle/>
+                        <a:p>
+                          <a:pPr algn="ctr" fontAlgn="b"/>
+                          <a:r>
+                            <a:rPr lang="en-ID" sz="1100" b="0" i="0" u="none" strike="noStrike">
+                              <a:solidFill>
+                                <a:srgbClr val="000000"/>
+                              </a:solidFill>
+                              <a:effectLst/>
+                              <a:latin typeface="Calibri" panose="020F0502020204030204" pitchFamily="34" charset="0"/>
+                            </a:rPr>
+                            <a:t>143</a:t>
+                          </a:r>
+                        </a:p>
+                      </a:txBody>
+                      <a:tcPr marL="0" marR="0" marT="0" marB="0" anchor="ctr"/>
+                    </a:tc>
+                    <a:tc>
+                      <a:txBody>
+                        <a:bodyPr/>
+                        <a:lstStyle/>
+                        <a:p>
+                          <a:pPr algn="ctr" fontAlgn="b"/>
+                          <a:r>
+                            <a:rPr lang="en-ID" sz="1100" b="0" i="0" u="none" strike="noStrike">
+                              <a:solidFill>
+                                <a:srgbClr val="000000"/>
+                              </a:solidFill>
+                              <a:effectLst/>
+                              <a:latin typeface="Calibri" panose="020F0502020204030204" pitchFamily="34" charset="0"/>
+                            </a:rPr>
+                            <a:t>13,8</a:t>
+                          </a:r>
+                        </a:p>
+                      </a:txBody>
+                      <a:tcPr marL="0" marR="0" marT="0" marB="0" anchor="ctr"/>
+                    </a:tc>
+                    <a:tc>
+                      <a:txBody>
+                        <a:bodyPr/>
+                        <a:lstStyle/>
+                        <a:p>
+                          <a:pPr algn="ctr" fontAlgn="b"/>
+                          <a:r>
+                            <a:rPr lang="en-ID" sz="1100" b="0" i="0" u="none" strike="noStrike">
+                              <a:solidFill>
+                                <a:srgbClr val="000000"/>
+                              </a:solidFill>
+                              <a:effectLst/>
+                              <a:latin typeface="Calibri" panose="020F0502020204030204" pitchFamily="34" charset="0"/>
+                            </a:rPr>
+                            <a:t>27,6</a:t>
+                          </a:r>
+                        </a:p>
+                      </a:txBody>
+                      <a:tcPr marL="0" marR="0" marT="0" marB="0" anchor="ctr"/>
+                    </a:tc>
+                    <a:extLst>
+                      <a:ext uri="{0D108BD9-81ED-4DB2-BD59-A6C34878D82A}">
+                        <a16:rowId xmlns:a16="http://schemas.microsoft.com/office/drawing/2014/main" val="335199485"/>
+                      </a:ext>
+                    </a:extLst>
+                  </a:tr>
+                  <a:tr h="273832">
+                    <a:tc>
+                      <a:txBody>
+                        <a:bodyPr/>
+                        <a:lstStyle/>
+                        <a:p>
+                          <a:pPr algn="ctr" fontAlgn="ctr"/>
+                          <a:r>
+                            <a:rPr lang="en-ID" sz="1100" b="0" i="0" u="none" strike="noStrike">
+                              <a:solidFill>
+                                <a:srgbClr val="000000"/>
+                              </a:solidFill>
+                              <a:effectLst/>
+                              <a:latin typeface="Calibri" panose="020F0502020204030204" pitchFamily="34" charset="0"/>
+                            </a:rPr>
+                            <a:t>75 - 80</a:t>
+                          </a:r>
+                        </a:p>
+                      </a:txBody>
+                      <a:tcPr marL="0" marR="0" marT="0" marB="0" anchor="ctr"/>
+                    </a:tc>
+                    <a:tc>
+                      <a:txBody>
+                        <a:bodyPr/>
+                        <a:lstStyle/>
+                        <a:p>
+                          <a:pPr algn="ctr" fontAlgn="ctr"/>
+                          <a:r>
+                            <a:rPr lang="en-ID" sz="1000" b="0" i="0" u="none" strike="noStrike">
+                              <a:solidFill>
+                                <a:srgbClr val="000000"/>
+                              </a:solidFill>
+                              <a:effectLst/>
+                              <a:latin typeface="Arial Narrow" panose="020B0606020202030204" pitchFamily="34" charset="0"/>
+                            </a:rPr>
+                            <a:t>4</a:t>
+                          </a:r>
+                        </a:p>
+                      </a:txBody>
+                      <a:tcPr marL="0" marR="0" marT="0" marB="0" anchor="ctr"/>
+                    </a:tc>
+                    <a:tc>
+                      <a:txBody>
+                        <a:bodyPr/>
+                        <a:lstStyle/>
+                        <a:p>
+                          <a:pPr algn="ctr" fontAlgn="b"/>
+                          <a:r>
+                            <a:rPr lang="en-ID" sz="1100" b="0" i="0" u="none" strike="noStrike" dirty="0">
+                              <a:solidFill>
+                                <a:srgbClr val="000000"/>
+                              </a:solidFill>
+                              <a:effectLst/>
+                              <a:latin typeface="Calibri" panose="020F0502020204030204" pitchFamily="34" charset="0"/>
+                            </a:rPr>
+                            <a:t>77,5</a:t>
+                          </a:r>
+                        </a:p>
+                      </a:txBody>
+                      <a:tcPr marL="0" marR="0" marT="0" marB="0" anchor="ctr"/>
+                    </a:tc>
+                    <a:tc>
+                      <a:txBody>
+                        <a:bodyPr/>
+                        <a:lstStyle/>
+                        <a:p>
+                          <a:pPr algn="ctr" fontAlgn="b"/>
+                          <a:r>
+                            <a:rPr lang="en-ID" sz="1100" b="0" i="0" u="none" strike="noStrike" dirty="0">
+                              <a:solidFill>
+                                <a:srgbClr val="000000"/>
+                              </a:solidFill>
+                              <a:effectLst/>
+                              <a:latin typeface="Calibri" panose="020F0502020204030204" pitchFamily="34" charset="0"/>
+                            </a:rPr>
+                            <a:t>310</a:t>
+                          </a:r>
+                        </a:p>
+                      </a:txBody>
+                      <a:tcPr marL="0" marR="0" marT="0" marB="0" anchor="ctr"/>
+                    </a:tc>
+                    <a:tc>
+                      <a:txBody>
+                        <a:bodyPr/>
+                        <a:lstStyle/>
+                        <a:p>
+                          <a:pPr algn="ctr" fontAlgn="b"/>
+                          <a:r>
+                            <a:rPr lang="en-ID" sz="1100" b="0" i="0" u="none" strike="noStrike">
+                              <a:solidFill>
+                                <a:srgbClr val="000000"/>
+                              </a:solidFill>
+                              <a:effectLst/>
+                              <a:latin typeface="Calibri" panose="020F0502020204030204" pitchFamily="34" charset="0"/>
+                            </a:rPr>
+                            <a:t>7,8</a:t>
+                          </a:r>
+                        </a:p>
+                      </a:txBody>
+                      <a:tcPr marL="0" marR="0" marT="0" marB="0" anchor="ctr"/>
+                    </a:tc>
+                    <a:tc>
+                      <a:txBody>
+                        <a:bodyPr/>
+                        <a:lstStyle/>
+                        <a:p>
+                          <a:pPr algn="ctr" fontAlgn="b"/>
+                          <a:r>
+                            <a:rPr lang="en-ID" sz="1100" b="0" i="0" u="none" strike="noStrike">
+                              <a:solidFill>
+                                <a:srgbClr val="000000"/>
+                              </a:solidFill>
+                              <a:effectLst/>
+                              <a:latin typeface="Calibri" panose="020F0502020204030204" pitchFamily="34" charset="0"/>
+                            </a:rPr>
+                            <a:t>31,2</a:t>
+                          </a:r>
+                        </a:p>
+                      </a:txBody>
+                      <a:tcPr marL="0" marR="0" marT="0" marB="0" anchor="ctr"/>
+                    </a:tc>
+                    <a:extLst>
+                      <a:ext uri="{0D108BD9-81ED-4DB2-BD59-A6C34878D82A}">
+                        <a16:rowId xmlns:a16="http://schemas.microsoft.com/office/drawing/2014/main" val="205161349"/>
+                      </a:ext>
+                    </a:extLst>
+                  </a:tr>
+                  <a:tr h="273832">
+                    <a:tc>
+                      <a:txBody>
+                        <a:bodyPr/>
+                        <a:lstStyle/>
+                        <a:p>
+                          <a:pPr algn="ctr" fontAlgn="ctr"/>
+                          <a:r>
+                            <a:rPr lang="en-ID" sz="1100" b="0" i="0" u="none" strike="noStrike">
+                              <a:solidFill>
+                                <a:srgbClr val="000000"/>
+                              </a:solidFill>
+                              <a:effectLst/>
+                              <a:latin typeface="Calibri" panose="020F0502020204030204" pitchFamily="34" charset="0"/>
+                            </a:rPr>
+                            <a:t>81 - 86</a:t>
+                          </a:r>
+                        </a:p>
+                      </a:txBody>
+                      <a:tcPr marL="0" marR="0" marT="0" marB="0" anchor="ctr"/>
+                    </a:tc>
+                    <a:tc>
+                      <a:txBody>
+                        <a:bodyPr/>
+                        <a:lstStyle/>
+                        <a:p>
+                          <a:pPr algn="ctr" fontAlgn="ctr"/>
+                          <a:r>
+                            <a:rPr lang="en-ID" sz="1100" b="0" i="0" u="none" strike="noStrike">
+                              <a:solidFill>
+                                <a:srgbClr val="000000"/>
+                              </a:solidFill>
+                              <a:effectLst/>
+                              <a:latin typeface="Calibri" panose="020F0502020204030204" pitchFamily="34" charset="0"/>
+                            </a:rPr>
+                            <a:t>11</a:t>
+                          </a:r>
+                        </a:p>
+                      </a:txBody>
+                      <a:tcPr marL="0" marR="0" marT="0" marB="0" anchor="ctr"/>
+                    </a:tc>
+                    <a:tc>
+                      <a:txBody>
+                        <a:bodyPr/>
+                        <a:lstStyle/>
+                        <a:p>
+                          <a:pPr algn="ctr" fontAlgn="b"/>
+                          <a:r>
+                            <a:rPr lang="en-ID" sz="1100" b="0" i="0" u="none" strike="noStrike">
+                              <a:solidFill>
+                                <a:srgbClr val="000000"/>
+                              </a:solidFill>
+                              <a:effectLst/>
+                              <a:latin typeface="Calibri" panose="020F0502020204030204" pitchFamily="34" charset="0"/>
+                            </a:rPr>
+                            <a:t>83,5</a:t>
+                          </a:r>
+                        </a:p>
+                      </a:txBody>
+                      <a:tcPr marL="0" marR="0" marT="0" marB="0" anchor="ctr"/>
+                    </a:tc>
+                    <a:tc>
+                      <a:txBody>
+                        <a:bodyPr/>
+                        <a:lstStyle/>
+                        <a:p>
+                          <a:pPr algn="ctr" fontAlgn="b"/>
+                          <a:r>
+                            <a:rPr lang="en-ID" sz="1100" b="0" i="0" u="none" strike="noStrike" dirty="0">
+                              <a:solidFill>
+                                <a:srgbClr val="000000"/>
+                              </a:solidFill>
+                              <a:effectLst/>
+                              <a:latin typeface="Calibri" panose="020F0502020204030204" pitchFamily="34" charset="0"/>
+                            </a:rPr>
+                            <a:t>918,5</a:t>
+                          </a:r>
+                        </a:p>
+                      </a:txBody>
+                      <a:tcPr marL="0" marR="0" marT="0" marB="0" anchor="ctr"/>
+                    </a:tc>
+                    <a:tc>
+                      <a:txBody>
+                        <a:bodyPr/>
+                        <a:lstStyle/>
+                        <a:p>
+                          <a:pPr algn="ctr" fontAlgn="b"/>
+                          <a:r>
+                            <a:rPr lang="en-ID" sz="1100" b="0" i="0" u="none" strike="noStrike" dirty="0">
+                              <a:solidFill>
+                                <a:srgbClr val="000000"/>
+                              </a:solidFill>
+                              <a:effectLst/>
+                              <a:latin typeface="Calibri" panose="020F0502020204030204" pitchFamily="34" charset="0"/>
+                            </a:rPr>
+                            <a:t>1,8</a:t>
+                          </a:r>
+                        </a:p>
+                      </a:txBody>
+                      <a:tcPr marL="0" marR="0" marT="0" marB="0" anchor="ctr"/>
+                    </a:tc>
+                    <a:tc>
+                      <a:txBody>
+                        <a:bodyPr/>
+                        <a:lstStyle/>
+                        <a:p>
+                          <a:pPr algn="ctr" fontAlgn="b"/>
+                          <a:r>
+                            <a:rPr lang="en-ID" sz="1100" b="0" i="0" u="none" strike="noStrike">
+                              <a:solidFill>
+                                <a:srgbClr val="000000"/>
+                              </a:solidFill>
+                              <a:effectLst/>
+                              <a:latin typeface="Calibri" panose="020F0502020204030204" pitchFamily="34" charset="0"/>
+                            </a:rPr>
+                            <a:t>19,8</a:t>
+                          </a:r>
+                        </a:p>
+                      </a:txBody>
+                      <a:tcPr marL="0" marR="0" marT="0" marB="0" anchor="ctr"/>
+                    </a:tc>
+                    <a:extLst>
+                      <a:ext uri="{0D108BD9-81ED-4DB2-BD59-A6C34878D82A}">
+                        <a16:rowId xmlns:a16="http://schemas.microsoft.com/office/drawing/2014/main" val="3639739047"/>
+                      </a:ext>
+                    </a:extLst>
+                  </a:tr>
+                  <a:tr h="273832">
+                    <a:tc>
+                      <a:txBody>
+                        <a:bodyPr/>
+                        <a:lstStyle/>
+                        <a:p>
+                          <a:pPr algn="ctr" fontAlgn="ctr"/>
+                          <a:r>
+                            <a:rPr lang="en-ID" sz="1100" b="0" i="0" u="none" strike="noStrike">
+                              <a:solidFill>
+                                <a:srgbClr val="000000"/>
+                              </a:solidFill>
+                              <a:effectLst/>
+                              <a:latin typeface="Calibri" panose="020F0502020204030204" pitchFamily="34" charset="0"/>
+                            </a:rPr>
+                            <a:t>87 - 92</a:t>
+                          </a:r>
+                        </a:p>
+                      </a:txBody>
+                      <a:tcPr marL="0" marR="0" marT="0" marB="0" anchor="ctr"/>
+                    </a:tc>
+                    <a:tc>
+                      <a:txBody>
+                        <a:bodyPr/>
+                        <a:lstStyle/>
+                        <a:p>
+                          <a:pPr algn="ctr" fontAlgn="ctr"/>
+                          <a:r>
+                            <a:rPr lang="en-ID" sz="1100" b="0" i="0" u="none" strike="noStrike">
+                              <a:solidFill>
+                                <a:srgbClr val="000000"/>
+                              </a:solidFill>
+                              <a:effectLst/>
+                              <a:latin typeface="Calibri" panose="020F0502020204030204" pitchFamily="34" charset="0"/>
+                            </a:rPr>
+                            <a:t>15</a:t>
+                          </a:r>
+                        </a:p>
+                      </a:txBody>
+                      <a:tcPr marL="0" marR="0" marT="0" marB="0" anchor="ctr"/>
+                    </a:tc>
+                    <a:tc>
+                      <a:txBody>
+                        <a:bodyPr/>
+                        <a:lstStyle/>
+                        <a:p>
+                          <a:pPr algn="ctr" fontAlgn="b"/>
+                          <a:r>
+                            <a:rPr lang="en-ID" sz="1100" b="0" i="0" u="none" strike="noStrike">
+                              <a:solidFill>
+                                <a:srgbClr val="000000"/>
+                              </a:solidFill>
+                              <a:effectLst/>
+                              <a:latin typeface="Calibri" panose="020F0502020204030204" pitchFamily="34" charset="0"/>
+                            </a:rPr>
+                            <a:t>89,5</a:t>
+                          </a:r>
+                        </a:p>
+                      </a:txBody>
+                      <a:tcPr marL="0" marR="0" marT="0" marB="0" anchor="ctr"/>
+                    </a:tc>
+                    <a:tc>
+                      <a:txBody>
+                        <a:bodyPr/>
+                        <a:lstStyle/>
+                        <a:p>
+                          <a:pPr algn="ctr" fontAlgn="b"/>
+                          <a:r>
+                            <a:rPr lang="en-ID" sz="1100" b="0" i="0" u="none" strike="noStrike" dirty="0">
+                              <a:solidFill>
+                                <a:srgbClr val="000000"/>
+                              </a:solidFill>
+                              <a:effectLst/>
+                              <a:latin typeface="Calibri" panose="020F0502020204030204" pitchFamily="34" charset="0"/>
+                            </a:rPr>
+                            <a:t>1342,5</a:t>
+                          </a:r>
+                        </a:p>
+                      </a:txBody>
+                      <a:tcPr marL="0" marR="0" marT="0" marB="0" anchor="ctr"/>
+                    </a:tc>
+                    <a:tc>
+                      <a:txBody>
+                        <a:bodyPr/>
+                        <a:lstStyle/>
+                        <a:p>
+                          <a:pPr algn="ctr" fontAlgn="b"/>
+                          <a:r>
+                            <a:rPr lang="en-ID" sz="1100" b="0" i="0" u="none" strike="noStrike" dirty="0">
+                              <a:solidFill>
+                                <a:srgbClr val="000000"/>
+                              </a:solidFill>
+                              <a:effectLst/>
+                              <a:latin typeface="Calibri" panose="020F0502020204030204" pitchFamily="34" charset="0"/>
+                            </a:rPr>
+                            <a:t>4,2</a:t>
+                          </a:r>
+                        </a:p>
+                      </a:txBody>
+                      <a:tcPr marL="0" marR="0" marT="0" marB="0" anchor="ctr"/>
+                    </a:tc>
+                    <a:tc>
+                      <a:txBody>
+                        <a:bodyPr/>
+                        <a:lstStyle/>
+                        <a:p>
+                          <a:pPr algn="ctr" fontAlgn="b"/>
+                          <a:r>
+                            <a:rPr lang="en-ID" sz="1100" b="0" i="0" u="none" strike="noStrike" dirty="0">
+                              <a:solidFill>
+                                <a:srgbClr val="000000"/>
+                              </a:solidFill>
+                              <a:effectLst/>
+                              <a:latin typeface="Calibri" panose="020F0502020204030204" pitchFamily="34" charset="0"/>
+                            </a:rPr>
+                            <a:t>63</a:t>
+                          </a:r>
+                        </a:p>
+                      </a:txBody>
+                      <a:tcPr marL="0" marR="0" marT="0" marB="0" anchor="ctr"/>
+                    </a:tc>
+                    <a:extLst>
+                      <a:ext uri="{0D108BD9-81ED-4DB2-BD59-A6C34878D82A}">
+                        <a16:rowId xmlns:a16="http://schemas.microsoft.com/office/drawing/2014/main" val="3248774865"/>
+                      </a:ext>
+                    </a:extLst>
+                  </a:tr>
+                  <a:tr h="273832">
+                    <a:tc>
+                      <a:txBody>
+                        <a:bodyPr/>
+                        <a:lstStyle/>
+                        <a:p>
+                          <a:pPr algn="ctr" fontAlgn="ctr"/>
+                          <a:r>
+                            <a:rPr lang="en-ID" sz="1100" b="0" i="0" u="none" strike="noStrike">
+                              <a:solidFill>
+                                <a:srgbClr val="000000"/>
+                              </a:solidFill>
+                              <a:effectLst/>
+                              <a:latin typeface="Calibri" panose="020F0502020204030204" pitchFamily="34" charset="0"/>
+                            </a:rPr>
+                            <a:t>93 - 98</a:t>
+                          </a:r>
+                        </a:p>
+                      </a:txBody>
+                      <a:tcPr marL="0" marR="0" marT="0" marB="0" anchor="ctr"/>
+                    </a:tc>
+                    <a:tc>
+                      <a:txBody>
+                        <a:bodyPr/>
+                        <a:lstStyle/>
+                        <a:p>
+                          <a:pPr algn="ctr" fontAlgn="ctr"/>
+                          <a:r>
+                            <a:rPr lang="en-ID" sz="1100" b="0" i="0" u="none" strike="noStrike">
+                              <a:solidFill>
+                                <a:srgbClr val="000000"/>
+                              </a:solidFill>
+                              <a:effectLst/>
+                              <a:latin typeface="Calibri" panose="020F0502020204030204" pitchFamily="34" charset="0"/>
+                            </a:rPr>
+                            <a:t>13</a:t>
+                          </a:r>
+                        </a:p>
+                      </a:txBody>
+                      <a:tcPr marL="0" marR="0" marT="0" marB="0" anchor="ctr"/>
+                    </a:tc>
+                    <a:tc>
+                      <a:txBody>
+                        <a:bodyPr/>
+                        <a:lstStyle/>
+                        <a:p>
+                          <a:pPr algn="ctr" fontAlgn="b"/>
+                          <a:r>
+                            <a:rPr lang="en-ID" sz="1100" b="0" i="0" u="none" strike="noStrike">
+                              <a:solidFill>
+                                <a:srgbClr val="000000"/>
+                              </a:solidFill>
+                              <a:effectLst/>
+                              <a:latin typeface="Calibri" panose="020F0502020204030204" pitchFamily="34" charset="0"/>
+                            </a:rPr>
+                            <a:t>95,5</a:t>
+                          </a:r>
+                        </a:p>
+                      </a:txBody>
+                      <a:tcPr marL="0" marR="0" marT="0" marB="0" anchor="ctr"/>
+                    </a:tc>
+                    <a:tc>
+                      <a:txBody>
+                        <a:bodyPr/>
+                        <a:lstStyle/>
+                        <a:p>
+                          <a:pPr algn="ctr" fontAlgn="b"/>
+                          <a:r>
+                            <a:rPr lang="en-ID" sz="1100" b="0" i="0" u="none" strike="noStrike">
+                              <a:solidFill>
+                                <a:srgbClr val="000000"/>
+                              </a:solidFill>
+                              <a:effectLst/>
+                              <a:latin typeface="Calibri" panose="020F0502020204030204" pitchFamily="34" charset="0"/>
+                            </a:rPr>
+                            <a:t>1241,5</a:t>
+                          </a:r>
+                        </a:p>
+                      </a:txBody>
+                      <a:tcPr marL="0" marR="0" marT="0" marB="0" anchor="ctr"/>
+                    </a:tc>
+                    <a:tc>
+                      <a:txBody>
+                        <a:bodyPr/>
+                        <a:lstStyle/>
+                        <a:p>
+                          <a:pPr algn="ctr" fontAlgn="b"/>
+                          <a:r>
+                            <a:rPr lang="en-ID" sz="1100" b="0" i="0" u="none" strike="noStrike" dirty="0">
+                              <a:solidFill>
+                                <a:srgbClr val="000000"/>
+                              </a:solidFill>
+                              <a:effectLst/>
+                              <a:latin typeface="Calibri" panose="020F0502020204030204" pitchFamily="34" charset="0"/>
+                            </a:rPr>
+                            <a:t>10,2</a:t>
+                          </a:r>
+                        </a:p>
+                      </a:txBody>
+                      <a:tcPr marL="0" marR="0" marT="0" marB="0" anchor="ctr"/>
+                    </a:tc>
+                    <a:tc>
+                      <a:txBody>
+                        <a:bodyPr/>
+                        <a:lstStyle/>
+                        <a:p>
+                          <a:pPr algn="ctr" fontAlgn="b"/>
+                          <a:r>
+                            <a:rPr lang="en-ID" sz="1100" b="0" i="0" u="none" strike="noStrike" dirty="0">
+                              <a:solidFill>
+                                <a:srgbClr val="000000"/>
+                              </a:solidFill>
+                              <a:effectLst/>
+                              <a:latin typeface="Calibri" panose="020F0502020204030204" pitchFamily="34" charset="0"/>
+                            </a:rPr>
+                            <a:t>132,6</a:t>
+                          </a:r>
+                        </a:p>
+                      </a:txBody>
+                      <a:tcPr marL="0" marR="0" marT="0" marB="0" anchor="ctr"/>
+                    </a:tc>
+                    <a:extLst>
+                      <a:ext uri="{0D108BD9-81ED-4DB2-BD59-A6C34878D82A}">
+                        <a16:rowId xmlns:a16="http://schemas.microsoft.com/office/drawing/2014/main" val="247365302"/>
+                      </a:ext>
+                    </a:extLst>
+                  </a:tr>
+                  <a:tr h="273832">
+                    <a:tc>
+                      <a:txBody>
+                        <a:bodyPr/>
+                        <a:lstStyle/>
+                        <a:p>
+                          <a:pPr algn="ctr" fontAlgn="ctr"/>
+                          <a:r>
+                            <a:rPr lang="en-ID" sz="1100" b="0" i="0" u="none" strike="noStrike">
+                              <a:solidFill>
+                                <a:srgbClr val="000000"/>
+                              </a:solidFill>
+                              <a:effectLst/>
+                              <a:latin typeface="Calibri" panose="020F0502020204030204" pitchFamily="34" charset="0"/>
+                            </a:rPr>
+                            <a:t>Jumlah</a:t>
+                          </a:r>
+                        </a:p>
+                      </a:txBody>
+                      <a:tcPr marL="0" marR="0" marT="0" marB="0" anchor="ctr"/>
+                    </a:tc>
+                    <a:tc>
+                      <a:txBody>
+                        <a:bodyPr/>
+                        <a:lstStyle/>
+                        <a:p>
+                          <a:pPr algn="ctr" fontAlgn="ctr"/>
+                          <a:r>
+                            <a:rPr lang="en-ID" sz="1100" b="0" i="0" u="none" strike="noStrike" dirty="0">
+                              <a:solidFill>
+                                <a:srgbClr val="000000"/>
+                              </a:solidFill>
+                              <a:effectLst/>
+                              <a:latin typeface="Calibri" panose="020F0502020204030204" pitchFamily="34" charset="0"/>
+                            </a:rPr>
+                            <a:t>50</a:t>
+                          </a:r>
+                        </a:p>
+                      </a:txBody>
+                      <a:tcPr marL="0" marR="0" marT="0" marB="0" anchor="ctr"/>
+                    </a:tc>
+                    <a:tc>
+                      <a:txBody>
+                        <a:bodyPr/>
+                        <a:lstStyle/>
+                        <a:p>
+                          <a:pPr algn="ctr" fontAlgn="b"/>
+                          <a:r>
+                            <a:rPr lang="en-ID" sz="1100" b="0" i="0" u="none" strike="noStrike">
+                              <a:solidFill>
+                                <a:srgbClr val="000000"/>
+                              </a:solidFill>
+                              <a:effectLst/>
+                              <a:latin typeface="Calibri" panose="020F0502020204030204" pitchFamily="34" charset="0"/>
+                            </a:rPr>
+                            <a:t> </a:t>
+                          </a:r>
+                        </a:p>
+                      </a:txBody>
+                      <a:tcPr marL="0" marR="0" marT="0" marB="0" anchor="ctr"/>
+                    </a:tc>
+                    <a:tc>
+                      <a:txBody>
+                        <a:bodyPr/>
+                        <a:lstStyle/>
+                        <a:p>
+                          <a:pPr algn="ctr" fontAlgn="b"/>
+                          <a:r>
+                            <a:rPr lang="en-ID" sz="1100" b="0" i="0" u="none" strike="noStrike">
+                              <a:solidFill>
+                                <a:srgbClr val="000000"/>
+                              </a:solidFill>
+                              <a:effectLst/>
+                              <a:latin typeface="Calibri" panose="020F0502020204030204" pitchFamily="34" charset="0"/>
+                            </a:rPr>
+                            <a:t>4265</a:t>
+                          </a:r>
+                        </a:p>
+                      </a:txBody>
+                      <a:tcPr marL="0" marR="0" marT="0" marB="0" anchor="ctr"/>
+                    </a:tc>
+                    <a:tc>
+                      <a:txBody>
+                        <a:bodyPr/>
+                        <a:lstStyle/>
+                        <a:p>
+                          <a:pPr algn="ctr" fontAlgn="b"/>
+                          <a:r>
+                            <a:rPr lang="en-ID" sz="1100" b="0" i="0" u="none" strike="noStrike">
+                              <a:solidFill>
+                                <a:srgbClr val="000000"/>
+                              </a:solidFill>
+                              <a:effectLst/>
+                              <a:latin typeface="Calibri" panose="020F0502020204030204" pitchFamily="34" charset="0"/>
+                            </a:rPr>
+                            <a:t> </a:t>
+                          </a:r>
+                        </a:p>
+                      </a:txBody>
+                      <a:tcPr marL="0" marR="0" marT="0" marB="0" anchor="ctr"/>
+                    </a:tc>
+                    <a:tc>
+                      <a:txBody>
+                        <a:bodyPr/>
+                        <a:lstStyle/>
+                        <a:p>
+                          <a:pPr algn="ctr" fontAlgn="b"/>
+                          <a:r>
+                            <a:rPr lang="en-ID" sz="1100" b="0" i="0" u="none" strike="noStrike" dirty="0">
+                              <a:solidFill>
+                                <a:srgbClr val="000000"/>
+                              </a:solidFill>
+                              <a:effectLst/>
+                              <a:latin typeface="Calibri" panose="020F0502020204030204" pitchFamily="34" charset="0"/>
+                            </a:rPr>
+                            <a:t>391,2</a:t>
+                          </a:r>
+                        </a:p>
+                      </a:txBody>
+                      <a:tcPr marL="0" marR="0" marT="0" marB="0" anchor="ctr"/>
+                    </a:tc>
+                    <a:extLst>
+                      <a:ext uri="{0D108BD9-81ED-4DB2-BD59-A6C34878D82A}">
+                        <a16:rowId xmlns:a16="http://schemas.microsoft.com/office/drawing/2014/main" val="489176614"/>
+                      </a:ext>
+                    </a:extLst>
+                  </a:tr>
+                </a:tbl>
+              </a:graphicData>
+            </a:graphic>
+          </p:graphicFrame>
+        </mc:Fallback>
+      </mc:AlternateContent>
+      <p:sp>
+        <p:nvSpPr>
+          <p:cNvPr id="5" name="TextBox 4">
+            <a:extLst>
+              <a:ext uri="{FF2B5EF4-FFF2-40B4-BE49-F238E27FC236}">
+                <a16:creationId xmlns:a16="http://schemas.microsoft.com/office/drawing/2014/main" id="{705CFAAE-1E2A-4496-916E-EA7CEEF19C5C}"/>
+              </a:ext>
+            </a:extLst>
+          </p:cNvPr>
+          <p:cNvSpPr txBox="1"/>
+          <p:nvPr/>
+        </p:nvSpPr>
+        <p:spPr>
+          <a:xfrm>
+            <a:off x="395536" y="1577342"/>
+            <a:ext cx="4113410" cy="400110"/>
+          </a:xfrm>
+          <a:prstGeom prst="rect">
+            <a:avLst/>
+          </a:prstGeom>
+          <a:noFill/>
+        </p:spPr>
+        <p:txBody>
+          <a:bodyPr wrap="square" rtlCol="0" anchor="ctr">
+            <a:spAutoFit/>
+          </a:bodyPr>
+          <a:lstStyle/>
+          <a:p>
+            <a:pPr algn="just"/>
+            <a:r>
+              <a:rPr lang="en-US" sz="2000" dirty="0">
+                <a:sym typeface="Wingdings" panose="05000000000000000000" pitchFamily="2" charset="2"/>
+              </a:rPr>
+              <a:t> </a:t>
+            </a:r>
+            <a:r>
+              <a:rPr lang="en-US" sz="2000" dirty="0" err="1">
+                <a:sym typeface="Wingdings" panose="05000000000000000000" pitchFamily="2" charset="2"/>
+              </a:rPr>
+              <a:t>Mencari</a:t>
+            </a:r>
+            <a:r>
+              <a:rPr lang="en-US" sz="2000" dirty="0">
+                <a:sym typeface="Wingdings" panose="05000000000000000000" pitchFamily="2" charset="2"/>
+              </a:rPr>
+              <a:t> </a:t>
+            </a:r>
+            <a:r>
+              <a:rPr lang="en-US" sz="2000" dirty="0" err="1">
+                <a:sym typeface="Wingdings" panose="05000000000000000000" pitchFamily="2" charset="2"/>
+              </a:rPr>
+              <a:t>Simpangan</a:t>
+            </a:r>
+            <a:r>
+              <a:rPr lang="en-US" sz="2000" dirty="0">
+                <a:sym typeface="Wingdings" panose="05000000000000000000" pitchFamily="2" charset="2"/>
+              </a:rPr>
+              <a:t> Rata-Rata</a:t>
+            </a:r>
+            <a:endParaRPr lang="en-US" altLang="ko-KR" sz="2000" dirty="0">
+              <a:solidFill>
+                <a:schemeClr val="tx1">
+                  <a:lumMod val="75000"/>
+                  <a:lumOff val="25000"/>
+                </a:schemeClr>
+              </a:solidFill>
+              <a:cs typeface="Arial" pitchFamily="34" charset="0"/>
+            </a:endParaRPr>
+          </a:p>
+        </p:txBody>
+      </p:sp>
+      <mc:AlternateContent xmlns:mc="http://schemas.openxmlformats.org/markup-compatibility/2006">
+        <mc:Choice xmlns:a14="http://schemas.microsoft.com/office/drawing/2010/main" Requires="a14">
+          <p:sp>
+            <p:nvSpPr>
+              <p:cNvPr id="6" name="TextBox 5">
+                <a:extLst>
+                  <a:ext uri="{FF2B5EF4-FFF2-40B4-BE49-F238E27FC236}">
+                    <a16:creationId xmlns:a16="http://schemas.microsoft.com/office/drawing/2014/main" id="{8B9FE4B1-218D-4515-A4AA-02F4E15E0482}"/>
+                  </a:ext>
+                </a:extLst>
+              </p:cNvPr>
+              <p:cNvSpPr txBox="1"/>
+              <p:nvPr/>
+            </p:nvSpPr>
+            <p:spPr>
+              <a:xfrm>
+                <a:off x="5940152" y="2571750"/>
+                <a:ext cx="2088232" cy="707886"/>
+              </a:xfrm>
+              <a:prstGeom prst="rect">
+                <a:avLst/>
+              </a:prstGeom>
+              <a:noFill/>
+            </p:spPr>
+            <p:txBody>
+              <a:bodyPr wrap="square" rtlCol="0">
+                <a:spAutoFit/>
+              </a:bodyPr>
+              <a:lstStyle/>
+              <a:p>
+                <a14:m>
+                  <m:oMath xmlns:m="http://schemas.openxmlformats.org/officeDocument/2006/math">
+                    <m:acc>
+                      <m:accPr>
+                        <m:chr m:val="̅"/>
+                        <m:ctrlPr>
+                          <a:rPr lang="en-ID" i="1">
+                            <a:latin typeface="Cambria Math" panose="02040503050406030204" pitchFamily="18" charset="0"/>
+                            <a:ea typeface="Cambria Math" panose="02040503050406030204" pitchFamily="18" charset="0"/>
+                          </a:rPr>
+                        </m:ctrlPr>
+                      </m:accPr>
+                      <m:e>
+                        <m:r>
+                          <a:rPr lang="en-ID" i="1">
+                            <a:latin typeface="Cambria Math" panose="02040503050406030204" pitchFamily="18" charset="0"/>
+                            <a:ea typeface="Cambria Math" panose="02040503050406030204" pitchFamily="18" charset="0"/>
+                          </a:rPr>
+                          <m:t>𝑥</m:t>
+                        </m:r>
+                      </m:e>
+                    </m:acc>
+                  </m:oMath>
+                </a14:m>
+                <a:r>
+                  <a:rPr lang="en-ID" sz="2000" dirty="0"/>
+                  <a:t> = 85.3</a:t>
+                </a:r>
+              </a:p>
+              <a:p>
+                <a:r>
+                  <a:rPr lang="en-ID" sz="2000" dirty="0"/>
+                  <a:t>SR = 7.824</a:t>
+                </a:r>
+              </a:p>
+            </p:txBody>
+          </p:sp>
+        </mc:Choice>
+        <mc:Fallback>
+          <p:sp>
+            <p:nvSpPr>
+              <p:cNvPr id="6" name="TextBox 5">
+                <a:extLst>
+                  <a:ext uri="{FF2B5EF4-FFF2-40B4-BE49-F238E27FC236}">
+                    <a16:creationId xmlns:a16="http://schemas.microsoft.com/office/drawing/2014/main" id="{8B9FE4B1-218D-4515-A4AA-02F4E15E0482}"/>
+                  </a:ext>
+                </a:extLst>
+              </p:cNvPr>
+              <p:cNvSpPr txBox="1">
+                <a:spLocks noRot="1" noChangeAspect="1" noMove="1" noResize="1" noEditPoints="1" noAdjustHandles="1" noChangeArrowheads="1" noChangeShapeType="1" noTextEdit="1"/>
+              </p:cNvSpPr>
+              <p:nvPr/>
+            </p:nvSpPr>
+            <p:spPr>
+              <a:xfrm>
+                <a:off x="5940152" y="2571750"/>
+                <a:ext cx="2088232" cy="707886"/>
+              </a:xfrm>
+              <a:prstGeom prst="rect">
+                <a:avLst/>
+              </a:prstGeom>
+              <a:blipFill>
+                <a:blip r:embed="rId3"/>
+                <a:stretch>
+                  <a:fillRect l="-2915" t="-4310" b="-15517"/>
+                </a:stretch>
+              </a:blipFill>
+            </p:spPr>
+            <p:txBody>
+              <a:bodyPr/>
+              <a:lstStyle/>
+              <a:p>
+                <a:r>
+                  <a:rPr lang="en-ID">
+                    <a:noFill/>
+                  </a:rPr>
+                  <a:t> </a:t>
+                </a:r>
+              </a:p>
+            </p:txBody>
+          </p:sp>
+        </mc:Fallback>
+      </mc:AlternateContent>
+    </p:spTree>
+    <p:extLst>
+      <p:ext uri="{BB962C8B-B14F-4D97-AF65-F5344CB8AC3E}">
+        <p14:creationId xmlns:p14="http://schemas.microsoft.com/office/powerpoint/2010/main" val="2861889462"/>
+      </p:ext>
+    </p:extLst>
+  </p:cSld>
+  <p:clrMapOvr>
+    <a:masterClrMapping/>
+  </p:clrMapOvr>
+</p:sld>
+</file>
+
+<file path=ppt/slides/slide19.xml><?xml version="1.0" encoding="utf-8"?>
+<p:sld xmlns:a="http://schemas.openxmlformats.org/drawingml/2006/main" xmlns:r="http://schemas.openxmlformats.org/officeDocument/2006/relationships" xmlns:p="http://schemas.openxmlformats.org/presentationml/2006/main">
+  <p:cSld>
+    <p:spTree>
+      <p:nvGrpSpPr>
+        <p:cNvPr id="1" name=""/>
+        <p:cNvGrpSpPr/>
+        <p:nvPr/>
+      </p:nvGrpSpPr>
+      <p:grpSpPr>
+        <a:xfrm>
+          <a:off x="0" y="0"/>
+          <a:ext cx="0" cy="0"/>
+          <a:chOff x="0" y="0"/>
+          <a:chExt cx="0" cy="0"/>
+        </a:xfrm>
+      </p:grpSpPr>
+      <p:sp>
+        <p:nvSpPr>
+          <p:cNvPr id="2" name="Text Placeholder 1">
+            <a:extLst>
+              <a:ext uri="{FF2B5EF4-FFF2-40B4-BE49-F238E27FC236}">
+                <a16:creationId xmlns:a16="http://schemas.microsoft.com/office/drawing/2014/main" id="{0473AE43-C7F9-4584-A8DD-E832B858E4DA}"/>
+              </a:ext>
+            </a:extLst>
+          </p:cNvPr>
+          <p:cNvSpPr>
+            <a:spLocks noGrp="1"/>
+          </p:cNvSpPr>
+          <p:nvPr>
+            <p:ph type="body" sz="quarter" idx="10"/>
+          </p:nvPr>
+        </p:nvSpPr>
+        <p:spPr/>
+        <p:txBody>
+          <a:bodyPr/>
+          <a:lstStyle/>
+          <a:p>
+            <a:r>
+              <a:rPr lang="en-ID" dirty="0" err="1"/>
+              <a:t>Studi</a:t>
+            </a:r>
+            <a:r>
+              <a:rPr lang="en-ID" dirty="0"/>
+              <a:t> </a:t>
+            </a:r>
+            <a:r>
+              <a:rPr lang="en-ID" dirty="0" err="1"/>
+              <a:t>Kasus</a:t>
+            </a:r>
+            <a:endParaRPr lang="en-ID" dirty="0"/>
+          </a:p>
+        </p:txBody>
+      </p:sp>
+      <p:sp>
+        <p:nvSpPr>
+          <p:cNvPr id="3" name="Text Placeholder 2">
+            <a:extLst>
+              <a:ext uri="{FF2B5EF4-FFF2-40B4-BE49-F238E27FC236}">
+                <a16:creationId xmlns:a16="http://schemas.microsoft.com/office/drawing/2014/main" id="{6D500731-E0BB-4876-9894-2FF0535FA48C}"/>
+              </a:ext>
+            </a:extLst>
+          </p:cNvPr>
+          <p:cNvSpPr>
+            <a:spLocks noGrp="1"/>
+          </p:cNvSpPr>
+          <p:nvPr>
+            <p:ph type="body" sz="quarter" idx="11"/>
+          </p:nvPr>
+        </p:nvSpPr>
+        <p:spPr/>
+        <p:txBody>
+          <a:bodyPr/>
+          <a:lstStyle/>
+          <a:p>
+            <a:r>
+              <a:rPr lang="en-US" b="1" dirty="0" err="1"/>
+              <a:t>Tabel</a:t>
+            </a:r>
+            <a:r>
+              <a:rPr lang="en-US" b="1" dirty="0"/>
+              <a:t> data </a:t>
+            </a:r>
+            <a:r>
+              <a:rPr lang="en-US" b="1" dirty="0" err="1"/>
+              <a:t>nilai</a:t>
+            </a:r>
+            <a:r>
+              <a:rPr lang="en-US" b="1" dirty="0"/>
+              <a:t> </a:t>
+            </a:r>
+            <a:r>
+              <a:rPr lang="en-US" b="1" dirty="0" err="1"/>
+              <a:t>ujian</a:t>
+            </a:r>
+            <a:r>
+              <a:rPr lang="en-US" b="1" dirty="0"/>
+              <a:t> Pelajaran Agama Islam 50 </a:t>
+            </a:r>
+            <a:r>
+              <a:rPr lang="en-US" b="1" dirty="0" err="1"/>
+              <a:t>Siswa</a:t>
+            </a:r>
+            <a:endParaRPr lang="en-US" altLang="ko-KR" b="1" dirty="0"/>
+          </a:p>
+        </p:txBody>
+      </p:sp>
+      <p:sp>
+        <p:nvSpPr>
+          <p:cNvPr id="5" name="TextBox 4">
+            <a:extLst>
+              <a:ext uri="{FF2B5EF4-FFF2-40B4-BE49-F238E27FC236}">
+                <a16:creationId xmlns:a16="http://schemas.microsoft.com/office/drawing/2014/main" id="{705CFAAE-1E2A-4496-916E-EA7CEEF19C5C}"/>
+              </a:ext>
+            </a:extLst>
+          </p:cNvPr>
+          <p:cNvSpPr txBox="1"/>
+          <p:nvPr/>
+        </p:nvSpPr>
+        <p:spPr>
+          <a:xfrm>
+            <a:off x="395536" y="1577342"/>
+            <a:ext cx="4113410" cy="400110"/>
+          </a:xfrm>
+          <a:prstGeom prst="rect">
+            <a:avLst/>
+          </a:prstGeom>
+          <a:noFill/>
+        </p:spPr>
+        <p:txBody>
+          <a:bodyPr wrap="square" rtlCol="0" anchor="ctr">
+            <a:spAutoFit/>
+          </a:bodyPr>
+          <a:lstStyle/>
+          <a:p>
+            <a:pPr algn="just"/>
+            <a:r>
+              <a:rPr lang="en-US" sz="2000" dirty="0">
+                <a:sym typeface="Wingdings" panose="05000000000000000000" pitchFamily="2" charset="2"/>
+              </a:rPr>
+              <a:t> </a:t>
+            </a:r>
+            <a:r>
+              <a:rPr lang="en-US" sz="2000" dirty="0" err="1">
+                <a:sym typeface="Wingdings" panose="05000000000000000000" pitchFamily="2" charset="2"/>
+              </a:rPr>
+              <a:t>Mencari</a:t>
+            </a:r>
+            <a:r>
+              <a:rPr lang="en-US" sz="2000" dirty="0">
+                <a:sym typeface="Wingdings" panose="05000000000000000000" pitchFamily="2" charset="2"/>
+              </a:rPr>
+              <a:t> </a:t>
+            </a:r>
+            <a:r>
+              <a:rPr lang="en-US" sz="2000" dirty="0" err="1">
+                <a:sym typeface="Wingdings" panose="05000000000000000000" pitchFamily="2" charset="2"/>
+              </a:rPr>
+              <a:t>Variansi</a:t>
+            </a:r>
+            <a:endParaRPr lang="en-US" altLang="ko-KR" sz="2000" dirty="0">
+              <a:solidFill>
+                <a:schemeClr val="tx1">
+                  <a:lumMod val="75000"/>
+                  <a:lumOff val="25000"/>
+                </a:schemeClr>
+              </a:solidFill>
+              <a:cs typeface="Arial" pitchFamily="34" charset="0"/>
+            </a:endParaRPr>
+          </a:p>
+        </p:txBody>
+      </p:sp>
+      <mc:AlternateContent xmlns:mc="http://schemas.openxmlformats.org/markup-compatibility/2006">
+        <mc:Choice xmlns:a14="http://schemas.microsoft.com/office/drawing/2010/main" Requires="a14">
+          <p:graphicFrame>
+            <p:nvGraphicFramePr>
+              <p:cNvPr id="11" name="Table 10">
+                <a:extLst>
+                  <a:ext uri="{FF2B5EF4-FFF2-40B4-BE49-F238E27FC236}">
+                    <a16:creationId xmlns:a16="http://schemas.microsoft.com/office/drawing/2014/main" id="{315FD462-5BB4-4575-80A2-AE85C7F22541}"/>
+                  </a:ext>
+                </a:extLst>
+              </p:cNvPr>
+              <p:cNvGraphicFramePr>
+                <a:graphicFrameLocks noGrp="1"/>
+              </p:cNvGraphicFramePr>
+              <p:nvPr>
+                <p:extLst>
+                  <p:ext uri="{D42A27DB-BD31-4B8C-83A1-F6EECF244321}">
+                    <p14:modId xmlns:p14="http://schemas.microsoft.com/office/powerpoint/2010/main" val="3711623995"/>
+                  </p:ext>
+                </p:extLst>
+              </p:nvPr>
+            </p:nvGraphicFramePr>
+            <p:xfrm>
+              <a:off x="600074" y="2208786"/>
+              <a:ext cx="3395861" cy="2019147"/>
+            </p:xfrm>
+            <a:graphic>
+              <a:graphicData uri="http://schemas.openxmlformats.org/drawingml/2006/table">
+                <a:tbl>
+                  <a:tblPr>
+                    <a:tableStyleId>{5940675A-B579-460E-94D1-54222C63F5DA}</a:tableStyleId>
+                  </a:tblPr>
+                  <a:tblGrid>
+                    <a:gridCol w="755073">
+                      <a:extLst>
+                        <a:ext uri="{9D8B030D-6E8A-4147-A177-3AD203B41FA5}">
+                          <a16:colId xmlns:a16="http://schemas.microsoft.com/office/drawing/2014/main" val="1906070166"/>
+                        </a:ext>
+                      </a:extLst>
+                    </a:gridCol>
+                    <a:gridCol w="755073">
+                      <a:extLst>
+                        <a:ext uri="{9D8B030D-6E8A-4147-A177-3AD203B41FA5}">
+                          <a16:colId xmlns:a16="http://schemas.microsoft.com/office/drawing/2014/main" val="3726356507"/>
+                        </a:ext>
+                      </a:extLst>
+                    </a:gridCol>
+                    <a:gridCol w="445556">
+                      <a:extLst>
+                        <a:ext uri="{9D8B030D-6E8A-4147-A177-3AD203B41FA5}">
+                          <a16:colId xmlns:a16="http://schemas.microsoft.com/office/drawing/2014/main" val="932284581"/>
+                        </a:ext>
+                      </a:extLst>
+                    </a:gridCol>
+                    <a:gridCol w="720080">
+                      <a:extLst>
+                        <a:ext uri="{9D8B030D-6E8A-4147-A177-3AD203B41FA5}">
+                          <a16:colId xmlns:a16="http://schemas.microsoft.com/office/drawing/2014/main" val="1870385874"/>
+                        </a:ext>
+                      </a:extLst>
+                    </a:gridCol>
+                    <a:gridCol w="720079">
+                      <a:extLst>
+                        <a:ext uri="{9D8B030D-6E8A-4147-A177-3AD203B41FA5}">
+                          <a16:colId xmlns:a16="http://schemas.microsoft.com/office/drawing/2014/main" val="3648027952"/>
+                        </a:ext>
+                      </a:extLst>
+                    </a:gridCol>
+                  </a:tblGrid>
+                  <a:tr h="200910">
+                    <a:tc>
+                      <a:txBody>
+                        <a:bodyPr/>
+                        <a:lstStyle/>
+                        <a:p>
+                          <a:pPr algn="ctr" fontAlgn="ctr"/>
+                          <a:r>
+                            <a:rPr lang="en-ID" sz="1100" u="none" strike="noStrike" dirty="0" err="1">
+                              <a:effectLst/>
+                            </a:rPr>
+                            <a:t>Periode</a:t>
+                          </a:r>
+                          <a:endParaRPr lang="en-ID" sz="1100" b="0" i="0" u="none" strike="noStrike" dirty="0">
+                            <a:solidFill>
+                              <a:srgbClr val="000000"/>
+                            </a:solidFill>
+                            <a:effectLst/>
+                            <a:latin typeface="Calibri" panose="020F0502020204030204" pitchFamily="34" charset="0"/>
+                          </a:endParaRPr>
+                        </a:p>
+                      </a:txBody>
+                      <a:tcPr marL="0" marR="0" marT="0" marB="0" anchor="ctr"/>
+                    </a:tc>
+                    <a:tc>
+                      <a:txBody>
+                        <a:bodyPr/>
+                        <a:lstStyle/>
+                        <a:p>
+                          <a:pPr algn="ctr" fontAlgn="ctr"/>
+                          <a:r>
+                            <a:rPr lang="en-ID" sz="1100" u="none" strike="noStrike">
+                              <a:effectLst/>
+                            </a:rPr>
+                            <a:t>F</a:t>
+                          </a:r>
+                          <a:endParaRPr lang="en-ID" sz="1100" b="0" i="0" u="none" strike="noStrike">
+                            <a:solidFill>
+                              <a:srgbClr val="000000"/>
+                            </a:solidFill>
+                            <a:effectLst/>
+                            <a:latin typeface="Calibri" panose="020F0502020204030204" pitchFamily="34" charset="0"/>
+                          </a:endParaRPr>
+                        </a:p>
+                      </a:txBody>
+                      <a:tcPr marL="0" marR="0" marT="0" marB="0" anchor="ctr"/>
+                    </a:tc>
+                    <a:tc>
+                      <a:txBody>
+                        <a:bodyPr/>
+                        <a:lstStyle/>
+                        <a:p>
+                          <a:pPr algn="ctr" fontAlgn="b"/>
+                          <a:r>
+                            <a:rPr lang="en-ID" sz="1100" u="none" strike="noStrike">
+                              <a:effectLst/>
+                            </a:rPr>
+                            <a:t>x</a:t>
+                          </a:r>
+                          <a:endParaRPr lang="en-ID" sz="1100" b="0" i="0" u="none" strike="noStrike">
+                            <a:solidFill>
+                              <a:srgbClr val="000000"/>
+                            </a:solidFill>
+                            <a:effectLst/>
+                            <a:latin typeface="Calibri" panose="020F0502020204030204" pitchFamily="34" charset="0"/>
+                          </a:endParaRPr>
+                        </a:p>
+                      </a:txBody>
+                      <a:tcPr marL="0" marR="0" marT="0" marB="0" anchor="ctr"/>
+                    </a:tc>
+                    <a:tc>
+                      <a:txBody>
+                        <a:bodyPr/>
+                        <a:lstStyle/>
+                        <a:p>
+                          <a:pPr algn="ctr" fontAlgn="b"/>
+                          <a:r>
+                            <a:rPr lang="en-ID" sz="1100" u="none" strike="noStrike" dirty="0" err="1">
+                              <a:effectLst/>
+                            </a:rPr>
+                            <a:t>fx</a:t>
+                          </a:r>
+                          <a:endParaRPr lang="en-ID" sz="1100" b="0" i="0" u="none" strike="noStrike" dirty="0">
+                            <a:solidFill>
+                              <a:srgbClr val="000000"/>
+                            </a:solidFill>
+                            <a:effectLst/>
+                            <a:latin typeface="Calibri" panose="020F0502020204030204" pitchFamily="34" charset="0"/>
+                          </a:endParaRPr>
+                        </a:p>
+                      </a:txBody>
+                      <a:tcPr marL="0" marR="0" marT="0" marB="0" anchor="ctr"/>
+                    </a:tc>
+                    <a:tc>
+                      <a:txBody>
+                        <a:bodyPr/>
+                        <a:lstStyle/>
+                        <a:p>
+                          <a:pPr marL="0" marR="0" lvl="0" indent="0" algn="ctr" defTabSz="914400" rtl="0" eaLnBrk="1" fontAlgn="b" latinLnBrk="1" hangingPunct="1">
+                            <a:lnSpc>
+                              <a:spcPct val="100000"/>
+                            </a:lnSpc>
+                            <a:spcBef>
+                              <a:spcPts val="0"/>
+                            </a:spcBef>
+                            <a:spcAft>
+                              <a:spcPts val="0"/>
+                            </a:spcAft>
+                            <a:buClrTx/>
+                            <a:buSzTx/>
+                            <a:buFontTx/>
+                            <a:buNone/>
+                            <a:tabLst/>
+                            <a:defRPr/>
+                          </a:pPr>
+                          <a:r>
+                            <a:rPr lang="en-ID" sz="1100" u="none" strike="noStrike" dirty="0">
+                              <a:effectLst/>
+                            </a:rPr>
+                            <a:t> </a:t>
+                          </a:r>
+                          <a:r>
+                            <a:rPr lang="en-US" sz="1100" dirty="0"/>
+                            <a:t>|</a:t>
+                          </a:r>
+                          <a14:m>
+                            <m:oMath xmlns:m="http://schemas.openxmlformats.org/officeDocument/2006/math">
+                              <m:r>
+                                <a:rPr lang="en-US" sz="1100"/>
+                                <m:t>𝑥</m:t>
+                              </m:r>
+                              <m:r>
+                                <a:rPr lang="en-US" sz="1100"/>
+                                <m:t>−</m:t>
+                              </m:r>
+                              <m:acc>
+                                <m:accPr>
+                                  <m:chr m:val="̅"/>
+                                  <m:ctrlPr>
+                                    <a:rPr lang="en-ID" sz="1100"/>
+                                  </m:ctrlPr>
+                                </m:accPr>
+                                <m:e>
+                                  <m:r>
+                                    <a:rPr lang="en-ID" sz="1100"/>
+                                    <m:t>𝑥</m:t>
+                                  </m:r>
+                                  <m:r>
+                                    <a:rPr lang="en-US" sz="1100"/>
+                                    <m:t>|</m:t>
+                                  </m:r>
+                                </m:e>
+                              </m:acc>
+                            </m:oMath>
+                          </a14:m>
+                          <a:endParaRPr lang="en-ID" sz="1200" dirty="0"/>
+                        </a:p>
+                      </a:txBody>
+                      <a:tcPr marL="0" marR="0" marT="0" marB="0" anchor="ctr"/>
+                    </a:tc>
+                    <a:extLst>
+                      <a:ext uri="{0D108BD9-81ED-4DB2-BD59-A6C34878D82A}">
+                        <a16:rowId xmlns:a16="http://schemas.microsoft.com/office/drawing/2014/main" val="1675220733"/>
+                      </a:ext>
+                    </a:extLst>
+                  </a:tr>
+                  <a:tr h="200910">
+                    <a:tc>
+                      <a:txBody>
+                        <a:bodyPr/>
+                        <a:lstStyle/>
+                        <a:p>
+                          <a:pPr algn="ctr" fontAlgn="ctr"/>
+                          <a:r>
+                            <a:rPr lang="en-ID" sz="1100" u="none" strike="noStrike" dirty="0">
+                              <a:effectLst/>
+                            </a:rPr>
+                            <a:t>57 - 62</a:t>
+                          </a:r>
+                          <a:endParaRPr lang="en-ID" sz="1100" b="0" i="0" u="none" strike="noStrike" dirty="0">
+                            <a:solidFill>
+                              <a:srgbClr val="000000"/>
+                            </a:solidFill>
+                            <a:effectLst/>
+                            <a:latin typeface="Calibri" panose="020F0502020204030204" pitchFamily="34" charset="0"/>
+                          </a:endParaRPr>
+                        </a:p>
+                      </a:txBody>
+                      <a:tcPr marL="0" marR="0" marT="0" marB="0" anchor="ctr"/>
+                    </a:tc>
+                    <a:tc>
+                      <a:txBody>
+                        <a:bodyPr/>
+                        <a:lstStyle/>
+                        <a:p>
+                          <a:pPr algn="ctr" fontAlgn="ctr"/>
+                          <a:r>
+                            <a:rPr lang="en-ID" sz="1100" u="none" strike="noStrike">
+                              <a:effectLst/>
+                            </a:rPr>
+                            <a:t>3</a:t>
+                          </a:r>
+                          <a:endParaRPr lang="en-ID" sz="1100" b="0" i="0" u="none" strike="noStrike">
+                            <a:solidFill>
+                              <a:srgbClr val="000000"/>
+                            </a:solidFill>
+                            <a:effectLst/>
+                            <a:latin typeface="Calibri" panose="020F0502020204030204" pitchFamily="34" charset="0"/>
+                          </a:endParaRPr>
+                        </a:p>
+                      </a:txBody>
+                      <a:tcPr marL="0" marR="0" marT="0" marB="0" anchor="ctr"/>
+                    </a:tc>
+                    <a:tc>
+                      <a:txBody>
+                        <a:bodyPr/>
+                        <a:lstStyle/>
+                        <a:p>
+                          <a:pPr algn="ctr" fontAlgn="b"/>
+                          <a:r>
+                            <a:rPr lang="en-ID" sz="1100" u="none" strike="noStrike">
+                              <a:effectLst/>
+                            </a:rPr>
+                            <a:t>59,5</a:t>
+                          </a:r>
+                          <a:endParaRPr lang="en-ID" sz="1100" b="0" i="0" u="none" strike="noStrike">
+                            <a:solidFill>
+                              <a:srgbClr val="000000"/>
+                            </a:solidFill>
+                            <a:effectLst/>
+                            <a:latin typeface="Calibri" panose="020F0502020204030204" pitchFamily="34" charset="0"/>
+                          </a:endParaRPr>
+                        </a:p>
+                      </a:txBody>
+                      <a:tcPr marL="0" marR="0" marT="0" marB="0" anchor="ctr"/>
+                    </a:tc>
+                    <a:tc>
+                      <a:txBody>
+                        <a:bodyPr/>
+                        <a:lstStyle/>
+                        <a:p>
+                          <a:pPr algn="ctr" fontAlgn="b"/>
+                          <a:r>
+                            <a:rPr lang="en-ID" sz="1100" u="none" strike="noStrike">
+                              <a:effectLst/>
+                            </a:rPr>
+                            <a:t>178,5</a:t>
+                          </a:r>
+                          <a:endParaRPr lang="en-ID" sz="1100" b="0" i="0" u="none" strike="noStrike">
+                            <a:solidFill>
+                              <a:srgbClr val="000000"/>
+                            </a:solidFill>
+                            <a:effectLst/>
+                            <a:latin typeface="Calibri" panose="020F0502020204030204" pitchFamily="34" charset="0"/>
+                          </a:endParaRPr>
+                        </a:p>
+                      </a:txBody>
+                      <a:tcPr marL="0" marR="0" marT="0" marB="0" anchor="ctr"/>
+                    </a:tc>
+                    <a:tc>
+                      <a:txBody>
+                        <a:bodyPr/>
+                        <a:lstStyle/>
+                        <a:p>
+                          <a:pPr algn="ctr" fontAlgn="b"/>
+                          <a:r>
+                            <a:rPr lang="en-ID" sz="1100" u="none" strike="noStrike" dirty="0">
+                              <a:effectLst/>
+                            </a:rPr>
+                            <a:t>59,5</a:t>
+                          </a:r>
+                          <a:endParaRPr lang="en-ID" sz="1100" b="0" i="0" u="none" strike="noStrike" dirty="0">
+                            <a:solidFill>
+                              <a:srgbClr val="000000"/>
+                            </a:solidFill>
+                            <a:effectLst/>
+                            <a:latin typeface="Calibri" panose="020F0502020204030204" pitchFamily="34" charset="0"/>
+                          </a:endParaRPr>
+                        </a:p>
+                      </a:txBody>
+                      <a:tcPr marL="0" marR="0" marT="0" marB="0" anchor="ctr"/>
+                    </a:tc>
+                    <a:extLst>
+                      <a:ext uri="{0D108BD9-81ED-4DB2-BD59-A6C34878D82A}">
+                        <a16:rowId xmlns:a16="http://schemas.microsoft.com/office/drawing/2014/main" val="17396747"/>
+                      </a:ext>
+                    </a:extLst>
+                  </a:tr>
+                  <a:tr h="200910">
+                    <a:tc>
+                      <a:txBody>
+                        <a:bodyPr/>
+                        <a:lstStyle/>
+                        <a:p>
+                          <a:pPr algn="ctr" fontAlgn="ctr"/>
+                          <a:r>
+                            <a:rPr lang="en-ID" sz="1100" u="none" strike="noStrike">
+                              <a:effectLst/>
+                            </a:rPr>
+                            <a:t>63 - 68</a:t>
+                          </a:r>
+                          <a:endParaRPr lang="en-ID" sz="1100" b="0" i="0" u="none" strike="noStrike">
+                            <a:solidFill>
+                              <a:srgbClr val="000000"/>
+                            </a:solidFill>
+                            <a:effectLst/>
+                            <a:latin typeface="Calibri" panose="020F0502020204030204" pitchFamily="34" charset="0"/>
+                          </a:endParaRPr>
+                        </a:p>
+                      </a:txBody>
+                      <a:tcPr marL="0" marR="0" marT="0" marB="0" anchor="ctr"/>
+                    </a:tc>
+                    <a:tc>
+                      <a:txBody>
+                        <a:bodyPr/>
+                        <a:lstStyle/>
+                        <a:p>
+                          <a:pPr algn="ctr" fontAlgn="ctr"/>
+                          <a:r>
+                            <a:rPr lang="en-ID" sz="1100" u="none" strike="noStrike" dirty="0">
+                              <a:effectLst/>
+                            </a:rPr>
+                            <a:t>2</a:t>
+                          </a:r>
+                          <a:endParaRPr lang="en-ID" sz="1100" b="0" i="0" u="none" strike="noStrike" dirty="0">
+                            <a:solidFill>
+                              <a:srgbClr val="000000"/>
+                            </a:solidFill>
+                            <a:effectLst/>
+                            <a:latin typeface="Calibri" panose="020F0502020204030204" pitchFamily="34" charset="0"/>
+                          </a:endParaRPr>
+                        </a:p>
+                      </a:txBody>
+                      <a:tcPr marL="0" marR="0" marT="0" marB="0" anchor="ctr"/>
+                    </a:tc>
+                    <a:tc>
+                      <a:txBody>
+                        <a:bodyPr/>
+                        <a:lstStyle/>
+                        <a:p>
+                          <a:pPr algn="ctr" fontAlgn="b"/>
+                          <a:r>
+                            <a:rPr lang="en-ID" sz="1100" u="none" strike="noStrike">
+                              <a:effectLst/>
+                            </a:rPr>
+                            <a:t>65,5</a:t>
+                          </a:r>
+                          <a:endParaRPr lang="en-ID" sz="1100" b="0" i="0" u="none" strike="noStrike">
+                            <a:solidFill>
+                              <a:srgbClr val="000000"/>
+                            </a:solidFill>
+                            <a:effectLst/>
+                            <a:latin typeface="Calibri" panose="020F0502020204030204" pitchFamily="34" charset="0"/>
+                          </a:endParaRPr>
+                        </a:p>
+                      </a:txBody>
+                      <a:tcPr marL="0" marR="0" marT="0" marB="0" anchor="ctr"/>
+                    </a:tc>
+                    <a:tc>
+                      <a:txBody>
+                        <a:bodyPr/>
+                        <a:lstStyle/>
+                        <a:p>
+                          <a:pPr algn="ctr" fontAlgn="b"/>
+                          <a:r>
+                            <a:rPr lang="en-ID" sz="1100" u="none" strike="noStrike">
+                              <a:effectLst/>
+                            </a:rPr>
+                            <a:t>131</a:t>
+                          </a:r>
+                          <a:endParaRPr lang="en-ID" sz="1100" b="0" i="0" u="none" strike="noStrike">
+                            <a:solidFill>
+                              <a:srgbClr val="000000"/>
+                            </a:solidFill>
+                            <a:effectLst/>
+                            <a:latin typeface="Calibri" panose="020F0502020204030204" pitchFamily="34" charset="0"/>
+                          </a:endParaRPr>
+                        </a:p>
+                      </a:txBody>
+                      <a:tcPr marL="0" marR="0" marT="0" marB="0" anchor="ctr"/>
+                    </a:tc>
+                    <a:tc>
+                      <a:txBody>
+                        <a:bodyPr/>
+                        <a:lstStyle/>
+                        <a:p>
+                          <a:pPr algn="ctr" fontAlgn="b"/>
+                          <a:r>
+                            <a:rPr lang="en-ID" sz="1100" u="none" strike="noStrike">
+                              <a:effectLst/>
+                            </a:rPr>
+                            <a:t>65,5</a:t>
+                          </a:r>
+                          <a:endParaRPr lang="en-ID" sz="1100" b="0" i="0" u="none" strike="noStrike">
+                            <a:solidFill>
+                              <a:srgbClr val="000000"/>
+                            </a:solidFill>
+                            <a:effectLst/>
+                            <a:latin typeface="Calibri" panose="020F0502020204030204" pitchFamily="34" charset="0"/>
+                          </a:endParaRPr>
+                        </a:p>
+                      </a:txBody>
+                      <a:tcPr marL="0" marR="0" marT="0" marB="0" anchor="ctr"/>
+                    </a:tc>
+                    <a:extLst>
+                      <a:ext uri="{0D108BD9-81ED-4DB2-BD59-A6C34878D82A}">
+                        <a16:rowId xmlns:a16="http://schemas.microsoft.com/office/drawing/2014/main" val="1775748021"/>
+                      </a:ext>
+                    </a:extLst>
+                  </a:tr>
+                  <a:tr h="311411">
+                    <a:tc>
+                      <a:txBody>
+                        <a:bodyPr/>
+                        <a:lstStyle/>
+                        <a:p>
+                          <a:pPr algn="ctr" fontAlgn="ctr"/>
+                          <a:r>
+                            <a:rPr lang="en-ID" sz="1100" u="none" strike="noStrike">
+                              <a:effectLst/>
+                            </a:rPr>
+                            <a:t>69 - 74</a:t>
+                          </a:r>
+                          <a:endParaRPr lang="en-ID" sz="1100" b="0" i="0" u="none" strike="noStrike">
+                            <a:solidFill>
+                              <a:srgbClr val="000000"/>
+                            </a:solidFill>
+                            <a:effectLst/>
+                            <a:latin typeface="Calibri" panose="020F0502020204030204" pitchFamily="34" charset="0"/>
+                          </a:endParaRPr>
+                        </a:p>
+                      </a:txBody>
+                      <a:tcPr marL="0" marR="0" marT="0" marB="0" anchor="ctr"/>
+                    </a:tc>
+                    <a:tc>
+                      <a:txBody>
+                        <a:bodyPr/>
+                        <a:lstStyle/>
+                        <a:p>
+                          <a:pPr algn="ctr" fontAlgn="ctr"/>
+                          <a:r>
+                            <a:rPr lang="en-ID" sz="1100" u="none" strike="noStrike" dirty="0">
+                              <a:effectLst/>
+                            </a:rPr>
+                            <a:t>2</a:t>
+                          </a:r>
+                          <a:endParaRPr lang="en-ID" sz="1100" b="0" i="0" u="none" strike="noStrike" dirty="0">
+                            <a:solidFill>
+                              <a:srgbClr val="000000"/>
+                            </a:solidFill>
+                            <a:effectLst/>
+                            <a:latin typeface="Calibri" panose="020F0502020204030204" pitchFamily="34" charset="0"/>
+                          </a:endParaRPr>
+                        </a:p>
+                      </a:txBody>
+                      <a:tcPr marL="0" marR="0" marT="0" marB="0" anchor="ctr"/>
+                    </a:tc>
+                    <a:tc>
+                      <a:txBody>
+                        <a:bodyPr/>
+                        <a:lstStyle/>
+                        <a:p>
+                          <a:pPr algn="ctr" fontAlgn="b"/>
+                          <a:r>
+                            <a:rPr lang="en-ID" sz="1100" u="none" strike="noStrike" dirty="0">
+                              <a:effectLst/>
+                            </a:rPr>
+                            <a:t>71,5</a:t>
+                          </a:r>
+                          <a:endParaRPr lang="en-ID" sz="1100" b="0" i="0" u="none" strike="noStrike" dirty="0">
+                            <a:solidFill>
+                              <a:srgbClr val="000000"/>
+                            </a:solidFill>
+                            <a:effectLst/>
+                            <a:latin typeface="Calibri" panose="020F0502020204030204" pitchFamily="34" charset="0"/>
+                          </a:endParaRPr>
+                        </a:p>
+                      </a:txBody>
+                      <a:tcPr marL="0" marR="0" marT="0" marB="0" anchor="ctr"/>
+                    </a:tc>
+                    <a:tc>
+                      <a:txBody>
+                        <a:bodyPr/>
+                        <a:lstStyle/>
+                        <a:p>
+                          <a:pPr algn="ctr" fontAlgn="b"/>
+                          <a:r>
+                            <a:rPr lang="en-ID" sz="1100" u="none" strike="noStrike">
+                              <a:effectLst/>
+                            </a:rPr>
+                            <a:t>143</a:t>
+                          </a:r>
+                          <a:endParaRPr lang="en-ID" sz="1100" b="0" i="0" u="none" strike="noStrike">
+                            <a:solidFill>
+                              <a:srgbClr val="000000"/>
+                            </a:solidFill>
+                            <a:effectLst/>
+                            <a:latin typeface="Calibri" panose="020F0502020204030204" pitchFamily="34" charset="0"/>
+                          </a:endParaRPr>
+                        </a:p>
+                      </a:txBody>
+                      <a:tcPr marL="0" marR="0" marT="0" marB="0" anchor="ctr"/>
+                    </a:tc>
+                    <a:tc>
+                      <a:txBody>
+                        <a:bodyPr/>
+                        <a:lstStyle/>
+                        <a:p>
+                          <a:pPr algn="ctr" fontAlgn="b"/>
+                          <a:r>
+                            <a:rPr lang="en-ID" sz="1100" u="none" strike="noStrike">
+                              <a:effectLst/>
+                            </a:rPr>
+                            <a:t>71,5</a:t>
+                          </a:r>
+                          <a:endParaRPr lang="en-ID" sz="1100" b="0" i="0" u="none" strike="noStrike">
+                            <a:solidFill>
+                              <a:srgbClr val="000000"/>
+                            </a:solidFill>
+                            <a:effectLst/>
+                            <a:latin typeface="Calibri" panose="020F0502020204030204" pitchFamily="34" charset="0"/>
+                          </a:endParaRPr>
+                        </a:p>
+                      </a:txBody>
+                      <a:tcPr marL="0" marR="0" marT="0" marB="0" anchor="ctr"/>
+                    </a:tc>
+                    <a:extLst>
+                      <a:ext uri="{0D108BD9-81ED-4DB2-BD59-A6C34878D82A}">
+                        <a16:rowId xmlns:a16="http://schemas.microsoft.com/office/drawing/2014/main" val="4040255111"/>
+                      </a:ext>
+                    </a:extLst>
+                  </a:tr>
+                  <a:tr h="200910">
+                    <a:tc>
+                      <a:txBody>
+                        <a:bodyPr/>
+                        <a:lstStyle/>
+                        <a:p>
+                          <a:pPr algn="ctr" fontAlgn="ctr"/>
+                          <a:r>
+                            <a:rPr lang="en-ID" sz="1100" u="none" strike="noStrike">
+                              <a:effectLst/>
+                            </a:rPr>
+                            <a:t>75 - 80</a:t>
+                          </a:r>
+                          <a:endParaRPr lang="en-ID" sz="1100" b="0" i="0" u="none" strike="noStrike">
+                            <a:solidFill>
+                              <a:srgbClr val="000000"/>
+                            </a:solidFill>
+                            <a:effectLst/>
+                            <a:latin typeface="Calibri" panose="020F0502020204030204" pitchFamily="34" charset="0"/>
+                          </a:endParaRPr>
+                        </a:p>
+                      </a:txBody>
+                      <a:tcPr marL="0" marR="0" marT="0" marB="0" anchor="ctr"/>
+                    </a:tc>
+                    <a:tc>
+                      <a:txBody>
+                        <a:bodyPr/>
+                        <a:lstStyle/>
+                        <a:p>
+                          <a:pPr algn="ctr" fontAlgn="ctr"/>
+                          <a:r>
+                            <a:rPr lang="en-ID" sz="1000" u="none" strike="noStrike">
+                              <a:effectLst/>
+                            </a:rPr>
+                            <a:t>4</a:t>
+                          </a:r>
+                          <a:endParaRPr lang="en-ID" sz="1000" b="0" i="0" u="none" strike="noStrike">
+                            <a:solidFill>
+                              <a:srgbClr val="000000"/>
+                            </a:solidFill>
+                            <a:effectLst/>
+                            <a:latin typeface="Arial Narrow" panose="020B0606020202030204" pitchFamily="34" charset="0"/>
+                          </a:endParaRPr>
+                        </a:p>
+                      </a:txBody>
+                      <a:tcPr marL="0" marR="0" marT="0" marB="0" anchor="ctr"/>
+                    </a:tc>
+                    <a:tc>
+                      <a:txBody>
+                        <a:bodyPr/>
+                        <a:lstStyle/>
+                        <a:p>
+                          <a:pPr algn="ctr" fontAlgn="b"/>
+                          <a:r>
+                            <a:rPr lang="en-ID" sz="1100" u="none" strike="noStrike" dirty="0">
+                              <a:effectLst/>
+                            </a:rPr>
+                            <a:t>77,5</a:t>
+                          </a:r>
+                          <a:endParaRPr lang="en-ID" sz="1100" b="0" i="0" u="none" strike="noStrike" dirty="0">
+                            <a:solidFill>
+                              <a:srgbClr val="000000"/>
+                            </a:solidFill>
+                            <a:effectLst/>
+                            <a:latin typeface="Calibri" panose="020F0502020204030204" pitchFamily="34" charset="0"/>
+                          </a:endParaRPr>
+                        </a:p>
+                      </a:txBody>
+                      <a:tcPr marL="0" marR="0" marT="0" marB="0" anchor="ctr"/>
+                    </a:tc>
+                    <a:tc>
+                      <a:txBody>
+                        <a:bodyPr/>
+                        <a:lstStyle/>
+                        <a:p>
+                          <a:pPr algn="ctr" fontAlgn="b"/>
+                          <a:r>
+                            <a:rPr lang="en-ID" sz="1100" u="none" strike="noStrike" dirty="0">
+                              <a:effectLst/>
+                            </a:rPr>
+                            <a:t>310</a:t>
+                          </a:r>
+                          <a:endParaRPr lang="en-ID" sz="1100" b="0" i="0" u="none" strike="noStrike" dirty="0">
+                            <a:solidFill>
+                              <a:srgbClr val="000000"/>
+                            </a:solidFill>
+                            <a:effectLst/>
+                            <a:latin typeface="Calibri" panose="020F0502020204030204" pitchFamily="34" charset="0"/>
+                          </a:endParaRPr>
+                        </a:p>
+                      </a:txBody>
+                      <a:tcPr marL="0" marR="0" marT="0" marB="0" anchor="ctr"/>
+                    </a:tc>
+                    <a:tc>
+                      <a:txBody>
+                        <a:bodyPr/>
+                        <a:lstStyle/>
+                        <a:p>
+                          <a:pPr algn="ctr" fontAlgn="b"/>
+                          <a:r>
+                            <a:rPr lang="en-ID" sz="1100" u="none" strike="noStrike">
+                              <a:effectLst/>
+                            </a:rPr>
+                            <a:t>77,5</a:t>
+                          </a:r>
+                          <a:endParaRPr lang="en-ID" sz="1100" b="0" i="0" u="none" strike="noStrike">
+                            <a:solidFill>
+                              <a:srgbClr val="000000"/>
+                            </a:solidFill>
+                            <a:effectLst/>
+                            <a:latin typeface="Calibri" panose="020F0502020204030204" pitchFamily="34" charset="0"/>
+                          </a:endParaRPr>
+                        </a:p>
+                      </a:txBody>
+                      <a:tcPr marL="0" marR="0" marT="0" marB="0" anchor="ctr"/>
+                    </a:tc>
+                    <a:extLst>
+                      <a:ext uri="{0D108BD9-81ED-4DB2-BD59-A6C34878D82A}">
+                        <a16:rowId xmlns:a16="http://schemas.microsoft.com/office/drawing/2014/main" val="1061384704"/>
+                      </a:ext>
+                    </a:extLst>
+                  </a:tr>
+                  <a:tr h="251138">
+                    <a:tc>
+                      <a:txBody>
+                        <a:bodyPr/>
+                        <a:lstStyle/>
+                        <a:p>
+                          <a:pPr algn="ctr" fontAlgn="ctr"/>
+                          <a:r>
+                            <a:rPr lang="en-ID" sz="1100" u="none" strike="noStrike">
+                              <a:effectLst/>
+                            </a:rPr>
+                            <a:t>81 - 86</a:t>
+                          </a:r>
+                          <a:endParaRPr lang="en-ID" sz="1100" b="0" i="0" u="none" strike="noStrike">
+                            <a:solidFill>
+                              <a:srgbClr val="000000"/>
+                            </a:solidFill>
+                            <a:effectLst/>
+                            <a:latin typeface="Calibri" panose="020F0502020204030204" pitchFamily="34" charset="0"/>
+                          </a:endParaRPr>
+                        </a:p>
+                      </a:txBody>
+                      <a:tcPr marL="0" marR="0" marT="0" marB="0" anchor="ctr"/>
+                    </a:tc>
+                    <a:tc>
+                      <a:txBody>
+                        <a:bodyPr/>
+                        <a:lstStyle/>
+                        <a:p>
+                          <a:pPr algn="ctr" fontAlgn="ctr"/>
+                          <a:r>
+                            <a:rPr lang="en-ID" sz="1100" u="none" strike="noStrike">
+                              <a:effectLst/>
+                            </a:rPr>
+                            <a:t>11</a:t>
+                          </a:r>
+                          <a:endParaRPr lang="en-ID" sz="1100" b="0" i="0" u="none" strike="noStrike">
+                            <a:solidFill>
+                              <a:srgbClr val="000000"/>
+                            </a:solidFill>
+                            <a:effectLst/>
+                            <a:latin typeface="Calibri" panose="020F0502020204030204" pitchFamily="34" charset="0"/>
+                          </a:endParaRPr>
+                        </a:p>
+                      </a:txBody>
+                      <a:tcPr marL="0" marR="0" marT="0" marB="0" anchor="ctr"/>
+                    </a:tc>
+                    <a:tc>
+                      <a:txBody>
+                        <a:bodyPr/>
+                        <a:lstStyle/>
+                        <a:p>
+                          <a:pPr algn="ctr" fontAlgn="b"/>
+                          <a:r>
+                            <a:rPr lang="en-ID" sz="1100" u="none" strike="noStrike">
+                              <a:effectLst/>
+                            </a:rPr>
+                            <a:t>83,5</a:t>
+                          </a:r>
+                          <a:endParaRPr lang="en-ID" sz="1100" b="0" i="0" u="none" strike="noStrike">
+                            <a:solidFill>
+                              <a:srgbClr val="000000"/>
+                            </a:solidFill>
+                            <a:effectLst/>
+                            <a:latin typeface="Calibri" panose="020F0502020204030204" pitchFamily="34" charset="0"/>
+                          </a:endParaRPr>
+                        </a:p>
+                      </a:txBody>
+                      <a:tcPr marL="0" marR="0" marT="0" marB="0" anchor="ctr"/>
+                    </a:tc>
+                    <a:tc>
+                      <a:txBody>
+                        <a:bodyPr/>
+                        <a:lstStyle/>
+                        <a:p>
+                          <a:pPr algn="ctr" fontAlgn="b"/>
+                          <a:r>
+                            <a:rPr lang="en-ID" sz="1100" u="none" strike="noStrike" dirty="0">
+                              <a:effectLst/>
+                            </a:rPr>
+                            <a:t>918,5</a:t>
+                          </a:r>
+                          <a:endParaRPr lang="en-ID" sz="1100" b="0" i="0" u="none" strike="noStrike" dirty="0">
+                            <a:solidFill>
+                              <a:srgbClr val="000000"/>
+                            </a:solidFill>
+                            <a:effectLst/>
+                            <a:latin typeface="Calibri" panose="020F0502020204030204" pitchFamily="34" charset="0"/>
+                          </a:endParaRPr>
+                        </a:p>
+                      </a:txBody>
+                      <a:tcPr marL="0" marR="0" marT="0" marB="0" anchor="ctr"/>
+                    </a:tc>
+                    <a:tc>
+                      <a:txBody>
+                        <a:bodyPr/>
+                        <a:lstStyle/>
+                        <a:p>
+                          <a:pPr algn="ctr" fontAlgn="b"/>
+                          <a:r>
+                            <a:rPr lang="en-ID" sz="1100" u="none" strike="noStrike">
+                              <a:effectLst/>
+                            </a:rPr>
+                            <a:t>83,5</a:t>
+                          </a:r>
+                          <a:endParaRPr lang="en-ID" sz="1100" b="0" i="0" u="none" strike="noStrike">
+                            <a:solidFill>
+                              <a:srgbClr val="000000"/>
+                            </a:solidFill>
+                            <a:effectLst/>
+                            <a:latin typeface="Calibri" panose="020F0502020204030204" pitchFamily="34" charset="0"/>
+                          </a:endParaRPr>
+                        </a:p>
+                      </a:txBody>
+                      <a:tcPr marL="0" marR="0" marT="0" marB="0" anchor="ctr"/>
+                    </a:tc>
+                    <a:extLst>
+                      <a:ext uri="{0D108BD9-81ED-4DB2-BD59-A6C34878D82A}">
+                        <a16:rowId xmlns:a16="http://schemas.microsoft.com/office/drawing/2014/main" val="4150198490"/>
+                      </a:ext>
+                    </a:extLst>
+                  </a:tr>
+                  <a:tr h="200910">
+                    <a:tc>
+                      <a:txBody>
+                        <a:bodyPr/>
+                        <a:lstStyle/>
+                        <a:p>
+                          <a:pPr algn="ctr" fontAlgn="ctr"/>
+                          <a:r>
+                            <a:rPr lang="en-ID" sz="1100" u="none" strike="noStrike">
+                              <a:effectLst/>
+                            </a:rPr>
+                            <a:t>87 - 92</a:t>
+                          </a:r>
+                          <a:endParaRPr lang="en-ID" sz="1100" b="0" i="0" u="none" strike="noStrike">
+                            <a:solidFill>
+                              <a:srgbClr val="000000"/>
+                            </a:solidFill>
+                            <a:effectLst/>
+                            <a:latin typeface="Calibri" panose="020F0502020204030204" pitchFamily="34" charset="0"/>
+                          </a:endParaRPr>
+                        </a:p>
+                      </a:txBody>
+                      <a:tcPr marL="0" marR="0" marT="0" marB="0" anchor="ctr"/>
+                    </a:tc>
+                    <a:tc>
+                      <a:txBody>
+                        <a:bodyPr/>
+                        <a:lstStyle/>
+                        <a:p>
+                          <a:pPr algn="ctr" fontAlgn="ctr"/>
+                          <a:r>
+                            <a:rPr lang="en-ID" sz="1100" u="none" strike="noStrike">
+                              <a:effectLst/>
+                            </a:rPr>
+                            <a:t>15</a:t>
+                          </a:r>
+                          <a:endParaRPr lang="en-ID" sz="1100" b="0" i="0" u="none" strike="noStrike">
+                            <a:solidFill>
+                              <a:srgbClr val="000000"/>
+                            </a:solidFill>
+                            <a:effectLst/>
+                            <a:latin typeface="Calibri" panose="020F0502020204030204" pitchFamily="34" charset="0"/>
+                          </a:endParaRPr>
+                        </a:p>
+                      </a:txBody>
+                      <a:tcPr marL="0" marR="0" marT="0" marB="0" anchor="ctr"/>
+                    </a:tc>
+                    <a:tc>
+                      <a:txBody>
+                        <a:bodyPr/>
+                        <a:lstStyle/>
+                        <a:p>
+                          <a:pPr algn="ctr" fontAlgn="b"/>
+                          <a:r>
+                            <a:rPr lang="en-ID" sz="1100" u="none" strike="noStrike">
+                              <a:effectLst/>
+                            </a:rPr>
+                            <a:t>89,5</a:t>
+                          </a:r>
+                          <a:endParaRPr lang="en-ID" sz="1100" b="0" i="0" u="none" strike="noStrike">
+                            <a:solidFill>
+                              <a:srgbClr val="000000"/>
+                            </a:solidFill>
+                            <a:effectLst/>
+                            <a:latin typeface="Calibri" panose="020F0502020204030204" pitchFamily="34" charset="0"/>
+                          </a:endParaRPr>
+                        </a:p>
+                      </a:txBody>
+                      <a:tcPr marL="0" marR="0" marT="0" marB="0" anchor="ctr"/>
+                    </a:tc>
+                    <a:tc>
+                      <a:txBody>
+                        <a:bodyPr/>
+                        <a:lstStyle/>
+                        <a:p>
+                          <a:pPr algn="ctr" fontAlgn="b"/>
+                          <a:r>
+                            <a:rPr lang="en-ID" sz="1100" u="none" strike="noStrike" dirty="0">
+                              <a:effectLst/>
+                            </a:rPr>
+                            <a:t>1342,5</a:t>
+                          </a:r>
+                          <a:endParaRPr lang="en-ID" sz="1100" b="0" i="0" u="none" strike="noStrike" dirty="0">
+                            <a:solidFill>
+                              <a:srgbClr val="000000"/>
+                            </a:solidFill>
+                            <a:effectLst/>
+                            <a:latin typeface="Calibri" panose="020F0502020204030204" pitchFamily="34" charset="0"/>
+                          </a:endParaRPr>
+                        </a:p>
+                      </a:txBody>
+                      <a:tcPr marL="0" marR="0" marT="0" marB="0" anchor="ctr"/>
+                    </a:tc>
+                    <a:tc>
+                      <a:txBody>
+                        <a:bodyPr/>
+                        <a:lstStyle/>
+                        <a:p>
+                          <a:pPr algn="ctr" fontAlgn="b"/>
+                          <a:r>
+                            <a:rPr lang="en-ID" sz="1100" u="none" strike="noStrike" dirty="0">
+                              <a:effectLst/>
+                            </a:rPr>
+                            <a:t>89,5</a:t>
+                          </a:r>
+                          <a:endParaRPr lang="en-ID" sz="1100" b="0" i="0" u="none" strike="noStrike" dirty="0">
+                            <a:solidFill>
+                              <a:srgbClr val="000000"/>
+                            </a:solidFill>
+                            <a:effectLst/>
+                            <a:latin typeface="Calibri" panose="020F0502020204030204" pitchFamily="34" charset="0"/>
+                          </a:endParaRPr>
+                        </a:p>
+                      </a:txBody>
+                      <a:tcPr marL="0" marR="0" marT="0" marB="0" anchor="ctr"/>
+                    </a:tc>
+                    <a:extLst>
+                      <a:ext uri="{0D108BD9-81ED-4DB2-BD59-A6C34878D82A}">
+                        <a16:rowId xmlns:a16="http://schemas.microsoft.com/office/drawing/2014/main" val="2566846377"/>
+                      </a:ext>
+                    </a:extLst>
+                  </a:tr>
+                  <a:tr h="251138">
+                    <a:tc>
+                      <a:txBody>
+                        <a:bodyPr/>
+                        <a:lstStyle/>
+                        <a:p>
+                          <a:pPr algn="ctr" fontAlgn="ctr"/>
+                          <a:r>
+                            <a:rPr lang="en-ID" sz="1100" u="none" strike="noStrike">
+                              <a:effectLst/>
+                            </a:rPr>
+                            <a:t>93 - 98</a:t>
+                          </a:r>
+                          <a:endParaRPr lang="en-ID" sz="1100" b="0" i="0" u="none" strike="noStrike">
+                            <a:solidFill>
+                              <a:srgbClr val="000000"/>
+                            </a:solidFill>
+                            <a:effectLst/>
+                            <a:latin typeface="Calibri" panose="020F0502020204030204" pitchFamily="34" charset="0"/>
+                          </a:endParaRPr>
+                        </a:p>
+                      </a:txBody>
+                      <a:tcPr marL="0" marR="0" marT="0" marB="0" anchor="ctr"/>
+                    </a:tc>
+                    <a:tc>
+                      <a:txBody>
+                        <a:bodyPr/>
+                        <a:lstStyle/>
+                        <a:p>
+                          <a:pPr algn="ctr" fontAlgn="ctr"/>
+                          <a:r>
+                            <a:rPr lang="en-ID" sz="1100" u="none" strike="noStrike">
+                              <a:effectLst/>
+                            </a:rPr>
+                            <a:t>13</a:t>
+                          </a:r>
+                          <a:endParaRPr lang="en-ID" sz="1100" b="0" i="0" u="none" strike="noStrike">
+                            <a:solidFill>
+                              <a:srgbClr val="000000"/>
+                            </a:solidFill>
+                            <a:effectLst/>
+                            <a:latin typeface="Calibri" panose="020F0502020204030204" pitchFamily="34" charset="0"/>
+                          </a:endParaRPr>
+                        </a:p>
+                      </a:txBody>
+                      <a:tcPr marL="0" marR="0" marT="0" marB="0" anchor="ctr"/>
+                    </a:tc>
+                    <a:tc>
+                      <a:txBody>
+                        <a:bodyPr/>
+                        <a:lstStyle/>
+                        <a:p>
+                          <a:pPr algn="ctr" fontAlgn="b"/>
+                          <a:r>
+                            <a:rPr lang="en-ID" sz="1100" u="none" strike="noStrike">
+                              <a:effectLst/>
+                            </a:rPr>
+                            <a:t>95,5</a:t>
+                          </a:r>
+                          <a:endParaRPr lang="en-ID" sz="1100" b="0" i="0" u="none" strike="noStrike">
+                            <a:solidFill>
+                              <a:srgbClr val="000000"/>
+                            </a:solidFill>
+                            <a:effectLst/>
+                            <a:latin typeface="Calibri" panose="020F0502020204030204" pitchFamily="34" charset="0"/>
+                          </a:endParaRPr>
+                        </a:p>
+                      </a:txBody>
+                      <a:tcPr marL="0" marR="0" marT="0" marB="0" anchor="ctr"/>
+                    </a:tc>
+                    <a:tc>
+                      <a:txBody>
+                        <a:bodyPr/>
+                        <a:lstStyle/>
+                        <a:p>
+                          <a:pPr algn="ctr" fontAlgn="b"/>
+                          <a:r>
+                            <a:rPr lang="en-ID" sz="1100" u="none" strike="noStrike">
+                              <a:effectLst/>
+                            </a:rPr>
+                            <a:t>1241,5</a:t>
+                          </a:r>
+                          <a:endParaRPr lang="en-ID" sz="1100" b="0" i="0" u="none" strike="noStrike">
+                            <a:solidFill>
+                              <a:srgbClr val="000000"/>
+                            </a:solidFill>
+                            <a:effectLst/>
+                            <a:latin typeface="Calibri" panose="020F0502020204030204" pitchFamily="34" charset="0"/>
+                          </a:endParaRPr>
+                        </a:p>
+                      </a:txBody>
+                      <a:tcPr marL="0" marR="0" marT="0" marB="0" anchor="ctr"/>
+                    </a:tc>
+                    <a:tc>
+                      <a:txBody>
+                        <a:bodyPr/>
+                        <a:lstStyle/>
+                        <a:p>
+                          <a:pPr algn="ctr" fontAlgn="b"/>
+                          <a:r>
+                            <a:rPr lang="en-ID" sz="1100" u="none" strike="noStrike" dirty="0">
+                              <a:effectLst/>
+                            </a:rPr>
+                            <a:t>95,5</a:t>
+                          </a:r>
+                          <a:endParaRPr lang="en-ID" sz="1100" b="0" i="0" u="none" strike="noStrike" dirty="0">
+                            <a:solidFill>
+                              <a:srgbClr val="000000"/>
+                            </a:solidFill>
+                            <a:effectLst/>
+                            <a:latin typeface="Calibri" panose="020F0502020204030204" pitchFamily="34" charset="0"/>
+                          </a:endParaRPr>
+                        </a:p>
+                      </a:txBody>
+                      <a:tcPr marL="0" marR="0" marT="0" marB="0" anchor="ctr"/>
+                    </a:tc>
+                    <a:extLst>
+                      <a:ext uri="{0D108BD9-81ED-4DB2-BD59-A6C34878D82A}">
+                        <a16:rowId xmlns:a16="http://schemas.microsoft.com/office/drawing/2014/main" val="3999945485"/>
+                      </a:ext>
+                    </a:extLst>
+                  </a:tr>
+                  <a:tr h="200910">
+                    <a:tc>
+                      <a:txBody>
+                        <a:bodyPr/>
+                        <a:lstStyle/>
+                        <a:p>
+                          <a:pPr algn="ctr" fontAlgn="ctr"/>
+                          <a:r>
+                            <a:rPr lang="en-ID" sz="1100" u="none" strike="noStrike">
+                              <a:effectLst/>
+                            </a:rPr>
+                            <a:t>Jumlah</a:t>
+                          </a:r>
+                          <a:endParaRPr lang="en-ID" sz="1100" b="0" i="0" u="none" strike="noStrike">
+                            <a:solidFill>
+                              <a:srgbClr val="000000"/>
+                            </a:solidFill>
+                            <a:effectLst/>
+                            <a:latin typeface="Calibri" panose="020F0502020204030204" pitchFamily="34" charset="0"/>
+                          </a:endParaRPr>
+                        </a:p>
+                      </a:txBody>
+                      <a:tcPr marL="0" marR="0" marT="0" marB="0" anchor="ctr"/>
+                    </a:tc>
+                    <a:tc>
+                      <a:txBody>
+                        <a:bodyPr/>
+                        <a:lstStyle/>
+                        <a:p>
+                          <a:pPr algn="ctr" fontAlgn="ctr"/>
+                          <a:r>
+                            <a:rPr lang="en-ID" sz="1100" u="none" strike="noStrike">
+                              <a:effectLst/>
+                            </a:rPr>
+                            <a:t>50</a:t>
+                          </a:r>
+                          <a:endParaRPr lang="en-ID" sz="1100" b="0" i="0" u="none" strike="noStrike">
+                            <a:solidFill>
+                              <a:srgbClr val="000000"/>
+                            </a:solidFill>
+                            <a:effectLst/>
+                            <a:latin typeface="Calibri" panose="020F0502020204030204" pitchFamily="34" charset="0"/>
+                          </a:endParaRPr>
+                        </a:p>
+                      </a:txBody>
+                      <a:tcPr marL="0" marR="0" marT="0" marB="0" anchor="ctr"/>
+                    </a:tc>
+                    <a:tc>
+                      <a:txBody>
+                        <a:bodyPr/>
+                        <a:lstStyle/>
+                        <a:p>
+                          <a:pPr algn="ctr" fontAlgn="b"/>
+                          <a:r>
+                            <a:rPr lang="en-ID" sz="1100" u="none" strike="noStrike">
+                              <a:effectLst/>
+                            </a:rPr>
+                            <a:t> </a:t>
+                          </a:r>
+                          <a:endParaRPr lang="en-ID" sz="1100" b="0" i="0" u="none" strike="noStrike">
+                            <a:solidFill>
+                              <a:srgbClr val="000000"/>
+                            </a:solidFill>
+                            <a:effectLst/>
+                            <a:latin typeface="Calibri" panose="020F0502020204030204" pitchFamily="34" charset="0"/>
+                          </a:endParaRPr>
+                        </a:p>
+                      </a:txBody>
+                      <a:tcPr marL="0" marR="0" marT="0" marB="0" anchor="ctr"/>
+                    </a:tc>
+                    <a:tc>
+                      <a:txBody>
+                        <a:bodyPr/>
+                        <a:lstStyle/>
+                        <a:p>
+                          <a:pPr algn="ctr" fontAlgn="b"/>
+                          <a:r>
+                            <a:rPr lang="en-ID" sz="1100" u="none" strike="noStrike">
+                              <a:effectLst/>
+                            </a:rPr>
+                            <a:t>4265</a:t>
+                          </a:r>
+                          <a:endParaRPr lang="en-ID" sz="1100" b="0" i="0" u="none" strike="noStrike">
+                            <a:solidFill>
+                              <a:srgbClr val="000000"/>
+                            </a:solidFill>
+                            <a:effectLst/>
+                            <a:latin typeface="Calibri" panose="020F0502020204030204" pitchFamily="34" charset="0"/>
+                          </a:endParaRPr>
+                        </a:p>
+                      </a:txBody>
+                      <a:tcPr marL="0" marR="0" marT="0" marB="0" anchor="ctr"/>
+                    </a:tc>
+                    <a:tc>
+                      <a:txBody>
+                        <a:bodyPr/>
+                        <a:lstStyle/>
+                        <a:p>
+                          <a:pPr algn="ctr" fontAlgn="b"/>
+                          <a:r>
+                            <a:rPr lang="en-ID" sz="1100" u="none" strike="noStrike" dirty="0">
+                              <a:effectLst/>
+                            </a:rPr>
+                            <a:t>542,5</a:t>
+                          </a:r>
+                          <a:endParaRPr lang="en-ID" sz="1100" b="0" i="0" u="none" strike="noStrike" dirty="0">
+                            <a:solidFill>
+                              <a:srgbClr val="000000"/>
+                            </a:solidFill>
+                            <a:effectLst/>
+                            <a:latin typeface="Calibri" panose="020F0502020204030204" pitchFamily="34" charset="0"/>
+                          </a:endParaRPr>
+                        </a:p>
+                      </a:txBody>
+                      <a:tcPr marL="0" marR="0" marT="0" marB="0" anchor="ctr"/>
+                    </a:tc>
+                    <a:extLst>
+                      <a:ext uri="{0D108BD9-81ED-4DB2-BD59-A6C34878D82A}">
+                        <a16:rowId xmlns:a16="http://schemas.microsoft.com/office/drawing/2014/main" val="2135165318"/>
+                      </a:ext>
+                    </a:extLst>
+                  </a:tr>
+                </a:tbl>
+              </a:graphicData>
+            </a:graphic>
+          </p:graphicFrame>
+        </mc:Choice>
+        <mc:Fallback>
+          <p:graphicFrame>
+            <p:nvGraphicFramePr>
+              <p:cNvPr id="11" name="Table 10">
+                <a:extLst>
+                  <a:ext uri="{FF2B5EF4-FFF2-40B4-BE49-F238E27FC236}">
+                    <a16:creationId xmlns:a16="http://schemas.microsoft.com/office/drawing/2014/main" id="{315FD462-5BB4-4575-80A2-AE85C7F22541}"/>
+                  </a:ext>
+                </a:extLst>
+              </p:cNvPr>
+              <p:cNvGraphicFramePr>
+                <a:graphicFrameLocks noGrp="1"/>
+              </p:cNvGraphicFramePr>
+              <p:nvPr>
+                <p:extLst>
+                  <p:ext uri="{D42A27DB-BD31-4B8C-83A1-F6EECF244321}">
+                    <p14:modId xmlns:p14="http://schemas.microsoft.com/office/powerpoint/2010/main" val="3711623995"/>
+                  </p:ext>
+                </p:extLst>
+              </p:nvPr>
+            </p:nvGraphicFramePr>
+            <p:xfrm>
+              <a:off x="600074" y="2208786"/>
+              <a:ext cx="3395861" cy="2019147"/>
+            </p:xfrm>
+            <a:graphic>
+              <a:graphicData uri="http://schemas.openxmlformats.org/drawingml/2006/table">
+                <a:tbl>
+                  <a:tblPr>
+                    <a:tableStyleId>{5940675A-B579-460E-94D1-54222C63F5DA}</a:tableStyleId>
+                  </a:tblPr>
+                  <a:tblGrid>
+                    <a:gridCol w="755073">
+                      <a:extLst>
+                        <a:ext uri="{9D8B030D-6E8A-4147-A177-3AD203B41FA5}">
+                          <a16:colId xmlns:a16="http://schemas.microsoft.com/office/drawing/2014/main" val="1906070166"/>
+                        </a:ext>
+                      </a:extLst>
+                    </a:gridCol>
+                    <a:gridCol w="755073">
+                      <a:extLst>
+                        <a:ext uri="{9D8B030D-6E8A-4147-A177-3AD203B41FA5}">
+                          <a16:colId xmlns:a16="http://schemas.microsoft.com/office/drawing/2014/main" val="3726356507"/>
+                        </a:ext>
+                      </a:extLst>
+                    </a:gridCol>
+                    <a:gridCol w="445556">
+                      <a:extLst>
+                        <a:ext uri="{9D8B030D-6E8A-4147-A177-3AD203B41FA5}">
+                          <a16:colId xmlns:a16="http://schemas.microsoft.com/office/drawing/2014/main" val="932284581"/>
+                        </a:ext>
+                      </a:extLst>
+                    </a:gridCol>
+                    <a:gridCol w="720080">
+                      <a:extLst>
+                        <a:ext uri="{9D8B030D-6E8A-4147-A177-3AD203B41FA5}">
+                          <a16:colId xmlns:a16="http://schemas.microsoft.com/office/drawing/2014/main" val="1870385874"/>
+                        </a:ext>
+                      </a:extLst>
+                    </a:gridCol>
+                    <a:gridCol w="720079">
+                      <a:extLst>
+                        <a:ext uri="{9D8B030D-6E8A-4147-A177-3AD203B41FA5}">
+                          <a16:colId xmlns:a16="http://schemas.microsoft.com/office/drawing/2014/main" val="3648027952"/>
+                        </a:ext>
+                      </a:extLst>
+                    </a:gridCol>
+                  </a:tblGrid>
+                  <a:tr h="200910">
+                    <a:tc>
+                      <a:txBody>
+                        <a:bodyPr/>
+                        <a:lstStyle/>
+                        <a:p>
+                          <a:pPr algn="ctr" fontAlgn="ctr"/>
+                          <a:r>
+                            <a:rPr lang="en-ID" sz="1100" u="none" strike="noStrike" dirty="0" err="1">
+                              <a:effectLst/>
+                            </a:rPr>
+                            <a:t>Periode</a:t>
+                          </a:r>
+                          <a:endParaRPr lang="en-ID" sz="1100" b="0" i="0" u="none" strike="noStrike" dirty="0">
+                            <a:solidFill>
+                              <a:srgbClr val="000000"/>
+                            </a:solidFill>
+                            <a:effectLst/>
+                            <a:latin typeface="Calibri" panose="020F0502020204030204" pitchFamily="34" charset="0"/>
+                          </a:endParaRPr>
+                        </a:p>
+                      </a:txBody>
+                      <a:tcPr marL="0" marR="0" marT="0" marB="0" anchor="ctr"/>
+                    </a:tc>
+                    <a:tc>
+                      <a:txBody>
+                        <a:bodyPr/>
+                        <a:lstStyle/>
+                        <a:p>
+                          <a:pPr algn="ctr" fontAlgn="ctr"/>
+                          <a:r>
+                            <a:rPr lang="en-ID" sz="1100" u="none" strike="noStrike">
+                              <a:effectLst/>
+                            </a:rPr>
+                            <a:t>F</a:t>
+                          </a:r>
+                          <a:endParaRPr lang="en-ID" sz="1100" b="0" i="0" u="none" strike="noStrike">
+                            <a:solidFill>
+                              <a:srgbClr val="000000"/>
+                            </a:solidFill>
+                            <a:effectLst/>
+                            <a:latin typeface="Calibri" panose="020F0502020204030204" pitchFamily="34" charset="0"/>
+                          </a:endParaRPr>
+                        </a:p>
+                      </a:txBody>
+                      <a:tcPr marL="0" marR="0" marT="0" marB="0" anchor="ctr"/>
+                    </a:tc>
+                    <a:tc>
+                      <a:txBody>
+                        <a:bodyPr/>
+                        <a:lstStyle/>
+                        <a:p>
+                          <a:pPr algn="ctr" fontAlgn="b"/>
+                          <a:r>
+                            <a:rPr lang="en-ID" sz="1100" u="none" strike="noStrike">
+                              <a:effectLst/>
+                            </a:rPr>
+                            <a:t>x</a:t>
+                          </a:r>
+                          <a:endParaRPr lang="en-ID" sz="1100" b="0" i="0" u="none" strike="noStrike">
+                            <a:solidFill>
+                              <a:srgbClr val="000000"/>
+                            </a:solidFill>
+                            <a:effectLst/>
+                            <a:latin typeface="Calibri" panose="020F0502020204030204" pitchFamily="34" charset="0"/>
+                          </a:endParaRPr>
+                        </a:p>
+                      </a:txBody>
+                      <a:tcPr marL="0" marR="0" marT="0" marB="0" anchor="ctr"/>
+                    </a:tc>
+                    <a:tc>
+                      <a:txBody>
+                        <a:bodyPr/>
+                        <a:lstStyle/>
+                        <a:p>
+                          <a:pPr algn="ctr" fontAlgn="b"/>
+                          <a:r>
+                            <a:rPr lang="en-ID" sz="1100" u="none" strike="noStrike" dirty="0" err="1">
+                              <a:effectLst/>
+                            </a:rPr>
+                            <a:t>fx</a:t>
+                          </a:r>
+                          <a:endParaRPr lang="en-ID" sz="1100" b="0" i="0" u="none" strike="noStrike" dirty="0">
+                            <a:solidFill>
+                              <a:srgbClr val="000000"/>
+                            </a:solidFill>
+                            <a:effectLst/>
+                            <a:latin typeface="Calibri" panose="020F0502020204030204" pitchFamily="34" charset="0"/>
+                          </a:endParaRPr>
+                        </a:p>
+                      </a:txBody>
+                      <a:tcPr marL="0" marR="0" marT="0" marB="0" anchor="ctr"/>
+                    </a:tc>
+                    <a:tc>
+                      <a:txBody>
+                        <a:bodyPr/>
+                        <a:lstStyle/>
+                        <a:p>
+                          <a:endParaRPr lang="en-US"/>
+                        </a:p>
+                      </a:txBody>
+                      <a:tcPr marL="0" marR="0" marT="0" marB="0" anchor="ctr">
+                        <a:blipFill>
+                          <a:blip r:embed="rId3"/>
+                          <a:stretch>
+                            <a:fillRect l="-373729" t="-12121" r="-1695" b="-942424"/>
+                          </a:stretch>
+                        </a:blipFill>
+                      </a:tcPr>
+                    </a:tc>
+                    <a:extLst>
+                      <a:ext uri="{0D108BD9-81ED-4DB2-BD59-A6C34878D82A}">
+                        <a16:rowId xmlns:a16="http://schemas.microsoft.com/office/drawing/2014/main" val="1675220733"/>
+                      </a:ext>
+                    </a:extLst>
+                  </a:tr>
+                  <a:tr h="200910">
+                    <a:tc>
+                      <a:txBody>
+                        <a:bodyPr/>
+                        <a:lstStyle/>
+                        <a:p>
+                          <a:pPr algn="ctr" fontAlgn="ctr"/>
+                          <a:r>
+                            <a:rPr lang="en-ID" sz="1100" u="none" strike="noStrike" dirty="0">
+                              <a:effectLst/>
+                            </a:rPr>
+                            <a:t>57 - 62</a:t>
+                          </a:r>
+                          <a:endParaRPr lang="en-ID" sz="1100" b="0" i="0" u="none" strike="noStrike" dirty="0">
+                            <a:solidFill>
+                              <a:srgbClr val="000000"/>
+                            </a:solidFill>
+                            <a:effectLst/>
+                            <a:latin typeface="Calibri" panose="020F0502020204030204" pitchFamily="34" charset="0"/>
+                          </a:endParaRPr>
+                        </a:p>
+                      </a:txBody>
+                      <a:tcPr marL="0" marR="0" marT="0" marB="0" anchor="ctr"/>
+                    </a:tc>
+                    <a:tc>
+                      <a:txBody>
+                        <a:bodyPr/>
+                        <a:lstStyle/>
+                        <a:p>
+                          <a:pPr algn="ctr" fontAlgn="ctr"/>
+                          <a:r>
+                            <a:rPr lang="en-ID" sz="1100" u="none" strike="noStrike">
+                              <a:effectLst/>
+                            </a:rPr>
+                            <a:t>3</a:t>
+                          </a:r>
+                          <a:endParaRPr lang="en-ID" sz="1100" b="0" i="0" u="none" strike="noStrike">
+                            <a:solidFill>
+                              <a:srgbClr val="000000"/>
+                            </a:solidFill>
+                            <a:effectLst/>
+                            <a:latin typeface="Calibri" panose="020F0502020204030204" pitchFamily="34" charset="0"/>
+                          </a:endParaRPr>
+                        </a:p>
+                      </a:txBody>
+                      <a:tcPr marL="0" marR="0" marT="0" marB="0" anchor="ctr"/>
+                    </a:tc>
+                    <a:tc>
+                      <a:txBody>
+                        <a:bodyPr/>
+                        <a:lstStyle/>
+                        <a:p>
+                          <a:pPr algn="ctr" fontAlgn="b"/>
+                          <a:r>
+                            <a:rPr lang="en-ID" sz="1100" u="none" strike="noStrike">
+                              <a:effectLst/>
+                            </a:rPr>
+                            <a:t>59,5</a:t>
+                          </a:r>
+                          <a:endParaRPr lang="en-ID" sz="1100" b="0" i="0" u="none" strike="noStrike">
+                            <a:solidFill>
+                              <a:srgbClr val="000000"/>
+                            </a:solidFill>
+                            <a:effectLst/>
+                            <a:latin typeface="Calibri" panose="020F0502020204030204" pitchFamily="34" charset="0"/>
+                          </a:endParaRPr>
+                        </a:p>
+                      </a:txBody>
+                      <a:tcPr marL="0" marR="0" marT="0" marB="0" anchor="ctr"/>
+                    </a:tc>
+                    <a:tc>
+                      <a:txBody>
+                        <a:bodyPr/>
+                        <a:lstStyle/>
+                        <a:p>
+                          <a:pPr algn="ctr" fontAlgn="b"/>
+                          <a:r>
+                            <a:rPr lang="en-ID" sz="1100" u="none" strike="noStrike">
+                              <a:effectLst/>
+                            </a:rPr>
+                            <a:t>178,5</a:t>
+                          </a:r>
+                          <a:endParaRPr lang="en-ID" sz="1100" b="0" i="0" u="none" strike="noStrike">
+                            <a:solidFill>
+                              <a:srgbClr val="000000"/>
+                            </a:solidFill>
+                            <a:effectLst/>
+                            <a:latin typeface="Calibri" panose="020F0502020204030204" pitchFamily="34" charset="0"/>
+                          </a:endParaRPr>
+                        </a:p>
+                      </a:txBody>
+                      <a:tcPr marL="0" marR="0" marT="0" marB="0" anchor="ctr"/>
+                    </a:tc>
+                    <a:tc>
+                      <a:txBody>
+                        <a:bodyPr/>
+                        <a:lstStyle/>
+                        <a:p>
+                          <a:pPr algn="ctr" fontAlgn="b"/>
+                          <a:r>
+                            <a:rPr lang="en-ID" sz="1100" u="none" strike="noStrike" dirty="0">
+                              <a:effectLst/>
+                            </a:rPr>
+                            <a:t>59,5</a:t>
+                          </a:r>
+                          <a:endParaRPr lang="en-ID" sz="1100" b="0" i="0" u="none" strike="noStrike" dirty="0">
+                            <a:solidFill>
+                              <a:srgbClr val="000000"/>
+                            </a:solidFill>
+                            <a:effectLst/>
+                            <a:latin typeface="Calibri" panose="020F0502020204030204" pitchFamily="34" charset="0"/>
+                          </a:endParaRPr>
+                        </a:p>
+                      </a:txBody>
+                      <a:tcPr marL="0" marR="0" marT="0" marB="0" anchor="ctr"/>
+                    </a:tc>
+                    <a:extLst>
+                      <a:ext uri="{0D108BD9-81ED-4DB2-BD59-A6C34878D82A}">
+                        <a16:rowId xmlns:a16="http://schemas.microsoft.com/office/drawing/2014/main" val="17396747"/>
+                      </a:ext>
+                    </a:extLst>
+                  </a:tr>
+                  <a:tr h="200910">
+                    <a:tc>
+                      <a:txBody>
+                        <a:bodyPr/>
+                        <a:lstStyle/>
+                        <a:p>
+                          <a:pPr algn="ctr" fontAlgn="ctr"/>
+                          <a:r>
+                            <a:rPr lang="en-ID" sz="1100" u="none" strike="noStrike">
+                              <a:effectLst/>
+                            </a:rPr>
+                            <a:t>63 - 68</a:t>
+                          </a:r>
+                          <a:endParaRPr lang="en-ID" sz="1100" b="0" i="0" u="none" strike="noStrike">
+                            <a:solidFill>
+                              <a:srgbClr val="000000"/>
+                            </a:solidFill>
+                            <a:effectLst/>
+                            <a:latin typeface="Calibri" panose="020F0502020204030204" pitchFamily="34" charset="0"/>
+                          </a:endParaRPr>
+                        </a:p>
+                      </a:txBody>
+                      <a:tcPr marL="0" marR="0" marT="0" marB="0" anchor="ctr"/>
+                    </a:tc>
+                    <a:tc>
+                      <a:txBody>
+                        <a:bodyPr/>
+                        <a:lstStyle/>
+                        <a:p>
+                          <a:pPr algn="ctr" fontAlgn="ctr"/>
+                          <a:r>
+                            <a:rPr lang="en-ID" sz="1100" u="none" strike="noStrike" dirty="0">
+                              <a:effectLst/>
+                            </a:rPr>
+                            <a:t>2</a:t>
+                          </a:r>
+                          <a:endParaRPr lang="en-ID" sz="1100" b="0" i="0" u="none" strike="noStrike" dirty="0">
+                            <a:solidFill>
+                              <a:srgbClr val="000000"/>
+                            </a:solidFill>
+                            <a:effectLst/>
+                            <a:latin typeface="Calibri" panose="020F0502020204030204" pitchFamily="34" charset="0"/>
+                          </a:endParaRPr>
+                        </a:p>
+                      </a:txBody>
+                      <a:tcPr marL="0" marR="0" marT="0" marB="0" anchor="ctr"/>
+                    </a:tc>
+                    <a:tc>
+                      <a:txBody>
+                        <a:bodyPr/>
+                        <a:lstStyle/>
+                        <a:p>
+                          <a:pPr algn="ctr" fontAlgn="b"/>
+                          <a:r>
+                            <a:rPr lang="en-ID" sz="1100" u="none" strike="noStrike">
+                              <a:effectLst/>
+                            </a:rPr>
+                            <a:t>65,5</a:t>
+                          </a:r>
+                          <a:endParaRPr lang="en-ID" sz="1100" b="0" i="0" u="none" strike="noStrike">
+                            <a:solidFill>
+                              <a:srgbClr val="000000"/>
+                            </a:solidFill>
+                            <a:effectLst/>
+                            <a:latin typeface="Calibri" panose="020F0502020204030204" pitchFamily="34" charset="0"/>
+                          </a:endParaRPr>
+                        </a:p>
+                      </a:txBody>
+                      <a:tcPr marL="0" marR="0" marT="0" marB="0" anchor="ctr"/>
+                    </a:tc>
+                    <a:tc>
+                      <a:txBody>
+                        <a:bodyPr/>
+                        <a:lstStyle/>
+                        <a:p>
+                          <a:pPr algn="ctr" fontAlgn="b"/>
+                          <a:r>
+                            <a:rPr lang="en-ID" sz="1100" u="none" strike="noStrike">
+                              <a:effectLst/>
+                            </a:rPr>
+                            <a:t>131</a:t>
+                          </a:r>
+                          <a:endParaRPr lang="en-ID" sz="1100" b="0" i="0" u="none" strike="noStrike">
+                            <a:solidFill>
+                              <a:srgbClr val="000000"/>
+                            </a:solidFill>
+                            <a:effectLst/>
+                            <a:latin typeface="Calibri" panose="020F0502020204030204" pitchFamily="34" charset="0"/>
+                          </a:endParaRPr>
+                        </a:p>
+                      </a:txBody>
+                      <a:tcPr marL="0" marR="0" marT="0" marB="0" anchor="ctr"/>
+                    </a:tc>
+                    <a:tc>
+                      <a:txBody>
+                        <a:bodyPr/>
+                        <a:lstStyle/>
+                        <a:p>
+                          <a:pPr algn="ctr" fontAlgn="b"/>
+                          <a:r>
+                            <a:rPr lang="en-ID" sz="1100" u="none" strike="noStrike">
+                              <a:effectLst/>
+                            </a:rPr>
+                            <a:t>65,5</a:t>
+                          </a:r>
+                          <a:endParaRPr lang="en-ID" sz="1100" b="0" i="0" u="none" strike="noStrike">
+                            <a:solidFill>
+                              <a:srgbClr val="000000"/>
+                            </a:solidFill>
+                            <a:effectLst/>
+                            <a:latin typeface="Calibri" panose="020F0502020204030204" pitchFamily="34" charset="0"/>
+                          </a:endParaRPr>
+                        </a:p>
+                      </a:txBody>
+                      <a:tcPr marL="0" marR="0" marT="0" marB="0" anchor="ctr"/>
+                    </a:tc>
+                    <a:extLst>
+                      <a:ext uri="{0D108BD9-81ED-4DB2-BD59-A6C34878D82A}">
+                        <a16:rowId xmlns:a16="http://schemas.microsoft.com/office/drawing/2014/main" val="1775748021"/>
+                      </a:ext>
+                    </a:extLst>
+                  </a:tr>
+                  <a:tr h="311411">
+                    <a:tc>
+                      <a:txBody>
+                        <a:bodyPr/>
+                        <a:lstStyle/>
+                        <a:p>
+                          <a:pPr algn="ctr" fontAlgn="ctr"/>
+                          <a:r>
+                            <a:rPr lang="en-ID" sz="1100" u="none" strike="noStrike">
+                              <a:effectLst/>
+                            </a:rPr>
+                            <a:t>69 - 74</a:t>
+                          </a:r>
+                          <a:endParaRPr lang="en-ID" sz="1100" b="0" i="0" u="none" strike="noStrike">
+                            <a:solidFill>
+                              <a:srgbClr val="000000"/>
+                            </a:solidFill>
+                            <a:effectLst/>
+                            <a:latin typeface="Calibri" panose="020F0502020204030204" pitchFamily="34" charset="0"/>
+                          </a:endParaRPr>
+                        </a:p>
+                      </a:txBody>
+                      <a:tcPr marL="0" marR="0" marT="0" marB="0" anchor="ctr"/>
+                    </a:tc>
+                    <a:tc>
+                      <a:txBody>
+                        <a:bodyPr/>
+                        <a:lstStyle/>
+                        <a:p>
+                          <a:pPr algn="ctr" fontAlgn="ctr"/>
+                          <a:r>
+                            <a:rPr lang="en-ID" sz="1100" u="none" strike="noStrike" dirty="0">
+                              <a:effectLst/>
+                            </a:rPr>
+                            <a:t>2</a:t>
+                          </a:r>
+                          <a:endParaRPr lang="en-ID" sz="1100" b="0" i="0" u="none" strike="noStrike" dirty="0">
+                            <a:solidFill>
+                              <a:srgbClr val="000000"/>
+                            </a:solidFill>
+                            <a:effectLst/>
+                            <a:latin typeface="Calibri" panose="020F0502020204030204" pitchFamily="34" charset="0"/>
+                          </a:endParaRPr>
+                        </a:p>
+                      </a:txBody>
+                      <a:tcPr marL="0" marR="0" marT="0" marB="0" anchor="ctr"/>
+                    </a:tc>
+                    <a:tc>
+                      <a:txBody>
+                        <a:bodyPr/>
+                        <a:lstStyle/>
+                        <a:p>
+                          <a:pPr algn="ctr" fontAlgn="b"/>
+                          <a:r>
+                            <a:rPr lang="en-ID" sz="1100" u="none" strike="noStrike" dirty="0">
+                              <a:effectLst/>
+                            </a:rPr>
+                            <a:t>71,5</a:t>
+                          </a:r>
+                          <a:endParaRPr lang="en-ID" sz="1100" b="0" i="0" u="none" strike="noStrike" dirty="0">
+                            <a:solidFill>
+                              <a:srgbClr val="000000"/>
+                            </a:solidFill>
+                            <a:effectLst/>
+                            <a:latin typeface="Calibri" panose="020F0502020204030204" pitchFamily="34" charset="0"/>
+                          </a:endParaRPr>
+                        </a:p>
+                      </a:txBody>
+                      <a:tcPr marL="0" marR="0" marT="0" marB="0" anchor="ctr"/>
+                    </a:tc>
+                    <a:tc>
+                      <a:txBody>
+                        <a:bodyPr/>
+                        <a:lstStyle/>
+                        <a:p>
+                          <a:pPr algn="ctr" fontAlgn="b"/>
+                          <a:r>
+                            <a:rPr lang="en-ID" sz="1100" u="none" strike="noStrike">
+                              <a:effectLst/>
+                            </a:rPr>
+                            <a:t>143</a:t>
+                          </a:r>
+                          <a:endParaRPr lang="en-ID" sz="1100" b="0" i="0" u="none" strike="noStrike">
+                            <a:solidFill>
+                              <a:srgbClr val="000000"/>
+                            </a:solidFill>
+                            <a:effectLst/>
+                            <a:latin typeface="Calibri" panose="020F0502020204030204" pitchFamily="34" charset="0"/>
+                          </a:endParaRPr>
+                        </a:p>
+                      </a:txBody>
+                      <a:tcPr marL="0" marR="0" marT="0" marB="0" anchor="ctr"/>
+                    </a:tc>
+                    <a:tc>
+                      <a:txBody>
+                        <a:bodyPr/>
+                        <a:lstStyle/>
+                        <a:p>
+                          <a:pPr algn="ctr" fontAlgn="b"/>
+                          <a:r>
+                            <a:rPr lang="en-ID" sz="1100" u="none" strike="noStrike">
+                              <a:effectLst/>
+                            </a:rPr>
+                            <a:t>71,5</a:t>
+                          </a:r>
+                          <a:endParaRPr lang="en-ID" sz="1100" b="0" i="0" u="none" strike="noStrike">
+                            <a:solidFill>
+                              <a:srgbClr val="000000"/>
+                            </a:solidFill>
+                            <a:effectLst/>
+                            <a:latin typeface="Calibri" panose="020F0502020204030204" pitchFamily="34" charset="0"/>
+                          </a:endParaRPr>
+                        </a:p>
+                      </a:txBody>
+                      <a:tcPr marL="0" marR="0" marT="0" marB="0" anchor="ctr"/>
+                    </a:tc>
+                    <a:extLst>
+                      <a:ext uri="{0D108BD9-81ED-4DB2-BD59-A6C34878D82A}">
+                        <a16:rowId xmlns:a16="http://schemas.microsoft.com/office/drawing/2014/main" val="4040255111"/>
+                      </a:ext>
+                    </a:extLst>
+                  </a:tr>
+                  <a:tr h="200910">
+                    <a:tc>
+                      <a:txBody>
+                        <a:bodyPr/>
+                        <a:lstStyle/>
+                        <a:p>
+                          <a:pPr algn="ctr" fontAlgn="ctr"/>
+                          <a:r>
+                            <a:rPr lang="en-ID" sz="1100" u="none" strike="noStrike">
+                              <a:effectLst/>
+                            </a:rPr>
+                            <a:t>75 - 80</a:t>
+                          </a:r>
+                          <a:endParaRPr lang="en-ID" sz="1100" b="0" i="0" u="none" strike="noStrike">
+                            <a:solidFill>
+                              <a:srgbClr val="000000"/>
+                            </a:solidFill>
+                            <a:effectLst/>
+                            <a:latin typeface="Calibri" panose="020F0502020204030204" pitchFamily="34" charset="0"/>
+                          </a:endParaRPr>
+                        </a:p>
+                      </a:txBody>
+                      <a:tcPr marL="0" marR="0" marT="0" marB="0" anchor="ctr"/>
+                    </a:tc>
+                    <a:tc>
+                      <a:txBody>
+                        <a:bodyPr/>
+                        <a:lstStyle/>
+                        <a:p>
+                          <a:pPr algn="ctr" fontAlgn="ctr"/>
+                          <a:r>
+                            <a:rPr lang="en-ID" sz="1000" u="none" strike="noStrike">
+                              <a:effectLst/>
+                            </a:rPr>
+                            <a:t>4</a:t>
+                          </a:r>
+                          <a:endParaRPr lang="en-ID" sz="1000" b="0" i="0" u="none" strike="noStrike">
+                            <a:solidFill>
+                              <a:srgbClr val="000000"/>
+                            </a:solidFill>
+                            <a:effectLst/>
+                            <a:latin typeface="Arial Narrow" panose="020B0606020202030204" pitchFamily="34" charset="0"/>
+                          </a:endParaRPr>
+                        </a:p>
+                      </a:txBody>
+                      <a:tcPr marL="0" marR="0" marT="0" marB="0" anchor="ctr"/>
+                    </a:tc>
+                    <a:tc>
+                      <a:txBody>
+                        <a:bodyPr/>
+                        <a:lstStyle/>
+                        <a:p>
+                          <a:pPr algn="ctr" fontAlgn="b"/>
+                          <a:r>
+                            <a:rPr lang="en-ID" sz="1100" u="none" strike="noStrike" dirty="0">
+                              <a:effectLst/>
+                            </a:rPr>
+                            <a:t>77,5</a:t>
+                          </a:r>
+                          <a:endParaRPr lang="en-ID" sz="1100" b="0" i="0" u="none" strike="noStrike" dirty="0">
+                            <a:solidFill>
+                              <a:srgbClr val="000000"/>
+                            </a:solidFill>
+                            <a:effectLst/>
+                            <a:latin typeface="Calibri" panose="020F0502020204030204" pitchFamily="34" charset="0"/>
+                          </a:endParaRPr>
+                        </a:p>
+                      </a:txBody>
+                      <a:tcPr marL="0" marR="0" marT="0" marB="0" anchor="ctr"/>
+                    </a:tc>
+                    <a:tc>
+                      <a:txBody>
+                        <a:bodyPr/>
+                        <a:lstStyle/>
+                        <a:p>
+                          <a:pPr algn="ctr" fontAlgn="b"/>
+                          <a:r>
+                            <a:rPr lang="en-ID" sz="1100" u="none" strike="noStrike" dirty="0">
+                              <a:effectLst/>
+                            </a:rPr>
+                            <a:t>310</a:t>
+                          </a:r>
+                          <a:endParaRPr lang="en-ID" sz="1100" b="0" i="0" u="none" strike="noStrike" dirty="0">
+                            <a:solidFill>
+                              <a:srgbClr val="000000"/>
+                            </a:solidFill>
+                            <a:effectLst/>
+                            <a:latin typeface="Calibri" panose="020F0502020204030204" pitchFamily="34" charset="0"/>
+                          </a:endParaRPr>
+                        </a:p>
+                      </a:txBody>
+                      <a:tcPr marL="0" marR="0" marT="0" marB="0" anchor="ctr"/>
+                    </a:tc>
+                    <a:tc>
+                      <a:txBody>
+                        <a:bodyPr/>
+                        <a:lstStyle/>
+                        <a:p>
+                          <a:pPr algn="ctr" fontAlgn="b"/>
+                          <a:r>
+                            <a:rPr lang="en-ID" sz="1100" u="none" strike="noStrike">
+                              <a:effectLst/>
+                            </a:rPr>
+                            <a:t>77,5</a:t>
+                          </a:r>
+                          <a:endParaRPr lang="en-ID" sz="1100" b="0" i="0" u="none" strike="noStrike">
+                            <a:solidFill>
+                              <a:srgbClr val="000000"/>
+                            </a:solidFill>
+                            <a:effectLst/>
+                            <a:latin typeface="Calibri" panose="020F0502020204030204" pitchFamily="34" charset="0"/>
+                          </a:endParaRPr>
+                        </a:p>
+                      </a:txBody>
+                      <a:tcPr marL="0" marR="0" marT="0" marB="0" anchor="ctr"/>
+                    </a:tc>
+                    <a:extLst>
+                      <a:ext uri="{0D108BD9-81ED-4DB2-BD59-A6C34878D82A}">
+                        <a16:rowId xmlns:a16="http://schemas.microsoft.com/office/drawing/2014/main" val="1061384704"/>
+                      </a:ext>
+                    </a:extLst>
+                  </a:tr>
+                  <a:tr h="251138">
+                    <a:tc>
+                      <a:txBody>
+                        <a:bodyPr/>
+                        <a:lstStyle/>
+                        <a:p>
+                          <a:pPr algn="ctr" fontAlgn="ctr"/>
+                          <a:r>
+                            <a:rPr lang="en-ID" sz="1100" u="none" strike="noStrike">
+                              <a:effectLst/>
+                            </a:rPr>
+                            <a:t>81 - 86</a:t>
+                          </a:r>
+                          <a:endParaRPr lang="en-ID" sz="1100" b="0" i="0" u="none" strike="noStrike">
+                            <a:solidFill>
+                              <a:srgbClr val="000000"/>
+                            </a:solidFill>
+                            <a:effectLst/>
+                            <a:latin typeface="Calibri" panose="020F0502020204030204" pitchFamily="34" charset="0"/>
+                          </a:endParaRPr>
+                        </a:p>
+                      </a:txBody>
+                      <a:tcPr marL="0" marR="0" marT="0" marB="0" anchor="ctr"/>
+                    </a:tc>
+                    <a:tc>
+                      <a:txBody>
+                        <a:bodyPr/>
+                        <a:lstStyle/>
+                        <a:p>
+                          <a:pPr algn="ctr" fontAlgn="ctr"/>
+                          <a:r>
+                            <a:rPr lang="en-ID" sz="1100" u="none" strike="noStrike">
+                              <a:effectLst/>
+                            </a:rPr>
+                            <a:t>11</a:t>
+                          </a:r>
+                          <a:endParaRPr lang="en-ID" sz="1100" b="0" i="0" u="none" strike="noStrike">
+                            <a:solidFill>
+                              <a:srgbClr val="000000"/>
+                            </a:solidFill>
+                            <a:effectLst/>
+                            <a:latin typeface="Calibri" panose="020F0502020204030204" pitchFamily="34" charset="0"/>
+                          </a:endParaRPr>
+                        </a:p>
+                      </a:txBody>
+                      <a:tcPr marL="0" marR="0" marT="0" marB="0" anchor="ctr"/>
+                    </a:tc>
+                    <a:tc>
+                      <a:txBody>
+                        <a:bodyPr/>
+                        <a:lstStyle/>
+                        <a:p>
+                          <a:pPr algn="ctr" fontAlgn="b"/>
+                          <a:r>
+                            <a:rPr lang="en-ID" sz="1100" u="none" strike="noStrike">
+                              <a:effectLst/>
+                            </a:rPr>
+                            <a:t>83,5</a:t>
+                          </a:r>
+                          <a:endParaRPr lang="en-ID" sz="1100" b="0" i="0" u="none" strike="noStrike">
+                            <a:solidFill>
+                              <a:srgbClr val="000000"/>
+                            </a:solidFill>
+                            <a:effectLst/>
+                            <a:latin typeface="Calibri" panose="020F0502020204030204" pitchFamily="34" charset="0"/>
+                          </a:endParaRPr>
+                        </a:p>
+                      </a:txBody>
+                      <a:tcPr marL="0" marR="0" marT="0" marB="0" anchor="ctr"/>
+                    </a:tc>
+                    <a:tc>
+                      <a:txBody>
+                        <a:bodyPr/>
+                        <a:lstStyle/>
+                        <a:p>
+                          <a:pPr algn="ctr" fontAlgn="b"/>
+                          <a:r>
+                            <a:rPr lang="en-ID" sz="1100" u="none" strike="noStrike" dirty="0">
+                              <a:effectLst/>
+                            </a:rPr>
+                            <a:t>918,5</a:t>
+                          </a:r>
+                          <a:endParaRPr lang="en-ID" sz="1100" b="0" i="0" u="none" strike="noStrike" dirty="0">
+                            <a:solidFill>
+                              <a:srgbClr val="000000"/>
+                            </a:solidFill>
+                            <a:effectLst/>
+                            <a:latin typeface="Calibri" panose="020F0502020204030204" pitchFamily="34" charset="0"/>
+                          </a:endParaRPr>
+                        </a:p>
+                      </a:txBody>
+                      <a:tcPr marL="0" marR="0" marT="0" marB="0" anchor="ctr"/>
+                    </a:tc>
+                    <a:tc>
+                      <a:txBody>
+                        <a:bodyPr/>
+                        <a:lstStyle/>
+                        <a:p>
+                          <a:pPr algn="ctr" fontAlgn="b"/>
+                          <a:r>
+                            <a:rPr lang="en-ID" sz="1100" u="none" strike="noStrike">
+                              <a:effectLst/>
+                            </a:rPr>
+                            <a:t>83,5</a:t>
+                          </a:r>
+                          <a:endParaRPr lang="en-ID" sz="1100" b="0" i="0" u="none" strike="noStrike">
+                            <a:solidFill>
+                              <a:srgbClr val="000000"/>
+                            </a:solidFill>
+                            <a:effectLst/>
+                            <a:latin typeface="Calibri" panose="020F0502020204030204" pitchFamily="34" charset="0"/>
+                          </a:endParaRPr>
+                        </a:p>
+                      </a:txBody>
+                      <a:tcPr marL="0" marR="0" marT="0" marB="0" anchor="ctr"/>
+                    </a:tc>
+                    <a:extLst>
+                      <a:ext uri="{0D108BD9-81ED-4DB2-BD59-A6C34878D82A}">
+                        <a16:rowId xmlns:a16="http://schemas.microsoft.com/office/drawing/2014/main" val="4150198490"/>
+                      </a:ext>
+                    </a:extLst>
+                  </a:tr>
+                  <a:tr h="200910">
+                    <a:tc>
+                      <a:txBody>
+                        <a:bodyPr/>
+                        <a:lstStyle/>
+                        <a:p>
+                          <a:pPr algn="ctr" fontAlgn="ctr"/>
+                          <a:r>
+                            <a:rPr lang="en-ID" sz="1100" u="none" strike="noStrike">
+                              <a:effectLst/>
+                            </a:rPr>
+                            <a:t>87 - 92</a:t>
+                          </a:r>
+                          <a:endParaRPr lang="en-ID" sz="1100" b="0" i="0" u="none" strike="noStrike">
+                            <a:solidFill>
+                              <a:srgbClr val="000000"/>
+                            </a:solidFill>
+                            <a:effectLst/>
+                            <a:latin typeface="Calibri" panose="020F0502020204030204" pitchFamily="34" charset="0"/>
+                          </a:endParaRPr>
+                        </a:p>
+                      </a:txBody>
+                      <a:tcPr marL="0" marR="0" marT="0" marB="0" anchor="ctr"/>
+                    </a:tc>
+                    <a:tc>
+                      <a:txBody>
+                        <a:bodyPr/>
+                        <a:lstStyle/>
+                        <a:p>
+                          <a:pPr algn="ctr" fontAlgn="ctr"/>
+                          <a:r>
+                            <a:rPr lang="en-ID" sz="1100" u="none" strike="noStrike">
+                              <a:effectLst/>
+                            </a:rPr>
+                            <a:t>15</a:t>
+                          </a:r>
+                          <a:endParaRPr lang="en-ID" sz="1100" b="0" i="0" u="none" strike="noStrike">
+                            <a:solidFill>
+                              <a:srgbClr val="000000"/>
+                            </a:solidFill>
+                            <a:effectLst/>
+                            <a:latin typeface="Calibri" panose="020F0502020204030204" pitchFamily="34" charset="0"/>
+                          </a:endParaRPr>
+                        </a:p>
+                      </a:txBody>
+                      <a:tcPr marL="0" marR="0" marT="0" marB="0" anchor="ctr"/>
+                    </a:tc>
+                    <a:tc>
+                      <a:txBody>
+                        <a:bodyPr/>
+                        <a:lstStyle/>
+                        <a:p>
+                          <a:pPr algn="ctr" fontAlgn="b"/>
+                          <a:r>
+                            <a:rPr lang="en-ID" sz="1100" u="none" strike="noStrike">
+                              <a:effectLst/>
+                            </a:rPr>
+                            <a:t>89,5</a:t>
+                          </a:r>
+                          <a:endParaRPr lang="en-ID" sz="1100" b="0" i="0" u="none" strike="noStrike">
+                            <a:solidFill>
+                              <a:srgbClr val="000000"/>
+                            </a:solidFill>
+                            <a:effectLst/>
+                            <a:latin typeface="Calibri" panose="020F0502020204030204" pitchFamily="34" charset="0"/>
+                          </a:endParaRPr>
+                        </a:p>
+                      </a:txBody>
+                      <a:tcPr marL="0" marR="0" marT="0" marB="0" anchor="ctr"/>
+                    </a:tc>
+                    <a:tc>
+                      <a:txBody>
+                        <a:bodyPr/>
+                        <a:lstStyle/>
+                        <a:p>
+                          <a:pPr algn="ctr" fontAlgn="b"/>
+                          <a:r>
+                            <a:rPr lang="en-ID" sz="1100" u="none" strike="noStrike" dirty="0">
+                              <a:effectLst/>
+                            </a:rPr>
+                            <a:t>1342,5</a:t>
+                          </a:r>
+                          <a:endParaRPr lang="en-ID" sz="1100" b="0" i="0" u="none" strike="noStrike" dirty="0">
+                            <a:solidFill>
+                              <a:srgbClr val="000000"/>
+                            </a:solidFill>
+                            <a:effectLst/>
+                            <a:latin typeface="Calibri" panose="020F0502020204030204" pitchFamily="34" charset="0"/>
+                          </a:endParaRPr>
+                        </a:p>
+                      </a:txBody>
+                      <a:tcPr marL="0" marR="0" marT="0" marB="0" anchor="ctr"/>
+                    </a:tc>
+                    <a:tc>
+                      <a:txBody>
+                        <a:bodyPr/>
+                        <a:lstStyle/>
+                        <a:p>
+                          <a:pPr algn="ctr" fontAlgn="b"/>
+                          <a:r>
+                            <a:rPr lang="en-ID" sz="1100" u="none" strike="noStrike" dirty="0">
+                              <a:effectLst/>
+                            </a:rPr>
+                            <a:t>89,5</a:t>
+                          </a:r>
+                          <a:endParaRPr lang="en-ID" sz="1100" b="0" i="0" u="none" strike="noStrike" dirty="0">
+                            <a:solidFill>
+                              <a:srgbClr val="000000"/>
+                            </a:solidFill>
+                            <a:effectLst/>
+                            <a:latin typeface="Calibri" panose="020F0502020204030204" pitchFamily="34" charset="0"/>
+                          </a:endParaRPr>
+                        </a:p>
+                      </a:txBody>
+                      <a:tcPr marL="0" marR="0" marT="0" marB="0" anchor="ctr"/>
+                    </a:tc>
+                    <a:extLst>
+                      <a:ext uri="{0D108BD9-81ED-4DB2-BD59-A6C34878D82A}">
+                        <a16:rowId xmlns:a16="http://schemas.microsoft.com/office/drawing/2014/main" val="2566846377"/>
+                      </a:ext>
+                    </a:extLst>
+                  </a:tr>
+                  <a:tr h="251138">
+                    <a:tc>
+                      <a:txBody>
+                        <a:bodyPr/>
+                        <a:lstStyle/>
+                        <a:p>
+                          <a:pPr algn="ctr" fontAlgn="ctr"/>
+                          <a:r>
+                            <a:rPr lang="en-ID" sz="1100" u="none" strike="noStrike">
+                              <a:effectLst/>
+                            </a:rPr>
+                            <a:t>93 - 98</a:t>
+                          </a:r>
+                          <a:endParaRPr lang="en-ID" sz="1100" b="0" i="0" u="none" strike="noStrike">
+                            <a:solidFill>
+                              <a:srgbClr val="000000"/>
+                            </a:solidFill>
+                            <a:effectLst/>
+                            <a:latin typeface="Calibri" panose="020F0502020204030204" pitchFamily="34" charset="0"/>
+                          </a:endParaRPr>
+                        </a:p>
+                      </a:txBody>
+                      <a:tcPr marL="0" marR="0" marT="0" marB="0" anchor="ctr"/>
+                    </a:tc>
+                    <a:tc>
+                      <a:txBody>
+                        <a:bodyPr/>
+                        <a:lstStyle/>
+                        <a:p>
+                          <a:pPr algn="ctr" fontAlgn="ctr"/>
+                          <a:r>
+                            <a:rPr lang="en-ID" sz="1100" u="none" strike="noStrike">
+                              <a:effectLst/>
+                            </a:rPr>
+                            <a:t>13</a:t>
+                          </a:r>
+                          <a:endParaRPr lang="en-ID" sz="1100" b="0" i="0" u="none" strike="noStrike">
+                            <a:solidFill>
+                              <a:srgbClr val="000000"/>
+                            </a:solidFill>
+                            <a:effectLst/>
+                            <a:latin typeface="Calibri" panose="020F0502020204030204" pitchFamily="34" charset="0"/>
+                          </a:endParaRPr>
+                        </a:p>
+                      </a:txBody>
+                      <a:tcPr marL="0" marR="0" marT="0" marB="0" anchor="ctr"/>
+                    </a:tc>
+                    <a:tc>
+                      <a:txBody>
+                        <a:bodyPr/>
+                        <a:lstStyle/>
+                        <a:p>
+                          <a:pPr algn="ctr" fontAlgn="b"/>
+                          <a:r>
+                            <a:rPr lang="en-ID" sz="1100" u="none" strike="noStrike">
+                              <a:effectLst/>
+                            </a:rPr>
+                            <a:t>95,5</a:t>
+                          </a:r>
+                          <a:endParaRPr lang="en-ID" sz="1100" b="0" i="0" u="none" strike="noStrike">
+                            <a:solidFill>
+                              <a:srgbClr val="000000"/>
+                            </a:solidFill>
+                            <a:effectLst/>
+                            <a:latin typeface="Calibri" panose="020F0502020204030204" pitchFamily="34" charset="0"/>
+                          </a:endParaRPr>
+                        </a:p>
+                      </a:txBody>
+                      <a:tcPr marL="0" marR="0" marT="0" marB="0" anchor="ctr"/>
+                    </a:tc>
+                    <a:tc>
+                      <a:txBody>
+                        <a:bodyPr/>
+                        <a:lstStyle/>
+                        <a:p>
+                          <a:pPr algn="ctr" fontAlgn="b"/>
+                          <a:r>
+                            <a:rPr lang="en-ID" sz="1100" u="none" strike="noStrike">
+                              <a:effectLst/>
+                            </a:rPr>
+                            <a:t>1241,5</a:t>
+                          </a:r>
+                          <a:endParaRPr lang="en-ID" sz="1100" b="0" i="0" u="none" strike="noStrike">
+                            <a:solidFill>
+                              <a:srgbClr val="000000"/>
+                            </a:solidFill>
+                            <a:effectLst/>
+                            <a:latin typeface="Calibri" panose="020F0502020204030204" pitchFamily="34" charset="0"/>
+                          </a:endParaRPr>
+                        </a:p>
+                      </a:txBody>
+                      <a:tcPr marL="0" marR="0" marT="0" marB="0" anchor="ctr"/>
+                    </a:tc>
+                    <a:tc>
+                      <a:txBody>
+                        <a:bodyPr/>
+                        <a:lstStyle/>
+                        <a:p>
+                          <a:pPr algn="ctr" fontAlgn="b"/>
+                          <a:r>
+                            <a:rPr lang="en-ID" sz="1100" u="none" strike="noStrike" dirty="0">
+                              <a:effectLst/>
+                            </a:rPr>
+                            <a:t>95,5</a:t>
+                          </a:r>
+                          <a:endParaRPr lang="en-ID" sz="1100" b="0" i="0" u="none" strike="noStrike" dirty="0">
+                            <a:solidFill>
+                              <a:srgbClr val="000000"/>
+                            </a:solidFill>
+                            <a:effectLst/>
+                            <a:latin typeface="Calibri" panose="020F0502020204030204" pitchFamily="34" charset="0"/>
+                          </a:endParaRPr>
+                        </a:p>
+                      </a:txBody>
+                      <a:tcPr marL="0" marR="0" marT="0" marB="0" anchor="ctr"/>
+                    </a:tc>
+                    <a:extLst>
+                      <a:ext uri="{0D108BD9-81ED-4DB2-BD59-A6C34878D82A}">
+                        <a16:rowId xmlns:a16="http://schemas.microsoft.com/office/drawing/2014/main" val="3999945485"/>
+                      </a:ext>
+                    </a:extLst>
+                  </a:tr>
+                  <a:tr h="200910">
+                    <a:tc>
+                      <a:txBody>
+                        <a:bodyPr/>
+                        <a:lstStyle/>
+                        <a:p>
+                          <a:pPr algn="ctr" fontAlgn="ctr"/>
+                          <a:r>
+                            <a:rPr lang="en-ID" sz="1100" u="none" strike="noStrike">
+                              <a:effectLst/>
+                            </a:rPr>
+                            <a:t>Jumlah</a:t>
+                          </a:r>
+                          <a:endParaRPr lang="en-ID" sz="1100" b="0" i="0" u="none" strike="noStrike">
+                            <a:solidFill>
+                              <a:srgbClr val="000000"/>
+                            </a:solidFill>
+                            <a:effectLst/>
+                            <a:latin typeface="Calibri" panose="020F0502020204030204" pitchFamily="34" charset="0"/>
+                          </a:endParaRPr>
+                        </a:p>
+                      </a:txBody>
+                      <a:tcPr marL="0" marR="0" marT="0" marB="0" anchor="ctr"/>
+                    </a:tc>
+                    <a:tc>
+                      <a:txBody>
+                        <a:bodyPr/>
+                        <a:lstStyle/>
+                        <a:p>
+                          <a:pPr algn="ctr" fontAlgn="ctr"/>
+                          <a:r>
+                            <a:rPr lang="en-ID" sz="1100" u="none" strike="noStrike">
+                              <a:effectLst/>
+                            </a:rPr>
+                            <a:t>50</a:t>
+                          </a:r>
+                          <a:endParaRPr lang="en-ID" sz="1100" b="0" i="0" u="none" strike="noStrike">
+                            <a:solidFill>
+                              <a:srgbClr val="000000"/>
+                            </a:solidFill>
+                            <a:effectLst/>
+                            <a:latin typeface="Calibri" panose="020F0502020204030204" pitchFamily="34" charset="0"/>
+                          </a:endParaRPr>
+                        </a:p>
+                      </a:txBody>
+                      <a:tcPr marL="0" marR="0" marT="0" marB="0" anchor="ctr"/>
+                    </a:tc>
+                    <a:tc>
+                      <a:txBody>
+                        <a:bodyPr/>
+                        <a:lstStyle/>
+                        <a:p>
+                          <a:pPr algn="ctr" fontAlgn="b"/>
+                          <a:r>
+                            <a:rPr lang="en-ID" sz="1100" u="none" strike="noStrike">
+                              <a:effectLst/>
+                            </a:rPr>
+                            <a:t> </a:t>
+                          </a:r>
+                          <a:endParaRPr lang="en-ID" sz="1100" b="0" i="0" u="none" strike="noStrike">
+                            <a:solidFill>
+                              <a:srgbClr val="000000"/>
+                            </a:solidFill>
+                            <a:effectLst/>
+                            <a:latin typeface="Calibri" panose="020F0502020204030204" pitchFamily="34" charset="0"/>
+                          </a:endParaRPr>
+                        </a:p>
+                      </a:txBody>
+                      <a:tcPr marL="0" marR="0" marT="0" marB="0" anchor="ctr"/>
+                    </a:tc>
+                    <a:tc>
+                      <a:txBody>
+                        <a:bodyPr/>
+                        <a:lstStyle/>
+                        <a:p>
+                          <a:pPr algn="ctr" fontAlgn="b"/>
+                          <a:r>
+                            <a:rPr lang="en-ID" sz="1100" u="none" strike="noStrike">
+                              <a:effectLst/>
+                            </a:rPr>
+                            <a:t>4265</a:t>
+                          </a:r>
+                          <a:endParaRPr lang="en-ID" sz="1100" b="0" i="0" u="none" strike="noStrike">
+                            <a:solidFill>
+                              <a:srgbClr val="000000"/>
+                            </a:solidFill>
+                            <a:effectLst/>
+                            <a:latin typeface="Calibri" panose="020F0502020204030204" pitchFamily="34" charset="0"/>
+                          </a:endParaRPr>
+                        </a:p>
+                      </a:txBody>
+                      <a:tcPr marL="0" marR="0" marT="0" marB="0" anchor="ctr"/>
+                    </a:tc>
+                    <a:tc>
+                      <a:txBody>
+                        <a:bodyPr/>
+                        <a:lstStyle/>
+                        <a:p>
+                          <a:pPr algn="ctr" fontAlgn="b"/>
+                          <a:r>
+                            <a:rPr lang="en-ID" sz="1100" u="none" strike="noStrike" dirty="0">
+                              <a:effectLst/>
+                            </a:rPr>
+                            <a:t>542,5</a:t>
+                          </a:r>
+                          <a:endParaRPr lang="en-ID" sz="1100" b="0" i="0" u="none" strike="noStrike" dirty="0">
+                            <a:solidFill>
+                              <a:srgbClr val="000000"/>
+                            </a:solidFill>
+                            <a:effectLst/>
+                            <a:latin typeface="Calibri" panose="020F0502020204030204" pitchFamily="34" charset="0"/>
+                          </a:endParaRPr>
+                        </a:p>
+                      </a:txBody>
+                      <a:tcPr marL="0" marR="0" marT="0" marB="0" anchor="ctr"/>
+                    </a:tc>
+                    <a:extLst>
+                      <a:ext uri="{0D108BD9-81ED-4DB2-BD59-A6C34878D82A}">
+                        <a16:rowId xmlns:a16="http://schemas.microsoft.com/office/drawing/2014/main" val="2135165318"/>
+                      </a:ext>
+                    </a:extLst>
+                  </a:tr>
+                </a:tbl>
+              </a:graphicData>
+            </a:graphic>
+          </p:graphicFrame>
+        </mc:Fallback>
+      </mc:AlternateContent>
+      <p:sp>
+        <p:nvSpPr>
+          <p:cNvPr id="13" name="TextBox 12">
+            <a:extLst>
+              <a:ext uri="{FF2B5EF4-FFF2-40B4-BE49-F238E27FC236}">
+                <a16:creationId xmlns:a16="http://schemas.microsoft.com/office/drawing/2014/main" id="{A507C184-9943-423D-B64D-ADF121236F5D}"/>
+              </a:ext>
+            </a:extLst>
+          </p:cNvPr>
+          <p:cNvSpPr txBox="1"/>
+          <p:nvPr/>
+        </p:nvSpPr>
+        <p:spPr>
+          <a:xfrm>
+            <a:off x="5220072" y="2499742"/>
+            <a:ext cx="2232248" cy="369332"/>
+          </a:xfrm>
+          <a:prstGeom prst="rect">
+            <a:avLst/>
+          </a:prstGeom>
+          <a:noFill/>
+        </p:spPr>
+        <p:txBody>
+          <a:bodyPr wrap="square" rtlCol="0">
+            <a:spAutoFit/>
+          </a:bodyPr>
+          <a:lstStyle/>
+          <a:p>
+            <a:r>
+              <a:rPr lang="en-ID"/>
+              <a:t>S</a:t>
+            </a:r>
+            <a:r>
+              <a:rPr lang="en-ID" baseline="30000"/>
+              <a:t>2 </a:t>
+            </a:r>
+            <a:r>
+              <a:rPr lang="en-ID"/>
+              <a:t> = 300312,5 </a:t>
+            </a:r>
+            <a:endParaRPr lang="en-ID" dirty="0"/>
+          </a:p>
+        </p:txBody>
+      </p:sp>
+    </p:spTree>
+    <p:extLst>
+      <p:ext uri="{BB962C8B-B14F-4D97-AF65-F5344CB8AC3E}">
+        <p14:creationId xmlns:p14="http://schemas.microsoft.com/office/powerpoint/2010/main" val="4236860200"/>
       </p:ext>
     </p:extLst>
   </p:cSld>

--- a/Presentasi-Statistika-kelompok-3.pptx
+++ b/Presentasi-Statistika-kelompok-3.pptx
@@ -7,7 +7,7 @@
     <p:sldMasterId id="2147483653" r:id="rId3"/>
   </p:sldMasterIdLst>
   <p:notesMasterIdLst>
-    <p:notesMasterId r:id="rId23"/>
+    <p:notesMasterId r:id="rId28"/>
   </p:notesMasterIdLst>
   <p:sldIdLst>
     <p:sldId id="256" r:id="rId4"/>
@@ -29,6 +29,11 @@
     <p:sldId id="308" r:id="rId20"/>
     <p:sldId id="309" r:id="rId21"/>
     <p:sldId id="310" r:id="rId22"/>
+    <p:sldId id="311" r:id="rId23"/>
+    <p:sldId id="312" r:id="rId24"/>
+    <p:sldId id="313" r:id="rId25"/>
+    <p:sldId id="314" r:id="rId26"/>
+    <p:sldId id="315" r:id="rId27"/>
   </p:sldIdLst>
   <p:sldSz cx="9144000" cy="5143500" type="screen16x9"/>
   <p:notesSz cx="6858000" cy="9144000"/>
@@ -228,7 +233,7 @@
           <a:p>
             <a:fld id="{97273010-0C30-4B03-852F-88C703C2F448}" type="datetimeFigureOut">
               <a:rPr lang="en-US" smtClean="0"/>
-              <a:t>11/24/2019</a:t>
+              <a:t>11/25/2019</a:t>
             </a:fld>
             <a:endParaRPr lang="en-US"/>
           </a:p>
@@ -579,6 +584,258 @@
 </p:notes>
 </file>
 
+<file path=ppt/notesSlides/notesSlide2.xml><?xml version="1.0" encoding="utf-8"?>
+<p:notes xmlns:a="http://schemas.openxmlformats.org/drawingml/2006/main" xmlns:r="http://schemas.openxmlformats.org/officeDocument/2006/relationships" xmlns:p="http://schemas.openxmlformats.org/presentationml/2006/main">
+  <p:cSld>
+    <p:spTree>
+      <p:nvGrpSpPr>
+        <p:cNvPr id="1" name=""/>
+        <p:cNvGrpSpPr/>
+        <p:nvPr/>
+      </p:nvGrpSpPr>
+      <p:grpSpPr>
+        <a:xfrm>
+          <a:off x="0" y="0"/>
+          <a:ext cx="0" cy="0"/>
+          <a:chOff x="0" y="0"/>
+          <a:chExt cx="0" cy="0"/>
+        </a:xfrm>
+      </p:grpSpPr>
+      <p:sp>
+        <p:nvSpPr>
+          <p:cNvPr id="2" name="Slide Image Placeholder 1"/>
+          <p:cNvSpPr>
+            <a:spLocks noGrp="1" noRot="1" noChangeAspect="1"/>
+          </p:cNvSpPr>
+          <p:nvPr>
+            <p:ph type="sldImg"/>
+          </p:nvPr>
+        </p:nvSpPr>
+        <p:spPr/>
+      </p:sp>
+      <p:sp>
+        <p:nvSpPr>
+          <p:cNvPr id="3" name="Notes Placeholder 2"/>
+          <p:cNvSpPr>
+            <a:spLocks noGrp="1"/>
+          </p:cNvSpPr>
+          <p:nvPr>
+            <p:ph type="body" idx="1"/>
+          </p:nvPr>
+        </p:nvSpPr>
+        <p:spPr/>
+        <p:txBody>
+          <a:bodyPr/>
+          <a:lstStyle/>
+          <a:p>
+            <a:endParaRPr lang="en-ID" dirty="0"/>
+          </a:p>
+        </p:txBody>
+      </p:sp>
+      <p:sp>
+        <p:nvSpPr>
+          <p:cNvPr id="4" name="Slide Number Placeholder 3"/>
+          <p:cNvSpPr>
+            <a:spLocks noGrp="1"/>
+          </p:cNvSpPr>
+          <p:nvPr>
+            <p:ph type="sldNum" sz="quarter" idx="5"/>
+          </p:nvPr>
+        </p:nvSpPr>
+        <p:spPr/>
+        <p:txBody>
+          <a:bodyPr/>
+          <a:lstStyle/>
+          <a:p>
+            <a:fld id="{BFC9F84E-A8DE-47BB-9748-4D1F2673A676}" type="slidenum">
+              <a:rPr lang="en-US" smtClean="0"/>
+              <a:t>21</a:t>
+            </a:fld>
+            <a:endParaRPr lang="en-US"/>
+          </a:p>
+        </p:txBody>
+      </p:sp>
+    </p:spTree>
+    <p:extLst>
+      <p:ext uri="{BB962C8B-B14F-4D97-AF65-F5344CB8AC3E}">
+        <p14:creationId xmlns:p14="http://schemas.microsoft.com/office/powerpoint/2010/main" val="4195746900"/>
+      </p:ext>
+    </p:extLst>
+  </p:cSld>
+  <p:clrMapOvr>
+    <a:masterClrMapping/>
+  </p:clrMapOvr>
+</p:notes>
+</file>
+
+<file path=ppt/notesSlides/notesSlide3.xml><?xml version="1.0" encoding="utf-8"?>
+<p:notes xmlns:a="http://schemas.openxmlformats.org/drawingml/2006/main" xmlns:r="http://schemas.openxmlformats.org/officeDocument/2006/relationships" xmlns:p="http://schemas.openxmlformats.org/presentationml/2006/main">
+  <p:cSld>
+    <p:spTree>
+      <p:nvGrpSpPr>
+        <p:cNvPr id="1" name=""/>
+        <p:cNvGrpSpPr/>
+        <p:nvPr/>
+      </p:nvGrpSpPr>
+      <p:grpSpPr>
+        <a:xfrm>
+          <a:off x="0" y="0"/>
+          <a:ext cx="0" cy="0"/>
+          <a:chOff x="0" y="0"/>
+          <a:chExt cx="0" cy="0"/>
+        </a:xfrm>
+      </p:grpSpPr>
+      <p:sp>
+        <p:nvSpPr>
+          <p:cNvPr id="2" name="Slide Image Placeholder 1"/>
+          <p:cNvSpPr>
+            <a:spLocks noGrp="1" noRot="1" noChangeAspect="1"/>
+          </p:cNvSpPr>
+          <p:nvPr>
+            <p:ph type="sldImg"/>
+          </p:nvPr>
+        </p:nvSpPr>
+        <p:spPr/>
+      </p:sp>
+      <p:sp>
+        <p:nvSpPr>
+          <p:cNvPr id="3" name="Notes Placeholder 2"/>
+          <p:cNvSpPr>
+            <a:spLocks noGrp="1"/>
+          </p:cNvSpPr>
+          <p:nvPr>
+            <p:ph type="body" idx="1"/>
+          </p:nvPr>
+        </p:nvSpPr>
+        <p:spPr/>
+        <p:txBody>
+          <a:bodyPr/>
+          <a:lstStyle/>
+          <a:p>
+            <a:endParaRPr lang="en-ID" dirty="0"/>
+          </a:p>
+        </p:txBody>
+      </p:sp>
+      <p:sp>
+        <p:nvSpPr>
+          <p:cNvPr id="4" name="Slide Number Placeholder 3"/>
+          <p:cNvSpPr>
+            <a:spLocks noGrp="1"/>
+          </p:cNvSpPr>
+          <p:nvPr>
+            <p:ph type="sldNum" sz="quarter" idx="5"/>
+          </p:nvPr>
+        </p:nvSpPr>
+        <p:spPr/>
+        <p:txBody>
+          <a:bodyPr/>
+          <a:lstStyle/>
+          <a:p>
+            <a:fld id="{BFC9F84E-A8DE-47BB-9748-4D1F2673A676}" type="slidenum">
+              <a:rPr lang="en-US" smtClean="0"/>
+              <a:t>23</a:t>
+            </a:fld>
+            <a:endParaRPr lang="en-US"/>
+          </a:p>
+        </p:txBody>
+      </p:sp>
+    </p:spTree>
+    <p:extLst>
+      <p:ext uri="{BB962C8B-B14F-4D97-AF65-F5344CB8AC3E}">
+        <p14:creationId xmlns:p14="http://schemas.microsoft.com/office/powerpoint/2010/main" val="814663589"/>
+      </p:ext>
+    </p:extLst>
+  </p:cSld>
+  <p:clrMapOvr>
+    <a:masterClrMapping/>
+  </p:clrMapOvr>
+</p:notes>
+</file>
+
+<file path=ppt/notesSlides/notesSlide4.xml><?xml version="1.0" encoding="utf-8"?>
+<p:notes xmlns:a="http://schemas.openxmlformats.org/drawingml/2006/main" xmlns:r="http://schemas.openxmlformats.org/officeDocument/2006/relationships" xmlns:p="http://schemas.openxmlformats.org/presentationml/2006/main">
+  <p:cSld>
+    <p:spTree>
+      <p:nvGrpSpPr>
+        <p:cNvPr id="1" name=""/>
+        <p:cNvGrpSpPr/>
+        <p:nvPr/>
+      </p:nvGrpSpPr>
+      <p:grpSpPr>
+        <a:xfrm>
+          <a:off x="0" y="0"/>
+          <a:ext cx="0" cy="0"/>
+          <a:chOff x="0" y="0"/>
+          <a:chExt cx="0" cy="0"/>
+        </a:xfrm>
+      </p:grpSpPr>
+      <p:sp>
+        <p:nvSpPr>
+          <p:cNvPr id="2" name="Slide Image Placeholder 1"/>
+          <p:cNvSpPr>
+            <a:spLocks noGrp="1" noRot="1" noChangeAspect="1"/>
+          </p:cNvSpPr>
+          <p:nvPr>
+            <p:ph type="sldImg"/>
+          </p:nvPr>
+        </p:nvSpPr>
+        <p:spPr/>
+      </p:sp>
+      <p:sp>
+        <p:nvSpPr>
+          <p:cNvPr id="3" name="Notes Placeholder 2"/>
+          <p:cNvSpPr>
+            <a:spLocks noGrp="1"/>
+          </p:cNvSpPr>
+          <p:nvPr>
+            <p:ph type="body" idx="1"/>
+          </p:nvPr>
+        </p:nvSpPr>
+        <p:spPr/>
+        <p:txBody>
+          <a:bodyPr/>
+          <a:lstStyle/>
+          <a:p>
+            <a:endParaRPr lang="en-ID" dirty="0"/>
+          </a:p>
+        </p:txBody>
+      </p:sp>
+      <p:sp>
+        <p:nvSpPr>
+          <p:cNvPr id="4" name="Slide Number Placeholder 3"/>
+          <p:cNvSpPr>
+            <a:spLocks noGrp="1"/>
+          </p:cNvSpPr>
+          <p:nvPr>
+            <p:ph type="sldNum" sz="quarter" idx="5"/>
+          </p:nvPr>
+        </p:nvSpPr>
+        <p:spPr/>
+        <p:txBody>
+          <a:bodyPr/>
+          <a:lstStyle/>
+          <a:p>
+            <a:fld id="{BFC9F84E-A8DE-47BB-9748-4D1F2673A676}" type="slidenum">
+              <a:rPr lang="en-US" smtClean="0"/>
+              <a:t>24</a:t>
+            </a:fld>
+            <a:endParaRPr lang="en-US"/>
+          </a:p>
+        </p:txBody>
+      </p:sp>
+    </p:spTree>
+    <p:extLst>
+      <p:ext uri="{BB962C8B-B14F-4D97-AF65-F5344CB8AC3E}">
+        <p14:creationId xmlns:p14="http://schemas.microsoft.com/office/powerpoint/2010/main" val="3759205525"/>
+      </p:ext>
+    </p:extLst>
+  </p:cSld>
+  <p:clrMapOvr>
+    <a:masterClrMapping/>
+  </p:clrMapOvr>
+</p:notes>
+</file>
+
 <file path=ppt/slideLayouts/slideLayout1.xml><?xml version="1.0" encoding="utf-8"?>
 <p:sldLayout xmlns:a="http://schemas.openxmlformats.org/drawingml/2006/main" xmlns:r="http://schemas.openxmlformats.org/officeDocument/2006/relationships" xmlns:p="http://schemas.openxmlformats.org/presentationml/2006/main" preserve="1" userDrawn="1">
   <p:cSld name="Cover Slide layout">
@@ -720,6 +977,18 @@
   <p:clrMapOvr>
     <a:masterClrMapping/>
   </p:clrMapOvr>
+  <mc:AlternateContent xmlns:mc="http://schemas.openxmlformats.org/markup-compatibility/2006">
+    <mc:Choice xmlns:p14="http://schemas.microsoft.com/office/powerpoint/2010/main" Requires="p14">
+      <p:transition spd="slow" p14:dur="1300">
+        <p14:pan dir="u"/>
+      </p:transition>
+    </mc:Choice>
+    <mc:Fallback>
+      <p:transition spd="slow">
+        <p:fade/>
+      </p:transition>
+    </mc:Fallback>
+  </mc:AlternateContent>
 </p:sldLayout>
 </file>
 
@@ -1004,6 +1273,18 @@
   <p:clrMapOvr>
     <a:masterClrMapping/>
   </p:clrMapOvr>
+  <mc:AlternateContent xmlns:mc="http://schemas.openxmlformats.org/markup-compatibility/2006">
+    <mc:Choice xmlns:p14="http://schemas.microsoft.com/office/powerpoint/2010/main" Requires="p14">
+      <p:transition spd="slow" p14:dur="1300">
+        <p14:pan dir="u"/>
+      </p:transition>
+    </mc:Choice>
+    <mc:Fallback>
+      <p:transition spd="slow">
+        <p:fade/>
+      </p:transition>
+    </mc:Fallback>
+  </mc:AlternateContent>
 </p:sldLayout>
 </file>
 
@@ -1294,6 +1575,18 @@
   <p:clrMapOvr>
     <a:masterClrMapping/>
   </p:clrMapOvr>
+  <mc:AlternateContent xmlns:mc="http://schemas.openxmlformats.org/markup-compatibility/2006">
+    <mc:Choice xmlns:p14="http://schemas.microsoft.com/office/powerpoint/2010/main" Requires="p14">
+      <p:transition spd="slow" p14:dur="1300">
+        <p14:pan dir="u"/>
+      </p:transition>
+    </mc:Choice>
+    <mc:Fallback>
+      <p:transition spd="slow">
+        <p:fade/>
+      </p:transition>
+    </mc:Fallback>
+  </mc:AlternateContent>
 </p:sldLayout>
 </file>
 
@@ -1734,6 +2027,18 @@
   <p:clrMapOvr>
     <a:masterClrMapping/>
   </p:clrMapOvr>
+  <mc:AlternateContent xmlns:mc="http://schemas.openxmlformats.org/markup-compatibility/2006">
+    <mc:Choice xmlns:p14="http://schemas.microsoft.com/office/powerpoint/2010/main" Requires="p14">
+      <p:transition spd="slow" p14:dur="1300">
+        <p14:pan dir="u"/>
+      </p:transition>
+    </mc:Choice>
+    <mc:Fallback>
+      <p:transition spd="slow">
+        <p:fade/>
+      </p:transition>
+    </mc:Fallback>
+  </mc:AlternateContent>
 </p:sldLayout>
 </file>
 
@@ -1977,6 +2282,18 @@
   <p:clrMapOvr>
     <a:masterClrMapping/>
   </p:clrMapOvr>
+  <mc:AlternateContent xmlns:mc="http://schemas.openxmlformats.org/markup-compatibility/2006">
+    <mc:Choice xmlns:p14="http://schemas.microsoft.com/office/powerpoint/2010/main" Requires="p14">
+      <p:transition spd="slow" p14:dur="1300">
+        <p14:pan dir="u"/>
+      </p:transition>
+    </mc:Choice>
+    <mc:Fallback>
+      <p:transition spd="slow">
+        <p:fade/>
+      </p:transition>
+    </mc:Fallback>
+  </mc:AlternateContent>
 </p:sldLayout>
 </file>
 
@@ -2344,6 +2661,18 @@
   <p:clrMapOvr>
     <a:masterClrMapping/>
   </p:clrMapOvr>
+  <mc:AlternateContent xmlns:mc="http://schemas.openxmlformats.org/markup-compatibility/2006">
+    <mc:Choice xmlns:p14="http://schemas.microsoft.com/office/powerpoint/2010/main" Requires="p14">
+      <p:transition spd="slow" p14:dur="1300">
+        <p14:pan dir="u"/>
+      </p:transition>
+    </mc:Choice>
+    <mc:Fallback>
+      <p:transition spd="slow">
+        <p:fade/>
+      </p:transition>
+    </mc:Fallback>
+  </mc:AlternateContent>
 </p:sldLayout>
 </file>
 
@@ -2591,6 +2920,18 @@
   <p:clrMapOvr>
     <a:masterClrMapping/>
   </p:clrMapOvr>
+  <mc:AlternateContent xmlns:mc="http://schemas.openxmlformats.org/markup-compatibility/2006">
+    <mc:Choice xmlns:p14="http://schemas.microsoft.com/office/powerpoint/2010/main" Requires="p14">
+      <p:transition spd="slow" p14:dur="1300">
+        <p14:pan dir="u"/>
+      </p:transition>
+    </mc:Choice>
+    <mc:Fallback>
+      <p:transition spd="slow">
+        <p:fade/>
+      </p:transition>
+    </mc:Fallback>
+  </mc:AlternateContent>
 </p:sldLayout>
 </file>
 
@@ -2725,6 +3066,18 @@
   <p:clrMapOvr>
     <a:masterClrMapping/>
   </p:clrMapOvr>
+  <mc:AlternateContent xmlns:mc="http://schemas.openxmlformats.org/markup-compatibility/2006">
+    <mc:Choice xmlns:p14="http://schemas.microsoft.com/office/powerpoint/2010/main" Requires="p14">
+      <p:transition spd="slow" p14:dur="1300">
+        <p14:pan dir="u"/>
+      </p:transition>
+    </mc:Choice>
+    <mc:Fallback>
+      <p:transition spd="slow">
+        <p:fade/>
+      </p:transition>
+    </mc:Fallback>
+  </mc:AlternateContent>
 </p:sldLayout>
 </file>
 
@@ -2955,6 +3308,18 @@
   <p:clrMapOvr>
     <a:masterClrMapping/>
   </p:clrMapOvr>
+  <mc:AlternateContent xmlns:mc="http://schemas.openxmlformats.org/markup-compatibility/2006">
+    <mc:Choice xmlns:p14="http://schemas.microsoft.com/office/powerpoint/2010/main" Requires="p14">
+      <p:transition spd="slow" p14:dur="1300">
+        <p14:pan dir="u"/>
+      </p:transition>
+    </mc:Choice>
+    <mc:Fallback>
+      <p:transition spd="slow">
+        <p:fade/>
+      </p:transition>
+    </mc:Fallback>
+  </mc:AlternateContent>
 </p:sldLayout>
 </file>
 
@@ -2999,6 +3364,18 @@
   <p:clrMapOvr>
     <a:masterClrMapping/>
   </p:clrMapOvr>
+  <mc:AlternateContent xmlns:mc="http://schemas.openxmlformats.org/markup-compatibility/2006">
+    <mc:Choice xmlns:p14="http://schemas.microsoft.com/office/powerpoint/2010/main" Requires="p14">
+      <p:transition spd="slow" p14:dur="1300">
+        <p14:pan dir="u"/>
+      </p:transition>
+    </mc:Choice>
+    <mc:Fallback>
+      <p:transition spd="slow">
+        <p:fade/>
+      </p:transition>
+    </mc:Fallback>
+  </mc:AlternateContent>
 </p:sldLayout>
 </file>
 
@@ -3188,6 +3565,18 @@
   <p:clrMapOvr>
     <a:masterClrMapping/>
   </p:clrMapOvr>
+  <mc:AlternateContent xmlns:mc="http://schemas.openxmlformats.org/markup-compatibility/2006">
+    <mc:Choice xmlns:p14="http://schemas.microsoft.com/office/powerpoint/2010/main" Requires="p14">
+      <p:transition spd="slow" p14:dur="1300">
+        <p14:pan dir="u"/>
+      </p:transition>
+    </mc:Choice>
+    <mc:Fallback>
+      <p:transition spd="slow">
+        <p:fade/>
+      </p:transition>
+    </mc:Fallback>
+  </mc:AlternateContent>
 </p:sldLayout>
 </file>
 
@@ -3322,6 +3711,18 @@
   <p:clrMapOvr>
     <a:masterClrMapping/>
   </p:clrMapOvr>
+  <mc:AlternateContent xmlns:mc="http://schemas.openxmlformats.org/markup-compatibility/2006">
+    <mc:Choice xmlns:p14="http://schemas.microsoft.com/office/powerpoint/2010/main" Requires="p14">
+      <p:transition spd="slow" p14:dur="1300">
+        <p14:pan dir="u"/>
+      </p:transition>
+    </mc:Choice>
+    <mc:Fallback>
+      <p:transition spd="slow">
+        <p:fade/>
+      </p:transition>
+    </mc:Fallback>
+  </mc:AlternateContent>
 </p:sldLayout>
 </file>
 
@@ -3456,6 +3857,18 @@
   <p:clrMapOvr>
     <a:masterClrMapping/>
   </p:clrMapOvr>
+  <mc:AlternateContent xmlns:mc="http://schemas.openxmlformats.org/markup-compatibility/2006">
+    <mc:Choice xmlns:p14="http://schemas.microsoft.com/office/powerpoint/2010/main" Requires="p14">
+      <p:transition spd="slow" p14:dur="1300">
+        <p14:pan dir="u"/>
+      </p:transition>
+    </mc:Choice>
+    <mc:Fallback>
+      <p:transition spd="slow">
+        <p:fade/>
+      </p:transition>
+    </mc:Fallback>
+  </mc:AlternateContent>
 </p:sldLayout>
 </file>
 
@@ -3993,6 +4406,18 @@
   <p:clrMapOvr>
     <a:masterClrMapping/>
   </p:clrMapOvr>
+  <mc:AlternateContent xmlns:mc="http://schemas.openxmlformats.org/markup-compatibility/2006">
+    <mc:Choice xmlns:p14="http://schemas.microsoft.com/office/powerpoint/2010/main" Requires="p14">
+      <p:transition spd="slow" p14:dur="1300">
+        <p14:pan dir="u"/>
+      </p:transition>
+    </mc:Choice>
+    <mc:Fallback>
+      <p:transition spd="slow">
+        <p:fade/>
+      </p:transition>
+    </mc:Fallback>
+  </mc:AlternateContent>
 </p:sldLayout>
 </file>
 
@@ -4105,6 +4530,18 @@
   <p:clrMapOvr>
     <a:masterClrMapping/>
   </p:clrMapOvr>
+  <mc:AlternateContent xmlns:mc="http://schemas.openxmlformats.org/markup-compatibility/2006">
+    <mc:Choice xmlns:p14="http://schemas.microsoft.com/office/powerpoint/2010/main" Requires="p14">
+      <p:transition spd="slow" p14:dur="1300">
+        <p14:pan dir="u"/>
+      </p:transition>
+    </mc:Choice>
+    <mc:Fallback>
+      <p:transition spd="slow">
+        <p:fade/>
+      </p:transition>
+    </mc:Fallback>
+  </mc:AlternateContent>
 </p:sldLayout>
 </file>
 
@@ -4263,6 +4700,18 @@
   <p:clrMapOvr>
     <a:masterClrMapping/>
   </p:clrMapOvr>
+  <mc:AlternateContent xmlns:mc="http://schemas.openxmlformats.org/markup-compatibility/2006">
+    <mc:Choice xmlns:p14="http://schemas.microsoft.com/office/powerpoint/2010/main" Requires="p14">
+      <p:transition spd="slow" p14:dur="1300">
+        <p14:pan dir="u"/>
+      </p:transition>
+    </mc:Choice>
+    <mc:Fallback>
+      <p:transition spd="slow">
+        <p:fade/>
+      </p:transition>
+    </mc:Fallback>
+  </mc:AlternateContent>
 </p:sldLayout>
 </file>
 
@@ -4300,6 +4749,18 @@
     <p:sldLayoutId id="2147483649" r:id="rId1"/>
     <p:sldLayoutId id="2147483650" r:id="rId2"/>
   </p:sldLayoutIdLst>
+  <mc:AlternateContent xmlns:mc="http://schemas.openxmlformats.org/markup-compatibility/2006">
+    <mc:Choice xmlns:p14="http://schemas.microsoft.com/office/powerpoint/2010/main" Requires="p14">
+      <p:transition spd="slow" p14:dur="1300">
+        <p14:pan dir="u"/>
+      </p:transition>
+    </mc:Choice>
+    <mc:Fallback>
+      <p:transition spd="slow">
+        <p:fade/>
+      </p:transition>
+    </mc:Fallback>
+  </mc:AlternateContent>
   <p:txStyles>
     <p:titleStyle>
       <a:lvl1pPr algn="ctr" defTabSz="914400" rtl="0" eaLnBrk="1" latinLnBrk="1" hangingPunct="1">
@@ -4598,6 +5059,18 @@
     <p:sldLayoutId id="2147483672" r:id="rId12"/>
     <p:sldLayoutId id="2147483656" r:id="rId13"/>
   </p:sldLayoutIdLst>
+  <mc:AlternateContent xmlns:mc="http://schemas.openxmlformats.org/markup-compatibility/2006">
+    <mc:Choice xmlns:p14="http://schemas.microsoft.com/office/powerpoint/2010/main" Requires="p14">
+      <p:transition spd="slow" p14:dur="1300">
+        <p14:pan dir="u"/>
+      </p:transition>
+    </mc:Choice>
+    <mc:Fallback>
+      <p:transition spd="slow">
+        <p:fade/>
+      </p:transition>
+    </mc:Fallback>
+  </mc:AlternateContent>
   <p:txStyles>
     <p:titleStyle>
       <a:lvl1pPr algn="ctr" defTabSz="914400" rtl="0" eaLnBrk="1" latinLnBrk="1" hangingPunct="1">
@@ -4884,6 +5357,18 @@
   <p:sldLayoutIdLst>
     <p:sldLayoutId id="2147483654" r:id="rId1"/>
   </p:sldLayoutIdLst>
+  <mc:AlternateContent xmlns:mc="http://schemas.openxmlformats.org/markup-compatibility/2006">
+    <mc:Choice xmlns:p14="http://schemas.microsoft.com/office/powerpoint/2010/main" Requires="p14">
+      <p:transition spd="slow" p14:dur="1300">
+        <p14:pan dir="u"/>
+      </p:transition>
+    </mc:Choice>
+    <mc:Fallback>
+      <p:transition spd="slow">
+        <p:fade/>
+      </p:transition>
+    </mc:Fallback>
+  </mc:AlternateContent>
   <p:txStyles>
     <p:titleStyle>
       <a:lvl1pPr algn="ctr" defTabSz="914400" rtl="0" eaLnBrk="1" latinLnBrk="1" hangingPunct="1">
@@ -5228,6 +5713,18 @@
   <p:clrMapOvr>
     <a:masterClrMapping/>
   </p:clrMapOvr>
+  <mc:AlternateContent xmlns:mc="http://schemas.openxmlformats.org/markup-compatibility/2006">
+    <mc:Choice xmlns:p14="http://schemas.microsoft.com/office/powerpoint/2010/main" Requires="p14">
+      <p:transition spd="slow" p14:dur="1300">
+        <p14:pan dir="u"/>
+      </p:transition>
+    </mc:Choice>
+    <mc:Fallback>
+      <p:transition spd="slow">
+        <p:fade/>
+      </p:transition>
+    </mc:Fallback>
+  </mc:AlternateContent>
 </p:sld>
 </file>
 
@@ -5535,6 +6032,18 @@
   <p:clrMapOvr>
     <a:masterClrMapping/>
   </p:clrMapOvr>
+  <mc:AlternateContent xmlns:mc="http://schemas.openxmlformats.org/markup-compatibility/2006">
+    <mc:Choice xmlns:p14="http://schemas.microsoft.com/office/powerpoint/2010/main" Requires="p14">
+      <p:transition spd="slow" p14:dur="1300">
+        <p14:pan dir="u"/>
+      </p:transition>
+    </mc:Choice>
+    <mc:Fallback>
+      <p:transition spd="slow">
+        <p:fade/>
+      </p:transition>
+    </mc:Fallback>
+  </mc:AlternateContent>
 </p:sld>
 </file>
 
@@ -5861,6 +6370,18 @@
   <p:clrMapOvr>
     <a:masterClrMapping/>
   </p:clrMapOvr>
+  <mc:AlternateContent xmlns:mc="http://schemas.openxmlformats.org/markup-compatibility/2006">
+    <mc:Choice xmlns:p14="http://schemas.microsoft.com/office/powerpoint/2010/main" Requires="p14">
+      <p:transition spd="slow" p14:dur="1300">
+        <p14:pan dir="u"/>
+      </p:transition>
+    </mc:Choice>
+    <mc:Fallback>
+      <p:transition spd="slow">
+        <p:fade/>
+      </p:transition>
+    </mc:Fallback>
+  </mc:AlternateContent>
 </p:sld>
 </file>
 
@@ -6305,6 +6826,18 @@
   <p:clrMapOvr>
     <a:masterClrMapping/>
   </p:clrMapOvr>
+  <mc:AlternateContent xmlns:mc="http://schemas.openxmlformats.org/markup-compatibility/2006">
+    <mc:Choice xmlns:p14="http://schemas.microsoft.com/office/powerpoint/2010/main" Requires="p14">
+      <p:transition spd="slow" p14:dur="1300">
+        <p14:pan dir="u"/>
+      </p:transition>
+    </mc:Choice>
+    <mc:Fallback>
+      <p:transition spd="slow">
+        <p:fade/>
+      </p:transition>
+    </mc:Fallback>
+  </mc:AlternateContent>
 </p:sld>
 </file>
 
@@ -7760,6 +8293,18 @@
   <p:clrMapOvr>
     <a:masterClrMapping/>
   </p:clrMapOvr>
+  <mc:AlternateContent xmlns:mc="http://schemas.openxmlformats.org/markup-compatibility/2006">
+    <mc:Choice xmlns:p14="http://schemas.microsoft.com/office/powerpoint/2010/main" Requires="p14">
+      <p:transition spd="slow" p14:dur="1300">
+        <p14:pan dir="u"/>
+      </p:transition>
+    </mc:Choice>
+    <mc:Fallback>
+      <p:transition spd="slow">
+        <p:fade/>
+      </p:transition>
+    </mc:Fallback>
+  </mc:AlternateContent>
 </p:sld>
 </file>
 
@@ -9223,6 +9768,18 @@
   <p:clrMapOvr>
     <a:masterClrMapping/>
   </p:clrMapOvr>
+  <mc:AlternateContent xmlns:mc="http://schemas.openxmlformats.org/markup-compatibility/2006">
+    <mc:Choice xmlns:p14="http://schemas.microsoft.com/office/powerpoint/2010/main" Requires="p14">
+      <p:transition spd="slow" p14:dur="1300">
+        <p14:pan dir="u"/>
+      </p:transition>
+    </mc:Choice>
+    <mc:Fallback>
+      <p:transition spd="slow">
+        <p:fade/>
+      </p:transition>
+    </mc:Fallback>
+  </mc:AlternateContent>
 </p:sld>
 </file>
 
@@ -9506,6 +10063,18 @@
   <p:clrMapOvr>
     <a:masterClrMapping/>
   </p:clrMapOvr>
+  <mc:AlternateContent xmlns:mc="http://schemas.openxmlformats.org/markup-compatibility/2006">
+    <mc:Choice xmlns:p14="http://schemas.microsoft.com/office/powerpoint/2010/main" Requires="p14">
+      <p:transition spd="slow" p14:dur="1300">
+        <p14:pan dir="u"/>
+      </p:transition>
+    </mc:Choice>
+    <mc:Fallback>
+      <p:transition spd="slow">
+        <p:fade/>
+      </p:transition>
+    </mc:Fallback>
+  </mc:AlternateContent>
 </p:sld>
 </file>
 
@@ -9966,6 +10535,18 @@
   <p:clrMapOvr>
     <a:masterClrMapping/>
   </p:clrMapOvr>
+  <mc:AlternateContent xmlns:mc="http://schemas.openxmlformats.org/markup-compatibility/2006">
+    <mc:Choice xmlns:p14="http://schemas.microsoft.com/office/powerpoint/2010/main" Requires="p14">
+      <p:transition spd="slow" p14:dur="1300">
+        <p14:pan dir="u"/>
+      </p:transition>
+    </mc:Choice>
+    <mc:Fallback>
+      <p:transition spd="slow">
+        <p:fade/>
+      </p:transition>
+    </mc:Fallback>
+  </mc:AlternateContent>
 </p:sld>
 </file>
 
@@ -10679,6 +11260,18 @@
   <p:clrMapOvr>
     <a:masterClrMapping/>
   </p:clrMapOvr>
+  <mc:AlternateContent xmlns:mc="http://schemas.openxmlformats.org/markup-compatibility/2006">
+    <mc:Choice xmlns:p14="http://schemas.microsoft.com/office/powerpoint/2010/main" Requires="p14">
+      <p:transition spd="slow" p14:dur="1300">
+        <p14:pan dir="u"/>
+      </p:transition>
+    </mc:Choice>
+    <mc:Fallback>
+      <p:transition spd="slow">
+        <p:fade/>
+      </p:transition>
+    </mc:Fallback>
+  </mc:AlternateContent>
 </p:sld>
 </file>
 
@@ -10789,8 +11382,8 @@
           </a:p>
         </p:txBody>
       </p:sp>
-      <mc:AlternateContent xmlns:mc="http://schemas.openxmlformats.org/markup-compatibility/2006">
-        <mc:Choice xmlns:a14="http://schemas.microsoft.com/office/drawing/2010/main" Requires="a14">
+      <mc:AlternateContent xmlns:mc="http://schemas.openxmlformats.org/markup-compatibility/2006" xmlns:a14="http://schemas.microsoft.com/office/drawing/2010/main">
+        <mc:Choice Requires="a14">
           <p:graphicFrame>
             <p:nvGraphicFramePr>
               <p:cNvPr id="4" name="Table 8">
@@ -12251,7 +12844,7 @@
             </a:graphic>
           </p:graphicFrame>
         </mc:Choice>
-        <mc:Fallback>
+        <mc:Fallback xmlns="">
           <p:graphicFrame>
             <p:nvGraphicFramePr>
               <p:cNvPr id="4" name="Table 8">
@@ -13561,8 +14154,8 @@
           </a:p>
         </p:txBody>
       </p:sp>
-      <mc:AlternateContent xmlns:mc="http://schemas.openxmlformats.org/markup-compatibility/2006">
-        <mc:Choice xmlns:a14="http://schemas.microsoft.com/office/drawing/2010/main" Requires="a14">
+      <mc:AlternateContent xmlns:mc="http://schemas.openxmlformats.org/markup-compatibility/2006" xmlns:a14="http://schemas.microsoft.com/office/drawing/2010/main">
+        <mc:Choice Requires="a14">
           <p:sp>
             <p:nvSpPr>
               <p:cNvPr id="6" name="TextBox 5">
@@ -13629,7 +14222,7 @@
             </p:txBody>
           </p:sp>
         </mc:Choice>
-        <mc:Fallback>
+        <mc:Fallback xmlns="">
           <p:sp>
             <p:nvSpPr>
               <p:cNvPr id="6" name="TextBox 5">
@@ -13684,6 +14277,18 @@
   <p:clrMapOvr>
     <a:masterClrMapping/>
   </p:clrMapOvr>
+  <mc:AlternateContent xmlns:mc="http://schemas.openxmlformats.org/markup-compatibility/2006">
+    <mc:Choice xmlns:p14="http://schemas.microsoft.com/office/powerpoint/2010/main" Requires="p14">
+      <p:transition spd="slow" p14:dur="1300">
+        <p14:pan dir="u"/>
+      </p:transition>
+    </mc:Choice>
+    <mc:Fallback>
+      <p:transition spd="slow">
+        <p:fade/>
+      </p:transition>
+    </mc:Fallback>
+  </mc:AlternateContent>
 </p:sld>
 </file>
 
@@ -13859,8 +14464,8 @@
           </a:p>
         </p:txBody>
       </p:sp>
-      <mc:AlternateContent xmlns:mc="http://schemas.openxmlformats.org/markup-compatibility/2006">
-        <mc:Choice xmlns:a14="http://schemas.microsoft.com/office/drawing/2010/main" Requires="a14">
+      <mc:AlternateContent xmlns:mc="http://schemas.openxmlformats.org/markup-compatibility/2006" xmlns:a14="http://schemas.microsoft.com/office/drawing/2010/main">
+        <mc:Choice Requires="a14">
           <p:graphicFrame>
             <p:nvGraphicFramePr>
               <p:cNvPr id="11" name="Table 10">
@@ -14056,27 +14661,37 @@
                           <a14:m>
                             <m:oMath xmlns:m="http://schemas.openxmlformats.org/officeDocument/2006/math">
                               <m:r>
-                                <a:rPr lang="en-US" sz="1100"/>
+                                <a:rPr lang="en-US" sz="1100">
+                                  <a:latin typeface="Cambria Math" panose="02040503050406030204" pitchFamily="18" charset="0"/>
+                                </a:rPr>
                                 <m:t>𝑥</m:t>
                               </m:r>
                               <m:r>
-                                <a:rPr lang="en-US" sz="1100"/>
+                                <a:rPr lang="en-US" sz="1100">
+                                  <a:latin typeface="Cambria Math" panose="02040503050406030204" pitchFamily="18" charset="0"/>
+                                </a:rPr>
                                 <m:t>−</m:t>
                               </m:r>
                               <m:acc>
                                 <m:accPr>
                                   <m:chr m:val="̅"/>
                                   <m:ctrlPr>
-                                    <a:rPr lang="en-ID" sz="1100"/>
+                                    <a:rPr lang="en-ID" sz="1100" i="1">
+                                      <a:latin typeface="Cambria Math" panose="02040503050406030204" pitchFamily="18" charset="0"/>
+                                    </a:rPr>
                                   </m:ctrlPr>
                                 </m:accPr>
                                 <m:e>
                                   <m:r>
-                                    <a:rPr lang="en-ID" sz="1100"/>
+                                    <a:rPr lang="en-ID" sz="1100">
+                                      <a:latin typeface="Cambria Math" panose="02040503050406030204" pitchFamily="18" charset="0"/>
+                                    </a:rPr>
                                     <m:t>𝑥</m:t>
                                   </m:r>
                                   <m:r>
-                                    <a:rPr lang="en-US" sz="1100"/>
+                                    <a:rPr lang="en-US" sz="1100">
+                                      <a:latin typeface="Cambria Math" panose="02040503050406030204" pitchFamily="18" charset="0"/>
+                                    </a:rPr>
                                     <m:t>|</m:t>
                                   </m:r>
                                 </m:e>
@@ -15075,7 +15690,7 @@
             </a:graphic>
           </p:graphicFrame>
         </mc:Choice>
-        <mc:Fallback>
+        <mc:Fallback xmlns="">
           <p:graphicFrame>
             <p:nvGraphicFramePr>
               <p:cNvPr id="11" name="Table 10">
@@ -16295,6 +16910,18 @@
   <p:clrMapOvr>
     <a:masterClrMapping/>
   </p:clrMapOvr>
+  <mc:AlternateContent xmlns:mc="http://schemas.openxmlformats.org/markup-compatibility/2006">
+    <mc:Choice xmlns:p14="http://schemas.microsoft.com/office/powerpoint/2010/main" Requires="p14">
+      <p:transition spd="slow" p14:dur="1300">
+        <p14:pan dir="u"/>
+      </p:transition>
+    </mc:Choice>
+    <mc:Fallback>
+      <p:transition spd="slow">
+        <p:fade/>
+      </p:transition>
+    </mc:Fallback>
+  </mc:AlternateContent>
 </p:sld>
 </file>
 
@@ -18045,6 +18672,6763 @@
   <p:clrMapOvr>
     <a:masterClrMapping/>
   </p:clrMapOvr>
+  <mc:AlternateContent xmlns:mc="http://schemas.openxmlformats.org/markup-compatibility/2006">
+    <mc:Choice xmlns:p14="http://schemas.microsoft.com/office/powerpoint/2010/main" Requires="p14">
+      <p:transition spd="slow" p14:dur="1300">
+        <p14:pan dir="u"/>
+      </p:transition>
+    </mc:Choice>
+    <mc:Fallback>
+      <p:transition spd="slow">
+        <p:fade/>
+      </p:transition>
+    </mc:Fallback>
+  </mc:AlternateContent>
+</p:sld>
+</file>
+
+<file path=ppt/slides/slide20.xml><?xml version="1.0" encoding="utf-8"?>
+<p:sld xmlns:a="http://schemas.openxmlformats.org/drawingml/2006/main" xmlns:r="http://schemas.openxmlformats.org/officeDocument/2006/relationships" xmlns:p="http://schemas.openxmlformats.org/presentationml/2006/main">
+  <p:cSld>
+    <p:spTree>
+      <p:nvGrpSpPr>
+        <p:cNvPr id="1" name=""/>
+        <p:cNvGrpSpPr/>
+        <p:nvPr/>
+      </p:nvGrpSpPr>
+      <p:grpSpPr>
+        <a:xfrm>
+          <a:off x="0" y="0"/>
+          <a:ext cx="0" cy="0"/>
+          <a:chOff x="0" y="0"/>
+          <a:chExt cx="0" cy="0"/>
+        </a:xfrm>
+      </p:grpSpPr>
+      <p:sp>
+        <p:nvSpPr>
+          <p:cNvPr id="2" name="Text Placeholder 1">
+            <a:extLst>
+              <a:ext uri="{FF2B5EF4-FFF2-40B4-BE49-F238E27FC236}">
+                <a16:creationId xmlns:a16="http://schemas.microsoft.com/office/drawing/2014/main" id="{0473AE43-C7F9-4584-A8DD-E832B858E4DA}"/>
+              </a:ext>
+            </a:extLst>
+          </p:cNvPr>
+          <p:cNvSpPr>
+            <a:spLocks noGrp="1"/>
+          </p:cNvSpPr>
+          <p:nvPr>
+            <p:ph type="body" sz="quarter" idx="10"/>
+          </p:nvPr>
+        </p:nvSpPr>
+        <p:spPr/>
+        <p:txBody>
+          <a:bodyPr/>
+          <a:lstStyle/>
+          <a:p>
+            <a:r>
+              <a:rPr lang="en-ID" dirty="0" err="1"/>
+              <a:t>Studi</a:t>
+            </a:r>
+            <a:r>
+              <a:rPr lang="en-ID" dirty="0"/>
+              <a:t> </a:t>
+            </a:r>
+            <a:r>
+              <a:rPr lang="en-ID" dirty="0" err="1"/>
+              <a:t>Kasus</a:t>
+            </a:r>
+            <a:endParaRPr lang="en-ID" dirty="0"/>
+          </a:p>
+        </p:txBody>
+      </p:sp>
+      <p:sp>
+        <p:nvSpPr>
+          <p:cNvPr id="3" name="Text Placeholder 2">
+            <a:extLst>
+              <a:ext uri="{FF2B5EF4-FFF2-40B4-BE49-F238E27FC236}">
+                <a16:creationId xmlns:a16="http://schemas.microsoft.com/office/drawing/2014/main" id="{6D500731-E0BB-4876-9894-2FF0535FA48C}"/>
+              </a:ext>
+            </a:extLst>
+          </p:cNvPr>
+          <p:cNvSpPr>
+            <a:spLocks noGrp="1"/>
+          </p:cNvSpPr>
+          <p:nvPr>
+            <p:ph type="body" sz="quarter" idx="11"/>
+          </p:nvPr>
+        </p:nvSpPr>
+        <p:spPr/>
+        <p:txBody>
+          <a:bodyPr/>
+          <a:lstStyle/>
+          <a:p>
+            <a:r>
+              <a:rPr lang="en-US" b="1" dirty="0" err="1"/>
+              <a:t>Tabel</a:t>
+            </a:r>
+            <a:r>
+              <a:rPr lang="en-US" b="1" dirty="0"/>
+              <a:t> data </a:t>
+            </a:r>
+            <a:r>
+              <a:rPr lang="en-US" b="1" dirty="0" err="1"/>
+              <a:t>nilai</a:t>
+            </a:r>
+            <a:r>
+              <a:rPr lang="en-US" b="1" dirty="0"/>
+              <a:t> </a:t>
+            </a:r>
+            <a:r>
+              <a:rPr lang="en-US" b="1" dirty="0" err="1"/>
+              <a:t>ujian</a:t>
+            </a:r>
+            <a:r>
+              <a:rPr lang="en-US" b="1" dirty="0"/>
+              <a:t> Pelajaran Agama Islam 50 </a:t>
+            </a:r>
+            <a:r>
+              <a:rPr lang="en-US" b="1" dirty="0" err="1"/>
+              <a:t>Siswa</a:t>
+            </a:r>
+            <a:endParaRPr lang="en-US" altLang="ko-KR" b="1" dirty="0"/>
+          </a:p>
+        </p:txBody>
+      </p:sp>
+      <p:sp>
+        <p:nvSpPr>
+          <p:cNvPr id="5" name="TextBox 4">
+            <a:extLst>
+              <a:ext uri="{FF2B5EF4-FFF2-40B4-BE49-F238E27FC236}">
+                <a16:creationId xmlns:a16="http://schemas.microsoft.com/office/drawing/2014/main" id="{705CFAAE-1E2A-4496-916E-EA7CEEF19C5C}"/>
+              </a:ext>
+            </a:extLst>
+          </p:cNvPr>
+          <p:cNvSpPr txBox="1"/>
+          <p:nvPr/>
+        </p:nvSpPr>
+        <p:spPr>
+          <a:xfrm>
+            <a:off x="395536" y="1577342"/>
+            <a:ext cx="4113410" cy="400110"/>
+          </a:xfrm>
+          <a:prstGeom prst="rect">
+            <a:avLst/>
+          </a:prstGeom>
+          <a:noFill/>
+        </p:spPr>
+        <p:txBody>
+          <a:bodyPr wrap="square" rtlCol="0" anchor="ctr">
+            <a:spAutoFit/>
+          </a:bodyPr>
+          <a:lstStyle/>
+          <a:p>
+            <a:pPr algn="just"/>
+            <a:r>
+              <a:rPr lang="en-US" sz="2000" dirty="0">
+                <a:sym typeface="Wingdings" panose="05000000000000000000" pitchFamily="2" charset="2"/>
+              </a:rPr>
+              <a:t> </a:t>
+            </a:r>
+            <a:r>
+              <a:rPr lang="en-US" sz="2000" dirty="0" err="1">
+                <a:sym typeface="Wingdings" panose="05000000000000000000" pitchFamily="2" charset="2"/>
+              </a:rPr>
+              <a:t>Mencari</a:t>
+            </a:r>
+            <a:r>
+              <a:rPr lang="en-US" sz="2000" dirty="0">
+                <a:sym typeface="Wingdings" panose="05000000000000000000" pitchFamily="2" charset="2"/>
+              </a:rPr>
+              <a:t> </a:t>
+            </a:r>
+            <a:r>
+              <a:rPr lang="en-US" sz="2000" dirty="0" err="1">
+                <a:sym typeface="Wingdings" panose="05000000000000000000" pitchFamily="2" charset="2"/>
+              </a:rPr>
+              <a:t>Simpangan</a:t>
+            </a:r>
+            <a:r>
+              <a:rPr lang="en-US" sz="2000" dirty="0">
+                <a:sym typeface="Wingdings" panose="05000000000000000000" pitchFamily="2" charset="2"/>
+              </a:rPr>
+              <a:t> Baku</a:t>
+            </a:r>
+            <a:endParaRPr lang="en-US" altLang="ko-KR" sz="2000" dirty="0">
+              <a:solidFill>
+                <a:schemeClr val="tx1">
+                  <a:lumMod val="75000"/>
+                  <a:lumOff val="25000"/>
+                </a:schemeClr>
+              </a:solidFill>
+              <a:cs typeface="Arial" pitchFamily="34" charset="0"/>
+            </a:endParaRPr>
+          </a:p>
+        </p:txBody>
+      </p:sp>
+      <mc:AlternateContent xmlns:mc="http://schemas.openxmlformats.org/markup-compatibility/2006" xmlns:a14="http://schemas.microsoft.com/office/drawing/2010/main">
+        <mc:Choice Requires="a14">
+          <p:graphicFrame>
+            <p:nvGraphicFramePr>
+              <p:cNvPr id="11" name="Table 10">
+                <a:extLst>
+                  <a:ext uri="{FF2B5EF4-FFF2-40B4-BE49-F238E27FC236}">
+                    <a16:creationId xmlns:a16="http://schemas.microsoft.com/office/drawing/2014/main" id="{315FD462-5BB4-4575-80A2-AE85C7F22541}"/>
+                  </a:ext>
+                </a:extLst>
+              </p:cNvPr>
+              <p:cNvGraphicFramePr>
+                <a:graphicFrameLocks noGrp="1"/>
+              </p:cNvGraphicFramePr>
+              <p:nvPr/>
+            </p:nvGraphicFramePr>
+            <p:xfrm>
+              <a:off x="600074" y="2208786"/>
+              <a:ext cx="3395861" cy="2019147"/>
+            </p:xfrm>
+            <a:graphic>
+              <a:graphicData uri="http://schemas.openxmlformats.org/drawingml/2006/table">
+                <a:tbl>
+                  <a:tblPr>
+                    <a:tableStyleId>{5940675A-B579-460E-94D1-54222C63F5DA}</a:tableStyleId>
+                  </a:tblPr>
+                  <a:tblGrid>
+                    <a:gridCol w="755073">
+                      <a:extLst>
+                        <a:ext uri="{9D8B030D-6E8A-4147-A177-3AD203B41FA5}">
+                          <a16:colId xmlns:a16="http://schemas.microsoft.com/office/drawing/2014/main" val="1906070166"/>
+                        </a:ext>
+                      </a:extLst>
+                    </a:gridCol>
+                    <a:gridCol w="755073">
+                      <a:extLst>
+                        <a:ext uri="{9D8B030D-6E8A-4147-A177-3AD203B41FA5}">
+                          <a16:colId xmlns:a16="http://schemas.microsoft.com/office/drawing/2014/main" val="3726356507"/>
+                        </a:ext>
+                      </a:extLst>
+                    </a:gridCol>
+                    <a:gridCol w="445556">
+                      <a:extLst>
+                        <a:ext uri="{9D8B030D-6E8A-4147-A177-3AD203B41FA5}">
+                          <a16:colId xmlns:a16="http://schemas.microsoft.com/office/drawing/2014/main" val="932284581"/>
+                        </a:ext>
+                      </a:extLst>
+                    </a:gridCol>
+                    <a:gridCol w="720080">
+                      <a:extLst>
+                        <a:ext uri="{9D8B030D-6E8A-4147-A177-3AD203B41FA5}">
+                          <a16:colId xmlns:a16="http://schemas.microsoft.com/office/drawing/2014/main" val="1870385874"/>
+                        </a:ext>
+                      </a:extLst>
+                    </a:gridCol>
+                    <a:gridCol w="720079">
+                      <a:extLst>
+                        <a:ext uri="{9D8B030D-6E8A-4147-A177-3AD203B41FA5}">
+                          <a16:colId xmlns:a16="http://schemas.microsoft.com/office/drawing/2014/main" val="3648027952"/>
+                        </a:ext>
+                      </a:extLst>
+                    </a:gridCol>
+                  </a:tblGrid>
+                  <a:tr h="200910">
+                    <a:tc>
+                      <a:txBody>
+                        <a:bodyPr/>
+                        <a:lstStyle/>
+                        <a:p>
+                          <a:pPr algn="ctr" fontAlgn="ctr"/>
+                          <a:r>
+                            <a:rPr lang="en-ID" sz="1100" u="none" strike="noStrike" dirty="0" err="1">
+                              <a:effectLst/>
+                            </a:rPr>
+                            <a:t>Periode</a:t>
+                          </a:r>
+                          <a:endParaRPr lang="en-ID" sz="1100" b="0" i="0" u="none" strike="noStrike" dirty="0">
+                            <a:solidFill>
+                              <a:srgbClr val="000000"/>
+                            </a:solidFill>
+                            <a:effectLst/>
+                            <a:latin typeface="Calibri" panose="020F0502020204030204" pitchFamily="34" charset="0"/>
+                          </a:endParaRPr>
+                        </a:p>
+                      </a:txBody>
+                      <a:tcPr marL="0" marR="0" marT="0" marB="0" anchor="ctr"/>
+                    </a:tc>
+                    <a:tc>
+                      <a:txBody>
+                        <a:bodyPr/>
+                        <a:lstStyle/>
+                        <a:p>
+                          <a:pPr algn="ctr" fontAlgn="ctr"/>
+                          <a:r>
+                            <a:rPr lang="en-ID" sz="1100" u="none" strike="noStrike">
+                              <a:effectLst/>
+                            </a:rPr>
+                            <a:t>F</a:t>
+                          </a:r>
+                          <a:endParaRPr lang="en-ID" sz="1100" b="0" i="0" u="none" strike="noStrike">
+                            <a:solidFill>
+                              <a:srgbClr val="000000"/>
+                            </a:solidFill>
+                            <a:effectLst/>
+                            <a:latin typeface="Calibri" panose="020F0502020204030204" pitchFamily="34" charset="0"/>
+                          </a:endParaRPr>
+                        </a:p>
+                      </a:txBody>
+                      <a:tcPr marL="0" marR="0" marT="0" marB="0" anchor="ctr"/>
+                    </a:tc>
+                    <a:tc>
+                      <a:txBody>
+                        <a:bodyPr/>
+                        <a:lstStyle/>
+                        <a:p>
+                          <a:pPr algn="ctr" fontAlgn="b"/>
+                          <a:r>
+                            <a:rPr lang="en-ID" sz="1100" u="none" strike="noStrike">
+                              <a:effectLst/>
+                            </a:rPr>
+                            <a:t>x</a:t>
+                          </a:r>
+                          <a:endParaRPr lang="en-ID" sz="1100" b="0" i="0" u="none" strike="noStrike">
+                            <a:solidFill>
+                              <a:srgbClr val="000000"/>
+                            </a:solidFill>
+                            <a:effectLst/>
+                            <a:latin typeface="Calibri" panose="020F0502020204030204" pitchFamily="34" charset="0"/>
+                          </a:endParaRPr>
+                        </a:p>
+                      </a:txBody>
+                      <a:tcPr marL="0" marR="0" marT="0" marB="0" anchor="ctr"/>
+                    </a:tc>
+                    <a:tc>
+                      <a:txBody>
+                        <a:bodyPr/>
+                        <a:lstStyle/>
+                        <a:p>
+                          <a:pPr algn="ctr" fontAlgn="b"/>
+                          <a:r>
+                            <a:rPr lang="en-ID" sz="1100" u="none" strike="noStrike" dirty="0" err="1">
+                              <a:effectLst/>
+                            </a:rPr>
+                            <a:t>fx</a:t>
+                          </a:r>
+                          <a:endParaRPr lang="en-ID" sz="1100" b="0" i="0" u="none" strike="noStrike" dirty="0">
+                            <a:solidFill>
+                              <a:srgbClr val="000000"/>
+                            </a:solidFill>
+                            <a:effectLst/>
+                            <a:latin typeface="Calibri" panose="020F0502020204030204" pitchFamily="34" charset="0"/>
+                          </a:endParaRPr>
+                        </a:p>
+                      </a:txBody>
+                      <a:tcPr marL="0" marR="0" marT="0" marB="0" anchor="ctr"/>
+                    </a:tc>
+                    <a:tc>
+                      <a:txBody>
+                        <a:bodyPr/>
+                        <a:lstStyle/>
+                        <a:p>
+                          <a:pPr marL="0" marR="0" lvl="0" indent="0" algn="ctr" defTabSz="914400" rtl="0" eaLnBrk="1" fontAlgn="b" latinLnBrk="1" hangingPunct="1">
+                            <a:lnSpc>
+                              <a:spcPct val="100000"/>
+                            </a:lnSpc>
+                            <a:spcBef>
+                              <a:spcPts val="0"/>
+                            </a:spcBef>
+                            <a:spcAft>
+                              <a:spcPts val="0"/>
+                            </a:spcAft>
+                            <a:buClrTx/>
+                            <a:buSzTx/>
+                            <a:buFontTx/>
+                            <a:buNone/>
+                            <a:tabLst/>
+                            <a:defRPr/>
+                          </a:pPr>
+                          <a:r>
+                            <a:rPr lang="en-ID" sz="1100" u="none" strike="noStrike" dirty="0">
+                              <a:effectLst/>
+                            </a:rPr>
+                            <a:t> </a:t>
+                          </a:r>
+                          <a:r>
+                            <a:rPr lang="en-US" sz="1100" dirty="0"/>
+                            <a:t>|</a:t>
+                          </a:r>
+                          <a14:m>
+                            <m:oMath xmlns:m="http://schemas.openxmlformats.org/officeDocument/2006/math">
+                              <m:r>
+                                <a:rPr lang="en-US" sz="1100">
+                                  <a:latin typeface="Cambria Math" panose="02040503050406030204" pitchFamily="18" charset="0"/>
+                                </a:rPr>
+                                <m:t>𝑥</m:t>
+                              </m:r>
+                              <m:r>
+                                <a:rPr lang="en-US" sz="1100">
+                                  <a:latin typeface="Cambria Math" panose="02040503050406030204" pitchFamily="18" charset="0"/>
+                                </a:rPr>
+                                <m:t>−</m:t>
+                              </m:r>
+                              <m:acc>
+                                <m:accPr>
+                                  <m:chr m:val="̅"/>
+                                  <m:ctrlPr>
+                                    <a:rPr lang="en-ID" sz="1100" i="1">
+                                      <a:latin typeface="Cambria Math" panose="02040503050406030204" pitchFamily="18" charset="0"/>
+                                    </a:rPr>
+                                  </m:ctrlPr>
+                                </m:accPr>
+                                <m:e>
+                                  <m:r>
+                                    <a:rPr lang="en-ID" sz="1100">
+                                      <a:latin typeface="Cambria Math" panose="02040503050406030204" pitchFamily="18" charset="0"/>
+                                    </a:rPr>
+                                    <m:t>𝑥</m:t>
+                                  </m:r>
+                                  <m:r>
+                                    <a:rPr lang="en-US" sz="1100">
+                                      <a:latin typeface="Cambria Math" panose="02040503050406030204" pitchFamily="18" charset="0"/>
+                                    </a:rPr>
+                                    <m:t>|</m:t>
+                                  </m:r>
+                                </m:e>
+                              </m:acc>
+                            </m:oMath>
+                          </a14:m>
+                          <a:endParaRPr lang="en-ID" sz="1200" dirty="0"/>
+                        </a:p>
+                      </a:txBody>
+                      <a:tcPr marL="0" marR="0" marT="0" marB="0" anchor="ctr"/>
+                    </a:tc>
+                    <a:extLst>
+                      <a:ext uri="{0D108BD9-81ED-4DB2-BD59-A6C34878D82A}">
+                        <a16:rowId xmlns:a16="http://schemas.microsoft.com/office/drawing/2014/main" val="1675220733"/>
+                      </a:ext>
+                    </a:extLst>
+                  </a:tr>
+                  <a:tr h="200910">
+                    <a:tc>
+                      <a:txBody>
+                        <a:bodyPr/>
+                        <a:lstStyle/>
+                        <a:p>
+                          <a:pPr algn="ctr" fontAlgn="ctr"/>
+                          <a:r>
+                            <a:rPr lang="en-ID" sz="1100" u="none" strike="noStrike" dirty="0">
+                              <a:effectLst/>
+                            </a:rPr>
+                            <a:t>57 - 62</a:t>
+                          </a:r>
+                          <a:endParaRPr lang="en-ID" sz="1100" b="0" i="0" u="none" strike="noStrike" dirty="0">
+                            <a:solidFill>
+                              <a:srgbClr val="000000"/>
+                            </a:solidFill>
+                            <a:effectLst/>
+                            <a:latin typeface="Calibri" panose="020F0502020204030204" pitchFamily="34" charset="0"/>
+                          </a:endParaRPr>
+                        </a:p>
+                      </a:txBody>
+                      <a:tcPr marL="0" marR="0" marT="0" marB="0" anchor="ctr"/>
+                    </a:tc>
+                    <a:tc>
+                      <a:txBody>
+                        <a:bodyPr/>
+                        <a:lstStyle/>
+                        <a:p>
+                          <a:pPr algn="ctr" fontAlgn="ctr"/>
+                          <a:r>
+                            <a:rPr lang="en-ID" sz="1100" u="none" strike="noStrike">
+                              <a:effectLst/>
+                            </a:rPr>
+                            <a:t>3</a:t>
+                          </a:r>
+                          <a:endParaRPr lang="en-ID" sz="1100" b="0" i="0" u="none" strike="noStrike">
+                            <a:solidFill>
+                              <a:srgbClr val="000000"/>
+                            </a:solidFill>
+                            <a:effectLst/>
+                            <a:latin typeface="Calibri" panose="020F0502020204030204" pitchFamily="34" charset="0"/>
+                          </a:endParaRPr>
+                        </a:p>
+                      </a:txBody>
+                      <a:tcPr marL="0" marR="0" marT="0" marB="0" anchor="ctr"/>
+                    </a:tc>
+                    <a:tc>
+                      <a:txBody>
+                        <a:bodyPr/>
+                        <a:lstStyle/>
+                        <a:p>
+                          <a:pPr algn="ctr" fontAlgn="b"/>
+                          <a:r>
+                            <a:rPr lang="en-ID" sz="1100" u="none" strike="noStrike">
+                              <a:effectLst/>
+                            </a:rPr>
+                            <a:t>59,5</a:t>
+                          </a:r>
+                          <a:endParaRPr lang="en-ID" sz="1100" b="0" i="0" u="none" strike="noStrike">
+                            <a:solidFill>
+                              <a:srgbClr val="000000"/>
+                            </a:solidFill>
+                            <a:effectLst/>
+                            <a:latin typeface="Calibri" panose="020F0502020204030204" pitchFamily="34" charset="0"/>
+                          </a:endParaRPr>
+                        </a:p>
+                      </a:txBody>
+                      <a:tcPr marL="0" marR="0" marT="0" marB="0" anchor="ctr"/>
+                    </a:tc>
+                    <a:tc>
+                      <a:txBody>
+                        <a:bodyPr/>
+                        <a:lstStyle/>
+                        <a:p>
+                          <a:pPr algn="ctr" fontAlgn="b"/>
+                          <a:r>
+                            <a:rPr lang="en-ID" sz="1100" u="none" strike="noStrike">
+                              <a:effectLst/>
+                            </a:rPr>
+                            <a:t>178,5</a:t>
+                          </a:r>
+                          <a:endParaRPr lang="en-ID" sz="1100" b="0" i="0" u="none" strike="noStrike">
+                            <a:solidFill>
+                              <a:srgbClr val="000000"/>
+                            </a:solidFill>
+                            <a:effectLst/>
+                            <a:latin typeface="Calibri" panose="020F0502020204030204" pitchFamily="34" charset="0"/>
+                          </a:endParaRPr>
+                        </a:p>
+                      </a:txBody>
+                      <a:tcPr marL="0" marR="0" marT="0" marB="0" anchor="ctr"/>
+                    </a:tc>
+                    <a:tc>
+                      <a:txBody>
+                        <a:bodyPr/>
+                        <a:lstStyle/>
+                        <a:p>
+                          <a:pPr algn="ctr" fontAlgn="b"/>
+                          <a:r>
+                            <a:rPr lang="en-ID" sz="1100" u="none" strike="noStrike" dirty="0">
+                              <a:effectLst/>
+                            </a:rPr>
+                            <a:t>59,5</a:t>
+                          </a:r>
+                          <a:endParaRPr lang="en-ID" sz="1100" b="0" i="0" u="none" strike="noStrike" dirty="0">
+                            <a:solidFill>
+                              <a:srgbClr val="000000"/>
+                            </a:solidFill>
+                            <a:effectLst/>
+                            <a:latin typeface="Calibri" panose="020F0502020204030204" pitchFamily="34" charset="0"/>
+                          </a:endParaRPr>
+                        </a:p>
+                      </a:txBody>
+                      <a:tcPr marL="0" marR="0" marT="0" marB="0" anchor="ctr"/>
+                    </a:tc>
+                    <a:extLst>
+                      <a:ext uri="{0D108BD9-81ED-4DB2-BD59-A6C34878D82A}">
+                        <a16:rowId xmlns:a16="http://schemas.microsoft.com/office/drawing/2014/main" val="17396747"/>
+                      </a:ext>
+                    </a:extLst>
+                  </a:tr>
+                  <a:tr h="200910">
+                    <a:tc>
+                      <a:txBody>
+                        <a:bodyPr/>
+                        <a:lstStyle/>
+                        <a:p>
+                          <a:pPr algn="ctr" fontAlgn="ctr"/>
+                          <a:r>
+                            <a:rPr lang="en-ID" sz="1100" u="none" strike="noStrike">
+                              <a:effectLst/>
+                            </a:rPr>
+                            <a:t>63 - 68</a:t>
+                          </a:r>
+                          <a:endParaRPr lang="en-ID" sz="1100" b="0" i="0" u="none" strike="noStrike">
+                            <a:solidFill>
+                              <a:srgbClr val="000000"/>
+                            </a:solidFill>
+                            <a:effectLst/>
+                            <a:latin typeface="Calibri" panose="020F0502020204030204" pitchFamily="34" charset="0"/>
+                          </a:endParaRPr>
+                        </a:p>
+                      </a:txBody>
+                      <a:tcPr marL="0" marR="0" marT="0" marB="0" anchor="ctr"/>
+                    </a:tc>
+                    <a:tc>
+                      <a:txBody>
+                        <a:bodyPr/>
+                        <a:lstStyle/>
+                        <a:p>
+                          <a:pPr algn="ctr" fontAlgn="ctr"/>
+                          <a:r>
+                            <a:rPr lang="en-ID" sz="1100" u="none" strike="noStrike" dirty="0">
+                              <a:effectLst/>
+                            </a:rPr>
+                            <a:t>2</a:t>
+                          </a:r>
+                          <a:endParaRPr lang="en-ID" sz="1100" b="0" i="0" u="none" strike="noStrike" dirty="0">
+                            <a:solidFill>
+                              <a:srgbClr val="000000"/>
+                            </a:solidFill>
+                            <a:effectLst/>
+                            <a:latin typeface="Calibri" panose="020F0502020204030204" pitchFamily="34" charset="0"/>
+                          </a:endParaRPr>
+                        </a:p>
+                      </a:txBody>
+                      <a:tcPr marL="0" marR="0" marT="0" marB="0" anchor="ctr"/>
+                    </a:tc>
+                    <a:tc>
+                      <a:txBody>
+                        <a:bodyPr/>
+                        <a:lstStyle/>
+                        <a:p>
+                          <a:pPr algn="ctr" fontAlgn="b"/>
+                          <a:r>
+                            <a:rPr lang="en-ID" sz="1100" u="none" strike="noStrike">
+                              <a:effectLst/>
+                            </a:rPr>
+                            <a:t>65,5</a:t>
+                          </a:r>
+                          <a:endParaRPr lang="en-ID" sz="1100" b="0" i="0" u="none" strike="noStrike">
+                            <a:solidFill>
+                              <a:srgbClr val="000000"/>
+                            </a:solidFill>
+                            <a:effectLst/>
+                            <a:latin typeface="Calibri" panose="020F0502020204030204" pitchFamily="34" charset="0"/>
+                          </a:endParaRPr>
+                        </a:p>
+                      </a:txBody>
+                      <a:tcPr marL="0" marR="0" marT="0" marB="0" anchor="ctr"/>
+                    </a:tc>
+                    <a:tc>
+                      <a:txBody>
+                        <a:bodyPr/>
+                        <a:lstStyle/>
+                        <a:p>
+                          <a:pPr algn="ctr" fontAlgn="b"/>
+                          <a:r>
+                            <a:rPr lang="en-ID" sz="1100" u="none" strike="noStrike">
+                              <a:effectLst/>
+                            </a:rPr>
+                            <a:t>131</a:t>
+                          </a:r>
+                          <a:endParaRPr lang="en-ID" sz="1100" b="0" i="0" u="none" strike="noStrike">
+                            <a:solidFill>
+                              <a:srgbClr val="000000"/>
+                            </a:solidFill>
+                            <a:effectLst/>
+                            <a:latin typeface="Calibri" panose="020F0502020204030204" pitchFamily="34" charset="0"/>
+                          </a:endParaRPr>
+                        </a:p>
+                      </a:txBody>
+                      <a:tcPr marL="0" marR="0" marT="0" marB="0" anchor="ctr"/>
+                    </a:tc>
+                    <a:tc>
+                      <a:txBody>
+                        <a:bodyPr/>
+                        <a:lstStyle/>
+                        <a:p>
+                          <a:pPr algn="ctr" fontAlgn="b"/>
+                          <a:r>
+                            <a:rPr lang="en-ID" sz="1100" u="none" strike="noStrike">
+                              <a:effectLst/>
+                            </a:rPr>
+                            <a:t>65,5</a:t>
+                          </a:r>
+                          <a:endParaRPr lang="en-ID" sz="1100" b="0" i="0" u="none" strike="noStrike">
+                            <a:solidFill>
+                              <a:srgbClr val="000000"/>
+                            </a:solidFill>
+                            <a:effectLst/>
+                            <a:latin typeface="Calibri" panose="020F0502020204030204" pitchFamily="34" charset="0"/>
+                          </a:endParaRPr>
+                        </a:p>
+                      </a:txBody>
+                      <a:tcPr marL="0" marR="0" marT="0" marB="0" anchor="ctr"/>
+                    </a:tc>
+                    <a:extLst>
+                      <a:ext uri="{0D108BD9-81ED-4DB2-BD59-A6C34878D82A}">
+                        <a16:rowId xmlns:a16="http://schemas.microsoft.com/office/drawing/2014/main" val="1775748021"/>
+                      </a:ext>
+                    </a:extLst>
+                  </a:tr>
+                  <a:tr h="311411">
+                    <a:tc>
+                      <a:txBody>
+                        <a:bodyPr/>
+                        <a:lstStyle/>
+                        <a:p>
+                          <a:pPr algn="ctr" fontAlgn="ctr"/>
+                          <a:r>
+                            <a:rPr lang="en-ID" sz="1100" u="none" strike="noStrike">
+                              <a:effectLst/>
+                            </a:rPr>
+                            <a:t>69 - 74</a:t>
+                          </a:r>
+                          <a:endParaRPr lang="en-ID" sz="1100" b="0" i="0" u="none" strike="noStrike">
+                            <a:solidFill>
+                              <a:srgbClr val="000000"/>
+                            </a:solidFill>
+                            <a:effectLst/>
+                            <a:latin typeface="Calibri" panose="020F0502020204030204" pitchFamily="34" charset="0"/>
+                          </a:endParaRPr>
+                        </a:p>
+                      </a:txBody>
+                      <a:tcPr marL="0" marR="0" marT="0" marB="0" anchor="ctr"/>
+                    </a:tc>
+                    <a:tc>
+                      <a:txBody>
+                        <a:bodyPr/>
+                        <a:lstStyle/>
+                        <a:p>
+                          <a:pPr algn="ctr" fontAlgn="ctr"/>
+                          <a:r>
+                            <a:rPr lang="en-ID" sz="1100" u="none" strike="noStrike" dirty="0">
+                              <a:effectLst/>
+                            </a:rPr>
+                            <a:t>2</a:t>
+                          </a:r>
+                          <a:endParaRPr lang="en-ID" sz="1100" b="0" i="0" u="none" strike="noStrike" dirty="0">
+                            <a:solidFill>
+                              <a:srgbClr val="000000"/>
+                            </a:solidFill>
+                            <a:effectLst/>
+                            <a:latin typeface="Calibri" panose="020F0502020204030204" pitchFamily="34" charset="0"/>
+                          </a:endParaRPr>
+                        </a:p>
+                      </a:txBody>
+                      <a:tcPr marL="0" marR="0" marT="0" marB="0" anchor="ctr"/>
+                    </a:tc>
+                    <a:tc>
+                      <a:txBody>
+                        <a:bodyPr/>
+                        <a:lstStyle/>
+                        <a:p>
+                          <a:pPr algn="ctr" fontAlgn="b"/>
+                          <a:r>
+                            <a:rPr lang="en-ID" sz="1100" u="none" strike="noStrike" dirty="0">
+                              <a:effectLst/>
+                            </a:rPr>
+                            <a:t>71,5</a:t>
+                          </a:r>
+                          <a:endParaRPr lang="en-ID" sz="1100" b="0" i="0" u="none" strike="noStrike" dirty="0">
+                            <a:solidFill>
+                              <a:srgbClr val="000000"/>
+                            </a:solidFill>
+                            <a:effectLst/>
+                            <a:latin typeface="Calibri" panose="020F0502020204030204" pitchFamily="34" charset="0"/>
+                          </a:endParaRPr>
+                        </a:p>
+                      </a:txBody>
+                      <a:tcPr marL="0" marR="0" marT="0" marB="0" anchor="ctr"/>
+                    </a:tc>
+                    <a:tc>
+                      <a:txBody>
+                        <a:bodyPr/>
+                        <a:lstStyle/>
+                        <a:p>
+                          <a:pPr algn="ctr" fontAlgn="b"/>
+                          <a:r>
+                            <a:rPr lang="en-ID" sz="1100" u="none" strike="noStrike">
+                              <a:effectLst/>
+                            </a:rPr>
+                            <a:t>143</a:t>
+                          </a:r>
+                          <a:endParaRPr lang="en-ID" sz="1100" b="0" i="0" u="none" strike="noStrike">
+                            <a:solidFill>
+                              <a:srgbClr val="000000"/>
+                            </a:solidFill>
+                            <a:effectLst/>
+                            <a:latin typeface="Calibri" panose="020F0502020204030204" pitchFamily="34" charset="0"/>
+                          </a:endParaRPr>
+                        </a:p>
+                      </a:txBody>
+                      <a:tcPr marL="0" marR="0" marT="0" marB="0" anchor="ctr"/>
+                    </a:tc>
+                    <a:tc>
+                      <a:txBody>
+                        <a:bodyPr/>
+                        <a:lstStyle/>
+                        <a:p>
+                          <a:pPr algn="ctr" fontAlgn="b"/>
+                          <a:r>
+                            <a:rPr lang="en-ID" sz="1100" u="none" strike="noStrike">
+                              <a:effectLst/>
+                            </a:rPr>
+                            <a:t>71,5</a:t>
+                          </a:r>
+                          <a:endParaRPr lang="en-ID" sz="1100" b="0" i="0" u="none" strike="noStrike">
+                            <a:solidFill>
+                              <a:srgbClr val="000000"/>
+                            </a:solidFill>
+                            <a:effectLst/>
+                            <a:latin typeface="Calibri" panose="020F0502020204030204" pitchFamily="34" charset="0"/>
+                          </a:endParaRPr>
+                        </a:p>
+                      </a:txBody>
+                      <a:tcPr marL="0" marR="0" marT="0" marB="0" anchor="ctr"/>
+                    </a:tc>
+                    <a:extLst>
+                      <a:ext uri="{0D108BD9-81ED-4DB2-BD59-A6C34878D82A}">
+                        <a16:rowId xmlns:a16="http://schemas.microsoft.com/office/drawing/2014/main" val="4040255111"/>
+                      </a:ext>
+                    </a:extLst>
+                  </a:tr>
+                  <a:tr h="200910">
+                    <a:tc>
+                      <a:txBody>
+                        <a:bodyPr/>
+                        <a:lstStyle/>
+                        <a:p>
+                          <a:pPr algn="ctr" fontAlgn="ctr"/>
+                          <a:r>
+                            <a:rPr lang="en-ID" sz="1100" u="none" strike="noStrike">
+                              <a:effectLst/>
+                            </a:rPr>
+                            <a:t>75 - 80</a:t>
+                          </a:r>
+                          <a:endParaRPr lang="en-ID" sz="1100" b="0" i="0" u="none" strike="noStrike">
+                            <a:solidFill>
+                              <a:srgbClr val="000000"/>
+                            </a:solidFill>
+                            <a:effectLst/>
+                            <a:latin typeface="Calibri" panose="020F0502020204030204" pitchFamily="34" charset="0"/>
+                          </a:endParaRPr>
+                        </a:p>
+                      </a:txBody>
+                      <a:tcPr marL="0" marR="0" marT="0" marB="0" anchor="ctr"/>
+                    </a:tc>
+                    <a:tc>
+                      <a:txBody>
+                        <a:bodyPr/>
+                        <a:lstStyle/>
+                        <a:p>
+                          <a:pPr algn="ctr" fontAlgn="ctr"/>
+                          <a:r>
+                            <a:rPr lang="en-ID" sz="1000" u="none" strike="noStrike">
+                              <a:effectLst/>
+                            </a:rPr>
+                            <a:t>4</a:t>
+                          </a:r>
+                          <a:endParaRPr lang="en-ID" sz="1000" b="0" i="0" u="none" strike="noStrike">
+                            <a:solidFill>
+                              <a:srgbClr val="000000"/>
+                            </a:solidFill>
+                            <a:effectLst/>
+                            <a:latin typeface="Arial Narrow" panose="020B0606020202030204" pitchFamily="34" charset="0"/>
+                          </a:endParaRPr>
+                        </a:p>
+                      </a:txBody>
+                      <a:tcPr marL="0" marR="0" marT="0" marB="0" anchor="ctr"/>
+                    </a:tc>
+                    <a:tc>
+                      <a:txBody>
+                        <a:bodyPr/>
+                        <a:lstStyle/>
+                        <a:p>
+                          <a:pPr algn="ctr" fontAlgn="b"/>
+                          <a:r>
+                            <a:rPr lang="en-ID" sz="1100" u="none" strike="noStrike" dirty="0">
+                              <a:effectLst/>
+                            </a:rPr>
+                            <a:t>77,5</a:t>
+                          </a:r>
+                          <a:endParaRPr lang="en-ID" sz="1100" b="0" i="0" u="none" strike="noStrike" dirty="0">
+                            <a:solidFill>
+                              <a:srgbClr val="000000"/>
+                            </a:solidFill>
+                            <a:effectLst/>
+                            <a:latin typeface="Calibri" panose="020F0502020204030204" pitchFamily="34" charset="0"/>
+                          </a:endParaRPr>
+                        </a:p>
+                      </a:txBody>
+                      <a:tcPr marL="0" marR="0" marT="0" marB="0" anchor="ctr"/>
+                    </a:tc>
+                    <a:tc>
+                      <a:txBody>
+                        <a:bodyPr/>
+                        <a:lstStyle/>
+                        <a:p>
+                          <a:pPr algn="ctr" fontAlgn="b"/>
+                          <a:r>
+                            <a:rPr lang="en-ID" sz="1100" u="none" strike="noStrike" dirty="0">
+                              <a:effectLst/>
+                            </a:rPr>
+                            <a:t>310</a:t>
+                          </a:r>
+                          <a:endParaRPr lang="en-ID" sz="1100" b="0" i="0" u="none" strike="noStrike" dirty="0">
+                            <a:solidFill>
+                              <a:srgbClr val="000000"/>
+                            </a:solidFill>
+                            <a:effectLst/>
+                            <a:latin typeface="Calibri" panose="020F0502020204030204" pitchFamily="34" charset="0"/>
+                          </a:endParaRPr>
+                        </a:p>
+                      </a:txBody>
+                      <a:tcPr marL="0" marR="0" marT="0" marB="0" anchor="ctr"/>
+                    </a:tc>
+                    <a:tc>
+                      <a:txBody>
+                        <a:bodyPr/>
+                        <a:lstStyle/>
+                        <a:p>
+                          <a:pPr algn="ctr" fontAlgn="b"/>
+                          <a:r>
+                            <a:rPr lang="en-ID" sz="1100" u="none" strike="noStrike">
+                              <a:effectLst/>
+                            </a:rPr>
+                            <a:t>77,5</a:t>
+                          </a:r>
+                          <a:endParaRPr lang="en-ID" sz="1100" b="0" i="0" u="none" strike="noStrike">
+                            <a:solidFill>
+                              <a:srgbClr val="000000"/>
+                            </a:solidFill>
+                            <a:effectLst/>
+                            <a:latin typeface="Calibri" panose="020F0502020204030204" pitchFamily="34" charset="0"/>
+                          </a:endParaRPr>
+                        </a:p>
+                      </a:txBody>
+                      <a:tcPr marL="0" marR="0" marT="0" marB="0" anchor="ctr"/>
+                    </a:tc>
+                    <a:extLst>
+                      <a:ext uri="{0D108BD9-81ED-4DB2-BD59-A6C34878D82A}">
+                        <a16:rowId xmlns:a16="http://schemas.microsoft.com/office/drawing/2014/main" val="1061384704"/>
+                      </a:ext>
+                    </a:extLst>
+                  </a:tr>
+                  <a:tr h="251138">
+                    <a:tc>
+                      <a:txBody>
+                        <a:bodyPr/>
+                        <a:lstStyle/>
+                        <a:p>
+                          <a:pPr algn="ctr" fontAlgn="ctr"/>
+                          <a:r>
+                            <a:rPr lang="en-ID" sz="1100" u="none" strike="noStrike">
+                              <a:effectLst/>
+                            </a:rPr>
+                            <a:t>81 - 86</a:t>
+                          </a:r>
+                          <a:endParaRPr lang="en-ID" sz="1100" b="0" i="0" u="none" strike="noStrike">
+                            <a:solidFill>
+                              <a:srgbClr val="000000"/>
+                            </a:solidFill>
+                            <a:effectLst/>
+                            <a:latin typeface="Calibri" panose="020F0502020204030204" pitchFamily="34" charset="0"/>
+                          </a:endParaRPr>
+                        </a:p>
+                      </a:txBody>
+                      <a:tcPr marL="0" marR="0" marT="0" marB="0" anchor="ctr"/>
+                    </a:tc>
+                    <a:tc>
+                      <a:txBody>
+                        <a:bodyPr/>
+                        <a:lstStyle/>
+                        <a:p>
+                          <a:pPr algn="ctr" fontAlgn="ctr"/>
+                          <a:r>
+                            <a:rPr lang="en-ID" sz="1100" u="none" strike="noStrike">
+                              <a:effectLst/>
+                            </a:rPr>
+                            <a:t>11</a:t>
+                          </a:r>
+                          <a:endParaRPr lang="en-ID" sz="1100" b="0" i="0" u="none" strike="noStrike">
+                            <a:solidFill>
+                              <a:srgbClr val="000000"/>
+                            </a:solidFill>
+                            <a:effectLst/>
+                            <a:latin typeface="Calibri" panose="020F0502020204030204" pitchFamily="34" charset="0"/>
+                          </a:endParaRPr>
+                        </a:p>
+                      </a:txBody>
+                      <a:tcPr marL="0" marR="0" marT="0" marB="0" anchor="ctr"/>
+                    </a:tc>
+                    <a:tc>
+                      <a:txBody>
+                        <a:bodyPr/>
+                        <a:lstStyle/>
+                        <a:p>
+                          <a:pPr algn="ctr" fontAlgn="b"/>
+                          <a:r>
+                            <a:rPr lang="en-ID" sz="1100" u="none" strike="noStrike">
+                              <a:effectLst/>
+                            </a:rPr>
+                            <a:t>83,5</a:t>
+                          </a:r>
+                          <a:endParaRPr lang="en-ID" sz="1100" b="0" i="0" u="none" strike="noStrike">
+                            <a:solidFill>
+                              <a:srgbClr val="000000"/>
+                            </a:solidFill>
+                            <a:effectLst/>
+                            <a:latin typeface="Calibri" panose="020F0502020204030204" pitchFamily="34" charset="0"/>
+                          </a:endParaRPr>
+                        </a:p>
+                      </a:txBody>
+                      <a:tcPr marL="0" marR="0" marT="0" marB="0" anchor="ctr"/>
+                    </a:tc>
+                    <a:tc>
+                      <a:txBody>
+                        <a:bodyPr/>
+                        <a:lstStyle/>
+                        <a:p>
+                          <a:pPr algn="ctr" fontAlgn="b"/>
+                          <a:r>
+                            <a:rPr lang="en-ID" sz="1100" u="none" strike="noStrike" dirty="0">
+                              <a:effectLst/>
+                            </a:rPr>
+                            <a:t>918,5</a:t>
+                          </a:r>
+                          <a:endParaRPr lang="en-ID" sz="1100" b="0" i="0" u="none" strike="noStrike" dirty="0">
+                            <a:solidFill>
+                              <a:srgbClr val="000000"/>
+                            </a:solidFill>
+                            <a:effectLst/>
+                            <a:latin typeface="Calibri" panose="020F0502020204030204" pitchFamily="34" charset="0"/>
+                          </a:endParaRPr>
+                        </a:p>
+                      </a:txBody>
+                      <a:tcPr marL="0" marR="0" marT="0" marB="0" anchor="ctr"/>
+                    </a:tc>
+                    <a:tc>
+                      <a:txBody>
+                        <a:bodyPr/>
+                        <a:lstStyle/>
+                        <a:p>
+                          <a:pPr algn="ctr" fontAlgn="b"/>
+                          <a:r>
+                            <a:rPr lang="en-ID" sz="1100" u="none" strike="noStrike">
+                              <a:effectLst/>
+                            </a:rPr>
+                            <a:t>83,5</a:t>
+                          </a:r>
+                          <a:endParaRPr lang="en-ID" sz="1100" b="0" i="0" u="none" strike="noStrike">
+                            <a:solidFill>
+                              <a:srgbClr val="000000"/>
+                            </a:solidFill>
+                            <a:effectLst/>
+                            <a:latin typeface="Calibri" panose="020F0502020204030204" pitchFamily="34" charset="0"/>
+                          </a:endParaRPr>
+                        </a:p>
+                      </a:txBody>
+                      <a:tcPr marL="0" marR="0" marT="0" marB="0" anchor="ctr"/>
+                    </a:tc>
+                    <a:extLst>
+                      <a:ext uri="{0D108BD9-81ED-4DB2-BD59-A6C34878D82A}">
+                        <a16:rowId xmlns:a16="http://schemas.microsoft.com/office/drawing/2014/main" val="4150198490"/>
+                      </a:ext>
+                    </a:extLst>
+                  </a:tr>
+                  <a:tr h="200910">
+                    <a:tc>
+                      <a:txBody>
+                        <a:bodyPr/>
+                        <a:lstStyle/>
+                        <a:p>
+                          <a:pPr algn="ctr" fontAlgn="ctr"/>
+                          <a:r>
+                            <a:rPr lang="en-ID" sz="1100" u="none" strike="noStrike">
+                              <a:effectLst/>
+                            </a:rPr>
+                            <a:t>87 - 92</a:t>
+                          </a:r>
+                          <a:endParaRPr lang="en-ID" sz="1100" b="0" i="0" u="none" strike="noStrike">
+                            <a:solidFill>
+                              <a:srgbClr val="000000"/>
+                            </a:solidFill>
+                            <a:effectLst/>
+                            <a:latin typeface="Calibri" panose="020F0502020204030204" pitchFamily="34" charset="0"/>
+                          </a:endParaRPr>
+                        </a:p>
+                      </a:txBody>
+                      <a:tcPr marL="0" marR="0" marT="0" marB="0" anchor="ctr"/>
+                    </a:tc>
+                    <a:tc>
+                      <a:txBody>
+                        <a:bodyPr/>
+                        <a:lstStyle/>
+                        <a:p>
+                          <a:pPr algn="ctr" fontAlgn="ctr"/>
+                          <a:r>
+                            <a:rPr lang="en-ID" sz="1100" u="none" strike="noStrike">
+                              <a:effectLst/>
+                            </a:rPr>
+                            <a:t>15</a:t>
+                          </a:r>
+                          <a:endParaRPr lang="en-ID" sz="1100" b="0" i="0" u="none" strike="noStrike">
+                            <a:solidFill>
+                              <a:srgbClr val="000000"/>
+                            </a:solidFill>
+                            <a:effectLst/>
+                            <a:latin typeface="Calibri" panose="020F0502020204030204" pitchFamily="34" charset="0"/>
+                          </a:endParaRPr>
+                        </a:p>
+                      </a:txBody>
+                      <a:tcPr marL="0" marR="0" marT="0" marB="0" anchor="ctr"/>
+                    </a:tc>
+                    <a:tc>
+                      <a:txBody>
+                        <a:bodyPr/>
+                        <a:lstStyle/>
+                        <a:p>
+                          <a:pPr algn="ctr" fontAlgn="b"/>
+                          <a:r>
+                            <a:rPr lang="en-ID" sz="1100" u="none" strike="noStrike">
+                              <a:effectLst/>
+                            </a:rPr>
+                            <a:t>89,5</a:t>
+                          </a:r>
+                          <a:endParaRPr lang="en-ID" sz="1100" b="0" i="0" u="none" strike="noStrike">
+                            <a:solidFill>
+                              <a:srgbClr val="000000"/>
+                            </a:solidFill>
+                            <a:effectLst/>
+                            <a:latin typeface="Calibri" panose="020F0502020204030204" pitchFamily="34" charset="0"/>
+                          </a:endParaRPr>
+                        </a:p>
+                      </a:txBody>
+                      <a:tcPr marL="0" marR="0" marT="0" marB="0" anchor="ctr"/>
+                    </a:tc>
+                    <a:tc>
+                      <a:txBody>
+                        <a:bodyPr/>
+                        <a:lstStyle/>
+                        <a:p>
+                          <a:pPr algn="ctr" fontAlgn="b"/>
+                          <a:r>
+                            <a:rPr lang="en-ID" sz="1100" u="none" strike="noStrike" dirty="0">
+                              <a:effectLst/>
+                            </a:rPr>
+                            <a:t>1342,5</a:t>
+                          </a:r>
+                          <a:endParaRPr lang="en-ID" sz="1100" b="0" i="0" u="none" strike="noStrike" dirty="0">
+                            <a:solidFill>
+                              <a:srgbClr val="000000"/>
+                            </a:solidFill>
+                            <a:effectLst/>
+                            <a:latin typeface="Calibri" panose="020F0502020204030204" pitchFamily="34" charset="0"/>
+                          </a:endParaRPr>
+                        </a:p>
+                      </a:txBody>
+                      <a:tcPr marL="0" marR="0" marT="0" marB="0" anchor="ctr"/>
+                    </a:tc>
+                    <a:tc>
+                      <a:txBody>
+                        <a:bodyPr/>
+                        <a:lstStyle/>
+                        <a:p>
+                          <a:pPr algn="ctr" fontAlgn="b"/>
+                          <a:r>
+                            <a:rPr lang="en-ID" sz="1100" u="none" strike="noStrike" dirty="0">
+                              <a:effectLst/>
+                            </a:rPr>
+                            <a:t>89,5</a:t>
+                          </a:r>
+                          <a:endParaRPr lang="en-ID" sz="1100" b="0" i="0" u="none" strike="noStrike" dirty="0">
+                            <a:solidFill>
+                              <a:srgbClr val="000000"/>
+                            </a:solidFill>
+                            <a:effectLst/>
+                            <a:latin typeface="Calibri" panose="020F0502020204030204" pitchFamily="34" charset="0"/>
+                          </a:endParaRPr>
+                        </a:p>
+                      </a:txBody>
+                      <a:tcPr marL="0" marR="0" marT="0" marB="0" anchor="ctr"/>
+                    </a:tc>
+                    <a:extLst>
+                      <a:ext uri="{0D108BD9-81ED-4DB2-BD59-A6C34878D82A}">
+                        <a16:rowId xmlns:a16="http://schemas.microsoft.com/office/drawing/2014/main" val="2566846377"/>
+                      </a:ext>
+                    </a:extLst>
+                  </a:tr>
+                  <a:tr h="251138">
+                    <a:tc>
+                      <a:txBody>
+                        <a:bodyPr/>
+                        <a:lstStyle/>
+                        <a:p>
+                          <a:pPr algn="ctr" fontAlgn="ctr"/>
+                          <a:r>
+                            <a:rPr lang="en-ID" sz="1100" u="none" strike="noStrike">
+                              <a:effectLst/>
+                            </a:rPr>
+                            <a:t>93 - 98</a:t>
+                          </a:r>
+                          <a:endParaRPr lang="en-ID" sz="1100" b="0" i="0" u="none" strike="noStrike">
+                            <a:solidFill>
+                              <a:srgbClr val="000000"/>
+                            </a:solidFill>
+                            <a:effectLst/>
+                            <a:latin typeface="Calibri" panose="020F0502020204030204" pitchFamily="34" charset="0"/>
+                          </a:endParaRPr>
+                        </a:p>
+                      </a:txBody>
+                      <a:tcPr marL="0" marR="0" marT="0" marB="0" anchor="ctr"/>
+                    </a:tc>
+                    <a:tc>
+                      <a:txBody>
+                        <a:bodyPr/>
+                        <a:lstStyle/>
+                        <a:p>
+                          <a:pPr algn="ctr" fontAlgn="ctr"/>
+                          <a:r>
+                            <a:rPr lang="en-ID" sz="1100" u="none" strike="noStrike">
+                              <a:effectLst/>
+                            </a:rPr>
+                            <a:t>13</a:t>
+                          </a:r>
+                          <a:endParaRPr lang="en-ID" sz="1100" b="0" i="0" u="none" strike="noStrike">
+                            <a:solidFill>
+                              <a:srgbClr val="000000"/>
+                            </a:solidFill>
+                            <a:effectLst/>
+                            <a:latin typeface="Calibri" panose="020F0502020204030204" pitchFamily="34" charset="0"/>
+                          </a:endParaRPr>
+                        </a:p>
+                      </a:txBody>
+                      <a:tcPr marL="0" marR="0" marT="0" marB="0" anchor="ctr"/>
+                    </a:tc>
+                    <a:tc>
+                      <a:txBody>
+                        <a:bodyPr/>
+                        <a:lstStyle/>
+                        <a:p>
+                          <a:pPr algn="ctr" fontAlgn="b"/>
+                          <a:r>
+                            <a:rPr lang="en-ID" sz="1100" u="none" strike="noStrike">
+                              <a:effectLst/>
+                            </a:rPr>
+                            <a:t>95,5</a:t>
+                          </a:r>
+                          <a:endParaRPr lang="en-ID" sz="1100" b="0" i="0" u="none" strike="noStrike">
+                            <a:solidFill>
+                              <a:srgbClr val="000000"/>
+                            </a:solidFill>
+                            <a:effectLst/>
+                            <a:latin typeface="Calibri" panose="020F0502020204030204" pitchFamily="34" charset="0"/>
+                          </a:endParaRPr>
+                        </a:p>
+                      </a:txBody>
+                      <a:tcPr marL="0" marR="0" marT="0" marB="0" anchor="ctr"/>
+                    </a:tc>
+                    <a:tc>
+                      <a:txBody>
+                        <a:bodyPr/>
+                        <a:lstStyle/>
+                        <a:p>
+                          <a:pPr algn="ctr" fontAlgn="b"/>
+                          <a:r>
+                            <a:rPr lang="en-ID" sz="1100" u="none" strike="noStrike">
+                              <a:effectLst/>
+                            </a:rPr>
+                            <a:t>1241,5</a:t>
+                          </a:r>
+                          <a:endParaRPr lang="en-ID" sz="1100" b="0" i="0" u="none" strike="noStrike">
+                            <a:solidFill>
+                              <a:srgbClr val="000000"/>
+                            </a:solidFill>
+                            <a:effectLst/>
+                            <a:latin typeface="Calibri" panose="020F0502020204030204" pitchFamily="34" charset="0"/>
+                          </a:endParaRPr>
+                        </a:p>
+                      </a:txBody>
+                      <a:tcPr marL="0" marR="0" marT="0" marB="0" anchor="ctr"/>
+                    </a:tc>
+                    <a:tc>
+                      <a:txBody>
+                        <a:bodyPr/>
+                        <a:lstStyle/>
+                        <a:p>
+                          <a:pPr algn="ctr" fontAlgn="b"/>
+                          <a:r>
+                            <a:rPr lang="en-ID" sz="1100" u="none" strike="noStrike" dirty="0">
+                              <a:effectLst/>
+                            </a:rPr>
+                            <a:t>95,5</a:t>
+                          </a:r>
+                          <a:endParaRPr lang="en-ID" sz="1100" b="0" i="0" u="none" strike="noStrike" dirty="0">
+                            <a:solidFill>
+                              <a:srgbClr val="000000"/>
+                            </a:solidFill>
+                            <a:effectLst/>
+                            <a:latin typeface="Calibri" panose="020F0502020204030204" pitchFamily="34" charset="0"/>
+                          </a:endParaRPr>
+                        </a:p>
+                      </a:txBody>
+                      <a:tcPr marL="0" marR="0" marT="0" marB="0" anchor="ctr"/>
+                    </a:tc>
+                    <a:extLst>
+                      <a:ext uri="{0D108BD9-81ED-4DB2-BD59-A6C34878D82A}">
+                        <a16:rowId xmlns:a16="http://schemas.microsoft.com/office/drawing/2014/main" val="3999945485"/>
+                      </a:ext>
+                    </a:extLst>
+                  </a:tr>
+                  <a:tr h="200910">
+                    <a:tc>
+                      <a:txBody>
+                        <a:bodyPr/>
+                        <a:lstStyle/>
+                        <a:p>
+                          <a:pPr algn="ctr" fontAlgn="ctr"/>
+                          <a:r>
+                            <a:rPr lang="en-ID" sz="1100" u="none" strike="noStrike">
+                              <a:effectLst/>
+                            </a:rPr>
+                            <a:t>Jumlah</a:t>
+                          </a:r>
+                          <a:endParaRPr lang="en-ID" sz="1100" b="0" i="0" u="none" strike="noStrike">
+                            <a:solidFill>
+                              <a:srgbClr val="000000"/>
+                            </a:solidFill>
+                            <a:effectLst/>
+                            <a:latin typeface="Calibri" panose="020F0502020204030204" pitchFamily="34" charset="0"/>
+                          </a:endParaRPr>
+                        </a:p>
+                      </a:txBody>
+                      <a:tcPr marL="0" marR="0" marT="0" marB="0" anchor="ctr"/>
+                    </a:tc>
+                    <a:tc>
+                      <a:txBody>
+                        <a:bodyPr/>
+                        <a:lstStyle/>
+                        <a:p>
+                          <a:pPr algn="ctr" fontAlgn="ctr"/>
+                          <a:r>
+                            <a:rPr lang="en-ID" sz="1100" u="none" strike="noStrike">
+                              <a:effectLst/>
+                            </a:rPr>
+                            <a:t>50</a:t>
+                          </a:r>
+                          <a:endParaRPr lang="en-ID" sz="1100" b="0" i="0" u="none" strike="noStrike">
+                            <a:solidFill>
+                              <a:srgbClr val="000000"/>
+                            </a:solidFill>
+                            <a:effectLst/>
+                            <a:latin typeface="Calibri" panose="020F0502020204030204" pitchFamily="34" charset="0"/>
+                          </a:endParaRPr>
+                        </a:p>
+                      </a:txBody>
+                      <a:tcPr marL="0" marR="0" marT="0" marB="0" anchor="ctr"/>
+                    </a:tc>
+                    <a:tc>
+                      <a:txBody>
+                        <a:bodyPr/>
+                        <a:lstStyle/>
+                        <a:p>
+                          <a:pPr algn="ctr" fontAlgn="b"/>
+                          <a:r>
+                            <a:rPr lang="en-ID" sz="1100" u="none" strike="noStrike">
+                              <a:effectLst/>
+                            </a:rPr>
+                            <a:t> </a:t>
+                          </a:r>
+                          <a:endParaRPr lang="en-ID" sz="1100" b="0" i="0" u="none" strike="noStrike">
+                            <a:solidFill>
+                              <a:srgbClr val="000000"/>
+                            </a:solidFill>
+                            <a:effectLst/>
+                            <a:latin typeface="Calibri" panose="020F0502020204030204" pitchFamily="34" charset="0"/>
+                          </a:endParaRPr>
+                        </a:p>
+                      </a:txBody>
+                      <a:tcPr marL="0" marR="0" marT="0" marB="0" anchor="ctr"/>
+                    </a:tc>
+                    <a:tc>
+                      <a:txBody>
+                        <a:bodyPr/>
+                        <a:lstStyle/>
+                        <a:p>
+                          <a:pPr algn="ctr" fontAlgn="b"/>
+                          <a:r>
+                            <a:rPr lang="en-ID" sz="1100" u="none" strike="noStrike">
+                              <a:effectLst/>
+                            </a:rPr>
+                            <a:t>4265</a:t>
+                          </a:r>
+                          <a:endParaRPr lang="en-ID" sz="1100" b="0" i="0" u="none" strike="noStrike">
+                            <a:solidFill>
+                              <a:srgbClr val="000000"/>
+                            </a:solidFill>
+                            <a:effectLst/>
+                            <a:latin typeface="Calibri" panose="020F0502020204030204" pitchFamily="34" charset="0"/>
+                          </a:endParaRPr>
+                        </a:p>
+                      </a:txBody>
+                      <a:tcPr marL="0" marR="0" marT="0" marB="0" anchor="ctr"/>
+                    </a:tc>
+                    <a:tc>
+                      <a:txBody>
+                        <a:bodyPr/>
+                        <a:lstStyle/>
+                        <a:p>
+                          <a:pPr algn="ctr" fontAlgn="b"/>
+                          <a:r>
+                            <a:rPr lang="en-ID" sz="1100" u="none" strike="noStrike" dirty="0">
+                              <a:effectLst/>
+                            </a:rPr>
+                            <a:t>542,5</a:t>
+                          </a:r>
+                          <a:endParaRPr lang="en-ID" sz="1100" b="0" i="0" u="none" strike="noStrike" dirty="0">
+                            <a:solidFill>
+                              <a:srgbClr val="000000"/>
+                            </a:solidFill>
+                            <a:effectLst/>
+                            <a:latin typeface="Calibri" panose="020F0502020204030204" pitchFamily="34" charset="0"/>
+                          </a:endParaRPr>
+                        </a:p>
+                      </a:txBody>
+                      <a:tcPr marL="0" marR="0" marT="0" marB="0" anchor="ctr"/>
+                    </a:tc>
+                    <a:extLst>
+                      <a:ext uri="{0D108BD9-81ED-4DB2-BD59-A6C34878D82A}">
+                        <a16:rowId xmlns:a16="http://schemas.microsoft.com/office/drawing/2014/main" val="2135165318"/>
+                      </a:ext>
+                    </a:extLst>
+                  </a:tr>
+                </a:tbl>
+              </a:graphicData>
+            </a:graphic>
+          </p:graphicFrame>
+        </mc:Choice>
+        <mc:Fallback xmlns="">
+          <p:graphicFrame>
+            <p:nvGraphicFramePr>
+              <p:cNvPr id="11" name="Table 10">
+                <a:extLst>
+                  <a:ext uri="{FF2B5EF4-FFF2-40B4-BE49-F238E27FC236}">
+                    <a16:creationId xmlns:a16="http://schemas.microsoft.com/office/drawing/2014/main" id="{315FD462-5BB4-4575-80A2-AE85C7F22541}"/>
+                  </a:ext>
+                </a:extLst>
+              </p:cNvPr>
+              <p:cNvGraphicFramePr>
+                <a:graphicFrameLocks noGrp="1"/>
+              </p:cNvGraphicFramePr>
+              <p:nvPr>
+                <p:extLst>
+                  <p:ext uri="{D42A27DB-BD31-4B8C-83A1-F6EECF244321}">
+                    <p14:modId xmlns:p14="http://schemas.microsoft.com/office/powerpoint/2010/main" val="3711623995"/>
+                  </p:ext>
+                </p:extLst>
+              </p:nvPr>
+            </p:nvGraphicFramePr>
+            <p:xfrm>
+              <a:off x="600074" y="2208786"/>
+              <a:ext cx="3395861" cy="2019147"/>
+            </p:xfrm>
+            <a:graphic>
+              <a:graphicData uri="http://schemas.openxmlformats.org/drawingml/2006/table">
+                <a:tbl>
+                  <a:tblPr>
+                    <a:tableStyleId>{5940675A-B579-460E-94D1-54222C63F5DA}</a:tableStyleId>
+                  </a:tblPr>
+                  <a:tblGrid>
+                    <a:gridCol w="755073">
+                      <a:extLst>
+                        <a:ext uri="{9D8B030D-6E8A-4147-A177-3AD203B41FA5}">
+                          <a16:colId xmlns:a16="http://schemas.microsoft.com/office/drawing/2014/main" val="1906070166"/>
+                        </a:ext>
+                      </a:extLst>
+                    </a:gridCol>
+                    <a:gridCol w="755073">
+                      <a:extLst>
+                        <a:ext uri="{9D8B030D-6E8A-4147-A177-3AD203B41FA5}">
+                          <a16:colId xmlns:a16="http://schemas.microsoft.com/office/drawing/2014/main" val="3726356507"/>
+                        </a:ext>
+                      </a:extLst>
+                    </a:gridCol>
+                    <a:gridCol w="445556">
+                      <a:extLst>
+                        <a:ext uri="{9D8B030D-6E8A-4147-A177-3AD203B41FA5}">
+                          <a16:colId xmlns:a16="http://schemas.microsoft.com/office/drawing/2014/main" val="932284581"/>
+                        </a:ext>
+                      </a:extLst>
+                    </a:gridCol>
+                    <a:gridCol w="720080">
+                      <a:extLst>
+                        <a:ext uri="{9D8B030D-6E8A-4147-A177-3AD203B41FA5}">
+                          <a16:colId xmlns:a16="http://schemas.microsoft.com/office/drawing/2014/main" val="1870385874"/>
+                        </a:ext>
+                      </a:extLst>
+                    </a:gridCol>
+                    <a:gridCol w="720079">
+                      <a:extLst>
+                        <a:ext uri="{9D8B030D-6E8A-4147-A177-3AD203B41FA5}">
+                          <a16:colId xmlns:a16="http://schemas.microsoft.com/office/drawing/2014/main" val="3648027952"/>
+                        </a:ext>
+                      </a:extLst>
+                    </a:gridCol>
+                  </a:tblGrid>
+                  <a:tr h="200910">
+                    <a:tc>
+                      <a:txBody>
+                        <a:bodyPr/>
+                        <a:lstStyle/>
+                        <a:p>
+                          <a:pPr algn="ctr" fontAlgn="ctr"/>
+                          <a:r>
+                            <a:rPr lang="en-ID" sz="1100" u="none" strike="noStrike" dirty="0" err="1">
+                              <a:effectLst/>
+                            </a:rPr>
+                            <a:t>Periode</a:t>
+                          </a:r>
+                          <a:endParaRPr lang="en-ID" sz="1100" b="0" i="0" u="none" strike="noStrike" dirty="0">
+                            <a:solidFill>
+                              <a:srgbClr val="000000"/>
+                            </a:solidFill>
+                            <a:effectLst/>
+                            <a:latin typeface="Calibri" panose="020F0502020204030204" pitchFamily="34" charset="0"/>
+                          </a:endParaRPr>
+                        </a:p>
+                      </a:txBody>
+                      <a:tcPr marL="0" marR="0" marT="0" marB="0" anchor="ctr"/>
+                    </a:tc>
+                    <a:tc>
+                      <a:txBody>
+                        <a:bodyPr/>
+                        <a:lstStyle/>
+                        <a:p>
+                          <a:pPr algn="ctr" fontAlgn="ctr"/>
+                          <a:r>
+                            <a:rPr lang="en-ID" sz="1100" u="none" strike="noStrike">
+                              <a:effectLst/>
+                            </a:rPr>
+                            <a:t>F</a:t>
+                          </a:r>
+                          <a:endParaRPr lang="en-ID" sz="1100" b="0" i="0" u="none" strike="noStrike">
+                            <a:solidFill>
+                              <a:srgbClr val="000000"/>
+                            </a:solidFill>
+                            <a:effectLst/>
+                            <a:latin typeface="Calibri" panose="020F0502020204030204" pitchFamily="34" charset="0"/>
+                          </a:endParaRPr>
+                        </a:p>
+                      </a:txBody>
+                      <a:tcPr marL="0" marR="0" marT="0" marB="0" anchor="ctr"/>
+                    </a:tc>
+                    <a:tc>
+                      <a:txBody>
+                        <a:bodyPr/>
+                        <a:lstStyle/>
+                        <a:p>
+                          <a:pPr algn="ctr" fontAlgn="b"/>
+                          <a:r>
+                            <a:rPr lang="en-ID" sz="1100" u="none" strike="noStrike">
+                              <a:effectLst/>
+                            </a:rPr>
+                            <a:t>x</a:t>
+                          </a:r>
+                          <a:endParaRPr lang="en-ID" sz="1100" b="0" i="0" u="none" strike="noStrike">
+                            <a:solidFill>
+                              <a:srgbClr val="000000"/>
+                            </a:solidFill>
+                            <a:effectLst/>
+                            <a:latin typeface="Calibri" panose="020F0502020204030204" pitchFamily="34" charset="0"/>
+                          </a:endParaRPr>
+                        </a:p>
+                      </a:txBody>
+                      <a:tcPr marL="0" marR="0" marT="0" marB="0" anchor="ctr"/>
+                    </a:tc>
+                    <a:tc>
+                      <a:txBody>
+                        <a:bodyPr/>
+                        <a:lstStyle/>
+                        <a:p>
+                          <a:pPr algn="ctr" fontAlgn="b"/>
+                          <a:r>
+                            <a:rPr lang="en-ID" sz="1100" u="none" strike="noStrike" dirty="0" err="1">
+                              <a:effectLst/>
+                            </a:rPr>
+                            <a:t>fx</a:t>
+                          </a:r>
+                          <a:endParaRPr lang="en-ID" sz="1100" b="0" i="0" u="none" strike="noStrike" dirty="0">
+                            <a:solidFill>
+                              <a:srgbClr val="000000"/>
+                            </a:solidFill>
+                            <a:effectLst/>
+                            <a:latin typeface="Calibri" panose="020F0502020204030204" pitchFamily="34" charset="0"/>
+                          </a:endParaRPr>
+                        </a:p>
+                      </a:txBody>
+                      <a:tcPr marL="0" marR="0" marT="0" marB="0" anchor="ctr"/>
+                    </a:tc>
+                    <a:tc>
+                      <a:txBody>
+                        <a:bodyPr/>
+                        <a:lstStyle/>
+                        <a:p>
+                          <a:endParaRPr lang="en-US"/>
+                        </a:p>
+                      </a:txBody>
+                      <a:tcPr marL="0" marR="0" marT="0" marB="0" anchor="ctr">
+                        <a:blipFill>
+                          <a:blip r:embed="rId3"/>
+                          <a:stretch>
+                            <a:fillRect l="-373729" t="-12121" r="-1695" b="-942424"/>
+                          </a:stretch>
+                        </a:blipFill>
+                      </a:tcPr>
+                    </a:tc>
+                    <a:extLst>
+                      <a:ext uri="{0D108BD9-81ED-4DB2-BD59-A6C34878D82A}">
+                        <a16:rowId xmlns:a16="http://schemas.microsoft.com/office/drawing/2014/main" val="1675220733"/>
+                      </a:ext>
+                    </a:extLst>
+                  </a:tr>
+                  <a:tr h="200910">
+                    <a:tc>
+                      <a:txBody>
+                        <a:bodyPr/>
+                        <a:lstStyle/>
+                        <a:p>
+                          <a:pPr algn="ctr" fontAlgn="ctr"/>
+                          <a:r>
+                            <a:rPr lang="en-ID" sz="1100" u="none" strike="noStrike" dirty="0">
+                              <a:effectLst/>
+                            </a:rPr>
+                            <a:t>57 - 62</a:t>
+                          </a:r>
+                          <a:endParaRPr lang="en-ID" sz="1100" b="0" i="0" u="none" strike="noStrike" dirty="0">
+                            <a:solidFill>
+                              <a:srgbClr val="000000"/>
+                            </a:solidFill>
+                            <a:effectLst/>
+                            <a:latin typeface="Calibri" panose="020F0502020204030204" pitchFamily="34" charset="0"/>
+                          </a:endParaRPr>
+                        </a:p>
+                      </a:txBody>
+                      <a:tcPr marL="0" marR="0" marT="0" marB="0" anchor="ctr"/>
+                    </a:tc>
+                    <a:tc>
+                      <a:txBody>
+                        <a:bodyPr/>
+                        <a:lstStyle/>
+                        <a:p>
+                          <a:pPr algn="ctr" fontAlgn="ctr"/>
+                          <a:r>
+                            <a:rPr lang="en-ID" sz="1100" u="none" strike="noStrike">
+                              <a:effectLst/>
+                            </a:rPr>
+                            <a:t>3</a:t>
+                          </a:r>
+                          <a:endParaRPr lang="en-ID" sz="1100" b="0" i="0" u="none" strike="noStrike">
+                            <a:solidFill>
+                              <a:srgbClr val="000000"/>
+                            </a:solidFill>
+                            <a:effectLst/>
+                            <a:latin typeface="Calibri" panose="020F0502020204030204" pitchFamily="34" charset="0"/>
+                          </a:endParaRPr>
+                        </a:p>
+                      </a:txBody>
+                      <a:tcPr marL="0" marR="0" marT="0" marB="0" anchor="ctr"/>
+                    </a:tc>
+                    <a:tc>
+                      <a:txBody>
+                        <a:bodyPr/>
+                        <a:lstStyle/>
+                        <a:p>
+                          <a:pPr algn="ctr" fontAlgn="b"/>
+                          <a:r>
+                            <a:rPr lang="en-ID" sz="1100" u="none" strike="noStrike">
+                              <a:effectLst/>
+                            </a:rPr>
+                            <a:t>59,5</a:t>
+                          </a:r>
+                          <a:endParaRPr lang="en-ID" sz="1100" b="0" i="0" u="none" strike="noStrike">
+                            <a:solidFill>
+                              <a:srgbClr val="000000"/>
+                            </a:solidFill>
+                            <a:effectLst/>
+                            <a:latin typeface="Calibri" panose="020F0502020204030204" pitchFamily="34" charset="0"/>
+                          </a:endParaRPr>
+                        </a:p>
+                      </a:txBody>
+                      <a:tcPr marL="0" marR="0" marT="0" marB="0" anchor="ctr"/>
+                    </a:tc>
+                    <a:tc>
+                      <a:txBody>
+                        <a:bodyPr/>
+                        <a:lstStyle/>
+                        <a:p>
+                          <a:pPr algn="ctr" fontAlgn="b"/>
+                          <a:r>
+                            <a:rPr lang="en-ID" sz="1100" u="none" strike="noStrike">
+                              <a:effectLst/>
+                            </a:rPr>
+                            <a:t>178,5</a:t>
+                          </a:r>
+                          <a:endParaRPr lang="en-ID" sz="1100" b="0" i="0" u="none" strike="noStrike">
+                            <a:solidFill>
+                              <a:srgbClr val="000000"/>
+                            </a:solidFill>
+                            <a:effectLst/>
+                            <a:latin typeface="Calibri" panose="020F0502020204030204" pitchFamily="34" charset="0"/>
+                          </a:endParaRPr>
+                        </a:p>
+                      </a:txBody>
+                      <a:tcPr marL="0" marR="0" marT="0" marB="0" anchor="ctr"/>
+                    </a:tc>
+                    <a:tc>
+                      <a:txBody>
+                        <a:bodyPr/>
+                        <a:lstStyle/>
+                        <a:p>
+                          <a:pPr algn="ctr" fontAlgn="b"/>
+                          <a:r>
+                            <a:rPr lang="en-ID" sz="1100" u="none" strike="noStrike" dirty="0">
+                              <a:effectLst/>
+                            </a:rPr>
+                            <a:t>59,5</a:t>
+                          </a:r>
+                          <a:endParaRPr lang="en-ID" sz="1100" b="0" i="0" u="none" strike="noStrike" dirty="0">
+                            <a:solidFill>
+                              <a:srgbClr val="000000"/>
+                            </a:solidFill>
+                            <a:effectLst/>
+                            <a:latin typeface="Calibri" panose="020F0502020204030204" pitchFamily="34" charset="0"/>
+                          </a:endParaRPr>
+                        </a:p>
+                      </a:txBody>
+                      <a:tcPr marL="0" marR="0" marT="0" marB="0" anchor="ctr"/>
+                    </a:tc>
+                    <a:extLst>
+                      <a:ext uri="{0D108BD9-81ED-4DB2-BD59-A6C34878D82A}">
+                        <a16:rowId xmlns:a16="http://schemas.microsoft.com/office/drawing/2014/main" val="17396747"/>
+                      </a:ext>
+                    </a:extLst>
+                  </a:tr>
+                  <a:tr h="200910">
+                    <a:tc>
+                      <a:txBody>
+                        <a:bodyPr/>
+                        <a:lstStyle/>
+                        <a:p>
+                          <a:pPr algn="ctr" fontAlgn="ctr"/>
+                          <a:r>
+                            <a:rPr lang="en-ID" sz="1100" u="none" strike="noStrike">
+                              <a:effectLst/>
+                            </a:rPr>
+                            <a:t>63 - 68</a:t>
+                          </a:r>
+                          <a:endParaRPr lang="en-ID" sz="1100" b="0" i="0" u="none" strike="noStrike">
+                            <a:solidFill>
+                              <a:srgbClr val="000000"/>
+                            </a:solidFill>
+                            <a:effectLst/>
+                            <a:latin typeface="Calibri" panose="020F0502020204030204" pitchFamily="34" charset="0"/>
+                          </a:endParaRPr>
+                        </a:p>
+                      </a:txBody>
+                      <a:tcPr marL="0" marR="0" marT="0" marB="0" anchor="ctr"/>
+                    </a:tc>
+                    <a:tc>
+                      <a:txBody>
+                        <a:bodyPr/>
+                        <a:lstStyle/>
+                        <a:p>
+                          <a:pPr algn="ctr" fontAlgn="ctr"/>
+                          <a:r>
+                            <a:rPr lang="en-ID" sz="1100" u="none" strike="noStrike" dirty="0">
+                              <a:effectLst/>
+                            </a:rPr>
+                            <a:t>2</a:t>
+                          </a:r>
+                          <a:endParaRPr lang="en-ID" sz="1100" b="0" i="0" u="none" strike="noStrike" dirty="0">
+                            <a:solidFill>
+                              <a:srgbClr val="000000"/>
+                            </a:solidFill>
+                            <a:effectLst/>
+                            <a:latin typeface="Calibri" panose="020F0502020204030204" pitchFamily="34" charset="0"/>
+                          </a:endParaRPr>
+                        </a:p>
+                      </a:txBody>
+                      <a:tcPr marL="0" marR="0" marT="0" marB="0" anchor="ctr"/>
+                    </a:tc>
+                    <a:tc>
+                      <a:txBody>
+                        <a:bodyPr/>
+                        <a:lstStyle/>
+                        <a:p>
+                          <a:pPr algn="ctr" fontAlgn="b"/>
+                          <a:r>
+                            <a:rPr lang="en-ID" sz="1100" u="none" strike="noStrike">
+                              <a:effectLst/>
+                            </a:rPr>
+                            <a:t>65,5</a:t>
+                          </a:r>
+                          <a:endParaRPr lang="en-ID" sz="1100" b="0" i="0" u="none" strike="noStrike">
+                            <a:solidFill>
+                              <a:srgbClr val="000000"/>
+                            </a:solidFill>
+                            <a:effectLst/>
+                            <a:latin typeface="Calibri" panose="020F0502020204030204" pitchFamily="34" charset="0"/>
+                          </a:endParaRPr>
+                        </a:p>
+                      </a:txBody>
+                      <a:tcPr marL="0" marR="0" marT="0" marB="0" anchor="ctr"/>
+                    </a:tc>
+                    <a:tc>
+                      <a:txBody>
+                        <a:bodyPr/>
+                        <a:lstStyle/>
+                        <a:p>
+                          <a:pPr algn="ctr" fontAlgn="b"/>
+                          <a:r>
+                            <a:rPr lang="en-ID" sz="1100" u="none" strike="noStrike">
+                              <a:effectLst/>
+                            </a:rPr>
+                            <a:t>131</a:t>
+                          </a:r>
+                          <a:endParaRPr lang="en-ID" sz="1100" b="0" i="0" u="none" strike="noStrike">
+                            <a:solidFill>
+                              <a:srgbClr val="000000"/>
+                            </a:solidFill>
+                            <a:effectLst/>
+                            <a:latin typeface="Calibri" panose="020F0502020204030204" pitchFamily="34" charset="0"/>
+                          </a:endParaRPr>
+                        </a:p>
+                      </a:txBody>
+                      <a:tcPr marL="0" marR="0" marT="0" marB="0" anchor="ctr"/>
+                    </a:tc>
+                    <a:tc>
+                      <a:txBody>
+                        <a:bodyPr/>
+                        <a:lstStyle/>
+                        <a:p>
+                          <a:pPr algn="ctr" fontAlgn="b"/>
+                          <a:r>
+                            <a:rPr lang="en-ID" sz="1100" u="none" strike="noStrike">
+                              <a:effectLst/>
+                            </a:rPr>
+                            <a:t>65,5</a:t>
+                          </a:r>
+                          <a:endParaRPr lang="en-ID" sz="1100" b="0" i="0" u="none" strike="noStrike">
+                            <a:solidFill>
+                              <a:srgbClr val="000000"/>
+                            </a:solidFill>
+                            <a:effectLst/>
+                            <a:latin typeface="Calibri" panose="020F0502020204030204" pitchFamily="34" charset="0"/>
+                          </a:endParaRPr>
+                        </a:p>
+                      </a:txBody>
+                      <a:tcPr marL="0" marR="0" marT="0" marB="0" anchor="ctr"/>
+                    </a:tc>
+                    <a:extLst>
+                      <a:ext uri="{0D108BD9-81ED-4DB2-BD59-A6C34878D82A}">
+                        <a16:rowId xmlns:a16="http://schemas.microsoft.com/office/drawing/2014/main" val="1775748021"/>
+                      </a:ext>
+                    </a:extLst>
+                  </a:tr>
+                  <a:tr h="311411">
+                    <a:tc>
+                      <a:txBody>
+                        <a:bodyPr/>
+                        <a:lstStyle/>
+                        <a:p>
+                          <a:pPr algn="ctr" fontAlgn="ctr"/>
+                          <a:r>
+                            <a:rPr lang="en-ID" sz="1100" u="none" strike="noStrike">
+                              <a:effectLst/>
+                            </a:rPr>
+                            <a:t>69 - 74</a:t>
+                          </a:r>
+                          <a:endParaRPr lang="en-ID" sz="1100" b="0" i="0" u="none" strike="noStrike">
+                            <a:solidFill>
+                              <a:srgbClr val="000000"/>
+                            </a:solidFill>
+                            <a:effectLst/>
+                            <a:latin typeface="Calibri" panose="020F0502020204030204" pitchFamily="34" charset="0"/>
+                          </a:endParaRPr>
+                        </a:p>
+                      </a:txBody>
+                      <a:tcPr marL="0" marR="0" marT="0" marB="0" anchor="ctr"/>
+                    </a:tc>
+                    <a:tc>
+                      <a:txBody>
+                        <a:bodyPr/>
+                        <a:lstStyle/>
+                        <a:p>
+                          <a:pPr algn="ctr" fontAlgn="ctr"/>
+                          <a:r>
+                            <a:rPr lang="en-ID" sz="1100" u="none" strike="noStrike" dirty="0">
+                              <a:effectLst/>
+                            </a:rPr>
+                            <a:t>2</a:t>
+                          </a:r>
+                          <a:endParaRPr lang="en-ID" sz="1100" b="0" i="0" u="none" strike="noStrike" dirty="0">
+                            <a:solidFill>
+                              <a:srgbClr val="000000"/>
+                            </a:solidFill>
+                            <a:effectLst/>
+                            <a:latin typeface="Calibri" panose="020F0502020204030204" pitchFamily="34" charset="0"/>
+                          </a:endParaRPr>
+                        </a:p>
+                      </a:txBody>
+                      <a:tcPr marL="0" marR="0" marT="0" marB="0" anchor="ctr"/>
+                    </a:tc>
+                    <a:tc>
+                      <a:txBody>
+                        <a:bodyPr/>
+                        <a:lstStyle/>
+                        <a:p>
+                          <a:pPr algn="ctr" fontAlgn="b"/>
+                          <a:r>
+                            <a:rPr lang="en-ID" sz="1100" u="none" strike="noStrike" dirty="0">
+                              <a:effectLst/>
+                            </a:rPr>
+                            <a:t>71,5</a:t>
+                          </a:r>
+                          <a:endParaRPr lang="en-ID" sz="1100" b="0" i="0" u="none" strike="noStrike" dirty="0">
+                            <a:solidFill>
+                              <a:srgbClr val="000000"/>
+                            </a:solidFill>
+                            <a:effectLst/>
+                            <a:latin typeface="Calibri" panose="020F0502020204030204" pitchFamily="34" charset="0"/>
+                          </a:endParaRPr>
+                        </a:p>
+                      </a:txBody>
+                      <a:tcPr marL="0" marR="0" marT="0" marB="0" anchor="ctr"/>
+                    </a:tc>
+                    <a:tc>
+                      <a:txBody>
+                        <a:bodyPr/>
+                        <a:lstStyle/>
+                        <a:p>
+                          <a:pPr algn="ctr" fontAlgn="b"/>
+                          <a:r>
+                            <a:rPr lang="en-ID" sz="1100" u="none" strike="noStrike">
+                              <a:effectLst/>
+                            </a:rPr>
+                            <a:t>143</a:t>
+                          </a:r>
+                          <a:endParaRPr lang="en-ID" sz="1100" b="0" i="0" u="none" strike="noStrike">
+                            <a:solidFill>
+                              <a:srgbClr val="000000"/>
+                            </a:solidFill>
+                            <a:effectLst/>
+                            <a:latin typeface="Calibri" panose="020F0502020204030204" pitchFamily="34" charset="0"/>
+                          </a:endParaRPr>
+                        </a:p>
+                      </a:txBody>
+                      <a:tcPr marL="0" marR="0" marT="0" marB="0" anchor="ctr"/>
+                    </a:tc>
+                    <a:tc>
+                      <a:txBody>
+                        <a:bodyPr/>
+                        <a:lstStyle/>
+                        <a:p>
+                          <a:pPr algn="ctr" fontAlgn="b"/>
+                          <a:r>
+                            <a:rPr lang="en-ID" sz="1100" u="none" strike="noStrike">
+                              <a:effectLst/>
+                            </a:rPr>
+                            <a:t>71,5</a:t>
+                          </a:r>
+                          <a:endParaRPr lang="en-ID" sz="1100" b="0" i="0" u="none" strike="noStrike">
+                            <a:solidFill>
+                              <a:srgbClr val="000000"/>
+                            </a:solidFill>
+                            <a:effectLst/>
+                            <a:latin typeface="Calibri" panose="020F0502020204030204" pitchFamily="34" charset="0"/>
+                          </a:endParaRPr>
+                        </a:p>
+                      </a:txBody>
+                      <a:tcPr marL="0" marR="0" marT="0" marB="0" anchor="ctr"/>
+                    </a:tc>
+                    <a:extLst>
+                      <a:ext uri="{0D108BD9-81ED-4DB2-BD59-A6C34878D82A}">
+                        <a16:rowId xmlns:a16="http://schemas.microsoft.com/office/drawing/2014/main" val="4040255111"/>
+                      </a:ext>
+                    </a:extLst>
+                  </a:tr>
+                  <a:tr h="200910">
+                    <a:tc>
+                      <a:txBody>
+                        <a:bodyPr/>
+                        <a:lstStyle/>
+                        <a:p>
+                          <a:pPr algn="ctr" fontAlgn="ctr"/>
+                          <a:r>
+                            <a:rPr lang="en-ID" sz="1100" u="none" strike="noStrike">
+                              <a:effectLst/>
+                            </a:rPr>
+                            <a:t>75 - 80</a:t>
+                          </a:r>
+                          <a:endParaRPr lang="en-ID" sz="1100" b="0" i="0" u="none" strike="noStrike">
+                            <a:solidFill>
+                              <a:srgbClr val="000000"/>
+                            </a:solidFill>
+                            <a:effectLst/>
+                            <a:latin typeface="Calibri" panose="020F0502020204030204" pitchFamily="34" charset="0"/>
+                          </a:endParaRPr>
+                        </a:p>
+                      </a:txBody>
+                      <a:tcPr marL="0" marR="0" marT="0" marB="0" anchor="ctr"/>
+                    </a:tc>
+                    <a:tc>
+                      <a:txBody>
+                        <a:bodyPr/>
+                        <a:lstStyle/>
+                        <a:p>
+                          <a:pPr algn="ctr" fontAlgn="ctr"/>
+                          <a:r>
+                            <a:rPr lang="en-ID" sz="1000" u="none" strike="noStrike">
+                              <a:effectLst/>
+                            </a:rPr>
+                            <a:t>4</a:t>
+                          </a:r>
+                          <a:endParaRPr lang="en-ID" sz="1000" b="0" i="0" u="none" strike="noStrike">
+                            <a:solidFill>
+                              <a:srgbClr val="000000"/>
+                            </a:solidFill>
+                            <a:effectLst/>
+                            <a:latin typeface="Arial Narrow" panose="020B0606020202030204" pitchFamily="34" charset="0"/>
+                          </a:endParaRPr>
+                        </a:p>
+                      </a:txBody>
+                      <a:tcPr marL="0" marR="0" marT="0" marB="0" anchor="ctr"/>
+                    </a:tc>
+                    <a:tc>
+                      <a:txBody>
+                        <a:bodyPr/>
+                        <a:lstStyle/>
+                        <a:p>
+                          <a:pPr algn="ctr" fontAlgn="b"/>
+                          <a:r>
+                            <a:rPr lang="en-ID" sz="1100" u="none" strike="noStrike" dirty="0">
+                              <a:effectLst/>
+                            </a:rPr>
+                            <a:t>77,5</a:t>
+                          </a:r>
+                          <a:endParaRPr lang="en-ID" sz="1100" b="0" i="0" u="none" strike="noStrike" dirty="0">
+                            <a:solidFill>
+                              <a:srgbClr val="000000"/>
+                            </a:solidFill>
+                            <a:effectLst/>
+                            <a:latin typeface="Calibri" panose="020F0502020204030204" pitchFamily="34" charset="0"/>
+                          </a:endParaRPr>
+                        </a:p>
+                      </a:txBody>
+                      <a:tcPr marL="0" marR="0" marT="0" marB="0" anchor="ctr"/>
+                    </a:tc>
+                    <a:tc>
+                      <a:txBody>
+                        <a:bodyPr/>
+                        <a:lstStyle/>
+                        <a:p>
+                          <a:pPr algn="ctr" fontAlgn="b"/>
+                          <a:r>
+                            <a:rPr lang="en-ID" sz="1100" u="none" strike="noStrike" dirty="0">
+                              <a:effectLst/>
+                            </a:rPr>
+                            <a:t>310</a:t>
+                          </a:r>
+                          <a:endParaRPr lang="en-ID" sz="1100" b="0" i="0" u="none" strike="noStrike" dirty="0">
+                            <a:solidFill>
+                              <a:srgbClr val="000000"/>
+                            </a:solidFill>
+                            <a:effectLst/>
+                            <a:latin typeface="Calibri" panose="020F0502020204030204" pitchFamily="34" charset="0"/>
+                          </a:endParaRPr>
+                        </a:p>
+                      </a:txBody>
+                      <a:tcPr marL="0" marR="0" marT="0" marB="0" anchor="ctr"/>
+                    </a:tc>
+                    <a:tc>
+                      <a:txBody>
+                        <a:bodyPr/>
+                        <a:lstStyle/>
+                        <a:p>
+                          <a:pPr algn="ctr" fontAlgn="b"/>
+                          <a:r>
+                            <a:rPr lang="en-ID" sz="1100" u="none" strike="noStrike">
+                              <a:effectLst/>
+                            </a:rPr>
+                            <a:t>77,5</a:t>
+                          </a:r>
+                          <a:endParaRPr lang="en-ID" sz="1100" b="0" i="0" u="none" strike="noStrike">
+                            <a:solidFill>
+                              <a:srgbClr val="000000"/>
+                            </a:solidFill>
+                            <a:effectLst/>
+                            <a:latin typeface="Calibri" panose="020F0502020204030204" pitchFamily="34" charset="0"/>
+                          </a:endParaRPr>
+                        </a:p>
+                      </a:txBody>
+                      <a:tcPr marL="0" marR="0" marT="0" marB="0" anchor="ctr"/>
+                    </a:tc>
+                    <a:extLst>
+                      <a:ext uri="{0D108BD9-81ED-4DB2-BD59-A6C34878D82A}">
+                        <a16:rowId xmlns:a16="http://schemas.microsoft.com/office/drawing/2014/main" val="1061384704"/>
+                      </a:ext>
+                    </a:extLst>
+                  </a:tr>
+                  <a:tr h="251138">
+                    <a:tc>
+                      <a:txBody>
+                        <a:bodyPr/>
+                        <a:lstStyle/>
+                        <a:p>
+                          <a:pPr algn="ctr" fontAlgn="ctr"/>
+                          <a:r>
+                            <a:rPr lang="en-ID" sz="1100" u="none" strike="noStrike">
+                              <a:effectLst/>
+                            </a:rPr>
+                            <a:t>81 - 86</a:t>
+                          </a:r>
+                          <a:endParaRPr lang="en-ID" sz="1100" b="0" i="0" u="none" strike="noStrike">
+                            <a:solidFill>
+                              <a:srgbClr val="000000"/>
+                            </a:solidFill>
+                            <a:effectLst/>
+                            <a:latin typeface="Calibri" panose="020F0502020204030204" pitchFamily="34" charset="0"/>
+                          </a:endParaRPr>
+                        </a:p>
+                      </a:txBody>
+                      <a:tcPr marL="0" marR="0" marT="0" marB="0" anchor="ctr"/>
+                    </a:tc>
+                    <a:tc>
+                      <a:txBody>
+                        <a:bodyPr/>
+                        <a:lstStyle/>
+                        <a:p>
+                          <a:pPr algn="ctr" fontAlgn="ctr"/>
+                          <a:r>
+                            <a:rPr lang="en-ID" sz="1100" u="none" strike="noStrike">
+                              <a:effectLst/>
+                            </a:rPr>
+                            <a:t>11</a:t>
+                          </a:r>
+                          <a:endParaRPr lang="en-ID" sz="1100" b="0" i="0" u="none" strike="noStrike">
+                            <a:solidFill>
+                              <a:srgbClr val="000000"/>
+                            </a:solidFill>
+                            <a:effectLst/>
+                            <a:latin typeface="Calibri" panose="020F0502020204030204" pitchFamily="34" charset="0"/>
+                          </a:endParaRPr>
+                        </a:p>
+                      </a:txBody>
+                      <a:tcPr marL="0" marR="0" marT="0" marB="0" anchor="ctr"/>
+                    </a:tc>
+                    <a:tc>
+                      <a:txBody>
+                        <a:bodyPr/>
+                        <a:lstStyle/>
+                        <a:p>
+                          <a:pPr algn="ctr" fontAlgn="b"/>
+                          <a:r>
+                            <a:rPr lang="en-ID" sz="1100" u="none" strike="noStrike">
+                              <a:effectLst/>
+                            </a:rPr>
+                            <a:t>83,5</a:t>
+                          </a:r>
+                          <a:endParaRPr lang="en-ID" sz="1100" b="0" i="0" u="none" strike="noStrike">
+                            <a:solidFill>
+                              <a:srgbClr val="000000"/>
+                            </a:solidFill>
+                            <a:effectLst/>
+                            <a:latin typeface="Calibri" panose="020F0502020204030204" pitchFamily="34" charset="0"/>
+                          </a:endParaRPr>
+                        </a:p>
+                      </a:txBody>
+                      <a:tcPr marL="0" marR="0" marT="0" marB="0" anchor="ctr"/>
+                    </a:tc>
+                    <a:tc>
+                      <a:txBody>
+                        <a:bodyPr/>
+                        <a:lstStyle/>
+                        <a:p>
+                          <a:pPr algn="ctr" fontAlgn="b"/>
+                          <a:r>
+                            <a:rPr lang="en-ID" sz="1100" u="none" strike="noStrike" dirty="0">
+                              <a:effectLst/>
+                            </a:rPr>
+                            <a:t>918,5</a:t>
+                          </a:r>
+                          <a:endParaRPr lang="en-ID" sz="1100" b="0" i="0" u="none" strike="noStrike" dirty="0">
+                            <a:solidFill>
+                              <a:srgbClr val="000000"/>
+                            </a:solidFill>
+                            <a:effectLst/>
+                            <a:latin typeface="Calibri" panose="020F0502020204030204" pitchFamily="34" charset="0"/>
+                          </a:endParaRPr>
+                        </a:p>
+                      </a:txBody>
+                      <a:tcPr marL="0" marR="0" marT="0" marB="0" anchor="ctr"/>
+                    </a:tc>
+                    <a:tc>
+                      <a:txBody>
+                        <a:bodyPr/>
+                        <a:lstStyle/>
+                        <a:p>
+                          <a:pPr algn="ctr" fontAlgn="b"/>
+                          <a:r>
+                            <a:rPr lang="en-ID" sz="1100" u="none" strike="noStrike">
+                              <a:effectLst/>
+                            </a:rPr>
+                            <a:t>83,5</a:t>
+                          </a:r>
+                          <a:endParaRPr lang="en-ID" sz="1100" b="0" i="0" u="none" strike="noStrike">
+                            <a:solidFill>
+                              <a:srgbClr val="000000"/>
+                            </a:solidFill>
+                            <a:effectLst/>
+                            <a:latin typeface="Calibri" panose="020F0502020204030204" pitchFamily="34" charset="0"/>
+                          </a:endParaRPr>
+                        </a:p>
+                      </a:txBody>
+                      <a:tcPr marL="0" marR="0" marT="0" marB="0" anchor="ctr"/>
+                    </a:tc>
+                    <a:extLst>
+                      <a:ext uri="{0D108BD9-81ED-4DB2-BD59-A6C34878D82A}">
+                        <a16:rowId xmlns:a16="http://schemas.microsoft.com/office/drawing/2014/main" val="4150198490"/>
+                      </a:ext>
+                    </a:extLst>
+                  </a:tr>
+                  <a:tr h="200910">
+                    <a:tc>
+                      <a:txBody>
+                        <a:bodyPr/>
+                        <a:lstStyle/>
+                        <a:p>
+                          <a:pPr algn="ctr" fontAlgn="ctr"/>
+                          <a:r>
+                            <a:rPr lang="en-ID" sz="1100" u="none" strike="noStrike">
+                              <a:effectLst/>
+                            </a:rPr>
+                            <a:t>87 - 92</a:t>
+                          </a:r>
+                          <a:endParaRPr lang="en-ID" sz="1100" b="0" i="0" u="none" strike="noStrike">
+                            <a:solidFill>
+                              <a:srgbClr val="000000"/>
+                            </a:solidFill>
+                            <a:effectLst/>
+                            <a:latin typeface="Calibri" panose="020F0502020204030204" pitchFamily="34" charset="0"/>
+                          </a:endParaRPr>
+                        </a:p>
+                      </a:txBody>
+                      <a:tcPr marL="0" marR="0" marT="0" marB="0" anchor="ctr"/>
+                    </a:tc>
+                    <a:tc>
+                      <a:txBody>
+                        <a:bodyPr/>
+                        <a:lstStyle/>
+                        <a:p>
+                          <a:pPr algn="ctr" fontAlgn="ctr"/>
+                          <a:r>
+                            <a:rPr lang="en-ID" sz="1100" u="none" strike="noStrike">
+                              <a:effectLst/>
+                            </a:rPr>
+                            <a:t>15</a:t>
+                          </a:r>
+                          <a:endParaRPr lang="en-ID" sz="1100" b="0" i="0" u="none" strike="noStrike">
+                            <a:solidFill>
+                              <a:srgbClr val="000000"/>
+                            </a:solidFill>
+                            <a:effectLst/>
+                            <a:latin typeface="Calibri" panose="020F0502020204030204" pitchFamily="34" charset="0"/>
+                          </a:endParaRPr>
+                        </a:p>
+                      </a:txBody>
+                      <a:tcPr marL="0" marR="0" marT="0" marB="0" anchor="ctr"/>
+                    </a:tc>
+                    <a:tc>
+                      <a:txBody>
+                        <a:bodyPr/>
+                        <a:lstStyle/>
+                        <a:p>
+                          <a:pPr algn="ctr" fontAlgn="b"/>
+                          <a:r>
+                            <a:rPr lang="en-ID" sz="1100" u="none" strike="noStrike">
+                              <a:effectLst/>
+                            </a:rPr>
+                            <a:t>89,5</a:t>
+                          </a:r>
+                          <a:endParaRPr lang="en-ID" sz="1100" b="0" i="0" u="none" strike="noStrike">
+                            <a:solidFill>
+                              <a:srgbClr val="000000"/>
+                            </a:solidFill>
+                            <a:effectLst/>
+                            <a:latin typeface="Calibri" panose="020F0502020204030204" pitchFamily="34" charset="0"/>
+                          </a:endParaRPr>
+                        </a:p>
+                      </a:txBody>
+                      <a:tcPr marL="0" marR="0" marT="0" marB="0" anchor="ctr"/>
+                    </a:tc>
+                    <a:tc>
+                      <a:txBody>
+                        <a:bodyPr/>
+                        <a:lstStyle/>
+                        <a:p>
+                          <a:pPr algn="ctr" fontAlgn="b"/>
+                          <a:r>
+                            <a:rPr lang="en-ID" sz="1100" u="none" strike="noStrike" dirty="0">
+                              <a:effectLst/>
+                            </a:rPr>
+                            <a:t>1342,5</a:t>
+                          </a:r>
+                          <a:endParaRPr lang="en-ID" sz="1100" b="0" i="0" u="none" strike="noStrike" dirty="0">
+                            <a:solidFill>
+                              <a:srgbClr val="000000"/>
+                            </a:solidFill>
+                            <a:effectLst/>
+                            <a:latin typeface="Calibri" panose="020F0502020204030204" pitchFamily="34" charset="0"/>
+                          </a:endParaRPr>
+                        </a:p>
+                      </a:txBody>
+                      <a:tcPr marL="0" marR="0" marT="0" marB="0" anchor="ctr"/>
+                    </a:tc>
+                    <a:tc>
+                      <a:txBody>
+                        <a:bodyPr/>
+                        <a:lstStyle/>
+                        <a:p>
+                          <a:pPr algn="ctr" fontAlgn="b"/>
+                          <a:r>
+                            <a:rPr lang="en-ID" sz="1100" u="none" strike="noStrike" dirty="0">
+                              <a:effectLst/>
+                            </a:rPr>
+                            <a:t>89,5</a:t>
+                          </a:r>
+                          <a:endParaRPr lang="en-ID" sz="1100" b="0" i="0" u="none" strike="noStrike" dirty="0">
+                            <a:solidFill>
+                              <a:srgbClr val="000000"/>
+                            </a:solidFill>
+                            <a:effectLst/>
+                            <a:latin typeface="Calibri" panose="020F0502020204030204" pitchFamily="34" charset="0"/>
+                          </a:endParaRPr>
+                        </a:p>
+                      </a:txBody>
+                      <a:tcPr marL="0" marR="0" marT="0" marB="0" anchor="ctr"/>
+                    </a:tc>
+                    <a:extLst>
+                      <a:ext uri="{0D108BD9-81ED-4DB2-BD59-A6C34878D82A}">
+                        <a16:rowId xmlns:a16="http://schemas.microsoft.com/office/drawing/2014/main" val="2566846377"/>
+                      </a:ext>
+                    </a:extLst>
+                  </a:tr>
+                  <a:tr h="251138">
+                    <a:tc>
+                      <a:txBody>
+                        <a:bodyPr/>
+                        <a:lstStyle/>
+                        <a:p>
+                          <a:pPr algn="ctr" fontAlgn="ctr"/>
+                          <a:r>
+                            <a:rPr lang="en-ID" sz="1100" u="none" strike="noStrike">
+                              <a:effectLst/>
+                            </a:rPr>
+                            <a:t>93 - 98</a:t>
+                          </a:r>
+                          <a:endParaRPr lang="en-ID" sz="1100" b="0" i="0" u="none" strike="noStrike">
+                            <a:solidFill>
+                              <a:srgbClr val="000000"/>
+                            </a:solidFill>
+                            <a:effectLst/>
+                            <a:latin typeface="Calibri" panose="020F0502020204030204" pitchFamily="34" charset="0"/>
+                          </a:endParaRPr>
+                        </a:p>
+                      </a:txBody>
+                      <a:tcPr marL="0" marR="0" marT="0" marB="0" anchor="ctr"/>
+                    </a:tc>
+                    <a:tc>
+                      <a:txBody>
+                        <a:bodyPr/>
+                        <a:lstStyle/>
+                        <a:p>
+                          <a:pPr algn="ctr" fontAlgn="ctr"/>
+                          <a:r>
+                            <a:rPr lang="en-ID" sz="1100" u="none" strike="noStrike">
+                              <a:effectLst/>
+                            </a:rPr>
+                            <a:t>13</a:t>
+                          </a:r>
+                          <a:endParaRPr lang="en-ID" sz="1100" b="0" i="0" u="none" strike="noStrike">
+                            <a:solidFill>
+                              <a:srgbClr val="000000"/>
+                            </a:solidFill>
+                            <a:effectLst/>
+                            <a:latin typeface="Calibri" panose="020F0502020204030204" pitchFamily="34" charset="0"/>
+                          </a:endParaRPr>
+                        </a:p>
+                      </a:txBody>
+                      <a:tcPr marL="0" marR="0" marT="0" marB="0" anchor="ctr"/>
+                    </a:tc>
+                    <a:tc>
+                      <a:txBody>
+                        <a:bodyPr/>
+                        <a:lstStyle/>
+                        <a:p>
+                          <a:pPr algn="ctr" fontAlgn="b"/>
+                          <a:r>
+                            <a:rPr lang="en-ID" sz="1100" u="none" strike="noStrike">
+                              <a:effectLst/>
+                            </a:rPr>
+                            <a:t>95,5</a:t>
+                          </a:r>
+                          <a:endParaRPr lang="en-ID" sz="1100" b="0" i="0" u="none" strike="noStrike">
+                            <a:solidFill>
+                              <a:srgbClr val="000000"/>
+                            </a:solidFill>
+                            <a:effectLst/>
+                            <a:latin typeface="Calibri" panose="020F0502020204030204" pitchFamily="34" charset="0"/>
+                          </a:endParaRPr>
+                        </a:p>
+                      </a:txBody>
+                      <a:tcPr marL="0" marR="0" marT="0" marB="0" anchor="ctr"/>
+                    </a:tc>
+                    <a:tc>
+                      <a:txBody>
+                        <a:bodyPr/>
+                        <a:lstStyle/>
+                        <a:p>
+                          <a:pPr algn="ctr" fontAlgn="b"/>
+                          <a:r>
+                            <a:rPr lang="en-ID" sz="1100" u="none" strike="noStrike">
+                              <a:effectLst/>
+                            </a:rPr>
+                            <a:t>1241,5</a:t>
+                          </a:r>
+                          <a:endParaRPr lang="en-ID" sz="1100" b="0" i="0" u="none" strike="noStrike">
+                            <a:solidFill>
+                              <a:srgbClr val="000000"/>
+                            </a:solidFill>
+                            <a:effectLst/>
+                            <a:latin typeface="Calibri" panose="020F0502020204030204" pitchFamily="34" charset="0"/>
+                          </a:endParaRPr>
+                        </a:p>
+                      </a:txBody>
+                      <a:tcPr marL="0" marR="0" marT="0" marB="0" anchor="ctr"/>
+                    </a:tc>
+                    <a:tc>
+                      <a:txBody>
+                        <a:bodyPr/>
+                        <a:lstStyle/>
+                        <a:p>
+                          <a:pPr algn="ctr" fontAlgn="b"/>
+                          <a:r>
+                            <a:rPr lang="en-ID" sz="1100" u="none" strike="noStrike" dirty="0">
+                              <a:effectLst/>
+                            </a:rPr>
+                            <a:t>95,5</a:t>
+                          </a:r>
+                          <a:endParaRPr lang="en-ID" sz="1100" b="0" i="0" u="none" strike="noStrike" dirty="0">
+                            <a:solidFill>
+                              <a:srgbClr val="000000"/>
+                            </a:solidFill>
+                            <a:effectLst/>
+                            <a:latin typeface="Calibri" panose="020F0502020204030204" pitchFamily="34" charset="0"/>
+                          </a:endParaRPr>
+                        </a:p>
+                      </a:txBody>
+                      <a:tcPr marL="0" marR="0" marT="0" marB="0" anchor="ctr"/>
+                    </a:tc>
+                    <a:extLst>
+                      <a:ext uri="{0D108BD9-81ED-4DB2-BD59-A6C34878D82A}">
+                        <a16:rowId xmlns:a16="http://schemas.microsoft.com/office/drawing/2014/main" val="3999945485"/>
+                      </a:ext>
+                    </a:extLst>
+                  </a:tr>
+                  <a:tr h="200910">
+                    <a:tc>
+                      <a:txBody>
+                        <a:bodyPr/>
+                        <a:lstStyle/>
+                        <a:p>
+                          <a:pPr algn="ctr" fontAlgn="ctr"/>
+                          <a:r>
+                            <a:rPr lang="en-ID" sz="1100" u="none" strike="noStrike">
+                              <a:effectLst/>
+                            </a:rPr>
+                            <a:t>Jumlah</a:t>
+                          </a:r>
+                          <a:endParaRPr lang="en-ID" sz="1100" b="0" i="0" u="none" strike="noStrike">
+                            <a:solidFill>
+                              <a:srgbClr val="000000"/>
+                            </a:solidFill>
+                            <a:effectLst/>
+                            <a:latin typeface="Calibri" panose="020F0502020204030204" pitchFamily="34" charset="0"/>
+                          </a:endParaRPr>
+                        </a:p>
+                      </a:txBody>
+                      <a:tcPr marL="0" marR="0" marT="0" marB="0" anchor="ctr"/>
+                    </a:tc>
+                    <a:tc>
+                      <a:txBody>
+                        <a:bodyPr/>
+                        <a:lstStyle/>
+                        <a:p>
+                          <a:pPr algn="ctr" fontAlgn="ctr"/>
+                          <a:r>
+                            <a:rPr lang="en-ID" sz="1100" u="none" strike="noStrike">
+                              <a:effectLst/>
+                            </a:rPr>
+                            <a:t>50</a:t>
+                          </a:r>
+                          <a:endParaRPr lang="en-ID" sz="1100" b="0" i="0" u="none" strike="noStrike">
+                            <a:solidFill>
+                              <a:srgbClr val="000000"/>
+                            </a:solidFill>
+                            <a:effectLst/>
+                            <a:latin typeface="Calibri" panose="020F0502020204030204" pitchFamily="34" charset="0"/>
+                          </a:endParaRPr>
+                        </a:p>
+                      </a:txBody>
+                      <a:tcPr marL="0" marR="0" marT="0" marB="0" anchor="ctr"/>
+                    </a:tc>
+                    <a:tc>
+                      <a:txBody>
+                        <a:bodyPr/>
+                        <a:lstStyle/>
+                        <a:p>
+                          <a:pPr algn="ctr" fontAlgn="b"/>
+                          <a:r>
+                            <a:rPr lang="en-ID" sz="1100" u="none" strike="noStrike">
+                              <a:effectLst/>
+                            </a:rPr>
+                            <a:t> </a:t>
+                          </a:r>
+                          <a:endParaRPr lang="en-ID" sz="1100" b="0" i="0" u="none" strike="noStrike">
+                            <a:solidFill>
+                              <a:srgbClr val="000000"/>
+                            </a:solidFill>
+                            <a:effectLst/>
+                            <a:latin typeface="Calibri" panose="020F0502020204030204" pitchFamily="34" charset="0"/>
+                          </a:endParaRPr>
+                        </a:p>
+                      </a:txBody>
+                      <a:tcPr marL="0" marR="0" marT="0" marB="0" anchor="ctr"/>
+                    </a:tc>
+                    <a:tc>
+                      <a:txBody>
+                        <a:bodyPr/>
+                        <a:lstStyle/>
+                        <a:p>
+                          <a:pPr algn="ctr" fontAlgn="b"/>
+                          <a:r>
+                            <a:rPr lang="en-ID" sz="1100" u="none" strike="noStrike">
+                              <a:effectLst/>
+                            </a:rPr>
+                            <a:t>4265</a:t>
+                          </a:r>
+                          <a:endParaRPr lang="en-ID" sz="1100" b="0" i="0" u="none" strike="noStrike">
+                            <a:solidFill>
+                              <a:srgbClr val="000000"/>
+                            </a:solidFill>
+                            <a:effectLst/>
+                            <a:latin typeface="Calibri" panose="020F0502020204030204" pitchFamily="34" charset="0"/>
+                          </a:endParaRPr>
+                        </a:p>
+                      </a:txBody>
+                      <a:tcPr marL="0" marR="0" marT="0" marB="0" anchor="ctr"/>
+                    </a:tc>
+                    <a:tc>
+                      <a:txBody>
+                        <a:bodyPr/>
+                        <a:lstStyle/>
+                        <a:p>
+                          <a:pPr algn="ctr" fontAlgn="b"/>
+                          <a:r>
+                            <a:rPr lang="en-ID" sz="1100" u="none" strike="noStrike" dirty="0">
+                              <a:effectLst/>
+                            </a:rPr>
+                            <a:t>542,5</a:t>
+                          </a:r>
+                          <a:endParaRPr lang="en-ID" sz="1100" b="0" i="0" u="none" strike="noStrike" dirty="0">
+                            <a:solidFill>
+                              <a:srgbClr val="000000"/>
+                            </a:solidFill>
+                            <a:effectLst/>
+                            <a:latin typeface="Calibri" panose="020F0502020204030204" pitchFamily="34" charset="0"/>
+                          </a:endParaRPr>
+                        </a:p>
+                      </a:txBody>
+                      <a:tcPr marL="0" marR="0" marT="0" marB="0" anchor="ctr"/>
+                    </a:tc>
+                    <a:extLst>
+                      <a:ext uri="{0D108BD9-81ED-4DB2-BD59-A6C34878D82A}">
+                        <a16:rowId xmlns:a16="http://schemas.microsoft.com/office/drawing/2014/main" val="2135165318"/>
+                      </a:ext>
+                    </a:extLst>
+                  </a:tr>
+                </a:tbl>
+              </a:graphicData>
+            </a:graphic>
+          </p:graphicFrame>
+        </mc:Fallback>
+      </mc:AlternateContent>
+      <p:sp>
+        <p:nvSpPr>
+          <p:cNvPr id="13" name="TextBox 12">
+            <a:extLst>
+              <a:ext uri="{FF2B5EF4-FFF2-40B4-BE49-F238E27FC236}">
+                <a16:creationId xmlns:a16="http://schemas.microsoft.com/office/drawing/2014/main" id="{A507C184-9943-423D-B64D-ADF121236F5D}"/>
+              </a:ext>
+            </a:extLst>
+          </p:cNvPr>
+          <p:cNvSpPr txBox="1"/>
+          <p:nvPr/>
+        </p:nvSpPr>
+        <p:spPr>
+          <a:xfrm>
+            <a:off x="4508946" y="2208786"/>
+            <a:ext cx="2232248" cy="369332"/>
+          </a:xfrm>
+          <a:prstGeom prst="rect">
+            <a:avLst/>
+          </a:prstGeom>
+          <a:noFill/>
+        </p:spPr>
+        <p:txBody>
+          <a:bodyPr wrap="square" rtlCol="0">
+            <a:spAutoFit/>
+          </a:bodyPr>
+          <a:lstStyle/>
+          <a:p>
+            <a:r>
+              <a:rPr lang="en-ID" dirty="0"/>
+              <a:t>S</a:t>
+            </a:r>
+            <a:r>
+              <a:rPr lang="en-ID" baseline="30000" dirty="0"/>
+              <a:t>2 </a:t>
+            </a:r>
+            <a:r>
+              <a:rPr lang="en-ID" dirty="0"/>
+              <a:t> = 300312,5 </a:t>
+            </a:r>
+          </a:p>
+        </p:txBody>
+      </p:sp>
+      <mc:AlternateContent xmlns:mc="http://schemas.openxmlformats.org/markup-compatibility/2006" xmlns:a14="http://schemas.microsoft.com/office/drawing/2010/main">
+        <mc:Choice Requires="a14">
+          <p:sp>
+            <p:nvSpPr>
+              <p:cNvPr id="7" name="TextBox 3">
+                <a:extLst>
+                  <a:ext uri="{FF2B5EF4-FFF2-40B4-BE49-F238E27FC236}">
+                    <a16:creationId xmlns:a16="http://schemas.microsoft.com/office/drawing/2014/main" id="{00000000-0008-0000-0400-000004000000}"/>
+                  </a:ext>
+                </a:extLst>
+              </p:cNvPr>
+              <p:cNvSpPr txBox="1"/>
+              <p:nvPr/>
+            </p:nvSpPr>
+            <p:spPr>
+              <a:xfrm>
+                <a:off x="4590331" y="2571750"/>
+                <a:ext cx="864096" cy="278410"/>
+              </a:xfrm>
+              <a:prstGeom prst="rect">
+                <a:avLst/>
+              </a:prstGeom>
+              <a:noFill/>
+            </p:spPr>
+            <p:style>
+              <a:lnRef idx="0">
+                <a:scrgbClr r="0" g="0" b="0"/>
+              </a:lnRef>
+              <a:fillRef idx="0">
+                <a:scrgbClr r="0" g="0" b="0"/>
+              </a:fillRef>
+              <a:effectRef idx="0">
+                <a:scrgbClr r="0" g="0" b="0"/>
+              </a:effectRef>
+              <a:fontRef idx="minor">
+                <a:schemeClr val="tx1"/>
+              </a:fontRef>
+            </p:style>
+            <p:txBody>
+              <a:bodyPr wrap="square" lIns="0" tIns="0" rIns="0" bIns="0" rtlCol="0" anchor="t">
+                <a:spAutoFit/>
+              </a:bodyPr>
+              <a:lstStyle>
+                <a:lvl1pPr marL="0" indent="0">
+                  <a:defRPr sz="1100">
+                    <a:solidFill>
+                      <a:schemeClr val="tx1"/>
+                    </a:solidFill>
+                    <a:latin typeface="+mn-lt"/>
+                    <a:ea typeface="+mn-ea"/>
+                    <a:cs typeface="+mn-cs"/>
+                  </a:defRPr>
+                </a:lvl1pPr>
+                <a:lvl2pPr marL="457200" indent="0">
+                  <a:defRPr sz="1100">
+                    <a:solidFill>
+                      <a:schemeClr val="tx1"/>
+                    </a:solidFill>
+                    <a:latin typeface="+mn-lt"/>
+                    <a:ea typeface="+mn-ea"/>
+                    <a:cs typeface="+mn-cs"/>
+                  </a:defRPr>
+                </a:lvl2pPr>
+                <a:lvl3pPr marL="914400" indent="0">
+                  <a:defRPr sz="1100">
+                    <a:solidFill>
+                      <a:schemeClr val="tx1"/>
+                    </a:solidFill>
+                    <a:latin typeface="+mn-lt"/>
+                    <a:ea typeface="+mn-ea"/>
+                    <a:cs typeface="+mn-cs"/>
+                  </a:defRPr>
+                </a:lvl3pPr>
+                <a:lvl4pPr marL="1371600" indent="0">
+                  <a:defRPr sz="1100">
+                    <a:solidFill>
+                      <a:schemeClr val="tx1"/>
+                    </a:solidFill>
+                    <a:latin typeface="+mn-lt"/>
+                    <a:ea typeface="+mn-ea"/>
+                    <a:cs typeface="+mn-cs"/>
+                  </a:defRPr>
+                </a:lvl4pPr>
+                <a:lvl5pPr marL="1828800" indent="0">
+                  <a:defRPr sz="1100">
+                    <a:solidFill>
+                      <a:schemeClr val="tx1"/>
+                    </a:solidFill>
+                    <a:latin typeface="+mn-lt"/>
+                    <a:ea typeface="+mn-ea"/>
+                    <a:cs typeface="+mn-cs"/>
+                  </a:defRPr>
+                </a:lvl5pPr>
+                <a:lvl6pPr marL="2286000" indent="0">
+                  <a:defRPr sz="1100">
+                    <a:solidFill>
+                      <a:schemeClr val="tx1"/>
+                    </a:solidFill>
+                    <a:latin typeface="+mn-lt"/>
+                    <a:ea typeface="+mn-ea"/>
+                    <a:cs typeface="+mn-cs"/>
+                  </a:defRPr>
+                </a:lvl6pPr>
+                <a:lvl7pPr marL="2743200" indent="0">
+                  <a:defRPr sz="1100">
+                    <a:solidFill>
+                      <a:schemeClr val="tx1"/>
+                    </a:solidFill>
+                    <a:latin typeface="+mn-lt"/>
+                    <a:ea typeface="+mn-ea"/>
+                    <a:cs typeface="+mn-cs"/>
+                  </a:defRPr>
+                </a:lvl7pPr>
+                <a:lvl8pPr marL="3200400" indent="0">
+                  <a:defRPr sz="1100">
+                    <a:solidFill>
+                      <a:schemeClr val="tx1"/>
+                    </a:solidFill>
+                    <a:latin typeface="+mn-lt"/>
+                    <a:ea typeface="+mn-ea"/>
+                    <a:cs typeface="+mn-cs"/>
+                  </a:defRPr>
+                </a:lvl8pPr>
+                <a:lvl9pPr marL="3657600" indent="0">
+                  <a:defRPr sz="1100">
+                    <a:solidFill>
+                      <a:schemeClr val="tx1"/>
+                    </a:solidFill>
+                    <a:latin typeface="+mn-lt"/>
+                    <a:ea typeface="+mn-ea"/>
+                    <a:cs typeface="+mn-cs"/>
+                  </a:defRPr>
+                </a:lvl9pPr>
+              </a:lstStyle>
+              <a:p>
+                <a:r>
+                  <a:rPr lang="en-ID" sz="1600" dirty="0"/>
+                  <a:t>S</a:t>
+                </a:r>
+                <a:r>
+                  <a:rPr lang="en-US" sz="1600" dirty="0"/>
+                  <a:t> = </a:t>
+                </a:r>
+                <a14:m>
+                  <m:oMath xmlns:m="http://schemas.openxmlformats.org/officeDocument/2006/math">
+                    <m:rad>
+                      <m:radPr>
+                        <m:degHide m:val="on"/>
+                        <m:ctrlPr>
+                          <a:rPr lang="en-US" sz="1600" i="1">
+                            <a:latin typeface="Cambria Math" panose="02040503050406030204" pitchFamily="18" charset="0"/>
+                          </a:rPr>
+                        </m:ctrlPr>
+                      </m:radPr>
+                      <m:deg/>
+                      <m:e>
+                        <m:sSup>
+                          <m:sSupPr>
+                            <m:ctrlPr>
+                              <a:rPr lang="en-US" sz="1600" i="1">
+                                <a:latin typeface="Cambria Math" panose="02040503050406030204" pitchFamily="18" charset="0"/>
+                              </a:rPr>
+                            </m:ctrlPr>
+                          </m:sSupPr>
+                          <m:e>
+                            <m:r>
+                              <a:rPr lang="en-US" sz="1600" i="1">
+                                <a:latin typeface="Cambria Math" panose="02040503050406030204" pitchFamily="18" charset="0"/>
+                              </a:rPr>
+                              <m:t>𝑠</m:t>
+                            </m:r>
+                          </m:e>
+                          <m:sup>
+                            <m:r>
+                              <a:rPr lang="en-US" sz="1600" i="0">
+                                <a:latin typeface="Cambria Math" panose="02040503050406030204" pitchFamily="18" charset="0"/>
+                              </a:rPr>
+                              <m:t>2</m:t>
+                            </m:r>
+                          </m:sup>
+                        </m:sSup>
+                      </m:e>
+                    </m:rad>
+                  </m:oMath>
+                </a14:m>
+                <a:endParaRPr lang="en-US" sz="1100" dirty="0"/>
+              </a:p>
+            </p:txBody>
+          </p:sp>
+        </mc:Choice>
+        <mc:Fallback xmlns="">
+          <p:sp>
+            <p:nvSpPr>
+              <p:cNvPr id="7" name="TextBox 3">
+                <a:extLst>
+                  <a:ext uri="{FF2B5EF4-FFF2-40B4-BE49-F238E27FC236}">
+                    <a16:creationId xmlns:a16="http://schemas.microsoft.com/office/drawing/2014/main" id="{00000000-0008-0000-0400-000004000000}"/>
+                  </a:ext>
+                </a:extLst>
+              </p:cNvPr>
+              <p:cNvSpPr txBox="1">
+                <a:spLocks noRot="1" noChangeAspect="1" noMove="1" noResize="1" noEditPoints="1" noAdjustHandles="1" noChangeArrowheads="1" noChangeShapeType="1" noTextEdit="1"/>
+              </p:cNvSpPr>
+              <p:nvPr/>
+            </p:nvSpPr>
+            <p:spPr>
+              <a:xfrm>
+                <a:off x="4590331" y="2571750"/>
+                <a:ext cx="864096" cy="278410"/>
+              </a:xfrm>
+              <a:prstGeom prst="rect">
+                <a:avLst/>
+              </a:prstGeom>
+              <a:blipFill>
+                <a:blip r:embed="rId4"/>
+                <a:stretch>
+                  <a:fillRect l="-14085" t="-10870" b="-43478"/>
+                </a:stretch>
+              </a:blipFill>
+            </p:spPr>
+            <p:txBody>
+              <a:bodyPr/>
+              <a:lstStyle/>
+              <a:p>
+                <a:r>
+                  <a:rPr lang="en-ID">
+                    <a:noFill/>
+                  </a:rPr>
+                  <a:t> </a:t>
+                </a:r>
+              </a:p>
+            </p:txBody>
+          </p:sp>
+        </mc:Fallback>
+      </mc:AlternateContent>
+      <mc:AlternateContent xmlns:mc="http://schemas.openxmlformats.org/markup-compatibility/2006" xmlns:a14="http://schemas.microsoft.com/office/drawing/2010/main">
+        <mc:Choice Requires="a14">
+          <p:sp>
+            <p:nvSpPr>
+              <p:cNvPr id="8" name="TextBox 4">
+                <a:extLst>
+                  <a:ext uri="{FF2B5EF4-FFF2-40B4-BE49-F238E27FC236}">
+                    <a16:creationId xmlns:a16="http://schemas.microsoft.com/office/drawing/2014/main" id="{00000000-0008-0000-0400-000005000000}"/>
+                  </a:ext>
+                </a:extLst>
+              </p:cNvPr>
+              <p:cNvSpPr txBox="1"/>
+              <p:nvPr/>
+            </p:nvSpPr>
+            <p:spPr>
+              <a:xfrm>
+                <a:off x="4603823" y="2873069"/>
+                <a:ext cx="1362681" cy="298159"/>
+              </a:xfrm>
+              <a:prstGeom prst="rect">
+                <a:avLst/>
+              </a:prstGeom>
+              <a:noFill/>
+            </p:spPr>
+            <p:style>
+              <a:lnRef idx="0">
+                <a:scrgbClr r="0" g="0" b="0"/>
+              </a:lnRef>
+              <a:fillRef idx="0">
+                <a:scrgbClr r="0" g="0" b="0"/>
+              </a:fillRef>
+              <a:effectRef idx="0">
+                <a:scrgbClr r="0" g="0" b="0"/>
+              </a:effectRef>
+              <a:fontRef idx="minor">
+                <a:schemeClr val="tx1"/>
+              </a:fontRef>
+            </p:style>
+            <p:txBody>
+              <a:bodyPr wrap="none" lIns="0" tIns="0" rIns="0" bIns="0" rtlCol="0" anchor="t">
+                <a:spAutoFit/>
+              </a:bodyPr>
+              <a:lstStyle>
+                <a:lvl1pPr marL="0" indent="0">
+                  <a:defRPr sz="1100">
+                    <a:solidFill>
+                      <a:schemeClr val="tx1"/>
+                    </a:solidFill>
+                    <a:latin typeface="+mn-lt"/>
+                    <a:ea typeface="+mn-ea"/>
+                    <a:cs typeface="+mn-cs"/>
+                  </a:defRPr>
+                </a:lvl1pPr>
+                <a:lvl2pPr marL="457200" indent="0">
+                  <a:defRPr sz="1100">
+                    <a:solidFill>
+                      <a:schemeClr val="tx1"/>
+                    </a:solidFill>
+                    <a:latin typeface="+mn-lt"/>
+                    <a:ea typeface="+mn-ea"/>
+                    <a:cs typeface="+mn-cs"/>
+                  </a:defRPr>
+                </a:lvl2pPr>
+                <a:lvl3pPr marL="914400" indent="0">
+                  <a:defRPr sz="1100">
+                    <a:solidFill>
+                      <a:schemeClr val="tx1"/>
+                    </a:solidFill>
+                    <a:latin typeface="+mn-lt"/>
+                    <a:ea typeface="+mn-ea"/>
+                    <a:cs typeface="+mn-cs"/>
+                  </a:defRPr>
+                </a:lvl3pPr>
+                <a:lvl4pPr marL="1371600" indent="0">
+                  <a:defRPr sz="1100">
+                    <a:solidFill>
+                      <a:schemeClr val="tx1"/>
+                    </a:solidFill>
+                    <a:latin typeface="+mn-lt"/>
+                    <a:ea typeface="+mn-ea"/>
+                    <a:cs typeface="+mn-cs"/>
+                  </a:defRPr>
+                </a:lvl4pPr>
+                <a:lvl5pPr marL="1828800" indent="0">
+                  <a:defRPr sz="1100">
+                    <a:solidFill>
+                      <a:schemeClr val="tx1"/>
+                    </a:solidFill>
+                    <a:latin typeface="+mn-lt"/>
+                    <a:ea typeface="+mn-ea"/>
+                    <a:cs typeface="+mn-cs"/>
+                  </a:defRPr>
+                </a:lvl5pPr>
+                <a:lvl6pPr marL="2286000" indent="0">
+                  <a:defRPr sz="1100">
+                    <a:solidFill>
+                      <a:schemeClr val="tx1"/>
+                    </a:solidFill>
+                    <a:latin typeface="+mn-lt"/>
+                    <a:ea typeface="+mn-ea"/>
+                    <a:cs typeface="+mn-cs"/>
+                  </a:defRPr>
+                </a:lvl6pPr>
+                <a:lvl7pPr marL="2743200" indent="0">
+                  <a:defRPr sz="1100">
+                    <a:solidFill>
+                      <a:schemeClr val="tx1"/>
+                    </a:solidFill>
+                    <a:latin typeface="+mn-lt"/>
+                    <a:ea typeface="+mn-ea"/>
+                    <a:cs typeface="+mn-cs"/>
+                  </a:defRPr>
+                </a:lvl7pPr>
+                <a:lvl8pPr marL="3200400" indent="0">
+                  <a:defRPr sz="1100">
+                    <a:solidFill>
+                      <a:schemeClr val="tx1"/>
+                    </a:solidFill>
+                    <a:latin typeface="+mn-lt"/>
+                    <a:ea typeface="+mn-ea"/>
+                    <a:cs typeface="+mn-cs"/>
+                  </a:defRPr>
+                </a:lvl8pPr>
+                <a:lvl9pPr marL="3657600" indent="0">
+                  <a:defRPr sz="1100">
+                    <a:solidFill>
+                      <a:schemeClr val="tx1"/>
+                    </a:solidFill>
+                    <a:latin typeface="+mn-lt"/>
+                    <a:ea typeface="+mn-ea"/>
+                    <a:cs typeface="+mn-cs"/>
+                  </a:defRPr>
+                </a:lvl9pPr>
+              </a:lstStyle>
+              <a:p>
+                <a:r>
+                  <a:rPr lang="en-US" sz="1600" dirty="0"/>
+                  <a:t>S = </a:t>
+                </a:r>
+                <a14:m>
+                  <m:oMath xmlns:m="http://schemas.openxmlformats.org/officeDocument/2006/math">
+                    <m:rad>
+                      <m:radPr>
+                        <m:degHide m:val="on"/>
+                        <m:ctrlPr>
+                          <a:rPr lang="en-US" sz="1600" i="1">
+                            <a:latin typeface="Cambria Math" panose="02040503050406030204" pitchFamily="18" charset="0"/>
+                          </a:rPr>
+                        </m:ctrlPr>
+                      </m:radPr>
+                      <m:deg/>
+                      <m:e>
+                        <m:r>
+                          <a:rPr lang="en-US" sz="1600">
+                            <a:latin typeface="Cambria Math" panose="02040503050406030204" pitchFamily="18" charset="0"/>
+                          </a:rPr>
+                          <m:t>300312,5</m:t>
+                        </m:r>
+                      </m:e>
+                    </m:rad>
+                  </m:oMath>
+                </a14:m>
+                <a:endParaRPr lang="en-US" sz="1100" dirty="0"/>
+              </a:p>
+            </p:txBody>
+          </p:sp>
+        </mc:Choice>
+        <mc:Fallback xmlns="">
+          <p:sp>
+            <p:nvSpPr>
+              <p:cNvPr id="8" name="TextBox 4">
+                <a:extLst>
+                  <a:ext uri="{FF2B5EF4-FFF2-40B4-BE49-F238E27FC236}">
+                    <a16:creationId xmlns:a16="http://schemas.microsoft.com/office/drawing/2014/main" id="{00000000-0008-0000-0400-000005000000}"/>
+                  </a:ext>
+                </a:extLst>
+              </p:cNvPr>
+              <p:cNvSpPr txBox="1">
+                <a:spLocks noRot="1" noChangeAspect="1" noMove="1" noResize="1" noEditPoints="1" noAdjustHandles="1" noChangeArrowheads="1" noChangeShapeType="1" noTextEdit="1"/>
+              </p:cNvSpPr>
+              <p:nvPr/>
+            </p:nvSpPr>
+            <p:spPr>
+              <a:xfrm>
+                <a:off x="4603823" y="2873069"/>
+                <a:ext cx="1362681" cy="298159"/>
+              </a:xfrm>
+              <a:prstGeom prst="rect">
+                <a:avLst/>
+              </a:prstGeom>
+              <a:blipFill>
+                <a:blip r:embed="rId5"/>
+                <a:stretch>
+                  <a:fillRect l="-8929" t="-6122" r="-4018" b="-38776"/>
+                </a:stretch>
+              </a:blipFill>
+            </p:spPr>
+            <p:txBody>
+              <a:bodyPr/>
+              <a:lstStyle/>
+              <a:p>
+                <a:r>
+                  <a:rPr lang="en-ID">
+                    <a:noFill/>
+                  </a:rPr>
+                  <a:t> </a:t>
+                </a:r>
+              </a:p>
+            </p:txBody>
+          </p:sp>
+        </mc:Fallback>
+      </mc:AlternateContent>
+      <p:sp>
+        <p:nvSpPr>
+          <p:cNvPr id="10" name="TextBox 5">
+            <a:extLst>
+              <a:ext uri="{FF2B5EF4-FFF2-40B4-BE49-F238E27FC236}">
+                <a16:creationId xmlns:a16="http://schemas.microsoft.com/office/drawing/2014/main" id="{00000000-0008-0000-0400-000006000000}"/>
+              </a:ext>
+            </a:extLst>
+          </p:cNvPr>
+          <p:cNvSpPr txBox="1"/>
+          <p:nvPr/>
+        </p:nvSpPr>
+        <p:spPr>
+          <a:xfrm>
+            <a:off x="4603823" y="3255805"/>
+            <a:ext cx="1453924" cy="246221"/>
+          </a:xfrm>
+          <a:prstGeom prst="rect">
+            <a:avLst/>
+          </a:prstGeom>
+          <a:noFill/>
+        </p:spPr>
+        <p:style>
+          <a:lnRef idx="0">
+            <a:scrgbClr r="0" g="0" b="0"/>
+          </a:lnRef>
+          <a:fillRef idx="0">
+            <a:scrgbClr r="0" g="0" b="0"/>
+          </a:fillRef>
+          <a:effectRef idx="0">
+            <a:scrgbClr r="0" g="0" b="0"/>
+          </a:effectRef>
+          <a:fontRef idx="minor">
+            <a:schemeClr val="tx1"/>
+          </a:fontRef>
+        </p:style>
+        <p:txBody>
+          <a:bodyPr wrap="none" lIns="0" tIns="0" rIns="0" bIns="0" rtlCol="0" anchor="t">
+            <a:spAutoFit/>
+          </a:bodyPr>
+          <a:lstStyle>
+            <a:lvl1pPr marL="0" indent="0">
+              <a:defRPr sz="1100">
+                <a:solidFill>
+                  <a:schemeClr val="tx1"/>
+                </a:solidFill>
+                <a:latin typeface="+mn-lt"/>
+                <a:ea typeface="+mn-ea"/>
+                <a:cs typeface="+mn-cs"/>
+              </a:defRPr>
+            </a:lvl1pPr>
+            <a:lvl2pPr marL="457200" indent="0">
+              <a:defRPr sz="1100">
+                <a:solidFill>
+                  <a:schemeClr val="tx1"/>
+                </a:solidFill>
+                <a:latin typeface="+mn-lt"/>
+                <a:ea typeface="+mn-ea"/>
+                <a:cs typeface="+mn-cs"/>
+              </a:defRPr>
+            </a:lvl2pPr>
+            <a:lvl3pPr marL="914400" indent="0">
+              <a:defRPr sz="1100">
+                <a:solidFill>
+                  <a:schemeClr val="tx1"/>
+                </a:solidFill>
+                <a:latin typeface="+mn-lt"/>
+                <a:ea typeface="+mn-ea"/>
+                <a:cs typeface="+mn-cs"/>
+              </a:defRPr>
+            </a:lvl3pPr>
+            <a:lvl4pPr marL="1371600" indent="0">
+              <a:defRPr sz="1100">
+                <a:solidFill>
+                  <a:schemeClr val="tx1"/>
+                </a:solidFill>
+                <a:latin typeface="+mn-lt"/>
+                <a:ea typeface="+mn-ea"/>
+                <a:cs typeface="+mn-cs"/>
+              </a:defRPr>
+            </a:lvl4pPr>
+            <a:lvl5pPr marL="1828800" indent="0">
+              <a:defRPr sz="1100">
+                <a:solidFill>
+                  <a:schemeClr val="tx1"/>
+                </a:solidFill>
+                <a:latin typeface="+mn-lt"/>
+                <a:ea typeface="+mn-ea"/>
+                <a:cs typeface="+mn-cs"/>
+              </a:defRPr>
+            </a:lvl5pPr>
+            <a:lvl6pPr marL="2286000" indent="0">
+              <a:defRPr sz="1100">
+                <a:solidFill>
+                  <a:schemeClr val="tx1"/>
+                </a:solidFill>
+                <a:latin typeface="+mn-lt"/>
+                <a:ea typeface="+mn-ea"/>
+                <a:cs typeface="+mn-cs"/>
+              </a:defRPr>
+            </a:lvl6pPr>
+            <a:lvl7pPr marL="2743200" indent="0">
+              <a:defRPr sz="1100">
+                <a:solidFill>
+                  <a:schemeClr val="tx1"/>
+                </a:solidFill>
+                <a:latin typeface="+mn-lt"/>
+                <a:ea typeface="+mn-ea"/>
+                <a:cs typeface="+mn-cs"/>
+              </a:defRPr>
+            </a:lvl7pPr>
+            <a:lvl8pPr marL="3200400" indent="0">
+              <a:defRPr sz="1100">
+                <a:solidFill>
+                  <a:schemeClr val="tx1"/>
+                </a:solidFill>
+                <a:latin typeface="+mn-lt"/>
+                <a:ea typeface="+mn-ea"/>
+                <a:cs typeface="+mn-cs"/>
+              </a:defRPr>
+            </a:lvl8pPr>
+            <a:lvl9pPr marL="3657600" indent="0">
+              <a:defRPr sz="1100">
+                <a:solidFill>
+                  <a:schemeClr val="tx1"/>
+                </a:solidFill>
+                <a:latin typeface="+mn-lt"/>
+                <a:ea typeface="+mn-ea"/>
+                <a:cs typeface="+mn-cs"/>
+              </a:defRPr>
+            </a:lvl9pPr>
+          </a:lstStyle>
+          <a:p>
+            <a:r>
+              <a:rPr lang="en-US" sz="1600" dirty="0"/>
+              <a:t>S = 548.007755</a:t>
+            </a:r>
+            <a:endParaRPr lang="en-US" sz="1100" dirty="0"/>
+          </a:p>
+        </p:txBody>
+      </p:sp>
+    </p:spTree>
+    <p:extLst>
+      <p:ext uri="{BB962C8B-B14F-4D97-AF65-F5344CB8AC3E}">
+        <p14:creationId xmlns:p14="http://schemas.microsoft.com/office/powerpoint/2010/main" val="3289808560"/>
+      </p:ext>
+    </p:extLst>
+  </p:cSld>
+  <p:clrMapOvr>
+    <a:masterClrMapping/>
+  </p:clrMapOvr>
+  <mc:AlternateContent xmlns:mc="http://schemas.openxmlformats.org/markup-compatibility/2006">
+    <mc:Choice xmlns:p14="http://schemas.microsoft.com/office/powerpoint/2010/main" Requires="p14">
+      <p:transition spd="slow" p14:dur="1300">
+        <p14:pan dir="u"/>
+      </p:transition>
+    </mc:Choice>
+    <mc:Fallback>
+      <p:transition spd="slow">
+        <p:fade/>
+      </p:transition>
+    </mc:Fallback>
+  </mc:AlternateContent>
+</p:sld>
+</file>
+
+<file path=ppt/slides/slide21.xml><?xml version="1.0" encoding="utf-8"?>
+<p:sld xmlns:a="http://schemas.openxmlformats.org/drawingml/2006/main" xmlns:r="http://schemas.openxmlformats.org/officeDocument/2006/relationships" xmlns:p="http://schemas.openxmlformats.org/presentationml/2006/main">
+  <p:cSld>
+    <p:spTree>
+      <p:nvGrpSpPr>
+        <p:cNvPr id="1" name=""/>
+        <p:cNvGrpSpPr/>
+        <p:nvPr/>
+      </p:nvGrpSpPr>
+      <p:grpSpPr>
+        <a:xfrm>
+          <a:off x="0" y="0"/>
+          <a:ext cx="0" cy="0"/>
+          <a:chOff x="0" y="0"/>
+          <a:chExt cx="0" cy="0"/>
+        </a:xfrm>
+      </p:grpSpPr>
+      <p:sp>
+        <p:nvSpPr>
+          <p:cNvPr id="2" name="Text Placeholder 1">
+            <a:extLst>
+              <a:ext uri="{FF2B5EF4-FFF2-40B4-BE49-F238E27FC236}">
+                <a16:creationId xmlns:a16="http://schemas.microsoft.com/office/drawing/2014/main" id="{0473AE43-C7F9-4584-A8DD-E832B858E4DA}"/>
+              </a:ext>
+            </a:extLst>
+          </p:cNvPr>
+          <p:cNvSpPr>
+            <a:spLocks noGrp="1"/>
+          </p:cNvSpPr>
+          <p:nvPr>
+            <p:ph type="body" sz="quarter" idx="10"/>
+          </p:nvPr>
+        </p:nvSpPr>
+        <p:spPr/>
+        <p:txBody>
+          <a:bodyPr/>
+          <a:lstStyle/>
+          <a:p>
+            <a:r>
+              <a:rPr lang="en-ID" dirty="0" err="1"/>
+              <a:t>Studi</a:t>
+            </a:r>
+            <a:r>
+              <a:rPr lang="en-ID" dirty="0"/>
+              <a:t> </a:t>
+            </a:r>
+            <a:r>
+              <a:rPr lang="en-ID" dirty="0" err="1"/>
+              <a:t>Kasus</a:t>
+            </a:r>
+            <a:endParaRPr lang="en-ID" dirty="0"/>
+          </a:p>
+        </p:txBody>
+      </p:sp>
+      <p:sp>
+        <p:nvSpPr>
+          <p:cNvPr id="3" name="Text Placeholder 2">
+            <a:extLst>
+              <a:ext uri="{FF2B5EF4-FFF2-40B4-BE49-F238E27FC236}">
+                <a16:creationId xmlns:a16="http://schemas.microsoft.com/office/drawing/2014/main" id="{6D500731-E0BB-4876-9894-2FF0535FA48C}"/>
+              </a:ext>
+            </a:extLst>
+          </p:cNvPr>
+          <p:cNvSpPr>
+            <a:spLocks noGrp="1"/>
+          </p:cNvSpPr>
+          <p:nvPr>
+            <p:ph type="body" sz="quarter" idx="11"/>
+          </p:nvPr>
+        </p:nvSpPr>
+        <p:spPr/>
+        <p:txBody>
+          <a:bodyPr/>
+          <a:lstStyle/>
+          <a:p>
+            <a:r>
+              <a:rPr lang="en-US" b="1" dirty="0" err="1"/>
+              <a:t>Tabel</a:t>
+            </a:r>
+            <a:r>
+              <a:rPr lang="en-US" b="1" dirty="0"/>
+              <a:t> data </a:t>
+            </a:r>
+            <a:r>
+              <a:rPr lang="en-US" b="1" dirty="0" err="1"/>
+              <a:t>nilai</a:t>
+            </a:r>
+            <a:r>
+              <a:rPr lang="en-US" b="1" dirty="0"/>
+              <a:t> </a:t>
+            </a:r>
+            <a:r>
+              <a:rPr lang="en-US" b="1" dirty="0" err="1"/>
+              <a:t>ujian</a:t>
+            </a:r>
+            <a:r>
+              <a:rPr lang="en-US" b="1" dirty="0"/>
+              <a:t> Pelajaran Agama Islam 50 </a:t>
+            </a:r>
+            <a:r>
+              <a:rPr lang="en-US" b="1" dirty="0" err="1"/>
+              <a:t>Siswa</a:t>
+            </a:r>
+            <a:endParaRPr lang="en-US" altLang="ko-KR" b="1" dirty="0"/>
+          </a:p>
+        </p:txBody>
+      </p:sp>
+      <p:sp>
+        <p:nvSpPr>
+          <p:cNvPr id="5" name="TextBox 4">
+            <a:extLst>
+              <a:ext uri="{FF2B5EF4-FFF2-40B4-BE49-F238E27FC236}">
+                <a16:creationId xmlns:a16="http://schemas.microsoft.com/office/drawing/2014/main" id="{705CFAAE-1E2A-4496-916E-EA7CEEF19C5C}"/>
+              </a:ext>
+            </a:extLst>
+          </p:cNvPr>
+          <p:cNvSpPr txBox="1"/>
+          <p:nvPr/>
+        </p:nvSpPr>
+        <p:spPr>
+          <a:xfrm>
+            <a:off x="395536" y="1577342"/>
+            <a:ext cx="4113410" cy="400110"/>
+          </a:xfrm>
+          <a:prstGeom prst="rect">
+            <a:avLst/>
+          </a:prstGeom>
+          <a:noFill/>
+        </p:spPr>
+        <p:txBody>
+          <a:bodyPr wrap="square" rtlCol="0" anchor="ctr">
+            <a:spAutoFit/>
+          </a:bodyPr>
+          <a:lstStyle/>
+          <a:p>
+            <a:pPr marL="342900" indent="-342900" algn="just">
+              <a:buFont typeface="Wingdings" panose="05000000000000000000" pitchFamily="2" charset="2"/>
+              <a:buChar char="è"/>
+            </a:pPr>
+            <a:r>
+              <a:rPr lang="en-US" sz="2000" dirty="0" err="1">
+                <a:sym typeface="Wingdings" panose="05000000000000000000" pitchFamily="2" charset="2"/>
+              </a:rPr>
+              <a:t>Mencari</a:t>
+            </a:r>
+            <a:r>
+              <a:rPr lang="en-US" sz="2000" dirty="0">
+                <a:sym typeface="Wingdings" panose="05000000000000000000" pitchFamily="2" charset="2"/>
+              </a:rPr>
+              <a:t> </a:t>
+            </a:r>
+            <a:r>
+              <a:rPr lang="en-US" sz="2000" dirty="0" err="1">
+                <a:sym typeface="Wingdings" panose="05000000000000000000" pitchFamily="2" charset="2"/>
+              </a:rPr>
+              <a:t>Posisi</a:t>
+            </a:r>
+            <a:r>
+              <a:rPr lang="en-US" sz="2000" dirty="0">
+                <a:sym typeface="Wingdings" panose="05000000000000000000" pitchFamily="2" charset="2"/>
+              </a:rPr>
+              <a:t> </a:t>
+            </a:r>
+            <a:r>
+              <a:rPr lang="en-US" sz="2000" dirty="0" err="1">
+                <a:sym typeface="Wingdings" panose="05000000000000000000" pitchFamily="2" charset="2"/>
+              </a:rPr>
+              <a:t>kelas</a:t>
+            </a:r>
+            <a:r>
+              <a:rPr lang="en-US" sz="2000" dirty="0">
+                <a:sym typeface="Wingdings" panose="05000000000000000000" pitchFamily="2" charset="2"/>
+              </a:rPr>
+              <a:t> </a:t>
+            </a:r>
+            <a:r>
+              <a:rPr lang="en-US" sz="2000" dirty="0" err="1">
+                <a:sym typeface="Wingdings" panose="05000000000000000000" pitchFamily="2" charset="2"/>
+              </a:rPr>
+              <a:t>Kuartil</a:t>
+            </a:r>
+            <a:endParaRPr lang="en-US" sz="2000" dirty="0">
+              <a:sym typeface="Wingdings" panose="05000000000000000000" pitchFamily="2" charset="2"/>
+            </a:endParaRPr>
+          </a:p>
+        </p:txBody>
+      </p:sp>
+      <p:graphicFrame>
+        <p:nvGraphicFramePr>
+          <p:cNvPr id="4" name="Table 3">
+            <a:extLst>
+              <a:ext uri="{FF2B5EF4-FFF2-40B4-BE49-F238E27FC236}">
+                <a16:creationId xmlns:a16="http://schemas.microsoft.com/office/drawing/2014/main" id="{7C523A19-C5CC-48A1-862C-0FF97013B7FD}"/>
+              </a:ext>
+            </a:extLst>
+          </p:cNvPr>
+          <p:cNvGraphicFramePr>
+            <a:graphicFrameLocks noGrp="1"/>
+          </p:cNvGraphicFramePr>
+          <p:nvPr>
+            <p:extLst>
+              <p:ext uri="{D42A27DB-BD31-4B8C-83A1-F6EECF244321}">
+                <p14:modId xmlns:p14="http://schemas.microsoft.com/office/powerpoint/2010/main" val="2649739262"/>
+              </p:ext>
+            </p:extLst>
+          </p:nvPr>
+        </p:nvGraphicFramePr>
+        <p:xfrm>
+          <a:off x="384389" y="2308799"/>
+          <a:ext cx="3327400" cy="1714500"/>
+        </p:xfrm>
+        <a:graphic>
+          <a:graphicData uri="http://schemas.openxmlformats.org/drawingml/2006/table">
+            <a:tbl>
+              <a:tblPr>
+                <a:tableStyleId>{5940675A-B579-460E-94D1-54222C63F5DA}</a:tableStyleId>
+              </a:tblPr>
+              <a:tblGrid>
+                <a:gridCol w="660400">
+                  <a:extLst>
+                    <a:ext uri="{9D8B030D-6E8A-4147-A177-3AD203B41FA5}">
+                      <a16:colId xmlns:a16="http://schemas.microsoft.com/office/drawing/2014/main" val="2385161296"/>
+                    </a:ext>
+                  </a:extLst>
+                </a:gridCol>
+                <a:gridCol w="647700">
+                  <a:extLst>
+                    <a:ext uri="{9D8B030D-6E8A-4147-A177-3AD203B41FA5}">
+                      <a16:colId xmlns:a16="http://schemas.microsoft.com/office/drawing/2014/main" val="185980743"/>
+                    </a:ext>
+                  </a:extLst>
+                </a:gridCol>
+                <a:gridCol w="800100">
+                  <a:extLst>
+                    <a:ext uri="{9D8B030D-6E8A-4147-A177-3AD203B41FA5}">
+                      <a16:colId xmlns:a16="http://schemas.microsoft.com/office/drawing/2014/main" val="3583051065"/>
+                    </a:ext>
+                  </a:extLst>
+                </a:gridCol>
+                <a:gridCol w="609600">
+                  <a:extLst>
+                    <a:ext uri="{9D8B030D-6E8A-4147-A177-3AD203B41FA5}">
+                      <a16:colId xmlns:a16="http://schemas.microsoft.com/office/drawing/2014/main" val="2456541908"/>
+                    </a:ext>
+                  </a:extLst>
+                </a:gridCol>
+                <a:gridCol w="609600">
+                  <a:extLst>
+                    <a:ext uri="{9D8B030D-6E8A-4147-A177-3AD203B41FA5}">
+                      <a16:colId xmlns:a16="http://schemas.microsoft.com/office/drawing/2014/main" val="4016746239"/>
+                    </a:ext>
+                  </a:extLst>
+                </a:gridCol>
+              </a:tblGrid>
+              <a:tr h="190500">
+                <a:tc>
+                  <a:txBody>
+                    <a:bodyPr/>
+                    <a:lstStyle/>
+                    <a:p>
+                      <a:pPr algn="ctr" fontAlgn="ctr"/>
+                      <a:r>
+                        <a:rPr lang="en-ID" sz="1100" u="none" strike="noStrike">
+                          <a:effectLst/>
+                        </a:rPr>
+                        <a:t>Periode</a:t>
+                      </a:r>
+                      <a:endParaRPr lang="en-ID" sz="1100" b="0" i="0" u="none" strike="noStrike">
+                        <a:solidFill>
+                          <a:srgbClr val="000000"/>
+                        </a:solidFill>
+                        <a:effectLst/>
+                        <a:latin typeface="Calibri" panose="020F0502020204030204" pitchFamily="34" charset="0"/>
+                      </a:endParaRPr>
+                    </a:p>
+                  </a:txBody>
+                  <a:tcPr marL="9525" marR="9525" marT="9525" marB="0" anchor="ctr"/>
+                </a:tc>
+                <a:tc>
+                  <a:txBody>
+                    <a:bodyPr/>
+                    <a:lstStyle/>
+                    <a:p>
+                      <a:pPr algn="ctr" fontAlgn="ctr"/>
+                      <a:r>
+                        <a:rPr lang="en-ID" sz="1100" u="none" strike="noStrike">
+                          <a:effectLst/>
+                        </a:rPr>
+                        <a:t>Frekuensi</a:t>
+                      </a:r>
+                      <a:endParaRPr lang="en-ID" sz="1100" b="0" i="0" u="none" strike="noStrike">
+                        <a:solidFill>
+                          <a:srgbClr val="000000"/>
+                        </a:solidFill>
+                        <a:effectLst/>
+                        <a:latin typeface="Calibri" panose="020F0502020204030204" pitchFamily="34" charset="0"/>
+                      </a:endParaRPr>
+                    </a:p>
+                  </a:txBody>
+                  <a:tcPr marL="9525" marR="9525" marT="9525" marB="0" anchor="ctr"/>
+                </a:tc>
+                <a:tc>
+                  <a:txBody>
+                    <a:bodyPr/>
+                    <a:lstStyle/>
+                    <a:p>
+                      <a:pPr algn="ctr" fontAlgn="ctr"/>
+                      <a:r>
+                        <a:rPr lang="en-ID" sz="1100" u="none" strike="noStrike">
+                          <a:effectLst/>
+                        </a:rPr>
+                        <a:t>tbk</a:t>
+                      </a:r>
+                      <a:endParaRPr lang="en-ID" sz="1100" b="0" i="0" u="none" strike="noStrike">
+                        <a:solidFill>
+                          <a:srgbClr val="000000"/>
+                        </a:solidFill>
+                        <a:effectLst/>
+                        <a:latin typeface="Calibri" panose="020F0502020204030204" pitchFamily="34" charset="0"/>
+                      </a:endParaRPr>
+                    </a:p>
+                  </a:txBody>
+                  <a:tcPr marL="9525" marR="9525" marT="9525" marB="0" anchor="ctr"/>
+                </a:tc>
+                <a:tc>
+                  <a:txBody>
+                    <a:bodyPr/>
+                    <a:lstStyle/>
+                    <a:p>
+                      <a:pPr algn="ctr" fontAlgn="ctr"/>
+                      <a:r>
+                        <a:rPr lang="en-ID" sz="1100" u="none" strike="noStrike">
+                          <a:effectLst/>
+                        </a:rPr>
+                        <a:t>tak</a:t>
+                      </a:r>
+                      <a:endParaRPr lang="en-ID" sz="1100" b="0" i="0" u="none" strike="noStrike">
+                        <a:solidFill>
+                          <a:srgbClr val="000000"/>
+                        </a:solidFill>
+                        <a:effectLst/>
+                        <a:latin typeface="Calibri" panose="020F0502020204030204" pitchFamily="34" charset="0"/>
+                      </a:endParaRPr>
+                    </a:p>
+                  </a:txBody>
+                  <a:tcPr marL="9525" marR="9525" marT="9525" marB="0" anchor="ctr"/>
+                </a:tc>
+                <a:tc>
+                  <a:txBody>
+                    <a:bodyPr/>
+                    <a:lstStyle/>
+                    <a:p>
+                      <a:pPr algn="ctr" fontAlgn="ctr"/>
+                      <a:r>
+                        <a:rPr lang="en-ID" sz="1100" u="none" strike="noStrike">
+                          <a:effectLst/>
+                        </a:rPr>
+                        <a:t>interval</a:t>
+                      </a:r>
+                      <a:endParaRPr lang="en-ID" sz="1100" b="0" i="0" u="none" strike="noStrike">
+                        <a:solidFill>
+                          <a:srgbClr val="000000"/>
+                        </a:solidFill>
+                        <a:effectLst/>
+                        <a:latin typeface="Calibri" panose="020F0502020204030204" pitchFamily="34" charset="0"/>
+                      </a:endParaRPr>
+                    </a:p>
+                  </a:txBody>
+                  <a:tcPr marL="9525" marR="9525" marT="9525" marB="0" anchor="ctr"/>
+                </a:tc>
+                <a:extLst>
+                  <a:ext uri="{0D108BD9-81ED-4DB2-BD59-A6C34878D82A}">
+                    <a16:rowId xmlns:a16="http://schemas.microsoft.com/office/drawing/2014/main" val="578385680"/>
+                  </a:ext>
+                </a:extLst>
+              </a:tr>
+              <a:tr h="190500">
+                <a:tc>
+                  <a:txBody>
+                    <a:bodyPr/>
+                    <a:lstStyle/>
+                    <a:p>
+                      <a:pPr algn="ctr" fontAlgn="ctr"/>
+                      <a:r>
+                        <a:rPr lang="en-ID" sz="1100" u="none" strike="noStrike">
+                          <a:effectLst/>
+                        </a:rPr>
+                        <a:t>57 - 62</a:t>
+                      </a:r>
+                      <a:endParaRPr lang="en-ID" sz="1100" b="0" i="0" u="none" strike="noStrike">
+                        <a:solidFill>
+                          <a:srgbClr val="000000"/>
+                        </a:solidFill>
+                        <a:effectLst/>
+                        <a:latin typeface="Calibri" panose="020F0502020204030204" pitchFamily="34" charset="0"/>
+                      </a:endParaRPr>
+                    </a:p>
+                  </a:txBody>
+                  <a:tcPr marL="9525" marR="9525" marT="9525" marB="0" anchor="ctr"/>
+                </a:tc>
+                <a:tc>
+                  <a:txBody>
+                    <a:bodyPr/>
+                    <a:lstStyle/>
+                    <a:p>
+                      <a:pPr algn="ctr" fontAlgn="ctr"/>
+                      <a:r>
+                        <a:rPr lang="en-ID" sz="1100" u="none" strike="noStrike">
+                          <a:effectLst/>
+                        </a:rPr>
+                        <a:t>3</a:t>
+                      </a:r>
+                      <a:endParaRPr lang="en-ID" sz="1100" b="0" i="0" u="none" strike="noStrike">
+                        <a:solidFill>
+                          <a:srgbClr val="000000"/>
+                        </a:solidFill>
+                        <a:effectLst/>
+                        <a:latin typeface="Calibri" panose="020F0502020204030204" pitchFamily="34" charset="0"/>
+                      </a:endParaRPr>
+                    </a:p>
+                  </a:txBody>
+                  <a:tcPr marL="9525" marR="9525" marT="9525" marB="0" anchor="ctr"/>
+                </a:tc>
+                <a:tc>
+                  <a:txBody>
+                    <a:bodyPr/>
+                    <a:lstStyle/>
+                    <a:p>
+                      <a:pPr algn="ctr" fontAlgn="ctr"/>
+                      <a:r>
+                        <a:rPr lang="en-ID" sz="1100" u="none" strike="noStrike">
+                          <a:effectLst/>
+                        </a:rPr>
+                        <a:t>56,5</a:t>
+                      </a:r>
+                      <a:endParaRPr lang="en-ID" sz="1100" b="0" i="0" u="none" strike="noStrike">
+                        <a:solidFill>
+                          <a:srgbClr val="000000"/>
+                        </a:solidFill>
+                        <a:effectLst/>
+                        <a:latin typeface="Calibri" panose="020F0502020204030204" pitchFamily="34" charset="0"/>
+                      </a:endParaRPr>
+                    </a:p>
+                  </a:txBody>
+                  <a:tcPr marL="9525" marR="9525" marT="9525" marB="0" anchor="ctr"/>
+                </a:tc>
+                <a:tc>
+                  <a:txBody>
+                    <a:bodyPr/>
+                    <a:lstStyle/>
+                    <a:p>
+                      <a:pPr algn="ctr" fontAlgn="ctr"/>
+                      <a:r>
+                        <a:rPr lang="en-ID" sz="1100" u="none" strike="noStrike">
+                          <a:effectLst/>
+                        </a:rPr>
+                        <a:t>62,5</a:t>
+                      </a:r>
+                      <a:endParaRPr lang="en-ID" sz="1100" b="0" i="0" u="none" strike="noStrike">
+                        <a:solidFill>
+                          <a:srgbClr val="000000"/>
+                        </a:solidFill>
+                        <a:effectLst/>
+                        <a:latin typeface="Calibri" panose="020F0502020204030204" pitchFamily="34" charset="0"/>
+                      </a:endParaRPr>
+                    </a:p>
+                  </a:txBody>
+                  <a:tcPr marL="9525" marR="9525" marT="9525" marB="0" anchor="ctr"/>
+                </a:tc>
+                <a:tc>
+                  <a:txBody>
+                    <a:bodyPr/>
+                    <a:lstStyle/>
+                    <a:p>
+                      <a:pPr algn="r" fontAlgn="b"/>
+                      <a:r>
+                        <a:rPr lang="en-ID" sz="1100" u="none" strike="noStrike">
+                          <a:effectLst/>
+                        </a:rPr>
+                        <a:t>6</a:t>
+                      </a:r>
+                      <a:endParaRPr lang="en-ID" sz="1100" b="0" i="0" u="none" strike="noStrike">
+                        <a:solidFill>
+                          <a:srgbClr val="000000"/>
+                        </a:solidFill>
+                        <a:effectLst/>
+                        <a:latin typeface="Calibri" panose="020F0502020204030204" pitchFamily="34" charset="0"/>
+                      </a:endParaRPr>
+                    </a:p>
+                  </a:txBody>
+                  <a:tcPr marL="9525" marR="9525" marT="9525" marB="0" anchor="b"/>
+                </a:tc>
+                <a:extLst>
+                  <a:ext uri="{0D108BD9-81ED-4DB2-BD59-A6C34878D82A}">
+                    <a16:rowId xmlns:a16="http://schemas.microsoft.com/office/drawing/2014/main" val="2451698492"/>
+                  </a:ext>
+                </a:extLst>
+              </a:tr>
+              <a:tr h="190500">
+                <a:tc>
+                  <a:txBody>
+                    <a:bodyPr/>
+                    <a:lstStyle/>
+                    <a:p>
+                      <a:pPr algn="ctr" fontAlgn="ctr"/>
+                      <a:r>
+                        <a:rPr lang="en-ID" sz="1100" u="none" strike="noStrike">
+                          <a:effectLst/>
+                        </a:rPr>
+                        <a:t>63 - 68</a:t>
+                      </a:r>
+                      <a:endParaRPr lang="en-ID" sz="1100" b="0" i="0" u="none" strike="noStrike">
+                        <a:solidFill>
+                          <a:srgbClr val="000000"/>
+                        </a:solidFill>
+                        <a:effectLst/>
+                        <a:latin typeface="Calibri" panose="020F0502020204030204" pitchFamily="34" charset="0"/>
+                      </a:endParaRPr>
+                    </a:p>
+                  </a:txBody>
+                  <a:tcPr marL="9525" marR="9525" marT="9525" marB="0" anchor="ctr"/>
+                </a:tc>
+                <a:tc>
+                  <a:txBody>
+                    <a:bodyPr/>
+                    <a:lstStyle/>
+                    <a:p>
+                      <a:pPr algn="ctr" fontAlgn="ctr"/>
+                      <a:r>
+                        <a:rPr lang="en-ID" sz="1100" u="none" strike="noStrike">
+                          <a:effectLst/>
+                        </a:rPr>
+                        <a:t>2</a:t>
+                      </a:r>
+                      <a:endParaRPr lang="en-ID" sz="1100" b="0" i="0" u="none" strike="noStrike">
+                        <a:solidFill>
+                          <a:srgbClr val="000000"/>
+                        </a:solidFill>
+                        <a:effectLst/>
+                        <a:latin typeface="Calibri" panose="020F0502020204030204" pitchFamily="34" charset="0"/>
+                      </a:endParaRPr>
+                    </a:p>
+                  </a:txBody>
+                  <a:tcPr marL="9525" marR="9525" marT="9525" marB="0" anchor="ctr"/>
+                </a:tc>
+                <a:tc>
+                  <a:txBody>
+                    <a:bodyPr/>
+                    <a:lstStyle/>
+                    <a:p>
+                      <a:pPr algn="ctr" fontAlgn="ctr"/>
+                      <a:r>
+                        <a:rPr lang="en-ID" sz="1100" u="none" strike="noStrike">
+                          <a:effectLst/>
+                        </a:rPr>
+                        <a:t>62,5</a:t>
+                      </a:r>
+                      <a:endParaRPr lang="en-ID" sz="1100" b="0" i="0" u="none" strike="noStrike">
+                        <a:solidFill>
+                          <a:srgbClr val="000000"/>
+                        </a:solidFill>
+                        <a:effectLst/>
+                        <a:latin typeface="Calibri" panose="020F0502020204030204" pitchFamily="34" charset="0"/>
+                      </a:endParaRPr>
+                    </a:p>
+                  </a:txBody>
+                  <a:tcPr marL="9525" marR="9525" marT="9525" marB="0" anchor="ctr"/>
+                </a:tc>
+                <a:tc>
+                  <a:txBody>
+                    <a:bodyPr/>
+                    <a:lstStyle/>
+                    <a:p>
+                      <a:pPr algn="ctr" fontAlgn="ctr"/>
+                      <a:r>
+                        <a:rPr lang="en-ID" sz="1100" u="none" strike="noStrike">
+                          <a:effectLst/>
+                        </a:rPr>
+                        <a:t>68,5</a:t>
+                      </a:r>
+                      <a:endParaRPr lang="en-ID" sz="1100" b="0" i="0" u="none" strike="noStrike">
+                        <a:solidFill>
+                          <a:srgbClr val="000000"/>
+                        </a:solidFill>
+                        <a:effectLst/>
+                        <a:latin typeface="Calibri" panose="020F0502020204030204" pitchFamily="34" charset="0"/>
+                      </a:endParaRPr>
+                    </a:p>
+                  </a:txBody>
+                  <a:tcPr marL="9525" marR="9525" marT="9525" marB="0" anchor="ctr"/>
+                </a:tc>
+                <a:tc>
+                  <a:txBody>
+                    <a:bodyPr/>
+                    <a:lstStyle/>
+                    <a:p>
+                      <a:pPr algn="r" fontAlgn="b"/>
+                      <a:r>
+                        <a:rPr lang="en-ID" sz="1100" u="none" strike="noStrike">
+                          <a:effectLst/>
+                        </a:rPr>
+                        <a:t>6</a:t>
+                      </a:r>
+                      <a:endParaRPr lang="en-ID" sz="1100" b="0" i="0" u="none" strike="noStrike">
+                        <a:solidFill>
+                          <a:srgbClr val="000000"/>
+                        </a:solidFill>
+                        <a:effectLst/>
+                        <a:latin typeface="Calibri" panose="020F0502020204030204" pitchFamily="34" charset="0"/>
+                      </a:endParaRPr>
+                    </a:p>
+                  </a:txBody>
+                  <a:tcPr marL="9525" marR="9525" marT="9525" marB="0" anchor="b"/>
+                </a:tc>
+                <a:extLst>
+                  <a:ext uri="{0D108BD9-81ED-4DB2-BD59-A6C34878D82A}">
+                    <a16:rowId xmlns:a16="http://schemas.microsoft.com/office/drawing/2014/main" val="993676845"/>
+                  </a:ext>
+                </a:extLst>
+              </a:tr>
+              <a:tr h="190500">
+                <a:tc>
+                  <a:txBody>
+                    <a:bodyPr/>
+                    <a:lstStyle/>
+                    <a:p>
+                      <a:pPr algn="ctr" fontAlgn="ctr"/>
+                      <a:r>
+                        <a:rPr lang="en-ID" sz="1100" u="none" strike="noStrike">
+                          <a:effectLst/>
+                        </a:rPr>
+                        <a:t>69 - 74</a:t>
+                      </a:r>
+                      <a:endParaRPr lang="en-ID" sz="1100" b="0" i="0" u="none" strike="noStrike">
+                        <a:solidFill>
+                          <a:srgbClr val="000000"/>
+                        </a:solidFill>
+                        <a:effectLst/>
+                        <a:latin typeface="Calibri" panose="020F0502020204030204" pitchFamily="34" charset="0"/>
+                      </a:endParaRPr>
+                    </a:p>
+                  </a:txBody>
+                  <a:tcPr marL="9525" marR="9525" marT="9525" marB="0" anchor="ctr"/>
+                </a:tc>
+                <a:tc>
+                  <a:txBody>
+                    <a:bodyPr/>
+                    <a:lstStyle/>
+                    <a:p>
+                      <a:pPr algn="ctr" fontAlgn="ctr"/>
+                      <a:r>
+                        <a:rPr lang="en-ID" sz="1100" u="none" strike="noStrike">
+                          <a:effectLst/>
+                        </a:rPr>
+                        <a:t>2</a:t>
+                      </a:r>
+                      <a:endParaRPr lang="en-ID" sz="1100" b="0" i="0" u="none" strike="noStrike">
+                        <a:solidFill>
+                          <a:srgbClr val="000000"/>
+                        </a:solidFill>
+                        <a:effectLst/>
+                        <a:latin typeface="Calibri" panose="020F0502020204030204" pitchFamily="34" charset="0"/>
+                      </a:endParaRPr>
+                    </a:p>
+                  </a:txBody>
+                  <a:tcPr marL="9525" marR="9525" marT="9525" marB="0" anchor="ctr"/>
+                </a:tc>
+                <a:tc>
+                  <a:txBody>
+                    <a:bodyPr/>
+                    <a:lstStyle/>
+                    <a:p>
+                      <a:pPr algn="ctr" fontAlgn="ctr"/>
+                      <a:r>
+                        <a:rPr lang="en-ID" sz="1100" u="none" strike="noStrike">
+                          <a:effectLst/>
+                        </a:rPr>
+                        <a:t>68,5</a:t>
+                      </a:r>
+                      <a:endParaRPr lang="en-ID" sz="1100" b="0" i="0" u="none" strike="noStrike">
+                        <a:solidFill>
+                          <a:srgbClr val="000000"/>
+                        </a:solidFill>
+                        <a:effectLst/>
+                        <a:latin typeface="Calibri" panose="020F0502020204030204" pitchFamily="34" charset="0"/>
+                      </a:endParaRPr>
+                    </a:p>
+                  </a:txBody>
+                  <a:tcPr marL="9525" marR="9525" marT="9525" marB="0" anchor="ctr"/>
+                </a:tc>
+                <a:tc>
+                  <a:txBody>
+                    <a:bodyPr/>
+                    <a:lstStyle/>
+                    <a:p>
+                      <a:pPr algn="ctr" fontAlgn="ctr"/>
+                      <a:r>
+                        <a:rPr lang="en-ID" sz="1100" u="none" strike="noStrike" dirty="0">
+                          <a:effectLst/>
+                        </a:rPr>
+                        <a:t>74,5</a:t>
+                      </a:r>
+                      <a:endParaRPr lang="en-ID" sz="1100" b="0" i="0" u="none" strike="noStrike" dirty="0">
+                        <a:solidFill>
+                          <a:srgbClr val="000000"/>
+                        </a:solidFill>
+                        <a:effectLst/>
+                        <a:latin typeface="Calibri" panose="020F0502020204030204" pitchFamily="34" charset="0"/>
+                      </a:endParaRPr>
+                    </a:p>
+                  </a:txBody>
+                  <a:tcPr marL="9525" marR="9525" marT="9525" marB="0" anchor="ctr"/>
+                </a:tc>
+                <a:tc>
+                  <a:txBody>
+                    <a:bodyPr/>
+                    <a:lstStyle/>
+                    <a:p>
+                      <a:pPr algn="r" fontAlgn="b"/>
+                      <a:r>
+                        <a:rPr lang="en-ID" sz="1100" u="none" strike="noStrike">
+                          <a:effectLst/>
+                        </a:rPr>
+                        <a:t>6</a:t>
+                      </a:r>
+                      <a:endParaRPr lang="en-ID" sz="1100" b="0" i="0" u="none" strike="noStrike">
+                        <a:solidFill>
+                          <a:srgbClr val="000000"/>
+                        </a:solidFill>
+                        <a:effectLst/>
+                        <a:latin typeface="Calibri" panose="020F0502020204030204" pitchFamily="34" charset="0"/>
+                      </a:endParaRPr>
+                    </a:p>
+                  </a:txBody>
+                  <a:tcPr marL="9525" marR="9525" marT="9525" marB="0" anchor="b"/>
+                </a:tc>
+                <a:extLst>
+                  <a:ext uri="{0D108BD9-81ED-4DB2-BD59-A6C34878D82A}">
+                    <a16:rowId xmlns:a16="http://schemas.microsoft.com/office/drawing/2014/main" val="1129183856"/>
+                  </a:ext>
+                </a:extLst>
+              </a:tr>
+              <a:tr h="190500">
+                <a:tc>
+                  <a:txBody>
+                    <a:bodyPr/>
+                    <a:lstStyle/>
+                    <a:p>
+                      <a:pPr algn="ctr" fontAlgn="ctr"/>
+                      <a:r>
+                        <a:rPr lang="en-ID" sz="1100" u="none" strike="noStrike">
+                          <a:effectLst/>
+                        </a:rPr>
+                        <a:t>75 - 80</a:t>
+                      </a:r>
+                      <a:endParaRPr lang="en-ID" sz="1100" b="0" i="0" u="none" strike="noStrike">
+                        <a:solidFill>
+                          <a:srgbClr val="000000"/>
+                        </a:solidFill>
+                        <a:effectLst/>
+                        <a:latin typeface="Calibri" panose="020F0502020204030204" pitchFamily="34" charset="0"/>
+                      </a:endParaRPr>
+                    </a:p>
+                  </a:txBody>
+                  <a:tcPr marL="9525" marR="9525" marT="9525" marB="0" anchor="ctr"/>
+                </a:tc>
+                <a:tc>
+                  <a:txBody>
+                    <a:bodyPr/>
+                    <a:lstStyle/>
+                    <a:p>
+                      <a:pPr algn="ctr" fontAlgn="ctr"/>
+                      <a:r>
+                        <a:rPr lang="en-ID" sz="1000" u="none" strike="noStrike">
+                          <a:effectLst/>
+                        </a:rPr>
+                        <a:t>4</a:t>
+                      </a:r>
+                      <a:endParaRPr lang="en-ID" sz="1000" b="0" i="0" u="none" strike="noStrike">
+                        <a:solidFill>
+                          <a:srgbClr val="000000"/>
+                        </a:solidFill>
+                        <a:effectLst/>
+                        <a:latin typeface="Arial Narrow" panose="020B0606020202030204" pitchFamily="34" charset="0"/>
+                      </a:endParaRPr>
+                    </a:p>
+                  </a:txBody>
+                  <a:tcPr marL="9525" marR="9525" marT="9525" marB="0" anchor="ctr"/>
+                </a:tc>
+                <a:tc>
+                  <a:txBody>
+                    <a:bodyPr/>
+                    <a:lstStyle/>
+                    <a:p>
+                      <a:pPr algn="ctr" fontAlgn="ctr"/>
+                      <a:r>
+                        <a:rPr lang="en-ID" sz="1100" u="none" strike="noStrike">
+                          <a:effectLst/>
+                        </a:rPr>
+                        <a:t>74,5</a:t>
+                      </a:r>
+                      <a:endParaRPr lang="en-ID" sz="1100" b="0" i="0" u="none" strike="noStrike">
+                        <a:solidFill>
+                          <a:srgbClr val="000000"/>
+                        </a:solidFill>
+                        <a:effectLst/>
+                        <a:latin typeface="Calibri" panose="020F0502020204030204" pitchFamily="34" charset="0"/>
+                      </a:endParaRPr>
+                    </a:p>
+                  </a:txBody>
+                  <a:tcPr marL="9525" marR="9525" marT="9525" marB="0" anchor="ctr"/>
+                </a:tc>
+                <a:tc>
+                  <a:txBody>
+                    <a:bodyPr/>
+                    <a:lstStyle/>
+                    <a:p>
+                      <a:pPr algn="ctr" fontAlgn="ctr"/>
+                      <a:r>
+                        <a:rPr lang="en-ID" sz="1100" u="none" strike="noStrike" dirty="0">
+                          <a:effectLst/>
+                        </a:rPr>
+                        <a:t>80,5</a:t>
+                      </a:r>
+                      <a:endParaRPr lang="en-ID" sz="1100" b="0" i="0" u="none" strike="noStrike" dirty="0">
+                        <a:solidFill>
+                          <a:srgbClr val="000000"/>
+                        </a:solidFill>
+                        <a:effectLst/>
+                        <a:latin typeface="Calibri" panose="020F0502020204030204" pitchFamily="34" charset="0"/>
+                      </a:endParaRPr>
+                    </a:p>
+                  </a:txBody>
+                  <a:tcPr marL="9525" marR="9525" marT="9525" marB="0" anchor="ctr"/>
+                </a:tc>
+                <a:tc>
+                  <a:txBody>
+                    <a:bodyPr/>
+                    <a:lstStyle/>
+                    <a:p>
+                      <a:pPr algn="r" fontAlgn="b"/>
+                      <a:r>
+                        <a:rPr lang="en-ID" sz="1100" u="none" strike="noStrike">
+                          <a:effectLst/>
+                        </a:rPr>
+                        <a:t>6</a:t>
+                      </a:r>
+                      <a:endParaRPr lang="en-ID" sz="1100" b="0" i="0" u="none" strike="noStrike">
+                        <a:solidFill>
+                          <a:srgbClr val="000000"/>
+                        </a:solidFill>
+                        <a:effectLst/>
+                        <a:latin typeface="Calibri" panose="020F0502020204030204" pitchFamily="34" charset="0"/>
+                      </a:endParaRPr>
+                    </a:p>
+                  </a:txBody>
+                  <a:tcPr marL="9525" marR="9525" marT="9525" marB="0" anchor="b"/>
+                </a:tc>
+                <a:extLst>
+                  <a:ext uri="{0D108BD9-81ED-4DB2-BD59-A6C34878D82A}">
+                    <a16:rowId xmlns:a16="http://schemas.microsoft.com/office/drawing/2014/main" val="1171117733"/>
+                  </a:ext>
+                </a:extLst>
+              </a:tr>
+              <a:tr h="190500">
+                <a:tc>
+                  <a:txBody>
+                    <a:bodyPr/>
+                    <a:lstStyle/>
+                    <a:p>
+                      <a:pPr algn="ctr" fontAlgn="ctr"/>
+                      <a:r>
+                        <a:rPr lang="en-ID" sz="1100" u="none" strike="noStrike">
+                          <a:effectLst/>
+                        </a:rPr>
+                        <a:t>81 - 86</a:t>
+                      </a:r>
+                      <a:endParaRPr lang="en-ID" sz="1100" b="0" i="0" u="none" strike="noStrike">
+                        <a:solidFill>
+                          <a:srgbClr val="000000"/>
+                        </a:solidFill>
+                        <a:effectLst/>
+                        <a:latin typeface="Calibri" panose="020F0502020204030204" pitchFamily="34" charset="0"/>
+                      </a:endParaRPr>
+                    </a:p>
+                  </a:txBody>
+                  <a:tcPr marL="9525" marR="9525" marT="9525" marB="0" anchor="ctr"/>
+                </a:tc>
+                <a:tc>
+                  <a:txBody>
+                    <a:bodyPr/>
+                    <a:lstStyle/>
+                    <a:p>
+                      <a:pPr algn="ctr" fontAlgn="ctr"/>
+                      <a:r>
+                        <a:rPr lang="en-ID" sz="1100" u="none" strike="noStrike" dirty="0">
+                          <a:effectLst/>
+                        </a:rPr>
+                        <a:t>11</a:t>
+                      </a:r>
+                      <a:endParaRPr lang="en-ID" sz="1100" b="0" i="0" u="none" strike="noStrike" dirty="0">
+                        <a:solidFill>
+                          <a:srgbClr val="000000"/>
+                        </a:solidFill>
+                        <a:effectLst/>
+                        <a:latin typeface="Calibri" panose="020F0502020204030204" pitchFamily="34" charset="0"/>
+                      </a:endParaRPr>
+                    </a:p>
+                  </a:txBody>
+                  <a:tcPr marL="9525" marR="9525" marT="9525" marB="0" anchor="ctr"/>
+                </a:tc>
+                <a:tc>
+                  <a:txBody>
+                    <a:bodyPr/>
+                    <a:lstStyle/>
+                    <a:p>
+                      <a:pPr algn="ctr" fontAlgn="ctr"/>
+                      <a:r>
+                        <a:rPr lang="en-ID" sz="1100" u="none" strike="noStrike">
+                          <a:effectLst/>
+                        </a:rPr>
+                        <a:t>80,5</a:t>
+                      </a:r>
+                      <a:endParaRPr lang="en-ID" sz="1100" b="0" i="0" u="none" strike="noStrike">
+                        <a:solidFill>
+                          <a:srgbClr val="000000"/>
+                        </a:solidFill>
+                        <a:effectLst/>
+                        <a:latin typeface="Calibri" panose="020F0502020204030204" pitchFamily="34" charset="0"/>
+                      </a:endParaRPr>
+                    </a:p>
+                  </a:txBody>
+                  <a:tcPr marL="9525" marR="9525" marT="9525" marB="0" anchor="ctr"/>
+                </a:tc>
+                <a:tc>
+                  <a:txBody>
+                    <a:bodyPr/>
+                    <a:lstStyle/>
+                    <a:p>
+                      <a:pPr algn="ctr" fontAlgn="ctr"/>
+                      <a:r>
+                        <a:rPr lang="en-ID" sz="1100" u="none" strike="noStrike" dirty="0">
+                          <a:effectLst/>
+                        </a:rPr>
+                        <a:t>86,5</a:t>
+                      </a:r>
+                      <a:endParaRPr lang="en-ID" sz="1100" b="0" i="0" u="none" strike="noStrike" dirty="0">
+                        <a:solidFill>
+                          <a:srgbClr val="000000"/>
+                        </a:solidFill>
+                        <a:effectLst/>
+                        <a:latin typeface="Calibri" panose="020F0502020204030204" pitchFamily="34" charset="0"/>
+                      </a:endParaRPr>
+                    </a:p>
+                  </a:txBody>
+                  <a:tcPr marL="9525" marR="9525" marT="9525" marB="0" anchor="ctr"/>
+                </a:tc>
+                <a:tc>
+                  <a:txBody>
+                    <a:bodyPr/>
+                    <a:lstStyle/>
+                    <a:p>
+                      <a:pPr algn="r" fontAlgn="b"/>
+                      <a:r>
+                        <a:rPr lang="en-ID" sz="1100" u="none" strike="noStrike">
+                          <a:effectLst/>
+                        </a:rPr>
+                        <a:t>6</a:t>
+                      </a:r>
+                      <a:endParaRPr lang="en-ID" sz="1100" b="0" i="0" u="none" strike="noStrike">
+                        <a:solidFill>
+                          <a:srgbClr val="000000"/>
+                        </a:solidFill>
+                        <a:effectLst/>
+                        <a:latin typeface="Calibri" panose="020F0502020204030204" pitchFamily="34" charset="0"/>
+                      </a:endParaRPr>
+                    </a:p>
+                  </a:txBody>
+                  <a:tcPr marL="9525" marR="9525" marT="9525" marB="0" anchor="b"/>
+                </a:tc>
+                <a:extLst>
+                  <a:ext uri="{0D108BD9-81ED-4DB2-BD59-A6C34878D82A}">
+                    <a16:rowId xmlns:a16="http://schemas.microsoft.com/office/drawing/2014/main" val="2964406153"/>
+                  </a:ext>
+                </a:extLst>
+              </a:tr>
+              <a:tr h="190500">
+                <a:tc>
+                  <a:txBody>
+                    <a:bodyPr/>
+                    <a:lstStyle/>
+                    <a:p>
+                      <a:pPr algn="ctr" fontAlgn="ctr"/>
+                      <a:r>
+                        <a:rPr lang="en-ID" sz="1100" u="none" strike="noStrike">
+                          <a:effectLst/>
+                        </a:rPr>
+                        <a:t>87 - 92</a:t>
+                      </a:r>
+                      <a:endParaRPr lang="en-ID" sz="1100" b="0" i="0" u="none" strike="noStrike">
+                        <a:solidFill>
+                          <a:srgbClr val="000000"/>
+                        </a:solidFill>
+                        <a:effectLst/>
+                        <a:latin typeface="Calibri" panose="020F0502020204030204" pitchFamily="34" charset="0"/>
+                      </a:endParaRPr>
+                    </a:p>
+                  </a:txBody>
+                  <a:tcPr marL="9525" marR="9525" marT="9525" marB="0" anchor="ctr"/>
+                </a:tc>
+                <a:tc>
+                  <a:txBody>
+                    <a:bodyPr/>
+                    <a:lstStyle/>
+                    <a:p>
+                      <a:pPr algn="ctr" fontAlgn="ctr"/>
+                      <a:r>
+                        <a:rPr lang="en-ID" sz="1100" u="none" strike="noStrike">
+                          <a:effectLst/>
+                        </a:rPr>
+                        <a:t>15</a:t>
+                      </a:r>
+                      <a:endParaRPr lang="en-ID" sz="1100" b="0" i="0" u="none" strike="noStrike">
+                        <a:solidFill>
+                          <a:srgbClr val="000000"/>
+                        </a:solidFill>
+                        <a:effectLst/>
+                        <a:latin typeface="Calibri" panose="020F0502020204030204" pitchFamily="34" charset="0"/>
+                      </a:endParaRPr>
+                    </a:p>
+                  </a:txBody>
+                  <a:tcPr marL="9525" marR="9525" marT="9525" marB="0" anchor="ctr"/>
+                </a:tc>
+                <a:tc>
+                  <a:txBody>
+                    <a:bodyPr/>
+                    <a:lstStyle/>
+                    <a:p>
+                      <a:pPr algn="ctr" fontAlgn="ctr"/>
+                      <a:r>
+                        <a:rPr lang="en-ID" sz="1100" u="none" strike="noStrike">
+                          <a:effectLst/>
+                        </a:rPr>
+                        <a:t>86,5</a:t>
+                      </a:r>
+                      <a:endParaRPr lang="en-ID" sz="1100" b="0" i="0" u="none" strike="noStrike">
+                        <a:solidFill>
+                          <a:srgbClr val="000000"/>
+                        </a:solidFill>
+                        <a:effectLst/>
+                        <a:latin typeface="Calibri" panose="020F0502020204030204" pitchFamily="34" charset="0"/>
+                      </a:endParaRPr>
+                    </a:p>
+                  </a:txBody>
+                  <a:tcPr marL="9525" marR="9525" marT="9525" marB="0" anchor="ctr"/>
+                </a:tc>
+                <a:tc>
+                  <a:txBody>
+                    <a:bodyPr/>
+                    <a:lstStyle/>
+                    <a:p>
+                      <a:pPr algn="ctr" fontAlgn="ctr"/>
+                      <a:r>
+                        <a:rPr lang="en-ID" sz="1100" u="none" strike="noStrike">
+                          <a:effectLst/>
+                        </a:rPr>
+                        <a:t>92,5</a:t>
+                      </a:r>
+                      <a:endParaRPr lang="en-ID" sz="1100" b="0" i="0" u="none" strike="noStrike">
+                        <a:solidFill>
+                          <a:srgbClr val="000000"/>
+                        </a:solidFill>
+                        <a:effectLst/>
+                        <a:latin typeface="Calibri" panose="020F0502020204030204" pitchFamily="34" charset="0"/>
+                      </a:endParaRPr>
+                    </a:p>
+                  </a:txBody>
+                  <a:tcPr marL="9525" marR="9525" marT="9525" marB="0" anchor="ctr"/>
+                </a:tc>
+                <a:tc>
+                  <a:txBody>
+                    <a:bodyPr/>
+                    <a:lstStyle/>
+                    <a:p>
+                      <a:pPr algn="r" fontAlgn="b"/>
+                      <a:r>
+                        <a:rPr lang="en-ID" sz="1100" u="none" strike="noStrike">
+                          <a:effectLst/>
+                        </a:rPr>
+                        <a:t>6</a:t>
+                      </a:r>
+                      <a:endParaRPr lang="en-ID" sz="1100" b="0" i="0" u="none" strike="noStrike">
+                        <a:solidFill>
+                          <a:srgbClr val="000000"/>
+                        </a:solidFill>
+                        <a:effectLst/>
+                        <a:latin typeface="Calibri" panose="020F0502020204030204" pitchFamily="34" charset="0"/>
+                      </a:endParaRPr>
+                    </a:p>
+                  </a:txBody>
+                  <a:tcPr marL="9525" marR="9525" marT="9525" marB="0" anchor="b"/>
+                </a:tc>
+                <a:extLst>
+                  <a:ext uri="{0D108BD9-81ED-4DB2-BD59-A6C34878D82A}">
+                    <a16:rowId xmlns:a16="http://schemas.microsoft.com/office/drawing/2014/main" val="1958453833"/>
+                  </a:ext>
+                </a:extLst>
+              </a:tr>
+              <a:tr h="190500">
+                <a:tc>
+                  <a:txBody>
+                    <a:bodyPr/>
+                    <a:lstStyle/>
+                    <a:p>
+                      <a:pPr algn="ctr" fontAlgn="ctr"/>
+                      <a:r>
+                        <a:rPr lang="en-ID" sz="1100" u="none" strike="noStrike">
+                          <a:effectLst/>
+                        </a:rPr>
+                        <a:t>93 - 98</a:t>
+                      </a:r>
+                      <a:endParaRPr lang="en-ID" sz="1100" b="0" i="0" u="none" strike="noStrike">
+                        <a:solidFill>
+                          <a:srgbClr val="000000"/>
+                        </a:solidFill>
+                        <a:effectLst/>
+                        <a:latin typeface="Calibri" panose="020F0502020204030204" pitchFamily="34" charset="0"/>
+                      </a:endParaRPr>
+                    </a:p>
+                  </a:txBody>
+                  <a:tcPr marL="9525" marR="9525" marT="9525" marB="0" anchor="ctr"/>
+                </a:tc>
+                <a:tc>
+                  <a:txBody>
+                    <a:bodyPr/>
+                    <a:lstStyle/>
+                    <a:p>
+                      <a:pPr algn="ctr" fontAlgn="ctr"/>
+                      <a:r>
+                        <a:rPr lang="en-ID" sz="1100" u="none" strike="noStrike">
+                          <a:effectLst/>
+                        </a:rPr>
+                        <a:t>13</a:t>
+                      </a:r>
+                      <a:endParaRPr lang="en-ID" sz="1100" b="0" i="0" u="none" strike="noStrike">
+                        <a:solidFill>
+                          <a:srgbClr val="000000"/>
+                        </a:solidFill>
+                        <a:effectLst/>
+                        <a:latin typeface="Calibri" panose="020F0502020204030204" pitchFamily="34" charset="0"/>
+                      </a:endParaRPr>
+                    </a:p>
+                  </a:txBody>
+                  <a:tcPr marL="9525" marR="9525" marT="9525" marB="0" anchor="ctr"/>
+                </a:tc>
+                <a:tc>
+                  <a:txBody>
+                    <a:bodyPr/>
+                    <a:lstStyle/>
+                    <a:p>
+                      <a:pPr algn="ctr" fontAlgn="ctr"/>
+                      <a:r>
+                        <a:rPr lang="en-ID" sz="1100" u="none" strike="noStrike">
+                          <a:effectLst/>
+                        </a:rPr>
+                        <a:t>92,5</a:t>
+                      </a:r>
+                      <a:endParaRPr lang="en-ID" sz="1100" b="0" i="0" u="none" strike="noStrike">
+                        <a:solidFill>
+                          <a:srgbClr val="000000"/>
+                        </a:solidFill>
+                        <a:effectLst/>
+                        <a:latin typeface="Calibri" panose="020F0502020204030204" pitchFamily="34" charset="0"/>
+                      </a:endParaRPr>
+                    </a:p>
+                  </a:txBody>
+                  <a:tcPr marL="9525" marR="9525" marT="9525" marB="0" anchor="ctr"/>
+                </a:tc>
+                <a:tc>
+                  <a:txBody>
+                    <a:bodyPr/>
+                    <a:lstStyle/>
+                    <a:p>
+                      <a:pPr algn="ctr" fontAlgn="ctr"/>
+                      <a:r>
+                        <a:rPr lang="en-ID" sz="1100" u="none" strike="noStrike">
+                          <a:effectLst/>
+                        </a:rPr>
+                        <a:t>98,5</a:t>
+                      </a:r>
+                      <a:endParaRPr lang="en-ID" sz="1100" b="0" i="0" u="none" strike="noStrike">
+                        <a:solidFill>
+                          <a:srgbClr val="000000"/>
+                        </a:solidFill>
+                        <a:effectLst/>
+                        <a:latin typeface="Calibri" panose="020F0502020204030204" pitchFamily="34" charset="0"/>
+                      </a:endParaRPr>
+                    </a:p>
+                  </a:txBody>
+                  <a:tcPr marL="9525" marR="9525" marT="9525" marB="0" anchor="ctr"/>
+                </a:tc>
+                <a:tc>
+                  <a:txBody>
+                    <a:bodyPr/>
+                    <a:lstStyle/>
+                    <a:p>
+                      <a:pPr algn="r" fontAlgn="b"/>
+                      <a:r>
+                        <a:rPr lang="en-ID" sz="1100" u="none" strike="noStrike">
+                          <a:effectLst/>
+                        </a:rPr>
+                        <a:t>6</a:t>
+                      </a:r>
+                      <a:endParaRPr lang="en-ID" sz="1100" b="0" i="0" u="none" strike="noStrike">
+                        <a:solidFill>
+                          <a:srgbClr val="000000"/>
+                        </a:solidFill>
+                        <a:effectLst/>
+                        <a:latin typeface="Calibri" panose="020F0502020204030204" pitchFamily="34" charset="0"/>
+                      </a:endParaRPr>
+                    </a:p>
+                  </a:txBody>
+                  <a:tcPr marL="9525" marR="9525" marT="9525" marB="0" anchor="b"/>
+                </a:tc>
+                <a:extLst>
+                  <a:ext uri="{0D108BD9-81ED-4DB2-BD59-A6C34878D82A}">
+                    <a16:rowId xmlns:a16="http://schemas.microsoft.com/office/drawing/2014/main" val="1246938450"/>
+                  </a:ext>
+                </a:extLst>
+              </a:tr>
+              <a:tr h="190500">
+                <a:tc>
+                  <a:txBody>
+                    <a:bodyPr/>
+                    <a:lstStyle/>
+                    <a:p>
+                      <a:pPr algn="ctr" fontAlgn="ctr"/>
+                      <a:r>
+                        <a:rPr lang="en-ID" sz="1100" u="none" strike="noStrike" dirty="0" err="1">
+                          <a:effectLst/>
+                        </a:rPr>
+                        <a:t>Jumlah</a:t>
+                      </a:r>
+                      <a:endParaRPr lang="en-ID" sz="1100" b="0" i="0" u="none" strike="noStrike" dirty="0">
+                        <a:solidFill>
+                          <a:srgbClr val="000000"/>
+                        </a:solidFill>
+                        <a:effectLst/>
+                        <a:latin typeface="Calibri" panose="020F0502020204030204" pitchFamily="34" charset="0"/>
+                      </a:endParaRPr>
+                    </a:p>
+                  </a:txBody>
+                  <a:tcPr marL="9525" marR="9525" marT="9525" marB="0" anchor="ctr"/>
+                </a:tc>
+                <a:tc>
+                  <a:txBody>
+                    <a:bodyPr/>
+                    <a:lstStyle/>
+                    <a:p>
+                      <a:pPr algn="ctr" fontAlgn="ctr"/>
+                      <a:r>
+                        <a:rPr lang="en-ID" sz="1100" u="none" strike="noStrike" dirty="0">
+                          <a:effectLst/>
+                        </a:rPr>
+                        <a:t>50</a:t>
+                      </a:r>
+                      <a:endParaRPr lang="en-ID" sz="1100" b="0" i="0" u="none" strike="noStrike" dirty="0">
+                        <a:solidFill>
+                          <a:srgbClr val="000000"/>
+                        </a:solidFill>
+                        <a:effectLst/>
+                        <a:latin typeface="Calibri" panose="020F0502020204030204" pitchFamily="34" charset="0"/>
+                      </a:endParaRPr>
+                    </a:p>
+                  </a:txBody>
+                  <a:tcPr marL="9525" marR="9525" marT="9525" marB="0" anchor="ctr"/>
+                </a:tc>
+                <a:tc gridSpan="3">
+                  <a:txBody>
+                    <a:bodyPr/>
+                    <a:lstStyle/>
+                    <a:p>
+                      <a:pPr algn="ctr" fontAlgn="ctr"/>
+                      <a:endParaRPr lang="en-ID" sz="1100" b="0" i="0" u="none" strike="noStrike" dirty="0">
+                        <a:solidFill>
+                          <a:srgbClr val="000000"/>
+                        </a:solidFill>
+                        <a:effectLst/>
+                        <a:latin typeface="Calibri" panose="020F0502020204030204" pitchFamily="34" charset="0"/>
+                      </a:endParaRPr>
+                    </a:p>
+                  </a:txBody>
+                  <a:tcPr marL="9525" marR="9525" marT="9525" marB="0" anchor="ctr"/>
+                </a:tc>
+                <a:tc hMerge="1">
+                  <a:txBody>
+                    <a:bodyPr/>
+                    <a:lstStyle/>
+                    <a:p>
+                      <a:pPr algn="ctr" fontAlgn="ctr"/>
+                      <a:endParaRPr lang="en-ID" sz="1100" b="0" i="0" u="none" strike="noStrike">
+                        <a:solidFill>
+                          <a:srgbClr val="000000"/>
+                        </a:solidFill>
+                        <a:effectLst/>
+                        <a:latin typeface="Calibri" panose="020F0502020204030204" pitchFamily="34" charset="0"/>
+                      </a:endParaRPr>
+                    </a:p>
+                  </a:txBody>
+                  <a:tcPr marL="9525" marR="9525" marT="9525" marB="0" anchor="ctr"/>
+                </a:tc>
+                <a:tc hMerge="1">
+                  <a:txBody>
+                    <a:bodyPr/>
+                    <a:lstStyle/>
+                    <a:p>
+                      <a:pPr algn="l" fontAlgn="b"/>
+                      <a:endParaRPr lang="en-ID" sz="1100" b="0" i="0" u="none" strike="noStrike" dirty="0">
+                        <a:solidFill>
+                          <a:srgbClr val="000000"/>
+                        </a:solidFill>
+                        <a:effectLst/>
+                        <a:latin typeface="Calibri" panose="020F0502020204030204" pitchFamily="34" charset="0"/>
+                      </a:endParaRPr>
+                    </a:p>
+                  </a:txBody>
+                  <a:tcPr marL="9525" marR="9525" marT="9525" marB="0" anchor="b"/>
+                </a:tc>
+                <a:extLst>
+                  <a:ext uri="{0D108BD9-81ED-4DB2-BD59-A6C34878D82A}">
+                    <a16:rowId xmlns:a16="http://schemas.microsoft.com/office/drawing/2014/main" val="2398937598"/>
+                  </a:ext>
+                </a:extLst>
+              </a:tr>
+            </a:tbl>
+          </a:graphicData>
+        </a:graphic>
+      </p:graphicFrame>
+      <p:sp>
+        <p:nvSpPr>
+          <p:cNvPr id="6" name="TextBox 5">
+            <a:extLst>
+              <a:ext uri="{FF2B5EF4-FFF2-40B4-BE49-F238E27FC236}">
+                <a16:creationId xmlns:a16="http://schemas.microsoft.com/office/drawing/2014/main" id="{78C27DC7-64D6-45FA-9700-EC00FFD9005A}"/>
+              </a:ext>
+            </a:extLst>
+          </p:cNvPr>
+          <p:cNvSpPr txBox="1"/>
+          <p:nvPr/>
+        </p:nvSpPr>
+        <p:spPr>
+          <a:xfrm>
+            <a:off x="4788024" y="2308799"/>
+            <a:ext cx="3672408" cy="1754326"/>
+          </a:xfrm>
+          <a:prstGeom prst="rect">
+            <a:avLst/>
+          </a:prstGeom>
+          <a:noFill/>
+        </p:spPr>
+        <p:txBody>
+          <a:bodyPr wrap="square" rtlCol="0">
+            <a:spAutoFit/>
+          </a:bodyPr>
+          <a:lstStyle/>
+          <a:p>
+            <a:r>
+              <a:rPr lang="en-US" dirty="0" err="1"/>
+              <a:t>Mencari</a:t>
+            </a:r>
+            <a:r>
+              <a:rPr lang="en-US" dirty="0"/>
+              <a:t> </a:t>
+            </a:r>
+            <a:r>
+              <a:rPr lang="en-US" dirty="0" err="1"/>
+              <a:t>Posisi</a:t>
+            </a:r>
+            <a:r>
+              <a:rPr lang="en-US" dirty="0"/>
+              <a:t> Q1 dan Q3</a:t>
+            </a:r>
+          </a:p>
+          <a:p>
+            <a:r>
+              <a:rPr lang="en-US" dirty="0"/>
+              <a:t>Q1 = ¼ X N =&gt; ¼ x 50 = 12.5</a:t>
+            </a:r>
+          </a:p>
+          <a:p>
+            <a:r>
+              <a:rPr lang="en-US" dirty="0"/>
+              <a:t>Q3 = ¾ X N =&gt; ¾ x 50 = 37.5</a:t>
+            </a:r>
+          </a:p>
+          <a:p>
+            <a:endParaRPr lang="en-US" dirty="0"/>
+          </a:p>
+          <a:p>
+            <a:r>
+              <a:rPr lang="en-US" dirty="0"/>
+              <a:t>Q1 = 12.5 =&gt; Kelas ke-5 (81-86)</a:t>
+            </a:r>
+          </a:p>
+          <a:p>
+            <a:r>
+              <a:rPr lang="en-US" dirty="0"/>
+              <a:t>Q3 = 37.5 =&gt; Kelas ke-7 (93-98)</a:t>
+            </a:r>
+            <a:endParaRPr lang="en-ID" dirty="0"/>
+          </a:p>
+        </p:txBody>
+      </p:sp>
+    </p:spTree>
+    <p:extLst>
+      <p:ext uri="{BB962C8B-B14F-4D97-AF65-F5344CB8AC3E}">
+        <p14:creationId xmlns:p14="http://schemas.microsoft.com/office/powerpoint/2010/main" val="1951357698"/>
+      </p:ext>
+    </p:extLst>
+  </p:cSld>
+  <p:clrMapOvr>
+    <a:masterClrMapping/>
+  </p:clrMapOvr>
+  <mc:AlternateContent xmlns:mc="http://schemas.openxmlformats.org/markup-compatibility/2006">
+    <mc:Choice xmlns:p14="http://schemas.microsoft.com/office/powerpoint/2010/main" Requires="p14">
+      <p:transition spd="slow" p14:dur="1300">
+        <p14:pan dir="u"/>
+      </p:transition>
+    </mc:Choice>
+    <mc:Fallback>
+      <p:transition spd="slow">
+        <p:fade/>
+      </p:transition>
+    </mc:Fallback>
+  </mc:AlternateContent>
+</p:sld>
+</file>
+
+<file path=ppt/slides/slide22.xml><?xml version="1.0" encoding="utf-8"?>
+<p:sld xmlns:a="http://schemas.openxmlformats.org/drawingml/2006/main" xmlns:r="http://schemas.openxmlformats.org/officeDocument/2006/relationships" xmlns:p="http://schemas.openxmlformats.org/presentationml/2006/main">
+  <p:cSld>
+    <p:spTree>
+      <p:nvGrpSpPr>
+        <p:cNvPr id="1" name=""/>
+        <p:cNvGrpSpPr/>
+        <p:nvPr/>
+      </p:nvGrpSpPr>
+      <p:grpSpPr>
+        <a:xfrm>
+          <a:off x="0" y="0"/>
+          <a:ext cx="0" cy="0"/>
+          <a:chOff x="0" y="0"/>
+          <a:chExt cx="0" cy="0"/>
+        </a:xfrm>
+      </p:grpSpPr>
+      <p:sp>
+        <p:nvSpPr>
+          <p:cNvPr id="2" name="Text Placeholder 1">
+            <a:extLst>
+              <a:ext uri="{FF2B5EF4-FFF2-40B4-BE49-F238E27FC236}">
+                <a16:creationId xmlns:a16="http://schemas.microsoft.com/office/drawing/2014/main" id="{CF0AD3A5-34D9-41DE-ADA2-8156E7875BC2}"/>
+              </a:ext>
+            </a:extLst>
+          </p:cNvPr>
+          <p:cNvSpPr>
+            <a:spLocks noGrp="1"/>
+          </p:cNvSpPr>
+          <p:nvPr>
+            <p:ph type="body" sz="quarter" idx="10"/>
+          </p:nvPr>
+        </p:nvSpPr>
+        <p:spPr/>
+        <p:txBody>
+          <a:bodyPr/>
+          <a:lstStyle/>
+          <a:p>
+            <a:r>
+              <a:rPr lang="en-ID" dirty="0" err="1"/>
+              <a:t>Studi</a:t>
+            </a:r>
+            <a:r>
+              <a:rPr lang="en-ID" dirty="0"/>
+              <a:t> </a:t>
+            </a:r>
+            <a:r>
+              <a:rPr lang="en-ID" dirty="0" err="1"/>
+              <a:t>Kasus</a:t>
+            </a:r>
+            <a:endParaRPr lang="en-ID" dirty="0"/>
+          </a:p>
+        </p:txBody>
+      </p:sp>
+      <p:sp>
+        <p:nvSpPr>
+          <p:cNvPr id="3" name="Text Placeholder 2">
+            <a:extLst>
+              <a:ext uri="{FF2B5EF4-FFF2-40B4-BE49-F238E27FC236}">
+                <a16:creationId xmlns:a16="http://schemas.microsoft.com/office/drawing/2014/main" id="{F1AA8656-B27F-42CB-A614-49DE08457F36}"/>
+              </a:ext>
+            </a:extLst>
+          </p:cNvPr>
+          <p:cNvSpPr>
+            <a:spLocks noGrp="1"/>
+          </p:cNvSpPr>
+          <p:nvPr>
+            <p:ph type="body" sz="quarter" idx="11"/>
+          </p:nvPr>
+        </p:nvSpPr>
+        <p:spPr/>
+        <p:txBody>
+          <a:bodyPr/>
+          <a:lstStyle/>
+          <a:p>
+            <a:r>
+              <a:rPr lang="en-US" b="1" dirty="0" err="1"/>
+              <a:t>Tabel</a:t>
+            </a:r>
+            <a:r>
+              <a:rPr lang="en-US" b="1" dirty="0"/>
+              <a:t> data </a:t>
+            </a:r>
+            <a:r>
+              <a:rPr lang="en-US" b="1" dirty="0" err="1"/>
+              <a:t>nilai</a:t>
+            </a:r>
+            <a:r>
+              <a:rPr lang="en-US" b="1" dirty="0"/>
+              <a:t> </a:t>
+            </a:r>
+            <a:r>
+              <a:rPr lang="en-US" b="1" dirty="0" err="1"/>
+              <a:t>ujian</a:t>
+            </a:r>
+            <a:r>
+              <a:rPr lang="en-US" b="1" dirty="0"/>
+              <a:t> Pelajaran Agama Islam 50 </a:t>
+            </a:r>
+            <a:r>
+              <a:rPr lang="en-US" b="1" dirty="0" err="1"/>
+              <a:t>Siswa</a:t>
+            </a:r>
+            <a:endParaRPr lang="en-US" altLang="ko-KR" b="1" dirty="0"/>
+          </a:p>
+        </p:txBody>
+      </p:sp>
+      <p:sp>
+        <p:nvSpPr>
+          <p:cNvPr id="6" name="TextBox 5">
+            <a:extLst>
+              <a:ext uri="{FF2B5EF4-FFF2-40B4-BE49-F238E27FC236}">
+                <a16:creationId xmlns:a16="http://schemas.microsoft.com/office/drawing/2014/main" id="{E558D4CB-5F2B-457B-9BF4-82EFB7538B80}"/>
+              </a:ext>
+            </a:extLst>
+          </p:cNvPr>
+          <p:cNvSpPr txBox="1"/>
+          <p:nvPr/>
+        </p:nvSpPr>
+        <p:spPr>
+          <a:xfrm>
+            <a:off x="395536" y="1209695"/>
+            <a:ext cx="4113410" cy="707886"/>
+          </a:xfrm>
+          <a:prstGeom prst="rect">
+            <a:avLst/>
+          </a:prstGeom>
+          <a:noFill/>
+        </p:spPr>
+        <p:txBody>
+          <a:bodyPr wrap="square" rtlCol="0" anchor="ctr">
+            <a:spAutoFit/>
+          </a:bodyPr>
+          <a:lstStyle/>
+          <a:p>
+            <a:pPr marL="342900" indent="-342900">
+              <a:buFont typeface="Wingdings" panose="05000000000000000000" pitchFamily="2" charset="2"/>
+              <a:buChar char="è"/>
+            </a:pPr>
+            <a:r>
+              <a:rPr lang="en-US" sz="2000" dirty="0" err="1">
+                <a:sym typeface="Wingdings" panose="05000000000000000000" pitchFamily="2" charset="2"/>
+              </a:rPr>
+              <a:t>Mencari</a:t>
+            </a:r>
+            <a:r>
+              <a:rPr lang="en-US" sz="2000" dirty="0">
+                <a:sym typeface="Wingdings" panose="05000000000000000000" pitchFamily="2" charset="2"/>
+              </a:rPr>
+              <a:t> Nilai </a:t>
+            </a:r>
+            <a:r>
+              <a:rPr lang="en-US" sz="2000" dirty="0" err="1">
+                <a:sym typeface="Wingdings" panose="05000000000000000000" pitchFamily="2" charset="2"/>
+              </a:rPr>
+              <a:t>Kuartil</a:t>
+            </a:r>
+            <a:r>
+              <a:rPr lang="en-US" sz="2000" dirty="0">
+                <a:sym typeface="Wingdings" panose="05000000000000000000" pitchFamily="2" charset="2"/>
+              </a:rPr>
+              <a:t> dan </a:t>
+            </a:r>
+            <a:br>
+              <a:rPr lang="en-US" sz="2000" dirty="0">
+                <a:sym typeface="Wingdings" panose="05000000000000000000" pitchFamily="2" charset="2"/>
+              </a:rPr>
+            </a:br>
+            <a:r>
+              <a:rPr lang="en-US" sz="2000" dirty="0" err="1">
+                <a:sym typeface="Wingdings" panose="05000000000000000000" pitchFamily="2" charset="2"/>
+              </a:rPr>
+              <a:t>Jangkauan</a:t>
+            </a:r>
+            <a:r>
+              <a:rPr lang="en-US" sz="2000" dirty="0">
+                <a:sym typeface="Wingdings" panose="05000000000000000000" pitchFamily="2" charset="2"/>
+              </a:rPr>
+              <a:t> </a:t>
+            </a:r>
+            <a:r>
+              <a:rPr lang="en-US" sz="2000" dirty="0" err="1">
+                <a:sym typeface="Wingdings" panose="05000000000000000000" pitchFamily="2" charset="2"/>
+              </a:rPr>
+              <a:t>Kuartil</a:t>
+            </a:r>
+            <a:endParaRPr lang="en-US" sz="2000" dirty="0">
+              <a:sym typeface="Wingdings" panose="05000000000000000000" pitchFamily="2" charset="2"/>
+            </a:endParaRPr>
+          </a:p>
+        </p:txBody>
+      </p:sp>
+      <p:pic>
+        <p:nvPicPr>
+          <p:cNvPr id="8" name="Picture 7">
+            <a:extLst>
+              <a:ext uri="{FF2B5EF4-FFF2-40B4-BE49-F238E27FC236}">
+                <a16:creationId xmlns:a16="http://schemas.microsoft.com/office/drawing/2014/main" id="{71046EB1-1815-475F-BB59-74748E3F7CC7}"/>
+              </a:ext>
+            </a:extLst>
+          </p:cNvPr>
+          <p:cNvPicPr>
+            <a:picLocks noChangeAspect="1"/>
+          </p:cNvPicPr>
+          <p:nvPr/>
+        </p:nvPicPr>
+        <p:blipFill>
+          <a:blip r:embed="rId2">
+            <a:extLst>
+              <a:ext uri="{28A0092B-C50C-407E-A947-70E740481C1C}">
+                <a14:useLocalDpi xmlns:a14="http://schemas.microsoft.com/office/drawing/2010/main" val="0"/>
+              </a:ext>
+            </a:extLst>
+          </a:blip>
+          <a:stretch>
+            <a:fillRect/>
+          </a:stretch>
+        </p:blipFill>
+        <p:spPr>
+          <a:xfrm>
+            <a:off x="393998" y="1917581"/>
+            <a:ext cx="3676650" cy="2667000"/>
+          </a:xfrm>
+          <a:prstGeom prst="rect">
+            <a:avLst/>
+          </a:prstGeom>
+        </p:spPr>
+      </p:pic>
+      <p:sp>
+        <p:nvSpPr>
+          <p:cNvPr id="9" name="TextBox 8">
+            <a:extLst>
+              <a:ext uri="{FF2B5EF4-FFF2-40B4-BE49-F238E27FC236}">
+                <a16:creationId xmlns:a16="http://schemas.microsoft.com/office/drawing/2014/main" id="{93C18EA1-7D29-4D7A-8342-247DFE6C685C}"/>
+              </a:ext>
+            </a:extLst>
+          </p:cNvPr>
+          <p:cNvSpPr txBox="1"/>
+          <p:nvPr/>
+        </p:nvSpPr>
+        <p:spPr>
+          <a:xfrm>
+            <a:off x="4508946" y="2139702"/>
+            <a:ext cx="4241056" cy="2308324"/>
+          </a:xfrm>
+          <a:prstGeom prst="rect">
+            <a:avLst/>
+          </a:prstGeom>
+          <a:noFill/>
+        </p:spPr>
+        <p:txBody>
+          <a:bodyPr wrap="square" rtlCol="0">
+            <a:spAutoFit/>
+          </a:bodyPr>
+          <a:lstStyle/>
+          <a:p>
+            <a:r>
+              <a:rPr lang="en-US" dirty="0"/>
+              <a:t>Q1 = 80.5 + (( ¼.50 – 11)/11) x 6</a:t>
+            </a:r>
+          </a:p>
+          <a:p>
+            <a:r>
+              <a:rPr lang="en-US" dirty="0"/>
+              <a:t>Q1 = 80.5 + 0.82 = 81.32</a:t>
+            </a:r>
+          </a:p>
+          <a:p>
+            <a:endParaRPr lang="en-US" dirty="0"/>
+          </a:p>
+          <a:p>
+            <a:r>
+              <a:rPr lang="en-US" dirty="0"/>
+              <a:t>Q3 = 92.5 + ((3/4.50 – 37)/13) x 6</a:t>
+            </a:r>
+          </a:p>
+          <a:p>
+            <a:r>
+              <a:rPr lang="en-US" dirty="0"/>
+              <a:t>Q3 = 92.5 + 0.23 = 92.73</a:t>
+            </a:r>
+          </a:p>
+          <a:p>
+            <a:endParaRPr lang="en-US" dirty="0"/>
+          </a:p>
+          <a:p>
+            <a:r>
+              <a:rPr lang="en-US" dirty="0"/>
+              <a:t>JK = ½ x (Q3-Q1)</a:t>
+            </a:r>
+          </a:p>
+          <a:p>
+            <a:r>
+              <a:rPr lang="en-US" dirty="0"/>
+              <a:t>JK = ½ x 11.41 = 5.71</a:t>
+            </a:r>
+            <a:endParaRPr lang="en-ID" dirty="0"/>
+          </a:p>
+        </p:txBody>
+      </p:sp>
+    </p:spTree>
+    <p:extLst>
+      <p:ext uri="{BB962C8B-B14F-4D97-AF65-F5344CB8AC3E}">
+        <p14:creationId xmlns:p14="http://schemas.microsoft.com/office/powerpoint/2010/main" val="3991246537"/>
+      </p:ext>
+    </p:extLst>
+  </p:cSld>
+  <p:clrMapOvr>
+    <a:masterClrMapping/>
+  </p:clrMapOvr>
+  <mc:AlternateContent xmlns:mc="http://schemas.openxmlformats.org/markup-compatibility/2006">
+    <mc:Choice xmlns:p14="http://schemas.microsoft.com/office/powerpoint/2010/main" Requires="p14">
+      <p:transition spd="slow" p14:dur="1300">
+        <p14:pan dir="u"/>
+      </p:transition>
+    </mc:Choice>
+    <mc:Fallback>
+      <p:transition spd="slow">
+        <p:fade/>
+      </p:transition>
+    </mc:Fallback>
+  </mc:AlternateContent>
+</p:sld>
+</file>
+
+<file path=ppt/slides/slide23.xml><?xml version="1.0" encoding="utf-8"?>
+<p:sld xmlns:a="http://schemas.openxmlformats.org/drawingml/2006/main" xmlns:r="http://schemas.openxmlformats.org/officeDocument/2006/relationships" xmlns:p="http://schemas.openxmlformats.org/presentationml/2006/main">
+  <p:cSld>
+    <p:spTree>
+      <p:nvGrpSpPr>
+        <p:cNvPr id="1" name=""/>
+        <p:cNvGrpSpPr/>
+        <p:nvPr/>
+      </p:nvGrpSpPr>
+      <p:grpSpPr>
+        <a:xfrm>
+          <a:off x="0" y="0"/>
+          <a:ext cx="0" cy="0"/>
+          <a:chOff x="0" y="0"/>
+          <a:chExt cx="0" cy="0"/>
+        </a:xfrm>
+      </p:grpSpPr>
+      <p:sp>
+        <p:nvSpPr>
+          <p:cNvPr id="2" name="Text Placeholder 1">
+            <a:extLst>
+              <a:ext uri="{FF2B5EF4-FFF2-40B4-BE49-F238E27FC236}">
+                <a16:creationId xmlns:a16="http://schemas.microsoft.com/office/drawing/2014/main" id="{0473AE43-C7F9-4584-A8DD-E832B858E4DA}"/>
+              </a:ext>
+            </a:extLst>
+          </p:cNvPr>
+          <p:cNvSpPr>
+            <a:spLocks noGrp="1"/>
+          </p:cNvSpPr>
+          <p:nvPr>
+            <p:ph type="body" sz="quarter" idx="10"/>
+          </p:nvPr>
+        </p:nvSpPr>
+        <p:spPr/>
+        <p:txBody>
+          <a:bodyPr/>
+          <a:lstStyle/>
+          <a:p>
+            <a:r>
+              <a:rPr lang="en-ID" dirty="0" err="1"/>
+              <a:t>Studi</a:t>
+            </a:r>
+            <a:r>
+              <a:rPr lang="en-ID" dirty="0"/>
+              <a:t> </a:t>
+            </a:r>
+            <a:r>
+              <a:rPr lang="en-ID" dirty="0" err="1"/>
+              <a:t>Kasus</a:t>
+            </a:r>
+            <a:endParaRPr lang="en-ID" dirty="0"/>
+          </a:p>
+        </p:txBody>
+      </p:sp>
+      <p:sp>
+        <p:nvSpPr>
+          <p:cNvPr id="3" name="Text Placeholder 2">
+            <a:extLst>
+              <a:ext uri="{FF2B5EF4-FFF2-40B4-BE49-F238E27FC236}">
+                <a16:creationId xmlns:a16="http://schemas.microsoft.com/office/drawing/2014/main" id="{6D500731-E0BB-4876-9894-2FF0535FA48C}"/>
+              </a:ext>
+            </a:extLst>
+          </p:cNvPr>
+          <p:cNvSpPr>
+            <a:spLocks noGrp="1"/>
+          </p:cNvSpPr>
+          <p:nvPr>
+            <p:ph type="body" sz="quarter" idx="11"/>
+          </p:nvPr>
+        </p:nvSpPr>
+        <p:spPr/>
+        <p:txBody>
+          <a:bodyPr/>
+          <a:lstStyle/>
+          <a:p>
+            <a:r>
+              <a:rPr lang="en-US" b="1" dirty="0" err="1"/>
+              <a:t>Tabel</a:t>
+            </a:r>
+            <a:r>
+              <a:rPr lang="en-US" b="1" dirty="0"/>
+              <a:t> data </a:t>
+            </a:r>
+            <a:r>
+              <a:rPr lang="en-US" b="1" dirty="0" err="1"/>
+              <a:t>nilai</a:t>
+            </a:r>
+            <a:r>
+              <a:rPr lang="en-US" b="1" dirty="0"/>
+              <a:t> </a:t>
+            </a:r>
+            <a:r>
+              <a:rPr lang="en-US" b="1" dirty="0" err="1"/>
+              <a:t>ujian</a:t>
+            </a:r>
+            <a:r>
+              <a:rPr lang="en-US" b="1" dirty="0"/>
+              <a:t> Pelajaran Agama Islam 50 </a:t>
+            </a:r>
+            <a:r>
+              <a:rPr lang="en-US" b="1" dirty="0" err="1"/>
+              <a:t>Siswa</a:t>
+            </a:r>
+            <a:endParaRPr lang="en-US" altLang="ko-KR" b="1" dirty="0"/>
+          </a:p>
+        </p:txBody>
+      </p:sp>
+      <p:sp>
+        <p:nvSpPr>
+          <p:cNvPr id="5" name="TextBox 4">
+            <a:extLst>
+              <a:ext uri="{FF2B5EF4-FFF2-40B4-BE49-F238E27FC236}">
+                <a16:creationId xmlns:a16="http://schemas.microsoft.com/office/drawing/2014/main" id="{705CFAAE-1E2A-4496-916E-EA7CEEF19C5C}"/>
+              </a:ext>
+            </a:extLst>
+          </p:cNvPr>
+          <p:cNvSpPr txBox="1"/>
+          <p:nvPr/>
+        </p:nvSpPr>
+        <p:spPr>
+          <a:xfrm>
+            <a:off x="395536" y="1577342"/>
+            <a:ext cx="4113410" cy="400110"/>
+          </a:xfrm>
+          <a:prstGeom prst="rect">
+            <a:avLst/>
+          </a:prstGeom>
+          <a:noFill/>
+        </p:spPr>
+        <p:txBody>
+          <a:bodyPr wrap="square" rtlCol="0" anchor="ctr">
+            <a:spAutoFit/>
+          </a:bodyPr>
+          <a:lstStyle/>
+          <a:p>
+            <a:pPr marL="342900" indent="-342900" algn="just">
+              <a:buFont typeface="Wingdings" panose="05000000000000000000" pitchFamily="2" charset="2"/>
+              <a:buChar char="è"/>
+            </a:pPr>
+            <a:r>
+              <a:rPr lang="en-US" sz="2000" dirty="0" err="1">
+                <a:sym typeface="Wingdings" panose="05000000000000000000" pitchFamily="2" charset="2"/>
+              </a:rPr>
+              <a:t>Mencari</a:t>
+            </a:r>
+            <a:r>
+              <a:rPr lang="en-US" sz="2000" dirty="0">
+                <a:sym typeface="Wingdings" panose="05000000000000000000" pitchFamily="2" charset="2"/>
+              </a:rPr>
+              <a:t> </a:t>
+            </a:r>
+            <a:r>
+              <a:rPr lang="en-US" sz="2000" dirty="0" err="1">
+                <a:sym typeface="Wingdings" panose="05000000000000000000" pitchFamily="2" charset="2"/>
+              </a:rPr>
+              <a:t>Posisi</a:t>
+            </a:r>
+            <a:r>
+              <a:rPr lang="en-US" sz="2000" dirty="0">
+                <a:sym typeface="Wingdings" panose="05000000000000000000" pitchFamily="2" charset="2"/>
+              </a:rPr>
+              <a:t> </a:t>
+            </a:r>
+            <a:r>
+              <a:rPr lang="en-US" sz="2000" dirty="0" err="1">
+                <a:sym typeface="Wingdings" panose="05000000000000000000" pitchFamily="2" charset="2"/>
+              </a:rPr>
+              <a:t>kelas</a:t>
+            </a:r>
+            <a:r>
+              <a:rPr lang="en-US" sz="2000" dirty="0">
+                <a:sym typeface="Wingdings" panose="05000000000000000000" pitchFamily="2" charset="2"/>
+              </a:rPr>
+              <a:t> </a:t>
+            </a:r>
+            <a:r>
+              <a:rPr lang="en-US" sz="2000" dirty="0" err="1">
+                <a:sym typeface="Wingdings" panose="05000000000000000000" pitchFamily="2" charset="2"/>
+              </a:rPr>
+              <a:t>Persentil</a:t>
+            </a:r>
+            <a:endParaRPr lang="en-US" sz="2000" dirty="0">
+              <a:sym typeface="Wingdings" panose="05000000000000000000" pitchFamily="2" charset="2"/>
+            </a:endParaRPr>
+          </a:p>
+        </p:txBody>
+      </p:sp>
+      <p:graphicFrame>
+        <p:nvGraphicFramePr>
+          <p:cNvPr id="4" name="Table 3">
+            <a:extLst>
+              <a:ext uri="{FF2B5EF4-FFF2-40B4-BE49-F238E27FC236}">
+                <a16:creationId xmlns:a16="http://schemas.microsoft.com/office/drawing/2014/main" id="{7C523A19-C5CC-48A1-862C-0FF97013B7FD}"/>
+              </a:ext>
+            </a:extLst>
+          </p:cNvPr>
+          <p:cNvGraphicFramePr>
+            <a:graphicFrameLocks noGrp="1"/>
+          </p:cNvGraphicFramePr>
+          <p:nvPr/>
+        </p:nvGraphicFramePr>
+        <p:xfrm>
+          <a:off x="384389" y="2308799"/>
+          <a:ext cx="3327400" cy="1714500"/>
+        </p:xfrm>
+        <a:graphic>
+          <a:graphicData uri="http://schemas.openxmlformats.org/drawingml/2006/table">
+            <a:tbl>
+              <a:tblPr>
+                <a:tableStyleId>{5940675A-B579-460E-94D1-54222C63F5DA}</a:tableStyleId>
+              </a:tblPr>
+              <a:tblGrid>
+                <a:gridCol w="660400">
+                  <a:extLst>
+                    <a:ext uri="{9D8B030D-6E8A-4147-A177-3AD203B41FA5}">
+                      <a16:colId xmlns:a16="http://schemas.microsoft.com/office/drawing/2014/main" val="2385161296"/>
+                    </a:ext>
+                  </a:extLst>
+                </a:gridCol>
+                <a:gridCol w="647700">
+                  <a:extLst>
+                    <a:ext uri="{9D8B030D-6E8A-4147-A177-3AD203B41FA5}">
+                      <a16:colId xmlns:a16="http://schemas.microsoft.com/office/drawing/2014/main" val="185980743"/>
+                    </a:ext>
+                  </a:extLst>
+                </a:gridCol>
+                <a:gridCol w="800100">
+                  <a:extLst>
+                    <a:ext uri="{9D8B030D-6E8A-4147-A177-3AD203B41FA5}">
+                      <a16:colId xmlns:a16="http://schemas.microsoft.com/office/drawing/2014/main" val="3583051065"/>
+                    </a:ext>
+                  </a:extLst>
+                </a:gridCol>
+                <a:gridCol w="609600">
+                  <a:extLst>
+                    <a:ext uri="{9D8B030D-6E8A-4147-A177-3AD203B41FA5}">
+                      <a16:colId xmlns:a16="http://schemas.microsoft.com/office/drawing/2014/main" val="2456541908"/>
+                    </a:ext>
+                  </a:extLst>
+                </a:gridCol>
+                <a:gridCol w="609600">
+                  <a:extLst>
+                    <a:ext uri="{9D8B030D-6E8A-4147-A177-3AD203B41FA5}">
+                      <a16:colId xmlns:a16="http://schemas.microsoft.com/office/drawing/2014/main" val="4016746239"/>
+                    </a:ext>
+                  </a:extLst>
+                </a:gridCol>
+              </a:tblGrid>
+              <a:tr h="190500">
+                <a:tc>
+                  <a:txBody>
+                    <a:bodyPr/>
+                    <a:lstStyle/>
+                    <a:p>
+                      <a:pPr algn="ctr" fontAlgn="ctr"/>
+                      <a:r>
+                        <a:rPr lang="en-ID" sz="1100" u="none" strike="noStrike">
+                          <a:effectLst/>
+                        </a:rPr>
+                        <a:t>Periode</a:t>
+                      </a:r>
+                      <a:endParaRPr lang="en-ID" sz="1100" b="0" i="0" u="none" strike="noStrike">
+                        <a:solidFill>
+                          <a:srgbClr val="000000"/>
+                        </a:solidFill>
+                        <a:effectLst/>
+                        <a:latin typeface="Calibri" panose="020F0502020204030204" pitchFamily="34" charset="0"/>
+                      </a:endParaRPr>
+                    </a:p>
+                  </a:txBody>
+                  <a:tcPr marL="9525" marR="9525" marT="9525" marB="0" anchor="ctr"/>
+                </a:tc>
+                <a:tc>
+                  <a:txBody>
+                    <a:bodyPr/>
+                    <a:lstStyle/>
+                    <a:p>
+                      <a:pPr algn="ctr" fontAlgn="ctr"/>
+                      <a:r>
+                        <a:rPr lang="en-ID" sz="1100" u="none" strike="noStrike">
+                          <a:effectLst/>
+                        </a:rPr>
+                        <a:t>Frekuensi</a:t>
+                      </a:r>
+                      <a:endParaRPr lang="en-ID" sz="1100" b="0" i="0" u="none" strike="noStrike">
+                        <a:solidFill>
+                          <a:srgbClr val="000000"/>
+                        </a:solidFill>
+                        <a:effectLst/>
+                        <a:latin typeface="Calibri" panose="020F0502020204030204" pitchFamily="34" charset="0"/>
+                      </a:endParaRPr>
+                    </a:p>
+                  </a:txBody>
+                  <a:tcPr marL="9525" marR="9525" marT="9525" marB="0" anchor="ctr"/>
+                </a:tc>
+                <a:tc>
+                  <a:txBody>
+                    <a:bodyPr/>
+                    <a:lstStyle/>
+                    <a:p>
+                      <a:pPr algn="ctr" fontAlgn="ctr"/>
+                      <a:r>
+                        <a:rPr lang="en-ID" sz="1100" u="none" strike="noStrike">
+                          <a:effectLst/>
+                        </a:rPr>
+                        <a:t>tbk</a:t>
+                      </a:r>
+                      <a:endParaRPr lang="en-ID" sz="1100" b="0" i="0" u="none" strike="noStrike">
+                        <a:solidFill>
+                          <a:srgbClr val="000000"/>
+                        </a:solidFill>
+                        <a:effectLst/>
+                        <a:latin typeface="Calibri" panose="020F0502020204030204" pitchFamily="34" charset="0"/>
+                      </a:endParaRPr>
+                    </a:p>
+                  </a:txBody>
+                  <a:tcPr marL="9525" marR="9525" marT="9525" marB="0" anchor="ctr"/>
+                </a:tc>
+                <a:tc>
+                  <a:txBody>
+                    <a:bodyPr/>
+                    <a:lstStyle/>
+                    <a:p>
+                      <a:pPr algn="ctr" fontAlgn="ctr"/>
+                      <a:r>
+                        <a:rPr lang="en-ID" sz="1100" u="none" strike="noStrike">
+                          <a:effectLst/>
+                        </a:rPr>
+                        <a:t>tak</a:t>
+                      </a:r>
+                      <a:endParaRPr lang="en-ID" sz="1100" b="0" i="0" u="none" strike="noStrike">
+                        <a:solidFill>
+                          <a:srgbClr val="000000"/>
+                        </a:solidFill>
+                        <a:effectLst/>
+                        <a:latin typeface="Calibri" panose="020F0502020204030204" pitchFamily="34" charset="0"/>
+                      </a:endParaRPr>
+                    </a:p>
+                  </a:txBody>
+                  <a:tcPr marL="9525" marR="9525" marT="9525" marB="0" anchor="ctr"/>
+                </a:tc>
+                <a:tc>
+                  <a:txBody>
+                    <a:bodyPr/>
+                    <a:lstStyle/>
+                    <a:p>
+                      <a:pPr algn="ctr" fontAlgn="ctr"/>
+                      <a:r>
+                        <a:rPr lang="en-ID" sz="1100" u="none" strike="noStrike">
+                          <a:effectLst/>
+                        </a:rPr>
+                        <a:t>interval</a:t>
+                      </a:r>
+                      <a:endParaRPr lang="en-ID" sz="1100" b="0" i="0" u="none" strike="noStrike">
+                        <a:solidFill>
+                          <a:srgbClr val="000000"/>
+                        </a:solidFill>
+                        <a:effectLst/>
+                        <a:latin typeface="Calibri" panose="020F0502020204030204" pitchFamily="34" charset="0"/>
+                      </a:endParaRPr>
+                    </a:p>
+                  </a:txBody>
+                  <a:tcPr marL="9525" marR="9525" marT="9525" marB="0" anchor="ctr"/>
+                </a:tc>
+                <a:extLst>
+                  <a:ext uri="{0D108BD9-81ED-4DB2-BD59-A6C34878D82A}">
+                    <a16:rowId xmlns:a16="http://schemas.microsoft.com/office/drawing/2014/main" val="578385680"/>
+                  </a:ext>
+                </a:extLst>
+              </a:tr>
+              <a:tr h="190500">
+                <a:tc>
+                  <a:txBody>
+                    <a:bodyPr/>
+                    <a:lstStyle/>
+                    <a:p>
+                      <a:pPr algn="ctr" fontAlgn="ctr"/>
+                      <a:r>
+                        <a:rPr lang="en-ID" sz="1100" u="none" strike="noStrike">
+                          <a:effectLst/>
+                        </a:rPr>
+                        <a:t>57 - 62</a:t>
+                      </a:r>
+                      <a:endParaRPr lang="en-ID" sz="1100" b="0" i="0" u="none" strike="noStrike">
+                        <a:solidFill>
+                          <a:srgbClr val="000000"/>
+                        </a:solidFill>
+                        <a:effectLst/>
+                        <a:latin typeface="Calibri" panose="020F0502020204030204" pitchFamily="34" charset="0"/>
+                      </a:endParaRPr>
+                    </a:p>
+                  </a:txBody>
+                  <a:tcPr marL="9525" marR="9525" marT="9525" marB="0" anchor="ctr"/>
+                </a:tc>
+                <a:tc>
+                  <a:txBody>
+                    <a:bodyPr/>
+                    <a:lstStyle/>
+                    <a:p>
+                      <a:pPr algn="ctr" fontAlgn="ctr"/>
+                      <a:r>
+                        <a:rPr lang="en-ID" sz="1100" u="none" strike="noStrike">
+                          <a:effectLst/>
+                        </a:rPr>
+                        <a:t>3</a:t>
+                      </a:r>
+                      <a:endParaRPr lang="en-ID" sz="1100" b="0" i="0" u="none" strike="noStrike">
+                        <a:solidFill>
+                          <a:srgbClr val="000000"/>
+                        </a:solidFill>
+                        <a:effectLst/>
+                        <a:latin typeface="Calibri" panose="020F0502020204030204" pitchFamily="34" charset="0"/>
+                      </a:endParaRPr>
+                    </a:p>
+                  </a:txBody>
+                  <a:tcPr marL="9525" marR="9525" marT="9525" marB="0" anchor="ctr"/>
+                </a:tc>
+                <a:tc>
+                  <a:txBody>
+                    <a:bodyPr/>
+                    <a:lstStyle/>
+                    <a:p>
+                      <a:pPr algn="ctr" fontAlgn="ctr"/>
+                      <a:r>
+                        <a:rPr lang="en-ID" sz="1100" u="none" strike="noStrike">
+                          <a:effectLst/>
+                        </a:rPr>
+                        <a:t>56,5</a:t>
+                      </a:r>
+                      <a:endParaRPr lang="en-ID" sz="1100" b="0" i="0" u="none" strike="noStrike">
+                        <a:solidFill>
+                          <a:srgbClr val="000000"/>
+                        </a:solidFill>
+                        <a:effectLst/>
+                        <a:latin typeface="Calibri" panose="020F0502020204030204" pitchFamily="34" charset="0"/>
+                      </a:endParaRPr>
+                    </a:p>
+                  </a:txBody>
+                  <a:tcPr marL="9525" marR="9525" marT="9525" marB="0" anchor="ctr"/>
+                </a:tc>
+                <a:tc>
+                  <a:txBody>
+                    <a:bodyPr/>
+                    <a:lstStyle/>
+                    <a:p>
+                      <a:pPr algn="ctr" fontAlgn="ctr"/>
+                      <a:r>
+                        <a:rPr lang="en-ID" sz="1100" u="none" strike="noStrike">
+                          <a:effectLst/>
+                        </a:rPr>
+                        <a:t>62,5</a:t>
+                      </a:r>
+                      <a:endParaRPr lang="en-ID" sz="1100" b="0" i="0" u="none" strike="noStrike">
+                        <a:solidFill>
+                          <a:srgbClr val="000000"/>
+                        </a:solidFill>
+                        <a:effectLst/>
+                        <a:latin typeface="Calibri" panose="020F0502020204030204" pitchFamily="34" charset="0"/>
+                      </a:endParaRPr>
+                    </a:p>
+                  </a:txBody>
+                  <a:tcPr marL="9525" marR="9525" marT="9525" marB="0" anchor="ctr"/>
+                </a:tc>
+                <a:tc>
+                  <a:txBody>
+                    <a:bodyPr/>
+                    <a:lstStyle/>
+                    <a:p>
+                      <a:pPr algn="r" fontAlgn="b"/>
+                      <a:r>
+                        <a:rPr lang="en-ID" sz="1100" u="none" strike="noStrike">
+                          <a:effectLst/>
+                        </a:rPr>
+                        <a:t>6</a:t>
+                      </a:r>
+                      <a:endParaRPr lang="en-ID" sz="1100" b="0" i="0" u="none" strike="noStrike">
+                        <a:solidFill>
+                          <a:srgbClr val="000000"/>
+                        </a:solidFill>
+                        <a:effectLst/>
+                        <a:latin typeface="Calibri" panose="020F0502020204030204" pitchFamily="34" charset="0"/>
+                      </a:endParaRPr>
+                    </a:p>
+                  </a:txBody>
+                  <a:tcPr marL="9525" marR="9525" marT="9525" marB="0" anchor="b"/>
+                </a:tc>
+                <a:extLst>
+                  <a:ext uri="{0D108BD9-81ED-4DB2-BD59-A6C34878D82A}">
+                    <a16:rowId xmlns:a16="http://schemas.microsoft.com/office/drawing/2014/main" val="2451698492"/>
+                  </a:ext>
+                </a:extLst>
+              </a:tr>
+              <a:tr h="190500">
+                <a:tc>
+                  <a:txBody>
+                    <a:bodyPr/>
+                    <a:lstStyle/>
+                    <a:p>
+                      <a:pPr algn="ctr" fontAlgn="ctr"/>
+                      <a:r>
+                        <a:rPr lang="en-ID" sz="1100" u="none" strike="noStrike">
+                          <a:effectLst/>
+                        </a:rPr>
+                        <a:t>63 - 68</a:t>
+                      </a:r>
+                      <a:endParaRPr lang="en-ID" sz="1100" b="0" i="0" u="none" strike="noStrike">
+                        <a:solidFill>
+                          <a:srgbClr val="000000"/>
+                        </a:solidFill>
+                        <a:effectLst/>
+                        <a:latin typeface="Calibri" panose="020F0502020204030204" pitchFamily="34" charset="0"/>
+                      </a:endParaRPr>
+                    </a:p>
+                  </a:txBody>
+                  <a:tcPr marL="9525" marR="9525" marT="9525" marB="0" anchor="ctr"/>
+                </a:tc>
+                <a:tc>
+                  <a:txBody>
+                    <a:bodyPr/>
+                    <a:lstStyle/>
+                    <a:p>
+                      <a:pPr algn="ctr" fontAlgn="ctr"/>
+                      <a:r>
+                        <a:rPr lang="en-ID" sz="1100" u="none" strike="noStrike">
+                          <a:effectLst/>
+                        </a:rPr>
+                        <a:t>2</a:t>
+                      </a:r>
+                      <a:endParaRPr lang="en-ID" sz="1100" b="0" i="0" u="none" strike="noStrike">
+                        <a:solidFill>
+                          <a:srgbClr val="000000"/>
+                        </a:solidFill>
+                        <a:effectLst/>
+                        <a:latin typeface="Calibri" panose="020F0502020204030204" pitchFamily="34" charset="0"/>
+                      </a:endParaRPr>
+                    </a:p>
+                  </a:txBody>
+                  <a:tcPr marL="9525" marR="9525" marT="9525" marB="0" anchor="ctr"/>
+                </a:tc>
+                <a:tc>
+                  <a:txBody>
+                    <a:bodyPr/>
+                    <a:lstStyle/>
+                    <a:p>
+                      <a:pPr algn="ctr" fontAlgn="ctr"/>
+                      <a:r>
+                        <a:rPr lang="en-ID" sz="1100" u="none" strike="noStrike">
+                          <a:effectLst/>
+                        </a:rPr>
+                        <a:t>62,5</a:t>
+                      </a:r>
+                      <a:endParaRPr lang="en-ID" sz="1100" b="0" i="0" u="none" strike="noStrike">
+                        <a:solidFill>
+                          <a:srgbClr val="000000"/>
+                        </a:solidFill>
+                        <a:effectLst/>
+                        <a:latin typeface="Calibri" panose="020F0502020204030204" pitchFamily="34" charset="0"/>
+                      </a:endParaRPr>
+                    </a:p>
+                  </a:txBody>
+                  <a:tcPr marL="9525" marR="9525" marT="9525" marB="0" anchor="ctr"/>
+                </a:tc>
+                <a:tc>
+                  <a:txBody>
+                    <a:bodyPr/>
+                    <a:lstStyle/>
+                    <a:p>
+                      <a:pPr algn="ctr" fontAlgn="ctr"/>
+                      <a:r>
+                        <a:rPr lang="en-ID" sz="1100" u="none" strike="noStrike">
+                          <a:effectLst/>
+                        </a:rPr>
+                        <a:t>68,5</a:t>
+                      </a:r>
+                      <a:endParaRPr lang="en-ID" sz="1100" b="0" i="0" u="none" strike="noStrike">
+                        <a:solidFill>
+                          <a:srgbClr val="000000"/>
+                        </a:solidFill>
+                        <a:effectLst/>
+                        <a:latin typeface="Calibri" panose="020F0502020204030204" pitchFamily="34" charset="0"/>
+                      </a:endParaRPr>
+                    </a:p>
+                  </a:txBody>
+                  <a:tcPr marL="9525" marR="9525" marT="9525" marB="0" anchor="ctr"/>
+                </a:tc>
+                <a:tc>
+                  <a:txBody>
+                    <a:bodyPr/>
+                    <a:lstStyle/>
+                    <a:p>
+                      <a:pPr algn="r" fontAlgn="b"/>
+                      <a:r>
+                        <a:rPr lang="en-ID" sz="1100" u="none" strike="noStrike">
+                          <a:effectLst/>
+                        </a:rPr>
+                        <a:t>6</a:t>
+                      </a:r>
+                      <a:endParaRPr lang="en-ID" sz="1100" b="0" i="0" u="none" strike="noStrike">
+                        <a:solidFill>
+                          <a:srgbClr val="000000"/>
+                        </a:solidFill>
+                        <a:effectLst/>
+                        <a:latin typeface="Calibri" panose="020F0502020204030204" pitchFamily="34" charset="0"/>
+                      </a:endParaRPr>
+                    </a:p>
+                  </a:txBody>
+                  <a:tcPr marL="9525" marR="9525" marT="9525" marB="0" anchor="b"/>
+                </a:tc>
+                <a:extLst>
+                  <a:ext uri="{0D108BD9-81ED-4DB2-BD59-A6C34878D82A}">
+                    <a16:rowId xmlns:a16="http://schemas.microsoft.com/office/drawing/2014/main" val="993676845"/>
+                  </a:ext>
+                </a:extLst>
+              </a:tr>
+              <a:tr h="190500">
+                <a:tc>
+                  <a:txBody>
+                    <a:bodyPr/>
+                    <a:lstStyle/>
+                    <a:p>
+                      <a:pPr algn="ctr" fontAlgn="ctr"/>
+                      <a:r>
+                        <a:rPr lang="en-ID" sz="1100" u="none" strike="noStrike">
+                          <a:effectLst/>
+                        </a:rPr>
+                        <a:t>69 - 74</a:t>
+                      </a:r>
+                      <a:endParaRPr lang="en-ID" sz="1100" b="0" i="0" u="none" strike="noStrike">
+                        <a:solidFill>
+                          <a:srgbClr val="000000"/>
+                        </a:solidFill>
+                        <a:effectLst/>
+                        <a:latin typeface="Calibri" panose="020F0502020204030204" pitchFamily="34" charset="0"/>
+                      </a:endParaRPr>
+                    </a:p>
+                  </a:txBody>
+                  <a:tcPr marL="9525" marR="9525" marT="9525" marB="0" anchor="ctr"/>
+                </a:tc>
+                <a:tc>
+                  <a:txBody>
+                    <a:bodyPr/>
+                    <a:lstStyle/>
+                    <a:p>
+                      <a:pPr algn="ctr" fontAlgn="ctr"/>
+                      <a:r>
+                        <a:rPr lang="en-ID" sz="1100" u="none" strike="noStrike">
+                          <a:effectLst/>
+                        </a:rPr>
+                        <a:t>2</a:t>
+                      </a:r>
+                      <a:endParaRPr lang="en-ID" sz="1100" b="0" i="0" u="none" strike="noStrike">
+                        <a:solidFill>
+                          <a:srgbClr val="000000"/>
+                        </a:solidFill>
+                        <a:effectLst/>
+                        <a:latin typeface="Calibri" panose="020F0502020204030204" pitchFamily="34" charset="0"/>
+                      </a:endParaRPr>
+                    </a:p>
+                  </a:txBody>
+                  <a:tcPr marL="9525" marR="9525" marT="9525" marB="0" anchor="ctr"/>
+                </a:tc>
+                <a:tc>
+                  <a:txBody>
+                    <a:bodyPr/>
+                    <a:lstStyle/>
+                    <a:p>
+                      <a:pPr algn="ctr" fontAlgn="ctr"/>
+                      <a:r>
+                        <a:rPr lang="en-ID" sz="1100" u="none" strike="noStrike">
+                          <a:effectLst/>
+                        </a:rPr>
+                        <a:t>68,5</a:t>
+                      </a:r>
+                      <a:endParaRPr lang="en-ID" sz="1100" b="0" i="0" u="none" strike="noStrike">
+                        <a:solidFill>
+                          <a:srgbClr val="000000"/>
+                        </a:solidFill>
+                        <a:effectLst/>
+                        <a:latin typeface="Calibri" panose="020F0502020204030204" pitchFamily="34" charset="0"/>
+                      </a:endParaRPr>
+                    </a:p>
+                  </a:txBody>
+                  <a:tcPr marL="9525" marR="9525" marT="9525" marB="0" anchor="ctr"/>
+                </a:tc>
+                <a:tc>
+                  <a:txBody>
+                    <a:bodyPr/>
+                    <a:lstStyle/>
+                    <a:p>
+                      <a:pPr algn="ctr" fontAlgn="ctr"/>
+                      <a:r>
+                        <a:rPr lang="en-ID" sz="1100" u="none" strike="noStrike">
+                          <a:effectLst/>
+                        </a:rPr>
+                        <a:t>74,5</a:t>
+                      </a:r>
+                      <a:endParaRPr lang="en-ID" sz="1100" b="0" i="0" u="none" strike="noStrike">
+                        <a:solidFill>
+                          <a:srgbClr val="000000"/>
+                        </a:solidFill>
+                        <a:effectLst/>
+                        <a:latin typeface="Calibri" panose="020F0502020204030204" pitchFamily="34" charset="0"/>
+                      </a:endParaRPr>
+                    </a:p>
+                  </a:txBody>
+                  <a:tcPr marL="9525" marR="9525" marT="9525" marB="0" anchor="ctr"/>
+                </a:tc>
+                <a:tc>
+                  <a:txBody>
+                    <a:bodyPr/>
+                    <a:lstStyle/>
+                    <a:p>
+                      <a:pPr algn="r" fontAlgn="b"/>
+                      <a:r>
+                        <a:rPr lang="en-ID" sz="1100" u="none" strike="noStrike">
+                          <a:effectLst/>
+                        </a:rPr>
+                        <a:t>6</a:t>
+                      </a:r>
+                      <a:endParaRPr lang="en-ID" sz="1100" b="0" i="0" u="none" strike="noStrike">
+                        <a:solidFill>
+                          <a:srgbClr val="000000"/>
+                        </a:solidFill>
+                        <a:effectLst/>
+                        <a:latin typeface="Calibri" panose="020F0502020204030204" pitchFamily="34" charset="0"/>
+                      </a:endParaRPr>
+                    </a:p>
+                  </a:txBody>
+                  <a:tcPr marL="9525" marR="9525" marT="9525" marB="0" anchor="b"/>
+                </a:tc>
+                <a:extLst>
+                  <a:ext uri="{0D108BD9-81ED-4DB2-BD59-A6C34878D82A}">
+                    <a16:rowId xmlns:a16="http://schemas.microsoft.com/office/drawing/2014/main" val="1129183856"/>
+                  </a:ext>
+                </a:extLst>
+              </a:tr>
+              <a:tr h="190500">
+                <a:tc>
+                  <a:txBody>
+                    <a:bodyPr/>
+                    <a:lstStyle/>
+                    <a:p>
+                      <a:pPr algn="ctr" fontAlgn="ctr"/>
+                      <a:r>
+                        <a:rPr lang="en-ID" sz="1100" u="none" strike="noStrike">
+                          <a:effectLst/>
+                        </a:rPr>
+                        <a:t>75 - 80</a:t>
+                      </a:r>
+                      <a:endParaRPr lang="en-ID" sz="1100" b="0" i="0" u="none" strike="noStrike">
+                        <a:solidFill>
+                          <a:srgbClr val="000000"/>
+                        </a:solidFill>
+                        <a:effectLst/>
+                        <a:latin typeface="Calibri" panose="020F0502020204030204" pitchFamily="34" charset="0"/>
+                      </a:endParaRPr>
+                    </a:p>
+                  </a:txBody>
+                  <a:tcPr marL="9525" marR="9525" marT="9525" marB="0" anchor="ctr"/>
+                </a:tc>
+                <a:tc>
+                  <a:txBody>
+                    <a:bodyPr/>
+                    <a:lstStyle/>
+                    <a:p>
+                      <a:pPr algn="ctr" fontAlgn="ctr"/>
+                      <a:r>
+                        <a:rPr lang="en-ID" sz="1000" u="none" strike="noStrike">
+                          <a:effectLst/>
+                        </a:rPr>
+                        <a:t>4</a:t>
+                      </a:r>
+                      <a:endParaRPr lang="en-ID" sz="1000" b="0" i="0" u="none" strike="noStrike">
+                        <a:solidFill>
+                          <a:srgbClr val="000000"/>
+                        </a:solidFill>
+                        <a:effectLst/>
+                        <a:latin typeface="Arial Narrow" panose="020B0606020202030204" pitchFamily="34" charset="0"/>
+                      </a:endParaRPr>
+                    </a:p>
+                  </a:txBody>
+                  <a:tcPr marL="9525" marR="9525" marT="9525" marB="0" anchor="ctr"/>
+                </a:tc>
+                <a:tc>
+                  <a:txBody>
+                    <a:bodyPr/>
+                    <a:lstStyle/>
+                    <a:p>
+                      <a:pPr algn="ctr" fontAlgn="ctr"/>
+                      <a:r>
+                        <a:rPr lang="en-ID" sz="1100" u="none" strike="noStrike">
+                          <a:effectLst/>
+                        </a:rPr>
+                        <a:t>74,5</a:t>
+                      </a:r>
+                      <a:endParaRPr lang="en-ID" sz="1100" b="0" i="0" u="none" strike="noStrike">
+                        <a:solidFill>
+                          <a:srgbClr val="000000"/>
+                        </a:solidFill>
+                        <a:effectLst/>
+                        <a:latin typeface="Calibri" panose="020F0502020204030204" pitchFamily="34" charset="0"/>
+                      </a:endParaRPr>
+                    </a:p>
+                  </a:txBody>
+                  <a:tcPr marL="9525" marR="9525" marT="9525" marB="0" anchor="ctr"/>
+                </a:tc>
+                <a:tc>
+                  <a:txBody>
+                    <a:bodyPr/>
+                    <a:lstStyle/>
+                    <a:p>
+                      <a:pPr algn="ctr" fontAlgn="ctr"/>
+                      <a:r>
+                        <a:rPr lang="en-ID" sz="1100" u="none" strike="noStrike">
+                          <a:effectLst/>
+                        </a:rPr>
+                        <a:t>80,5</a:t>
+                      </a:r>
+                      <a:endParaRPr lang="en-ID" sz="1100" b="0" i="0" u="none" strike="noStrike">
+                        <a:solidFill>
+                          <a:srgbClr val="000000"/>
+                        </a:solidFill>
+                        <a:effectLst/>
+                        <a:latin typeface="Calibri" panose="020F0502020204030204" pitchFamily="34" charset="0"/>
+                      </a:endParaRPr>
+                    </a:p>
+                  </a:txBody>
+                  <a:tcPr marL="9525" marR="9525" marT="9525" marB="0" anchor="ctr"/>
+                </a:tc>
+                <a:tc>
+                  <a:txBody>
+                    <a:bodyPr/>
+                    <a:lstStyle/>
+                    <a:p>
+                      <a:pPr algn="r" fontAlgn="b"/>
+                      <a:r>
+                        <a:rPr lang="en-ID" sz="1100" u="none" strike="noStrike">
+                          <a:effectLst/>
+                        </a:rPr>
+                        <a:t>6</a:t>
+                      </a:r>
+                      <a:endParaRPr lang="en-ID" sz="1100" b="0" i="0" u="none" strike="noStrike">
+                        <a:solidFill>
+                          <a:srgbClr val="000000"/>
+                        </a:solidFill>
+                        <a:effectLst/>
+                        <a:latin typeface="Calibri" panose="020F0502020204030204" pitchFamily="34" charset="0"/>
+                      </a:endParaRPr>
+                    </a:p>
+                  </a:txBody>
+                  <a:tcPr marL="9525" marR="9525" marT="9525" marB="0" anchor="b"/>
+                </a:tc>
+                <a:extLst>
+                  <a:ext uri="{0D108BD9-81ED-4DB2-BD59-A6C34878D82A}">
+                    <a16:rowId xmlns:a16="http://schemas.microsoft.com/office/drawing/2014/main" val="1171117733"/>
+                  </a:ext>
+                </a:extLst>
+              </a:tr>
+              <a:tr h="190500">
+                <a:tc>
+                  <a:txBody>
+                    <a:bodyPr/>
+                    <a:lstStyle/>
+                    <a:p>
+                      <a:pPr algn="ctr" fontAlgn="ctr"/>
+                      <a:r>
+                        <a:rPr lang="en-ID" sz="1100" u="none" strike="noStrike">
+                          <a:effectLst/>
+                        </a:rPr>
+                        <a:t>81 - 86</a:t>
+                      </a:r>
+                      <a:endParaRPr lang="en-ID" sz="1100" b="0" i="0" u="none" strike="noStrike">
+                        <a:solidFill>
+                          <a:srgbClr val="000000"/>
+                        </a:solidFill>
+                        <a:effectLst/>
+                        <a:latin typeface="Calibri" panose="020F0502020204030204" pitchFamily="34" charset="0"/>
+                      </a:endParaRPr>
+                    </a:p>
+                  </a:txBody>
+                  <a:tcPr marL="9525" marR="9525" marT="9525" marB="0" anchor="ctr"/>
+                </a:tc>
+                <a:tc>
+                  <a:txBody>
+                    <a:bodyPr/>
+                    <a:lstStyle/>
+                    <a:p>
+                      <a:pPr algn="ctr" fontAlgn="ctr"/>
+                      <a:r>
+                        <a:rPr lang="en-ID" sz="1100" u="none" strike="noStrike" dirty="0">
+                          <a:effectLst/>
+                        </a:rPr>
+                        <a:t>11</a:t>
+                      </a:r>
+                      <a:endParaRPr lang="en-ID" sz="1100" b="0" i="0" u="none" strike="noStrike" dirty="0">
+                        <a:solidFill>
+                          <a:srgbClr val="000000"/>
+                        </a:solidFill>
+                        <a:effectLst/>
+                        <a:latin typeface="Calibri" panose="020F0502020204030204" pitchFamily="34" charset="0"/>
+                      </a:endParaRPr>
+                    </a:p>
+                  </a:txBody>
+                  <a:tcPr marL="9525" marR="9525" marT="9525" marB="0" anchor="ctr"/>
+                </a:tc>
+                <a:tc>
+                  <a:txBody>
+                    <a:bodyPr/>
+                    <a:lstStyle/>
+                    <a:p>
+                      <a:pPr algn="ctr" fontAlgn="ctr"/>
+                      <a:r>
+                        <a:rPr lang="en-ID" sz="1100" u="none" strike="noStrike">
+                          <a:effectLst/>
+                        </a:rPr>
+                        <a:t>80,5</a:t>
+                      </a:r>
+                      <a:endParaRPr lang="en-ID" sz="1100" b="0" i="0" u="none" strike="noStrike">
+                        <a:solidFill>
+                          <a:srgbClr val="000000"/>
+                        </a:solidFill>
+                        <a:effectLst/>
+                        <a:latin typeface="Calibri" panose="020F0502020204030204" pitchFamily="34" charset="0"/>
+                      </a:endParaRPr>
+                    </a:p>
+                  </a:txBody>
+                  <a:tcPr marL="9525" marR="9525" marT="9525" marB="0" anchor="ctr"/>
+                </a:tc>
+                <a:tc>
+                  <a:txBody>
+                    <a:bodyPr/>
+                    <a:lstStyle/>
+                    <a:p>
+                      <a:pPr algn="ctr" fontAlgn="ctr"/>
+                      <a:r>
+                        <a:rPr lang="en-ID" sz="1100" u="none" strike="noStrike">
+                          <a:effectLst/>
+                        </a:rPr>
+                        <a:t>86,5</a:t>
+                      </a:r>
+                      <a:endParaRPr lang="en-ID" sz="1100" b="0" i="0" u="none" strike="noStrike">
+                        <a:solidFill>
+                          <a:srgbClr val="000000"/>
+                        </a:solidFill>
+                        <a:effectLst/>
+                        <a:latin typeface="Calibri" panose="020F0502020204030204" pitchFamily="34" charset="0"/>
+                      </a:endParaRPr>
+                    </a:p>
+                  </a:txBody>
+                  <a:tcPr marL="9525" marR="9525" marT="9525" marB="0" anchor="ctr"/>
+                </a:tc>
+                <a:tc>
+                  <a:txBody>
+                    <a:bodyPr/>
+                    <a:lstStyle/>
+                    <a:p>
+                      <a:pPr algn="r" fontAlgn="b"/>
+                      <a:r>
+                        <a:rPr lang="en-ID" sz="1100" u="none" strike="noStrike">
+                          <a:effectLst/>
+                        </a:rPr>
+                        <a:t>6</a:t>
+                      </a:r>
+                      <a:endParaRPr lang="en-ID" sz="1100" b="0" i="0" u="none" strike="noStrike">
+                        <a:solidFill>
+                          <a:srgbClr val="000000"/>
+                        </a:solidFill>
+                        <a:effectLst/>
+                        <a:latin typeface="Calibri" panose="020F0502020204030204" pitchFamily="34" charset="0"/>
+                      </a:endParaRPr>
+                    </a:p>
+                  </a:txBody>
+                  <a:tcPr marL="9525" marR="9525" marT="9525" marB="0" anchor="b"/>
+                </a:tc>
+                <a:extLst>
+                  <a:ext uri="{0D108BD9-81ED-4DB2-BD59-A6C34878D82A}">
+                    <a16:rowId xmlns:a16="http://schemas.microsoft.com/office/drawing/2014/main" val="2964406153"/>
+                  </a:ext>
+                </a:extLst>
+              </a:tr>
+              <a:tr h="190500">
+                <a:tc>
+                  <a:txBody>
+                    <a:bodyPr/>
+                    <a:lstStyle/>
+                    <a:p>
+                      <a:pPr algn="ctr" fontAlgn="ctr"/>
+                      <a:r>
+                        <a:rPr lang="en-ID" sz="1100" u="none" strike="noStrike">
+                          <a:effectLst/>
+                        </a:rPr>
+                        <a:t>87 - 92</a:t>
+                      </a:r>
+                      <a:endParaRPr lang="en-ID" sz="1100" b="0" i="0" u="none" strike="noStrike">
+                        <a:solidFill>
+                          <a:srgbClr val="000000"/>
+                        </a:solidFill>
+                        <a:effectLst/>
+                        <a:latin typeface="Calibri" panose="020F0502020204030204" pitchFamily="34" charset="0"/>
+                      </a:endParaRPr>
+                    </a:p>
+                  </a:txBody>
+                  <a:tcPr marL="9525" marR="9525" marT="9525" marB="0" anchor="ctr"/>
+                </a:tc>
+                <a:tc>
+                  <a:txBody>
+                    <a:bodyPr/>
+                    <a:lstStyle/>
+                    <a:p>
+                      <a:pPr algn="ctr" fontAlgn="ctr"/>
+                      <a:r>
+                        <a:rPr lang="en-ID" sz="1100" u="none" strike="noStrike">
+                          <a:effectLst/>
+                        </a:rPr>
+                        <a:t>15</a:t>
+                      </a:r>
+                      <a:endParaRPr lang="en-ID" sz="1100" b="0" i="0" u="none" strike="noStrike">
+                        <a:solidFill>
+                          <a:srgbClr val="000000"/>
+                        </a:solidFill>
+                        <a:effectLst/>
+                        <a:latin typeface="Calibri" panose="020F0502020204030204" pitchFamily="34" charset="0"/>
+                      </a:endParaRPr>
+                    </a:p>
+                  </a:txBody>
+                  <a:tcPr marL="9525" marR="9525" marT="9525" marB="0" anchor="ctr"/>
+                </a:tc>
+                <a:tc>
+                  <a:txBody>
+                    <a:bodyPr/>
+                    <a:lstStyle/>
+                    <a:p>
+                      <a:pPr algn="ctr" fontAlgn="ctr"/>
+                      <a:r>
+                        <a:rPr lang="en-ID" sz="1100" u="none" strike="noStrike">
+                          <a:effectLst/>
+                        </a:rPr>
+                        <a:t>86,5</a:t>
+                      </a:r>
+                      <a:endParaRPr lang="en-ID" sz="1100" b="0" i="0" u="none" strike="noStrike">
+                        <a:solidFill>
+                          <a:srgbClr val="000000"/>
+                        </a:solidFill>
+                        <a:effectLst/>
+                        <a:latin typeface="Calibri" panose="020F0502020204030204" pitchFamily="34" charset="0"/>
+                      </a:endParaRPr>
+                    </a:p>
+                  </a:txBody>
+                  <a:tcPr marL="9525" marR="9525" marT="9525" marB="0" anchor="ctr"/>
+                </a:tc>
+                <a:tc>
+                  <a:txBody>
+                    <a:bodyPr/>
+                    <a:lstStyle/>
+                    <a:p>
+                      <a:pPr algn="ctr" fontAlgn="ctr"/>
+                      <a:r>
+                        <a:rPr lang="en-ID" sz="1100" u="none" strike="noStrike">
+                          <a:effectLst/>
+                        </a:rPr>
+                        <a:t>92,5</a:t>
+                      </a:r>
+                      <a:endParaRPr lang="en-ID" sz="1100" b="0" i="0" u="none" strike="noStrike">
+                        <a:solidFill>
+                          <a:srgbClr val="000000"/>
+                        </a:solidFill>
+                        <a:effectLst/>
+                        <a:latin typeface="Calibri" panose="020F0502020204030204" pitchFamily="34" charset="0"/>
+                      </a:endParaRPr>
+                    </a:p>
+                  </a:txBody>
+                  <a:tcPr marL="9525" marR="9525" marT="9525" marB="0" anchor="ctr"/>
+                </a:tc>
+                <a:tc>
+                  <a:txBody>
+                    <a:bodyPr/>
+                    <a:lstStyle/>
+                    <a:p>
+                      <a:pPr algn="r" fontAlgn="b"/>
+                      <a:r>
+                        <a:rPr lang="en-ID" sz="1100" u="none" strike="noStrike">
+                          <a:effectLst/>
+                        </a:rPr>
+                        <a:t>6</a:t>
+                      </a:r>
+                      <a:endParaRPr lang="en-ID" sz="1100" b="0" i="0" u="none" strike="noStrike">
+                        <a:solidFill>
+                          <a:srgbClr val="000000"/>
+                        </a:solidFill>
+                        <a:effectLst/>
+                        <a:latin typeface="Calibri" panose="020F0502020204030204" pitchFamily="34" charset="0"/>
+                      </a:endParaRPr>
+                    </a:p>
+                  </a:txBody>
+                  <a:tcPr marL="9525" marR="9525" marT="9525" marB="0" anchor="b"/>
+                </a:tc>
+                <a:extLst>
+                  <a:ext uri="{0D108BD9-81ED-4DB2-BD59-A6C34878D82A}">
+                    <a16:rowId xmlns:a16="http://schemas.microsoft.com/office/drawing/2014/main" val="1958453833"/>
+                  </a:ext>
+                </a:extLst>
+              </a:tr>
+              <a:tr h="190500">
+                <a:tc>
+                  <a:txBody>
+                    <a:bodyPr/>
+                    <a:lstStyle/>
+                    <a:p>
+                      <a:pPr algn="ctr" fontAlgn="ctr"/>
+                      <a:r>
+                        <a:rPr lang="en-ID" sz="1100" u="none" strike="noStrike">
+                          <a:effectLst/>
+                        </a:rPr>
+                        <a:t>93 - 98</a:t>
+                      </a:r>
+                      <a:endParaRPr lang="en-ID" sz="1100" b="0" i="0" u="none" strike="noStrike">
+                        <a:solidFill>
+                          <a:srgbClr val="000000"/>
+                        </a:solidFill>
+                        <a:effectLst/>
+                        <a:latin typeface="Calibri" panose="020F0502020204030204" pitchFamily="34" charset="0"/>
+                      </a:endParaRPr>
+                    </a:p>
+                  </a:txBody>
+                  <a:tcPr marL="9525" marR="9525" marT="9525" marB="0" anchor="ctr"/>
+                </a:tc>
+                <a:tc>
+                  <a:txBody>
+                    <a:bodyPr/>
+                    <a:lstStyle/>
+                    <a:p>
+                      <a:pPr algn="ctr" fontAlgn="ctr"/>
+                      <a:r>
+                        <a:rPr lang="en-ID" sz="1100" u="none" strike="noStrike">
+                          <a:effectLst/>
+                        </a:rPr>
+                        <a:t>13</a:t>
+                      </a:r>
+                      <a:endParaRPr lang="en-ID" sz="1100" b="0" i="0" u="none" strike="noStrike">
+                        <a:solidFill>
+                          <a:srgbClr val="000000"/>
+                        </a:solidFill>
+                        <a:effectLst/>
+                        <a:latin typeface="Calibri" panose="020F0502020204030204" pitchFamily="34" charset="0"/>
+                      </a:endParaRPr>
+                    </a:p>
+                  </a:txBody>
+                  <a:tcPr marL="9525" marR="9525" marT="9525" marB="0" anchor="ctr"/>
+                </a:tc>
+                <a:tc>
+                  <a:txBody>
+                    <a:bodyPr/>
+                    <a:lstStyle/>
+                    <a:p>
+                      <a:pPr algn="ctr" fontAlgn="ctr"/>
+                      <a:r>
+                        <a:rPr lang="en-ID" sz="1100" u="none" strike="noStrike">
+                          <a:effectLst/>
+                        </a:rPr>
+                        <a:t>92,5</a:t>
+                      </a:r>
+                      <a:endParaRPr lang="en-ID" sz="1100" b="0" i="0" u="none" strike="noStrike">
+                        <a:solidFill>
+                          <a:srgbClr val="000000"/>
+                        </a:solidFill>
+                        <a:effectLst/>
+                        <a:latin typeface="Calibri" panose="020F0502020204030204" pitchFamily="34" charset="0"/>
+                      </a:endParaRPr>
+                    </a:p>
+                  </a:txBody>
+                  <a:tcPr marL="9525" marR="9525" marT="9525" marB="0" anchor="ctr"/>
+                </a:tc>
+                <a:tc>
+                  <a:txBody>
+                    <a:bodyPr/>
+                    <a:lstStyle/>
+                    <a:p>
+                      <a:pPr algn="ctr" fontAlgn="ctr"/>
+                      <a:r>
+                        <a:rPr lang="en-ID" sz="1100" u="none" strike="noStrike">
+                          <a:effectLst/>
+                        </a:rPr>
+                        <a:t>98,5</a:t>
+                      </a:r>
+                      <a:endParaRPr lang="en-ID" sz="1100" b="0" i="0" u="none" strike="noStrike">
+                        <a:solidFill>
+                          <a:srgbClr val="000000"/>
+                        </a:solidFill>
+                        <a:effectLst/>
+                        <a:latin typeface="Calibri" panose="020F0502020204030204" pitchFamily="34" charset="0"/>
+                      </a:endParaRPr>
+                    </a:p>
+                  </a:txBody>
+                  <a:tcPr marL="9525" marR="9525" marT="9525" marB="0" anchor="ctr"/>
+                </a:tc>
+                <a:tc>
+                  <a:txBody>
+                    <a:bodyPr/>
+                    <a:lstStyle/>
+                    <a:p>
+                      <a:pPr algn="r" fontAlgn="b"/>
+                      <a:r>
+                        <a:rPr lang="en-ID" sz="1100" u="none" strike="noStrike">
+                          <a:effectLst/>
+                        </a:rPr>
+                        <a:t>6</a:t>
+                      </a:r>
+                      <a:endParaRPr lang="en-ID" sz="1100" b="0" i="0" u="none" strike="noStrike">
+                        <a:solidFill>
+                          <a:srgbClr val="000000"/>
+                        </a:solidFill>
+                        <a:effectLst/>
+                        <a:latin typeface="Calibri" panose="020F0502020204030204" pitchFamily="34" charset="0"/>
+                      </a:endParaRPr>
+                    </a:p>
+                  </a:txBody>
+                  <a:tcPr marL="9525" marR="9525" marT="9525" marB="0" anchor="b"/>
+                </a:tc>
+                <a:extLst>
+                  <a:ext uri="{0D108BD9-81ED-4DB2-BD59-A6C34878D82A}">
+                    <a16:rowId xmlns:a16="http://schemas.microsoft.com/office/drawing/2014/main" val="1246938450"/>
+                  </a:ext>
+                </a:extLst>
+              </a:tr>
+              <a:tr h="190500">
+                <a:tc>
+                  <a:txBody>
+                    <a:bodyPr/>
+                    <a:lstStyle/>
+                    <a:p>
+                      <a:pPr algn="ctr" fontAlgn="ctr"/>
+                      <a:r>
+                        <a:rPr lang="en-ID" sz="1100" u="none" strike="noStrike" dirty="0" err="1">
+                          <a:effectLst/>
+                        </a:rPr>
+                        <a:t>Jumlah</a:t>
+                      </a:r>
+                      <a:endParaRPr lang="en-ID" sz="1100" b="0" i="0" u="none" strike="noStrike" dirty="0">
+                        <a:solidFill>
+                          <a:srgbClr val="000000"/>
+                        </a:solidFill>
+                        <a:effectLst/>
+                        <a:latin typeface="Calibri" panose="020F0502020204030204" pitchFamily="34" charset="0"/>
+                      </a:endParaRPr>
+                    </a:p>
+                  </a:txBody>
+                  <a:tcPr marL="9525" marR="9525" marT="9525" marB="0" anchor="ctr"/>
+                </a:tc>
+                <a:tc>
+                  <a:txBody>
+                    <a:bodyPr/>
+                    <a:lstStyle/>
+                    <a:p>
+                      <a:pPr algn="ctr" fontAlgn="ctr"/>
+                      <a:r>
+                        <a:rPr lang="en-ID" sz="1100" u="none" strike="noStrike" dirty="0">
+                          <a:effectLst/>
+                        </a:rPr>
+                        <a:t>50</a:t>
+                      </a:r>
+                      <a:endParaRPr lang="en-ID" sz="1100" b="0" i="0" u="none" strike="noStrike" dirty="0">
+                        <a:solidFill>
+                          <a:srgbClr val="000000"/>
+                        </a:solidFill>
+                        <a:effectLst/>
+                        <a:latin typeface="Calibri" panose="020F0502020204030204" pitchFamily="34" charset="0"/>
+                      </a:endParaRPr>
+                    </a:p>
+                  </a:txBody>
+                  <a:tcPr marL="9525" marR="9525" marT="9525" marB="0" anchor="ctr"/>
+                </a:tc>
+                <a:tc gridSpan="3">
+                  <a:txBody>
+                    <a:bodyPr/>
+                    <a:lstStyle/>
+                    <a:p>
+                      <a:pPr algn="ctr" fontAlgn="ctr"/>
+                      <a:endParaRPr lang="en-ID" sz="1100" b="0" i="0" u="none" strike="noStrike" dirty="0">
+                        <a:solidFill>
+                          <a:srgbClr val="000000"/>
+                        </a:solidFill>
+                        <a:effectLst/>
+                        <a:latin typeface="Calibri" panose="020F0502020204030204" pitchFamily="34" charset="0"/>
+                      </a:endParaRPr>
+                    </a:p>
+                  </a:txBody>
+                  <a:tcPr marL="9525" marR="9525" marT="9525" marB="0" anchor="ctr"/>
+                </a:tc>
+                <a:tc hMerge="1">
+                  <a:txBody>
+                    <a:bodyPr/>
+                    <a:lstStyle/>
+                    <a:p>
+                      <a:pPr algn="ctr" fontAlgn="ctr"/>
+                      <a:endParaRPr lang="en-ID" sz="1100" b="0" i="0" u="none" strike="noStrike">
+                        <a:solidFill>
+                          <a:srgbClr val="000000"/>
+                        </a:solidFill>
+                        <a:effectLst/>
+                        <a:latin typeface="Calibri" panose="020F0502020204030204" pitchFamily="34" charset="0"/>
+                      </a:endParaRPr>
+                    </a:p>
+                  </a:txBody>
+                  <a:tcPr marL="9525" marR="9525" marT="9525" marB="0" anchor="ctr"/>
+                </a:tc>
+                <a:tc hMerge="1">
+                  <a:txBody>
+                    <a:bodyPr/>
+                    <a:lstStyle/>
+                    <a:p>
+                      <a:pPr algn="l" fontAlgn="b"/>
+                      <a:endParaRPr lang="en-ID" sz="1100" b="0" i="0" u="none" strike="noStrike" dirty="0">
+                        <a:solidFill>
+                          <a:srgbClr val="000000"/>
+                        </a:solidFill>
+                        <a:effectLst/>
+                        <a:latin typeface="Calibri" panose="020F0502020204030204" pitchFamily="34" charset="0"/>
+                      </a:endParaRPr>
+                    </a:p>
+                  </a:txBody>
+                  <a:tcPr marL="9525" marR="9525" marT="9525" marB="0" anchor="b"/>
+                </a:tc>
+                <a:extLst>
+                  <a:ext uri="{0D108BD9-81ED-4DB2-BD59-A6C34878D82A}">
+                    <a16:rowId xmlns:a16="http://schemas.microsoft.com/office/drawing/2014/main" val="2398937598"/>
+                  </a:ext>
+                </a:extLst>
+              </a:tr>
+            </a:tbl>
+          </a:graphicData>
+        </a:graphic>
+      </p:graphicFrame>
+      <p:sp>
+        <p:nvSpPr>
+          <p:cNvPr id="6" name="TextBox 5">
+            <a:extLst>
+              <a:ext uri="{FF2B5EF4-FFF2-40B4-BE49-F238E27FC236}">
+                <a16:creationId xmlns:a16="http://schemas.microsoft.com/office/drawing/2014/main" id="{78C27DC7-64D6-45FA-9700-EC00FFD9005A}"/>
+              </a:ext>
+            </a:extLst>
+          </p:cNvPr>
+          <p:cNvSpPr txBox="1"/>
+          <p:nvPr/>
+        </p:nvSpPr>
+        <p:spPr>
+          <a:xfrm>
+            <a:off x="4139952" y="2308799"/>
+            <a:ext cx="4320480" cy="1754326"/>
+          </a:xfrm>
+          <a:prstGeom prst="rect">
+            <a:avLst/>
+          </a:prstGeom>
+          <a:noFill/>
+        </p:spPr>
+        <p:txBody>
+          <a:bodyPr wrap="square" rtlCol="0">
+            <a:spAutoFit/>
+          </a:bodyPr>
+          <a:lstStyle/>
+          <a:p>
+            <a:r>
+              <a:rPr lang="en-US" dirty="0" err="1"/>
+              <a:t>Mencari</a:t>
+            </a:r>
+            <a:r>
+              <a:rPr lang="en-US" dirty="0"/>
+              <a:t> </a:t>
+            </a:r>
+            <a:r>
+              <a:rPr lang="en-US" dirty="0" err="1"/>
+              <a:t>Posisi</a:t>
+            </a:r>
+            <a:r>
+              <a:rPr lang="en-US" dirty="0"/>
+              <a:t> P10 dan P90</a:t>
+            </a:r>
+          </a:p>
+          <a:p>
+            <a:r>
+              <a:rPr lang="en-US" dirty="0"/>
+              <a:t>P10 = 10/100 x N =&gt; 10/100 x 50 = 5</a:t>
+            </a:r>
+          </a:p>
+          <a:p>
+            <a:r>
+              <a:rPr lang="en-US" dirty="0"/>
+              <a:t>P90 = 90/100 x N =&gt; 90/100 x 50 = 45</a:t>
+            </a:r>
+          </a:p>
+          <a:p>
+            <a:endParaRPr lang="en-US" dirty="0"/>
+          </a:p>
+          <a:p>
+            <a:r>
+              <a:rPr lang="en-US" dirty="0"/>
+              <a:t>P10 = 5 =&gt; Kelas ke-2 (63-68)</a:t>
+            </a:r>
+          </a:p>
+          <a:p>
+            <a:r>
+              <a:rPr lang="en-US" dirty="0"/>
+              <a:t>P90 = 45 =&gt; Kelas ke-7 (93-98)</a:t>
+            </a:r>
+            <a:endParaRPr lang="en-ID" dirty="0"/>
+          </a:p>
+        </p:txBody>
+      </p:sp>
+    </p:spTree>
+    <p:extLst>
+      <p:ext uri="{BB962C8B-B14F-4D97-AF65-F5344CB8AC3E}">
+        <p14:creationId xmlns:p14="http://schemas.microsoft.com/office/powerpoint/2010/main" val="1467381929"/>
+      </p:ext>
+    </p:extLst>
+  </p:cSld>
+  <p:clrMapOvr>
+    <a:masterClrMapping/>
+  </p:clrMapOvr>
+  <mc:AlternateContent xmlns:mc="http://schemas.openxmlformats.org/markup-compatibility/2006">
+    <mc:Choice xmlns:p14="http://schemas.microsoft.com/office/powerpoint/2010/main" Requires="p14">
+      <p:transition spd="slow" p14:dur="1300">
+        <p14:pan dir="u"/>
+      </p:transition>
+    </mc:Choice>
+    <mc:Fallback>
+      <p:transition spd="slow">
+        <p:fade/>
+      </p:transition>
+    </mc:Fallback>
+  </mc:AlternateContent>
+</p:sld>
+</file>
+
+<file path=ppt/slides/slide24.xml><?xml version="1.0" encoding="utf-8"?>
+<p:sld xmlns:a="http://schemas.openxmlformats.org/drawingml/2006/main" xmlns:r="http://schemas.openxmlformats.org/officeDocument/2006/relationships" xmlns:p="http://schemas.openxmlformats.org/presentationml/2006/main">
+  <p:cSld>
+    <p:spTree>
+      <p:nvGrpSpPr>
+        <p:cNvPr id="1" name=""/>
+        <p:cNvGrpSpPr/>
+        <p:nvPr/>
+      </p:nvGrpSpPr>
+      <p:grpSpPr>
+        <a:xfrm>
+          <a:off x="0" y="0"/>
+          <a:ext cx="0" cy="0"/>
+          <a:chOff x="0" y="0"/>
+          <a:chExt cx="0" cy="0"/>
+        </a:xfrm>
+      </p:grpSpPr>
+      <p:sp>
+        <p:nvSpPr>
+          <p:cNvPr id="2" name="Text Placeholder 1">
+            <a:extLst>
+              <a:ext uri="{FF2B5EF4-FFF2-40B4-BE49-F238E27FC236}">
+                <a16:creationId xmlns:a16="http://schemas.microsoft.com/office/drawing/2014/main" id="{0473AE43-C7F9-4584-A8DD-E832B858E4DA}"/>
+              </a:ext>
+            </a:extLst>
+          </p:cNvPr>
+          <p:cNvSpPr>
+            <a:spLocks noGrp="1"/>
+          </p:cNvSpPr>
+          <p:nvPr>
+            <p:ph type="body" sz="quarter" idx="10"/>
+          </p:nvPr>
+        </p:nvSpPr>
+        <p:spPr/>
+        <p:txBody>
+          <a:bodyPr/>
+          <a:lstStyle/>
+          <a:p>
+            <a:r>
+              <a:rPr lang="en-ID" dirty="0" err="1"/>
+              <a:t>Studi</a:t>
+            </a:r>
+            <a:r>
+              <a:rPr lang="en-ID" dirty="0"/>
+              <a:t> </a:t>
+            </a:r>
+            <a:r>
+              <a:rPr lang="en-ID" dirty="0" err="1"/>
+              <a:t>Kasus</a:t>
+            </a:r>
+            <a:endParaRPr lang="en-ID" dirty="0"/>
+          </a:p>
+        </p:txBody>
+      </p:sp>
+      <p:sp>
+        <p:nvSpPr>
+          <p:cNvPr id="3" name="Text Placeholder 2">
+            <a:extLst>
+              <a:ext uri="{FF2B5EF4-FFF2-40B4-BE49-F238E27FC236}">
+                <a16:creationId xmlns:a16="http://schemas.microsoft.com/office/drawing/2014/main" id="{6D500731-E0BB-4876-9894-2FF0535FA48C}"/>
+              </a:ext>
+            </a:extLst>
+          </p:cNvPr>
+          <p:cNvSpPr>
+            <a:spLocks noGrp="1"/>
+          </p:cNvSpPr>
+          <p:nvPr>
+            <p:ph type="body" sz="quarter" idx="11"/>
+          </p:nvPr>
+        </p:nvSpPr>
+        <p:spPr/>
+        <p:txBody>
+          <a:bodyPr/>
+          <a:lstStyle/>
+          <a:p>
+            <a:r>
+              <a:rPr lang="en-US" b="1" dirty="0" err="1"/>
+              <a:t>Tabel</a:t>
+            </a:r>
+            <a:r>
+              <a:rPr lang="en-US" b="1" dirty="0"/>
+              <a:t> data </a:t>
+            </a:r>
+            <a:r>
+              <a:rPr lang="en-US" b="1" dirty="0" err="1"/>
+              <a:t>nilai</a:t>
+            </a:r>
+            <a:r>
+              <a:rPr lang="en-US" b="1" dirty="0"/>
+              <a:t> </a:t>
+            </a:r>
+            <a:r>
+              <a:rPr lang="en-US" b="1" dirty="0" err="1"/>
+              <a:t>ujian</a:t>
+            </a:r>
+            <a:r>
+              <a:rPr lang="en-US" b="1" dirty="0"/>
+              <a:t> Pelajaran Agama Islam 50 </a:t>
+            </a:r>
+            <a:r>
+              <a:rPr lang="en-US" b="1" dirty="0" err="1"/>
+              <a:t>Siswa</a:t>
+            </a:r>
+            <a:endParaRPr lang="en-US" altLang="ko-KR" b="1" dirty="0"/>
+          </a:p>
+        </p:txBody>
+      </p:sp>
+      <p:sp>
+        <p:nvSpPr>
+          <p:cNvPr id="7" name="TextBox 6">
+            <a:extLst>
+              <a:ext uri="{FF2B5EF4-FFF2-40B4-BE49-F238E27FC236}">
+                <a16:creationId xmlns:a16="http://schemas.microsoft.com/office/drawing/2014/main" id="{A966CA1A-8036-4217-B88F-E9BC61D41B37}"/>
+              </a:ext>
+            </a:extLst>
+          </p:cNvPr>
+          <p:cNvSpPr txBox="1"/>
+          <p:nvPr/>
+        </p:nvSpPr>
+        <p:spPr>
+          <a:xfrm>
+            <a:off x="395536" y="1209695"/>
+            <a:ext cx="4113410" cy="707886"/>
+          </a:xfrm>
+          <a:prstGeom prst="rect">
+            <a:avLst/>
+          </a:prstGeom>
+          <a:noFill/>
+        </p:spPr>
+        <p:txBody>
+          <a:bodyPr wrap="square" rtlCol="0" anchor="ctr">
+            <a:spAutoFit/>
+          </a:bodyPr>
+          <a:lstStyle/>
+          <a:p>
+            <a:pPr marL="342900" indent="-342900">
+              <a:buFont typeface="Wingdings" panose="05000000000000000000" pitchFamily="2" charset="2"/>
+              <a:buChar char="è"/>
+            </a:pPr>
+            <a:r>
+              <a:rPr lang="en-US" sz="2000" dirty="0" err="1">
+                <a:sym typeface="Wingdings" panose="05000000000000000000" pitchFamily="2" charset="2"/>
+              </a:rPr>
+              <a:t>Mencari</a:t>
+            </a:r>
+            <a:r>
+              <a:rPr lang="en-US" sz="2000" dirty="0">
+                <a:sym typeface="Wingdings" panose="05000000000000000000" pitchFamily="2" charset="2"/>
+              </a:rPr>
+              <a:t> Nilai </a:t>
+            </a:r>
+            <a:r>
+              <a:rPr lang="en-US" sz="2000" dirty="0" err="1">
+                <a:sym typeface="Wingdings" panose="05000000000000000000" pitchFamily="2" charset="2"/>
+              </a:rPr>
+              <a:t>Persentil</a:t>
+            </a:r>
+            <a:r>
+              <a:rPr lang="en-US" sz="2000" dirty="0">
+                <a:sym typeface="Wingdings" panose="05000000000000000000" pitchFamily="2" charset="2"/>
+              </a:rPr>
+              <a:t> dan </a:t>
+            </a:r>
+            <a:br>
+              <a:rPr lang="en-US" sz="2000" dirty="0">
+                <a:sym typeface="Wingdings" panose="05000000000000000000" pitchFamily="2" charset="2"/>
+              </a:rPr>
+            </a:br>
+            <a:r>
+              <a:rPr lang="en-US" sz="2000" dirty="0" err="1">
+                <a:sym typeface="Wingdings" panose="05000000000000000000" pitchFamily="2" charset="2"/>
+              </a:rPr>
+              <a:t>Jangkauan</a:t>
+            </a:r>
+            <a:r>
+              <a:rPr lang="en-US" sz="2000" dirty="0">
+                <a:sym typeface="Wingdings" panose="05000000000000000000" pitchFamily="2" charset="2"/>
+              </a:rPr>
+              <a:t> </a:t>
+            </a:r>
+            <a:r>
+              <a:rPr lang="en-US" sz="2000" dirty="0" err="1">
+                <a:sym typeface="Wingdings" panose="05000000000000000000" pitchFamily="2" charset="2"/>
+              </a:rPr>
+              <a:t>Persentil</a:t>
+            </a:r>
+            <a:endParaRPr lang="en-US" sz="2000" dirty="0">
+              <a:sym typeface="Wingdings" panose="05000000000000000000" pitchFamily="2" charset="2"/>
+            </a:endParaRPr>
+          </a:p>
+        </p:txBody>
+      </p:sp>
+      <p:pic>
+        <p:nvPicPr>
+          <p:cNvPr id="9" name="Picture 8">
+            <a:extLst>
+              <a:ext uri="{FF2B5EF4-FFF2-40B4-BE49-F238E27FC236}">
+                <a16:creationId xmlns:a16="http://schemas.microsoft.com/office/drawing/2014/main" id="{4B1E1B67-F7C3-47A8-8EA5-B588F92C510C}"/>
+              </a:ext>
+            </a:extLst>
+          </p:cNvPr>
+          <p:cNvPicPr>
+            <a:picLocks noChangeAspect="1"/>
+          </p:cNvPicPr>
+          <p:nvPr/>
+        </p:nvPicPr>
+        <p:blipFill>
+          <a:blip r:embed="rId3">
+            <a:extLst>
+              <a:ext uri="{28A0092B-C50C-407E-A947-70E740481C1C}">
+                <a14:useLocalDpi xmlns:a14="http://schemas.microsoft.com/office/drawing/2010/main" val="0"/>
+              </a:ext>
+            </a:extLst>
+          </a:blip>
+          <a:stretch>
+            <a:fillRect/>
+          </a:stretch>
+        </p:blipFill>
+        <p:spPr>
+          <a:xfrm>
+            <a:off x="393998" y="2139702"/>
+            <a:ext cx="3895725" cy="2733675"/>
+          </a:xfrm>
+          <a:prstGeom prst="rect">
+            <a:avLst/>
+          </a:prstGeom>
+        </p:spPr>
+      </p:pic>
+      <p:sp>
+        <p:nvSpPr>
+          <p:cNvPr id="10" name="TextBox 9">
+            <a:extLst>
+              <a:ext uri="{FF2B5EF4-FFF2-40B4-BE49-F238E27FC236}">
+                <a16:creationId xmlns:a16="http://schemas.microsoft.com/office/drawing/2014/main" id="{FD37252E-1B18-4D05-844E-8FF0C0DDE343}"/>
+              </a:ext>
+            </a:extLst>
+          </p:cNvPr>
+          <p:cNvSpPr txBox="1"/>
+          <p:nvPr/>
+        </p:nvSpPr>
+        <p:spPr>
+          <a:xfrm>
+            <a:off x="4508946" y="2139702"/>
+            <a:ext cx="4241056" cy="2308324"/>
+          </a:xfrm>
+          <a:prstGeom prst="rect">
+            <a:avLst/>
+          </a:prstGeom>
+          <a:noFill/>
+        </p:spPr>
+        <p:txBody>
+          <a:bodyPr wrap="square" rtlCol="0">
+            <a:spAutoFit/>
+          </a:bodyPr>
+          <a:lstStyle/>
+          <a:p>
+            <a:r>
+              <a:rPr lang="en-US" dirty="0"/>
+              <a:t>P10 = 62.5 + (( 1/100.50 – 3)/2) x 6</a:t>
+            </a:r>
+          </a:p>
+          <a:p>
+            <a:r>
+              <a:rPr lang="en-US" dirty="0"/>
+              <a:t>P10 = 62.5 + 6 = 68.5</a:t>
+            </a:r>
+          </a:p>
+          <a:p>
+            <a:endParaRPr lang="en-US" dirty="0"/>
+          </a:p>
+          <a:p>
+            <a:r>
+              <a:rPr lang="en-US" dirty="0"/>
+              <a:t>P90 = 92.5 + ((90/100.50 – 37)/13) x 6</a:t>
+            </a:r>
+          </a:p>
+          <a:p>
+            <a:r>
+              <a:rPr lang="en-US" dirty="0"/>
+              <a:t>P90 = 92.5 </a:t>
+            </a:r>
+            <a:r>
+              <a:rPr lang="en-US"/>
+              <a:t>+ 3.69 = 96.19</a:t>
+            </a:r>
+            <a:endParaRPr lang="en-US" dirty="0"/>
+          </a:p>
+          <a:p>
+            <a:endParaRPr lang="en-US" dirty="0"/>
+          </a:p>
+          <a:p>
+            <a:r>
+              <a:rPr lang="en-US" dirty="0"/>
+              <a:t>JP = ½ x (P90-P10)</a:t>
+            </a:r>
+          </a:p>
+          <a:p>
+            <a:r>
+              <a:rPr lang="en-US" dirty="0"/>
+              <a:t>JP = ½ x 27.69 = 13.85</a:t>
+            </a:r>
+            <a:endParaRPr lang="en-ID" dirty="0"/>
+          </a:p>
+        </p:txBody>
+      </p:sp>
+    </p:spTree>
+    <p:extLst>
+      <p:ext uri="{BB962C8B-B14F-4D97-AF65-F5344CB8AC3E}">
+        <p14:creationId xmlns:p14="http://schemas.microsoft.com/office/powerpoint/2010/main" val="3744216541"/>
+      </p:ext>
+    </p:extLst>
+  </p:cSld>
+  <p:clrMapOvr>
+    <a:masterClrMapping/>
+  </p:clrMapOvr>
+  <mc:AlternateContent xmlns:mc="http://schemas.openxmlformats.org/markup-compatibility/2006">
+    <mc:Choice xmlns:p14="http://schemas.microsoft.com/office/powerpoint/2010/main" Requires="p14">
+      <p:transition spd="slow" p14:dur="1300">
+        <p14:pan dir="u"/>
+      </p:transition>
+    </mc:Choice>
+    <mc:Fallback>
+      <p:transition spd="slow">
+        <p:fade/>
+      </p:transition>
+    </mc:Fallback>
+  </mc:AlternateContent>
 </p:sld>
 </file>
 
@@ -21257,6 +28641,18 @@
   <p:clrMapOvr>
     <a:masterClrMapping/>
   </p:clrMapOvr>
+  <mc:AlternateContent xmlns:mc="http://schemas.openxmlformats.org/markup-compatibility/2006">
+    <mc:Choice xmlns:p14="http://schemas.microsoft.com/office/powerpoint/2010/main" Requires="p14">
+      <p:transition spd="slow" p14:dur="1300">
+        <p14:pan dir="u"/>
+      </p:transition>
+    </mc:Choice>
+    <mc:Fallback>
+      <p:transition spd="slow">
+        <p:fade/>
+      </p:transition>
+    </mc:Fallback>
+  </mc:AlternateContent>
 </p:sld>
 </file>
 
@@ -21597,6 +28993,18 @@
   <p:clrMapOvr>
     <a:masterClrMapping/>
   </p:clrMapOvr>
+  <mc:AlternateContent xmlns:mc="http://schemas.openxmlformats.org/markup-compatibility/2006">
+    <mc:Choice xmlns:p14="http://schemas.microsoft.com/office/powerpoint/2010/main" Requires="p14">
+      <p:transition spd="slow" p14:dur="1300">
+        <p14:pan dir="u"/>
+      </p:transition>
+    </mc:Choice>
+    <mc:Fallback>
+      <p:transition spd="slow">
+        <p:fade/>
+      </p:transition>
+    </mc:Fallback>
+  </mc:AlternateContent>
 </p:sld>
 </file>
 
@@ -21829,6 +29237,18 @@
   <p:clrMapOvr>
     <a:masterClrMapping/>
   </p:clrMapOvr>
+  <mc:AlternateContent xmlns:mc="http://schemas.openxmlformats.org/markup-compatibility/2006">
+    <mc:Choice xmlns:p14="http://schemas.microsoft.com/office/powerpoint/2010/main" Requires="p14">
+      <p:transition spd="slow" p14:dur="1300">
+        <p14:pan dir="u"/>
+      </p:transition>
+    </mc:Choice>
+    <mc:Fallback>
+      <p:transition spd="slow">
+        <p:fade/>
+      </p:transition>
+    </mc:Fallback>
+  </mc:AlternateContent>
 </p:sld>
 </file>
 
@@ -22268,6 +29688,18 @@
   <p:clrMapOvr>
     <a:masterClrMapping/>
   </p:clrMapOvr>
+  <mc:AlternateContent xmlns:mc="http://schemas.openxmlformats.org/markup-compatibility/2006">
+    <mc:Choice xmlns:p14="http://schemas.microsoft.com/office/powerpoint/2010/main" Requires="p14">
+      <p:transition spd="slow" p14:dur="1300">
+        <p14:pan dir="u"/>
+      </p:transition>
+    </mc:Choice>
+    <mc:Fallback>
+      <p:transition spd="slow">
+        <p:fade/>
+      </p:transition>
+    </mc:Fallback>
+  </mc:AlternateContent>
 </p:sld>
 </file>
 
@@ -22678,6 +30110,18 @@
   <p:clrMapOvr>
     <a:masterClrMapping/>
   </p:clrMapOvr>
+  <mc:AlternateContent xmlns:mc="http://schemas.openxmlformats.org/markup-compatibility/2006">
+    <mc:Choice xmlns:p14="http://schemas.microsoft.com/office/powerpoint/2010/main" Requires="p14">
+      <p:transition spd="slow" p14:dur="1300">
+        <p14:pan dir="u"/>
+      </p:transition>
+    </mc:Choice>
+    <mc:Fallback>
+      <p:transition spd="slow">
+        <p:fade/>
+      </p:transition>
+    </mc:Fallback>
+  </mc:AlternateContent>
 </p:sld>
 </file>
 
@@ -23114,6 +30558,18 @@
   <p:clrMapOvr>
     <a:masterClrMapping/>
   </p:clrMapOvr>
+  <mc:AlternateContent xmlns:mc="http://schemas.openxmlformats.org/markup-compatibility/2006">
+    <mc:Choice xmlns:p14="http://schemas.microsoft.com/office/powerpoint/2010/main" Requires="p14">
+      <p:transition spd="slow" p14:dur="1300">
+        <p14:pan dir="u"/>
+      </p:transition>
+    </mc:Choice>
+    <mc:Fallback>
+      <p:transition spd="slow">
+        <p:fade/>
+      </p:transition>
+    </mc:Fallback>
+  </mc:AlternateContent>
 </p:sld>
 </file>
 
@@ -23708,6 +31164,18 @@
   <p:clrMapOvr>
     <a:masterClrMapping/>
   </p:clrMapOvr>
+  <mc:AlternateContent xmlns:mc="http://schemas.openxmlformats.org/markup-compatibility/2006">
+    <mc:Choice xmlns:p14="http://schemas.microsoft.com/office/powerpoint/2010/main" Requires="p14">
+      <p:transition spd="slow" p14:dur="1300">
+        <p14:pan dir="u"/>
+      </p:transition>
+    </mc:Choice>
+    <mc:Fallback>
+      <p:transition spd="slow">
+        <p:fade/>
+      </p:transition>
+    </mc:Fallback>
+  </mc:AlternateContent>
 </p:sld>
 </file>
 
